--- a/TEAM演示.pptx
+++ b/TEAM演示.pptx
@@ -5,7 +5,7 @@
     <p:sldMasterId id="2147483834" r:id="rId1"/>
   </p:sldMasterIdLst>
   <p:notesMasterIdLst>
-    <p:notesMasterId r:id="rId18"/>
+    <p:notesMasterId r:id="rId21"/>
   </p:notesMasterIdLst>
   <p:sldIdLst>
     <p:sldId id="256" r:id="rId2"/>
@@ -22,8 +22,11 @@
     <p:sldId id="283" r:id="rId13"/>
     <p:sldId id="284" r:id="rId14"/>
     <p:sldId id="266" r:id="rId15"/>
-    <p:sldId id="267" r:id="rId16"/>
-    <p:sldId id="271" r:id="rId17"/>
+    <p:sldId id="285" r:id="rId16"/>
+    <p:sldId id="286" r:id="rId17"/>
+    <p:sldId id="287" r:id="rId18"/>
+    <p:sldId id="267" r:id="rId19"/>
+    <p:sldId id="271" r:id="rId20"/>
   </p:sldIdLst>
   <p:sldSz cx="9144000" cy="6858000" type="screen4x3"/>
   <p:notesSz cx="6858000" cy="9144000"/>
@@ -12255,7 +12258,7 @@
           <a:p>
             <a:fld id="{2E092500-0250-4E6B-8B96-4CFFB342C220}" type="slidenum">
               <a:rPr lang="zh-CN" altLang="en-US" smtClean="0"/>
-              <a:t>15</a:t>
+              <a:t>18</a:t>
             </a:fld>
             <a:endParaRPr lang="zh-CN" altLang="en-US"/>
           </a:p>
@@ -12357,7 +12360,7 @@
           <a:p>
             <a:fld id="{2E092500-0250-4E6B-8B96-4CFFB342C220}" type="slidenum">
               <a:rPr lang="zh-CN" altLang="en-US" smtClean="0"/>
-              <a:t>16</a:t>
+              <a:t>19</a:t>
             </a:fld>
             <a:endParaRPr lang="zh-CN" altLang="en-US"/>
           </a:p>
@@ -20979,15 +20982,196 @@
         </p:spPr>
         <p:txBody>
           <a:bodyPr>
-            <a:normAutofit/>
+            <a:normAutofit lnSpcReduction="10000"/>
           </a:bodyPr>
           <a:lstStyle/>
           <a:p>
-            <a:endParaRPr lang="zh-CN" altLang="en-US" sz="1700" dirty="0">
-              <a:solidFill>
-                <a:srgbClr val="FFFFFF"/>
-              </a:solidFill>
-            </a:endParaRPr>
+            <a:r>
+              <a:rPr lang="en-US" altLang="zh-CN" sz="1700" dirty="0">
+                <a:solidFill>
+                  <a:srgbClr val="FFFFFF"/>
+                </a:solidFill>
+              </a:rPr>
+              <a:t>Feature: </a:t>
+            </a:r>
+            <a:r>
+              <a:rPr lang="zh-CN" altLang="en-US" sz="1700" dirty="0">
+                <a:solidFill>
+                  <a:srgbClr val="FFFFFF"/>
+                </a:solidFill>
+              </a:rPr>
+              <a:t>进站</a:t>
+            </a:r>
+          </a:p>
+          <a:p>
+            <a:r>
+              <a:rPr lang="en-US" altLang="zh-CN" sz="1700" dirty="0">
+                <a:solidFill>
+                  <a:srgbClr val="FFFFFF"/>
+                </a:solidFill>
+              </a:rPr>
+              <a:t>Scenario: </a:t>
+            </a:r>
+            <a:r>
+              <a:rPr lang="zh-CN" altLang="en-US" sz="1700" dirty="0">
+                <a:solidFill>
+                  <a:srgbClr val="FFFFFF"/>
+                </a:solidFill>
+              </a:rPr>
+              <a:t>乘客刷卡进入地铁站</a:t>
+            </a:r>
+          </a:p>
+          <a:p>
+            <a:r>
+              <a:rPr lang="en-US" altLang="zh-CN" sz="1700" dirty="0">
+                <a:solidFill>
+                  <a:srgbClr val="FFFFFF"/>
+                </a:solidFill>
+              </a:rPr>
+              <a:t>Given:</a:t>
+            </a:r>
+            <a:r>
+              <a:rPr lang="zh-CN" altLang="en-US" sz="1700" dirty="0">
+                <a:solidFill>
+                  <a:srgbClr val="FFFFFF"/>
+                </a:solidFill>
+              </a:rPr>
+              <a:t>地铁在正常运营。</a:t>
+            </a:r>
+          </a:p>
+          <a:p>
+            <a:r>
+              <a:rPr lang="en-US" altLang="zh-CN" sz="1700" dirty="0">
+                <a:solidFill>
+                  <a:srgbClr val="FFFFFF"/>
+                </a:solidFill>
+              </a:rPr>
+              <a:t>When:</a:t>
+            </a:r>
+          </a:p>
+          <a:p>
+            <a:r>
+              <a:rPr lang="zh-CN" altLang="en-US" sz="1700" dirty="0">
+                <a:solidFill>
+                  <a:srgbClr val="FFFFFF"/>
+                </a:solidFill>
+              </a:rPr>
+              <a:t>乘客在刷卡器上刷卡。</a:t>
+            </a:r>
+          </a:p>
+          <a:p>
+            <a:r>
+              <a:rPr lang="zh-CN" altLang="en-US" sz="1700" dirty="0">
+                <a:solidFill>
+                  <a:srgbClr val="FFFFFF"/>
+                </a:solidFill>
+              </a:rPr>
+              <a:t>系统检测单向通道可通行。</a:t>
+            </a:r>
+          </a:p>
+          <a:p>
+            <a:r>
+              <a:rPr lang="zh-CN" altLang="en-US" sz="1700" dirty="0">
+                <a:solidFill>
+                  <a:srgbClr val="FFFFFF"/>
+                </a:solidFill>
+              </a:rPr>
+              <a:t>系统读卡 。</a:t>
+            </a:r>
+          </a:p>
+          <a:p>
+            <a:r>
+              <a:rPr lang="zh-CN" altLang="en-US" sz="1700" dirty="0">
+                <a:solidFill>
+                  <a:srgbClr val="FFFFFF"/>
+                </a:solidFill>
+              </a:rPr>
+              <a:t>系统确认卡片有效。</a:t>
+            </a:r>
+          </a:p>
+          <a:p>
+            <a:r>
+              <a:rPr lang="zh-CN" altLang="en-US" sz="1700" dirty="0">
+                <a:solidFill>
+                  <a:srgbClr val="FFFFFF"/>
+                </a:solidFill>
+              </a:rPr>
+              <a:t>系统连接到账目中心。</a:t>
+            </a:r>
+          </a:p>
+          <a:p>
+            <a:r>
+              <a:rPr lang="zh-CN" altLang="en-US" sz="1700" dirty="0">
+                <a:solidFill>
+                  <a:srgbClr val="FFFFFF"/>
+                </a:solidFill>
+              </a:rPr>
+              <a:t>系统查验余额充足。</a:t>
+            </a:r>
+          </a:p>
+          <a:p>
+            <a:r>
+              <a:rPr lang="zh-CN" altLang="en-US" sz="1700" dirty="0">
+                <a:solidFill>
+                  <a:srgbClr val="FFFFFF"/>
+                </a:solidFill>
+              </a:rPr>
+              <a:t>账户中心返回通过和余额信息</a:t>
+            </a:r>
+          </a:p>
+          <a:p>
+            <a:r>
+              <a:rPr lang="zh-CN" altLang="en-US" sz="1700" dirty="0">
+                <a:solidFill>
+                  <a:srgbClr val="FFFFFF"/>
+                </a:solidFill>
+              </a:rPr>
+              <a:t>系统打开扇门同时保持打开</a:t>
+            </a:r>
+            <a:r>
+              <a:rPr lang="en-US" altLang="zh-CN" sz="1700" dirty="0">
+                <a:solidFill>
+                  <a:srgbClr val="FFFFFF"/>
+                </a:solidFill>
+              </a:rPr>
+              <a:t>10</a:t>
+            </a:r>
+            <a:r>
+              <a:rPr lang="zh-CN" altLang="en-US" sz="1700" dirty="0">
+                <a:solidFill>
+                  <a:srgbClr val="FFFFFF"/>
+                </a:solidFill>
+              </a:rPr>
+              <a:t>秒。</a:t>
+            </a:r>
+          </a:p>
+          <a:p>
+            <a:r>
+              <a:rPr lang="zh-CN" altLang="en-US" sz="1700" dirty="0">
+                <a:solidFill>
+                  <a:srgbClr val="FFFFFF"/>
+                </a:solidFill>
+              </a:rPr>
+              <a:t>系统关闭扇门。</a:t>
+            </a:r>
+          </a:p>
+          <a:p>
+            <a:r>
+              <a:rPr lang="en-US" altLang="zh-CN" sz="1700" dirty="0">
+                <a:solidFill>
+                  <a:srgbClr val="FFFFFF"/>
+                </a:solidFill>
+              </a:rPr>
+              <a:t>Then:</a:t>
+            </a:r>
+            <a:r>
+              <a:rPr lang="zh-CN" altLang="en-US" sz="1700" dirty="0">
+                <a:solidFill>
+                  <a:srgbClr val="FFFFFF"/>
+                </a:solidFill>
+              </a:rPr>
+              <a:t>乘客已进站</a:t>
+            </a:r>
           </a:p>
         </p:txBody>
       </p:sp>
@@ -21091,8 +21275,37 @@
           <a:bodyPr rtlCol="0" anchor="ctr"/>
           <a:lstStyle/>
           <a:p>
-            <a:pPr algn="ctr"/>
-            <a:endParaRPr lang="en-US"/>
+            <a:pPr marL="0" marR="0" lvl="0" indent="0" algn="ctr" defTabSz="914400" rtl="0" eaLnBrk="1" fontAlgn="auto" latinLnBrk="0" hangingPunct="1">
+              <a:lnSpc>
+                <a:spcPct val="100000"/>
+              </a:lnSpc>
+              <a:spcBef>
+                <a:spcPts val="0"/>
+              </a:spcBef>
+              <a:spcAft>
+                <a:spcPts val="0"/>
+              </a:spcAft>
+              <a:buClrTx/>
+              <a:buSzTx/>
+              <a:buFontTx/>
+              <a:buNone/>
+              <a:tabLst/>
+              <a:defRPr/>
+            </a:pPr>
+            <a:endParaRPr kumimoji="0" lang="en-US" sz="1800" b="0" i="0" u="none" strike="noStrike" kern="1200" cap="none" spc="0" normalizeH="0" baseline="0" noProof="0">
+              <a:ln>
+                <a:noFill/>
+              </a:ln>
+              <a:solidFill>
+                <a:prstClr val="white"/>
+              </a:solidFill>
+              <a:effectLst/>
+              <a:uLnTx/>
+              <a:uFillTx/>
+              <a:latin typeface="等线" panose="020F0502020204030204"/>
+              <a:ea typeface="+mn-ea"/>
+              <a:cs typeface="+mn-cs"/>
+            </a:endParaRPr>
           </a:p>
         </p:txBody>
       </p:sp>
@@ -21156,11 +21369,36 @@
           <a:bodyPr rtlCol="0" anchor="ctr"/>
           <a:lstStyle/>
           <a:p>
-            <a:pPr algn="ctr"/>
-            <a:endParaRPr lang="en-US">
+            <a:pPr marL="0" marR="0" lvl="0" indent="0" algn="ctr" defTabSz="914400" rtl="0" eaLnBrk="1" fontAlgn="auto" latinLnBrk="0" hangingPunct="1">
+              <a:lnSpc>
+                <a:spcPct val="100000"/>
+              </a:lnSpc>
+              <a:spcBef>
+                <a:spcPts val="0"/>
+              </a:spcBef>
+              <a:spcAft>
+                <a:spcPts val="0"/>
+              </a:spcAft>
+              <a:buClrTx/>
+              <a:buSzTx/>
+              <a:buFontTx/>
+              <a:buNone/>
+              <a:tabLst/>
+              <a:defRPr/>
+            </a:pPr>
+            <a:endParaRPr kumimoji="0" lang="en-US" sz="1800" b="0" i="0" u="none" strike="noStrike" kern="1200" cap="none" spc="0" normalizeH="0" baseline="0" noProof="0">
+              <a:ln>
+                <a:noFill/>
+              </a:ln>
               <a:solidFill>
-                <a:schemeClr val="accent2"/>
+                <a:srgbClr val="ED7D31"/>
               </a:solidFill>
+              <a:effectLst/>
+              <a:uLnTx/>
+              <a:uFillTx/>
+              <a:latin typeface="等线" panose="020F0502020204030204"/>
+              <a:ea typeface="+mn-ea"/>
+              <a:cs typeface="+mn-cs"/>
             </a:endParaRPr>
           </a:p>
         </p:txBody>
@@ -21226,6 +21464,1480 @@
           <a:bodyPr rtlCol="0" anchor="ctr"/>
           <a:lstStyle/>
           <a:p>
+            <a:pPr marL="0" marR="0" lvl="0" indent="0" algn="ctr" defTabSz="914400" rtl="0" eaLnBrk="1" fontAlgn="auto" latinLnBrk="0" hangingPunct="1">
+              <a:lnSpc>
+                <a:spcPct val="100000"/>
+              </a:lnSpc>
+              <a:spcBef>
+                <a:spcPts val="0"/>
+              </a:spcBef>
+              <a:spcAft>
+                <a:spcPts val="0"/>
+              </a:spcAft>
+              <a:buClrTx/>
+              <a:buSzTx/>
+              <a:buFontTx/>
+              <a:buNone/>
+              <a:tabLst/>
+              <a:defRPr/>
+            </a:pPr>
+            <a:endParaRPr kumimoji="0" lang="en-US" sz="1800" b="0" i="0" u="none" strike="noStrike" kern="1200" cap="none" spc="0" normalizeH="0" baseline="0" noProof="0">
+              <a:ln>
+                <a:noFill/>
+              </a:ln>
+              <a:solidFill>
+                <a:prstClr val="white"/>
+              </a:solidFill>
+              <a:effectLst/>
+              <a:uLnTx/>
+              <a:uFillTx/>
+              <a:latin typeface="等线" panose="020F0502020204030204"/>
+              <a:ea typeface="+mn-ea"/>
+              <a:cs typeface="+mn-cs"/>
+            </a:endParaRPr>
+          </a:p>
+        </p:txBody>
+      </p:sp>
+      <p:sp>
+        <p:nvSpPr>
+          <p:cNvPr id="2" name="标题 1">
+            <a:extLst>
+              <a:ext uri="{FF2B5EF4-FFF2-40B4-BE49-F238E27FC236}">
+                <a16:creationId xmlns:a16="http://schemas.microsoft.com/office/drawing/2014/main" id="{861546CC-0EA4-44F1-913D-126DCD3320F4}"/>
+              </a:ext>
+            </a:extLst>
+          </p:cNvPr>
+          <p:cNvSpPr>
+            <a:spLocks noGrp="1"/>
+          </p:cNvSpPr>
+          <p:nvPr>
+            <p:ph type="title"/>
+          </p:nvPr>
+        </p:nvSpPr>
+        <p:spPr>
+          <a:xfrm>
+            <a:off x="1332129" y="1608667"/>
+            <a:ext cx="1917293" cy="4491015"/>
+          </a:xfrm>
+        </p:spPr>
+        <p:txBody>
+          <a:bodyPr anchor="t">
+            <a:normAutofit/>
+          </a:bodyPr>
+          <a:lstStyle/>
+          <a:p>
+            <a:pPr algn="r"/>
+            <a:r>
+              <a:rPr lang="zh-CN" altLang="en-US" sz="2800">
+                <a:solidFill>
+                  <a:srgbClr val="FFFFFF"/>
+                </a:solidFill>
+              </a:rPr>
+              <a:t>结果展示</a:t>
+            </a:r>
+            <a:r>
+              <a:rPr lang="en-US" altLang="zh-CN" sz="2800">
+                <a:solidFill>
+                  <a:srgbClr val="FFFFFF"/>
+                </a:solidFill>
+              </a:rPr>
+              <a:t>-GWT</a:t>
+            </a:r>
+            <a:endParaRPr lang="zh-CN" altLang="en-US" sz="2800">
+              <a:solidFill>
+                <a:srgbClr val="FFFFFF"/>
+              </a:solidFill>
+            </a:endParaRPr>
+          </a:p>
+        </p:txBody>
+      </p:sp>
+      <p:sp>
+        <p:nvSpPr>
+          <p:cNvPr id="3" name="内容占位符 2">
+            <a:extLst>
+              <a:ext uri="{FF2B5EF4-FFF2-40B4-BE49-F238E27FC236}">
+                <a16:creationId xmlns:a16="http://schemas.microsoft.com/office/drawing/2014/main" id="{364AC47D-604C-41DD-9214-C31866A7C0DE}"/>
+              </a:ext>
+            </a:extLst>
+          </p:cNvPr>
+          <p:cNvSpPr>
+            <a:spLocks noGrp="1"/>
+          </p:cNvSpPr>
+          <p:nvPr>
+            <p:ph idx="1"/>
+          </p:nvPr>
+        </p:nvSpPr>
+        <p:spPr>
+          <a:xfrm>
+            <a:off x="3732021" y="1608667"/>
+            <a:ext cx="4718431" cy="4491015"/>
+          </a:xfrm>
+        </p:spPr>
+        <p:txBody>
+          <a:bodyPr>
+            <a:normAutofit/>
+          </a:bodyPr>
+          <a:lstStyle/>
+          <a:p>
+            <a:r>
+              <a:rPr lang="en-US" altLang="zh-CN" sz="1700" dirty="0">
+                <a:solidFill>
+                  <a:srgbClr val="FFFFFF"/>
+                </a:solidFill>
+              </a:rPr>
+              <a:t>Feature: </a:t>
+            </a:r>
+            <a:r>
+              <a:rPr lang="zh-CN" altLang="en-US" sz="1700" dirty="0">
+                <a:solidFill>
+                  <a:srgbClr val="FFFFFF"/>
+                </a:solidFill>
+              </a:rPr>
+              <a:t>进站</a:t>
+            </a:r>
+          </a:p>
+          <a:p>
+            <a:r>
+              <a:rPr lang="en-US" altLang="zh-CN" sz="1700" dirty="0">
+                <a:solidFill>
+                  <a:srgbClr val="FFFFFF"/>
+                </a:solidFill>
+              </a:rPr>
+              <a:t>Scenario:</a:t>
+            </a:r>
+            <a:r>
+              <a:rPr lang="zh-CN" altLang="en-US" sz="1700" dirty="0">
+                <a:solidFill>
+                  <a:srgbClr val="FFFFFF"/>
+                </a:solidFill>
+              </a:rPr>
+              <a:t>系统处理进错方向情况</a:t>
+            </a:r>
+          </a:p>
+          <a:p>
+            <a:r>
+              <a:rPr lang="en-US" altLang="zh-CN" sz="1700" dirty="0">
+                <a:solidFill>
+                  <a:srgbClr val="FFFFFF"/>
+                </a:solidFill>
+              </a:rPr>
+              <a:t>Given:</a:t>
+            </a:r>
+            <a:r>
+              <a:rPr lang="zh-CN" altLang="en-US" sz="1700" dirty="0">
+                <a:solidFill>
+                  <a:srgbClr val="FFFFFF"/>
+                </a:solidFill>
+              </a:rPr>
+              <a:t>地铁在正常运营。</a:t>
+            </a:r>
+          </a:p>
+          <a:p>
+            <a:r>
+              <a:rPr lang="zh-CN" altLang="en-US" sz="1700" dirty="0">
+                <a:solidFill>
+                  <a:srgbClr val="FFFFFF"/>
+                </a:solidFill>
+              </a:rPr>
+              <a:t>系统检验单向通道不可通行。</a:t>
+            </a:r>
+          </a:p>
+          <a:p>
+            <a:r>
+              <a:rPr lang="en-US" altLang="zh-CN" sz="1700" dirty="0">
+                <a:solidFill>
+                  <a:srgbClr val="FFFFFF"/>
+                </a:solidFill>
+              </a:rPr>
+              <a:t>When:</a:t>
+            </a:r>
+          </a:p>
+          <a:p>
+            <a:r>
+              <a:rPr lang="zh-CN" altLang="en-US" sz="1700" dirty="0">
+                <a:solidFill>
+                  <a:srgbClr val="FFFFFF"/>
+                </a:solidFill>
+              </a:rPr>
+              <a:t>系统警告用户此路不通。</a:t>
+            </a:r>
+          </a:p>
+          <a:p>
+            <a:r>
+              <a:rPr lang="en-US" altLang="zh-CN" sz="1700" dirty="0">
+                <a:solidFill>
+                  <a:srgbClr val="FFFFFF"/>
+                </a:solidFill>
+              </a:rPr>
+              <a:t>Then:</a:t>
+            </a:r>
+            <a:r>
+              <a:rPr lang="zh-CN" altLang="en-US" sz="1700" dirty="0">
+                <a:solidFill>
+                  <a:srgbClr val="FFFFFF"/>
+                </a:solidFill>
+              </a:rPr>
+              <a:t>系统回到初始状态。系统保持通道关闭。</a:t>
+            </a:r>
+          </a:p>
+        </p:txBody>
+      </p:sp>
+    </p:spTree>
+    <p:extLst>
+      <p:ext uri="{BB962C8B-B14F-4D97-AF65-F5344CB8AC3E}">
+        <p14:creationId xmlns:p14="http://schemas.microsoft.com/office/powerpoint/2010/main" val="1878084038"/>
+      </p:ext>
+    </p:extLst>
+  </p:cSld>
+  <p:clrMapOvr>
+    <a:overrideClrMapping bg1="dk1" tx1="lt1" bg2="dk2" tx2="lt2" accent1="accent1" accent2="accent2" accent3="accent3" accent4="accent4" accent5="accent5" accent6="accent6" hlink="hlink" folHlink="folHlink"/>
+  </p:clrMapOvr>
+</p:sld>
+</file>
+
+<file path=ppt/slides/slide16.xml><?xml version="1.0" encoding="utf-8"?>
+<p:sld xmlns:a="http://schemas.openxmlformats.org/drawingml/2006/main" xmlns:r="http://schemas.openxmlformats.org/officeDocument/2006/relationships" xmlns:p="http://schemas.openxmlformats.org/presentationml/2006/main">
+  <p:cSld>
+    <p:bg>
+      <p:bgPr>
+        <a:solidFill>
+          <a:schemeClr val="accent5">
+            <a:lumMod val="50000"/>
+          </a:schemeClr>
+        </a:solidFill>
+        <a:effectLst/>
+      </p:bgPr>
+    </p:bg>
+    <p:spTree>
+      <p:nvGrpSpPr>
+        <p:cNvPr id="1" name=""/>
+        <p:cNvGrpSpPr/>
+        <p:nvPr/>
+      </p:nvGrpSpPr>
+      <p:grpSpPr>
+        <a:xfrm>
+          <a:off x="0" y="0"/>
+          <a:ext cx="0" cy="0"/>
+          <a:chOff x="0" y="0"/>
+          <a:chExt cx="0" cy="0"/>
+        </a:xfrm>
+      </p:grpSpPr>
+      <p:sp>
+        <p:nvSpPr>
+          <p:cNvPr id="8" name="Rectangle 7">
+            <a:extLst>
+              <a:ext uri="{FF2B5EF4-FFF2-40B4-BE49-F238E27FC236}">
+                <a16:creationId xmlns:a16="http://schemas.microsoft.com/office/drawing/2014/main" id="{A2ED9029-64A6-4BAE-BA25-DC2A13D43EDE}"/>
+              </a:ext>
+              <a:ext uri="{C183D7F6-B498-43B3-948B-1728B52AA6E4}">
+                <adec:decorative xmlns:adec="http://schemas.microsoft.com/office/drawing/2017/decorative" val="1"/>
+              </a:ext>
+            </a:extLst>
+          </p:cNvPr>
+          <p:cNvSpPr>
+            <a:spLocks noGrp="1" noRot="1" noChangeAspect="1" noMove="1" noResize="1" noEditPoints="1" noAdjustHandles="1" noChangeArrowheads="1" noChangeShapeType="1" noTextEdit="1"/>
+          </p:cNvSpPr>
+          <p:nvPr>
+            <p:extLst>
+              <p:ext uri="{386F3935-93C4-4BCD-93E2-E3B085C9AB24}">
+                <p16:designElem xmlns:p16="http://schemas.microsoft.com/office/powerpoint/2015/main" val="1"/>
+              </p:ext>
+            </p:extLst>
+          </p:nvPr>
+        </p:nvSpPr>
+        <p:spPr>
+          <a:xfrm>
+            <a:off x="13375" y="0"/>
+            <a:ext cx="9144000" cy="6858000"/>
+          </a:xfrm>
+          <a:prstGeom prst="rect">
+            <a:avLst/>
+          </a:prstGeom>
+          <a:solidFill>
+            <a:schemeClr val="accent5">
+              <a:lumMod val="50000"/>
+            </a:schemeClr>
+          </a:solidFill>
+          <a:ln>
+            <a:noFill/>
+          </a:ln>
+        </p:spPr>
+        <p:style>
+          <a:lnRef idx="2">
+            <a:schemeClr val="accent1">
+              <a:shade val="50000"/>
+            </a:schemeClr>
+          </a:lnRef>
+          <a:fillRef idx="1">
+            <a:schemeClr val="accent1"/>
+          </a:fillRef>
+          <a:effectRef idx="0">
+            <a:schemeClr val="accent1"/>
+          </a:effectRef>
+          <a:fontRef idx="minor">
+            <a:schemeClr val="lt1"/>
+          </a:fontRef>
+        </p:style>
+        <p:txBody>
+          <a:bodyPr rtlCol="0" anchor="ctr"/>
+          <a:lstStyle/>
+          <a:p>
+            <a:pPr marL="0" marR="0" lvl="0" indent="0" algn="ctr" defTabSz="914400" rtl="0" eaLnBrk="1" fontAlgn="auto" latinLnBrk="0" hangingPunct="1">
+              <a:lnSpc>
+                <a:spcPct val="100000"/>
+              </a:lnSpc>
+              <a:spcBef>
+                <a:spcPts val="0"/>
+              </a:spcBef>
+              <a:spcAft>
+                <a:spcPts val="0"/>
+              </a:spcAft>
+              <a:buClrTx/>
+              <a:buSzTx/>
+              <a:buFontTx/>
+              <a:buNone/>
+              <a:tabLst/>
+              <a:defRPr/>
+            </a:pPr>
+            <a:endParaRPr kumimoji="0" lang="en-US" sz="1800" b="0" i="0" u="none" strike="noStrike" kern="1200" cap="none" spc="0" normalizeH="0" baseline="0" noProof="0">
+              <a:ln>
+                <a:noFill/>
+              </a:ln>
+              <a:solidFill>
+                <a:prstClr val="white"/>
+              </a:solidFill>
+              <a:effectLst/>
+              <a:uLnTx/>
+              <a:uFillTx/>
+              <a:latin typeface="等线" panose="020F0502020204030204"/>
+              <a:ea typeface="+mn-ea"/>
+              <a:cs typeface="+mn-cs"/>
+            </a:endParaRPr>
+          </a:p>
+        </p:txBody>
+      </p:sp>
+      <p:sp>
+        <p:nvSpPr>
+          <p:cNvPr id="10" name="Rectangle 9">
+            <a:extLst>
+              <a:ext uri="{FF2B5EF4-FFF2-40B4-BE49-F238E27FC236}">
+                <a16:creationId xmlns:a16="http://schemas.microsoft.com/office/drawing/2014/main" id="{DAFABACF-DDBE-415C-8EE1-F7DD68C632C6}"/>
+              </a:ext>
+              <a:ext uri="{C183D7F6-B498-43B3-948B-1728B52AA6E4}">
+                <adec:decorative xmlns:adec="http://schemas.microsoft.com/office/drawing/2017/decorative" val="1"/>
+              </a:ext>
+            </a:extLst>
+          </p:cNvPr>
+          <p:cNvSpPr>
+            <a:spLocks noGrp="1" noRot="1" noChangeAspect="1" noMove="1" noResize="1" noEditPoints="1" noAdjustHandles="1" noChangeArrowheads="1" noChangeShapeType="1" noTextEdit="1"/>
+          </p:cNvSpPr>
+          <p:nvPr>
+            <p:extLst>
+              <p:ext uri="{386F3935-93C4-4BCD-93E2-E3B085C9AB24}">
+                <p16:designElem xmlns:p16="http://schemas.microsoft.com/office/powerpoint/2015/main" val="1"/>
+              </p:ext>
+            </p:extLst>
+          </p:nvPr>
+        </p:nvSpPr>
+        <p:spPr>
+          <a:xfrm>
+            <a:off x="0" y="0"/>
+            <a:ext cx="1078992" cy="6858000"/>
+          </a:xfrm>
+          <a:prstGeom prst="rect">
+            <a:avLst/>
+          </a:prstGeom>
+          <a:solidFill>
+            <a:schemeClr val="accent5">
+              <a:alpha val="70000"/>
+            </a:schemeClr>
+          </a:solidFill>
+          <a:ln>
+            <a:noFill/>
+          </a:ln>
+        </p:spPr>
+        <p:style>
+          <a:lnRef idx="2">
+            <a:schemeClr val="accent1">
+              <a:shade val="50000"/>
+            </a:schemeClr>
+          </a:lnRef>
+          <a:fillRef idx="1003">
+            <a:schemeClr val="lt1"/>
+          </a:fillRef>
+          <a:effectRef idx="0">
+            <a:schemeClr val="accent1"/>
+          </a:effectRef>
+          <a:fontRef idx="minor">
+            <a:schemeClr val="lt1"/>
+          </a:fontRef>
+        </p:style>
+        <p:txBody>
+          <a:bodyPr rtlCol="0" anchor="ctr"/>
+          <a:lstStyle/>
+          <a:p>
+            <a:pPr marL="0" marR="0" lvl="0" indent="0" algn="ctr" defTabSz="914400" rtl="0" eaLnBrk="1" fontAlgn="auto" latinLnBrk="0" hangingPunct="1">
+              <a:lnSpc>
+                <a:spcPct val="100000"/>
+              </a:lnSpc>
+              <a:spcBef>
+                <a:spcPts val="0"/>
+              </a:spcBef>
+              <a:spcAft>
+                <a:spcPts val="0"/>
+              </a:spcAft>
+              <a:buClrTx/>
+              <a:buSzTx/>
+              <a:buFontTx/>
+              <a:buNone/>
+              <a:tabLst/>
+              <a:defRPr/>
+            </a:pPr>
+            <a:endParaRPr kumimoji="0" lang="en-US" sz="1800" b="0" i="0" u="none" strike="noStrike" kern="1200" cap="none" spc="0" normalizeH="0" baseline="0" noProof="0">
+              <a:ln>
+                <a:noFill/>
+              </a:ln>
+              <a:solidFill>
+                <a:srgbClr val="ED7D31"/>
+              </a:solidFill>
+              <a:effectLst/>
+              <a:uLnTx/>
+              <a:uFillTx/>
+              <a:latin typeface="等线" panose="020F0502020204030204"/>
+              <a:ea typeface="+mn-ea"/>
+              <a:cs typeface="+mn-cs"/>
+            </a:endParaRPr>
+          </a:p>
+        </p:txBody>
+      </p:sp>
+      <p:sp>
+        <p:nvSpPr>
+          <p:cNvPr id="12" name="Rectangle 11">
+            <a:extLst>
+              <a:ext uri="{FF2B5EF4-FFF2-40B4-BE49-F238E27FC236}">
+                <a16:creationId xmlns:a16="http://schemas.microsoft.com/office/drawing/2014/main" id="{41E17A99-1553-4633-ADFB-5CCDCF801D13}"/>
+              </a:ext>
+              <a:ext uri="{C183D7F6-B498-43B3-948B-1728B52AA6E4}">
+                <adec:decorative xmlns:adec="http://schemas.microsoft.com/office/drawing/2017/decorative" val="1"/>
+              </a:ext>
+            </a:extLst>
+          </p:cNvPr>
+          <p:cNvSpPr>
+            <a:spLocks noGrp="1" noRot="1" noChangeAspect="1" noMove="1" noResize="1" noEditPoints="1" noAdjustHandles="1" noChangeArrowheads="1" noChangeShapeType="1" noTextEdit="1"/>
+          </p:cNvSpPr>
+          <p:nvPr>
+            <p:extLst>
+              <p:ext uri="{386F3935-93C4-4BCD-93E2-E3B085C9AB24}">
+                <p16:designElem xmlns:p16="http://schemas.microsoft.com/office/powerpoint/2015/main" val="1"/>
+              </p:ext>
+            </p:extLst>
+          </p:nvPr>
+        </p:nvSpPr>
+        <p:spPr>
+          <a:xfrm>
+            <a:off x="1078992" y="0"/>
+            <a:ext cx="2411730" cy="6858000"/>
+          </a:xfrm>
+          <a:prstGeom prst="rect">
+            <a:avLst/>
+          </a:prstGeom>
+          <a:solidFill>
+            <a:schemeClr val="accent5">
+              <a:lumMod val="75000"/>
+              <a:alpha val="80000"/>
+            </a:schemeClr>
+          </a:solidFill>
+          <a:ln>
+            <a:noFill/>
+          </a:ln>
+        </p:spPr>
+        <p:style>
+          <a:lnRef idx="2">
+            <a:schemeClr val="accent1">
+              <a:shade val="50000"/>
+            </a:schemeClr>
+          </a:lnRef>
+          <a:fillRef idx="1">
+            <a:schemeClr val="accent1"/>
+          </a:fillRef>
+          <a:effectRef idx="0">
+            <a:schemeClr val="accent1"/>
+          </a:effectRef>
+          <a:fontRef idx="minor">
+            <a:schemeClr val="lt1"/>
+          </a:fontRef>
+        </p:style>
+        <p:txBody>
+          <a:bodyPr rtlCol="0" anchor="ctr"/>
+          <a:lstStyle/>
+          <a:p>
+            <a:pPr marL="0" marR="0" lvl="0" indent="0" algn="ctr" defTabSz="914400" rtl="0" eaLnBrk="1" fontAlgn="auto" latinLnBrk="0" hangingPunct="1">
+              <a:lnSpc>
+                <a:spcPct val="100000"/>
+              </a:lnSpc>
+              <a:spcBef>
+                <a:spcPts val="0"/>
+              </a:spcBef>
+              <a:spcAft>
+                <a:spcPts val="0"/>
+              </a:spcAft>
+              <a:buClrTx/>
+              <a:buSzTx/>
+              <a:buFontTx/>
+              <a:buNone/>
+              <a:tabLst/>
+              <a:defRPr/>
+            </a:pPr>
+            <a:endParaRPr kumimoji="0" lang="en-US" sz="1800" b="0" i="0" u="none" strike="noStrike" kern="1200" cap="none" spc="0" normalizeH="0" baseline="0" noProof="0">
+              <a:ln>
+                <a:noFill/>
+              </a:ln>
+              <a:solidFill>
+                <a:prstClr val="white"/>
+              </a:solidFill>
+              <a:effectLst/>
+              <a:uLnTx/>
+              <a:uFillTx/>
+              <a:latin typeface="等线" panose="020F0502020204030204"/>
+              <a:ea typeface="+mn-ea"/>
+              <a:cs typeface="+mn-cs"/>
+            </a:endParaRPr>
+          </a:p>
+        </p:txBody>
+      </p:sp>
+      <p:sp>
+        <p:nvSpPr>
+          <p:cNvPr id="2" name="标题 1">
+            <a:extLst>
+              <a:ext uri="{FF2B5EF4-FFF2-40B4-BE49-F238E27FC236}">
+                <a16:creationId xmlns:a16="http://schemas.microsoft.com/office/drawing/2014/main" id="{861546CC-0EA4-44F1-913D-126DCD3320F4}"/>
+              </a:ext>
+            </a:extLst>
+          </p:cNvPr>
+          <p:cNvSpPr>
+            <a:spLocks noGrp="1"/>
+          </p:cNvSpPr>
+          <p:nvPr>
+            <p:ph type="title"/>
+          </p:nvPr>
+        </p:nvSpPr>
+        <p:spPr>
+          <a:xfrm>
+            <a:off x="1332129" y="1608667"/>
+            <a:ext cx="1917293" cy="4491015"/>
+          </a:xfrm>
+        </p:spPr>
+        <p:txBody>
+          <a:bodyPr anchor="t">
+            <a:normAutofit/>
+          </a:bodyPr>
+          <a:lstStyle/>
+          <a:p>
+            <a:pPr algn="r"/>
+            <a:r>
+              <a:rPr lang="zh-CN" altLang="en-US" sz="2800">
+                <a:solidFill>
+                  <a:srgbClr val="FFFFFF"/>
+                </a:solidFill>
+              </a:rPr>
+              <a:t>结果展示</a:t>
+            </a:r>
+            <a:r>
+              <a:rPr lang="en-US" altLang="zh-CN" sz="2800">
+                <a:solidFill>
+                  <a:srgbClr val="FFFFFF"/>
+                </a:solidFill>
+              </a:rPr>
+              <a:t>-GWT</a:t>
+            </a:r>
+            <a:endParaRPr lang="zh-CN" altLang="en-US" sz="2800">
+              <a:solidFill>
+                <a:srgbClr val="FFFFFF"/>
+              </a:solidFill>
+            </a:endParaRPr>
+          </a:p>
+        </p:txBody>
+      </p:sp>
+      <p:sp>
+        <p:nvSpPr>
+          <p:cNvPr id="3" name="内容占位符 2">
+            <a:extLst>
+              <a:ext uri="{FF2B5EF4-FFF2-40B4-BE49-F238E27FC236}">
+                <a16:creationId xmlns:a16="http://schemas.microsoft.com/office/drawing/2014/main" id="{364AC47D-604C-41DD-9214-C31866A7C0DE}"/>
+              </a:ext>
+            </a:extLst>
+          </p:cNvPr>
+          <p:cNvSpPr>
+            <a:spLocks noGrp="1"/>
+          </p:cNvSpPr>
+          <p:nvPr>
+            <p:ph idx="1"/>
+          </p:nvPr>
+        </p:nvSpPr>
+        <p:spPr>
+          <a:xfrm>
+            <a:off x="3732021" y="1608667"/>
+            <a:ext cx="4718431" cy="4491015"/>
+          </a:xfrm>
+        </p:spPr>
+        <p:txBody>
+          <a:bodyPr>
+            <a:normAutofit/>
+          </a:bodyPr>
+          <a:lstStyle/>
+          <a:p>
+            <a:r>
+              <a:rPr lang="en-US" altLang="zh-CN" sz="1700" dirty="0">
+                <a:solidFill>
+                  <a:srgbClr val="FFFFFF"/>
+                </a:solidFill>
+              </a:rPr>
+              <a:t>Feature: </a:t>
+            </a:r>
+            <a:r>
+              <a:rPr lang="zh-CN" altLang="en-US" sz="1700" dirty="0">
+                <a:solidFill>
+                  <a:srgbClr val="FFFFFF"/>
+                </a:solidFill>
+              </a:rPr>
+              <a:t>进站</a:t>
+            </a:r>
+          </a:p>
+          <a:p>
+            <a:r>
+              <a:rPr lang="en-US" altLang="zh-CN" sz="1700" dirty="0">
+                <a:solidFill>
+                  <a:srgbClr val="FFFFFF"/>
+                </a:solidFill>
+              </a:rPr>
+              <a:t>Scenario:</a:t>
+            </a:r>
+            <a:r>
+              <a:rPr lang="zh-CN" altLang="en-US" sz="1700" dirty="0">
+                <a:solidFill>
+                  <a:srgbClr val="FFFFFF"/>
+                </a:solidFill>
+              </a:rPr>
+              <a:t>系统处理卡片异常情况。</a:t>
+            </a:r>
+          </a:p>
+          <a:p>
+            <a:r>
+              <a:rPr lang="en-US" altLang="zh-CN" sz="1700" dirty="0">
+                <a:solidFill>
+                  <a:srgbClr val="FFFFFF"/>
+                </a:solidFill>
+              </a:rPr>
+              <a:t>Given:</a:t>
+            </a:r>
+            <a:r>
+              <a:rPr lang="zh-CN" altLang="en-US" sz="1700" dirty="0">
+                <a:solidFill>
+                  <a:srgbClr val="FFFFFF"/>
+                </a:solidFill>
+              </a:rPr>
+              <a:t>地铁在正常运营。</a:t>
+            </a:r>
+          </a:p>
+          <a:p>
+            <a:r>
+              <a:rPr lang="zh-CN" altLang="en-US" sz="1700" dirty="0">
+                <a:solidFill>
+                  <a:srgbClr val="FFFFFF"/>
+                </a:solidFill>
+              </a:rPr>
+              <a:t>系统检测到卡片无效。</a:t>
+            </a:r>
+          </a:p>
+          <a:p>
+            <a:r>
+              <a:rPr lang="en-US" altLang="zh-CN" sz="1700" dirty="0">
+                <a:solidFill>
+                  <a:srgbClr val="FFFFFF"/>
+                </a:solidFill>
+              </a:rPr>
+              <a:t>When:</a:t>
+            </a:r>
+          </a:p>
+          <a:p>
+            <a:r>
+              <a:rPr lang="zh-CN" altLang="en-US" sz="1700" dirty="0">
+                <a:solidFill>
+                  <a:srgbClr val="FFFFFF"/>
+                </a:solidFill>
+              </a:rPr>
+              <a:t>系统警告卡片异常。</a:t>
+            </a:r>
+          </a:p>
+          <a:p>
+            <a:r>
+              <a:rPr lang="en-US" altLang="zh-CN" sz="1700" dirty="0">
+                <a:solidFill>
+                  <a:srgbClr val="FFFFFF"/>
+                </a:solidFill>
+              </a:rPr>
+              <a:t>Then:</a:t>
+            </a:r>
+            <a:r>
+              <a:rPr lang="zh-CN" altLang="en-US" sz="1700" dirty="0">
+                <a:solidFill>
+                  <a:srgbClr val="FFFFFF"/>
+                </a:solidFill>
+              </a:rPr>
+              <a:t>系统回到初始状态。</a:t>
+            </a:r>
+          </a:p>
+        </p:txBody>
+      </p:sp>
+    </p:spTree>
+    <p:extLst>
+      <p:ext uri="{BB962C8B-B14F-4D97-AF65-F5344CB8AC3E}">
+        <p14:creationId xmlns:p14="http://schemas.microsoft.com/office/powerpoint/2010/main" val="531931178"/>
+      </p:ext>
+    </p:extLst>
+  </p:cSld>
+  <p:clrMapOvr>
+    <a:overrideClrMapping bg1="dk1" tx1="lt1" bg2="dk2" tx2="lt2" accent1="accent1" accent2="accent2" accent3="accent3" accent4="accent4" accent5="accent5" accent6="accent6" hlink="hlink" folHlink="folHlink"/>
+  </p:clrMapOvr>
+</p:sld>
+</file>
+
+<file path=ppt/slides/slide17.xml><?xml version="1.0" encoding="utf-8"?>
+<p:sld xmlns:a="http://schemas.openxmlformats.org/drawingml/2006/main" xmlns:r="http://schemas.openxmlformats.org/officeDocument/2006/relationships" xmlns:p="http://schemas.openxmlformats.org/presentationml/2006/main">
+  <p:cSld>
+    <p:bg>
+      <p:bgPr>
+        <a:solidFill>
+          <a:schemeClr val="accent5">
+            <a:lumMod val="50000"/>
+          </a:schemeClr>
+        </a:solidFill>
+        <a:effectLst/>
+      </p:bgPr>
+    </p:bg>
+    <p:spTree>
+      <p:nvGrpSpPr>
+        <p:cNvPr id="1" name=""/>
+        <p:cNvGrpSpPr/>
+        <p:nvPr/>
+      </p:nvGrpSpPr>
+      <p:grpSpPr>
+        <a:xfrm>
+          <a:off x="0" y="0"/>
+          <a:ext cx="0" cy="0"/>
+          <a:chOff x="0" y="0"/>
+          <a:chExt cx="0" cy="0"/>
+        </a:xfrm>
+      </p:grpSpPr>
+      <p:sp>
+        <p:nvSpPr>
+          <p:cNvPr id="8" name="Rectangle 7">
+            <a:extLst>
+              <a:ext uri="{FF2B5EF4-FFF2-40B4-BE49-F238E27FC236}">
+                <a16:creationId xmlns:a16="http://schemas.microsoft.com/office/drawing/2014/main" id="{A2ED9029-64A6-4BAE-BA25-DC2A13D43EDE}"/>
+              </a:ext>
+              <a:ext uri="{C183D7F6-B498-43B3-948B-1728B52AA6E4}">
+                <adec:decorative xmlns:adec="http://schemas.microsoft.com/office/drawing/2017/decorative" val="1"/>
+              </a:ext>
+            </a:extLst>
+          </p:cNvPr>
+          <p:cNvSpPr>
+            <a:spLocks noGrp="1" noRot="1" noChangeAspect="1" noMove="1" noResize="1" noEditPoints="1" noAdjustHandles="1" noChangeArrowheads="1" noChangeShapeType="1" noTextEdit="1"/>
+          </p:cNvSpPr>
+          <p:nvPr>
+            <p:extLst>
+              <p:ext uri="{386F3935-93C4-4BCD-93E2-E3B085C9AB24}">
+                <p16:designElem xmlns:p16="http://schemas.microsoft.com/office/powerpoint/2015/main" val="1"/>
+              </p:ext>
+            </p:extLst>
+          </p:nvPr>
+        </p:nvSpPr>
+        <p:spPr>
+          <a:xfrm>
+            <a:off x="13375" y="0"/>
+            <a:ext cx="9144000" cy="6858000"/>
+          </a:xfrm>
+          <a:prstGeom prst="rect">
+            <a:avLst/>
+          </a:prstGeom>
+          <a:solidFill>
+            <a:schemeClr val="accent5">
+              <a:lumMod val="50000"/>
+            </a:schemeClr>
+          </a:solidFill>
+          <a:ln>
+            <a:noFill/>
+          </a:ln>
+        </p:spPr>
+        <p:style>
+          <a:lnRef idx="2">
+            <a:schemeClr val="accent1">
+              <a:shade val="50000"/>
+            </a:schemeClr>
+          </a:lnRef>
+          <a:fillRef idx="1">
+            <a:schemeClr val="accent1"/>
+          </a:fillRef>
+          <a:effectRef idx="0">
+            <a:schemeClr val="accent1"/>
+          </a:effectRef>
+          <a:fontRef idx="minor">
+            <a:schemeClr val="lt1"/>
+          </a:fontRef>
+        </p:style>
+        <p:txBody>
+          <a:bodyPr rtlCol="0" anchor="ctr"/>
+          <a:lstStyle/>
+          <a:p>
+            <a:pPr marL="0" marR="0" lvl="0" indent="0" algn="ctr" defTabSz="914400" rtl="0" eaLnBrk="1" fontAlgn="auto" latinLnBrk="0" hangingPunct="1">
+              <a:lnSpc>
+                <a:spcPct val="100000"/>
+              </a:lnSpc>
+              <a:spcBef>
+                <a:spcPts val="0"/>
+              </a:spcBef>
+              <a:spcAft>
+                <a:spcPts val="0"/>
+              </a:spcAft>
+              <a:buClrTx/>
+              <a:buSzTx/>
+              <a:buFontTx/>
+              <a:buNone/>
+              <a:tabLst/>
+              <a:defRPr/>
+            </a:pPr>
+            <a:endParaRPr kumimoji="0" lang="en-US" sz="1800" b="0" i="0" u="none" strike="noStrike" kern="1200" cap="none" spc="0" normalizeH="0" baseline="0" noProof="0">
+              <a:ln>
+                <a:noFill/>
+              </a:ln>
+              <a:solidFill>
+                <a:prstClr val="white"/>
+              </a:solidFill>
+              <a:effectLst/>
+              <a:uLnTx/>
+              <a:uFillTx/>
+              <a:latin typeface="等线" panose="020F0502020204030204"/>
+              <a:ea typeface="+mn-ea"/>
+              <a:cs typeface="+mn-cs"/>
+            </a:endParaRPr>
+          </a:p>
+        </p:txBody>
+      </p:sp>
+      <p:sp>
+        <p:nvSpPr>
+          <p:cNvPr id="10" name="Rectangle 9">
+            <a:extLst>
+              <a:ext uri="{FF2B5EF4-FFF2-40B4-BE49-F238E27FC236}">
+                <a16:creationId xmlns:a16="http://schemas.microsoft.com/office/drawing/2014/main" id="{DAFABACF-DDBE-415C-8EE1-F7DD68C632C6}"/>
+              </a:ext>
+              <a:ext uri="{C183D7F6-B498-43B3-948B-1728B52AA6E4}">
+                <adec:decorative xmlns:adec="http://schemas.microsoft.com/office/drawing/2017/decorative" val="1"/>
+              </a:ext>
+            </a:extLst>
+          </p:cNvPr>
+          <p:cNvSpPr>
+            <a:spLocks noGrp="1" noRot="1" noChangeAspect="1" noMove="1" noResize="1" noEditPoints="1" noAdjustHandles="1" noChangeArrowheads="1" noChangeShapeType="1" noTextEdit="1"/>
+          </p:cNvSpPr>
+          <p:nvPr>
+            <p:extLst>
+              <p:ext uri="{386F3935-93C4-4BCD-93E2-E3B085C9AB24}">
+                <p16:designElem xmlns:p16="http://schemas.microsoft.com/office/powerpoint/2015/main" val="1"/>
+              </p:ext>
+            </p:extLst>
+          </p:nvPr>
+        </p:nvSpPr>
+        <p:spPr>
+          <a:xfrm>
+            <a:off x="0" y="0"/>
+            <a:ext cx="1078992" cy="6858000"/>
+          </a:xfrm>
+          <a:prstGeom prst="rect">
+            <a:avLst/>
+          </a:prstGeom>
+          <a:solidFill>
+            <a:schemeClr val="accent5">
+              <a:alpha val="70000"/>
+            </a:schemeClr>
+          </a:solidFill>
+          <a:ln>
+            <a:noFill/>
+          </a:ln>
+        </p:spPr>
+        <p:style>
+          <a:lnRef idx="2">
+            <a:schemeClr val="accent1">
+              <a:shade val="50000"/>
+            </a:schemeClr>
+          </a:lnRef>
+          <a:fillRef idx="1003">
+            <a:schemeClr val="lt1"/>
+          </a:fillRef>
+          <a:effectRef idx="0">
+            <a:schemeClr val="accent1"/>
+          </a:effectRef>
+          <a:fontRef idx="minor">
+            <a:schemeClr val="lt1"/>
+          </a:fontRef>
+        </p:style>
+        <p:txBody>
+          <a:bodyPr rtlCol="0" anchor="ctr"/>
+          <a:lstStyle/>
+          <a:p>
+            <a:pPr marL="0" marR="0" lvl="0" indent="0" algn="ctr" defTabSz="914400" rtl="0" eaLnBrk="1" fontAlgn="auto" latinLnBrk="0" hangingPunct="1">
+              <a:lnSpc>
+                <a:spcPct val="100000"/>
+              </a:lnSpc>
+              <a:spcBef>
+                <a:spcPts val="0"/>
+              </a:spcBef>
+              <a:spcAft>
+                <a:spcPts val="0"/>
+              </a:spcAft>
+              <a:buClrTx/>
+              <a:buSzTx/>
+              <a:buFontTx/>
+              <a:buNone/>
+              <a:tabLst/>
+              <a:defRPr/>
+            </a:pPr>
+            <a:endParaRPr kumimoji="0" lang="en-US" sz="1800" b="0" i="0" u="none" strike="noStrike" kern="1200" cap="none" spc="0" normalizeH="0" baseline="0" noProof="0">
+              <a:ln>
+                <a:noFill/>
+              </a:ln>
+              <a:solidFill>
+                <a:srgbClr val="ED7D31"/>
+              </a:solidFill>
+              <a:effectLst/>
+              <a:uLnTx/>
+              <a:uFillTx/>
+              <a:latin typeface="等线" panose="020F0502020204030204"/>
+              <a:ea typeface="+mn-ea"/>
+              <a:cs typeface="+mn-cs"/>
+            </a:endParaRPr>
+          </a:p>
+        </p:txBody>
+      </p:sp>
+      <p:sp>
+        <p:nvSpPr>
+          <p:cNvPr id="12" name="Rectangle 11">
+            <a:extLst>
+              <a:ext uri="{FF2B5EF4-FFF2-40B4-BE49-F238E27FC236}">
+                <a16:creationId xmlns:a16="http://schemas.microsoft.com/office/drawing/2014/main" id="{41E17A99-1553-4633-ADFB-5CCDCF801D13}"/>
+              </a:ext>
+              <a:ext uri="{C183D7F6-B498-43B3-948B-1728B52AA6E4}">
+                <adec:decorative xmlns:adec="http://schemas.microsoft.com/office/drawing/2017/decorative" val="1"/>
+              </a:ext>
+            </a:extLst>
+          </p:cNvPr>
+          <p:cNvSpPr>
+            <a:spLocks noGrp="1" noRot="1" noChangeAspect="1" noMove="1" noResize="1" noEditPoints="1" noAdjustHandles="1" noChangeArrowheads="1" noChangeShapeType="1" noTextEdit="1"/>
+          </p:cNvSpPr>
+          <p:nvPr>
+            <p:extLst>
+              <p:ext uri="{386F3935-93C4-4BCD-93E2-E3B085C9AB24}">
+                <p16:designElem xmlns:p16="http://schemas.microsoft.com/office/powerpoint/2015/main" val="1"/>
+              </p:ext>
+            </p:extLst>
+          </p:nvPr>
+        </p:nvSpPr>
+        <p:spPr>
+          <a:xfrm>
+            <a:off x="1078992" y="0"/>
+            <a:ext cx="2411730" cy="6858000"/>
+          </a:xfrm>
+          <a:prstGeom prst="rect">
+            <a:avLst/>
+          </a:prstGeom>
+          <a:solidFill>
+            <a:schemeClr val="accent5">
+              <a:lumMod val="75000"/>
+              <a:alpha val="80000"/>
+            </a:schemeClr>
+          </a:solidFill>
+          <a:ln>
+            <a:noFill/>
+          </a:ln>
+        </p:spPr>
+        <p:style>
+          <a:lnRef idx="2">
+            <a:schemeClr val="accent1">
+              <a:shade val="50000"/>
+            </a:schemeClr>
+          </a:lnRef>
+          <a:fillRef idx="1">
+            <a:schemeClr val="accent1"/>
+          </a:fillRef>
+          <a:effectRef idx="0">
+            <a:schemeClr val="accent1"/>
+          </a:effectRef>
+          <a:fontRef idx="minor">
+            <a:schemeClr val="lt1"/>
+          </a:fontRef>
+        </p:style>
+        <p:txBody>
+          <a:bodyPr rtlCol="0" anchor="ctr"/>
+          <a:lstStyle/>
+          <a:p>
+            <a:pPr marL="0" marR="0" lvl="0" indent="0" algn="ctr" defTabSz="914400" rtl="0" eaLnBrk="1" fontAlgn="auto" latinLnBrk="0" hangingPunct="1">
+              <a:lnSpc>
+                <a:spcPct val="100000"/>
+              </a:lnSpc>
+              <a:spcBef>
+                <a:spcPts val="0"/>
+              </a:spcBef>
+              <a:spcAft>
+                <a:spcPts val="0"/>
+              </a:spcAft>
+              <a:buClrTx/>
+              <a:buSzTx/>
+              <a:buFontTx/>
+              <a:buNone/>
+              <a:tabLst/>
+              <a:defRPr/>
+            </a:pPr>
+            <a:endParaRPr kumimoji="0" lang="en-US" sz="1800" b="0" i="0" u="none" strike="noStrike" kern="1200" cap="none" spc="0" normalizeH="0" baseline="0" noProof="0">
+              <a:ln>
+                <a:noFill/>
+              </a:ln>
+              <a:solidFill>
+                <a:prstClr val="white"/>
+              </a:solidFill>
+              <a:effectLst/>
+              <a:uLnTx/>
+              <a:uFillTx/>
+              <a:latin typeface="等线" panose="020F0502020204030204"/>
+              <a:ea typeface="+mn-ea"/>
+              <a:cs typeface="+mn-cs"/>
+            </a:endParaRPr>
+          </a:p>
+        </p:txBody>
+      </p:sp>
+      <p:sp>
+        <p:nvSpPr>
+          <p:cNvPr id="2" name="标题 1">
+            <a:extLst>
+              <a:ext uri="{FF2B5EF4-FFF2-40B4-BE49-F238E27FC236}">
+                <a16:creationId xmlns:a16="http://schemas.microsoft.com/office/drawing/2014/main" id="{861546CC-0EA4-44F1-913D-126DCD3320F4}"/>
+              </a:ext>
+            </a:extLst>
+          </p:cNvPr>
+          <p:cNvSpPr>
+            <a:spLocks noGrp="1"/>
+          </p:cNvSpPr>
+          <p:nvPr>
+            <p:ph type="title"/>
+          </p:nvPr>
+        </p:nvSpPr>
+        <p:spPr>
+          <a:xfrm>
+            <a:off x="1332129" y="1608667"/>
+            <a:ext cx="1917293" cy="4491015"/>
+          </a:xfrm>
+        </p:spPr>
+        <p:txBody>
+          <a:bodyPr anchor="t">
+            <a:normAutofit/>
+          </a:bodyPr>
+          <a:lstStyle/>
+          <a:p>
+            <a:pPr algn="r"/>
+            <a:r>
+              <a:rPr lang="zh-CN" altLang="en-US" sz="2800">
+                <a:solidFill>
+                  <a:srgbClr val="FFFFFF"/>
+                </a:solidFill>
+              </a:rPr>
+              <a:t>结果展示</a:t>
+            </a:r>
+            <a:r>
+              <a:rPr lang="en-US" altLang="zh-CN" sz="2800">
+                <a:solidFill>
+                  <a:srgbClr val="FFFFFF"/>
+                </a:solidFill>
+              </a:rPr>
+              <a:t>-GWT</a:t>
+            </a:r>
+            <a:endParaRPr lang="zh-CN" altLang="en-US" sz="2800">
+              <a:solidFill>
+                <a:srgbClr val="FFFFFF"/>
+              </a:solidFill>
+            </a:endParaRPr>
+          </a:p>
+        </p:txBody>
+      </p:sp>
+      <p:sp>
+        <p:nvSpPr>
+          <p:cNvPr id="3" name="内容占位符 2">
+            <a:extLst>
+              <a:ext uri="{FF2B5EF4-FFF2-40B4-BE49-F238E27FC236}">
+                <a16:creationId xmlns:a16="http://schemas.microsoft.com/office/drawing/2014/main" id="{364AC47D-604C-41DD-9214-C31866A7C0DE}"/>
+              </a:ext>
+            </a:extLst>
+          </p:cNvPr>
+          <p:cNvSpPr>
+            <a:spLocks noGrp="1"/>
+          </p:cNvSpPr>
+          <p:nvPr>
+            <p:ph idx="1"/>
+          </p:nvPr>
+        </p:nvSpPr>
+        <p:spPr>
+          <a:xfrm>
+            <a:off x="3732021" y="1608667"/>
+            <a:ext cx="4718431" cy="4491015"/>
+          </a:xfrm>
+        </p:spPr>
+        <p:txBody>
+          <a:bodyPr>
+            <a:normAutofit/>
+          </a:bodyPr>
+          <a:lstStyle/>
+          <a:p>
+            <a:r>
+              <a:rPr lang="en-US" altLang="zh-CN" sz="1700" dirty="0">
+                <a:solidFill>
+                  <a:srgbClr val="FFFFFF"/>
+                </a:solidFill>
+              </a:rPr>
+              <a:t>Feature: </a:t>
+            </a:r>
+            <a:r>
+              <a:rPr lang="zh-CN" altLang="en-US" sz="1700" dirty="0">
+                <a:solidFill>
+                  <a:srgbClr val="FFFFFF"/>
+                </a:solidFill>
+              </a:rPr>
+              <a:t>进站</a:t>
+            </a:r>
+          </a:p>
+          <a:p>
+            <a:r>
+              <a:rPr lang="en-US" altLang="zh-CN" sz="1700" dirty="0">
+                <a:solidFill>
+                  <a:srgbClr val="FFFFFF"/>
+                </a:solidFill>
+              </a:rPr>
+              <a:t>Scenario:</a:t>
+            </a:r>
+            <a:r>
+              <a:rPr lang="zh-CN" altLang="en-US" sz="1700" dirty="0">
+                <a:solidFill>
+                  <a:srgbClr val="FFFFFF"/>
+                </a:solidFill>
+              </a:rPr>
+              <a:t>系统处理余额不足情况。</a:t>
+            </a:r>
+          </a:p>
+          <a:p>
+            <a:r>
+              <a:rPr lang="en-US" altLang="zh-CN" sz="1700" dirty="0">
+                <a:solidFill>
+                  <a:srgbClr val="FFFFFF"/>
+                </a:solidFill>
+              </a:rPr>
+              <a:t>Given:</a:t>
+            </a:r>
+            <a:r>
+              <a:rPr lang="zh-CN" altLang="en-US" sz="1700" dirty="0">
+                <a:solidFill>
+                  <a:srgbClr val="FFFFFF"/>
+                </a:solidFill>
+              </a:rPr>
+              <a:t>地铁在正常运营。</a:t>
+            </a:r>
+          </a:p>
+          <a:p>
+            <a:r>
+              <a:rPr lang="zh-CN" altLang="en-US" sz="1700" dirty="0">
+                <a:solidFill>
+                  <a:srgbClr val="FFFFFF"/>
+                </a:solidFill>
+              </a:rPr>
+              <a:t>系统验证余额不足。</a:t>
+            </a:r>
+          </a:p>
+          <a:p>
+            <a:r>
+              <a:rPr lang="en-US" altLang="zh-CN" sz="1700" dirty="0">
+                <a:solidFill>
+                  <a:srgbClr val="FFFFFF"/>
+                </a:solidFill>
+              </a:rPr>
+              <a:t>When:</a:t>
+            </a:r>
+          </a:p>
+          <a:p>
+            <a:r>
+              <a:rPr lang="zh-CN" altLang="en-US" sz="1700" dirty="0">
+                <a:solidFill>
+                  <a:srgbClr val="FFFFFF"/>
+                </a:solidFill>
+              </a:rPr>
+              <a:t>系统提示余额不足。</a:t>
+            </a:r>
+          </a:p>
+          <a:p>
+            <a:r>
+              <a:rPr lang="en-US" altLang="zh-CN" sz="1700" dirty="0">
+                <a:solidFill>
+                  <a:srgbClr val="FFFFFF"/>
+                </a:solidFill>
+              </a:rPr>
+              <a:t>Then:</a:t>
+            </a:r>
+            <a:r>
+              <a:rPr lang="zh-CN" altLang="en-US" sz="1700" dirty="0">
+                <a:solidFill>
+                  <a:srgbClr val="FFFFFF"/>
+                </a:solidFill>
+              </a:rPr>
+              <a:t>系统回到初始状态</a:t>
+            </a:r>
+          </a:p>
+          <a:p>
+            <a:endParaRPr lang="zh-CN" altLang="en-US" sz="1700" dirty="0">
+              <a:solidFill>
+                <a:srgbClr val="FFFFFF"/>
+              </a:solidFill>
+            </a:endParaRPr>
+          </a:p>
+        </p:txBody>
+      </p:sp>
+    </p:spTree>
+    <p:extLst>
+      <p:ext uri="{BB962C8B-B14F-4D97-AF65-F5344CB8AC3E}">
+        <p14:creationId xmlns:p14="http://schemas.microsoft.com/office/powerpoint/2010/main" val="1718350301"/>
+      </p:ext>
+    </p:extLst>
+  </p:cSld>
+  <p:clrMapOvr>
+    <a:overrideClrMapping bg1="dk1" tx1="lt1" bg2="dk2" tx2="lt2" accent1="accent1" accent2="accent2" accent3="accent3" accent4="accent4" accent5="accent5" accent6="accent6" hlink="hlink" folHlink="folHlink"/>
+  </p:clrMapOvr>
+</p:sld>
+</file>
+
+<file path=ppt/slides/slide18.xml><?xml version="1.0" encoding="utf-8"?>
+<p:sld xmlns:a="http://schemas.openxmlformats.org/drawingml/2006/main" xmlns:r="http://schemas.openxmlformats.org/officeDocument/2006/relationships" xmlns:p="http://schemas.openxmlformats.org/presentationml/2006/main">
+  <p:cSld>
+    <p:bg>
+      <p:bgPr>
+        <a:solidFill>
+          <a:schemeClr val="accent5">
+            <a:lumMod val="50000"/>
+          </a:schemeClr>
+        </a:solidFill>
+        <a:effectLst/>
+      </p:bgPr>
+    </p:bg>
+    <p:spTree>
+      <p:nvGrpSpPr>
+        <p:cNvPr id="1" name=""/>
+        <p:cNvGrpSpPr/>
+        <p:nvPr/>
+      </p:nvGrpSpPr>
+      <p:grpSpPr>
+        <a:xfrm>
+          <a:off x="0" y="0"/>
+          <a:ext cx="0" cy="0"/>
+          <a:chOff x="0" y="0"/>
+          <a:chExt cx="0" cy="0"/>
+        </a:xfrm>
+      </p:grpSpPr>
+      <p:sp>
+        <p:nvSpPr>
+          <p:cNvPr id="8" name="Rectangle 7">
+            <a:extLst>
+              <a:ext uri="{FF2B5EF4-FFF2-40B4-BE49-F238E27FC236}">
+                <a16:creationId xmlns:a16="http://schemas.microsoft.com/office/drawing/2014/main" id="{A2ED9029-64A6-4BAE-BA25-DC2A13D43EDE}"/>
+              </a:ext>
+              <a:ext uri="{C183D7F6-B498-43B3-948B-1728B52AA6E4}">
+                <adec:decorative xmlns:adec="http://schemas.microsoft.com/office/drawing/2017/decorative" val="1"/>
+              </a:ext>
+            </a:extLst>
+          </p:cNvPr>
+          <p:cNvSpPr>
+            <a:spLocks noGrp="1" noRot="1" noChangeAspect="1" noMove="1" noResize="1" noEditPoints="1" noAdjustHandles="1" noChangeArrowheads="1" noChangeShapeType="1" noTextEdit="1"/>
+          </p:cNvSpPr>
+          <p:nvPr>
+            <p:extLst>
+              <p:ext uri="{386F3935-93C4-4BCD-93E2-E3B085C9AB24}">
+                <p16:designElem xmlns:p16="http://schemas.microsoft.com/office/powerpoint/2015/main" val="1"/>
+              </p:ext>
+            </p:extLst>
+          </p:nvPr>
+        </p:nvSpPr>
+        <p:spPr>
+          <a:xfrm>
+            <a:off x="13375" y="0"/>
+            <a:ext cx="9144000" cy="6858000"/>
+          </a:xfrm>
+          <a:prstGeom prst="rect">
+            <a:avLst/>
+          </a:prstGeom>
+          <a:solidFill>
+            <a:schemeClr val="accent5">
+              <a:lumMod val="50000"/>
+            </a:schemeClr>
+          </a:solidFill>
+          <a:ln>
+            <a:noFill/>
+          </a:ln>
+        </p:spPr>
+        <p:style>
+          <a:lnRef idx="2">
+            <a:schemeClr val="accent1">
+              <a:shade val="50000"/>
+            </a:schemeClr>
+          </a:lnRef>
+          <a:fillRef idx="1">
+            <a:schemeClr val="accent1"/>
+          </a:fillRef>
+          <a:effectRef idx="0">
+            <a:schemeClr val="accent1"/>
+          </a:effectRef>
+          <a:fontRef idx="minor">
+            <a:schemeClr val="lt1"/>
+          </a:fontRef>
+        </p:style>
+        <p:txBody>
+          <a:bodyPr rtlCol="0" anchor="ctr"/>
+          <a:lstStyle/>
+          <a:p>
+            <a:pPr algn="ctr"/>
+            <a:endParaRPr lang="en-US"/>
+          </a:p>
+        </p:txBody>
+      </p:sp>
+      <p:sp>
+        <p:nvSpPr>
+          <p:cNvPr id="10" name="Rectangle 9">
+            <a:extLst>
+              <a:ext uri="{FF2B5EF4-FFF2-40B4-BE49-F238E27FC236}">
+                <a16:creationId xmlns:a16="http://schemas.microsoft.com/office/drawing/2014/main" id="{DAFABACF-DDBE-415C-8EE1-F7DD68C632C6}"/>
+              </a:ext>
+              <a:ext uri="{C183D7F6-B498-43B3-948B-1728B52AA6E4}">
+                <adec:decorative xmlns:adec="http://schemas.microsoft.com/office/drawing/2017/decorative" val="1"/>
+              </a:ext>
+            </a:extLst>
+          </p:cNvPr>
+          <p:cNvSpPr>
+            <a:spLocks noGrp="1" noRot="1" noChangeAspect="1" noMove="1" noResize="1" noEditPoints="1" noAdjustHandles="1" noChangeArrowheads="1" noChangeShapeType="1" noTextEdit="1"/>
+          </p:cNvSpPr>
+          <p:nvPr>
+            <p:extLst>
+              <p:ext uri="{386F3935-93C4-4BCD-93E2-E3B085C9AB24}">
+                <p16:designElem xmlns:p16="http://schemas.microsoft.com/office/powerpoint/2015/main" val="1"/>
+              </p:ext>
+            </p:extLst>
+          </p:nvPr>
+        </p:nvSpPr>
+        <p:spPr>
+          <a:xfrm>
+            <a:off x="0" y="0"/>
+            <a:ext cx="1078992" cy="6858000"/>
+          </a:xfrm>
+          <a:prstGeom prst="rect">
+            <a:avLst/>
+          </a:prstGeom>
+          <a:solidFill>
+            <a:schemeClr val="accent5">
+              <a:alpha val="70000"/>
+            </a:schemeClr>
+          </a:solidFill>
+          <a:ln>
+            <a:noFill/>
+          </a:ln>
+        </p:spPr>
+        <p:style>
+          <a:lnRef idx="2">
+            <a:schemeClr val="accent1">
+              <a:shade val="50000"/>
+            </a:schemeClr>
+          </a:lnRef>
+          <a:fillRef idx="1003">
+            <a:schemeClr val="lt1"/>
+          </a:fillRef>
+          <a:effectRef idx="0">
+            <a:schemeClr val="accent1"/>
+          </a:effectRef>
+          <a:fontRef idx="minor">
+            <a:schemeClr val="lt1"/>
+          </a:fontRef>
+        </p:style>
+        <p:txBody>
+          <a:bodyPr rtlCol="0" anchor="ctr"/>
+          <a:lstStyle/>
+          <a:p>
+            <a:pPr algn="ctr"/>
+            <a:endParaRPr lang="en-US">
+              <a:solidFill>
+                <a:schemeClr val="accent2"/>
+              </a:solidFill>
+            </a:endParaRPr>
+          </a:p>
+        </p:txBody>
+      </p:sp>
+      <p:sp>
+        <p:nvSpPr>
+          <p:cNvPr id="12" name="Rectangle 11">
+            <a:extLst>
+              <a:ext uri="{FF2B5EF4-FFF2-40B4-BE49-F238E27FC236}">
+                <a16:creationId xmlns:a16="http://schemas.microsoft.com/office/drawing/2014/main" id="{41E17A99-1553-4633-ADFB-5CCDCF801D13}"/>
+              </a:ext>
+              <a:ext uri="{C183D7F6-B498-43B3-948B-1728B52AA6E4}">
+                <adec:decorative xmlns:adec="http://schemas.microsoft.com/office/drawing/2017/decorative" val="1"/>
+              </a:ext>
+            </a:extLst>
+          </p:cNvPr>
+          <p:cNvSpPr>
+            <a:spLocks noGrp="1" noRot="1" noChangeAspect="1" noMove="1" noResize="1" noEditPoints="1" noAdjustHandles="1" noChangeArrowheads="1" noChangeShapeType="1" noTextEdit="1"/>
+          </p:cNvSpPr>
+          <p:nvPr>
+            <p:extLst>
+              <p:ext uri="{386F3935-93C4-4BCD-93E2-E3B085C9AB24}">
+                <p16:designElem xmlns:p16="http://schemas.microsoft.com/office/powerpoint/2015/main" val="1"/>
+              </p:ext>
+            </p:extLst>
+          </p:nvPr>
+        </p:nvSpPr>
+        <p:spPr>
+          <a:xfrm>
+            <a:off x="1078992" y="0"/>
+            <a:ext cx="2411730" cy="6858000"/>
+          </a:xfrm>
+          <a:prstGeom prst="rect">
+            <a:avLst/>
+          </a:prstGeom>
+          <a:solidFill>
+            <a:schemeClr val="accent5">
+              <a:lumMod val="75000"/>
+              <a:alpha val="80000"/>
+            </a:schemeClr>
+          </a:solidFill>
+          <a:ln>
+            <a:noFill/>
+          </a:ln>
+        </p:spPr>
+        <p:style>
+          <a:lnRef idx="2">
+            <a:schemeClr val="accent1">
+              <a:shade val="50000"/>
+            </a:schemeClr>
+          </a:lnRef>
+          <a:fillRef idx="1">
+            <a:schemeClr val="accent1"/>
+          </a:fillRef>
+          <a:effectRef idx="0">
+            <a:schemeClr val="accent1"/>
+          </a:effectRef>
+          <a:fontRef idx="minor">
+            <a:schemeClr val="lt1"/>
+          </a:fontRef>
+        </p:style>
+        <p:txBody>
+          <a:bodyPr rtlCol="0" anchor="ctr"/>
+          <a:lstStyle/>
+          <a:p>
             <a:pPr algn="ctr"/>
             <a:endParaRPr lang="en-US"/>
           </a:p>
@@ -21302,21 +23014,522 @@
         </p:nvSpPr>
         <p:spPr>
           <a:xfrm>
-            <a:off x="3732021" y="1608667"/>
-            <a:ext cx="4718431" cy="4491015"/>
+            <a:off x="3743859" y="0"/>
+            <a:ext cx="5400141" cy="6857999"/>
           </a:xfrm>
         </p:spPr>
         <p:txBody>
           <a:bodyPr>
-            <a:normAutofit/>
+            <a:normAutofit fontScale="70000" lnSpcReduction="20000"/>
           </a:bodyPr>
           <a:lstStyle/>
           <a:p>
-            <a:endParaRPr lang="zh-CN" altLang="en-US" sz="1700">
+            <a:r>
+              <a:rPr lang="en-US" altLang="zh-CN" sz="1700" dirty="0">
+                <a:solidFill>
+                  <a:srgbClr val="FFFFFF"/>
+                </a:solidFill>
+              </a:rPr>
+              <a:t>Use Case Name: </a:t>
+            </a:r>
+            <a:r>
+              <a:rPr lang="zh-CN" altLang="en-US" sz="1700" dirty="0">
+                <a:solidFill>
+                  <a:srgbClr val="FFFFFF"/>
+                </a:solidFill>
+              </a:rPr>
+              <a:t>进站</a:t>
+            </a:r>
+          </a:p>
+          <a:p>
+            <a:r>
+              <a:rPr lang="en-US" altLang="zh-CN" sz="1700" dirty="0">
+                <a:solidFill>
+                  <a:srgbClr val="FFFFFF"/>
+                </a:solidFill>
+              </a:rPr>
+              <a:t>Brief Description: </a:t>
+            </a:r>
+            <a:r>
+              <a:rPr lang="zh-CN" altLang="en-US" sz="1700" dirty="0">
+                <a:solidFill>
+                  <a:srgbClr val="FFFFFF"/>
+                </a:solidFill>
+              </a:rPr>
+              <a:t>乘客刷卡进入地铁站系统处理进错方向情况系统处理卡片异常情况</a:t>
+            </a:r>
+          </a:p>
+          <a:p>
+            <a:r>
+              <a:rPr lang="en-US" altLang="zh-CN" sz="1700" dirty="0">
+                <a:solidFill>
+                  <a:srgbClr val="FFFFFF"/>
+                </a:solidFill>
+              </a:rPr>
+              <a:t>Precondition: </a:t>
+            </a:r>
+            <a:r>
+              <a:rPr lang="zh-CN" altLang="en-US" sz="1700" dirty="0">
+                <a:solidFill>
+                  <a:srgbClr val="FFFFFF"/>
+                </a:solidFill>
+              </a:rPr>
+              <a:t>地铁在正常运营。</a:t>
+            </a:r>
+          </a:p>
+          <a:p>
+            <a:r>
+              <a:rPr lang="en-US" altLang="zh-CN" sz="1700" dirty="0">
+                <a:solidFill>
+                  <a:srgbClr val="FFFFFF"/>
+                </a:solidFill>
+              </a:rPr>
+              <a:t>Primary Actor:</a:t>
+            </a:r>
+            <a:r>
+              <a:rPr lang="zh-CN" altLang="en-US" sz="1700" dirty="0">
+                <a:solidFill>
+                  <a:srgbClr val="FFFFFF"/>
+                </a:solidFill>
+              </a:rPr>
+              <a:t>乘客</a:t>
+            </a:r>
+          </a:p>
+          <a:p>
+            <a:r>
+              <a:rPr lang="en-US" altLang="zh-CN" sz="1700" dirty="0">
+                <a:solidFill>
+                  <a:srgbClr val="FFFFFF"/>
+                </a:solidFill>
+              </a:rPr>
+              <a:t>Secondary Actors:</a:t>
+            </a:r>
+          </a:p>
+          <a:p>
+            <a:r>
+              <a:rPr lang="en-US" altLang="zh-CN" sz="1700" dirty="0" err="1">
+                <a:solidFill>
+                  <a:srgbClr val="FFFFFF"/>
+                </a:solidFill>
+              </a:rPr>
+              <a:t>Dependency:None</a:t>
+            </a:r>
+            <a:endParaRPr lang="en-US" altLang="zh-CN" sz="1700" dirty="0">
               <a:solidFill>
                 <a:srgbClr val="FFFFFF"/>
               </a:solidFill>
             </a:endParaRPr>
+          </a:p>
+          <a:p>
+            <a:r>
+              <a:rPr lang="en-US" altLang="zh-CN" sz="1700" dirty="0" err="1">
+                <a:solidFill>
+                  <a:srgbClr val="FFFFFF"/>
+                </a:solidFill>
+              </a:rPr>
+              <a:t>Generalization:None</a:t>
+            </a:r>
+            <a:endParaRPr lang="en-US" altLang="zh-CN" sz="1700" dirty="0">
+              <a:solidFill>
+                <a:srgbClr val="FFFFFF"/>
+              </a:solidFill>
+            </a:endParaRPr>
+          </a:p>
+          <a:p>
+            <a:r>
+              <a:rPr lang="en-US" altLang="zh-CN" sz="1700" dirty="0">
+                <a:solidFill>
+                  <a:srgbClr val="FFFFFF"/>
+                </a:solidFill>
+              </a:rPr>
+              <a:t>Basic Flow:</a:t>
+            </a:r>
+          </a:p>
+          <a:p>
+            <a:r>
+              <a:rPr lang="en-US" altLang="zh-CN" sz="1700" dirty="0">
+                <a:solidFill>
+                  <a:srgbClr val="FFFFFF"/>
+                </a:solidFill>
+              </a:rPr>
+              <a:t>1.</a:t>
+            </a:r>
+            <a:r>
+              <a:rPr lang="zh-CN" altLang="en-US" sz="1700" dirty="0">
+                <a:solidFill>
+                  <a:srgbClr val="FFFFFF"/>
+                </a:solidFill>
+              </a:rPr>
+              <a:t>乘客在刷卡器上刷卡。</a:t>
+            </a:r>
+          </a:p>
+          <a:p>
+            <a:r>
+              <a:rPr lang="en-US" altLang="zh-CN" sz="1700" dirty="0">
+                <a:solidFill>
+                  <a:srgbClr val="FFFFFF"/>
+                </a:solidFill>
+              </a:rPr>
+              <a:t>2.</a:t>
+            </a:r>
+            <a:r>
+              <a:rPr lang="zh-CN" altLang="en-US" sz="1700" dirty="0">
+                <a:solidFill>
+                  <a:srgbClr val="FFFFFF"/>
+                </a:solidFill>
+              </a:rPr>
+              <a:t>系统检测单向通道可通行。</a:t>
+            </a:r>
+          </a:p>
+          <a:p>
+            <a:r>
+              <a:rPr lang="en-US" altLang="zh-CN" sz="1700" dirty="0">
+                <a:solidFill>
+                  <a:srgbClr val="FFFFFF"/>
+                </a:solidFill>
+              </a:rPr>
+              <a:t>3.</a:t>
+            </a:r>
+            <a:r>
+              <a:rPr lang="zh-CN" altLang="en-US" sz="1700" dirty="0">
+                <a:solidFill>
+                  <a:srgbClr val="FFFFFF"/>
+                </a:solidFill>
+              </a:rPr>
+              <a:t>系统读卡。</a:t>
+            </a:r>
+          </a:p>
+          <a:p>
+            <a:r>
+              <a:rPr lang="en-US" altLang="zh-CN" sz="1700" dirty="0">
+                <a:solidFill>
+                  <a:srgbClr val="FFFFFF"/>
+                </a:solidFill>
+              </a:rPr>
+              <a:t>4.</a:t>
+            </a:r>
+            <a:r>
+              <a:rPr lang="zh-CN" altLang="en-US" sz="1700" dirty="0">
+                <a:solidFill>
+                  <a:srgbClr val="FFFFFF"/>
+                </a:solidFill>
+              </a:rPr>
+              <a:t>系统确认卡片有效。</a:t>
+            </a:r>
+          </a:p>
+          <a:p>
+            <a:r>
+              <a:rPr lang="en-US" altLang="zh-CN" sz="1700" dirty="0">
+                <a:solidFill>
+                  <a:srgbClr val="FFFFFF"/>
+                </a:solidFill>
+              </a:rPr>
+              <a:t>5.</a:t>
+            </a:r>
+            <a:r>
+              <a:rPr lang="zh-CN" altLang="en-US" sz="1700" dirty="0">
+                <a:solidFill>
+                  <a:srgbClr val="FFFFFF"/>
+                </a:solidFill>
+              </a:rPr>
+              <a:t>系统连接到账目中心。</a:t>
+            </a:r>
+          </a:p>
+          <a:p>
+            <a:r>
+              <a:rPr lang="en-US" altLang="zh-CN" sz="1700" dirty="0">
+                <a:solidFill>
+                  <a:srgbClr val="FFFFFF"/>
+                </a:solidFill>
+              </a:rPr>
+              <a:t>6.</a:t>
+            </a:r>
+            <a:r>
+              <a:rPr lang="zh-CN" altLang="en-US" sz="1700" dirty="0">
+                <a:solidFill>
+                  <a:srgbClr val="FFFFFF"/>
+                </a:solidFill>
+              </a:rPr>
+              <a:t>系统查验余额充足。</a:t>
+            </a:r>
+          </a:p>
+          <a:p>
+            <a:r>
+              <a:rPr lang="en-US" altLang="zh-CN" sz="1700" dirty="0">
+                <a:solidFill>
+                  <a:srgbClr val="FFFFFF"/>
+                </a:solidFill>
+              </a:rPr>
+              <a:t>7.</a:t>
+            </a:r>
+            <a:r>
+              <a:rPr lang="zh-CN" altLang="en-US" sz="1700" dirty="0">
+                <a:solidFill>
+                  <a:srgbClr val="FFFFFF"/>
+                </a:solidFill>
+              </a:rPr>
+              <a:t>账户中心返回通过和余额信息系统打开扇门</a:t>
+            </a:r>
+            <a:r>
+              <a:rPr lang="en-US" altLang="zh-CN" sz="1700" dirty="0">
+                <a:solidFill>
+                  <a:srgbClr val="FFFFFF"/>
+                </a:solidFill>
+              </a:rPr>
+              <a:t>MEANWHILE</a:t>
+            </a:r>
+            <a:r>
+              <a:rPr lang="zh-CN" altLang="en-US" sz="1700" dirty="0">
+                <a:solidFill>
+                  <a:srgbClr val="FFFFFF"/>
+                </a:solidFill>
+              </a:rPr>
+              <a:t>保持打开</a:t>
+            </a:r>
+            <a:r>
+              <a:rPr lang="en-US" altLang="zh-CN" sz="1700" dirty="0">
+                <a:solidFill>
+                  <a:srgbClr val="FFFFFF"/>
+                </a:solidFill>
+              </a:rPr>
+              <a:t>10</a:t>
+            </a:r>
+            <a:r>
+              <a:rPr lang="zh-CN" altLang="en-US" sz="1700" dirty="0">
+                <a:solidFill>
+                  <a:srgbClr val="FFFFFF"/>
+                </a:solidFill>
+              </a:rPr>
+              <a:t>秒。</a:t>
+            </a:r>
+          </a:p>
+          <a:p>
+            <a:r>
+              <a:rPr lang="en-US" altLang="zh-CN" sz="1700" dirty="0">
+                <a:solidFill>
+                  <a:srgbClr val="FFFFFF"/>
+                </a:solidFill>
+              </a:rPr>
+              <a:t>8.</a:t>
+            </a:r>
+            <a:r>
+              <a:rPr lang="zh-CN" altLang="en-US" sz="1700" dirty="0">
+                <a:solidFill>
+                  <a:srgbClr val="FFFFFF"/>
+                </a:solidFill>
+              </a:rPr>
+              <a:t>系统关闭扇门。</a:t>
+            </a:r>
+          </a:p>
+          <a:p>
+            <a:r>
+              <a:rPr lang="en-US" altLang="zh-CN" sz="1700" dirty="0">
+                <a:solidFill>
+                  <a:srgbClr val="FFFFFF"/>
+                </a:solidFill>
+              </a:rPr>
+              <a:t>postcondition:</a:t>
+            </a:r>
+            <a:r>
+              <a:rPr lang="zh-CN" altLang="en-US" sz="1700" dirty="0">
+                <a:solidFill>
+                  <a:srgbClr val="FFFFFF"/>
+                </a:solidFill>
+              </a:rPr>
+              <a:t>乘客已进站</a:t>
+            </a:r>
+          </a:p>
+          <a:p>
+            <a:r>
+              <a:rPr lang="en-US" altLang="zh-CN" sz="1700" dirty="0">
+                <a:solidFill>
+                  <a:srgbClr val="FFFFFF"/>
+                </a:solidFill>
+              </a:rPr>
+              <a:t>Global Alternative Flow: IF </a:t>
+            </a:r>
+            <a:r>
+              <a:rPr lang="zh-CN" altLang="en-US" sz="1700" dirty="0">
+                <a:solidFill>
+                  <a:srgbClr val="FFFFFF"/>
+                </a:solidFill>
+              </a:rPr>
+              <a:t>系统检验单向通道不可通行。</a:t>
+            </a:r>
+          </a:p>
+          <a:p>
+            <a:r>
+              <a:rPr lang="en-US" altLang="zh-CN" sz="1700" dirty="0">
+                <a:solidFill>
+                  <a:srgbClr val="FFFFFF"/>
+                </a:solidFill>
+              </a:rPr>
+              <a:t>1.</a:t>
+            </a:r>
+            <a:r>
+              <a:rPr lang="zh-CN" altLang="en-US" sz="1700" dirty="0">
+                <a:solidFill>
+                  <a:srgbClr val="FFFFFF"/>
+                </a:solidFill>
+              </a:rPr>
+              <a:t>系统警告用户此路不通。</a:t>
+            </a:r>
+          </a:p>
+          <a:p>
+            <a:r>
+              <a:rPr lang="en-US" altLang="zh-CN" sz="1700" dirty="0">
+                <a:solidFill>
+                  <a:srgbClr val="FFFFFF"/>
+                </a:solidFill>
+              </a:rPr>
+              <a:t>END IF</a:t>
+            </a:r>
+          </a:p>
+          <a:p>
+            <a:r>
+              <a:rPr lang="en-US" altLang="zh-CN" sz="1700" dirty="0">
+                <a:solidFill>
+                  <a:srgbClr val="FFFFFF"/>
+                </a:solidFill>
+              </a:rPr>
+              <a:t>postcondition:</a:t>
+            </a:r>
+            <a:r>
+              <a:rPr lang="zh-CN" altLang="en-US" sz="1700" dirty="0">
+                <a:solidFill>
+                  <a:srgbClr val="FFFFFF"/>
+                </a:solidFill>
+              </a:rPr>
+              <a:t>系统回到初始状态。系统保持通道关闭。</a:t>
+            </a:r>
+          </a:p>
+          <a:p>
+            <a:r>
+              <a:rPr lang="en-US" altLang="zh-CN" sz="1700" dirty="0">
+                <a:solidFill>
+                  <a:srgbClr val="FFFFFF"/>
+                </a:solidFill>
+              </a:rPr>
+              <a:t>Global Alternative Flow: IF </a:t>
+            </a:r>
+            <a:r>
+              <a:rPr lang="zh-CN" altLang="en-US" sz="1700" dirty="0">
+                <a:solidFill>
+                  <a:srgbClr val="FFFFFF"/>
+                </a:solidFill>
+              </a:rPr>
+              <a:t>系统检测到卡片无效。</a:t>
+            </a:r>
+          </a:p>
+          <a:p>
+            <a:r>
+              <a:rPr lang="en-US" altLang="zh-CN" sz="1700" dirty="0">
+                <a:solidFill>
+                  <a:srgbClr val="FFFFFF"/>
+                </a:solidFill>
+              </a:rPr>
+              <a:t>1.</a:t>
+            </a:r>
+            <a:r>
+              <a:rPr lang="zh-CN" altLang="en-US" sz="1700" dirty="0">
+                <a:solidFill>
+                  <a:srgbClr val="FFFFFF"/>
+                </a:solidFill>
+              </a:rPr>
+              <a:t>系统警告卡片异常。</a:t>
+            </a:r>
+          </a:p>
+          <a:p>
+            <a:r>
+              <a:rPr lang="en-US" altLang="zh-CN" sz="1700" dirty="0">
+                <a:solidFill>
+                  <a:srgbClr val="FFFFFF"/>
+                </a:solidFill>
+              </a:rPr>
+              <a:t>END IF</a:t>
+            </a:r>
+          </a:p>
+          <a:p>
+            <a:r>
+              <a:rPr lang="en-US" altLang="zh-CN" sz="1700" dirty="0">
+                <a:solidFill>
+                  <a:srgbClr val="FFFFFF"/>
+                </a:solidFill>
+              </a:rPr>
+              <a:t>postcondition:</a:t>
+            </a:r>
+            <a:r>
+              <a:rPr lang="zh-CN" altLang="en-US" sz="1700" dirty="0">
+                <a:solidFill>
+                  <a:srgbClr val="FFFFFF"/>
+                </a:solidFill>
+              </a:rPr>
+              <a:t>系统回到初始状态。</a:t>
+            </a:r>
+          </a:p>
+          <a:p>
+            <a:r>
+              <a:rPr lang="en-US" altLang="zh-CN" sz="1700" dirty="0">
+                <a:solidFill>
+                  <a:srgbClr val="FFFFFF"/>
+                </a:solidFill>
+              </a:rPr>
+              <a:t>Global Alternative Flow: IF </a:t>
+            </a:r>
+            <a:r>
+              <a:rPr lang="zh-CN" altLang="en-US" sz="1700" dirty="0">
+                <a:solidFill>
+                  <a:srgbClr val="FFFFFF"/>
+                </a:solidFill>
+              </a:rPr>
+              <a:t>系统验证余额不足。</a:t>
+            </a:r>
+          </a:p>
+          <a:p>
+            <a:r>
+              <a:rPr lang="en-US" altLang="zh-CN" sz="1700" dirty="0">
+                <a:solidFill>
+                  <a:srgbClr val="FFFFFF"/>
+                </a:solidFill>
+              </a:rPr>
+              <a:t>1.</a:t>
+            </a:r>
+            <a:r>
+              <a:rPr lang="zh-CN" altLang="en-US" sz="1700" dirty="0">
+                <a:solidFill>
+                  <a:srgbClr val="FFFFFF"/>
+                </a:solidFill>
+              </a:rPr>
+              <a:t>系统提示余额不足。</a:t>
+            </a:r>
+          </a:p>
+          <a:p>
+            <a:r>
+              <a:rPr lang="en-US" altLang="zh-CN" sz="1700" dirty="0">
+                <a:solidFill>
+                  <a:srgbClr val="FFFFFF"/>
+                </a:solidFill>
+              </a:rPr>
+              <a:t>END IF</a:t>
+            </a:r>
+          </a:p>
+          <a:p>
+            <a:r>
+              <a:rPr lang="en-US" altLang="zh-CN" sz="1700" dirty="0">
+                <a:solidFill>
+                  <a:srgbClr val="FFFFFF"/>
+                </a:solidFill>
+              </a:rPr>
+              <a:t>postcondition:</a:t>
+            </a:r>
+            <a:r>
+              <a:rPr lang="zh-CN" altLang="en-US" sz="1700" dirty="0">
+                <a:solidFill>
+                  <a:srgbClr val="FFFFFF"/>
+                </a:solidFill>
+              </a:rPr>
+              <a:t>系统回到初始状态</a:t>
+            </a:r>
           </a:p>
         </p:txBody>
       </p:sp>
@@ -21333,7 +23546,7 @@
 </p:sld>
 </file>
 
-<file path=ppt/slides/slide16.xml><?xml version="1.0" encoding="utf-8"?>
+<file path=ppt/slides/slide19.xml><?xml version="1.0" encoding="utf-8"?>
 <p:sld xmlns:a="http://schemas.openxmlformats.org/drawingml/2006/main" xmlns:r="http://schemas.openxmlformats.org/officeDocument/2006/relationships" xmlns:p="http://schemas.openxmlformats.org/presentationml/2006/main">
   <p:cSld>
     <p:bg>

--- a/TEAM演示.pptx
+++ b/TEAM演示.pptx
@@ -5812,7 +5812,7 @@
           <a:p>
             <a:fld id="{ED44F51F-5078-488B-A74E-32257CB9ECD4}" type="datetimeFigureOut">
               <a:rPr lang="zh-CN" altLang="en-US" smtClean="0"/>
-              <a:t>2018/12/29</a:t>
+              <a:t>2018/12/31</a:t>
             </a:fld>
             <a:endParaRPr lang="zh-CN" altLang="en-US"/>
           </a:p>
@@ -6323,7 +6323,19 @@
                 <a:ea typeface="+mn-ea"/>
                 <a:cs typeface="+mn-cs"/>
               </a:rPr>
-              <a:t>文本，从</a:t>
+              <a:t>文本，</a:t>
+            </a:r>
+            <a:r>
+              <a:rPr lang="zh-CN" altLang="en-US" sz="1200" kern="1200" dirty="0">
+                <a:solidFill>
+                  <a:schemeClr val="tx1"/>
+                </a:solidFill>
+                <a:effectLst/>
+                <a:latin typeface="+mn-lt"/>
+                <a:ea typeface="+mn-ea"/>
+                <a:cs typeface="+mn-cs"/>
+              </a:rPr>
+              <a:t>以</a:t>
             </a:r>
             <a:r>
               <a:rPr lang="en-US" altLang="zh-CN" sz="1200" kern="1200" dirty="0">
@@ -6335,19 +6347,19 @@
                 <a:ea typeface="+mn-ea"/>
                 <a:cs typeface="+mn-cs"/>
               </a:rPr>
-              <a:t>Feature</a:t>
-            </a:r>
-            <a:r>
-              <a:rPr lang="zh-CN" altLang="zh-CN" sz="1200" kern="1200" dirty="0">
-                <a:solidFill>
-                  <a:schemeClr val="tx1"/>
-                </a:solidFill>
-                <a:effectLst/>
-                <a:latin typeface="+mn-lt"/>
-                <a:ea typeface="+mn-ea"/>
-                <a:cs typeface="+mn-cs"/>
-              </a:rPr>
-              <a:t>关键字处切分文本，划分出每个</a:t>
+              <a:t>GWT</a:t>
+            </a:r>
+            <a:r>
+              <a:rPr lang="zh-CN" altLang="en-US" sz="1200" kern="1200" dirty="0">
+                <a:solidFill>
+                  <a:schemeClr val="tx1"/>
+                </a:solidFill>
+                <a:effectLst/>
+                <a:latin typeface="+mn-lt"/>
+                <a:ea typeface="+mn-ea"/>
+                <a:cs typeface="+mn-cs"/>
+              </a:rPr>
+              <a:t>为单位切分后提取各部分内容并作分句保存到一个个</a:t>
             </a:r>
             <a:r>
               <a:rPr lang="en-US" altLang="zh-CN" sz="1200" kern="1200" dirty="0">
@@ -6362,246 +6374,16 @@
               <a:t>GWT</a:t>
             </a:r>
             <a:r>
-              <a:rPr lang="zh-CN" altLang="zh-CN" sz="1200" kern="1200" dirty="0">
-                <a:solidFill>
-                  <a:schemeClr val="tx1"/>
-                </a:solidFill>
-                <a:effectLst/>
-                <a:latin typeface="+mn-lt"/>
-                <a:ea typeface="+mn-ea"/>
-                <a:cs typeface="+mn-cs"/>
-              </a:rPr>
-              <a:t>的文本， 使用正则表达式提取出</a:t>
-            </a:r>
-            <a:r>
-              <a:rPr lang="en-US" altLang="zh-CN" sz="1200" kern="1200" dirty="0">
-                <a:solidFill>
-                  <a:schemeClr val="tx1"/>
-                </a:solidFill>
-                <a:effectLst/>
-                <a:latin typeface="+mn-lt"/>
-                <a:ea typeface="+mn-ea"/>
-                <a:cs typeface="+mn-cs"/>
-              </a:rPr>
-              <a:t>GWT</a:t>
-            </a:r>
-            <a:r>
-              <a:rPr lang="zh-CN" altLang="zh-CN" sz="1200" kern="1200" dirty="0">
-                <a:solidFill>
-                  <a:schemeClr val="tx1"/>
-                </a:solidFill>
-                <a:effectLst/>
-                <a:latin typeface="+mn-lt"/>
-                <a:ea typeface="+mn-ea"/>
-                <a:cs typeface="+mn-cs"/>
-              </a:rPr>
-              <a:t>每个字段下的文本，将</a:t>
-            </a:r>
-            <a:r>
-              <a:rPr lang="en-US" altLang="zh-CN" sz="1200" kern="1200" dirty="0">
-                <a:solidFill>
-                  <a:schemeClr val="tx1"/>
-                </a:solidFill>
-                <a:effectLst/>
-                <a:latin typeface="+mn-lt"/>
-                <a:ea typeface="+mn-ea"/>
-                <a:cs typeface="+mn-cs"/>
-              </a:rPr>
-              <a:t>Feature</a:t>
-            </a:r>
-            <a:r>
-              <a:rPr lang="zh-CN" altLang="zh-CN" sz="1200" kern="1200" dirty="0">
-                <a:solidFill>
-                  <a:schemeClr val="tx1"/>
-                </a:solidFill>
-                <a:effectLst/>
-                <a:latin typeface="+mn-lt"/>
-                <a:ea typeface="+mn-ea"/>
-                <a:cs typeface="+mn-cs"/>
-              </a:rPr>
-              <a:t>文本记录到</a:t>
-            </a:r>
-            <a:r>
-              <a:rPr lang="en-US" altLang="zh-CN" sz="1200" kern="1200" dirty="0">
-                <a:solidFill>
-                  <a:schemeClr val="tx1"/>
-                </a:solidFill>
-                <a:effectLst/>
-                <a:latin typeface="+mn-lt"/>
-                <a:ea typeface="+mn-ea"/>
-                <a:cs typeface="+mn-cs"/>
-              </a:rPr>
-              <a:t>GWT</a:t>
-            </a:r>
-            <a:r>
-              <a:rPr lang="zh-CN" altLang="zh-CN" sz="1200" kern="1200" dirty="0">
-                <a:solidFill>
-                  <a:schemeClr val="tx1"/>
-                </a:solidFill>
-                <a:effectLst/>
-                <a:latin typeface="+mn-lt"/>
-                <a:ea typeface="+mn-ea"/>
-                <a:cs typeface="+mn-cs"/>
-              </a:rPr>
-              <a:t>对象的</a:t>
-            </a:r>
-            <a:r>
-              <a:rPr lang="en-US" altLang="zh-CN" sz="1200" kern="1200" dirty="0">
-                <a:solidFill>
-                  <a:schemeClr val="tx1"/>
-                </a:solidFill>
-                <a:effectLst/>
-                <a:latin typeface="+mn-lt"/>
-                <a:ea typeface="+mn-ea"/>
-                <a:cs typeface="+mn-cs"/>
-              </a:rPr>
-              <a:t>Feature</a:t>
-            </a:r>
-            <a:r>
-              <a:rPr lang="zh-CN" altLang="zh-CN" sz="1200" kern="1200" dirty="0">
-                <a:solidFill>
-                  <a:schemeClr val="tx1"/>
-                </a:solidFill>
-                <a:effectLst/>
-                <a:latin typeface="+mn-lt"/>
-                <a:ea typeface="+mn-ea"/>
-                <a:cs typeface="+mn-cs"/>
-              </a:rPr>
-              <a:t>属性，对其他字段文本，首先执行分句操作，获取每一句的原始文本，生成对应的</a:t>
-            </a:r>
-            <a:r>
-              <a:rPr lang="en-US" altLang="zh-CN" sz="1200" kern="1200" dirty="0">
-                <a:solidFill>
-                  <a:schemeClr val="tx1"/>
-                </a:solidFill>
-                <a:effectLst/>
-                <a:latin typeface="+mn-lt"/>
-                <a:ea typeface="+mn-ea"/>
-                <a:cs typeface="+mn-cs"/>
-              </a:rPr>
-              <a:t>Sentence</a:t>
-            </a:r>
-            <a:r>
-              <a:rPr lang="zh-CN" altLang="zh-CN" sz="1200" kern="1200" dirty="0">
-                <a:solidFill>
-                  <a:schemeClr val="tx1"/>
-                </a:solidFill>
-                <a:effectLst/>
-                <a:latin typeface="+mn-lt"/>
-                <a:ea typeface="+mn-ea"/>
-                <a:cs typeface="+mn-cs"/>
-              </a:rPr>
-              <a:t>对象，将每个</a:t>
-            </a:r>
-            <a:r>
-              <a:rPr lang="en-US" altLang="zh-CN" sz="1200" kern="1200" dirty="0">
-                <a:solidFill>
-                  <a:schemeClr val="tx1"/>
-                </a:solidFill>
-                <a:effectLst/>
-                <a:latin typeface="+mn-lt"/>
-                <a:ea typeface="+mn-ea"/>
-                <a:cs typeface="+mn-cs"/>
-              </a:rPr>
-              <a:t>Sentence</a:t>
-            </a:r>
-            <a:r>
-              <a:rPr lang="zh-CN" altLang="zh-CN" sz="1200" kern="1200" dirty="0">
-                <a:solidFill>
-                  <a:schemeClr val="tx1"/>
-                </a:solidFill>
-                <a:effectLst/>
-                <a:latin typeface="+mn-lt"/>
-                <a:ea typeface="+mn-ea"/>
-                <a:cs typeface="+mn-cs"/>
-              </a:rPr>
-              <a:t>对象保存到其归属的</a:t>
-            </a:r>
-            <a:r>
-              <a:rPr lang="en-US" altLang="zh-CN" sz="1200" kern="1200" dirty="0">
-                <a:solidFill>
-                  <a:schemeClr val="tx1"/>
-                </a:solidFill>
-                <a:effectLst/>
-                <a:latin typeface="+mn-lt"/>
-                <a:ea typeface="+mn-ea"/>
-                <a:cs typeface="+mn-cs"/>
-              </a:rPr>
-              <a:t>GWT</a:t>
-            </a:r>
-            <a:r>
-              <a:rPr lang="zh-CN" altLang="zh-CN" sz="1200" kern="1200" dirty="0">
-                <a:solidFill>
-                  <a:schemeClr val="tx1"/>
-                </a:solidFill>
-                <a:effectLst/>
-                <a:latin typeface="+mn-lt"/>
-                <a:ea typeface="+mn-ea"/>
-                <a:cs typeface="+mn-cs"/>
-              </a:rPr>
-              <a:t>属性中。</a:t>
-            </a:r>
-          </a:p>
-          <a:p>
-            <a:r>
-              <a:rPr lang="en-US" altLang="zh-CN" sz="1200" kern="1200" dirty="0">
-                <a:solidFill>
-                  <a:schemeClr val="tx1"/>
-                </a:solidFill>
-                <a:effectLst/>
-                <a:latin typeface="+mn-lt"/>
-                <a:ea typeface="+mn-ea"/>
-                <a:cs typeface="+mn-cs"/>
-              </a:rPr>
-              <a:t>2</a:t>
-            </a:r>
-            <a:r>
-              <a:rPr lang="zh-CN" altLang="zh-CN" sz="1200" kern="1200" dirty="0">
-                <a:solidFill>
-                  <a:schemeClr val="tx1"/>
-                </a:solidFill>
-                <a:effectLst/>
-                <a:latin typeface="+mn-lt"/>
-                <a:ea typeface="+mn-ea"/>
-                <a:cs typeface="+mn-cs"/>
-              </a:rPr>
-              <a:t>、从</a:t>
-            </a:r>
-            <a:r>
-              <a:rPr lang="en-US" altLang="zh-CN" sz="1200" kern="1200" dirty="0">
-                <a:solidFill>
-                  <a:schemeClr val="tx1"/>
-                </a:solidFill>
-                <a:effectLst/>
-                <a:latin typeface="+mn-lt"/>
-                <a:ea typeface="+mn-ea"/>
-                <a:cs typeface="+mn-cs"/>
-              </a:rPr>
-              <a:t>GWT</a:t>
-            </a:r>
-            <a:r>
-              <a:rPr lang="zh-CN" altLang="zh-CN" sz="1200" kern="1200" dirty="0">
-                <a:solidFill>
-                  <a:schemeClr val="tx1"/>
-                </a:solidFill>
-                <a:effectLst/>
-                <a:latin typeface="+mn-lt"/>
-                <a:ea typeface="+mn-ea"/>
-                <a:cs typeface="+mn-cs"/>
-              </a:rPr>
-              <a:t>到</a:t>
-            </a:r>
-            <a:r>
-              <a:rPr lang="en-US" altLang="zh-CN" sz="1200" kern="1200" dirty="0" err="1">
-                <a:solidFill>
-                  <a:schemeClr val="tx1"/>
-                </a:solidFill>
-                <a:effectLst/>
-                <a:latin typeface="+mn-lt"/>
-                <a:ea typeface="+mn-ea"/>
-                <a:cs typeface="+mn-cs"/>
-              </a:rPr>
-              <a:t>TaggedGWT</a:t>
+              <a:rPr lang="zh-CN" altLang="en-US" sz="1200" kern="1200" dirty="0">
+                <a:solidFill>
+                  <a:schemeClr val="tx1"/>
+                </a:solidFill>
+                <a:effectLst/>
+                <a:latin typeface="+mn-lt"/>
+                <a:ea typeface="+mn-ea"/>
+                <a:cs typeface="+mn-cs"/>
+              </a:rPr>
+              <a:t>对象中。</a:t>
             </a:r>
             <a:endParaRPr lang="zh-CN" altLang="zh-CN" sz="1200" kern="1200" dirty="0">
               <a:solidFill>
@@ -6624,7 +6406,7 @@
                 <a:ea typeface="+mn-ea"/>
                 <a:cs typeface="+mn-cs"/>
               </a:rPr>
-              <a:t>	</a:t>
+              <a:t>2</a:t>
             </a:r>
             <a:r>
               <a:rPr lang="zh-CN" altLang="zh-CN" sz="1200" kern="1200" dirty="0">
@@ -6636,7 +6418,7 @@
                 <a:ea typeface="+mn-ea"/>
                 <a:cs typeface="+mn-cs"/>
               </a:rPr>
-              <a:t>对一组具有相同</a:t>
+              <a:t>、从</a:t>
             </a:r>
             <a:r>
               <a:rPr lang="en-US" altLang="zh-CN" sz="1200" kern="1200" dirty="0">
@@ -6648,7 +6430,7 @@
                 <a:ea typeface="+mn-ea"/>
                 <a:cs typeface="+mn-cs"/>
               </a:rPr>
-              <a:t>Feature</a:t>
+              <a:t>GWT</a:t>
             </a:r>
             <a:r>
               <a:rPr lang="zh-CN" altLang="zh-CN" sz="1200" kern="1200" dirty="0">
@@ -6660,8 +6442,31 @@
                 <a:ea typeface="+mn-ea"/>
                 <a:cs typeface="+mn-cs"/>
               </a:rPr>
-              <a:t>值的</a:t>
-            </a:r>
+              <a:t>到</a:t>
+            </a:r>
+            <a:r>
+              <a:rPr lang="en-US" altLang="zh-CN" sz="1200" kern="1200" dirty="0" err="1">
+                <a:solidFill>
+                  <a:schemeClr val="tx1"/>
+                </a:solidFill>
+                <a:effectLst/>
+                <a:latin typeface="+mn-lt"/>
+                <a:ea typeface="+mn-ea"/>
+                <a:cs typeface="+mn-cs"/>
+              </a:rPr>
+              <a:t>TaggedGWT</a:t>
+            </a:r>
+            <a:endParaRPr lang="en-US" altLang="zh-CN" sz="1200" kern="1200" dirty="0">
+              <a:solidFill>
+                <a:schemeClr val="tx1"/>
+              </a:solidFill>
+              <a:effectLst/>
+              <a:latin typeface="+mn-lt"/>
+              <a:ea typeface="+mn-ea"/>
+              <a:cs typeface="+mn-cs"/>
+            </a:endParaRPr>
+          </a:p>
+          <a:p>
             <a:r>
               <a:rPr lang="en-US" altLang="zh-CN" sz="1200" kern="1200" dirty="0">
                 <a:solidFill>
@@ -6672,19 +6477,43 @@
                 <a:ea typeface="+mn-ea"/>
                 <a:cs typeface="+mn-cs"/>
               </a:rPr>
+              <a:t>    </a:t>
+            </a:r>
+            <a:r>
+              <a:rPr lang="zh-CN" altLang="en-US" sz="1200" kern="1200" dirty="0">
+                <a:solidFill>
+                  <a:schemeClr val="tx1"/>
+                </a:solidFill>
+                <a:effectLst/>
+                <a:latin typeface="+mn-lt"/>
+                <a:ea typeface="+mn-ea"/>
+                <a:cs typeface="+mn-cs"/>
+              </a:rPr>
+              <a:t>既要做</a:t>
+            </a:r>
+            <a:r>
+              <a:rPr lang="en-US" altLang="zh-CN" sz="1200" kern="1200" dirty="0">
+                <a:solidFill>
+                  <a:schemeClr val="tx1"/>
+                </a:solidFill>
+                <a:effectLst/>
+                <a:latin typeface="+mn-lt"/>
+                <a:ea typeface="+mn-ea"/>
+                <a:cs typeface="+mn-cs"/>
+              </a:rPr>
               <a:t>GWT</a:t>
             </a:r>
             <a:r>
-              <a:rPr lang="zh-CN" altLang="zh-CN" sz="1200" kern="1200" dirty="0">
-                <a:solidFill>
-                  <a:schemeClr val="tx1"/>
-                </a:solidFill>
-                <a:effectLst/>
-                <a:latin typeface="+mn-lt"/>
-                <a:ea typeface="+mn-ea"/>
-                <a:cs typeface="+mn-cs"/>
-              </a:rPr>
-              <a:t>对象，每一个</a:t>
+              <a:rPr lang="zh-CN" altLang="en-US" sz="1200" kern="1200" dirty="0">
+                <a:solidFill>
+                  <a:schemeClr val="tx1"/>
+                </a:solidFill>
+                <a:effectLst/>
+                <a:latin typeface="+mn-lt"/>
+                <a:ea typeface="+mn-ea"/>
+                <a:cs typeface="+mn-cs"/>
+              </a:rPr>
+              <a:t>级的分析获取</a:t>
             </a:r>
             <a:r>
               <a:rPr lang="en-US" altLang="zh-CN" sz="1200" kern="1200" dirty="0">
@@ -6699,16 +6528,293 @@
               <a:t>GWT</a:t>
             </a:r>
             <a:r>
-              <a:rPr lang="zh-CN" altLang="zh-CN" sz="1200" kern="1200" dirty="0">
-                <a:solidFill>
-                  <a:schemeClr val="tx1"/>
-                </a:solidFill>
-                <a:effectLst/>
-                <a:latin typeface="+mn-lt"/>
-                <a:ea typeface="+mn-ea"/>
-                <a:cs typeface="+mn-cs"/>
-              </a:rPr>
-              <a:t>对象创建一个对应的</a:t>
+              <a:rPr lang="zh-CN" altLang="en-US" sz="1200" kern="1200" dirty="0">
+                <a:solidFill>
+                  <a:schemeClr val="tx1"/>
+                </a:solidFill>
+                <a:effectLst/>
+                <a:latin typeface="+mn-lt"/>
+                <a:ea typeface="+mn-ea"/>
+                <a:cs typeface="+mn-cs"/>
+              </a:rPr>
+              <a:t>级标签的内容，又要做句子级的分析获取句子标签的内容。</a:t>
+            </a:r>
+            <a:endParaRPr lang="en-US" altLang="zh-CN" sz="1200" kern="1200" dirty="0">
+              <a:solidFill>
+                <a:schemeClr val="tx1"/>
+              </a:solidFill>
+              <a:effectLst/>
+              <a:latin typeface="+mn-lt"/>
+              <a:ea typeface="+mn-ea"/>
+              <a:cs typeface="+mn-cs"/>
+            </a:endParaRPr>
+          </a:p>
+          <a:p>
+            <a:r>
+              <a:rPr lang="zh-CN" altLang="en-US" sz="1200" kern="1200" dirty="0">
+                <a:solidFill>
+                  <a:schemeClr val="tx1"/>
+                </a:solidFill>
+                <a:effectLst/>
+                <a:latin typeface="+mn-lt"/>
+                <a:ea typeface="+mn-ea"/>
+                <a:cs typeface="+mn-cs"/>
+              </a:rPr>
+              <a:t>    有些标签可以直接提取如</a:t>
+            </a:r>
+            <a:r>
+              <a:rPr lang="en-US" altLang="zh-CN" sz="1200" kern="1200" dirty="0">
+                <a:solidFill>
+                  <a:schemeClr val="tx1"/>
+                </a:solidFill>
+                <a:effectLst/>
+                <a:latin typeface="+mn-lt"/>
+                <a:ea typeface="+mn-ea"/>
+                <a:cs typeface="+mn-cs"/>
+              </a:rPr>
+              <a:t>Use Case Name</a:t>
+            </a:r>
+            <a:r>
+              <a:rPr lang="zh-CN" altLang="en-US" sz="1200" kern="1200" dirty="0">
+                <a:solidFill>
+                  <a:schemeClr val="tx1"/>
+                </a:solidFill>
+                <a:effectLst/>
+                <a:latin typeface="+mn-lt"/>
+                <a:ea typeface="+mn-ea"/>
+                <a:cs typeface="+mn-cs"/>
+              </a:rPr>
+              <a:t>，有些标签可以基于原始的内容直接分析获取如</a:t>
+            </a:r>
+            <a:r>
+              <a:rPr lang="en-US" altLang="zh-CN" sz="1200" kern="1200" dirty="0">
+                <a:solidFill>
+                  <a:schemeClr val="tx1"/>
+                </a:solidFill>
+                <a:effectLst/>
+                <a:latin typeface="+mn-lt"/>
+                <a:ea typeface="+mn-ea"/>
+                <a:cs typeface="+mn-cs"/>
+              </a:rPr>
+              <a:t>Flow Type</a:t>
+            </a:r>
+            <a:r>
+              <a:rPr lang="zh-CN" altLang="en-US" sz="1200" kern="1200" dirty="0">
+                <a:solidFill>
+                  <a:schemeClr val="tx1"/>
+                </a:solidFill>
+                <a:effectLst/>
+                <a:latin typeface="+mn-lt"/>
+                <a:ea typeface="+mn-ea"/>
+                <a:cs typeface="+mn-cs"/>
+              </a:rPr>
+              <a:t>判定为</a:t>
+            </a:r>
+            <a:r>
+              <a:rPr lang="en-US" altLang="zh-CN" sz="1200" kern="1200" dirty="0">
+                <a:solidFill>
+                  <a:schemeClr val="tx1"/>
+                </a:solidFill>
+                <a:effectLst/>
+                <a:latin typeface="+mn-lt"/>
+                <a:ea typeface="+mn-ea"/>
+                <a:cs typeface="+mn-cs"/>
+              </a:rPr>
+              <a:t>basic</a:t>
+            </a:r>
+            <a:r>
+              <a:rPr lang="zh-CN" altLang="en-US" sz="1200" kern="1200" dirty="0">
+                <a:solidFill>
+                  <a:schemeClr val="tx1"/>
+                </a:solidFill>
+                <a:effectLst/>
+                <a:latin typeface="+mn-lt"/>
+                <a:ea typeface="+mn-ea"/>
+                <a:cs typeface="+mn-cs"/>
+              </a:rPr>
+              <a:t>或</a:t>
+            </a:r>
+            <a:r>
+              <a:rPr lang="en-US" altLang="zh-CN" sz="1200" kern="1200" dirty="0">
+                <a:solidFill>
+                  <a:schemeClr val="tx1"/>
+                </a:solidFill>
+                <a:effectLst/>
+                <a:latin typeface="+mn-lt"/>
+                <a:ea typeface="+mn-ea"/>
+                <a:cs typeface="+mn-cs"/>
+              </a:rPr>
+              <a:t>bounded</a:t>
+            </a:r>
+            <a:r>
+              <a:rPr lang="zh-CN" altLang="en-US" sz="1200" kern="1200" dirty="0">
+                <a:solidFill>
+                  <a:schemeClr val="tx1"/>
+                </a:solidFill>
+                <a:effectLst/>
+                <a:latin typeface="+mn-lt"/>
+                <a:ea typeface="+mn-ea"/>
+                <a:cs typeface="+mn-cs"/>
+              </a:rPr>
+              <a:t>通过</a:t>
+            </a:r>
+            <a:r>
+              <a:rPr lang="en-US" altLang="zh-CN" sz="1200" kern="1200" dirty="0">
+                <a:solidFill>
+                  <a:schemeClr val="tx1"/>
+                </a:solidFill>
+                <a:effectLst/>
+                <a:latin typeface="+mn-lt"/>
+                <a:ea typeface="+mn-ea"/>
+                <a:cs typeface="+mn-cs"/>
+              </a:rPr>
+              <a:t>given</a:t>
+            </a:r>
+            <a:r>
+              <a:rPr lang="zh-CN" altLang="en-US" sz="1200" kern="1200" dirty="0">
+                <a:solidFill>
+                  <a:schemeClr val="tx1"/>
+                </a:solidFill>
+                <a:effectLst/>
+                <a:latin typeface="+mn-lt"/>
+                <a:ea typeface="+mn-ea"/>
+                <a:cs typeface="+mn-cs"/>
+              </a:rPr>
+              <a:t>中句子的数量决定，句子级别的</a:t>
+            </a:r>
+            <a:r>
+              <a:rPr lang="en-US" altLang="zh-CN" sz="1200" kern="1200" dirty="0">
+                <a:solidFill>
+                  <a:schemeClr val="tx1"/>
+                </a:solidFill>
+                <a:effectLst/>
+                <a:latin typeface="+mn-lt"/>
+                <a:ea typeface="+mn-ea"/>
+                <a:cs typeface="+mn-cs"/>
+              </a:rPr>
+              <a:t>wordlist</a:t>
+            </a:r>
+            <a:r>
+              <a:rPr lang="zh-CN" altLang="en-US" sz="1200" kern="1200" dirty="0">
+                <a:solidFill>
+                  <a:schemeClr val="tx1"/>
+                </a:solidFill>
+                <a:effectLst/>
+                <a:latin typeface="+mn-lt"/>
+                <a:ea typeface="+mn-ea"/>
+                <a:cs typeface="+mn-cs"/>
+              </a:rPr>
+              <a:t>，</a:t>
+            </a:r>
+            <a:r>
+              <a:rPr lang="en-US" altLang="zh-CN" sz="1200" kern="1200" dirty="0">
+                <a:solidFill>
+                  <a:schemeClr val="tx1"/>
+                </a:solidFill>
+                <a:effectLst/>
+                <a:latin typeface="+mn-lt"/>
+                <a:ea typeface="+mn-ea"/>
+                <a:cs typeface="+mn-cs"/>
+              </a:rPr>
+              <a:t>actor</a:t>
+            </a:r>
+            <a:r>
+              <a:rPr lang="zh-CN" altLang="en-US" sz="1200" kern="1200" dirty="0">
+                <a:solidFill>
+                  <a:schemeClr val="tx1"/>
+                </a:solidFill>
+                <a:effectLst/>
+                <a:latin typeface="+mn-lt"/>
+                <a:ea typeface="+mn-ea"/>
+                <a:cs typeface="+mn-cs"/>
+              </a:rPr>
+              <a:t>和</a:t>
+            </a:r>
+            <a:r>
+              <a:rPr lang="en-US" altLang="zh-CN" sz="1200" kern="1200" dirty="0">
+                <a:solidFill>
+                  <a:schemeClr val="tx1"/>
+                </a:solidFill>
+                <a:effectLst/>
+                <a:latin typeface="+mn-lt"/>
+                <a:ea typeface="+mn-ea"/>
+                <a:cs typeface="+mn-cs"/>
+              </a:rPr>
+              <a:t>action</a:t>
+            </a:r>
+          </a:p>
+          <a:p>
+            <a:r>
+              <a:rPr lang="en-US" altLang="zh-CN" sz="1200" kern="1200" dirty="0">
+                <a:solidFill>
+                  <a:schemeClr val="tx1"/>
+                </a:solidFill>
+                <a:effectLst/>
+                <a:latin typeface="+mn-lt"/>
+                <a:ea typeface="+mn-ea"/>
+                <a:cs typeface="+mn-cs"/>
+              </a:rPr>
+              <a:t>    </a:t>
+            </a:r>
+            <a:r>
+              <a:rPr lang="zh-CN" altLang="en-US" sz="1200" kern="1200" dirty="0">
+                <a:solidFill>
+                  <a:schemeClr val="tx1"/>
+                </a:solidFill>
+                <a:effectLst/>
+                <a:latin typeface="+mn-lt"/>
+                <a:ea typeface="+mn-ea"/>
+                <a:cs typeface="+mn-cs"/>
+              </a:rPr>
+              <a:t>有些标签要在其他标签的基础上结合原始内容获取，如</a:t>
+            </a:r>
+            <a:r>
+              <a:rPr lang="en-US" altLang="zh-CN" sz="1200" kern="1200" dirty="0">
+                <a:solidFill>
+                  <a:schemeClr val="tx1"/>
+                </a:solidFill>
+                <a:effectLst/>
+                <a:latin typeface="+mn-lt"/>
+                <a:ea typeface="+mn-ea"/>
+                <a:cs typeface="+mn-cs"/>
+              </a:rPr>
+              <a:t>GWT</a:t>
+            </a:r>
+            <a:r>
+              <a:rPr lang="zh-CN" altLang="en-US" sz="1200" kern="1200" dirty="0">
+                <a:solidFill>
+                  <a:schemeClr val="tx1"/>
+                </a:solidFill>
+                <a:effectLst/>
+                <a:latin typeface="+mn-lt"/>
+                <a:ea typeface="+mn-ea"/>
+                <a:cs typeface="+mn-cs"/>
+              </a:rPr>
+              <a:t>级别判断</a:t>
+            </a:r>
+            <a:r>
+              <a:rPr lang="en-US" altLang="zh-CN" sz="1200" kern="1200" dirty="0">
+                <a:solidFill>
+                  <a:schemeClr val="tx1"/>
+                </a:solidFill>
+                <a:effectLst/>
+                <a:latin typeface="+mn-lt"/>
+                <a:ea typeface="+mn-ea"/>
+                <a:cs typeface="+mn-cs"/>
+              </a:rPr>
+              <a:t>Flow Type</a:t>
+            </a:r>
+            <a:r>
+              <a:rPr lang="zh-CN" altLang="en-US" sz="1200" kern="1200" dirty="0">
+                <a:solidFill>
+                  <a:schemeClr val="tx1"/>
+                </a:solidFill>
+                <a:effectLst/>
+                <a:latin typeface="+mn-lt"/>
+                <a:ea typeface="+mn-ea"/>
+                <a:cs typeface="+mn-cs"/>
+              </a:rPr>
+              <a:t>为</a:t>
             </a:r>
             <a:r>
               <a:rPr lang="en-US" altLang="zh-CN" sz="1200" kern="1200" dirty="0" err="1">
@@ -6720,19 +6826,19 @@
                 <a:ea typeface="+mn-ea"/>
                 <a:cs typeface="+mn-cs"/>
               </a:rPr>
-              <a:t>TaggedGWT</a:t>
-            </a:r>
-            <a:r>
-              <a:rPr lang="zh-CN" altLang="zh-CN" sz="1200" kern="1200" dirty="0">
-                <a:solidFill>
-                  <a:schemeClr val="tx1"/>
-                </a:solidFill>
-                <a:effectLst/>
-                <a:latin typeface="+mn-lt"/>
-                <a:ea typeface="+mn-ea"/>
-                <a:cs typeface="+mn-cs"/>
-              </a:rPr>
-              <a:t>对象，将</a:t>
+              <a:t>specfic</a:t>
+            </a:r>
+            <a:r>
+              <a:rPr lang="zh-CN" altLang="en-US" sz="1200" kern="1200" dirty="0">
+                <a:solidFill>
+                  <a:schemeClr val="tx1"/>
+                </a:solidFill>
+                <a:effectLst/>
+                <a:latin typeface="+mn-lt"/>
+                <a:ea typeface="+mn-ea"/>
+                <a:cs typeface="+mn-cs"/>
+              </a:rPr>
+              <a:t>或</a:t>
             </a:r>
             <a:r>
               <a:rPr lang="en-US" altLang="zh-CN" sz="1200" kern="1200" dirty="0">
@@ -6744,81 +6850,19 @@
                 <a:ea typeface="+mn-ea"/>
                 <a:cs typeface="+mn-cs"/>
               </a:rPr>
-              <a:t>GWT</a:t>
-            </a:r>
-            <a:r>
-              <a:rPr lang="zh-CN" altLang="zh-CN" sz="1200" kern="1200" dirty="0">
-                <a:solidFill>
-                  <a:schemeClr val="tx1"/>
-                </a:solidFill>
-                <a:effectLst/>
-                <a:latin typeface="+mn-lt"/>
-                <a:ea typeface="+mn-ea"/>
-                <a:cs typeface="+mn-cs"/>
-              </a:rPr>
-              <a:t>对象的属性值复制到</a:t>
-            </a:r>
-            <a:r>
-              <a:rPr lang="en-US" altLang="zh-CN" sz="1200" kern="1200" dirty="0" err="1">
-                <a:solidFill>
-                  <a:schemeClr val="tx1"/>
-                </a:solidFill>
-                <a:effectLst/>
-                <a:latin typeface="+mn-lt"/>
-                <a:ea typeface="+mn-ea"/>
-                <a:cs typeface="+mn-cs"/>
-              </a:rPr>
-              <a:t>TaggedGWT</a:t>
-            </a:r>
-            <a:r>
-              <a:rPr lang="zh-CN" altLang="zh-CN" sz="1200" kern="1200" dirty="0">
-                <a:solidFill>
-                  <a:schemeClr val="tx1"/>
-                </a:solidFill>
-                <a:effectLst/>
-                <a:latin typeface="+mn-lt"/>
-                <a:ea typeface="+mn-ea"/>
-                <a:cs typeface="+mn-cs"/>
-              </a:rPr>
-              <a:t>的对应属性中。</a:t>
-            </a:r>
-          </a:p>
-          <a:p>
-            <a:r>
-              <a:rPr lang="zh-CN" altLang="zh-CN" sz="1200" kern="1200" dirty="0">
-                <a:solidFill>
-                  <a:schemeClr val="tx1"/>
-                </a:solidFill>
-                <a:effectLst/>
-                <a:latin typeface="+mn-lt"/>
-                <a:ea typeface="+mn-ea"/>
-                <a:cs typeface="+mn-cs"/>
-              </a:rPr>
-              <a:t>对每一个</a:t>
-            </a:r>
-            <a:r>
-              <a:rPr lang="en-US" altLang="zh-CN" sz="1200" kern="1200" dirty="0" err="1">
-                <a:solidFill>
-                  <a:schemeClr val="tx1"/>
-                </a:solidFill>
-                <a:effectLst/>
-                <a:latin typeface="+mn-lt"/>
-                <a:ea typeface="+mn-ea"/>
-                <a:cs typeface="+mn-cs"/>
-              </a:rPr>
-              <a:t>TaggedGWT</a:t>
-            </a:r>
-            <a:r>
-              <a:rPr lang="zh-CN" altLang="zh-CN" sz="1200" kern="1200" dirty="0">
-                <a:solidFill>
-                  <a:schemeClr val="tx1"/>
-                </a:solidFill>
-                <a:effectLst/>
-                <a:latin typeface="+mn-lt"/>
-                <a:ea typeface="+mn-ea"/>
-                <a:cs typeface="+mn-cs"/>
-              </a:rPr>
-              <a:t>对象，首先标记基础标签，包括</a:t>
+              <a:t>global</a:t>
+            </a:r>
+            <a:r>
+              <a:rPr lang="zh-CN" altLang="en-US" sz="1200" kern="1200" dirty="0">
+                <a:solidFill>
+                  <a:schemeClr val="tx1"/>
+                </a:solidFill>
+                <a:effectLst/>
+                <a:latin typeface="+mn-lt"/>
+                <a:ea typeface="+mn-ea"/>
+                <a:cs typeface="+mn-cs"/>
+              </a:rPr>
+              <a:t>需要先通过句子相似度比较找出与</a:t>
             </a:r>
             <a:r>
               <a:rPr lang="en-US" altLang="zh-CN" sz="1200" kern="1200" dirty="0">
@@ -6830,34 +6874,178 @@
                 <a:ea typeface="+mn-ea"/>
                 <a:cs typeface="+mn-cs"/>
               </a:rPr>
-              <a:t>GWT</a:t>
-            </a:r>
-            <a:r>
-              <a:rPr lang="zh-CN" altLang="zh-CN" sz="1200" kern="1200" dirty="0">
-                <a:solidFill>
-                  <a:schemeClr val="tx1"/>
-                </a:solidFill>
-                <a:effectLst/>
-                <a:latin typeface="+mn-lt"/>
-                <a:ea typeface="+mn-ea"/>
-                <a:cs typeface="+mn-cs"/>
-              </a:rPr>
-              <a:t>级的</a:t>
-            </a:r>
-            <a:r>
-              <a:rPr lang="en-US" altLang="zh-CN" sz="1200" kern="1200" dirty="0" err="1">
-                <a:solidFill>
-                  <a:schemeClr val="tx1"/>
-                </a:solidFill>
-                <a:effectLst/>
-                <a:latin typeface="+mn-lt"/>
-                <a:ea typeface="+mn-ea"/>
-                <a:cs typeface="+mn-cs"/>
-              </a:rPr>
-              <a:t>UseCaseName</a:t>
-            </a:r>
-            <a:r>
-              <a:rPr lang="zh-CN" altLang="zh-CN" sz="1200" kern="1200" dirty="0">
+              <a:t>basic</a:t>
+            </a:r>
+            <a:r>
+              <a:rPr lang="zh-CN" altLang="en-US" sz="1200" kern="1200" dirty="0">
+                <a:solidFill>
+                  <a:schemeClr val="tx1"/>
+                </a:solidFill>
+                <a:effectLst/>
+                <a:latin typeface="+mn-lt"/>
+                <a:ea typeface="+mn-ea"/>
+                <a:cs typeface="+mn-cs"/>
+              </a:rPr>
+              <a:t>不相似的</a:t>
+            </a:r>
+            <a:r>
+              <a:rPr lang="en-US" altLang="zh-CN" sz="1200" kern="1200" dirty="0">
+                <a:solidFill>
+                  <a:schemeClr val="tx1"/>
+                </a:solidFill>
+                <a:effectLst/>
+                <a:latin typeface="+mn-lt"/>
+                <a:ea typeface="+mn-ea"/>
+                <a:cs typeface="+mn-cs"/>
+              </a:rPr>
+              <a:t>given</a:t>
+            </a:r>
+            <a:r>
+              <a:rPr lang="zh-CN" altLang="en-US" sz="1200" kern="1200" dirty="0">
+                <a:solidFill>
+                  <a:schemeClr val="tx1"/>
+                </a:solidFill>
+                <a:effectLst/>
+                <a:latin typeface="+mn-lt"/>
+                <a:ea typeface="+mn-ea"/>
+                <a:cs typeface="+mn-cs"/>
+              </a:rPr>
+              <a:t>句子，再将句子与标记为</a:t>
+            </a:r>
+            <a:r>
+              <a:rPr lang="en-US" altLang="zh-CN" sz="1200" kern="1200" dirty="0">
+                <a:solidFill>
+                  <a:schemeClr val="tx1"/>
+                </a:solidFill>
+                <a:effectLst/>
+                <a:latin typeface="+mn-lt"/>
+                <a:ea typeface="+mn-ea"/>
+                <a:cs typeface="+mn-cs"/>
+              </a:rPr>
+              <a:t>basic</a:t>
+            </a:r>
+            <a:r>
+              <a:rPr lang="zh-CN" altLang="en-US" sz="1200" kern="1200" dirty="0">
+                <a:solidFill>
+                  <a:schemeClr val="tx1"/>
+                </a:solidFill>
+                <a:effectLst/>
+                <a:latin typeface="+mn-lt"/>
+                <a:ea typeface="+mn-ea"/>
+                <a:cs typeface="+mn-cs"/>
+              </a:rPr>
+              <a:t>的</a:t>
+            </a:r>
+            <a:r>
+              <a:rPr lang="en-US" altLang="zh-CN" sz="1200" kern="1200" dirty="0">
+                <a:solidFill>
+                  <a:schemeClr val="tx1"/>
+                </a:solidFill>
+                <a:effectLst/>
+                <a:latin typeface="+mn-lt"/>
+                <a:ea typeface="+mn-ea"/>
+                <a:cs typeface="+mn-cs"/>
+              </a:rPr>
+              <a:t>when</a:t>
+            </a:r>
+            <a:r>
+              <a:rPr lang="zh-CN" altLang="en-US" sz="1200" kern="1200" dirty="0">
+                <a:solidFill>
+                  <a:schemeClr val="tx1"/>
+                </a:solidFill>
+                <a:effectLst/>
+                <a:latin typeface="+mn-lt"/>
+                <a:ea typeface="+mn-ea"/>
+                <a:cs typeface="+mn-cs"/>
+              </a:rPr>
+              <a:t>中的句子做相似度比较，若有相似的句子则为</a:t>
+            </a:r>
+            <a:r>
+              <a:rPr lang="en-US" altLang="zh-CN" sz="1200" kern="1200" dirty="0">
+                <a:solidFill>
+                  <a:schemeClr val="tx1"/>
+                </a:solidFill>
+                <a:effectLst/>
+                <a:latin typeface="+mn-lt"/>
+                <a:ea typeface="+mn-ea"/>
+                <a:cs typeface="+mn-cs"/>
+              </a:rPr>
+              <a:t>specific</a:t>
+            </a:r>
+            <a:r>
+              <a:rPr lang="zh-CN" altLang="en-US" sz="1200" kern="1200" dirty="0">
+                <a:solidFill>
+                  <a:schemeClr val="tx1"/>
+                </a:solidFill>
+                <a:effectLst/>
+                <a:latin typeface="+mn-lt"/>
+                <a:ea typeface="+mn-ea"/>
+                <a:cs typeface="+mn-cs"/>
+              </a:rPr>
+              <a:t>否则为</a:t>
+            </a:r>
+            <a:r>
+              <a:rPr lang="en-US" altLang="zh-CN" sz="1200" kern="1200" dirty="0">
+                <a:solidFill>
+                  <a:schemeClr val="tx1"/>
+                </a:solidFill>
+                <a:effectLst/>
+                <a:latin typeface="+mn-lt"/>
+                <a:ea typeface="+mn-ea"/>
+                <a:cs typeface="+mn-cs"/>
+              </a:rPr>
+              <a:t>global</a:t>
+            </a:r>
+            <a:r>
+              <a:rPr lang="zh-CN" altLang="en-US" sz="1200" kern="1200" dirty="0">
+                <a:solidFill>
+                  <a:schemeClr val="tx1"/>
+                </a:solidFill>
+                <a:effectLst/>
+                <a:latin typeface="+mn-lt"/>
+                <a:ea typeface="+mn-ea"/>
+                <a:cs typeface="+mn-cs"/>
+              </a:rPr>
+              <a:t>；在句子级别的</a:t>
+            </a:r>
+            <a:r>
+              <a:rPr lang="en-US" altLang="zh-CN" sz="1200" kern="1200" dirty="0">
+                <a:solidFill>
+                  <a:schemeClr val="tx1"/>
+                </a:solidFill>
+                <a:effectLst/>
+                <a:latin typeface="+mn-lt"/>
+                <a:ea typeface="+mn-ea"/>
+                <a:cs typeface="+mn-cs"/>
+              </a:rPr>
+              <a:t>associated</a:t>
+            </a:r>
+            <a:r>
+              <a:rPr lang="zh-CN" altLang="en-US" sz="1200" kern="1200" dirty="0">
+                <a:solidFill>
+                  <a:schemeClr val="tx1"/>
+                </a:solidFill>
+                <a:effectLst/>
+                <a:latin typeface="+mn-lt"/>
+                <a:ea typeface="+mn-ea"/>
+                <a:cs typeface="+mn-cs"/>
+              </a:rPr>
+              <a:t>同理，适用于判断</a:t>
+            </a:r>
+            <a:r>
+              <a:rPr lang="en-US" altLang="zh-CN" sz="1200" kern="1200" dirty="0">
+                <a:solidFill>
+                  <a:schemeClr val="tx1"/>
+                </a:solidFill>
+                <a:effectLst/>
+                <a:latin typeface="+mn-lt"/>
+                <a:ea typeface="+mn-ea"/>
+                <a:cs typeface="+mn-cs"/>
+              </a:rPr>
+              <a:t>specific</a:t>
+            </a:r>
+            <a:r>
+              <a:rPr lang="zh-CN" altLang="en-US" sz="1200" kern="1200" dirty="0">
                 <a:solidFill>
                   <a:schemeClr val="tx1"/>
                 </a:solidFill>
@@ -6869,30 +7057,6 @@
               <a:t>和</a:t>
             </a:r>
             <a:r>
-              <a:rPr lang="en-US" altLang="zh-CN" sz="1200" kern="1200" dirty="0" err="1">
-                <a:solidFill>
-                  <a:schemeClr val="tx1"/>
-                </a:solidFill>
-                <a:effectLst/>
-                <a:latin typeface="+mn-lt"/>
-                <a:ea typeface="+mn-ea"/>
-                <a:cs typeface="+mn-cs"/>
-              </a:rPr>
-              <a:t>FlowType</a:t>
-            </a:r>
-            <a:r>
-              <a:rPr lang="zh-CN" altLang="zh-CN" sz="1200" kern="1200" dirty="0">
-                <a:solidFill>
-                  <a:schemeClr val="tx1"/>
-                </a:solidFill>
-                <a:effectLst/>
-                <a:latin typeface="+mn-lt"/>
-                <a:ea typeface="+mn-ea"/>
-                <a:cs typeface="+mn-cs"/>
-              </a:rPr>
-              <a:t>的</a:t>
-            </a:r>
-            <a:r>
               <a:rPr lang="en-US" altLang="zh-CN" sz="1200" kern="1200" dirty="0">
                 <a:solidFill>
                   <a:schemeClr val="tx1"/>
@@ -6902,1334 +7066,31 @@
                 <a:ea typeface="+mn-ea"/>
                 <a:cs typeface="+mn-cs"/>
               </a:rPr>
-              <a:t>basic</a:t>
-            </a:r>
-            <a:r>
-              <a:rPr lang="zh-CN" altLang="zh-CN" sz="1200" kern="1200" dirty="0">
-                <a:solidFill>
-                  <a:schemeClr val="tx1"/>
-                </a:solidFill>
-                <a:effectLst/>
-                <a:latin typeface="+mn-lt"/>
-                <a:ea typeface="+mn-ea"/>
-                <a:cs typeface="+mn-cs"/>
-              </a:rPr>
-              <a:t>或</a:t>
-            </a:r>
-            <a:r>
-              <a:rPr lang="en-US" altLang="zh-CN" sz="1200" kern="1200" dirty="0">
-                <a:solidFill>
-                  <a:schemeClr val="tx1"/>
-                </a:solidFill>
-                <a:effectLst/>
-                <a:latin typeface="+mn-lt"/>
-                <a:ea typeface="+mn-ea"/>
-                <a:cs typeface="+mn-cs"/>
-              </a:rPr>
               <a:t>bounded</a:t>
             </a:r>
             <a:r>
-              <a:rPr lang="zh-CN" altLang="zh-CN" sz="1200" kern="1200" dirty="0">
-                <a:solidFill>
-                  <a:schemeClr val="tx1"/>
-                </a:solidFill>
-                <a:effectLst/>
-                <a:latin typeface="+mn-lt"/>
-                <a:ea typeface="+mn-ea"/>
-                <a:cs typeface="+mn-cs"/>
-              </a:rPr>
-              <a:t>标签，句子级的</a:t>
-            </a:r>
-            <a:r>
-              <a:rPr lang="en-US" altLang="zh-CN" sz="1200" kern="1200" dirty="0">
-                <a:solidFill>
-                  <a:schemeClr val="tx1"/>
-                </a:solidFill>
-                <a:effectLst/>
-                <a:latin typeface="+mn-lt"/>
-                <a:ea typeface="+mn-ea"/>
-                <a:cs typeface="+mn-cs"/>
-              </a:rPr>
-              <a:t>wordlist</a:t>
-            </a:r>
-            <a:r>
-              <a:rPr lang="zh-CN" altLang="zh-CN" sz="1200" kern="1200" dirty="0">
-                <a:solidFill>
-                  <a:schemeClr val="tx1"/>
-                </a:solidFill>
-                <a:effectLst/>
-                <a:latin typeface="+mn-lt"/>
-                <a:ea typeface="+mn-ea"/>
-                <a:cs typeface="+mn-cs"/>
-              </a:rPr>
-              <a:t>、</a:t>
-            </a:r>
-            <a:r>
-              <a:rPr lang="en-US" altLang="zh-CN" sz="1200" kern="1200" dirty="0">
-                <a:solidFill>
-                  <a:schemeClr val="tx1"/>
-                </a:solidFill>
-                <a:effectLst/>
-                <a:latin typeface="+mn-lt"/>
-                <a:ea typeface="+mn-ea"/>
-                <a:cs typeface="+mn-cs"/>
-              </a:rPr>
-              <a:t>actor</a:t>
-            </a:r>
-            <a:r>
-              <a:rPr lang="zh-CN" altLang="zh-CN" sz="1200" kern="1200" dirty="0">
-                <a:solidFill>
-                  <a:schemeClr val="tx1"/>
-                </a:solidFill>
-                <a:effectLst/>
-                <a:latin typeface="+mn-lt"/>
-                <a:ea typeface="+mn-ea"/>
-                <a:cs typeface="+mn-cs"/>
-              </a:rPr>
-              <a:t>和</a:t>
-            </a:r>
-            <a:r>
-              <a:rPr lang="en-US" altLang="zh-CN" sz="1200" kern="1200" dirty="0">
-                <a:solidFill>
-                  <a:schemeClr val="tx1"/>
-                </a:solidFill>
-                <a:effectLst/>
-                <a:latin typeface="+mn-lt"/>
-                <a:ea typeface="+mn-ea"/>
-                <a:cs typeface="+mn-cs"/>
-              </a:rPr>
-              <a:t>action</a:t>
-            </a:r>
-            <a:r>
-              <a:rPr lang="zh-CN" altLang="zh-CN" sz="1200" kern="1200" dirty="0">
-                <a:solidFill>
-                  <a:schemeClr val="tx1"/>
-                </a:solidFill>
-                <a:effectLst/>
-                <a:latin typeface="+mn-lt"/>
-                <a:ea typeface="+mn-ea"/>
-                <a:cs typeface="+mn-cs"/>
-              </a:rPr>
-              <a:t>标签。分析所有</a:t>
-            </a:r>
-            <a:r>
-              <a:rPr lang="en-US" altLang="zh-CN" sz="1200" kern="1200" dirty="0" err="1">
-                <a:solidFill>
-                  <a:schemeClr val="tx1"/>
-                </a:solidFill>
-                <a:effectLst/>
-                <a:latin typeface="+mn-lt"/>
-                <a:ea typeface="+mn-ea"/>
-                <a:cs typeface="+mn-cs"/>
-              </a:rPr>
-              <a:t>TaggedGWT</a:t>
-            </a:r>
-            <a:r>
-              <a:rPr lang="zh-CN" altLang="zh-CN" sz="1200" kern="1200" dirty="0">
-                <a:solidFill>
-                  <a:schemeClr val="tx1"/>
-                </a:solidFill>
-                <a:effectLst/>
-                <a:latin typeface="+mn-lt"/>
-                <a:ea typeface="+mn-ea"/>
-                <a:cs typeface="+mn-cs"/>
-              </a:rPr>
-              <a:t>的</a:t>
-            </a:r>
-            <a:r>
-              <a:rPr lang="en-US" altLang="zh-CN" sz="1200" kern="1200" dirty="0">
-                <a:solidFill>
-                  <a:schemeClr val="tx1"/>
-                </a:solidFill>
-                <a:effectLst/>
-                <a:latin typeface="+mn-lt"/>
-                <a:ea typeface="+mn-ea"/>
-                <a:cs typeface="+mn-cs"/>
-              </a:rPr>
-              <a:t>Given</a:t>
-            </a:r>
-            <a:r>
-              <a:rPr lang="zh-CN" altLang="zh-CN" sz="1200" kern="1200" dirty="0">
-                <a:solidFill>
-                  <a:schemeClr val="tx1"/>
-                </a:solidFill>
-                <a:effectLst/>
-                <a:latin typeface="+mn-lt"/>
-                <a:ea typeface="+mn-ea"/>
-                <a:cs typeface="+mn-cs"/>
-              </a:rPr>
-              <a:t>属性中句子的数量，将其中句子最少的</a:t>
-            </a:r>
-            <a:r>
-              <a:rPr lang="en-US" altLang="zh-CN" sz="1200" kern="1200" dirty="0" err="1">
-                <a:solidFill>
-                  <a:schemeClr val="tx1"/>
-                </a:solidFill>
-                <a:effectLst/>
-                <a:latin typeface="+mn-lt"/>
-                <a:ea typeface="+mn-ea"/>
-                <a:cs typeface="+mn-cs"/>
-              </a:rPr>
-              <a:t>TaggedGWT</a:t>
-            </a:r>
-            <a:r>
-              <a:rPr lang="zh-CN" altLang="zh-CN" sz="1200" kern="1200" dirty="0">
-                <a:solidFill>
-                  <a:schemeClr val="tx1"/>
-                </a:solidFill>
-                <a:effectLst/>
-                <a:latin typeface="+mn-lt"/>
-                <a:ea typeface="+mn-ea"/>
-                <a:cs typeface="+mn-cs"/>
-              </a:rPr>
-              <a:t>的</a:t>
-            </a:r>
-            <a:r>
-              <a:rPr lang="en-US" altLang="zh-CN" sz="1200" kern="1200" dirty="0" err="1">
-                <a:solidFill>
-                  <a:schemeClr val="tx1"/>
-                </a:solidFill>
-                <a:effectLst/>
-                <a:latin typeface="+mn-lt"/>
-                <a:ea typeface="+mn-ea"/>
-                <a:cs typeface="+mn-cs"/>
-              </a:rPr>
-              <a:t>FlowType</a:t>
-            </a:r>
-            <a:r>
-              <a:rPr lang="zh-CN" altLang="zh-CN" sz="1200" kern="1200" dirty="0">
-                <a:solidFill>
-                  <a:schemeClr val="tx1"/>
-                </a:solidFill>
-                <a:effectLst/>
-                <a:latin typeface="+mn-lt"/>
-                <a:ea typeface="+mn-ea"/>
-                <a:cs typeface="+mn-cs"/>
-              </a:rPr>
-              <a:t>标记为</a:t>
-            </a:r>
-            <a:r>
-              <a:rPr lang="en-US" altLang="zh-CN" sz="1200" kern="1200" dirty="0">
-                <a:solidFill>
-                  <a:schemeClr val="tx1"/>
-                </a:solidFill>
-                <a:effectLst/>
-                <a:latin typeface="+mn-lt"/>
-                <a:ea typeface="+mn-ea"/>
-                <a:cs typeface="+mn-cs"/>
-              </a:rPr>
-              <a:t>basic</a:t>
-            </a:r>
-            <a:r>
-              <a:rPr lang="zh-CN" altLang="zh-CN" sz="1200" kern="1200" dirty="0">
-                <a:solidFill>
-                  <a:schemeClr val="tx1"/>
-                </a:solidFill>
-                <a:effectLst/>
-                <a:latin typeface="+mn-lt"/>
-                <a:ea typeface="+mn-ea"/>
-                <a:cs typeface="+mn-cs"/>
-              </a:rPr>
-              <a:t>，句子数量超过标记为</a:t>
-            </a:r>
-            <a:r>
-              <a:rPr lang="en-US" altLang="zh-CN" sz="1200" kern="1200" dirty="0">
-                <a:solidFill>
-                  <a:schemeClr val="tx1"/>
-                </a:solidFill>
-                <a:effectLst/>
-                <a:latin typeface="+mn-lt"/>
-                <a:ea typeface="+mn-ea"/>
-                <a:cs typeface="+mn-cs"/>
-              </a:rPr>
-              <a:t>basic</a:t>
-            </a:r>
-            <a:r>
-              <a:rPr lang="zh-CN" altLang="zh-CN" sz="1200" kern="1200" dirty="0">
-                <a:solidFill>
-                  <a:schemeClr val="tx1"/>
-                </a:solidFill>
-                <a:effectLst/>
-                <a:latin typeface="+mn-lt"/>
-                <a:ea typeface="+mn-ea"/>
-                <a:cs typeface="+mn-cs"/>
-              </a:rPr>
-              <a:t>的</a:t>
-            </a:r>
-            <a:r>
-              <a:rPr lang="en-US" altLang="zh-CN" sz="1200" kern="1200" dirty="0">
-                <a:solidFill>
-                  <a:schemeClr val="tx1"/>
-                </a:solidFill>
-                <a:effectLst/>
-                <a:latin typeface="+mn-lt"/>
-                <a:ea typeface="+mn-ea"/>
-                <a:cs typeface="+mn-cs"/>
-              </a:rPr>
-              <a:t>GWT 2</a:t>
-            </a:r>
-            <a:r>
-              <a:rPr lang="zh-CN" altLang="zh-CN" sz="1200" kern="1200" dirty="0">
-                <a:solidFill>
-                  <a:schemeClr val="tx1"/>
-                </a:solidFill>
-                <a:effectLst/>
-                <a:latin typeface="+mn-lt"/>
-                <a:ea typeface="+mn-ea"/>
-                <a:cs typeface="+mn-cs"/>
-              </a:rPr>
-              <a:t>句或以上（如果有）的</a:t>
-            </a:r>
-            <a:r>
-              <a:rPr lang="en-US" altLang="zh-CN" sz="1200" kern="1200" dirty="0" err="1">
-                <a:solidFill>
-                  <a:schemeClr val="tx1"/>
-                </a:solidFill>
-                <a:effectLst/>
-                <a:latin typeface="+mn-lt"/>
-                <a:ea typeface="+mn-ea"/>
-                <a:cs typeface="+mn-cs"/>
-              </a:rPr>
-              <a:t>TaggedGWT</a:t>
-            </a:r>
-            <a:r>
-              <a:rPr lang="zh-CN" altLang="zh-CN" sz="1200" kern="1200" dirty="0">
-                <a:solidFill>
-                  <a:schemeClr val="tx1"/>
-                </a:solidFill>
-                <a:effectLst/>
-                <a:latin typeface="+mn-lt"/>
-                <a:ea typeface="+mn-ea"/>
-                <a:cs typeface="+mn-cs"/>
-              </a:rPr>
-              <a:t>的</a:t>
-            </a:r>
-            <a:r>
-              <a:rPr lang="en-US" altLang="zh-CN" sz="1200" kern="1200" dirty="0" err="1">
-                <a:solidFill>
-                  <a:schemeClr val="tx1"/>
-                </a:solidFill>
-                <a:effectLst/>
-                <a:latin typeface="+mn-lt"/>
-                <a:ea typeface="+mn-ea"/>
-                <a:cs typeface="+mn-cs"/>
-              </a:rPr>
-              <a:t>FlowType</a:t>
-            </a:r>
-            <a:r>
-              <a:rPr lang="zh-CN" altLang="zh-CN" sz="1200" kern="1200" dirty="0">
-                <a:solidFill>
-                  <a:schemeClr val="tx1"/>
-                </a:solidFill>
-                <a:effectLst/>
-                <a:latin typeface="+mn-lt"/>
-                <a:ea typeface="+mn-ea"/>
-                <a:cs typeface="+mn-cs"/>
-              </a:rPr>
-              <a:t>标记为</a:t>
-            </a:r>
-            <a:r>
-              <a:rPr lang="en-US" altLang="zh-CN" sz="1200" kern="1200" dirty="0">
-                <a:solidFill>
-                  <a:schemeClr val="tx1"/>
-                </a:solidFill>
-                <a:effectLst/>
-                <a:latin typeface="+mn-lt"/>
-                <a:ea typeface="+mn-ea"/>
-                <a:cs typeface="+mn-cs"/>
-              </a:rPr>
-              <a:t>bounded</a:t>
-            </a:r>
-            <a:r>
-              <a:rPr lang="zh-CN" altLang="zh-CN" sz="1200" kern="1200" dirty="0">
-                <a:solidFill>
-                  <a:schemeClr val="tx1"/>
-                </a:solidFill>
-                <a:effectLst/>
-                <a:latin typeface="+mn-lt"/>
-                <a:ea typeface="+mn-ea"/>
-                <a:cs typeface="+mn-cs"/>
-              </a:rPr>
-              <a:t>。对一组中的每一个</a:t>
-            </a:r>
-            <a:r>
-              <a:rPr lang="en-US" altLang="zh-CN" sz="1200" kern="1200" dirty="0" err="1">
-                <a:solidFill>
-                  <a:schemeClr val="tx1"/>
-                </a:solidFill>
-                <a:effectLst/>
-                <a:latin typeface="+mn-lt"/>
-                <a:ea typeface="+mn-ea"/>
-                <a:cs typeface="+mn-cs"/>
-              </a:rPr>
-              <a:t>TaggedGWT</a:t>
-            </a:r>
-            <a:r>
-              <a:rPr lang="zh-CN" altLang="zh-CN" sz="1200" kern="1200" dirty="0">
-                <a:solidFill>
-                  <a:schemeClr val="tx1"/>
-                </a:solidFill>
-                <a:effectLst/>
-                <a:latin typeface="+mn-lt"/>
-                <a:ea typeface="+mn-ea"/>
-                <a:cs typeface="+mn-cs"/>
-              </a:rPr>
-              <a:t>，从</a:t>
-            </a:r>
-            <a:r>
-              <a:rPr lang="en-US" altLang="zh-CN" sz="1200" kern="1200" dirty="0" err="1">
-                <a:solidFill>
-                  <a:schemeClr val="tx1"/>
-                </a:solidFill>
-                <a:effectLst/>
-                <a:latin typeface="+mn-lt"/>
-                <a:ea typeface="+mn-ea"/>
-                <a:cs typeface="+mn-cs"/>
-              </a:rPr>
-              <a:t>TaggedGWT</a:t>
-            </a:r>
-            <a:r>
-              <a:rPr lang="zh-CN" altLang="zh-CN" sz="1200" kern="1200" dirty="0">
-                <a:solidFill>
-                  <a:schemeClr val="tx1"/>
-                </a:solidFill>
-                <a:effectLst/>
-                <a:latin typeface="+mn-lt"/>
-                <a:ea typeface="+mn-ea"/>
-                <a:cs typeface="+mn-cs"/>
-              </a:rPr>
-              <a:t>的</a:t>
-            </a:r>
-            <a:r>
-              <a:rPr lang="en-US" altLang="zh-CN" sz="1200" kern="1200" dirty="0">
-                <a:solidFill>
-                  <a:schemeClr val="tx1"/>
-                </a:solidFill>
-                <a:effectLst/>
-                <a:latin typeface="+mn-lt"/>
-                <a:ea typeface="+mn-ea"/>
-                <a:cs typeface="+mn-cs"/>
-              </a:rPr>
-              <a:t>Feature</a:t>
-            </a:r>
-            <a:r>
-              <a:rPr lang="zh-CN" altLang="zh-CN" sz="1200" kern="1200" dirty="0">
-                <a:solidFill>
-                  <a:schemeClr val="tx1"/>
-                </a:solidFill>
-                <a:effectLst/>
-                <a:latin typeface="+mn-lt"/>
-                <a:ea typeface="+mn-ea"/>
-                <a:cs typeface="+mn-cs"/>
-              </a:rPr>
-              <a:t>字段读出用例名记录到</a:t>
-            </a:r>
-            <a:r>
-              <a:rPr lang="en-US" altLang="zh-CN" sz="1200" kern="1200" dirty="0" err="1">
-                <a:solidFill>
-                  <a:schemeClr val="tx1"/>
-                </a:solidFill>
-                <a:effectLst/>
-                <a:latin typeface="+mn-lt"/>
-                <a:ea typeface="+mn-ea"/>
-                <a:cs typeface="+mn-cs"/>
-              </a:rPr>
-              <a:t>UseCaseName</a:t>
-            </a:r>
-            <a:r>
-              <a:rPr lang="zh-CN" altLang="zh-CN" sz="1200" kern="1200" dirty="0">
-                <a:solidFill>
-                  <a:schemeClr val="tx1"/>
-                </a:solidFill>
-                <a:effectLst/>
-                <a:latin typeface="+mn-lt"/>
-                <a:ea typeface="+mn-ea"/>
-                <a:cs typeface="+mn-cs"/>
-              </a:rPr>
-              <a:t>属性中，对</a:t>
-            </a:r>
-            <a:r>
-              <a:rPr lang="en-US" altLang="zh-CN" sz="1200" kern="1200" dirty="0">
-                <a:solidFill>
-                  <a:schemeClr val="tx1"/>
-                </a:solidFill>
-                <a:effectLst/>
-                <a:latin typeface="+mn-lt"/>
-                <a:ea typeface="+mn-ea"/>
-                <a:cs typeface="+mn-cs"/>
-              </a:rPr>
-              <a:t>When</a:t>
-            </a:r>
-            <a:r>
-              <a:rPr lang="zh-CN" altLang="zh-CN" sz="1200" kern="1200" dirty="0">
-                <a:solidFill>
-                  <a:schemeClr val="tx1"/>
-                </a:solidFill>
-                <a:effectLst/>
-                <a:latin typeface="+mn-lt"/>
-                <a:ea typeface="+mn-ea"/>
-                <a:cs typeface="+mn-cs"/>
-              </a:rPr>
-              <a:t>属性中的每一个</a:t>
-            </a:r>
-            <a:r>
-              <a:rPr lang="en-US" altLang="zh-CN" sz="1200" kern="1200" dirty="0">
-                <a:solidFill>
-                  <a:schemeClr val="tx1"/>
-                </a:solidFill>
-                <a:effectLst/>
-                <a:latin typeface="+mn-lt"/>
-                <a:ea typeface="+mn-ea"/>
-                <a:cs typeface="+mn-cs"/>
-              </a:rPr>
-              <a:t>Sentence</a:t>
-            </a:r>
-            <a:r>
-              <a:rPr lang="zh-CN" altLang="zh-CN" sz="1200" kern="1200" dirty="0">
-                <a:solidFill>
-                  <a:schemeClr val="tx1"/>
-                </a:solidFill>
-                <a:effectLst/>
-                <a:latin typeface="+mn-lt"/>
-                <a:ea typeface="+mn-ea"/>
-                <a:cs typeface="+mn-cs"/>
-              </a:rPr>
-              <a:t>对象，首先执行分词操作，将分词结果保存到句子的</a:t>
-            </a:r>
-            <a:r>
-              <a:rPr lang="en-US" altLang="zh-CN" sz="1200" kern="1200" dirty="0">
-                <a:solidFill>
-                  <a:schemeClr val="tx1"/>
-                </a:solidFill>
-                <a:effectLst/>
-                <a:latin typeface="+mn-lt"/>
-                <a:ea typeface="+mn-ea"/>
-                <a:cs typeface="+mn-cs"/>
-              </a:rPr>
-              <a:t>wordlist</a:t>
-            </a:r>
-            <a:r>
-              <a:rPr lang="zh-CN" altLang="zh-CN" sz="1200" kern="1200" dirty="0">
-                <a:solidFill>
-                  <a:schemeClr val="tx1"/>
-                </a:solidFill>
-                <a:effectLst/>
-                <a:latin typeface="+mn-lt"/>
-                <a:ea typeface="+mn-ea"/>
-                <a:cs typeface="+mn-cs"/>
-              </a:rPr>
-              <a:t>属性，使用句子的分词结果对句子做依存句法分析，根据依存句法分析的结果搜索句法树，将依存关系为主谓关系的词记录到</a:t>
-            </a:r>
-            <a:r>
-              <a:rPr lang="en-US" altLang="zh-CN" sz="1200" kern="1200" dirty="0">
-                <a:solidFill>
-                  <a:schemeClr val="tx1"/>
-                </a:solidFill>
-                <a:effectLst/>
-                <a:latin typeface="+mn-lt"/>
-                <a:ea typeface="+mn-ea"/>
-                <a:cs typeface="+mn-cs"/>
-              </a:rPr>
-              <a:t>Sentence</a:t>
-            </a:r>
-            <a:r>
-              <a:rPr lang="zh-CN" altLang="zh-CN" sz="1200" kern="1200" dirty="0">
-                <a:solidFill>
-                  <a:schemeClr val="tx1"/>
-                </a:solidFill>
-                <a:effectLst/>
-                <a:latin typeface="+mn-lt"/>
-                <a:ea typeface="+mn-ea"/>
-                <a:cs typeface="+mn-cs"/>
-              </a:rPr>
-              <a:t>对象的</a:t>
-            </a:r>
-            <a:r>
-              <a:rPr lang="en-US" altLang="zh-CN" sz="1200" kern="1200" dirty="0">
-                <a:solidFill>
-                  <a:schemeClr val="tx1"/>
-                </a:solidFill>
-                <a:effectLst/>
-                <a:latin typeface="+mn-lt"/>
-                <a:ea typeface="+mn-ea"/>
-                <a:cs typeface="+mn-cs"/>
-              </a:rPr>
-              <a:t>actor</a:t>
-            </a:r>
-            <a:r>
-              <a:rPr lang="zh-CN" altLang="zh-CN" sz="1200" kern="1200" dirty="0">
-                <a:solidFill>
-                  <a:schemeClr val="tx1"/>
-                </a:solidFill>
-                <a:effectLst/>
-                <a:latin typeface="+mn-lt"/>
-                <a:ea typeface="+mn-ea"/>
-                <a:cs typeface="+mn-cs"/>
-              </a:rPr>
-              <a:t>属性，将依存关系的核心词记录到</a:t>
-            </a:r>
-            <a:r>
-              <a:rPr lang="en-US" altLang="zh-CN" sz="1200" kern="1200" dirty="0">
-                <a:solidFill>
-                  <a:schemeClr val="tx1"/>
-                </a:solidFill>
-                <a:effectLst/>
-                <a:latin typeface="+mn-lt"/>
-                <a:ea typeface="+mn-ea"/>
-                <a:cs typeface="+mn-cs"/>
-              </a:rPr>
-              <a:t>Sentence</a:t>
-            </a:r>
-            <a:r>
-              <a:rPr lang="zh-CN" altLang="zh-CN" sz="1200" kern="1200" dirty="0">
-                <a:solidFill>
-                  <a:schemeClr val="tx1"/>
-                </a:solidFill>
-                <a:effectLst/>
-                <a:latin typeface="+mn-lt"/>
-                <a:ea typeface="+mn-ea"/>
-                <a:cs typeface="+mn-cs"/>
-              </a:rPr>
-              <a:t>对象的</a:t>
-            </a:r>
-            <a:r>
-              <a:rPr lang="en-US" altLang="zh-CN" sz="1200" kern="1200" dirty="0">
-                <a:solidFill>
-                  <a:schemeClr val="tx1"/>
-                </a:solidFill>
-                <a:effectLst/>
-                <a:latin typeface="+mn-lt"/>
-                <a:ea typeface="+mn-ea"/>
-                <a:cs typeface="+mn-cs"/>
-              </a:rPr>
-              <a:t>action</a:t>
-            </a:r>
-            <a:r>
-              <a:rPr lang="zh-CN" altLang="zh-CN" sz="1200" kern="1200" dirty="0">
-                <a:solidFill>
-                  <a:schemeClr val="tx1"/>
-                </a:solidFill>
-                <a:effectLst/>
-                <a:latin typeface="+mn-lt"/>
-                <a:ea typeface="+mn-ea"/>
-                <a:cs typeface="+mn-cs"/>
-              </a:rPr>
-              <a:t>属性。</a:t>
-            </a:r>
-          </a:p>
-          <a:p>
-            <a:r>
-              <a:rPr lang="zh-CN" altLang="zh-CN" sz="1200" kern="1200" dirty="0">
-                <a:solidFill>
-                  <a:schemeClr val="tx1"/>
-                </a:solidFill>
-                <a:effectLst/>
-                <a:latin typeface="+mn-lt"/>
-                <a:ea typeface="+mn-ea"/>
-                <a:cs typeface="+mn-cs"/>
-              </a:rPr>
-              <a:t>完成基础标签标记后，进一步标记</a:t>
-            </a:r>
-            <a:r>
-              <a:rPr lang="en-US" altLang="zh-CN" sz="1200" kern="1200" dirty="0">
-                <a:solidFill>
-                  <a:schemeClr val="tx1"/>
-                </a:solidFill>
-                <a:effectLst/>
-                <a:latin typeface="+mn-lt"/>
-                <a:ea typeface="+mn-ea"/>
-                <a:cs typeface="+mn-cs"/>
-              </a:rPr>
-              <a:t>GWT</a:t>
-            </a:r>
-            <a:r>
-              <a:rPr lang="zh-CN" altLang="zh-CN" sz="1200" kern="1200" dirty="0">
-                <a:solidFill>
-                  <a:schemeClr val="tx1"/>
-                </a:solidFill>
-                <a:effectLst/>
-                <a:latin typeface="+mn-lt"/>
-                <a:ea typeface="+mn-ea"/>
-                <a:cs typeface="+mn-cs"/>
-              </a:rPr>
-              <a:t>级</a:t>
-            </a:r>
-            <a:r>
-              <a:rPr lang="en-US" altLang="zh-CN" sz="1200" kern="1200" dirty="0" err="1">
-                <a:solidFill>
-                  <a:schemeClr val="tx1"/>
-                </a:solidFill>
-                <a:effectLst/>
-                <a:latin typeface="+mn-lt"/>
-                <a:ea typeface="+mn-ea"/>
-                <a:cs typeface="+mn-cs"/>
-              </a:rPr>
-              <a:t>FlowType</a:t>
-            </a:r>
-            <a:r>
-              <a:rPr lang="zh-CN" altLang="zh-CN" sz="1200" kern="1200" dirty="0">
-                <a:solidFill>
-                  <a:schemeClr val="tx1"/>
-                </a:solidFill>
-                <a:effectLst/>
-                <a:latin typeface="+mn-lt"/>
-                <a:ea typeface="+mn-ea"/>
-                <a:cs typeface="+mn-cs"/>
-              </a:rPr>
-              <a:t>中的</a:t>
-            </a:r>
-            <a:r>
-              <a:rPr lang="en-US" altLang="zh-CN" sz="1200" kern="1200" dirty="0">
-                <a:solidFill>
-                  <a:schemeClr val="tx1"/>
-                </a:solidFill>
-                <a:effectLst/>
-                <a:latin typeface="+mn-lt"/>
-                <a:ea typeface="+mn-ea"/>
-                <a:cs typeface="+mn-cs"/>
-              </a:rPr>
-              <a:t>specific</a:t>
-            </a:r>
-            <a:r>
-              <a:rPr lang="zh-CN" altLang="zh-CN" sz="1200" kern="1200" dirty="0">
-                <a:solidFill>
-                  <a:schemeClr val="tx1"/>
-                </a:solidFill>
-                <a:effectLst/>
-                <a:latin typeface="+mn-lt"/>
-                <a:ea typeface="+mn-ea"/>
-                <a:cs typeface="+mn-cs"/>
-              </a:rPr>
-              <a:t>和</a:t>
-            </a:r>
-            <a:r>
-              <a:rPr lang="en-US" altLang="zh-CN" sz="1200" kern="1200" dirty="0">
-                <a:solidFill>
-                  <a:schemeClr val="tx1"/>
-                </a:solidFill>
-                <a:effectLst/>
-                <a:latin typeface="+mn-lt"/>
-                <a:ea typeface="+mn-ea"/>
-                <a:cs typeface="+mn-cs"/>
-              </a:rPr>
-              <a:t>global</a:t>
-            </a:r>
-            <a:r>
-              <a:rPr lang="zh-CN" altLang="zh-CN" sz="1200" kern="1200" dirty="0">
-                <a:solidFill>
-                  <a:schemeClr val="tx1"/>
-                </a:solidFill>
-                <a:effectLst/>
-                <a:latin typeface="+mn-lt"/>
-                <a:ea typeface="+mn-ea"/>
-                <a:cs typeface="+mn-cs"/>
-              </a:rPr>
-              <a:t>，</a:t>
-            </a:r>
-            <a:r>
-              <a:rPr lang="en-US" altLang="zh-CN" sz="1200" kern="1200" dirty="0">
-                <a:solidFill>
-                  <a:schemeClr val="tx1"/>
-                </a:solidFill>
-                <a:effectLst/>
-                <a:latin typeface="+mn-lt"/>
-                <a:ea typeface="+mn-ea"/>
-                <a:cs typeface="+mn-cs"/>
-              </a:rPr>
-              <a:t>refer</a:t>
-            </a:r>
-            <a:r>
-              <a:rPr lang="zh-CN" altLang="zh-CN" sz="1200" kern="1200" dirty="0">
-                <a:solidFill>
-                  <a:schemeClr val="tx1"/>
-                </a:solidFill>
-                <a:effectLst/>
-                <a:latin typeface="+mn-lt"/>
-                <a:ea typeface="+mn-ea"/>
-                <a:cs typeface="+mn-cs"/>
-              </a:rPr>
-              <a:t>标签，</a:t>
-            </a:r>
-            <a:r>
-              <a:rPr lang="en-US" altLang="zh-CN" sz="1200" kern="1200" dirty="0">
-                <a:solidFill>
-                  <a:schemeClr val="tx1"/>
-                </a:solidFill>
-                <a:effectLst/>
-                <a:latin typeface="+mn-lt"/>
-                <a:ea typeface="+mn-ea"/>
-                <a:cs typeface="+mn-cs"/>
-              </a:rPr>
-              <a:t>condition</a:t>
-            </a:r>
-            <a:r>
-              <a:rPr lang="zh-CN" altLang="zh-CN" sz="1200" kern="1200" dirty="0">
-                <a:solidFill>
-                  <a:schemeClr val="tx1"/>
-                </a:solidFill>
-                <a:effectLst/>
-                <a:latin typeface="+mn-lt"/>
-                <a:ea typeface="+mn-ea"/>
-                <a:cs typeface="+mn-cs"/>
-              </a:rPr>
-              <a:t>标签；句子级的</a:t>
-            </a:r>
-            <a:r>
-              <a:rPr lang="en-US" altLang="zh-CN" sz="1200" kern="1200" dirty="0" err="1">
-                <a:solidFill>
-                  <a:schemeClr val="tx1"/>
-                </a:solidFill>
-                <a:effectLst/>
-                <a:latin typeface="+mn-lt"/>
-                <a:ea typeface="+mn-ea"/>
-                <a:cs typeface="+mn-cs"/>
-              </a:rPr>
-              <a:t>normalContent</a:t>
-            </a:r>
-            <a:r>
-              <a:rPr lang="zh-CN" altLang="zh-CN" sz="1200" kern="1200" dirty="0">
-                <a:solidFill>
-                  <a:schemeClr val="tx1"/>
-                </a:solidFill>
-                <a:effectLst/>
-                <a:latin typeface="+mn-lt"/>
-                <a:ea typeface="+mn-ea"/>
-                <a:cs typeface="+mn-cs"/>
-              </a:rPr>
-              <a:t>，</a:t>
-            </a:r>
-            <a:r>
-              <a:rPr lang="en-US" altLang="zh-CN" sz="1200" kern="1200" dirty="0">
-                <a:solidFill>
-                  <a:schemeClr val="tx1"/>
-                </a:solidFill>
-                <a:effectLst/>
-                <a:latin typeface="+mn-lt"/>
-                <a:ea typeface="+mn-ea"/>
-                <a:cs typeface="+mn-cs"/>
-              </a:rPr>
-              <a:t>type</a:t>
-            </a:r>
-            <a:r>
-              <a:rPr lang="zh-CN" altLang="zh-CN" sz="1200" kern="1200" dirty="0">
-                <a:solidFill>
-                  <a:schemeClr val="tx1"/>
-                </a:solidFill>
-                <a:effectLst/>
-                <a:latin typeface="+mn-lt"/>
-                <a:ea typeface="+mn-ea"/>
-                <a:cs typeface="+mn-cs"/>
-              </a:rPr>
-              <a:t>和</a:t>
-            </a:r>
-            <a:r>
-              <a:rPr lang="en-US" altLang="zh-CN" sz="1200" kern="1200" dirty="0">
-                <a:solidFill>
-                  <a:schemeClr val="tx1"/>
-                </a:solidFill>
-                <a:effectLst/>
-                <a:latin typeface="+mn-lt"/>
-                <a:ea typeface="+mn-ea"/>
-                <a:cs typeface="+mn-cs"/>
-              </a:rPr>
-              <a:t>associated</a:t>
-            </a:r>
-            <a:r>
-              <a:rPr lang="zh-CN" altLang="zh-CN" sz="1200" kern="1200" dirty="0">
-                <a:solidFill>
-                  <a:schemeClr val="tx1"/>
-                </a:solidFill>
-                <a:effectLst/>
-                <a:latin typeface="+mn-lt"/>
-                <a:ea typeface="+mn-ea"/>
-                <a:cs typeface="+mn-cs"/>
-              </a:rPr>
-              <a:t>标签。</a:t>
-            </a:r>
-          </a:p>
-          <a:p>
-            <a:r>
-              <a:rPr lang="zh-CN" altLang="zh-CN" sz="1200" kern="1200" dirty="0">
-                <a:solidFill>
-                  <a:schemeClr val="tx1"/>
-                </a:solidFill>
-                <a:effectLst/>
-                <a:latin typeface="+mn-lt"/>
-                <a:ea typeface="+mn-ea"/>
-                <a:cs typeface="+mn-cs"/>
-              </a:rPr>
-              <a:t>对</a:t>
-            </a:r>
-            <a:r>
-              <a:rPr lang="en-US" altLang="zh-CN" sz="1200" kern="1200" dirty="0" err="1">
-                <a:solidFill>
-                  <a:schemeClr val="tx1"/>
-                </a:solidFill>
-                <a:effectLst/>
-                <a:latin typeface="+mn-lt"/>
-                <a:ea typeface="+mn-ea"/>
-                <a:cs typeface="+mn-cs"/>
-              </a:rPr>
-              <a:t>TaggedGWT</a:t>
-            </a:r>
-            <a:r>
-              <a:rPr lang="zh-CN" altLang="zh-CN" sz="1200" kern="1200" dirty="0">
-                <a:solidFill>
-                  <a:schemeClr val="tx1"/>
-                </a:solidFill>
-                <a:effectLst/>
-                <a:latin typeface="+mn-lt"/>
-                <a:ea typeface="+mn-ea"/>
-                <a:cs typeface="+mn-cs"/>
-              </a:rPr>
-              <a:t>的</a:t>
-            </a:r>
-            <a:r>
-              <a:rPr lang="en-US" altLang="zh-CN" sz="1200" kern="1200" dirty="0">
-                <a:solidFill>
-                  <a:schemeClr val="tx1"/>
-                </a:solidFill>
-                <a:effectLst/>
-                <a:latin typeface="+mn-lt"/>
-                <a:ea typeface="+mn-ea"/>
-                <a:cs typeface="+mn-cs"/>
-              </a:rPr>
-              <a:t>When</a:t>
-            </a:r>
-            <a:r>
-              <a:rPr lang="zh-CN" altLang="zh-CN" sz="1200" kern="1200" dirty="0">
-                <a:solidFill>
-                  <a:schemeClr val="tx1"/>
-                </a:solidFill>
-                <a:effectLst/>
-                <a:latin typeface="+mn-lt"/>
-                <a:ea typeface="+mn-ea"/>
-                <a:cs typeface="+mn-cs"/>
-              </a:rPr>
-              <a:t>中记录的句子，根据其句法分析结果判断是否为简单句，若为简单句，将其</a:t>
-            </a:r>
-            <a:r>
-              <a:rPr lang="en-US" altLang="zh-CN" sz="1200" kern="1200" dirty="0">
-                <a:solidFill>
-                  <a:schemeClr val="tx1"/>
-                </a:solidFill>
-                <a:effectLst/>
-                <a:latin typeface="+mn-lt"/>
-                <a:ea typeface="+mn-ea"/>
-                <a:cs typeface="+mn-cs"/>
-              </a:rPr>
-              <a:t>type</a:t>
-            </a:r>
-            <a:r>
-              <a:rPr lang="zh-CN" altLang="zh-CN" sz="1200" kern="1200" dirty="0">
-                <a:solidFill>
-                  <a:schemeClr val="tx1"/>
-                </a:solidFill>
-                <a:effectLst/>
-                <a:latin typeface="+mn-lt"/>
-                <a:ea typeface="+mn-ea"/>
-                <a:cs typeface="+mn-cs"/>
-              </a:rPr>
-              <a:t>标记为</a:t>
-            </a:r>
-            <a:r>
-              <a:rPr lang="en-US" altLang="zh-CN" sz="1200" kern="1200" dirty="0">
-                <a:solidFill>
-                  <a:schemeClr val="tx1"/>
-                </a:solidFill>
-                <a:effectLst/>
-                <a:latin typeface="+mn-lt"/>
-                <a:ea typeface="+mn-ea"/>
-                <a:cs typeface="+mn-cs"/>
-              </a:rPr>
-              <a:t>normal</a:t>
-            </a:r>
-            <a:r>
-              <a:rPr lang="zh-CN" altLang="zh-CN" sz="1200" kern="1200" dirty="0">
-                <a:solidFill>
-                  <a:schemeClr val="tx1"/>
-                </a:solidFill>
-                <a:effectLst/>
-                <a:latin typeface="+mn-lt"/>
-                <a:ea typeface="+mn-ea"/>
-                <a:cs typeface="+mn-cs"/>
-              </a:rPr>
-              <a:t>，否则分析其</a:t>
-            </a:r>
-            <a:r>
-              <a:rPr lang="en-US" altLang="zh-CN" sz="1200" kern="1200" dirty="0">
-                <a:solidFill>
-                  <a:schemeClr val="tx1"/>
-                </a:solidFill>
-                <a:effectLst/>
-                <a:latin typeface="+mn-lt"/>
-                <a:ea typeface="+mn-ea"/>
-                <a:cs typeface="+mn-cs"/>
-              </a:rPr>
-              <a:t>wordlist</a:t>
-            </a:r>
-            <a:r>
-              <a:rPr lang="zh-CN" altLang="zh-CN" sz="1200" kern="1200" dirty="0">
-                <a:solidFill>
-                  <a:schemeClr val="tx1"/>
-                </a:solidFill>
-                <a:effectLst/>
-                <a:latin typeface="+mn-lt"/>
-                <a:ea typeface="+mn-ea"/>
-                <a:cs typeface="+mn-cs"/>
-              </a:rPr>
-              <a:t>中的关键词，若含有表示条件的关键词则标记</a:t>
-            </a:r>
-            <a:r>
-              <a:rPr lang="en-US" altLang="zh-CN" sz="1200" kern="1200" dirty="0">
-                <a:solidFill>
-                  <a:schemeClr val="tx1"/>
-                </a:solidFill>
-                <a:effectLst/>
-                <a:latin typeface="+mn-lt"/>
-                <a:ea typeface="+mn-ea"/>
-                <a:cs typeface="+mn-cs"/>
-              </a:rPr>
-              <a:t>type</a:t>
-            </a:r>
-            <a:r>
-              <a:rPr lang="zh-CN" altLang="zh-CN" sz="1200" kern="1200" dirty="0">
-                <a:solidFill>
-                  <a:schemeClr val="tx1"/>
-                </a:solidFill>
-                <a:effectLst/>
-                <a:latin typeface="+mn-lt"/>
-                <a:ea typeface="+mn-ea"/>
-                <a:cs typeface="+mn-cs"/>
-              </a:rPr>
-              <a:t>为</a:t>
-            </a:r>
-            <a:r>
-              <a:rPr lang="en-US" altLang="zh-CN" sz="1200" kern="1200" dirty="0">
-                <a:solidFill>
-                  <a:schemeClr val="tx1"/>
-                </a:solidFill>
-                <a:effectLst/>
-                <a:latin typeface="+mn-lt"/>
-                <a:ea typeface="+mn-ea"/>
-                <a:cs typeface="+mn-cs"/>
-              </a:rPr>
-              <a:t>conditional</a:t>
-            </a:r>
-            <a:r>
-              <a:rPr lang="zh-CN" altLang="zh-CN" sz="1200" kern="1200" dirty="0">
-                <a:solidFill>
-                  <a:schemeClr val="tx1"/>
-                </a:solidFill>
-                <a:effectLst/>
-                <a:latin typeface="+mn-lt"/>
-                <a:ea typeface="+mn-ea"/>
-                <a:cs typeface="+mn-cs"/>
-              </a:rPr>
-              <a:t>，若含有表示循环的关键词则标记</a:t>
-            </a:r>
-            <a:r>
-              <a:rPr lang="en-US" altLang="zh-CN" sz="1200" kern="1200" dirty="0">
-                <a:solidFill>
-                  <a:schemeClr val="tx1"/>
-                </a:solidFill>
-                <a:effectLst/>
-                <a:latin typeface="+mn-lt"/>
-                <a:ea typeface="+mn-ea"/>
-                <a:cs typeface="+mn-cs"/>
-              </a:rPr>
-              <a:t>type</a:t>
-            </a:r>
-            <a:r>
-              <a:rPr lang="zh-CN" altLang="zh-CN" sz="1200" kern="1200" dirty="0">
-                <a:solidFill>
-                  <a:schemeClr val="tx1"/>
-                </a:solidFill>
-                <a:effectLst/>
-                <a:latin typeface="+mn-lt"/>
-                <a:ea typeface="+mn-ea"/>
-                <a:cs typeface="+mn-cs"/>
-              </a:rPr>
-              <a:t>为</a:t>
-            </a:r>
-            <a:r>
-              <a:rPr lang="en-US" altLang="zh-CN" sz="1200" kern="1200" dirty="0">
-                <a:solidFill>
-                  <a:schemeClr val="tx1"/>
-                </a:solidFill>
-                <a:effectLst/>
-                <a:latin typeface="+mn-lt"/>
-                <a:ea typeface="+mn-ea"/>
-                <a:cs typeface="+mn-cs"/>
-              </a:rPr>
-              <a:t>circular</a:t>
-            </a:r>
-            <a:r>
-              <a:rPr lang="zh-CN" altLang="zh-CN" sz="1200" kern="1200" dirty="0">
-                <a:solidFill>
-                  <a:schemeClr val="tx1"/>
-                </a:solidFill>
-                <a:effectLst/>
-                <a:latin typeface="+mn-lt"/>
-                <a:ea typeface="+mn-ea"/>
-                <a:cs typeface="+mn-cs"/>
-              </a:rPr>
-              <a:t>，在此基础上将这些句子的文本规范化，对</a:t>
-            </a:r>
-            <a:r>
-              <a:rPr lang="en-US" altLang="zh-CN" sz="1200" kern="1200" dirty="0">
-                <a:solidFill>
-                  <a:schemeClr val="tx1"/>
-                </a:solidFill>
-                <a:effectLst/>
-                <a:latin typeface="+mn-lt"/>
-                <a:ea typeface="+mn-ea"/>
-                <a:cs typeface="+mn-cs"/>
-              </a:rPr>
-              <a:t>normal</a:t>
-            </a:r>
-            <a:r>
-              <a:rPr lang="zh-CN" altLang="zh-CN" sz="1200" kern="1200" dirty="0">
-                <a:solidFill>
-                  <a:schemeClr val="tx1"/>
-                </a:solidFill>
-                <a:effectLst/>
-                <a:latin typeface="+mn-lt"/>
-                <a:ea typeface="+mn-ea"/>
-                <a:cs typeface="+mn-cs"/>
-              </a:rPr>
-              <a:t>类型的句子去掉表示具体数据的宾语的定语，生成规范化句子内容</a:t>
-            </a:r>
-            <a:r>
-              <a:rPr lang="en-US" altLang="zh-CN" sz="1200" kern="1200" dirty="0" err="1">
-                <a:solidFill>
-                  <a:schemeClr val="tx1"/>
-                </a:solidFill>
-                <a:effectLst/>
-                <a:latin typeface="+mn-lt"/>
-                <a:ea typeface="+mn-ea"/>
-                <a:cs typeface="+mn-cs"/>
-              </a:rPr>
-              <a:t>normalContent</a:t>
-            </a:r>
-            <a:r>
-              <a:rPr lang="zh-CN" altLang="zh-CN" sz="1200" kern="1200" dirty="0">
-                <a:solidFill>
-                  <a:schemeClr val="tx1"/>
-                </a:solidFill>
-                <a:effectLst/>
-                <a:latin typeface="+mn-lt"/>
-                <a:ea typeface="+mn-ea"/>
-                <a:cs typeface="+mn-cs"/>
-              </a:rPr>
-              <a:t>，对类型为</a:t>
-            </a:r>
-            <a:r>
-              <a:rPr lang="en-US" altLang="zh-CN" sz="1200" kern="1200" dirty="0">
-                <a:solidFill>
-                  <a:schemeClr val="tx1"/>
-                </a:solidFill>
-                <a:effectLst/>
-                <a:latin typeface="+mn-lt"/>
-                <a:ea typeface="+mn-ea"/>
-                <a:cs typeface="+mn-cs"/>
-              </a:rPr>
-              <a:t>conditional</a:t>
-            </a:r>
-            <a:r>
-              <a:rPr lang="zh-CN" altLang="zh-CN" sz="1200" kern="1200" dirty="0">
-                <a:solidFill>
-                  <a:schemeClr val="tx1"/>
-                </a:solidFill>
-                <a:effectLst/>
-                <a:latin typeface="+mn-lt"/>
-                <a:ea typeface="+mn-ea"/>
-                <a:cs typeface="+mn-cs"/>
-              </a:rPr>
-              <a:t>和</a:t>
-            </a:r>
-            <a:r>
-              <a:rPr lang="en-US" altLang="zh-CN" sz="1200" kern="1200" dirty="0">
-                <a:solidFill>
-                  <a:schemeClr val="tx1"/>
-                </a:solidFill>
-                <a:effectLst/>
-                <a:latin typeface="+mn-lt"/>
-                <a:ea typeface="+mn-ea"/>
-                <a:cs typeface="+mn-cs"/>
-              </a:rPr>
-              <a:t>circular</a:t>
-            </a:r>
-            <a:r>
-              <a:rPr lang="zh-CN" altLang="zh-CN" sz="1200" kern="1200" dirty="0">
-                <a:solidFill>
-                  <a:schemeClr val="tx1"/>
-                </a:solidFill>
-                <a:effectLst/>
-                <a:latin typeface="+mn-lt"/>
-                <a:ea typeface="+mn-ea"/>
-                <a:cs typeface="+mn-cs"/>
-              </a:rPr>
-              <a:t>的句子将其关键词替换为</a:t>
-            </a:r>
-            <a:r>
-              <a:rPr lang="en-US" altLang="zh-CN" sz="1200" kern="1200" dirty="0">
-                <a:solidFill>
-                  <a:schemeClr val="tx1"/>
-                </a:solidFill>
-                <a:effectLst/>
-                <a:latin typeface="+mn-lt"/>
-                <a:ea typeface="+mn-ea"/>
-                <a:cs typeface="+mn-cs"/>
-              </a:rPr>
-              <a:t>RUCM</a:t>
-            </a:r>
-            <a:r>
-              <a:rPr lang="zh-CN" altLang="zh-CN" sz="1200" kern="1200" dirty="0">
-                <a:solidFill>
-                  <a:schemeClr val="tx1"/>
-                </a:solidFill>
-                <a:effectLst/>
-                <a:latin typeface="+mn-lt"/>
-                <a:ea typeface="+mn-ea"/>
-                <a:cs typeface="+mn-cs"/>
-              </a:rPr>
-              <a:t>关键字，生成规范化的句子内容</a:t>
-            </a:r>
-            <a:r>
-              <a:rPr lang="en-US" altLang="zh-CN" sz="1200" kern="1200" dirty="0" err="1">
-                <a:solidFill>
-                  <a:schemeClr val="tx1"/>
-                </a:solidFill>
-                <a:effectLst/>
-                <a:latin typeface="+mn-lt"/>
-                <a:ea typeface="+mn-ea"/>
-                <a:cs typeface="+mn-cs"/>
-              </a:rPr>
-              <a:t>normalContent</a:t>
-            </a:r>
-            <a:r>
-              <a:rPr lang="zh-CN" altLang="zh-CN" sz="1200" kern="1200" dirty="0">
-                <a:solidFill>
-                  <a:schemeClr val="tx1"/>
-                </a:solidFill>
-                <a:effectLst/>
-                <a:latin typeface="+mn-lt"/>
-                <a:ea typeface="+mn-ea"/>
-                <a:cs typeface="+mn-cs"/>
-              </a:rPr>
-              <a:t>。</a:t>
-            </a:r>
-          </a:p>
-          <a:p>
-            <a:r>
-              <a:rPr lang="zh-CN" altLang="zh-CN" sz="1200" kern="1200" dirty="0">
-                <a:solidFill>
-                  <a:schemeClr val="tx1"/>
-                </a:solidFill>
-                <a:effectLst/>
-                <a:latin typeface="+mn-lt"/>
-                <a:ea typeface="+mn-ea"/>
-                <a:cs typeface="+mn-cs"/>
-              </a:rPr>
-              <a:t>对</a:t>
-            </a:r>
-            <a:r>
-              <a:rPr lang="en-US" altLang="zh-CN" sz="1200" kern="1200" dirty="0" err="1">
-                <a:solidFill>
-                  <a:schemeClr val="tx1"/>
-                </a:solidFill>
-                <a:effectLst/>
-                <a:latin typeface="+mn-lt"/>
-                <a:ea typeface="+mn-ea"/>
-                <a:cs typeface="+mn-cs"/>
-              </a:rPr>
-              <a:t>TaggedGWT</a:t>
-            </a:r>
-            <a:r>
-              <a:rPr lang="zh-CN" altLang="zh-CN" sz="1200" kern="1200" dirty="0">
-                <a:solidFill>
-                  <a:schemeClr val="tx1"/>
-                </a:solidFill>
-                <a:effectLst/>
-                <a:latin typeface="+mn-lt"/>
-                <a:ea typeface="+mn-ea"/>
-                <a:cs typeface="+mn-cs"/>
-              </a:rPr>
-              <a:t>的</a:t>
-            </a:r>
-            <a:r>
-              <a:rPr lang="en-US" altLang="zh-CN" sz="1200" kern="1200" dirty="0">
-                <a:solidFill>
-                  <a:schemeClr val="tx1"/>
-                </a:solidFill>
-                <a:effectLst/>
-                <a:latin typeface="+mn-lt"/>
-                <a:ea typeface="+mn-ea"/>
-                <a:cs typeface="+mn-cs"/>
-              </a:rPr>
-              <a:t>Then</a:t>
-            </a:r>
-            <a:r>
-              <a:rPr lang="zh-CN" altLang="zh-CN" sz="1200" kern="1200" dirty="0">
-                <a:solidFill>
-                  <a:schemeClr val="tx1"/>
-                </a:solidFill>
-                <a:effectLst/>
-                <a:latin typeface="+mn-lt"/>
-                <a:ea typeface="+mn-ea"/>
-                <a:cs typeface="+mn-cs"/>
-              </a:rPr>
-              <a:t>中记录的句子，分别进行分词和依存句法分析，填充标签</a:t>
-            </a:r>
-            <a:r>
-              <a:rPr lang="en-US" altLang="zh-CN" sz="1200" kern="1200" dirty="0">
-                <a:solidFill>
-                  <a:schemeClr val="tx1"/>
-                </a:solidFill>
-                <a:effectLst/>
-                <a:latin typeface="+mn-lt"/>
-                <a:ea typeface="+mn-ea"/>
-                <a:cs typeface="+mn-cs"/>
-              </a:rPr>
-              <a:t>wordlist</a:t>
-            </a:r>
-            <a:r>
-              <a:rPr lang="zh-CN" altLang="zh-CN" sz="1200" kern="1200" dirty="0">
-                <a:solidFill>
-                  <a:schemeClr val="tx1"/>
-                </a:solidFill>
-                <a:effectLst/>
-                <a:latin typeface="+mn-lt"/>
-                <a:ea typeface="+mn-ea"/>
-                <a:cs typeface="+mn-cs"/>
-              </a:rPr>
-              <a:t>，对句子的表述做规范化，填充标签</a:t>
-            </a:r>
-            <a:r>
-              <a:rPr lang="en-US" altLang="zh-CN" sz="1200" kern="1200" dirty="0" err="1">
-                <a:solidFill>
-                  <a:schemeClr val="tx1"/>
-                </a:solidFill>
-                <a:effectLst/>
-                <a:latin typeface="+mn-lt"/>
-                <a:ea typeface="+mn-ea"/>
-                <a:cs typeface="+mn-cs"/>
-              </a:rPr>
-              <a:t>normalContent</a:t>
-            </a:r>
-            <a:r>
-              <a:rPr lang="en-US" altLang="zh-CN" sz="1200" kern="1200" dirty="0">
-                <a:solidFill>
-                  <a:schemeClr val="tx1"/>
-                </a:solidFill>
-                <a:effectLst/>
-                <a:latin typeface="+mn-lt"/>
-                <a:ea typeface="+mn-ea"/>
-                <a:cs typeface="+mn-cs"/>
-              </a:rPr>
-              <a:t>.</a:t>
-            </a:r>
+              <a:rPr lang="zh-CN" altLang="en-US" sz="1200" kern="1200" dirty="0">
+                <a:solidFill>
+                  <a:schemeClr val="tx1"/>
+                </a:solidFill>
+                <a:effectLst/>
+                <a:latin typeface="+mn-lt"/>
+                <a:ea typeface="+mn-ea"/>
+                <a:cs typeface="+mn-cs"/>
+              </a:rPr>
+              <a:t>由那些操作引发。</a:t>
+            </a:r>
+            <a:endParaRPr lang="en-US" altLang="zh-CN" sz="1200" kern="1200" dirty="0">
+              <a:solidFill>
+                <a:schemeClr val="tx1"/>
+              </a:solidFill>
+              <a:effectLst/>
+              <a:latin typeface="+mn-lt"/>
+              <a:ea typeface="+mn-ea"/>
+              <a:cs typeface="+mn-cs"/>
+            </a:endParaRPr>
+          </a:p>
+          <a:p>
             <a:endParaRPr lang="zh-CN" altLang="zh-CN" sz="1200" kern="1200" dirty="0">
               <a:solidFill>
                 <a:schemeClr val="tx1"/>
@@ -8239,1282 +7100,6 @@
               <a:ea typeface="+mn-ea"/>
               <a:cs typeface="+mn-cs"/>
             </a:endParaRPr>
-          </a:p>
-          <a:p>
-            <a:r>
-              <a:rPr lang="zh-CN" altLang="zh-CN" sz="1200" kern="1200" dirty="0">
-                <a:solidFill>
-                  <a:schemeClr val="tx1"/>
-                </a:solidFill>
-                <a:effectLst/>
-                <a:latin typeface="+mn-lt"/>
-                <a:ea typeface="+mn-ea"/>
-                <a:cs typeface="+mn-cs"/>
-              </a:rPr>
-              <a:t>对</a:t>
-            </a:r>
-            <a:r>
-              <a:rPr lang="en-US" altLang="zh-CN" sz="1200" kern="1200" dirty="0" err="1">
-                <a:solidFill>
-                  <a:schemeClr val="tx1"/>
-                </a:solidFill>
-                <a:effectLst/>
-                <a:latin typeface="+mn-lt"/>
-                <a:ea typeface="+mn-ea"/>
-                <a:cs typeface="+mn-cs"/>
-              </a:rPr>
-              <a:t>FlowType</a:t>
-            </a:r>
-            <a:r>
-              <a:rPr lang="zh-CN" altLang="zh-CN" sz="1200" kern="1200" dirty="0">
-                <a:solidFill>
-                  <a:schemeClr val="tx1"/>
-                </a:solidFill>
-                <a:effectLst/>
-                <a:latin typeface="+mn-lt"/>
-                <a:ea typeface="+mn-ea"/>
-                <a:cs typeface="+mn-cs"/>
-              </a:rPr>
-              <a:t>标记为</a:t>
-            </a:r>
-            <a:r>
-              <a:rPr lang="en-US" altLang="zh-CN" sz="1200" kern="1200" dirty="0">
-                <a:solidFill>
-                  <a:schemeClr val="tx1"/>
-                </a:solidFill>
-                <a:effectLst/>
-                <a:latin typeface="+mn-lt"/>
-                <a:ea typeface="+mn-ea"/>
-                <a:cs typeface="+mn-cs"/>
-              </a:rPr>
-              <a:t>basic</a:t>
-            </a:r>
-            <a:r>
-              <a:rPr lang="zh-CN" altLang="zh-CN" sz="1200" kern="1200" dirty="0">
-                <a:solidFill>
-                  <a:schemeClr val="tx1"/>
-                </a:solidFill>
-                <a:effectLst/>
-                <a:latin typeface="+mn-lt"/>
-                <a:ea typeface="+mn-ea"/>
-                <a:cs typeface="+mn-cs"/>
-              </a:rPr>
-              <a:t>的</a:t>
-            </a:r>
-            <a:r>
-              <a:rPr lang="en-US" altLang="zh-CN" sz="1200" kern="1200" dirty="0" err="1">
-                <a:solidFill>
-                  <a:schemeClr val="tx1"/>
-                </a:solidFill>
-                <a:effectLst/>
-                <a:latin typeface="+mn-lt"/>
-                <a:ea typeface="+mn-ea"/>
-                <a:cs typeface="+mn-cs"/>
-              </a:rPr>
-              <a:t>TaggeGWT</a:t>
-            </a:r>
-            <a:r>
-              <a:rPr lang="zh-CN" altLang="zh-CN" sz="1200" kern="1200" dirty="0">
-                <a:solidFill>
-                  <a:schemeClr val="tx1"/>
-                </a:solidFill>
-                <a:effectLst/>
-                <a:latin typeface="+mn-lt"/>
-                <a:ea typeface="+mn-ea"/>
-                <a:cs typeface="+mn-cs"/>
-              </a:rPr>
-              <a:t>，将其</a:t>
-            </a:r>
-            <a:r>
-              <a:rPr lang="en-US" altLang="zh-CN" sz="1200" kern="1200" dirty="0">
-                <a:solidFill>
-                  <a:schemeClr val="tx1"/>
-                </a:solidFill>
-                <a:effectLst/>
-                <a:latin typeface="+mn-lt"/>
-                <a:ea typeface="+mn-ea"/>
-                <a:cs typeface="+mn-cs"/>
-              </a:rPr>
-              <a:t>Given</a:t>
-            </a:r>
-            <a:r>
-              <a:rPr lang="zh-CN" altLang="zh-CN" sz="1200" kern="1200" dirty="0">
-                <a:solidFill>
-                  <a:schemeClr val="tx1"/>
-                </a:solidFill>
-                <a:effectLst/>
-                <a:latin typeface="+mn-lt"/>
-                <a:ea typeface="+mn-ea"/>
-                <a:cs typeface="+mn-cs"/>
-              </a:rPr>
-              <a:t>中句子的</a:t>
-            </a:r>
-            <a:r>
-              <a:rPr lang="en-US" altLang="zh-CN" sz="1200" kern="1200" dirty="0">
-                <a:solidFill>
-                  <a:schemeClr val="tx1"/>
-                </a:solidFill>
-                <a:effectLst/>
-                <a:latin typeface="+mn-lt"/>
-                <a:ea typeface="+mn-ea"/>
-                <a:cs typeface="+mn-cs"/>
-              </a:rPr>
-              <a:t>type</a:t>
-            </a:r>
-            <a:r>
-              <a:rPr lang="zh-CN" altLang="zh-CN" sz="1200" kern="1200" dirty="0">
-                <a:solidFill>
-                  <a:schemeClr val="tx1"/>
-                </a:solidFill>
-                <a:effectLst/>
-                <a:latin typeface="+mn-lt"/>
-                <a:ea typeface="+mn-ea"/>
-                <a:cs typeface="+mn-cs"/>
-              </a:rPr>
-              <a:t>标签标记为</a:t>
-            </a:r>
-            <a:r>
-              <a:rPr lang="en-US" altLang="zh-CN" sz="1200" kern="1200" dirty="0">
-                <a:solidFill>
-                  <a:schemeClr val="tx1"/>
-                </a:solidFill>
-                <a:effectLst/>
-                <a:latin typeface="+mn-lt"/>
-                <a:ea typeface="+mn-ea"/>
-                <a:cs typeface="+mn-cs"/>
-              </a:rPr>
-              <a:t>common</a:t>
-            </a:r>
-            <a:r>
-              <a:rPr lang="zh-CN" altLang="zh-CN" sz="1200" kern="1200" dirty="0">
-                <a:solidFill>
-                  <a:schemeClr val="tx1"/>
-                </a:solidFill>
-                <a:effectLst/>
-                <a:latin typeface="+mn-lt"/>
-                <a:ea typeface="+mn-ea"/>
-                <a:cs typeface="+mn-cs"/>
-              </a:rPr>
-              <a:t>，对</a:t>
-            </a:r>
-            <a:r>
-              <a:rPr lang="en-US" altLang="zh-CN" sz="1200" kern="1200" dirty="0" err="1">
-                <a:solidFill>
-                  <a:schemeClr val="tx1"/>
-                </a:solidFill>
-                <a:effectLst/>
-                <a:latin typeface="+mn-lt"/>
-                <a:ea typeface="+mn-ea"/>
-                <a:cs typeface="+mn-cs"/>
-              </a:rPr>
-              <a:t>FlowType</a:t>
-            </a:r>
-            <a:r>
-              <a:rPr lang="zh-CN" altLang="zh-CN" sz="1200" kern="1200" dirty="0">
-                <a:solidFill>
-                  <a:schemeClr val="tx1"/>
-                </a:solidFill>
-                <a:effectLst/>
-                <a:latin typeface="+mn-lt"/>
-                <a:ea typeface="+mn-ea"/>
-                <a:cs typeface="+mn-cs"/>
-              </a:rPr>
-              <a:t>标记为</a:t>
-            </a:r>
-            <a:r>
-              <a:rPr lang="en-US" altLang="zh-CN" sz="1200" kern="1200" dirty="0">
-                <a:solidFill>
-                  <a:schemeClr val="tx1"/>
-                </a:solidFill>
-                <a:effectLst/>
-                <a:latin typeface="+mn-lt"/>
-                <a:ea typeface="+mn-ea"/>
-                <a:cs typeface="+mn-cs"/>
-              </a:rPr>
-              <a:t>bounded</a:t>
-            </a:r>
-            <a:r>
-              <a:rPr lang="zh-CN" altLang="zh-CN" sz="1200" kern="1200" dirty="0">
-                <a:solidFill>
-                  <a:schemeClr val="tx1"/>
-                </a:solidFill>
-                <a:effectLst/>
-                <a:latin typeface="+mn-lt"/>
-                <a:ea typeface="+mn-ea"/>
-                <a:cs typeface="+mn-cs"/>
-              </a:rPr>
-              <a:t>的</a:t>
-            </a:r>
-            <a:r>
-              <a:rPr lang="en-US" altLang="zh-CN" sz="1200" kern="1200" dirty="0" err="1">
-                <a:solidFill>
-                  <a:schemeClr val="tx1"/>
-                </a:solidFill>
-                <a:effectLst/>
-                <a:latin typeface="+mn-lt"/>
-                <a:ea typeface="+mn-ea"/>
-                <a:cs typeface="+mn-cs"/>
-              </a:rPr>
-              <a:t>TaggedGWT</a:t>
-            </a:r>
-            <a:r>
-              <a:rPr lang="zh-CN" altLang="zh-CN" sz="1200" kern="1200" dirty="0">
-                <a:solidFill>
-                  <a:schemeClr val="tx1"/>
-                </a:solidFill>
-                <a:effectLst/>
-                <a:latin typeface="+mn-lt"/>
-                <a:ea typeface="+mn-ea"/>
-                <a:cs typeface="+mn-cs"/>
-              </a:rPr>
-              <a:t>，将其</a:t>
-            </a:r>
-            <a:r>
-              <a:rPr lang="en-US" altLang="zh-CN" sz="1200" kern="1200" dirty="0">
-                <a:solidFill>
-                  <a:schemeClr val="tx1"/>
-                </a:solidFill>
-                <a:effectLst/>
-                <a:latin typeface="+mn-lt"/>
-                <a:ea typeface="+mn-ea"/>
-                <a:cs typeface="+mn-cs"/>
-              </a:rPr>
-              <a:t>Given</a:t>
-            </a:r>
-            <a:r>
-              <a:rPr lang="zh-CN" altLang="zh-CN" sz="1200" kern="1200" dirty="0">
-                <a:solidFill>
-                  <a:schemeClr val="tx1"/>
-                </a:solidFill>
-                <a:effectLst/>
-                <a:latin typeface="+mn-lt"/>
-                <a:ea typeface="+mn-ea"/>
-                <a:cs typeface="+mn-cs"/>
-              </a:rPr>
-              <a:t>中的句子与</a:t>
-            </a:r>
-            <a:r>
-              <a:rPr lang="en-US" altLang="zh-CN" sz="1200" kern="1200" dirty="0">
-                <a:solidFill>
-                  <a:schemeClr val="tx1"/>
-                </a:solidFill>
-                <a:effectLst/>
-                <a:latin typeface="+mn-lt"/>
-                <a:ea typeface="+mn-ea"/>
-                <a:cs typeface="+mn-cs"/>
-              </a:rPr>
-              <a:t>basic </a:t>
-            </a:r>
-            <a:r>
-              <a:rPr lang="en-US" altLang="zh-CN" sz="1200" kern="1200" dirty="0" err="1">
-                <a:solidFill>
-                  <a:schemeClr val="tx1"/>
-                </a:solidFill>
-                <a:effectLst/>
-                <a:latin typeface="+mn-lt"/>
-                <a:ea typeface="+mn-ea"/>
-                <a:cs typeface="+mn-cs"/>
-              </a:rPr>
-              <a:t>TaggedGWT</a:t>
-            </a:r>
-            <a:r>
-              <a:rPr lang="zh-CN" altLang="zh-CN" sz="1200" kern="1200" dirty="0">
-                <a:solidFill>
-                  <a:schemeClr val="tx1"/>
-                </a:solidFill>
-                <a:effectLst/>
-                <a:latin typeface="+mn-lt"/>
-                <a:ea typeface="+mn-ea"/>
-                <a:cs typeface="+mn-cs"/>
-              </a:rPr>
-              <a:t>的</a:t>
-            </a:r>
-            <a:r>
-              <a:rPr lang="en-US" altLang="zh-CN" sz="1200" kern="1200" dirty="0">
-                <a:solidFill>
-                  <a:schemeClr val="tx1"/>
-                </a:solidFill>
-                <a:effectLst/>
-                <a:latin typeface="+mn-lt"/>
-                <a:ea typeface="+mn-ea"/>
-                <a:cs typeface="+mn-cs"/>
-              </a:rPr>
-              <a:t>Given</a:t>
-            </a:r>
-            <a:r>
-              <a:rPr lang="zh-CN" altLang="zh-CN" sz="1200" kern="1200" dirty="0">
-                <a:solidFill>
-                  <a:schemeClr val="tx1"/>
-                </a:solidFill>
-                <a:effectLst/>
-                <a:latin typeface="+mn-lt"/>
-                <a:ea typeface="+mn-ea"/>
-                <a:cs typeface="+mn-cs"/>
-              </a:rPr>
-              <a:t>中的句子做相似性比较，找到其中相近的句子标记</a:t>
-            </a:r>
-            <a:r>
-              <a:rPr lang="en-US" altLang="zh-CN" sz="1200" kern="1200" dirty="0">
-                <a:solidFill>
-                  <a:schemeClr val="tx1"/>
-                </a:solidFill>
-                <a:effectLst/>
-                <a:latin typeface="+mn-lt"/>
-                <a:ea typeface="+mn-ea"/>
-                <a:cs typeface="+mn-cs"/>
-              </a:rPr>
-              <a:t>type</a:t>
-            </a:r>
-            <a:r>
-              <a:rPr lang="zh-CN" altLang="zh-CN" sz="1200" kern="1200" dirty="0">
-                <a:solidFill>
-                  <a:schemeClr val="tx1"/>
-                </a:solidFill>
-                <a:effectLst/>
-                <a:latin typeface="+mn-lt"/>
-                <a:ea typeface="+mn-ea"/>
-                <a:cs typeface="+mn-cs"/>
-              </a:rPr>
-              <a:t>为</a:t>
-            </a:r>
-            <a:r>
-              <a:rPr lang="en-US" altLang="zh-CN" sz="1200" kern="1200" dirty="0">
-                <a:solidFill>
-                  <a:schemeClr val="tx1"/>
-                </a:solidFill>
-                <a:effectLst/>
-                <a:latin typeface="+mn-lt"/>
-                <a:ea typeface="+mn-ea"/>
-                <a:cs typeface="+mn-cs"/>
-              </a:rPr>
-              <a:t>common</a:t>
-            </a:r>
-            <a:r>
-              <a:rPr lang="zh-CN" altLang="zh-CN" sz="1200" kern="1200" dirty="0">
-                <a:solidFill>
-                  <a:schemeClr val="tx1"/>
-                </a:solidFill>
-                <a:effectLst/>
-                <a:latin typeface="+mn-lt"/>
-                <a:ea typeface="+mn-ea"/>
-                <a:cs typeface="+mn-cs"/>
-              </a:rPr>
-              <a:t>，其他句子的</a:t>
-            </a:r>
-            <a:r>
-              <a:rPr lang="en-US" altLang="zh-CN" sz="1200" kern="1200" dirty="0">
-                <a:solidFill>
-                  <a:schemeClr val="tx1"/>
-                </a:solidFill>
-                <a:effectLst/>
-                <a:latin typeface="+mn-lt"/>
-                <a:ea typeface="+mn-ea"/>
-                <a:cs typeface="+mn-cs"/>
-              </a:rPr>
-              <a:t>type</a:t>
-            </a:r>
-            <a:r>
-              <a:rPr lang="zh-CN" altLang="zh-CN" sz="1200" kern="1200" dirty="0">
-                <a:solidFill>
-                  <a:schemeClr val="tx1"/>
-                </a:solidFill>
-                <a:effectLst/>
-                <a:latin typeface="+mn-lt"/>
-                <a:ea typeface="+mn-ea"/>
-                <a:cs typeface="+mn-cs"/>
-              </a:rPr>
-              <a:t>标记为</a:t>
-            </a:r>
-            <a:r>
-              <a:rPr lang="en-US" altLang="zh-CN" sz="1200" kern="1200" dirty="0">
-                <a:solidFill>
-                  <a:schemeClr val="tx1"/>
-                </a:solidFill>
-                <a:effectLst/>
-                <a:latin typeface="+mn-lt"/>
-                <a:ea typeface="+mn-ea"/>
-                <a:cs typeface="+mn-cs"/>
-              </a:rPr>
-              <a:t>unique.</a:t>
-            </a:r>
-            <a:r>
-              <a:rPr lang="zh-CN" altLang="zh-CN" sz="1200" kern="1200" dirty="0">
-                <a:solidFill>
-                  <a:schemeClr val="tx1"/>
-                </a:solidFill>
-                <a:effectLst/>
-                <a:latin typeface="+mn-lt"/>
-                <a:ea typeface="+mn-ea"/>
-                <a:cs typeface="+mn-cs"/>
-              </a:rPr>
-              <a:t>将标记为</a:t>
-            </a:r>
-            <a:r>
-              <a:rPr lang="en-US" altLang="zh-CN" sz="1200" kern="1200" dirty="0">
-                <a:solidFill>
-                  <a:schemeClr val="tx1"/>
-                </a:solidFill>
-                <a:effectLst/>
-                <a:latin typeface="+mn-lt"/>
-                <a:ea typeface="+mn-ea"/>
-                <a:cs typeface="+mn-cs"/>
-              </a:rPr>
-              <a:t>unique</a:t>
-            </a:r>
-            <a:r>
-              <a:rPr lang="zh-CN" altLang="zh-CN" sz="1200" kern="1200" dirty="0">
-                <a:solidFill>
-                  <a:schemeClr val="tx1"/>
-                </a:solidFill>
-                <a:effectLst/>
-                <a:latin typeface="+mn-lt"/>
-                <a:ea typeface="+mn-ea"/>
-                <a:cs typeface="+mn-cs"/>
-              </a:rPr>
-              <a:t>的句子与</a:t>
-            </a:r>
-            <a:r>
-              <a:rPr lang="en-US" altLang="zh-CN" sz="1200" kern="1200" dirty="0">
-                <a:solidFill>
-                  <a:schemeClr val="tx1"/>
-                </a:solidFill>
-                <a:effectLst/>
-                <a:latin typeface="+mn-lt"/>
-                <a:ea typeface="+mn-ea"/>
-                <a:cs typeface="+mn-cs"/>
-              </a:rPr>
-              <a:t>basic </a:t>
-            </a:r>
-            <a:r>
-              <a:rPr lang="en-US" altLang="zh-CN" sz="1200" kern="1200" dirty="0" err="1">
-                <a:solidFill>
-                  <a:schemeClr val="tx1"/>
-                </a:solidFill>
-                <a:effectLst/>
-                <a:latin typeface="+mn-lt"/>
-                <a:ea typeface="+mn-ea"/>
-                <a:cs typeface="+mn-cs"/>
-              </a:rPr>
-              <a:t>TaggedGWT</a:t>
-            </a:r>
-            <a:r>
-              <a:rPr lang="zh-CN" altLang="zh-CN" sz="1200" kern="1200" dirty="0">
-                <a:solidFill>
-                  <a:schemeClr val="tx1"/>
-                </a:solidFill>
-                <a:effectLst/>
-                <a:latin typeface="+mn-lt"/>
-                <a:ea typeface="+mn-ea"/>
-                <a:cs typeface="+mn-cs"/>
-              </a:rPr>
-              <a:t>中</a:t>
-            </a:r>
-            <a:r>
-              <a:rPr lang="en-US" altLang="zh-CN" sz="1200" kern="1200" dirty="0">
-                <a:solidFill>
-                  <a:schemeClr val="tx1"/>
-                </a:solidFill>
-                <a:effectLst/>
-                <a:latin typeface="+mn-lt"/>
-                <a:ea typeface="+mn-ea"/>
-                <a:cs typeface="+mn-cs"/>
-              </a:rPr>
-              <a:t>When</a:t>
-            </a:r>
-            <a:r>
-              <a:rPr lang="zh-CN" altLang="zh-CN" sz="1200" kern="1200" dirty="0">
-                <a:solidFill>
-                  <a:schemeClr val="tx1"/>
-                </a:solidFill>
-                <a:effectLst/>
-                <a:latin typeface="+mn-lt"/>
-                <a:ea typeface="+mn-ea"/>
-                <a:cs typeface="+mn-cs"/>
-              </a:rPr>
-              <a:t>记录的句子相似性进行比较，对其中相似的句子，将</a:t>
-            </a:r>
-            <a:r>
-              <a:rPr lang="en-US" altLang="zh-CN" sz="1200" kern="1200" dirty="0">
-                <a:solidFill>
-                  <a:schemeClr val="tx1"/>
-                </a:solidFill>
-                <a:effectLst/>
-                <a:latin typeface="+mn-lt"/>
-                <a:ea typeface="+mn-ea"/>
-                <a:cs typeface="+mn-cs"/>
-              </a:rPr>
-              <a:t>unique</a:t>
-            </a:r>
-            <a:r>
-              <a:rPr lang="zh-CN" altLang="zh-CN" sz="1200" kern="1200" dirty="0">
-                <a:solidFill>
-                  <a:schemeClr val="tx1"/>
-                </a:solidFill>
-                <a:effectLst/>
-                <a:latin typeface="+mn-lt"/>
-                <a:ea typeface="+mn-ea"/>
-                <a:cs typeface="+mn-cs"/>
-              </a:rPr>
-              <a:t>句子的</a:t>
-            </a:r>
-            <a:r>
-              <a:rPr lang="en-US" altLang="zh-CN" sz="1200" kern="1200" dirty="0">
-                <a:solidFill>
-                  <a:schemeClr val="tx1"/>
-                </a:solidFill>
-                <a:effectLst/>
-                <a:latin typeface="+mn-lt"/>
-                <a:ea typeface="+mn-ea"/>
-                <a:cs typeface="+mn-cs"/>
-              </a:rPr>
-              <a:t>associated</a:t>
-            </a:r>
-            <a:r>
-              <a:rPr lang="zh-CN" altLang="zh-CN" sz="1200" kern="1200" dirty="0">
-                <a:solidFill>
-                  <a:schemeClr val="tx1"/>
-                </a:solidFill>
-                <a:effectLst/>
-                <a:latin typeface="+mn-lt"/>
-                <a:ea typeface="+mn-ea"/>
-                <a:cs typeface="+mn-cs"/>
-              </a:rPr>
-              <a:t>标记为该</a:t>
-            </a:r>
-            <a:r>
-              <a:rPr lang="en-US" altLang="zh-CN" sz="1200" kern="1200" dirty="0">
-                <a:solidFill>
-                  <a:schemeClr val="tx1"/>
-                </a:solidFill>
-                <a:effectLst/>
-                <a:latin typeface="+mn-lt"/>
-                <a:ea typeface="+mn-ea"/>
-                <a:cs typeface="+mn-cs"/>
-              </a:rPr>
-              <a:t>When</a:t>
-            </a:r>
-            <a:r>
-              <a:rPr lang="zh-CN" altLang="zh-CN" sz="1200" kern="1200" dirty="0">
-                <a:solidFill>
-                  <a:schemeClr val="tx1"/>
-                </a:solidFill>
-                <a:effectLst/>
-                <a:latin typeface="+mn-lt"/>
-                <a:ea typeface="+mn-ea"/>
-                <a:cs typeface="+mn-cs"/>
-              </a:rPr>
-              <a:t>中句子的索引。</a:t>
-            </a:r>
-          </a:p>
-          <a:p>
-            <a:r>
-              <a:rPr lang="zh-CN" altLang="zh-CN" sz="1200" kern="1200" dirty="0">
-                <a:solidFill>
-                  <a:schemeClr val="tx1"/>
-                </a:solidFill>
-                <a:effectLst/>
-                <a:latin typeface="+mn-lt"/>
-                <a:ea typeface="+mn-ea"/>
-                <a:cs typeface="+mn-cs"/>
-              </a:rPr>
-              <a:t>对未标记</a:t>
-            </a:r>
-            <a:r>
-              <a:rPr lang="en-US" altLang="zh-CN" sz="1200" kern="1200" dirty="0" err="1">
-                <a:solidFill>
-                  <a:schemeClr val="tx1"/>
-                </a:solidFill>
-                <a:effectLst/>
-                <a:latin typeface="+mn-lt"/>
-                <a:ea typeface="+mn-ea"/>
-                <a:cs typeface="+mn-cs"/>
-              </a:rPr>
-              <a:t>FlowType</a:t>
-            </a:r>
-            <a:r>
-              <a:rPr lang="zh-CN" altLang="zh-CN" sz="1200" kern="1200" dirty="0">
-                <a:solidFill>
-                  <a:schemeClr val="tx1"/>
-                </a:solidFill>
-                <a:effectLst/>
-                <a:latin typeface="+mn-lt"/>
-                <a:ea typeface="+mn-ea"/>
-                <a:cs typeface="+mn-cs"/>
-              </a:rPr>
-              <a:t>的</a:t>
-            </a:r>
-            <a:r>
-              <a:rPr lang="en-US" altLang="zh-CN" sz="1200" kern="1200" dirty="0" err="1">
-                <a:solidFill>
-                  <a:schemeClr val="tx1"/>
-                </a:solidFill>
-                <a:effectLst/>
-                <a:latin typeface="+mn-lt"/>
-                <a:ea typeface="+mn-ea"/>
-                <a:cs typeface="+mn-cs"/>
-              </a:rPr>
-              <a:t>TaggedGWT</a:t>
-            </a:r>
-            <a:r>
-              <a:rPr lang="zh-CN" altLang="zh-CN" sz="1200" kern="1200" dirty="0">
-                <a:solidFill>
-                  <a:schemeClr val="tx1"/>
-                </a:solidFill>
-                <a:effectLst/>
-                <a:latin typeface="+mn-lt"/>
-                <a:ea typeface="+mn-ea"/>
-                <a:cs typeface="+mn-cs"/>
-              </a:rPr>
-              <a:t>，将其</a:t>
-            </a:r>
-            <a:r>
-              <a:rPr lang="en-US" altLang="zh-CN" sz="1200" kern="1200" dirty="0">
-                <a:solidFill>
-                  <a:schemeClr val="tx1"/>
-                </a:solidFill>
-                <a:effectLst/>
-                <a:latin typeface="+mn-lt"/>
-                <a:ea typeface="+mn-ea"/>
-                <a:cs typeface="+mn-cs"/>
-              </a:rPr>
-              <a:t>Given</a:t>
-            </a:r>
-            <a:r>
-              <a:rPr lang="zh-CN" altLang="zh-CN" sz="1200" kern="1200" dirty="0">
-                <a:solidFill>
-                  <a:schemeClr val="tx1"/>
-                </a:solidFill>
-                <a:effectLst/>
-                <a:latin typeface="+mn-lt"/>
-                <a:ea typeface="+mn-ea"/>
-                <a:cs typeface="+mn-cs"/>
-              </a:rPr>
-              <a:t>中的句子与</a:t>
-            </a:r>
-            <a:r>
-              <a:rPr lang="en-US" altLang="zh-CN" sz="1200" kern="1200" dirty="0">
-                <a:solidFill>
-                  <a:schemeClr val="tx1"/>
-                </a:solidFill>
-                <a:effectLst/>
-                <a:latin typeface="+mn-lt"/>
-                <a:ea typeface="+mn-ea"/>
-                <a:cs typeface="+mn-cs"/>
-              </a:rPr>
-              <a:t>basic </a:t>
-            </a:r>
-            <a:r>
-              <a:rPr lang="en-US" altLang="zh-CN" sz="1200" kern="1200" dirty="0" err="1">
-                <a:solidFill>
-                  <a:schemeClr val="tx1"/>
-                </a:solidFill>
-                <a:effectLst/>
-                <a:latin typeface="+mn-lt"/>
-                <a:ea typeface="+mn-ea"/>
-                <a:cs typeface="+mn-cs"/>
-              </a:rPr>
-              <a:t>TaggedGWT</a:t>
-            </a:r>
-            <a:r>
-              <a:rPr lang="zh-CN" altLang="zh-CN" sz="1200" kern="1200" dirty="0">
-                <a:solidFill>
-                  <a:schemeClr val="tx1"/>
-                </a:solidFill>
-                <a:effectLst/>
-                <a:latin typeface="+mn-lt"/>
-                <a:ea typeface="+mn-ea"/>
-                <a:cs typeface="+mn-cs"/>
-              </a:rPr>
-              <a:t>的</a:t>
-            </a:r>
-            <a:r>
-              <a:rPr lang="en-US" altLang="zh-CN" sz="1200" kern="1200" dirty="0">
-                <a:solidFill>
-                  <a:schemeClr val="tx1"/>
-                </a:solidFill>
-                <a:effectLst/>
-                <a:latin typeface="+mn-lt"/>
-                <a:ea typeface="+mn-ea"/>
-                <a:cs typeface="+mn-cs"/>
-              </a:rPr>
-              <a:t>Given</a:t>
-            </a:r>
-            <a:r>
-              <a:rPr lang="zh-CN" altLang="zh-CN" sz="1200" kern="1200" dirty="0">
-                <a:solidFill>
-                  <a:schemeClr val="tx1"/>
-                </a:solidFill>
-                <a:effectLst/>
-                <a:latin typeface="+mn-lt"/>
-                <a:ea typeface="+mn-ea"/>
-                <a:cs typeface="+mn-cs"/>
-              </a:rPr>
-              <a:t>属性记录的句子进行相似性比较，与</a:t>
-            </a:r>
-            <a:r>
-              <a:rPr lang="en-US" altLang="zh-CN" sz="1200" kern="1200" dirty="0">
-                <a:solidFill>
-                  <a:schemeClr val="tx1"/>
-                </a:solidFill>
-                <a:effectLst/>
-                <a:latin typeface="+mn-lt"/>
-                <a:ea typeface="+mn-ea"/>
-                <a:cs typeface="+mn-cs"/>
-              </a:rPr>
-              <a:t>type</a:t>
-            </a:r>
-            <a:r>
-              <a:rPr lang="zh-CN" altLang="zh-CN" sz="1200" kern="1200" dirty="0">
-                <a:solidFill>
-                  <a:schemeClr val="tx1"/>
-                </a:solidFill>
-                <a:effectLst/>
-                <a:latin typeface="+mn-lt"/>
-                <a:ea typeface="+mn-ea"/>
-                <a:cs typeface="+mn-cs"/>
-              </a:rPr>
-              <a:t>为</a:t>
-            </a:r>
-            <a:r>
-              <a:rPr lang="en-US" altLang="zh-CN" sz="1200" kern="1200" dirty="0">
-                <a:solidFill>
-                  <a:schemeClr val="tx1"/>
-                </a:solidFill>
-                <a:effectLst/>
-                <a:latin typeface="+mn-lt"/>
-                <a:ea typeface="+mn-ea"/>
-                <a:cs typeface="+mn-cs"/>
-              </a:rPr>
-              <a:t>common</a:t>
-            </a:r>
-            <a:r>
-              <a:rPr lang="zh-CN" altLang="zh-CN" sz="1200" kern="1200" dirty="0">
-                <a:solidFill>
-                  <a:schemeClr val="tx1"/>
-                </a:solidFill>
-                <a:effectLst/>
-                <a:latin typeface="+mn-lt"/>
-                <a:ea typeface="+mn-ea"/>
-                <a:cs typeface="+mn-cs"/>
-              </a:rPr>
-              <a:t>的句子相似的句子</a:t>
-            </a:r>
-            <a:r>
-              <a:rPr lang="en-US" altLang="zh-CN" sz="1200" kern="1200" dirty="0">
-                <a:solidFill>
-                  <a:schemeClr val="tx1"/>
-                </a:solidFill>
-                <a:effectLst/>
-                <a:latin typeface="+mn-lt"/>
-                <a:ea typeface="+mn-ea"/>
-                <a:cs typeface="+mn-cs"/>
-              </a:rPr>
-              <a:t>type</a:t>
-            </a:r>
-            <a:r>
-              <a:rPr lang="zh-CN" altLang="zh-CN" sz="1200" kern="1200" dirty="0">
-                <a:solidFill>
-                  <a:schemeClr val="tx1"/>
-                </a:solidFill>
-                <a:effectLst/>
-                <a:latin typeface="+mn-lt"/>
-                <a:ea typeface="+mn-ea"/>
-                <a:cs typeface="+mn-cs"/>
-              </a:rPr>
-              <a:t>标记为</a:t>
-            </a:r>
-            <a:r>
-              <a:rPr lang="en-US" altLang="zh-CN" sz="1200" kern="1200" dirty="0">
-                <a:solidFill>
-                  <a:schemeClr val="tx1"/>
-                </a:solidFill>
-                <a:effectLst/>
-                <a:latin typeface="+mn-lt"/>
-                <a:ea typeface="+mn-ea"/>
-                <a:cs typeface="+mn-cs"/>
-              </a:rPr>
-              <a:t>common</a:t>
-            </a:r>
-            <a:r>
-              <a:rPr lang="zh-CN" altLang="zh-CN" sz="1200" kern="1200" dirty="0">
-                <a:solidFill>
-                  <a:schemeClr val="tx1"/>
-                </a:solidFill>
-                <a:effectLst/>
-                <a:latin typeface="+mn-lt"/>
-                <a:ea typeface="+mn-ea"/>
-                <a:cs typeface="+mn-cs"/>
-              </a:rPr>
-              <a:t>，其他的句子</a:t>
-            </a:r>
-            <a:r>
-              <a:rPr lang="en-US" altLang="zh-CN" sz="1200" kern="1200" dirty="0">
-                <a:solidFill>
-                  <a:schemeClr val="tx1"/>
-                </a:solidFill>
-                <a:effectLst/>
-                <a:latin typeface="+mn-lt"/>
-                <a:ea typeface="+mn-ea"/>
-                <a:cs typeface="+mn-cs"/>
-              </a:rPr>
-              <a:t>type</a:t>
-            </a:r>
-            <a:r>
-              <a:rPr lang="zh-CN" altLang="zh-CN" sz="1200" kern="1200" dirty="0">
-                <a:solidFill>
-                  <a:schemeClr val="tx1"/>
-                </a:solidFill>
-                <a:effectLst/>
-                <a:latin typeface="+mn-lt"/>
-                <a:ea typeface="+mn-ea"/>
-                <a:cs typeface="+mn-cs"/>
-              </a:rPr>
-              <a:t>标记为</a:t>
-            </a:r>
-            <a:r>
-              <a:rPr lang="en-US" altLang="zh-CN" sz="1200" kern="1200" dirty="0">
-                <a:solidFill>
-                  <a:schemeClr val="tx1"/>
-                </a:solidFill>
-                <a:effectLst/>
-                <a:latin typeface="+mn-lt"/>
-                <a:ea typeface="+mn-ea"/>
-                <a:cs typeface="+mn-cs"/>
-              </a:rPr>
-              <a:t>unique</a:t>
-            </a:r>
-            <a:r>
-              <a:rPr lang="zh-CN" altLang="zh-CN" sz="1200" kern="1200" dirty="0">
-                <a:solidFill>
-                  <a:schemeClr val="tx1"/>
-                </a:solidFill>
-                <a:effectLst/>
-                <a:latin typeface="+mn-lt"/>
-                <a:ea typeface="+mn-ea"/>
-                <a:cs typeface="+mn-cs"/>
-              </a:rPr>
-              <a:t>，将</a:t>
-            </a:r>
-            <a:r>
-              <a:rPr lang="en-US" altLang="zh-CN" sz="1200" kern="1200" dirty="0">
-                <a:solidFill>
-                  <a:schemeClr val="tx1"/>
-                </a:solidFill>
-                <a:effectLst/>
-                <a:latin typeface="+mn-lt"/>
-                <a:ea typeface="+mn-ea"/>
-                <a:cs typeface="+mn-cs"/>
-              </a:rPr>
-              <a:t>unique</a:t>
-            </a:r>
-            <a:r>
-              <a:rPr lang="zh-CN" altLang="zh-CN" sz="1200" kern="1200" dirty="0">
-                <a:solidFill>
-                  <a:schemeClr val="tx1"/>
-                </a:solidFill>
-                <a:effectLst/>
-                <a:latin typeface="+mn-lt"/>
-                <a:ea typeface="+mn-ea"/>
-                <a:cs typeface="+mn-cs"/>
-              </a:rPr>
-              <a:t>的句子添加到</a:t>
-            </a:r>
-            <a:r>
-              <a:rPr lang="en-US" altLang="zh-CN" sz="1200" kern="1200" dirty="0" err="1">
-                <a:solidFill>
-                  <a:schemeClr val="tx1"/>
-                </a:solidFill>
-                <a:effectLst/>
-                <a:latin typeface="+mn-lt"/>
-                <a:ea typeface="+mn-ea"/>
-                <a:cs typeface="+mn-cs"/>
-              </a:rPr>
-              <a:t>TaggeGWT</a:t>
-            </a:r>
-            <a:r>
-              <a:rPr lang="zh-CN" altLang="zh-CN" sz="1200" kern="1200" dirty="0">
-                <a:solidFill>
-                  <a:schemeClr val="tx1"/>
-                </a:solidFill>
-                <a:effectLst/>
-                <a:latin typeface="+mn-lt"/>
-                <a:ea typeface="+mn-ea"/>
-                <a:cs typeface="+mn-cs"/>
-              </a:rPr>
-              <a:t>的</a:t>
-            </a:r>
-            <a:r>
-              <a:rPr lang="en-US" altLang="zh-CN" sz="1200" kern="1200" dirty="0">
-                <a:solidFill>
-                  <a:schemeClr val="tx1"/>
-                </a:solidFill>
-                <a:effectLst/>
-                <a:latin typeface="+mn-lt"/>
-                <a:ea typeface="+mn-ea"/>
-                <a:cs typeface="+mn-cs"/>
-              </a:rPr>
-              <a:t>condition</a:t>
-            </a:r>
-            <a:r>
-              <a:rPr lang="zh-CN" altLang="zh-CN" sz="1200" kern="1200" dirty="0">
-                <a:solidFill>
-                  <a:schemeClr val="tx1"/>
-                </a:solidFill>
-                <a:effectLst/>
-                <a:latin typeface="+mn-lt"/>
-                <a:ea typeface="+mn-ea"/>
-                <a:cs typeface="+mn-cs"/>
-              </a:rPr>
-              <a:t>属性中。在此基础上，找出</a:t>
-            </a:r>
-            <a:r>
-              <a:rPr lang="en-US" altLang="zh-CN" sz="1200" kern="1200" dirty="0">
-                <a:solidFill>
-                  <a:schemeClr val="tx1"/>
-                </a:solidFill>
-                <a:effectLst/>
-                <a:latin typeface="+mn-lt"/>
-                <a:ea typeface="+mn-ea"/>
-                <a:cs typeface="+mn-cs"/>
-              </a:rPr>
-              <a:t>basic </a:t>
-            </a:r>
-            <a:r>
-              <a:rPr lang="en-US" altLang="zh-CN" sz="1200" kern="1200" dirty="0" err="1">
-                <a:solidFill>
-                  <a:schemeClr val="tx1"/>
-                </a:solidFill>
-                <a:effectLst/>
-                <a:latin typeface="+mn-lt"/>
-                <a:ea typeface="+mn-ea"/>
-                <a:cs typeface="+mn-cs"/>
-              </a:rPr>
-              <a:t>TaggedGWT</a:t>
-            </a:r>
-            <a:r>
-              <a:rPr lang="zh-CN" altLang="zh-CN" sz="1200" kern="1200" dirty="0">
-                <a:solidFill>
-                  <a:schemeClr val="tx1"/>
-                </a:solidFill>
-                <a:effectLst/>
-                <a:latin typeface="+mn-lt"/>
-                <a:ea typeface="+mn-ea"/>
-                <a:cs typeface="+mn-cs"/>
-              </a:rPr>
-              <a:t>的</a:t>
-            </a:r>
-            <a:r>
-              <a:rPr lang="en-US" altLang="zh-CN" sz="1200" kern="1200" dirty="0">
-                <a:solidFill>
-                  <a:schemeClr val="tx1"/>
-                </a:solidFill>
-                <a:effectLst/>
-                <a:latin typeface="+mn-lt"/>
-                <a:ea typeface="+mn-ea"/>
-                <a:cs typeface="+mn-cs"/>
-              </a:rPr>
-              <a:t>When</a:t>
-            </a:r>
-            <a:r>
-              <a:rPr lang="zh-CN" altLang="zh-CN" sz="1200" kern="1200" dirty="0">
-                <a:solidFill>
-                  <a:schemeClr val="tx1"/>
-                </a:solidFill>
-                <a:effectLst/>
-                <a:latin typeface="+mn-lt"/>
-                <a:ea typeface="+mn-ea"/>
-                <a:cs typeface="+mn-cs"/>
-              </a:rPr>
-              <a:t>属性中与</a:t>
-            </a:r>
-            <a:r>
-              <a:rPr lang="en-US" altLang="zh-CN" sz="1200" kern="1200" dirty="0">
-                <a:solidFill>
-                  <a:schemeClr val="tx1"/>
-                </a:solidFill>
-                <a:effectLst/>
-                <a:latin typeface="+mn-lt"/>
-                <a:ea typeface="+mn-ea"/>
-                <a:cs typeface="+mn-cs"/>
-              </a:rPr>
-              <a:t>unique</a:t>
-            </a:r>
-            <a:r>
-              <a:rPr lang="zh-CN" altLang="zh-CN" sz="1200" kern="1200" dirty="0">
-                <a:solidFill>
-                  <a:schemeClr val="tx1"/>
-                </a:solidFill>
-                <a:effectLst/>
-                <a:latin typeface="+mn-lt"/>
-                <a:ea typeface="+mn-ea"/>
-                <a:cs typeface="+mn-cs"/>
-              </a:rPr>
-              <a:t>句子相似度最高的句子，若两个句子是相近的，则将此</a:t>
-            </a:r>
-            <a:r>
-              <a:rPr lang="en-US" altLang="zh-CN" sz="1200" kern="1200" dirty="0" err="1">
-                <a:solidFill>
-                  <a:schemeClr val="tx1"/>
-                </a:solidFill>
-                <a:effectLst/>
-                <a:latin typeface="+mn-lt"/>
-                <a:ea typeface="+mn-ea"/>
-                <a:cs typeface="+mn-cs"/>
-              </a:rPr>
-              <a:t>TaggedGWT</a:t>
-            </a:r>
-            <a:r>
-              <a:rPr lang="zh-CN" altLang="zh-CN" sz="1200" kern="1200" dirty="0">
-                <a:solidFill>
-                  <a:schemeClr val="tx1"/>
-                </a:solidFill>
-                <a:effectLst/>
-                <a:latin typeface="+mn-lt"/>
-                <a:ea typeface="+mn-ea"/>
-                <a:cs typeface="+mn-cs"/>
-              </a:rPr>
-              <a:t>的</a:t>
-            </a:r>
-            <a:r>
-              <a:rPr lang="en-US" altLang="zh-CN" sz="1200" kern="1200" dirty="0" err="1">
-                <a:solidFill>
-                  <a:schemeClr val="tx1"/>
-                </a:solidFill>
-                <a:effectLst/>
-                <a:latin typeface="+mn-lt"/>
-                <a:ea typeface="+mn-ea"/>
-                <a:cs typeface="+mn-cs"/>
-              </a:rPr>
-              <a:t>FlowType</a:t>
-            </a:r>
-            <a:r>
-              <a:rPr lang="zh-CN" altLang="zh-CN" sz="1200" kern="1200" dirty="0">
-                <a:solidFill>
-                  <a:schemeClr val="tx1"/>
-                </a:solidFill>
-                <a:effectLst/>
-                <a:latin typeface="+mn-lt"/>
-                <a:ea typeface="+mn-ea"/>
-                <a:cs typeface="+mn-cs"/>
-              </a:rPr>
-              <a:t>标记为</a:t>
-            </a:r>
-            <a:r>
-              <a:rPr lang="en-US" altLang="zh-CN" sz="1200" kern="1200" dirty="0">
-                <a:solidFill>
-                  <a:schemeClr val="tx1"/>
-                </a:solidFill>
-                <a:effectLst/>
-                <a:latin typeface="+mn-lt"/>
-                <a:ea typeface="+mn-ea"/>
-                <a:cs typeface="+mn-cs"/>
-              </a:rPr>
-              <a:t>specific</a:t>
-            </a:r>
-            <a:r>
-              <a:rPr lang="zh-CN" altLang="zh-CN" sz="1200" kern="1200" dirty="0">
-                <a:solidFill>
-                  <a:schemeClr val="tx1"/>
-                </a:solidFill>
-                <a:effectLst/>
-                <a:latin typeface="+mn-lt"/>
-                <a:ea typeface="+mn-ea"/>
-                <a:cs typeface="+mn-cs"/>
-              </a:rPr>
-              <a:t>、</a:t>
-            </a:r>
-            <a:r>
-              <a:rPr lang="en-US" altLang="zh-CN" sz="1200" kern="1200" dirty="0">
-                <a:solidFill>
-                  <a:schemeClr val="tx1"/>
-                </a:solidFill>
-                <a:effectLst/>
-                <a:latin typeface="+mn-lt"/>
-                <a:ea typeface="+mn-ea"/>
-                <a:cs typeface="+mn-cs"/>
-              </a:rPr>
-              <a:t>refer</a:t>
-            </a:r>
-            <a:r>
-              <a:rPr lang="zh-CN" altLang="zh-CN" sz="1200" kern="1200" dirty="0">
-                <a:solidFill>
-                  <a:schemeClr val="tx1"/>
-                </a:solidFill>
-                <a:effectLst/>
-                <a:latin typeface="+mn-lt"/>
-                <a:ea typeface="+mn-ea"/>
-                <a:cs typeface="+mn-cs"/>
-              </a:rPr>
-              <a:t>标记为相近句子的序号，并将句子的</a:t>
-            </a:r>
-            <a:r>
-              <a:rPr lang="en-US" altLang="zh-CN" sz="1200" kern="1200" dirty="0">
-                <a:solidFill>
-                  <a:schemeClr val="tx1"/>
-                </a:solidFill>
-                <a:effectLst/>
-                <a:latin typeface="+mn-lt"/>
-                <a:ea typeface="+mn-ea"/>
-                <a:cs typeface="+mn-cs"/>
-              </a:rPr>
-              <a:t>associated</a:t>
-            </a:r>
-            <a:r>
-              <a:rPr lang="zh-CN" altLang="zh-CN" sz="1200" kern="1200" dirty="0">
-                <a:solidFill>
-                  <a:schemeClr val="tx1"/>
-                </a:solidFill>
-                <a:effectLst/>
-                <a:latin typeface="+mn-lt"/>
-                <a:ea typeface="+mn-ea"/>
-                <a:cs typeface="+mn-cs"/>
-              </a:rPr>
-              <a:t>标签标记为预期相近的句子的序号；若两个句子不相近，则将此</a:t>
-            </a:r>
-            <a:r>
-              <a:rPr lang="en-US" altLang="zh-CN" sz="1200" kern="1200" dirty="0" err="1">
-                <a:solidFill>
-                  <a:schemeClr val="tx1"/>
-                </a:solidFill>
-                <a:effectLst/>
-                <a:latin typeface="+mn-lt"/>
-                <a:ea typeface="+mn-ea"/>
-                <a:cs typeface="+mn-cs"/>
-              </a:rPr>
-              <a:t>TaggedGWT</a:t>
-            </a:r>
-            <a:r>
-              <a:rPr lang="zh-CN" altLang="zh-CN" sz="1200" kern="1200" dirty="0">
-                <a:solidFill>
-                  <a:schemeClr val="tx1"/>
-                </a:solidFill>
-                <a:effectLst/>
-                <a:latin typeface="+mn-lt"/>
-                <a:ea typeface="+mn-ea"/>
-                <a:cs typeface="+mn-cs"/>
-              </a:rPr>
-              <a:t>的</a:t>
-            </a:r>
-            <a:r>
-              <a:rPr lang="en-US" altLang="zh-CN" sz="1200" kern="1200" dirty="0" err="1">
-                <a:solidFill>
-                  <a:schemeClr val="tx1"/>
-                </a:solidFill>
-                <a:effectLst/>
-                <a:latin typeface="+mn-lt"/>
-                <a:ea typeface="+mn-ea"/>
-                <a:cs typeface="+mn-cs"/>
-              </a:rPr>
-              <a:t>FlowType</a:t>
-            </a:r>
-            <a:r>
-              <a:rPr lang="zh-CN" altLang="zh-CN" sz="1200" kern="1200" dirty="0">
-                <a:solidFill>
-                  <a:schemeClr val="tx1"/>
-                </a:solidFill>
-                <a:effectLst/>
-                <a:latin typeface="+mn-lt"/>
-                <a:ea typeface="+mn-ea"/>
-                <a:cs typeface="+mn-cs"/>
-              </a:rPr>
-              <a:t>标记为</a:t>
-            </a:r>
-            <a:r>
-              <a:rPr lang="en-US" altLang="zh-CN" sz="1200" kern="1200" dirty="0">
-                <a:solidFill>
-                  <a:schemeClr val="tx1"/>
-                </a:solidFill>
-                <a:effectLst/>
-                <a:latin typeface="+mn-lt"/>
-                <a:ea typeface="+mn-ea"/>
-                <a:cs typeface="+mn-cs"/>
-              </a:rPr>
-              <a:t>global</a:t>
-            </a:r>
-            <a:r>
-              <a:rPr lang="zh-CN" altLang="zh-CN" sz="1200" kern="1200" dirty="0">
-                <a:solidFill>
-                  <a:schemeClr val="tx1"/>
-                </a:solidFill>
-                <a:effectLst/>
-                <a:latin typeface="+mn-lt"/>
-                <a:ea typeface="+mn-ea"/>
-                <a:cs typeface="+mn-cs"/>
-              </a:rPr>
-              <a:t>，将</a:t>
-            </a:r>
-            <a:r>
-              <a:rPr lang="en-US" altLang="zh-CN" sz="1200" kern="1200" dirty="0">
-                <a:solidFill>
-                  <a:schemeClr val="tx1"/>
-                </a:solidFill>
-                <a:effectLst/>
-                <a:latin typeface="+mn-lt"/>
-                <a:ea typeface="+mn-ea"/>
-                <a:cs typeface="+mn-cs"/>
-              </a:rPr>
-              <a:t>unique</a:t>
-            </a:r>
-            <a:r>
-              <a:rPr lang="zh-CN" altLang="zh-CN" sz="1200" kern="1200" dirty="0">
-                <a:solidFill>
-                  <a:schemeClr val="tx1"/>
-                </a:solidFill>
-                <a:effectLst/>
-                <a:latin typeface="+mn-lt"/>
-                <a:ea typeface="+mn-ea"/>
-                <a:cs typeface="+mn-cs"/>
-              </a:rPr>
-              <a:t>的句子记录到此</a:t>
-            </a:r>
-            <a:r>
-              <a:rPr lang="en-US" altLang="zh-CN" sz="1200" kern="1200" dirty="0" err="1">
-                <a:solidFill>
-                  <a:schemeClr val="tx1"/>
-                </a:solidFill>
-                <a:effectLst/>
-                <a:latin typeface="+mn-lt"/>
-                <a:ea typeface="+mn-ea"/>
-                <a:cs typeface="+mn-cs"/>
-              </a:rPr>
-              <a:t>TaggedGWT</a:t>
-            </a:r>
-            <a:r>
-              <a:rPr lang="zh-CN" altLang="zh-CN" sz="1200" kern="1200" dirty="0">
-                <a:solidFill>
-                  <a:schemeClr val="tx1"/>
-                </a:solidFill>
-                <a:effectLst/>
-                <a:latin typeface="+mn-lt"/>
-                <a:ea typeface="+mn-ea"/>
-                <a:cs typeface="+mn-cs"/>
-              </a:rPr>
-              <a:t>的</a:t>
-            </a:r>
-            <a:r>
-              <a:rPr lang="en-US" altLang="zh-CN" sz="1200" kern="1200" dirty="0">
-                <a:solidFill>
-                  <a:schemeClr val="tx1"/>
-                </a:solidFill>
-                <a:effectLst/>
-                <a:latin typeface="+mn-lt"/>
-                <a:ea typeface="+mn-ea"/>
-                <a:cs typeface="+mn-cs"/>
-              </a:rPr>
-              <a:t>condition</a:t>
-            </a:r>
-            <a:r>
-              <a:rPr lang="zh-CN" altLang="zh-CN" sz="1200" kern="1200" dirty="0">
-                <a:solidFill>
-                  <a:schemeClr val="tx1"/>
-                </a:solidFill>
-                <a:effectLst/>
-                <a:latin typeface="+mn-lt"/>
-                <a:ea typeface="+mn-ea"/>
-                <a:cs typeface="+mn-cs"/>
-              </a:rPr>
-              <a:t>属性。</a:t>
-            </a:r>
           </a:p>
           <a:p>
             <a:r>
@@ -12237,7 +9822,65 @@
           <a:bodyPr/>
           <a:lstStyle/>
           <a:p>
-            <a:endParaRPr lang="zh-CN" altLang="en-US" dirty="0"/>
+            <a:r>
+              <a:rPr lang="en-US" altLang="zh-CN" dirty="0"/>
+              <a:t>1.</a:t>
+            </a:r>
+            <a:r>
+              <a:rPr lang="zh-CN" altLang="en-US" dirty="0"/>
+              <a:t>在不使用关键词标注的情况下，</a:t>
+            </a:r>
+            <a:r>
+              <a:rPr lang="en-US" altLang="zh-CN" dirty="0"/>
+              <a:t>Dependency</a:t>
+            </a:r>
+            <a:r>
+              <a:rPr lang="zh-CN" altLang="en-US" dirty="0"/>
+              <a:t>和</a:t>
+            </a:r>
+            <a:r>
+              <a:rPr lang="en-US" altLang="zh-CN" dirty="0"/>
+              <a:t>Generalization</a:t>
+            </a:r>
+            <a:r>
+              <a:rPr lang="zh-CN" altLang="en-US" dirty="0"/>
+              <a:t>的生成暂时没有实现</a:t>
+            </a:r>
+            <a:endParaRPr lang="en-US" altLang="zh-CN" dirty="0"/>
+          </a:p>
+          <a:p>
+            <a:r>
+              <a:rPr lang="en-US" altLang="zh-CN" dirty="0"/>
+              <a:t>2.</a:t>
+            </a:r>
+            <a:r>
+              <a:rPr lang="zh-CN" altLang="en-US" dirty="0"/>
+              <a:t>分支流的判断使用句子相似性判断是结构层面的判断，在判断两个句子是否相似上准确度还不成熟，如</a:t>
+            </a:r>
+            <a:r>
+              <a:rPr lang="en-US" altLang="zh-CN" dirty="0"/>
+              <a:t>specific</a:t>
+            </a:r>
+            <a:r>
+              <a:rPr lang="zh-CN" altLang="en-US" dirty="0"/>
+              <a:t>可能判断成</a:t>
+            </a:r>
+            <a:r>
+              <a:rPr lang="en-US" altLang="zh-CN" dirty="0"/>
+              <a:t>global</a:t>
+            </a:r>
+            <a:r>
+              <a:rPr lang="zh-CN" altLang="en-US" dirty="0"/>
+              <a:t>，</a:t>
+            </a:r>
+            <a:r>
+              <a:rPr lang="en-US" altLang="zh-CN" dirty="0" err="1"/>
+              <a:t>rfs</a:t>
+            </a:r>
+            <a:r>
+              <a:rPr lang="zh-CN" altLang="en-US" dirty="0"/>
+              <a:t>不够准确等。</a:t>
+            </a:r>
           </a:p>
         </p:txBody>
       </p:sp>
@@ -15700,7 +13343,7 @@
           <a:p>
             <a:fld id="{32D8072D-19C7-4229-865E-7F5E3828C1DE}" type="datetimeFigureOut">
               <a:rPr lang="zh-CN" altLang="en-US" smtClean="0"/>
-              <a:t>2018/12/29</a:t>
+              <a:t>2018/12/31</a:t>
             </a:fld>
             <a:endParaRPr lang="zh-CN" altLang="en-US"/>
           </a:p>
@@ -15898,7 +13541,7 @@
           <a:p>
             <a:fld id="{32D8072D-19C7-4229-865E-7F5E3828C1DE}" type="datetimeFigureOut">
               <a:rPr lang="zh-CN" altLang="en-US" smtClean="0"/>
-              <a:t>2018/12/29</a:t>
+              <a:t>2018/12/31</a:t>
             </a:fld>
             <a:endParaRPr lang="zh-CN" altLang="en-US"/>
           </a:p>
@@ -16106,7 +13749,7 @@
           <a:p>
             <a:fld id="{32D8072D-19C7-4229-865E-7F5E3828C1DE}" type="datetimeFigureOut">
               <a:rPr lang="zh-CN" altLang="en-US" smtClean="0"/>
-              <a:t>2018/12/29</a:t>
+              <a:t>2018/12/31</a:t>
             </a:fld>
             <a:endParaRPr lang="zh-CN" altLang="en-US"/>
           </a:p>
@@ -16304,7 +13947,7 @@
           <a:p>
             <a:fld id="{32D8072D-19C7-4229-865E-7F5E3828C1DE}" type="datetimeFigureOut">
               <a:rPr lang="zh-CN" altLang="en-US" smtClean="0"/>
-              <a:t>2018/12/29</a:t>
+              <a:t>2018/12/31</a:t>
             </a:fld>
             <a:endParaRPr lang="zh-CN" altLang="en-US"/>
           </a:p>
@@ -16579,7 +14222,7 @@
           <a:p>
             <a:fld id="{32D8072D-19C7-4229-865E-7F5E3828C1DE}" type="datetimeFigureOut">
               <a:rPr lang="zh-CN" altLang="en-US" smtClean="0"/>
-              <a:t>2018/12/29</a:t>
+              <a:t>2018/12/31</a:t>
             </a:fld>
             <a:endParaRPr lang="zh-CN" altLang="en-US"/>
           </a:p>
@@ -16844,7 +14487,7 @@
           <a:p>
             <a:fld id="{32D8072D-19C7-4229-865E-7F5E3828C1DE}" type="datetimeFigureOut">
               <a:rPr lang="zh-CN" altLang="en-US" smtClean="0"/>
-              <a:t>2018/12/29</a:t>
+              <a:t>2018/12/31</a:t>
             </a:fld>
             <a:endParaRPr lang="zh-CN" altLang="en-US"/>
           </a:p>
@@ -17256,7 +14899,7 @@
           <a:p>
             <a:fld id="{32D8072D-19C7-4229-865E-7F5E3828C1DE}" type="datetimeFigureOut">
               <a:rPr lang="zh-CN" altLang="en-US" smtClean="0"/>
-              <a:t>2018/12/29</a:t>
+              <a:t>2018/12/31</a:t>
             </a:fld>
             <a:endParaRPr lang="zh-CN" altLang="en-US"/>
           </a:p>
@@ -17397,7 +15040,7 @@
           <a:p>
             <a:fld id="{32D8072D-19C7-4229-865E-7F5E3828C1DE}" type="datetimeFigureOut">
               <a:rPr lang="zh-CN" altLang="en-US" smtClean="0"/>
-              <a:t>2018/12/29</a:t>
+              <a:t>2018/12/31</a:t>
             </a:fld>
             <a:endParaRPr lang="zh-CN" altLang="en-US"/>
           </a:p>
@@ -17510,7 +15153,7 @@
           <a:p>
             <a:fld id="{32D8072D-19C7-4229-865E-7F5E3828C1DE}" type="datetimeFigureOut">
               <a:rPr lang="zh-CN" altLang="en-US" smtClean="0"/>
-              <a:t>2018/12/29</a:t>
+              <a:t>2018/12/31</a:t>
             </a:fld>
             <a:endParaRPr lang="zh-CN" altLang="en-US"/>
           </a:p>
@@ -17821,7 +15464,7 @@
           <a:p>
             <a:fld id="{32D8072D-19C7-4229-865E-7F5E3828C1DE}" type="datetimeFigureOut">
               <a:rPr lang="zh-CN" altLang="en-US" smtClean="0"/>
-              <a:t>2018/12/29</a:t>
+              <a:t>2018/12/31</a:t>
             </a:fld>
             <a:endParaRPr lang="zh-CN" altLang="en-US"/>
           </a:p>
@@ -18109,7 +15752,7 @@
           <a:p>
             <a:fld id="{32D8072D-19C7-4229-865E-7F5E3828C1DE}" type="datetimeFigureOut">
               <a:rPr lang="zh-CN" altLang="en-US" smtClean="0"/>
-              <a:t>2018/12/29</a:t>
+              <a:t>2018/12/31</a:t>
             </a:fld>
             <a:endParaRPr lang="zh-CN" altLang="en-US"/>
           </a:p>
@@ -18350,7 +15993,7 @@
           <a:p>
             <a:fld id="{32D8072D-19C7-4229-865E-7F5E3828C1DE}" type="datetimeFigureOut">
               <a:rPr lang="zh-CN" altLang="en-US" smtClean="0"/>
-              <a:t>2018/12/29</a:t>
+              <a:t>2018/12/31</a:t>
             </a:fld>
             <a:endParaRPr lang="zh-CN" altLang="en-US"/>
           </a:p>

--- a/TEAM演示.pptx
+++ b/TEAM演示.pptx
@@ -29,7 +29,7 @@
     <p:sldId id="291" r:id="rId20"/>
     <p:sldId id="295" r:id="rId21"/>
     <p:sldId id="296" r:id="rId22"/>
-    <p:sldId id="297" r:id="rId23"/>
+    <p:sldId id="298" r:id="rId23"/>
     <p:sldId id="266" r:id="rId24"/>
     <p:sldId id="285" r:id="rId25"/>
     <p:sldId id="286" r:id="rId26"/>
@@ -1671,6 +1671,788 @@
 </dgm:colorsDef>
 </file>
 
+<file path=ppt/diagrams/colors3.xml><?xml version="1.0" encoding="utf-8"?>
+<dgm:colorsDef xmlns:dgm="http://schemas.openxmlformats.org/drawingml/2006/diagram" xmlns:a="http://schemas.openxmlformats.org/drawingml/2006/main" uniqueId="urn:microsoft.com/office/officeart/2005/8/colors/colorful2">
+  <dgm:title val=""/>
+  <dgm:desc val=""/>
+  <dgm:catLst>
+    <dgm:cat type="colorful" pri="10200"/>
+  </dgm:catLst>
+  <dgm:styleLbl name="node0">
+    <dgm:fillClrLst meth="repeat">
+      <a:schemeClr val="accent1"/>
+    </dgm:fillClrLst>
+    <dgm:linClrLst meth="repeat">
+      <a:schemeClr val="lt1"/>
+    </dgm:linClrLst>
+    <dgm:effectClrLst/>
+    <dgm:txLinClrLst/>
+    <dgm:txFillClrLst/>
+    <dgm:txEffectClrLst/>
+  </dgm:styleLbl>
+  <dgm:styleLbl name="node1">
+    <dgm:fillClrLst>
+      <a:schemeClr val="accent2"/>
+      <a:schemeClr val="accent3"/>
+    </dgm:fillClrLst>
+    <dgm:linClrLst meth="repeat">
+      <a:schemeClr val="lt1"/>
+    </dgm:linClrLst>
+    <dgm:effectClrLst/>
+    <dgm:txLinClrLst/>
+    <dgm:txFillClrLst/>
+    <dgm:txEffectClrLst/>
+  </dgm:styleLbl>
+  <dgm:styleLbl name="alignNode1">
+    <dgm:fillClrLst>
+      <a:schemeClr val="accent2"/>
+      <a:schemeClr val="accent3"/>
+    </dgm:fillClrLst>
+    <dgm:linClrLst>
+      <a:schemeClr val="accent2"/>
+      <a:schemeClr val="accent3"/>
+    </dgm:linClrLst>
+    <dgm:effectClrLst/>
+    <dgm:txLinClrLst/>
+    <dgm:txFillClrLst/>
+    <dgm:txEffectClrLst/>
+  </dgm:styleLbl>
+  <dgm:styleLbl name="lnNode1">
+    <dgm:fillClrLst>
+      <a:schemeClr val="accent2"/>
+      <a:schemeClr val="accent3"/>
+    </dgm:fillClrLst>
+    <dgm:linClrLst meth="repeat">
+      <a:schemeClr val="lt1"/>
+    </dgm:linClrLst>
+    <dgm:effectClrLst/>
+    <dgm:txLinClrLst/>
+    <dgm:txFillClrLst/>
+    <dgm:txEffectClrLst/>
+  </dgm:styleLbl>
+  <dgm:styleLbl name="vennNode1">
+    <dgm:fillClrLst>
+      <a:schemeClr val="accent2">
+        <a:alpha val="50000"/>
+      </a:schemeClr>
+      <a:schemeClr val="accent3">
+        <a:alpha val="50000"/>
+      </a:schemeClr>
+    </dgm:fillClrLst>
+    <dgm:linClrLst meth="repeat">
+      <a:schemeClr val="lt1"/>
+    </dgm:linClrLst>
+    <dgm:effectClrLst/>
+    <dgm:txLinClrLst/>
+    <dgm:txFillClrLst/>
+    <dgm:txEffectClrLst/>
+  </dgm:styleLbl>
+  <dgm:styleLbl name="node2">
+    <dgm:fillClrLst>
+      <a:schemeClr val="accent3"/>
+    </dgm:fillClrLst>
+    <dgm:linClrLst meth="repeat">
+      <a:schemeClr val="lt1"/>
+    </dgm:linClrLst>
+    <dgm:effectClrLst/>
+    <dgm:txLinClrLst/>
+    <dgm:txFillClrLst/>
+    <dgm:txEffectClrLst/>
+  </dgm:styleLbl>
+  <dgm:styleLbl name="node3">
+    <dgm:fillClrLst>
+      <a:schemeClr val="accent4"/>
+    </dgm:fillClrLst>
+    <dgm:linClrLst meth="repeat">
+      <a:schemeClr val="lt1"/>
+    </dgm:linClrLst>
+    <dgm:effectClrLst/>
+    <dgm:txLinClrLst/>
+    <dgm:txFillClrLst/>
+    <dgm:txEffectClrLst/>
+  </dgm:styleLbl>
+  <dgm:styleLbl name="node4">
+    <dgm:fillClrLst>
+      <a:schemeClr val="accent5"/>
+    </dgm:fillClrLst>
+    <dgm:linClrLst meth="repeat">
+      <a:schemeClr val="lt1"/>
+    </dgm:linClrLst>
+    <dgm:effectClrLst/>
+    <dgm:txLinClrLst/>
+    <dgm:txFillClrLst/>
+    <dgm:txEffectClrLst/>
+  </dgm:styleLbl>
+  <dgm:styleLbl name="fgImgPlace1">
+    <dgm:fillClrLst>
+      <a:schemeClr val="accent2">
+        <a:tint val="50000"/>
+      </a:schemeClr>
+      <a:schemeClr val="accent3">
+        <a:tint val="50000"/>
+      </a:schemeClr>
+    </dgm:fillClrLst>
+    <dgm:linClrLst meth="repeat">
+      <a:schemeClr val="lt1"/>
+    </dgm:linClrLst>
+    <dgm:effectClrLst/>
+    <dgm:txLinClrLst/>
+    <dgm:txFillClrLst meth="repeat">
+      <a:schemeClr val="lt1"/>
+    </dgm:txFillClrLst>
+    <dgm:txEffectClrLst/>
+  </dgm:styleLbl>
+  <dgm:styleLbl name="alignImgPlace1">
+    <dgm:fillClrLst>
+      <a:schemeClr val="accent2">
+        <a:tint val="50000"/>
+      </a:schemeClr>
+      <a:schemeClr val="accent3">
+        <a:tint val="20000"/>
+      </a:schemeClr>
+    </dgm:fillClrLst>
+    <dgm:linClrLst meth="repeat">
+      <a:schemeClr val="lt1"/>
+    </dgm:linClrLst>
+    <dgm:effectClrLst/>
+    <dgm:txLinClrLst/>
+    <dgm:txFillClrLst meth="repeat">
+      <a:schemeClr val="lt1"/>
+    </dgm:txFillClrLst>
+    <dgm:txEffectClrLst/>
+  </dgm:styleLbl>
+  <dgm:styleLbl name="bgImgPlace1">
+    <dgm:fillClrLst>
+      <a:schemeClr val="accent2">
+        <a:tint val="50000"/>
+      </a:schemeClr>
+      <a:schemeClr val="accent3">
+        <a:tint val="20000"/>
+      </a:schemeClr>
+    </dgm:fillClrLst>
+    <dgm:linClrLst meth="repeat">
+      <a:schemeClr val="lt1"/>
+    </dgm:linClrLst>
+    <dgm:effectClrLst/>
+    <dgm:txLinClrLst/>
+    <dgm:txFillClrLst meth="repeat">
+      <a:schemeClr val="lt1"/>
+    </dgm:txFillClrLst>
+    <dgm:txEffectClrLst/>
+  </dgm:styleLbl>
+  <dgm:styleLbl name="sibTrans2D1">
+    <dgm:fillClrLst>
+      <a:schemeClr val="accent2"/>
+      <a:schemeClr val="accent3"/>
+    </dgm:fillClrLst>
+    <dgm:linClrLst meth="repeat">
+      <a:schemeClr val="lt1"/>
+    </dgm:linClrLst>
+    <dgm:effectClrLst/>
+    <dgm:txLinClrLst/>
+    <dgm:txFillClrLst/>
+    <dgm:txEffectClrLst/>
+  </dgm:styleLbl>
+  <dgm:styleLbl name="fgSibTrans2D1">
+    <dgm:fillClrLst>
+      <a:schemeClr val="accent2"/>
+      <a:schemeClr val="accent3"/>
+    </dgm:fillClrLst>
+    <dgm:linClrLst meth="repeat">
+      <a:schemeClr val="lt1"/>
+    </dgm:linClrLst>
+    <dgm:effectClrLst/>
+    <dgm:txLinClrLst/>
+    <dgm:txFillClrLst meth="repeat">
+      <a:schemeClr val="lt1"/>
+    </dgm:txFillClrLst>
+    <dgm:txEffectClrLst/>
+  </dgm:styleLbl>
+  <dgm:styleLbl name="bgSibTrans2D1">
+    <dgm:fillClrLst>
+      <a:schemeClr val="accent2"/>
+      <a:schemeClr val="accent3"/>
+    </dgm:fillClrLst>
+    <dgm:linClrLst meth="repeat">
+      <a:schemeClr val="lt1"/>
+    </dgm:linClrLst>
+    <dgm:effectClrLst/>
+    <dgm:txLinClrLst/>
+    <dgm:txFillClrLst meth="repeat">
+      <a:schemeClr val="lt1"/>
+    </dgm:txFillClrLst>
+    <dgm:txEffectClrLst/>
+  </dgm:styleLbl>
+  <dgm:styleLbl name="sibTrans1D1">
+    <dgm:fillClrLst/>
+    <dgm:linClrLst>
+      <a:schemeClr val="accent2"/>
+      <a:schemeClr val="accent3"/>
+    </dgm:linClrLst>
+    <dgm:effectClrLst/>
+    <dgm:txLinClrLst/>
+    <dgm:txFillClrLst meth="repeat">
+      <a:schemeClr val="tx1"/>
+    </dgm:txFillClrLst>
+    <dgm:txEffectClrLst/>
+  </dgm:styleLbl>
+  <dgm:styleLbl name="callout">
+    <dgm:fillClrLst meth="repeat">
+      <a:schemeClr val="accent2"/>
+    </dgm:fillClrLst>
+    <dgm:linClrLst meth="repeat">
+      <a:schemeClr val="accent2">
+        <a:tint val="50000"/>
+      </a:schemeClr>
+    </dgm:linClrLst>
+    <dgm:effectClrLst/>
+    <dgm:txLinClrLst/>
+    <dgm:txFillClrLst meth="repeat">
+      <a:schemeClr val="tx1"/>
+    </dgm:txFillClrLst>
+    <dgm:txEffectClrLst/>
+  </dgm:styleLbl>
+  <dgm:styleLbl name="asst0">
+    <dgm:fillClrLst meth="repeat">
+      <a:schemeClr val="accent2"/>
+    </dgm:fillClrLst>
+    <dgm:linClrLst meth="repeat">
+      <a:schemeClr val="lt1">
+        <a:shade val="80000"/>
+      </a:schemeClr>
+    </dgm:linClrLst>
+    <dgm:effectClrLst/>
+    <dgm:txLinClrLst/>
+    <dgm:txFillClrLst/>
+    <dgm:txEffectClrLst/>
+  </dgm:styleLbl>
+  <dgm:styleLbl name="asst1">
+    <dgm:fillClrLst meth="repeat">
+      <a:schemeClr val="accent3"/>
+    </dgm:fillClrLst>
+    <dgm:linClrLst meth="repeat">
+      <a:schemeClr val="lt1">
+        <a:shade val="80000"/>
+      </a:schemeClr>
+    </dgm:linClrLst>
+    <dgm:effectClrLst/>
+    <dgm:txLinClrLst/>
+    <dgm:txFillClrLst/>
+    <dgm:txEffectClrLst/>
+  </dgm:styleLbl>
+  <dgm:styleLbl name="asst2">
+    <dgm:fillClrLst>
+      <a:schemeClr val="accent4"/>
+    </dgm:fillClrLst>
+    <dgm:linClrLst meth="repeat">
+      <a:schemeClr val="lt1"/>
+    </dgm:linClrLst>
+    <dgm:effectClrLst/>
+    <dgm:txLinClrLst/>
+    <dgm:txFillClrLst/>
+    <dgm:txEffectClrLst/>
+  </dgm:styleLbl>
+  <dgm:styleLbl name="asst3">
+    <dgm:fillClrLst>
+      <a:schemeClr val="accent5"/>
+    </dgm:fillClrLst>
+    <dgm:linClrLst meth="repeat">
+      <a:schemeClr val="lt1"/>
+    </dgm:linClrLst>
+    <dgm:effectClrLst/>
+    <dgm:txLinClrLst/>
+    <dgm:txFillClrLst/>
+    <dgm:txEffectClrLst/>
+  </dgm:styleLbl>
+  <dgm:styleLbl name="asst4">
+    <dgm:fillClrLst>
+      <a:schemeClr val="accent6"/>
+    </dgm:fillClrLst>
+    <dgm:linClrLst meth="repeat">
+      <a:schemeClr val="lt1"/>
+    </dgm:linClrLst>
+    <dgm:effectClrLst/>
+    <dgm:txLinClrLst/>
+    <dgm:txFillClrLst/>
+    <dgm:txEffectClrLst/>
+  </dgm:styleLbl>
+  <dgm:styleLbl name="parChTrans2D1">
+    <dgm:fillClrLst meth="repeat">
+      <a:schemeClr val="accent2"/>
+    </dgm:fillClrLst>
+    <dgm:linClrLst meth="repeat">
+      <a:schemeClr val="lt1"/>
+    </dgm:linClrLst>
+    <dgm:effectClrLst/>
+    <dgm:txLinClrLst/>
+    <dgm:txFillClrLst meth="repeat">
+      <a:schemeClr val="lt1"/>
+    </dgm:txFillClrLst>
+    <dgm:txEffectClrLst/>
+  </dgm:styleLbl>
+  <dgm:styleLbl name="parChTrans2D2">
+    <dgm:fillClrLst meth="repeat">
+      <a:schemeClr val="accent3"/>
+    </dgm:fillClrLst>
+    <dgm:linClrLst meth="repeat">
+      <a:schemeClr val="lt1"/>
+    </dgm:linClrLst>
+    <dgm:effectClrLst/>
+    <dgm:txLinClrLst/>
+    <dgm:txFillClrLst/>
+    <dgm:txEffectClrLst/>
+  </dgm:styleLbl>
+  <dgm:styleLbl name="parChTrans2D3">
+    <dgm:fillClrLst meth="repeat">
+      <a:schemeClr val="accent4"/>
+    </dgm:fillClrLst>
+    <dgm:linClrLst meth="repeat">
+      <a:schemeClr val="lt1"/>
+    </dgm:linClrLst>
+    <dgm:effectClrLst/>
+    <dgm:txLinClrLst/>
+    <dgm:txFillClrLst/>
+    <dgm:txEffectClrLst/>
+  </dgm:styleLbl>
+  <dgm:styleLbl name="parChTrans2D4">
+    <dgm:fillClrLst meth="repeat">
+      <a:schemeClr val="accent5"/>
+    </dgm:fillClrLst>
+    <dgm:linClrLst meth="repeat">
+      <a:schemeClr val="lt1"/>
+    </dgm:linClrLst>
+    <dgm:effectClrLst/>
+    <dgm:txLinClrLst/>
+    <dgm:txFillClrLst meth="repeat">
+      <a:schemeClr val="lt1"/>
+    </dgm:txFillClrLst>
+    <dgm:txEffectClrLst/>
+  </dgm:styleLbl>
+  <dgm:styleLbl name="parChTrans1D1">
+    <dgm:fillClrLst meth="repeat">
+      <a:schemeClr val="accent2"/>
+    </dgm:fillClrLst>
+    <dgm:linClrLst meth="repeat">
+      <a:schemeClr val="accent2"/>
+    </dgm:linClrLst>
+    <dgm:effectClrLst/>
+    <dgm:txLinClrLst/>
+    <dgm:txFillClrLst meth="repeat">
+      <a:schemeClr val="tx1"/>
+    </dgm:txFillClrLst>
+    <dgm:txEffectClrLst/>
+  </dgm:styleLbl>
+  <dgm:styleLbl name="parChTrans1D2">
+    <dgm:fillClrLst meth="repeat">
+      <a:schemeClr val="accent2">
+        <a:tint val="90000"/>
+      </a:schemeClr>
+    </dgm:fillClrLst>
+    <dgm:linClrLst meth="repeat">
+      <a:schemeClr val="accent3"/>
+    </dgm:linClrLst>
+    <dgm:effectClrLst/>
+    <dgm:txLinClrLst/>
+    <dgm:txFillClrLst meth="repeat">
+      <a:schemeClr val="tx1"/>
+    </dgm:txFillClrLst>
+    <dgm:txEffectClrLst/>
+  </dgm:styleLbl>
+  <dgm:styleLbl name="parChTrans1D3">
+    <dgm:fillClrLst meth="repeat">
+      <a:schemeClr val="accent2">
+        <a:tint val="70000"/>
+      </a:schemeClr>
+    </dgm:fillClrLst>
+    <dgm:linClrLst meth="repeat">
+      <a:schemeClr val="accent4"/>
+    </dgm:linClrLst>
+    <dgm:effectClrLst/>
+    <dgm:txLinClrLst/>
+    <dgm:txFillClrLst meth="repeat">
+      <a:schemeClr val="tx1"/>
+    </dgm:txFillClrLst>
+    <dgm:txEffectClrLst/>
+  </dgm:styleLbl>
+  <dgm:styleLbl name="parChTrans1D4">
+    <dgm:fillClrLst meth="repeat">
+      <a:schemeClr val="accent2">
+        <a:tint val="50000"/>
+      </a:schemeClr>
+    </dgm:fillClrLst>
+    <dgm:linClrLst meth="repeat">
+      <a:schemeClr val="accent5"/>
+    </dgm:linClrLst>
+    <dgm:effectClrLst/>
+    <dgm:txLinClrLst/>
+    <dgm:txFillClrLst meth="repeat">
+      <a:schemeClr val="tx1"/>
+    </dgm:txFillClrLst>
+    <dgm:txEffectClrLst/>
+  </dgm:styleLbl>
+  <dgm:styleLbl name="fgAcc1">
+    <dgm:fillClrLst meth="repeat">
+      <a:schemeClr val="lt1">
+        <a:alpha val="90000"/>
+      </a:schemeClr>
+    </dgm:fillClrLst>
+    <dgm:linClrLst>
+      <a:schemeClr val="accent2"/>
+      <a:schemeClr val="accent3"/>
+    </dgm:linClrLst>
+    <dgm:effectClrLst/>
+    <dgm:txLinClrLst/>
+    <dgm:txFillClrLst meth="repeat">
+      <a:schemeClr val="dk1"/>
+    </dgm:txFillClrLst>
+    <dgm:txEffectClrLst/>
+  </dgm:styleLbl>
+  <dgm:styleLbl name="conFgAcc1">
+    <dgm:fillClrLst meth="repeat">
+      <a:schemeClr val="lt1">
+        <a:alpha val="90000"/>
+      </a:schemeClr>
+    </dgm:fillClrLst>
+    <dgm:linClrLst>
+      <a:schemeClr val="accent2"/>
+      <a:schemeClr val="accent3"/>
+    </dgm:linClrLst>
+    <dgm:effectClrLst/>
+    <dgm:txLinClrLst/>
+    <dgm:txFillClrLst meth="repeat">
+      <a:schemeClr val="dk1"/>
+    </dgm:txFillClrLst>
+    <dgm:txEffectClrLst/>
+  </dgm:styleLbl>
+  <dgm:styleLbl name="alignAcc1">
+    <dgm:fillClrLst meth="repeat">
+      <a:schemeClr val="lt1">
+        <a:alpha val="90000"/>
+      </a:schemeClr>
+    </dgm:fillClrLst>
+    <dgm:linClrLst>
+      <a:schemeClr val="accent2"/>
+      <a:schemeClr val="accent3"/>
+    </dgm:linClrLst>
+    <dgm:effectClrLst/>
+    <dgm:txLinClrLst/>
+    <dgm:txFillClrLst meth="repeat">
+      <a:schemeClr val="dk1"/>
+    </dgm:txFillClrLst>
+    <dgm:txEffectClrLst/>
+  </dgm:styleLbl>
+  <dgm:styleLbl name="trAlignAcc1">
+    <dgm:fillClrLst meth="repeat">
+      <a:schemeClr val="lt1">
+        <a:alpha val="40000"/>
+      </a:schemeClr>
+    </dgm:fillClrLst>
+    <dgm:linClrLst meth="repeat">
+      <a:schemeClr val="accent2"/>
+    </dgm:linClrLst>
+    <dgm:effectClrLst/>
+    <dgm:txLinClrLst/>
+    <dgm:txFillClrLst meth="repeat">
+      <a:schemeClr val="dk1"/>
+    </dgm:txFillClrLst>
+    <dgm:txEffectClrLst/>
+  </dgm:styleLbl>
+  <dgm:styleLbl name="bgAcc1">
+    <dgm:fillClrLst meth="repeat">
+      <a:schemeClr val="lt1">
+        <a:alpha val="90000"/>
+      </a:schemeClr>
+    </dgm:fillClrLst>
+    <dgm:linClrLst>
+      <a:schemeClr val="accent2"/>
+      <a:schemeClr val="accent3"/>
+    </dgm:linClrLst>
+    <dgm:effectClrLst/>
+    <dgm:txLinClrLst/>
+    <dgm:txFillClrLst meth="repeat">
+      <a:schemeClr val="dk1"/>
+    </dgm:txFillClrLst>
+    <dgm:txEffectClrLst/>
+  </dgm:styleLbl>
+  <dgm:styleLbl name="solidFgAcc1">
+    <dgm:fillClrLst meth="repeat">
+      <a:schemeClr val="lt1"/>
+    </dgm:fillClrLst>
+    <dgm:linClrLst>
+      <a:schemeClr val="accent2"/>
+      <a:schemeClr val="accent3"/>
+    </dgm:linClrLst>
+    <dgm:effectClrLst/>
+    <dgm:txLinClrLst/>
+    <dgm:txFillClrLst meth="repeat">
+      <a:schemeClr val="dk1"/>
+    </dgm:txFillClrLst>
+    <dgm:txEffectClrLst/>
+  </dgm:styleLbl>
+  <dgm:styleLbl name="solidAlignAcc1">
+    <dgm:fillClrLst meth="repeat">
+      <a:schemeClr val="lt1"/>
+    </dgm:fillClrLst>
+    <dgm:linClrLst>
+      <a:schemeClr val="accent2"/>
+      <a:schemeClr val="accent3"/>
+    </dgm:linClrLst>
+    <dgm:effectClrLst/>
+    <dgm:txLinClrLst/>
+    <dgm:txFillClrLst meth="repeat">
+      <a:schemeClr val="dk1"/>
+    </dgm:txFillClrLst>
+    <dgm:txEffectClrLst/>
+  </dgm:styleLbl>
+  <dgm:styleLbl name="solidBgAcc1">
+    <dgm:fillClrLst meth="repeat">
+      <a:schemeClr val="lt1"/>
+    </dgm:fillClrLst>
+    <dgm:linClrLst>
+      <a:schemeClr val="accent2"/>
+      <a:schemeClr val="accent3"/>
+    </dgm:linClrLst>
+    <dgm:effectClrLst/>
+    <dgm:txLinClrLst/>
+    <dgm:txFillClrLst meth="repeat">
+      <a:schemeClr val="dk1"/>
+    </dgm:txFillClrLst>
+    <dgm:txEffectClrLst/>
+  </dgm:styleLbl>
+  <dgm:styleLbl name="fgAccFollowNode1">
+    <dgm:fillClrLst>
+      <a:schemeClr val="accent2">
+        <a:tint val="40000"/>
+        <a:alpha val="90000"/>
+      </a:schemeClr>
+      <a:schemeClr val="accent3">
+        <a:tint val="40000"/>
+        <a:alpha val="90000"/>
+      </a:schemeClr>
+    </dgm:fillClrLst>
+    <dgm:linClrLst>
+      <a:schemeClr val="accent2">
+        <a:tint val="40000"/>
+        <a:alpha val="90000"/>
+      </a:schemeClr>
+      <a:schemeClr val="accent3">
+        <a:tint val="40000"/>
+        <a:alpha val="90000"/>
+      </a:schemeClr>
+    </dgm:linClrLst>
+    <dgm:effectClrLst/>
+    <dgm:txLinClrLst/>
+    <dgm:txFillClrLst meth="repeat">
+      <a:schemeClr val="dk1"/>
+    </dgm:txFillClrLst>
+    <dgm:txEffectClrLst/>
+  </dgm:styleLbl>
+  <dgm:styleLbl name="alignAccFollowNode1">
+    <dgm:fillClrLst>
+      <a:schemeClr val="accent2">
+        <a:tint val="40000"/>
+        <a:alpha val="90000"/>
+      </a:schemeClr>
+      <a:schemeClr val="accent3">
+        <a:tint val="40000"/>
+        <a:alpha val="90000"/>
+      </a:schemeClr>
+    </dgm:fillClrLst>
+    <dgm:linClrLst>
+      <a:schemeClr val="accent2">
+        <a:tint val="40000"/>
+        <a:alpha val="90000"/>
+      </a:schemeClr>
+      <a:schemeClr val="accent3">
+        <a:tint val="40000"/>
+        <a:alpha val="90000"/>
+      </a:schemeClr>
+    </dgm:linClrLst>
+    <dgm:effectClrLst/>
+    <dgm:txLinClrLst/>
+    <dgm:txFillClrLst meth="repeat">
+      <a:schemeClr val="dk1"/>
+    </dgm:txFillClrLst>
+    <dgm:txEffectClrLst/>
+  </dgm:styleLbl>
+  <dgm:styleLbl name="bgAccFollowNode1">
+    <dgm:fillClrLst>
+      <a:schemeClr val="accent2">
+        <a:tint val="40000"/>
+        <a:alpha val="90000"/>
+      </a:schemeClr>
+      <a:schemeClr val="accent3">
+        <a:tint val="40000"/>
+        <a:alpha val="90000"/>
+      </a:schemeClr>
+    </dgm:fillClrLst>
+    <dgm:linClrLst>
+      <a:schemeClr val="accent2">
+        <a:tint val="40000"/>
+        <a:alpha val="90000"/>
+      </a:schemeClr>
+      <a:schemeClr val="accent3">
+        <a:tint val="40000"/>
+        <a:alpha val="90000"/>
+      </a:schemeClr>
+    </dgm:linClrLst>
+    <dgm:effectClrLst/>
+    <dgm:txLinClrLst/>
+    <dgm:txFillClrLst meth="repeat">
+      <a:schemeClr val="dk1"/>
+    </dgm:txFillClrLst>
+    <dgm:txEffectClrLst/>
+  </dgm:styleLbl>
+  <dgm:styleLbl name="fgAcc0">
+    <dgm:fillClrLst meth="repeat">
+      <a:schemeClr val="lt1">
+        <a:alpha val="90000"/>
+      </a:schemeClr>
+    </dgm:fillClrLst>
+    <dgm:linClrLst>
+      <a:schemeClr val="accent1"/>
+    </dgm:linClrLst>
+    <dgm:effectClrLst/>
+    <dgm:txLinClrLst/>
+    <dgm:txFillClrLst meth="repeat">
+      <a:schemeClr val="dk1"/>
+    </dgm:txFillClrLst>
+    <dgm:txEffectClrLst/>
+  </dgm:styleLbl>
+  <dgm:styleLbl name="fgAcc2">
+    <dgm:fillClrLst meth="repeat">
+      <a:schemeClr val="lt1">
+        <a:alpha val="90000"/>
+      </a:schemeClr>
+    </dgm:fillClrLst>
+    <dgm:linClrLst>
+      <a:schemeClr val="accent3"/>
+    </dgm:linClrLst>
+    <dgm:effectClrLst/>
+    <dgm:txLinClrLst/>
+    <dgm:txFillClrLst meth="repeat">
+      <a:schemeClr val="dk1"/>
+    </dgm:txFillClrLst>
+    <dgm:txEffectClrLst/>
+  </dgm:styleLbl>
+  <dgm:styleLbl name="fgAcc3">
+    <dgm:fillClrLst meth="repeat">
+      <a:schemeClr val="lt1">
+        <a:alpha val="90000"/>
+      </a:schemeClr>
+    </dgm:fillClrLst>
+    <dgm:linClrLst>
+      <a:schemeClr val="accent4"/>
+    </dgm:linClrLst>
+    <dgm:effectClrLst/>
+    <dgm:txLinClrLst/>
+    <dgm:txFillClrLst meth="repeat">
+      <a:schemeClr val="dk1"/>
+    </dgm:txFillClrLst>
+    <dgm:txEffectClrLst/>
+  </dgm:styleLbl>
+  <dgm:styleLbl name="fgAcc4">
+    <dgm:fillClrLst meth="repeat">
+      <a:schemeClr val="lt1">
+        <a:alpha val="90000"/>
+      </a:schemeClr>
+    </dgm:fillClrLst>
+    <dgm:linClrLst>
+      <a:schemeClr val="accent5"/>
+    </dgm:linClrLst>
+    <dgm:effectClrLst/>
+    <dgm:txLinClrLst/>
+    <dgm:txFillClrLst meth="repeat">
+      <a:schemeClr val="dk1"/>
+    </dgm:txFillClrLst>
+    <dgm:txEffectClrLst/>
+  </dgm:styleLbl>
+  <dgm:styleLbl name="bgShp">
+    <dgm:fillClrLst meth="repeat">
+      <a:schemeClr val="accent2">
+        <a:tint val="40000"/>
+      </a:schemeClr>
+    </dgm:fillClrLst>
+    <dgm:linClrLst meth="repeat">
+      <a:schemeClr val="dk1"/>
+    </dgm:linClrLst>
+    <dgm:effectClrLst/>
+    <dgm:txLinClrLst/>
+    <dgm:txFillClrLst meth="repeat">
+      <a:schemeClr val="dk1"/>
+    </dgm:txFillClrLst>
+    <dgm:txEffectClrLst/>
+  </dgm:styleLbl>
+  <dgm:styleLbl name="dkBgShp">
+    <dgm:fillClrLst meth="repeat">
+      <a:schemeClr val="accent2">
+        <a:shade val="90000"/>
+      </a:schemeClr>
+    </dgm:fillClrLst>
+    <dgm:linClrLst meth="repeat">
+      <a:schemeClr val="dk1"/>
+    </dgm:linClrLst>
+    <dgm:effectClrLst/>
+    <dgm:txLinClrLst/>
+    <dgm:txFillClrLst meth="repeat">
+      <a:schemeClr val="lt1"/>
+    </dgm:txFillClrLst>
+    <dgm:txEffectClrLst/>
+  </dgm:styleLbl>
+  <dgm:styleLbl name="trBgShp">
+    <dgm:fillClrLst meth="repeat">
+      <a:schemeClr val="accent2">
+        <a:tint val="50000"/>
+        <a:alpha val="40000"/>
+      </a:schemeClr>
+    </dgm:fillClrLst>
+    <dgm:linClrLst meth="repeat">
+      <a:schemeClr val="accent2"/>
+    </dgm:linClrLst>
+    <dgm:effectClrLst/>
+    <dgm:txLinClrLst/>
+    <dgm:txFillClrLst meth="repeat">
+      <a:schemeClr val="lt1"/>
+    </dgm:txFillClrLst>
+    <dgm:txEffectClrLst/>
+  </dgm:styleLbl>
+  <dgm:styleLbl name="fgShp">
+    <dgm:fillClrLst meth="repeat">
+      <a:schemeClr val="accent2">
+        <a:tint val="40000"/>
+      </a:schemeClr>
+    </dgm:fillClrLst>
+    <dgm:linClrLst meth="repeat">
+      <a:schemeClr val="lt1"/>
+    </dgm:linClrLst>
+    <dgm:effectClrLst/>
+    <dgm:txLinClrLst/>
+    <dgm:txFillClrLst meth="repeat">
+      <a:schemeClr val="dk1"/>
+    </dgm:txFillClrLst>
+    <dgm:txEffectClrLst/>
+  </dgm:styleLbl>
+  <dgm:styleLbl name="revTx">
+    <dgm:fillClrLst meth="repeat">
+      <a:schemeClr val="lt1">
+        <a:alpha val="0"/>
+      </a:schemeClr>
+    </dgm:fillClrLst>
+    <dgm:linClrLst meth="repeat">
+      <a:schemeClr val="dk1">
+        <a:alpha val="0"/>
+      </a:schemeClr>
+    </dgm:linClrLst>
+    <dgm:effectClrLst/>
+    <dgm:txLinClrLst/>
+    <dgm:txFillClrLst meth="repeat">
+      <a:schemeClr val="tx1"/>
+    </dgm:txFillClrLst>
+    <dgm:txEffectClrLst/>
+  </dgm:styleLbl>
+</dgm:colorsDef>
+</file>
+
 <file path=ppt/diagrams/data1.xml><?xml version="1.0" encoding="utf-8"?>
 <dgm:dataModel xmlns:dgm="http://schemas.openxmlformats.org/drawingml/2006/diagram" xmlns:a="http://schemas.openxmlformats.org/drawingml/2006/main">
   <dgm:ptLst>
@@ -2175,6 +2957,306 @@
   <dgm:extLst>
     <a:ext uri="http://schemas.microsoft.com/office/drawing/2008/diagram">
       <dsp:dataModelExt xmlns:dsp="http://schemas.microsoft.com/office/drawing/2008/diagram" relId="rId8" minVer="http://schemas.openxmlformats.org/drawingml/2006/diagram"/>
+    </a:ext>
+  </dgm:extLst>
+</dgm:dataModel>
+</file>
+
+<file path=ppt/diagrams/data3.xml><?xml version="1.0" encoding="utf-8"?>
+<dgm:dataModel xmlns:dgm="http://schemas.openxmlformats.org/drawingml/2006/diagram" xmlns:a="http://schemas.openxmlformats.org/drawingml/2006/main">
+  <dgm:ptLst>
+    <dgm:pt modelId="{C42806CD-6AD0-4A94-B679-C81F89D007FD}" type="doc">
+      <dgm:prSet loTypeId="urn:microsoft.com/office/officeart/2009/3/layout/HorizontalOrganizationChart" loCatId="hierarchy" qsTypeId="urn:microsoft.com/office/officeart/2005/8/quickstyle/simple1" qsCatId="simple" csTypeId="urn:microsoft.com/office/officeart/2005/8/colors/colorful2" csCatId="colorful"/>
+      <dgm:spPr/>
+      <dgm:t>
+        <a:bodyPr/>
+        <a:lstStyle/>
+        <a:p>
+          <a:endParaRPr lang="en-US"/>
+        </a:p>
+      </dgm:t>
+    </dgm:pt>
+    <dgm:pt modelId="{B264BDF5-7DD4-4170-A88F-BD6E51A704F3}">
+      <dgm:prSet/>
+      <dgm:spPr/>
+      <dgm:t>
+        <a:bodyPr/>
+        <a:lstStyle/>
+        <a:p>
+          <a:r>
+            <a:rPr lang="zh-CN"/>
+            <a:t>从文本到</a:t>
+          </a:r>
+          <a:r>
+            <a:rPr lang="en-US"/>
+            <a:t>GWT</a:t>
+          </a:r>
+        </a:p>
+      </dgm:t>
+    </dgm:pt>
+    <dgm:pt modelId="{C8FCACC5-F424-40ED-91D8-5E91D79C6CF1}" type="parTrans" cxnId="{0340561C-6FB5-40E7-908B-7A7B7792AE4D}">
+      <dgm:prSet/>
+      <dgm:spPr/>
+      <dgm:t>
+        <a:bodyPr/>
+        <a:lstStyle/>
+        <a:p>
+          <a:endParaRPr lang="en-US"/>
+        </a:p>
+      </dgm:t>
+    </dgm:pt>
+    <dgm:pt modelId="{53FEB9AA-2D6D-403D-BAA4-3815B42FE376}" type="sibTrans" cxnId="{0340561C-6FB5-40E7-908B-7A7B7792AE4D}">
+      <dgm:prSet/>
+      <dgm:spPr/>
+      <dgm:t>
+        <a:bodyPr/>
+        <a:lstStyle/>
+        <a:p>
+          <a:endParaRPr lang="en-US"/>
+        </a:p>
+      </dgm:t>
+    </dgm:pt>
+    <dgm:pt modelId="{3DBE77A1-8530-4AF9-A255-4D716CF67A41}">
+      <dgm:prSet/>
+      <dgm:spPr/>
+      <dgm:t>
+        <a:bodyPr/>
+        <a:lstStyle/>
+        <a:p>
+          <a:r>
+            <a:rPr lang="zh-CN"/>
+            <a:t>从</a:t>
+          </a:r>
+          <a:r>
+            <a:rPr lang="en-US"/>
+            <a:t>GWT</a:t>
+          </a:r>
+          <a:r>
+            <a:rPr lang="zh-CN"/>
+            <a:t>到</a:t>
+          </a:r>
+          <a:r>
+            <a:rPr lang="en-US"/>
+            <a:t>TaggedGWT</a:t>
+          </a:r>
+        </a:p>
+      </dgm:t>
+    </dgm:pt>
+    <dgm:pt modelId="{1D018F2F-B20E-45F8-9C39-EEAAEF9CE86C}" type="parTrans" cxnId="{326C8B11-221B-4175-94A6-EB5D5174AAE7}">
+      <dgm:prSet/>
+      <dgm:spPr/>
+      <dgm:t>
+        <a:bodyPr/>
+        <a:lstStyle/>
+        <a:p>
+          <a:endParaRPr lang="en-US"/>
+        </a:p>
+      </dgm:t>
+    </dgm:pt>
+    <dgm:pt modelId="{A70C8889-3F4F-4211-9BB9-8108D2BF671A}" type="sibTrans" cxnId="{326C8B11-221B-4175-94A6-EB5D5174AAE7}">
+      <dgm:prSet/>
+      <dgm:spPr/>
+      <dgm:t>
+        <a:bodyPr/>
+        <a:lstStyle/>
+        <a:p>
+          <a:endParaRPr lang="en-US"/>
+        </a:p>
+      </dgm:t>
+    </dgm:pt>
+    <dgm:pt modelId="{423A9592-C62B-4289-98FD-F77A1B90F061}">
+      <dgm:prSet/>
+      <dgm:spPr/>
+      <dgm:t>
+        <a:bodyPr/>
+        <a:lstStyle/>
+        <a:p>
+          <a:r>
+            <a:rPr lang="zh-CN"/>
+            <a:t>从</a:t>
+          </a:r>
+          <a:r>
+            <a:rPr lang="en-US"/>
+            <a:t>TaggedGWT</a:t>
+          </a:r>
+          <a:r>
+            <a:rPr lang="zh-CN"/>
+            <a:t>到</a:t>
+          </a:r>
+          <a:r>
+            <a:rPr lang="en-US"/>
+            <a:t>RUCM</a:t>
+          </a:r>
+        </a:p>
+      </dgm:t>
+    </dgm:pt>
+    <dgm:pt modelId="{F2940F36-9C82-48A9-BB0F-25433474BFC3}" type="parTrans" cxnId="{5FC29A7E-6F73-414D-9E9E-3C6942DBE219}">
+      <dgm:prSet/>
+      <dgm:spPr/>
+      <dgm:t>
+        <a:bodyPr/>
+        <a:lstStyle/>
+        <a:p>
+          <a:endParaRPr lang="en-US"/>
+        </a:p>
+      </dgm:t>
+    </dgm:pt>
+    <dgm:pt modelId="{253B8770-0726-4159-9A3C-1336127E0CB1}" type="sibTrans" cxnId="{5FC29A7E-6F73-414D-9E9E-3C6942DBE219}">
+      <dgm:prSet/>
+      <dgm:spPr/>
+      <dgm:t>
+        <a:bodyPr/>
+        <a:lstStyle/>
+        <a:p>
+          <a:endParaRPr lang="en-US"/>
+        </a:p>
+      </dgm:t>
+    </dgm:pt>
+    <dgm:pt modelId="{4F24D82A-4B17-43AC-BF4B-ECA0B5E707D9}" type="pres">
+      <dgm:prSet presAssocID="{C42806CD-6AD0-4A94-B679-C81F89D007FD}" presName="hierChild1" presStyleCnt="0">
+        <dgm:presLayoutVars>
+          <dgm:orgChart val="1"/>
+          <dgm:chPref val="1"/>
+          <dgm:dir/>
+          <dgm:animOne val="branch"/>
+          <dgm:animLvl val="lvl"/>
+          <dgm:resizeHandles/>
+        </dgm:presLayoutVars>
+      </dgm:prSet>
+      <dgm:spPr/>
+    </dgm:pt>
+    <dgm:pt modelId="{2AA87815-DAE4-48ED-AB1E-5CBD27A05493}" type="pres">
+      <dgm:prSet presAssocID="{B264BDF5-7DD4-4170-A88F-BD6E51A704F3}" presName="hierRoot1" presStyleCnt="0">
+        <dgm:presLayoutVars>
+          <dgm:hierBranch val="init"/>
+        </dgm:presLayoutVars>
+      </dgm:prSet>
+      <dgm:spPr/>
+    </dgm:pt>
+    <dgm:pt modelId="{1D16769C-3B04-467C-BF4A-719E1151041A}" type="pres">
+      <dgm:prSet presAssocID="{B264BDF5-7DD4-4170-A88F-BD6E51A704F3}" presName="rootComposite1" presStyleCnt="0"/>
+      <dgm:spPr/>
+    </dgm:pt>
+    <dgm:pt modelId="{4D5D2627-0610-4012-AD74-ACA287309198}" type="pres">
+      <dgm:prSet presAssocID="{B264BDF5-7DD4-4170-A88F-BD6E51A704F3}" presName="rootText1" presStyleLbl="node0" presStyleIdx="0" presStyleCnt="3">
+        <dgm:presLayoutVars>
+          <dgm:chPref val="3"/>
+        </dgm:presLayoutVars>
+      </dgm:prSet>
+      <dgm:spPr/>
+    </dgm:pt>
+    <dgm:pt modelId="{006DA824-DF00-4ECA-9CBD-5C7515D0F69A}" type="pres">
+      <dgm:prSet presAssocID="{B264BDF5-7DD4-4170-A88F-BD6E51A704F3}" presName="rootConnector1" presStyleLbl="node1" presStyleIdx="0" presStyleCnt="0"/>
+      <dgm:spPr/>
+    </dgm:pt>
+    <dgm:pt modelId="{9A18573C-23F0-4498-B367-844AB47DAF91}" type="pres">
+      <dgm:prSet presAssocID="{B264BDF5-7DD4-4170-A88F-BD6E51A704F3}" presName="hierChild2" presStyleCnt="0"/>
+      <dgm:spPr/>
+    </dgm:pt>
+    <dgm:pt modelId="{CF87A5E7-2B06-4285-8F05-587E6085ACEE}" type="pres">
+      <dgm:prSet presAssocID="{B264BDF5-7DD4-4170-A88F-BD6E51A704F3}" presName="hierChild3" presStyleCnt="0"/>
+      <dgm:spPr/>
+    </dgm:pt>
+    <dgm:pt modelId="{06D2348C-A39F-4314-8A76-EEA60B95A286}" type="pres">
+      <dgm:prSet presAssocID="{3DBE77A1-8530-4AF9-A255-4D716CF67A41}" presName="hierRoot1" presStyleCnt="0">
+        <dgm:presLayoutVars>
+          <dgm:hierBranch val="init"/>
+        </dgm:presLayoutVars>
+      </dgm:prSet>
+      <dgm:spPr/>
+    </dgm:pt>
+    <dgm:pt modelId="{5DC58B5C-8922-4BE8-AE17-3C97ECAE8231}" type="pres">
+      <dgm:prSet presAssocID="{3DBE77A1-8530-4AF9-A255-4D716CF67A41}" presName="rootComposite1" presStyleCnt="0"/>
+      <dgm:spPr/>
+    </dgm:pt>
+    <dgm:pt modelId="{1323745E-AD9E-4F5A-A5E7-61D860B5B3E5}" type="pres">
+      <dgm:prSet presAssocID="{3DBE77A1-8530-4AF9-A255-4D716CF67A41}" presName="rootText1" presStyleLbl="node0" presStyleIdx="1" presStyleCnt="3">
+        <dgm:presLayoutVars>
+          <dgm:chPref val="3"/>
+        </dgm:presLayoutVars>
+      </dgm:prSet>
+      <dgm:spPr/>
+    </dgm:pt>
+    <dgm:pt modelId="{07FE0E73-28BC-4B5E-B1A1-2C94F0D2F69F}" type="pres">
+      <dgm:prSet presAssocID="{3DBE77A1-8530-4AF9-A255-4D716CF67A41}" presName="rootConnector1" presStyleLbl="node1" presStyleIdx="0" presStyleCnt="0"/>
+      <dgm:spPr/>
+    </dgm:pt>
+    <dgm:pt modelId="{F81BE551-81F3-4D3B-B951-2ADF0A7FCD90}" type="pres">
+      <dgm:prSet presAssocID="{3DBE77A1-8530-4AF9-A255-4D716CF67A41}" presName="hierChild2" presStyleCnt="0"/>
+      <dgm:spPr/>
+    </dgm:pt>
+    <dgm:pt modelId="{07A1B023-0E65-4F43-A5F8-25C0267C72BC}" type="pres">
+      <dgm:prSet presAssocID="{3DBE77A1-8530-4AF9-A255-4D716CF67A41}" presName="hierChild3" presStyleCnt="0"/>
+      <dgm:spPr/>
+    </dgm:pt>
+    <dgm:pt modelId="{9D9F654A-B2A0-4C7E-B6C0-7B71B5306B3D}" type="pres">
+      <dgm:prSet presAssocID="{423A9592-C62B-4289-98FD-F77A1B90F061}" presName="hierRoot1" presStyleCnt="0">
+        <dgm:presLayoutVars>
+          <dgm:hierBranch val="init"/>
+        </dgm:presLayoutVars>
+      </dgm:prSet>
+      <dgm:spPr/>
+    </dgm:pt>
+    <dgm:pt modelId="{A6CB14CC-FC3B-4995-8A19-A302C467D3D3}" type="pres">
+      <dgm:prSet presAssocID="{423A9592-C62B-4289-98FD-F77A1B90F061}" presName="rootComposite1" presStyleCnt="0"/>
+      <dgm:spPr/>
+    </dgm:pt>
+    <dgm:pt modelId="{FE72D580-3B4A-423C-9B95-9E7EA208CF30}" type="pres">
+      <dgm:prSet presAssocID="{423A9592-C62B-4289-98FD-F77A1B90F061}" presName="rootText1" presStyleLbl="node0" presStyleIdx="2" presStyleCnt="3">
+        <dgm:presLayoutVars>
+          <dgm:chPref val="3"/>
+        </dgm:presLayoutVars>
+      </dgm:prSet>
+      <dgm:spPr/>
+    </dgm:pt>
+    <dgm:pt modelId="{FCFC1DBD-57C1-4CB1-A399-83CEEBE9ACA4}" type="pres">
+      <dgm:prSet presAssocID="{423A9592-C62B-4289-98FD-F77A1B90F061}" presName="rootConnector1" presStyleLbl="node1" presStyleIdx="0" presStyleCnt="0"/>
+      <dgm:spPr/>
+    </dgm:pt>
+    <dgm:pt modelId="{214D8930-EEFA-48A4-BB74-A9F971E234D4}" type="pres">
+      <dgm:prSet presAssocID="{423A9592-C62B-4289-98FD-F77A1B90F061}" presName="hierChild2" presStyleCnt="0"/>
+      <dgm:spPr/>
+    </dgm:pt>
+    <dgm:pt modelId="{A692F6E2-0967-45ED-8CE8-36FB1B93BBA9}" type="pres">
+      <dgm:prSet presAssocID="{423A9592-C62B-4289-98FD-F77A1B90F061}" presName="hierChild3" presStyleCnt="0"/>
+      <dgm:spPr/>
+    </dgm:pt>
+  </dgm:ptLst>
+  <dgm:cxnLst>
+    <dgm:cxn modelId="{326C8B11-221B-4175-94A6-EB5D5174AAE7}" srcId="{C42806CD-6AD0-4A94-B679-C81F89D007FD}" destId="{3DBE77A1-8530-4AF9-A255-4D716CF67A41}" srcOrd="1" destOrd="0" parTransId="{1D018F2F-B20E-45F8-9C39-EEAAEF9CE86C}" sibTransId="{A70C8889-3F4F-4211-9BB9-8108D2BF671A}"/>
+    <dgm:cxn modelId="{0340561C-6FB5-40E7-908B-7A7B7792AE4D}" srcId="{C42806CD-6AD0-4A94-B679-C81F89D007FD}" destId="{B264BDF5-7DD4-4170-A88F-BD6E51A704F3}" srcOrd="0" destOrd="0" parTransId="{C8FCACC5-F424-40ED-91D8-5E91D79C6CF1}" sibTransId="{53FEB9AA-2D6D-403D-BAA4-3815B42FE376}"/>
+    <dgm:cxn modelId="{33EAB22C-0539-4E8E-85B2-02A3B270425D}" type="presOf" srcId="{B264BDF5-7DD4-4170-A88F-BD6E51A704F3}" destId="{4D5D2627-0610-4012-AD74-ACA287309198}" srcOrd="0" destOrd="0" presId="urn:microsoft.com/office/officeart/2009/3/layout/HorizontalOrganizationChart"/>
+    <dgm:cxn modelId="{FC11F832-7828-4A19-9D6B-D42B363F9C28}" type="presOf" srcId="{3DBE77A1-8530-4AF9-A255-4D716CF67A41}" destId="{07FE0E73-28BC-4B5E-B1A1-2C94F0D2F69F}" srcOrd="1" destOrd="0" presId="urn:microsoft.com/office/officeart/2009/3/layout/HorizontalOrganizationChart"/>
+    <dgm:cxn modelId="{2622235F-DFFB-4250-9EE1-49E9ECD364D6}" type="presOf" srcId="{C42806CD-6AD0-4A94-B679-C81F89D007FD}" destId="{4F24D82A-4B17-43AC-BF4B-ECA0B5E707D9}" srcOrd="0" destOrd="0" presId="urn:microsoft.com/office/officeart/2009/3/layout/HorizontalOrganizationChart"/>
+    <dgm:cxn modelId="{5FC29A7E-6F73-414D-9E9E-3C6942DBE219}" srcId="{C42806CD-6AD0-4A94-B679-C81F89D007FD}" destId="{423A9592-C62B-4289-98FD-F77A1B90F061}" srcOrd="2" destOrd="0" parTransId="{F2940F36-9C82-48A9-BB0F-25433474BFC3}" sibTransId="{253B8770-0726-4159-9A3C-1336127E0CB1}"/>
+    <dgm:cxn modelId="{50CE1683-EC70-49DE-9D48-088DCB888F3E}" type="presOf" srcId="{B264BDF5-7DD4-4170-A88F-BD6E51A704F3}" destId="{006DA824-DF00-4ECA-9CBD-5C7515D0F69A}" srcOrd="1" destOrd="0" presId="urn:microsoft.com/office/officeart/2009/3/layout/HorizontalOrganizationChart"/>
+    <dgm:cxn modelId="{2CCA4094-347D-4BF3-BDEA-DC456357BF81}" type="presOf" srcId="{423A9592-C62B-4289-98FD-F77A1B90F061}" destId="{FE72D580-3B4A-423C-9B95-9E7EA208CF30}" srcOrd="0" destOrd="0" presId="urn:microsoft.com/office/officeart/2009/3/layout/HorizontalOrganizationChart"/>
+    <dgm:cxn modelId="{871D3DD6-949B-4708-8AAD-72315A97D8C8}" type="presOf" srcId="{423A9592-C62B-4289-98FD-F77A1B90F061}" destId="{FCFC1DBD-57C1-4CB1-A399-83CEEBE9ACA4}" srcOrd="1" destOrd="0" presId="urn:microsoft.com/office/officeart/2009/3/layout/HorizontalOrganizationChart"/>
+    <dgm:cxn modelId="{79B406E6-42FB-4D68-BF8B-3221AACA438C}" type="presOf" srcId="{3DBE77A1-8530-4AF9-A255-4D716CF67A41}" destId="{1323745E-AD9E-4F5A-A5E7-61D860B5B3E5}" srcOrd="0" destOrd="0" presId="urn:microsoft.com/office/officeart/2009/3/layout/HorizontalOrganizationChart"/>
+    <dgm:cxn modelId="{EE587EC3-FF94-4815-8F76-8A2828251EBE}" type="presParOf" srcId="{4F24D82A-4B17-43AC-BF4B-ECA0B5E707D9}" destId="{2AA87815-DAE4-48ED-AB1E-5CBD27A05493}" srcOrd="0" destOrd="0" presId="urn:microsoft.com/office/officeart/2009/3/layout/HorizontalOrganizationChart"/>
+    <dgm:cxn modelId="{D90069B1-8C3B-437F-9CFB-24EB0F0BF1CB}" type="presParOf" srcId="{2AA87815-DAE4-48ED-AB1E-5CBD27A05493}" destId="{1D16769C-3B04-467C-BF4A-719E1151041A}" srcOrd="0" destOrd="0" presId="urn:microsoft.com/office/officeart/2009/3/layout/HorizontalOrganizationChart"/>
+    <dgm:cxn modelId="{6682F0D1-ABF9-4635-9B12-689800D7AF5F}" type="presParOf" srcId="{1D16769C-3B04-467C-BF4A-719E1151041A}" destId="{4D5D2627-0610-4012-AD74-ACA287309198}" srcOrd="0" destOrd="0" presId="urn:microsoft.com/office/officeart/2009/3/layout/HorizontalOrganizationChart"/>
+    <dgm:cxn modelId="{CDECEE34-0613-4934-9022-16B926E150D1}" type="presParOf" srcId="{1D16769C-3B04-467C-BF4A-719E1151041A}" destId="{006DA824-DF00-4ECA-9CBD-5C7515D0F69A}" srcOrd="1" destOrd="0" presId="urn:microsoft.com/office/officeart/2009/3/layout/HorizontalOrganizationChart"/>
+    <dgm:cxn modelId="{293C74BC-F674-48DD-9C9A-E740E20176B2}" type="presParOf" srcId="{2AA87815-DAE4-48ED-AB1E-5CBD27A05493}" destId="{9A18573C-23F0-4498-B367-844AB47DAF91}" srcOrd="1" destOrd="0" presId="urn:microsoft.com/office/officeart/2009/3/layout/HorizontalOrganizationChart"/>
+    <dgm:cxn modelId="{E060D5E1-DCF8-4B08-AF3B-C046BE2BD968}" type="presParOf" srcId="{2AA87815-DAE4-48ED-AB1E-5CBD27A05493}" destId="{CF87A5E7-2B06-4285-8F05-587E6085ACEE}" srcOrd="2" destOrd="0" presId="urn:microsoft.com/office/officeart/2009/3/layout/HorizontalOrganizationChart"/>
+    <dgm:cxn modelId="{443E9483-48DC-4629-A232-BBBBFF6D6BC9}" type="presParOf" srcId="{4F24D82A-4B17-43AC-BF4B-ECA0B5E707D9}" destId="{06D2348C-A39F-4314-8A76-EEA60B95A286}" srcOrd="1" destOrd="0" presId="urn:microsoft.com/office/officeart/2009/3/layout/HorizontalOrganizationChart"/>
+    <dgm:cxn modelId="{FCD88A43-9E72-472E-8229-935F77D51121}" type="presParOf" srcId="{06D2348C-A39F-4314-8A76-EEA60B95A286}" destId="{5DC58B5C-8922-4BE8-AE17-3C97ECAE8231}" srcOrd="0" destOrd="0" presId="urn:microsoft.com/office/officeart/2009/3/layout/HorizontalOrganizationChart"/>
+    <dgm:cxn modelId="{75A402E6-A8D8-4F7A-A9CC-E40B2994DC40}" type="presParOf" srcId="{5DC58B5C-8922-4BE8-AE17-3C97ECAE8231}" destId="{1323745E-AD9E-4F5A-A5E7-61D860B5B3E5}" srcOrd="0" destOrd="0" presId="urn:microsoft.com/office/officeart/2009/3/layout/HorizontalOrganizationChart"/>
+    <dgm:cxn modelId="{226BA9FA-9D60-4423-A28D-45AF5D9D703F}" type="presParOf" srcId="{5DC58B5C-8922-4BE8-AE17-3C97ECAE8231}" destId="{07FE0E73-28BC-4B5E-B1A1-2C94F0D2F69F}" srcOrd="1" destOrd="0" presId="urn:microsoft.com/office/officeart/2009/3/layout/HorizontalOrganizationChart"/>
+    <dgm:cxn modelId="{434DB966-7374-47B2-A21C-38C21CE1C40B}" type="presParOf" srcId="{06D2348C-A39F-4314-8A76-EEA60B95A286}" destId="{F81BE551-81F3-4D3B-B951-2ADF0A7FCD90}" srcOrd="1" destOrd="0" presId="urn:microsoft.com/office/officeart/2009/3/layout/HorizontalOrganizationChart"/>
+    <dgm:cxn modelId="{399F0071-F58A-4CCB-949B-97DBFE4EA78B}" type="presParOf" srcId="{06D2348C-A39F-4314-8A76-EEA60B95A286}" destId="{07A1B023-0E65-4F43-A5F8-25C0267C72BC}" srcOrd="2" destOrd="0" presId="urn:microsoft.com/office/officeart/2009/3/layout/HorizontalOrganizationChart"/>
+    <dgm:cxn modelId="{41BADC8B-CD90-4DA0-85FD-87FF09E33FBE}" type="presParOf" srcId="{4F24D82A-4B17-43AC-BF4B-ECA0B5E707D9}" destId="{9D9F654A-B2A0-4C7E-B6C0-7B71B5306B3D}" srcOrd="2" destOrd="0" presId="urn:microsoft.com/office/officeart/2009/3/layout/HorizontalOrganizationChart"/>
+    <dgm:cxn modelId="{AEC28964-A573-4A38-A6AE-29E3D7F679E5}" type="presParOf" srcId="{9D9F654A-B2A0-4C7E-B6C0-7B71B5306B3D}" destId="{A6CB14CC-FC3B-4995-8A19-A302C467D3D3}" srcOrd="0" destOrd="0" presId="urn:microsoft.com/office/officeart/2009/3/layout/HorizontalOrganizationChart"/>
+    <dgm:cxn modelId="{43EECFAC-19D2-4910-994A-879E121F79F9}" type="presParOf" srcId="{A6CB14CC-FC3B-4995-8A19-A302C467D3D3}" destId="{FE72D580-3B4A-423C-9B95-9E7EA208CF30}" srcOrd="0" destOrd="0" presId="urn:microsoft.com/office/officeart/2009/3/layout/HorizontalOrganizationChart"/>
+    <dgm:cxn modelId="{9495B654-B085-47F4-B4B5-455B56445FE4}" type="presParOf" srcId="{A6CB14CC-FC3B-4995-8A19-A302C467D3D3}" destId="{FCFC1DBD-57C1-4CB1-A399-83CEEBE9ACA4}" srcOrd="1" destOrd="0" presId="urn:microsoft.com/office/officeart/2009/3/layout/HorizontalOrganizationChart"/>
+    <dgm:cxn modelId="{A6B48750-C4BF-41FC-BBB3-F7C282E60FEE}" type="presParOf" srcId="{9D9F654A-B2A0-4C7E-B6C0-7B71B5306B3D}" destId="{214D8930-EEFA-48A4-BB74-A9F971E234D4}" srcOrd="1" destOrd="0" presId="urn:microsoft.com/office/officeart/2009/3/layout/HorizontalOrganizationChart"/>
+    <dgm:cxn modelId="{09ECE2B0-DA4B-4485-B832-5F1362C17FF7}" type="presParOf" srcId="{9D9F654A-B2A0-4C7E-B6C0-7B71B5306B3D}" destId="{A692F6E2-0967-45ED-8CE8-36FB1B93BBA9}" srcOrd="2" destOrd="0" presId="urn:microsoft.com/office/officeart/2009/3/layout/HorizontalOrganizationChart"/>
+  </dgm:cxnLst>
+  <dgm:bg/>
+  <dgm:whole/>
+  <dgm:extLst>
+    <a:ext uri="http://schemas.microsoft.com/office/drawing/2008/diagram">
+      <dsp:dataModelExt xmlns:dsp="http://schemas.microsoft.com/office/drawing/2008/diagram" relId="rId7" minVer="http://schemas.openxmlformats.org/drawingml/2006/diagram"/>
     </a:ext>
   </dgm:extLst>
 </dgm:dataModel>
@@ -3213,6 +4295,280 @@
 </dsp:drawing>
 </file>
 
+<file path=ppt/diagrams/drawing3.xml><?xml version="1.0" encoding="utf-8"?>
+<dsp:drawing xmlns:dgm="http://schemas.openxmlformats.org/drawingml/2006/diagram" xmlns:dsp="http://schemas.microsoft.com/office/drawing/2008/diagram" xmlns:a="http://schemas.openxmlformats.org/drawingml/2006/main">
+  <dsp:spTree>
+    <dsp:nvGrpSpPr>
+      <dsp:cNvPr id="0" name=""/>
+      <dsp:cNvGrpSpPr/>
+    </dsp:nvGrpSpPr>
+    <dsp:grpSpPr/>
+    <dsp:sp modelId="{4D5D2627-0610-4012-AD74-ACA287309198}">
+      <dsp:nvSpPr>
+        <dsp:cNvPr id="0" name=""/>
+        <dsp:cNvSpPr/>
+      </dsp:nvSpPr>
+      <dsp:spPr>
+        <a:xfrm>
+          <a:off x="596" y="97776"/>
+          <a:ext cx="4884010" cy="1489623"/>
+        </a:xfrm>
+        <a:prstGeom prst="rect">
+          <a:avLst/>
+        </a:prstGeom>
+        <a:solidFill>
+          <a:schemeClr val="accent1">
+            <a:hueOff val="0"/>
+            <a:satOff val="0"/>
+            <a:lumOff val="0"/>
+            <a:alphaOff val="0"/>
+          </a:schemeClr>
+        </a:solidFill>
+        <a:ln w="12700" cap="flat" cmpd="sng" algn="ctr">
+          <a:solidFill>
+            <a:schemeClr val="lt1">
+              <a:hueOff val="0"/>
+              <a:satOff val="0"/>
+              <a:lumOff val="0"/>
+              <a:alphaOff val="0"/>
+            </a:schemeClr>
+          </a:solidFill>
+          <a:prstDash val="solid"/>
+          <a:miter lim="800000"/>
+        </a:ln>
+        <a:effectLst/>
+      </dsp:spPr>
+      <dsp:style>
+        <a:lnRef idx="2">
+          <a:scrgbClr r="0" g="0" b="0"/>
+        </a:lnRef>
+        <a:fillRef idx="1">
+          <a:scrgbClr r="0" g="0" b="0"/>
+        </a:fillRef>
+        <a:effectRef idx="0">
+          <a:scrgbClr r="0" g="0" b="0"/>
+        </a:effectRef>
+        <a:fontRef idx="minor">
+          <a:schemeClr val="lt1"/>
+        </a:fontRef>
+      </dsp:style>
+      <dsp:txBody>
+        <a:bodyPr spcFirstLastPara="0" vert="horz" wrap="square" lIns="28575" tIns="28575" rIns="28575" bIns="28575" numCol="1" spcCol="1270" anchor="ctr" anchorCtr="0">
+          <a:noAutofit/>
+        </a:bodyPr>
+        <a:lstStyle/>
+        <a:p>
+          <a:pPr marL="0" lvl="0" indent="0" algn="ctr" defTabSz="2000250">
+            <a:lnSpc>
+              <a:spcPct val="90000"/>
+            </a:lnSpc>
+            <a:spcBef>
+              <a:spcPct val="0"/>
+            </a:spcBef>
+            <a:spcAft>
+              <a:spcPct val="35000"/>
+            </a:spcAft>
+            <a:buNone/>
+          </a:pPr>
+          <a:r>
+            <a:rPr lang="zh-CN" sz="4500" kern="1200"/>
+            <a:t>从文本到</a:t>
+          </a:r>
+          <a:r>
+            <a:rPr lang="en-US" sz="4500" kern="1200"/>
+            <a:t>GWT</a:t>
+          </a:r>
+        </a:p>
+      </dsp:txBody>
+      <dsp:txXfrm>
+        <a:off x="596" y="97776"/>
+        <a:ext cx="4884010" cy="1489623"/>
+      </dsp:txXfrm>
+    </dsp:sp>
+    <dsp:sp modelId="{1323745E-AD9E-4F5A-A5E7-61D860B5B3E5}">
+      <dsp:nvSpPr>
+        <dsp:cNvPr id="0" name=""/>
+        <dsp:cNvSpPr/>
+      </dsp:nvSpPr>
+      <dsp:spPr>
+        <a:xfrm>
+          <a:off x="596" y="2197901"/>
+          <a:ext cx="4884010" cy="1489623"/>
+        </a:xfrm>
+        <a:prstGeom prst="rect">
+          <a:avLst/>
+        </a:prstGeom>
+        <a:solidFill>
+          <a:schemeClr val="accent1">
+            <a:hueOff val="0"/>
+            <a:satOff val="0"/>
+            <a:lumOff val="0"/>
+            <a:alphaOff val="0"/>
+          </a:schemeClr>
+        </a:solidFill>
+        <a:ln w="12700" cap="flat" cmpd="sng" algn="ctr">
+          <a:solidFill>
+            <a:schemeClr val="lt1">
+              <a:hueOff val="0"/>
+              <a:satOff val="0"/>
+              <a:lumOff val="0"/>
+              <a:alphaOff val="0"/>
+            </a:schemeClr>
+          </a:solidFill>
+          <a:prstDash val="solid"/>
+          <a:miter lim="800000"/>
+        </a:ln>
+        <a:effectLst/>
+      </dsp:spPr>
+      <dsp:style>
+        <a:lnRef idx="2">
+          <a:scrgbClr r="0" g="0" b="0"/>
+        </a:lnRef>
+        <a:fillRef idx="1">
+          <a:scrgbClr r="0" g="0" b="0"/>
+        </a:fillRef>
+        <a:effectRef idx="0">
+          <a:scrgbClr r="0" g="0" b="0"/>
+        </a:effectRef>
+        <a:fontRef idx="minor">
+          <a:schemeClr val="lt1"/>
+        </a:fontRef>
+      </dsp:style>
+      <dsp:txBody>
+        <a:bodyPr spcFirstLastPara="0" vert="horz" wrap="square" lIns="28575" tIns="28575" rIns="28575" bIns="28575" numCol="1" spcCol="1270" anchor="ctr" anchorCtr="0">
+          <a:noAutofit/>
+        </a:bodyPr>
+        <a:lstStyle/>
+        <a:p>
+          <a:pPr marL="0" lvl="0" indent="0" algn="ctr" defTabSz="2000250">
+            <a:lnSpc>
+              <a:spcPct val="90000"/>
+            </a:lnSpc>
+            <a:spcBef>
+              <a:spcPct val="0"/>
+            </a:spcBef>
+            <a:spcAft>
+              <a:spcPct val="35000"/>
+            </a:spcAft>
+            <a:buNone/>
+          </a:pPr>
+          <a:r>
+            <a:rPr lang="zh-CN" sz="4500" kern="1200"/>
+            <a:t>从</a:t>
+          </a:r>
+          <a:r>
+            <a:rPr lang="en-US" sz="4500" kern="1200"/>
+            <a:t>GWT</a:t>
+          </a:r>
+          <a:r>
+            <a:rPr lang="zh-CN" sz="4500" kern="1200"/>
+            <a:t>到</a:t>
+          </a:r>
+          <a:r>
+            <a:rPr lang="en-US" sz="4500" kern="1200"/>
+            <a:t>TaggedGWT</a:t>
+          </a:r>
+        </a:p>
+      </dsp:txBody>
+      <dsp:txXfrm>
+        <a:off x="596" y="2197901"/>
+        <a:ext cx="4884010" cy="1489623"/>
+      </dsp:txXfrm>
+    </dsp:sp>
+    <dsp:sp modelId="{FE72D580-3B4A-423C-9B95-9E7EA208CF30}">
+      <dsp:nvSpPr>
+        <dsp:cNvPr id="0" name=""/>
+        <dsp:cNvSpPr/>
+      </dsp:nvSpPr>
+      <dsp:spPr>
+        <a:xfrm>
+          <a:off x="596" y="4298025"/>
+          <a:ext cx="4884010" cy="1489623"/>
+        </a:xfrm>
+        <a:prstGeom prst="rect">
+          <a:avLst/>
+        </a:prstGeom>
+        <a:solidFill>
+          <a:schemeClr val="accent1">
+            <a:hueOff val="0"/>
+            <a:satOff val="0"/>
+            <a:lumOff val="0"/>
+            <a:alphaOff val="0"/>
+          </a:schemeClr>
+        </a:solidFill>
+        <a:ln w="12700" cap="flat" cmpd="sng" algn="ctr">
+          <a:solidFill>
+            <a:schemeClr val="lt1">
+              <a:hueOff val="0"/>
+              <a:satOff val="0"/>
+              <a:lumOff val="0"/>
+              <a:alphaOff val="0"/>
+            </a:schemeClr>
+          </a:solidFill>
+          <a:prstDash val="solid"/>
+          <a:miter lim="800000"/>
+        </a:ln>
+        <a:effectLst/>
+      </dsp:spPr>
+      <dsp:style>
+        <a:lnRef idx="2">
+          <a:scrgbClr r="0" g="0" b="0"/>
+        </a:lnRef>
+        <a:fillRef idx="1">
+          <a:scrgbClr r="0" g="0" b="0"/>
+        </a:fillRef>
+        <a:effectRef idx="0">
+          <a:scrgbClr r="0" g="0" b="0"/>
+        </a:effectRef>
+        <a:fontRef idx="minor">
+          <a:schemeClr val="lt1"/>
+        </a:fontRef>
+      </dsp:style>
+      <dsp:txBody>
+        <a:bodyPr spcFirstLastPara="0" vert="horz" wrap="square" lIns="28575" tIns="28575" rIns="28575" bIns="28575" numCol="1" spcCol="1270" anchor="ctr" anchorCtr="0">
+          <a:noAutofit/>
+        </a:bodyPr>
+        <a:lstStyle/>
+        <a:p>
+          <a:pPr marL="0" lvl="0" indent="0" algn="ctr" defTabSz="2000250">
+            <a:lnSpc>
+              <a:spcPct val="90000"/>
+            </a:lnSpc>
+            <a:spcBef>
+              <a:spcPct val="0"/>
+            </a:spcBef>
+            <a:spcAft>
+              <a:spcPct val="35000"/>
+            </a:spcAft>
+            <a:buNone/>
+          </a:pPr>
+          <a:r>
+            <a:rPr lang="zh-CN" sz="4500" kern="1200"/>
+            <a:t>从</a:t>
+          </a:r>
+          <a:r>
+            <a:rPr lang="en-US" sz="4500" kern="1200"/>
+            <a:t>TaggedGWT</a:t>
+          </a:r>
+          <a:r>
+            <a:rPr lang="zh-CN" sz="4500" kern="1200"/>
+            <a:t>到</a:t>
+          </a:r>
+          <a:r>
+            <a:rPr lang="en-US" sz="4500" kern="1200"/>
+            <a:t>RUCM</a:t>
+          </a:r>
+        </a:p>
+      </dsp:txBody>
+      <dsp:txXfrm>
+        <a:off x="596" y="4298025"/>
+        <a:ext cx="4884010" cy="1489623"/>
+      </dsp:txXfrm>
+    </dsp:sp>
+  </dsp:spTree>
+</dsp:drawing>
+</file>
+
 <file path=ppt/diagrams/layout1.xml><?xml version="1.0" encoding="utf-8"?>
 <dgm:layoutDef xmlns:dgm="http://schemas.openxmlformats.org/drawingml/2006/diagram" xmlns:a="http://schemas.openxmlformats.org/drawingml/2006/main" uniqueId="urn:microsoft.com/office/officeart/2016/7/layout/LinearBlockProcessNumbered">
   <dgm:title val="Linear Block Process Numbered"/>
@@ -3671,6 +5027,1190 @@
 </dgm:layoutDef>
 </file>
 
+<file path=ppt/diagrams/layout3.xml><?xml version="1.0" encoding="utf-8"?>
+<dgm:layoutDef xmlns:dgm="http://schemas.openxmlformats.org/drawingml/2006/diagram" xmlns:a="http://schemas.openxmlformats.org/drawingml/2006/main" uniqueId="urn:microsoft.com/office/officeart/2009/3/layout/HorizontalOrganizationChart">
+  <dgm:title val=""/>
+  <dgm:desc val=""/>
+  <dgm:catLst>
+    <dgm:cat type="hierarchy" pri="4300"/>
+  </dgm:catLst>
+  <dgm:sampData>
+    <dgm:dataModel>
+      <dgm:ptLst>
+        <dgm:pt modelId="0" type="doc"/>
+        <dgm:pt modelId="1">
+          <dgm:prSet phldr="1"/>
+        </dgm:pt>
+        <dgm:pt modelId="2" type="asst">
+          <dgm:prSet phldr="1"/>
+        </dgm:pt>
+        <dgm:pt modelId="3">
+          <dgm:prSet phldr="1"/>
+        </dgm:pt>
+        <dgm:pt modelId="4">
+          <dgm:prSet phldr="1"/>
+        </dgm:pt>
+        <dgm:pt modelId="5">
+          <dgm:prSet phldr="1"/>
+        </dgm:pt>
+      </dgm:ptLst>
+      <dgm:cxnLst>
+        <dgm:cxn modelId="5" srcId="0" destId="1" srcOrd="0" destOrd="0"/>
+        <dgm:cxn modelId="6" srcId="1" destId="2" srcOrd="0" destOrd="0"/>
+        <dgm:cxn modelId="7" srcId="1" destId="3" srcOrd="1" destOrd="0"/>
+        <dgm:cxn modelId="8" srcId="1" destId="4" srcOrd="2" destOrd="0"/>
+        <dgm:cxn modelId="9" srcId="1" destId="5" srcOrd="3" destOrd="0"/>
+      </dgm:cxnLst>
+      <dgm:bg/>
+      <dgm:whole/>
+    </dgm:dataModel>
+  </dgm:sampData>
+  <dgm:styleData>
+    <dgm:dataModel>
+      <dgm:ptLst>
+        <dgm:pt modelId="0" type="doc"/>
+        <dgm:pt modelId="1"/>
+        <dgm:pt modelId="12"/>
+        <dgm:pt modelId="13"/>
+      </dgm:ptLst>
+      <dgm:cxnLst>
+        <dgm:cxn modelId="2" srcId="0" destId="1" srcOrd="0" destOrd="0"/>
+        <dgm:cxn modelId="16" srcId="1" destId="12" srcOrd="1" destOrd="0"/>
+        <dgm:cxn modelId="17" srcId="1" destId="13" srcOrd="2" destOrd="0"/>
+      </dgm:cxnLst>
+      <dgm:bg/>
+      <dgm:whole/>
+    </dgm:dataModel>
+  </dgm:styleData>
+  <dgm:clrData>
+    <dgm:dataModel>
+      <dgm:ptLst>
+        <dgm:pt modelId="0" type="doc"/>
+        <dgm:pt modelId="1"/>
+        <dgm:pt modelId="11" type="asst"/>
+        <dgm:pt modelId="12"/>
+        <dgm:pt modelId="13"/>
+        <dgm:pt modelId="14"/>
+      </dgm:ptLst>
+      <dgm:cxnLst>
+        <dgm:cxn modelId="2" srcId="0" destId="1" srcOrd="0" destOrd="0"/>
+        <dgm:cxn modelId="15" srcId="1" destId="11" srcOrd="0" destOrd="0"/>
+        <dgm:cxn modelId="16" srcId="1" destId="12" srcOrd="1" destOrd="0"/>
+        <dgm:cxn modelId="17" srcId="1" destId="13" srcOrd="2" destOrd="0"/>
+        <dgm:cxn modelId="18" srcId="1" destId="14" srcOrd="2" destOrd="0"/>
+      </dgm:cxnLst>
+      <dgm:bg/>
+      <dgm:whole/>
+    </dgm:dataModel>
+  </dgm:clrData>
+  <dgm:layoutNode name="hierChild1">
+    <dgm:varLst>
+      <dgm:orgChart val="1"/>
+      <dgm:chPref val="1"/>
+      <dgm:dir/>
+      <dgm:animOne val="branch"/>
+      <dgm:animLvl val="lvl"/>
+      <dgm:resizeHandles/>
+    </dgm:varLst>
+    <dgm:choose name="Name0">
+      <dgm:if name="Name1" func="var" arg="dir" op="equ" val="norm">
+        <dgm:alg type="hierChild">
+          <dgm:param type="linDir" val="fromT"/>
+          <dgm:param type="chAlign" val="l"/>
+        </dgm:alg>
+      </dgm:if>
+      <dgm:else name="Name2">
+        <dgm:alg type="hierChild">
+          <dgm:param type="linDir" val="fromT"/>
+          <dgm:param type="chAlign" val="r"/>
+        </dgm:alg>
+      </dgm:else>
+    </dgm:choose>
+    <dgm:shape xmlns:r="http://schemas.openxmlformats.org/officeDocument/2006/relationships" r:blip="">
+      <dgm:adjLst/>
+    </dgm:shape>
+    <dgm:presOf/>
+    <dgm:constrLst>
+      <dgm:constr type="w" for="des" forName="rootComposite1" refType="w" fact="10"/>
+      <dgm:constr type="h" for="des" forName="rootComposite1" refType="w" refFor="des" refForName="rootComposite1" fact="0.305"/>
+      <dgm:constr type="w" for="des" forName="rootComposite" refType="w" fact="10"/>
+      <dgm:constr type="h" for="des" forName="rootComposite" refType="w" refFor="des" refForName="rootComposite1" fact="0.305"/>
+      <dgm:constr type="w" for="des" forName="rootComposite3" refType="w" fact="10"/>
+      <dgm:constr type="h" for="des" forName="rootComposite3" refType="w" refFor="des" refForName="rootComposite1" fact="0.305"/>
+      <dgm:constr type="primFontSz" for="des" ptType="node" op="equ"/>
+      <dgm:constr type="sp" for="des" op="equ"/>
+      <dgm:constr type="sp" for="des" forName="hierRoot1" refType="w" refFor="des" refForName="rootComposite1" fact="0.2"/>
+      <dgm:constr type="sp" for="des" forName="hierRoot2" refType="sp" refFor="des" refForName="hierRoot1"/>
+      <dgm:constr type="sp" for="des" forName="hierRoot3" refType="sp" refFor="des" refForName="hierRoot1"/>
+      <dgm:constr type="sibSp" refType="w" refFor="des" refForName="rootComposite1" fact="0.125"/>
+      <dgm:constr type="sibSp" for="des" forName="hierChild2" refType="sibSp"/>
+      <dgm:constr type="sibSp" for="des" forName="hierChild3" refType="sibSp"/>
+      <dgm:constr type="sibSp" for="des" forName="hierChild4" refType="sibSp"/>
+      <dgm:constr type="sibSp" for="des" forName="hierChild5" refType="sibSp"/>
+      <dgm:constr type="sibSp" for="des" forName="hierChild6" refType="sibSp"/>
+      <dgm:constr type="sibSp" for="des" forName="hierChild7" refType="sibSp"/>
+      <dgm:constr type="secSibSp" refType="w" refFor="des" refForName="rootComposite1" fact="0.125"/>
+      <dgm:constr type="secSibSp" for="des" forName="hierChild2" refType="secSibSp"/>
+      <dgm:constr type="secSibSp" for="des" forName="hierChild3" refType="secSibSp"/>
+      <dgm:constr type="secSibSp" for="des" forName="hierChild4" refType="secSibSp"/>
+      <dgm:constr type="secSibSp" for="des" forName="hierChild5" refType="secSibSp"/>
+      <dgm:constr type="secSibSp" for="des" forName="hierChild6" refType="secSibSp"/>
+      <dgm:constr type="secSibSp" for="des" forName="hierChild7" refType="secSibSp"/>
+    </dgm:constrLst>
+    <dgm:ruleLst/>
+    <dgm:forEach name="Name3" axis="ch">
+      <dgm:forEach name="Name4" axis="self" ptType="node">
+        <dgm:layoutNode name="hierRoot1">
+          <dgm:varLst>
+            <dgm:hierBranch val="init"/>
+          </dgm:varLst>
+          <dgm:choose name="Name5">
+            <dgm:if name="Name6" func="var" arg="hierBranch" op="equ" val="l">
+              <dgm:choose name="Name7">
+                <dgm:if name="Name8" func="var" arg="dir" op="equ" val="norm">
+                  <dgm:alg type="hierRoot">
+                    <dgm:param type="hierAlign" val="lT"/>
+                  </dgm:alg>
+                  <dgm:constrLst>
+                    <dgm:constr type="alignOff" val="0.75"/>
+                  </dgm:constrLst>
+                </dgm:if>
+                <dgm:else name="Name9">
+                  <dgm:alg type="hierRoot">
+                    <dgm:param type="hierAlign" val="rT"/>
+                  </dgm:alg>
+                  <dgm:constrLst>
+                    <dgm:constr type="alignOff" val="0.75"/>
+                  </dgm:constrLst>
+                </dgm:else>
+              </dgm:choose>
+            </dgm:if>
+            <dgm:if name="Name10" func="var" arg="hierBranch" op="equ" val="r">
+              <dgm:choose name="Name11">
+                <dgm:if name="Name12" func="var" arg="dir" op="equ" val="norm">
+                  <dgm:alg type="hierRoot">
+                    <dgm:param type="hierAlign" val="lB"/>
+                  </dgm:alg>
+                  <dgm:constrLst>
+                    <dgm:constr type="alignOff" val="0.75"/>
+                  </dgm:constrLst>
+                </dgm:if>
+                <dgm:else name="Name13">
+                  <dgm:alg type="hierRoot">
+                    <dgm:param type="hierAlign" val="rB"/>
+                  </dgm:alg>
+                  <dgm:constrLst>
+                    <dgm:constr type="alignOff" val="0.75"/>
+                  </dgm:constrLst>
+                </dgm:else>
+              </dgm:choose>
+            </dgm:if>
+            <dgm:if name="Name14" func="var" arg="hierBranch" op="equ" val="hang">
+              <dgm:choose name="Name15">
+                <dgm:if name="Name16" func="var" arg="dir" op="equ" val="norm">
+                  <dgm:alg type="hierRoot">
+                    <dgm:param type="hierAlign" val="lCtrCh"/>
+                  </dgm:alg>
+                  <dgm:constrLst>
+                    <dgm:constr type="alignOff" val="0.65"/>
+                  </dgm:constrLst>
+                </dgm:if>
+                <dgm:else name="Name17">
+                  <dgm:alg type="hierRoot">
+                    <dgm:param type="hierAlign" val="rCtrCh"/>
+                  </dgm:alg>
+                  <dgm:constrLst>
+                    <dgm:constr type="alignOff" val="0.65"/>
+                  </dgm:constrLst>
+                </dgm:else>
+              </dgm:choose>
+            </dgm:if>
+            <dgm:else name="Name18">
+              <dgm:choose name="Name19">
+                <dgm:if name="Name20" func="var" arg="dir" op="equ" val="norm">
+                  <dgm:alg type="hierRoot">
+                    <dgm:param type="hierAlign" val="lCtrCh"/>
+                  </dgm:alg>
+                  <dgm:constrLst>
+                    <dgm:constr type="alignOff"/>
+                    <dgm:constr type="bendDist" for="des" ptType="parTrans" refType="sp" fact="0.5"/>
+                  </dgm:constrLst>
+                </dgm:if>
+                <dgm:else name="Name21">
+                  <dgm:alg type="hierRoot">
+                    <dgm:param type="hierAlign" val="rCtrCh"/>
+                  </dgm:alg>
+                  <dgm:constrLst>
+                    <dgm:constr type="alignOff"/>
+                    <dgm:constr type="bendDist" for="des" ptType="parTrans" refType="sp" fact="0.5"/>
+                  </dgm:constrLst>
+                </dgm:else>
+              </dgm:choose>
+            </dgm:else>
+          </dgm:choose>
+          <dgm:shape xmlns:r="http://schemas.openxmlformats.org/officeDocument/2006/relationships" r:blip="">
+            <dgm:adjLst/>
+          </dgm:shape>
+          <dgm:presOf/>
+          <dgm:ruleLst/>
+          <dgm:layoutNode name="rootComposite1">
+            <dgm:alg type="composite"/>
+            <dgm:shape xmlns:r="http://schemas.openxmlformats.org/officeDocument/2006/relationships" r:blip="">
+              <dgm:adjLst/>
+            </dgm:shape>
+            <dgm:presOf axis="self" ptType="node" cnt="1"/>
+            <dgm:choose name="Name22">
+              <dgm:if name="Name23" func="var" arg="hierBranch" op="equ" val="init">
+                <dgm:constrLst>
+                  <dgm:constr type="l" for="ch" forName="rootText1"/>
+                  <dgm:constr type="t" for="ch" forName="rootText1"/>
+                  <dgm:constr type="w" for="ch" forName="rootText1" refType="w"/>
+                  <dgm:constr type="h" for="ch" forName="rootText1" refType="h"/>
+                  <dgm:constr type="l" for="ch" forName="rootConnector1"/>
+                  <dgm:constr type="t" for="ch" forName="rootConnector1"/>
+                  <dgm:constr type="w" for="ch" forName="rootConnector1" refType="w" refFor="ch" refForName="rootText1" fact="0.2"/>
+                  <dgm:constr type="h" for="ch" forName="rootConnector1" refType="h" refFor="ch" refForName="rootText1"/>
+                </dgm:constrLst>
+              </dgm:if>
+              <dgm:if name="Name24" func="var" arg="hierBranch" op="equ" val="l">
+                <dgm:constrLst>
+                  <dgm:constr type="l" for="ch" forName="rootText1"/>
+                  <dgm:constr type="t" for="ch" forName="rootText1"/>
+                  <dgm:constr type="w" for="ch" forName="rootText1" refType="w"/>
+                  <dgm:constr type="h" for="ch" forName="rootText1" refType="h"/>
+                  <dgm:constr type="r" for="ch" forName="rootConnector1" refType="w"/>
+                  <dgm:constr type="t" for="ch" forName="rootConnector1"/>
+                  <dgm:constr type="w" for="ch" forName="rootConnector1" refType="w" refFor="ch" refForName="rootText1" fact="0.2"/>
+                  <dgm:constr type="h" for="ch" forName="rootConnector1" refType="h" refFor="ch" refForName="rootText1"/>
+                </dgm:constrLst>
+              </dgm:if>
+              <dgm:if name="Name25" func="var" arg="hierBranch" op="equ" val="r">
+                <dgm:constrLst>
+                  <dgm:constr type="l" for="ch" forName="rootText1"/>
+                  <dgm:constr type="t" for="ch" forName="rootText1"/>
+                  <dgm:constr type="w" for="ch" forName="rootText1" refType="w"/>
+                  <dgm:constr type="h" for="ch" forName="rootText1" refType="h"/>
+                  <dgm:constr type="l" for="ch" forName="rootConnector1"/>
+                  <dgm:constr type="t" for="ch" forName="rootConnector1"/>
+                  <dgm:constr type="w" for="ch" forName="rootConnector1" refType="w" refFor="ch" refForName="rootText1" fact="0.2"/>
+                  <dgm:constr type="h" for="ch" forName="rootConnector1" refType="h" refFor="ch" refForName="rootText1"/>
+                </dgm:constrLst>
+              </dgm:if>
+              <dgm:else name="Name26">
+                <dgm:constrLst>
+                  <dgm:constr type="l" for="ch" forName="rootText1"/>
+                  <dgm:constr type="t" for="ch" forName="rootText1"/>
+                  <dgm:constr type="w" for="ch" forName="rootText1" refType="w"/>
+                  <dgm:constr type="h" for="ch" forName="rootText1" refType="h"/>
+                  <dgm:constr type="r" for="ch" forName="rootConnector1" refType="w"/>
+                  <dgm:constr type="t" for="ch" forName="rootConnector1"/>
+                  <dgm:constr type="w" for="ch" forName="rootConnector1" refType="w" refFor="ch" refForName="rootText1" fact="0.2"/>
+                  <dgm:constr type="h" for="ch" forName="rootConnector1" refType="h" refFor="ch" refForName="rootText1"/>
+                </dgm:constrLst>
+              </dgm:else>
+            </dgm:choose>
+            <dgm:ruleLst/>
+            <dgm:layoutNode name="rootText1" styleLbl="node0">
+              <dgm:varLst>
+                <dgm:chPref val="3"/>
+              </dgm:varLst>
+              <dgm:alg type="tx"/>
+              <dgm:shape xmlns:r="http://schemas.openxmlformats.org/officeDocument/2006/relationships" type="rect" r:blip="">
+                <dgm:adjLst/>
+              </dgm:shape>
+              <dgm:presOf axis="self" ptType="node" cnt="1"/>
+              <dgm:constrLst>
+                <dgm:constr type="primFontSz" val="65"/>
+                <dgm:constr type="lMarg" refType="primFontSz" fact="0.05"/>
+                <dgm:constr type="rMarg" refType="primFontSz" fact="0.05"/>
+                <dgm:constr type="tMarg" refType="primFontSz" fact="0.05"/>
+                <dgm:constr type="bMarg" refType="primFontSz" fact="0.05"/>
+              </dgm:constrLst>
+              <dgm:ruleLst>
+                <dgm:rule type="primFontSz" val="5" fact="NaN" max="NaN"/>
+              </dgm:ruleLst>
+            </dgm:layoutNode>
+            <dgm:layoutNode name="rootConnector1" moveWith="rootText1">
+              <dgm:alg type="sp"/>
+              <dgm:shape xmlns:r="http://schemas.openxmlformats.org/officeDocument/2006/relationships" type="rect" r:blip="" hideGeom="1">
+                <dgm:adjLst/>
+              </dgm:shape>
+              <dgm:presOf axis="self" ptType="node" cnt="1"/>
+              <dgm:constrLst/>
+              <dgm:ruleLst/>
+            </dgm:layoutNode>
+          </dgm:layoutNode>
+          <dgm:layoutNode name="hierChild2">
+            <dgm:choose name="Name27">
+              <dgm:if name="Name28" func="var" arg="hierBranch" op="equ" val="l">
+                <dgm:choose name="Name29">
+                  <dgm:if name="Name30" func="var" arg="dir" op="equ" val="norm">
+                    <dgm:alg type="hierChild">
+                      <dgm:param type="chAlign" val="t"/>
+                      <dgm:param type="linDir" val="fromL"/>
+                    </dgm:alg>
+                  </dgm:if>
+                  <dgm:else name="Name31">
+                    <dgm:alg type="hierChild">
+                      <dgm:param type="chAlign" val="t"/>
+                      <dgm:param type="linDir" val="fromR"/>
+                    </dgm:alg>
+                  </dgm:else>
+                </dgm:choose>
+              </dgm:if>
+              <dgm:if name="Name32" func="var" arg="hierBranch" op="equ" val="r">
+                <dgm:choose name="Name33">
+                  <dgm:if name="Name34" func="var" arg="dir" op="equ" val="norm">
+                    <dgm:alg type="hierChild">
+                      <dgm:param type="chAlign" val="b"/>
+                      <dgm:param type="linDir" val="fromL"/>
+                    </dgm:alg>
+                  </dgm:if>
+                  <dgm:else name="Name35">
+                    <dgm:alg type="hierChild">
+                      <dgm:param type="chAlign" val="b"/>
+                      <dgm:param type="linDir" val="fromR"/>
+                    </dgm:alg>
+                  </dgm:else>
+                </dgm:choose>
+              </dgm:if>
+              <dgm:if name="Name36" func="var" arg="hierBranch" op="equ" val="hang">
+                <dgm:choose name="Name37">
+                  <dgm:if name="Name38" func="var" arg="dir" op="equ" val="norm">
+                    <dgm:alg type="hierChild">
+                      <dgm:param type="chAlign" val="l"/>
+                      <dgm:param type="linDir" val="fromT"/>
+                      <dgm:param type="secChAlign" val="t"/>
+                      <dgm:param type="secLinDir" val="fromL"/>
+                    </dgm:alg>
+                  </dgm:if>
+                  <dgm:else name="Name39">
+                    <dgm:alg type="hierChild">
+                      <dgm:param type="chAlign" val="r"/>
+                      <dgm:param type="linDir" val="fromT"/>
+                      <dgm:param type="secChAlign" val="t"/>
+                      <dgm:param type="secLinDir" val="fromR"/>
+                    </dgm:alg>
+                  </dgm:else>
+                </dgm:choose>
+              </dgm:if>
+              <dgm:else name="Name40">
+                <dgm:choose name="Name41">
+                  <dgm:if name="Name42" func="var" arg="dir" op="equ" val="norm">
+                    <dgm:alg type="hierChild">
+                      <dgm:param type="linDir" val="fromT"/>
+                      <dgm:param type="chAlign" val="l"/>
+                    </dgm:alg>
+                  </dgm:if>
+                  <dgm:else name="Name43">
+                    <dgm:alg type="hierChild">
+                      <dgm:param type="linDir" val="fromT"/>
+                      <dgm:param type="chAlign" val="r"/>
+                    </dgm:alg>
+                  </dgm:else>
+                </dgm:choose>
+              </dgm:else>
+            </dgm:choose>
+            <dgm:shape xmlns:r="http://schemas.openxmlformats.org/officeDocument/2006/relationships" r:blip="">
+              <dgm:adjLst/>
+            </dgm:shape>
+            <dgm:presOf/>
+            <dgm:constrLst/>
+            <dgm:ruleLst/>
+            <dgm:forEach name="rep2a" axis="ch" ptType="nonAsst">
+              <dgm:forEach name="Name44" axis="precedSib" ptType="parTrans" st="-1" cnt="1">
+                <dgm:choose name="Name45">
+                  <dgm:if name="Name46" func="var" arg="hierBranch" op="equ" val="hang">
+                    <dgm:layoutNode name="Name47">
+                      <dgm:choose name="Name48">
+                        <dgm:if name="Name49" func="var" arg="dir" op="equ" val="norm">
+                          <dgm:alg type="conn">
+                            <dgm:param type="connRout" val="bend"/>
+                            <dgm:param type="dim" val="1D"/>
+                            <dgm:param type="endSty" val="noArr"/>
+                            <dgm:param type="begPts" val="midR"/>
+                            <dgm:param type="endPts" val="bCtr tCtr"/>
+                          </dgm:alg>
+                        </dgm:if>
+                        <dgm:else name="Name50">
+                          <dgm:alg type="conn">
+                            <dgm:param type="connRout" val="bend"/>
+                            <dgm:param type="dim" val="1D"/>
+                            <dgm:param type="endSty" val="noArr"/>
+                            <dgm:param type="begPts" val="midL"/>
+                            <dgm:param type="endPts" val="bCtr tCtr"/>
+                          </dgm:alg>
+                        </dgm:else>
+                      </dgm:choose>
+                      <dgm:shape xmlns:r="http://schemas.openxmlformats.org/officeDocument/2006/relationships" type="conn" r:blip="" zOrderOff="-99999">
+                        <dgm:adjLst/>
+                      </dgm:shape>
+                      <dgm:presOf axis="self"/>
+                      <dgm:constrLst>
+                        <dgm:constr type="begPad"/>
+                        <dgm:constr type="endPad"/>
+                      </dgm:constrLst>
+                      <dgm:ruleLst/>
+                    </dgm:layoutNode>
+                  </dgm:if>
+                  <dgm:if name="Name51" func="var" arg="hierBranch" op="equ" val="l">
+                    <dgm:layoutNode name="Name52">
+                      <dgm:choose name="Name53">
+                        <dgm:if name="Name54" func="var" arg="dir" op="equ" val="norm">
+                          <dgm:alg type="conn">
+                            <dgm:param type="connRout" val="bend"/>
+                            <dgm:param type="dim" val="1D"/>
+                            <dgm:param type="endSty" val="noArr"/>
+                            <dgm:param type="begPts" val="midR"/>
+                            <dgm:param type="endPts" val="tCtr"/>
+                          </dgm:alg>
+                        </dgm:if>
+                        <dgm:else name="Name55">
+                          <dgm:alg type="conn">
+                            <dgm:param type="connRout" val="bend"/>
+                            <dgm:param type="dim" val="1D"/>
+                            <dgm:param type="endSty" val="noArr"/>
+                            <dgm:param type="begPts" val="midL"/>
+                            <dgm:param type="endPts" val="tCtr"/>
+                          </dgm:alg>
+                        </dgm:else>
+                      </dgm:choose>
+                      <dgm:shape xmlns:r="http://schemas.openxmlformats.org/officeDocument/2006/relationships" type="conn" r:blip="" zOrderOff="-99999">
+                        <dgm:adjLst/>
+                      </dgm:shape>
+                      <dgm:presOf axis="self"/>
+                      <dgm:constrLst>
+                        <dgm:constr type="begPad"/>
+                        <dgm:constr type="endPad"/>
+                      </dgm:constrLst>
+                      <dgm:ruleLst/>
+                    </dgm:layoutNode>
+                  </dgm:if>
+                  <dgm:if name="Name56" func="var" arg="hierBranch" op="equ" val="r">
+                    <dgm:layoutNode name="Name57">
+                      <dgm:choose name="Name58">
+                        <dgm:if name="Name59" func="var" arg="dir" op="equ" val="norm">
+                          <dgm:alg type="conn">
+                            <dgm:param type="connRout" val="bend"/>
+                            <dgm:param type="dim" val="1D"/>
+                            <dgm:param type="endSty" val="noArr"/>
+                            <dgm:param type="begPts" val="midR"/>
+                            <dgm:param type="endPts" val="bCtr"/>
+                          </dgm:alg>
+                        </dgm:if>
+                        <dgm:else name="Name60">
+                          <dgm:alg type="conn">
+                            <dgm:param type="connRout" val="bend"/>
+                            <dgm:param type="dim" val="1D"/>
+                            <dgm:param type="endSty" val="noArr"/>
+                            <dgm:param type="begPts" val="midL"/>
+                            <dgm:param type="endPts" val="bCtr"/>
+                          </dgm:alg>
+                        </dgm:else>
+                      </dgm:choose>
+                      <dgm:shape xmlns:r="http://schemas.openxmlformats.org/officeDocument/2006/relationships" type="conn" r:blip="" zOrderOff="-99999">
+                        <dgm:adjLst/>
+                      </dgm:shape>
+                      <dgm:presOf axis="self"/>
+                      <dgm:constrLst>
+                        <dgm:constr type="begPad"/>
+                        <dgm:constr type="endPad"/>
+                      </dgm:constrLst>
+                      <dgm:ruleLst/>
+                    </dgm:layoutNode>
+                  </dgm:if>
+                  <dgm:else name="Name61">
+                    <dgm:choose name="Name62">
+                      <dgm:if name="Name63" func="var" arg="dir" op="equ" val="norm">
+                        <dgm:layoutNode name="Name64">
+                          <dgm:alg type="conn">
+                            <dgm:param type="connRout" val="bend"/>
+                            <dgm:param type="dim" val="1D"/>
+                            <dgm:param type="endSty" val="noArr"/>
+                            <dgm:param type="begPts" val="midR"/>
+                            <dgm:param type="endPts" val="midL"/>
+                            <dgm:param type="bendPt" val="end"/>
+                          </dgm:alg>
+                          <dgm:shape xmlns:r="http://schemas.openxmlformats.org/officeDocument/2006/relationships" type="conn" r:blip="" zOrderOff="-99999">
+                            <dgm:adjLst/>
+                          </dgm:shape>
+                          <dgm:presOf axis="self"/>
+                          <dgm:constrLst>
+                            <dgm:constr type="begPad"/>
+                            <dgm:constr type="endPad"/>
+                          </dgm:constrLst>
+                          <dgm:ruleLst/>
+                        </dgm:layoutNode>
+                      </dgm:if>
+                      <dgm:else name="Name65">
+                        <dgm:layoutNode name="Name66">
+                          <dgm:alg type="conn">
+                            <dgm:param type="connRout" val="bend"/>
+                            <dgm:param type="dim" val="1D"/>
+                            <dgm:param type="endSty" val="noArr"/>
+                            <dgm:param type="begPts" val="midL"/>
+                            <dgm:param type="endPts" val="midR"/>
+                            <dgm:param type="bendPt" val="end"/>
+                          </dgm:alg>
+                          <dgm:shape xmlns:r="http://schemas.openxmlformats.org/officeDocument/2006/relationships" type="conn" r:blip="" zOrderOff="-99999">
+                            <dgm:adjLst/>
+                          </dgm:shape>
+                          <dgm:presOf axis="self"/>
+                          <dgm:constrLst>
+                            <dgm:constr type="begPad"/>
+                            <dgm:constr type="endPad"/>
+                          </dgm:constrLst>
+                          <dgm:ruleLst/>
+                        </dgm:layoutNode>
+                      </dgm:else>
+                    </dgm:choose>
+                  </dgm:else>
+                </dgm:choose>
+              </dgm:forEach>
+              <dgm:layoutNode name="hierRoot2">
+                <dgm:varLst>
+                  <dgm:hierBranch val="init"/>
+                </dgm:varLst>
+                <dgm:choose name="Name67">
+                  <dgm:if name="Name68" func="var" arg="hierBranch" op="equ" val="l">
+                    <dgm:choose name="Name69">
+                      <dgm:if name="Name70" func="var" arg="dir" op="equ" val="norm">
+                        <dgm:alg type="hierRoot">
+                          <dgm:param type="hierAlign" val="lT"/>
+                        </dgm:alg>
+                        <dgm:constrLst>
+                          <dgm:constr type="alignOff" val="0.75"/>
+                        </dgm:constrLst>
+                      </dgm:if>
+                      <dgm:else name="Name71">
+                        <dgm:alg type="hierRoot">
+                          <dgm:param type="hierAlign" val="rT"/>
+                        </dgm:alg>
+                        <dgm:constrLst>
+                          <dgm:constr type="alignOff" val="0.75"/>
+                        </dgm:constrLst>
+                      </dgm:else>
+                    </dgm:choose>
+                  </dgm:if>
+                  <dgm:if name="Name72" func="var" arg="hierBranch" op="equ" val="r">
+                    <dgm:choose name="Name73">
+                      <dgm:if name="Name74" func="var" arg="dir" op="equ" val="norm">
+                        <dgm:alg type="hierRoot">
+                          <dgm:param type="hierAlign" val="lB"/>
+                        </dgm:alg>
+                        <dgm:constrLst>
+                          <dgm:constr type="alignOff" val="0.75"/>
+                        </dgm:constrLst>
+                      </dgm:if>
+                      <dgm:else name="Name75">
+                        <dgm:alg type="hierRoot">
+                          <dgm:param type="hierAlign" val="rB"/>
+                        </dgm:alg>
+                        <dgm:constrLst>
+                          <dgm:constr type="alignOff" val="0.75"/>
+                        </dgm:constrLst>
+                      </dgm:else>
+                    </dgm:choose>
+                  </dgm:if>
+                  <dgm:if name="Name76" func="var" arg="hierBranch" op="equ" val="hang">
+                    <dgm:choose name="Name77">
+                      <dgm:if name="Name78" func="var" arg="dir" op="equ" val="norm">
+                        <dgm:alg type="hierRoot">
+                          <dgm:param type="hierAlign" val="lCtrCh"/>
+                        </dgm:alg>
+                        <dgm:constrLst>
+                          <dgm:constr type="alignOff" val="0.65"/>
+                        </dgm:constrLst>
+                      </dgm:if>
+                      <dgm:else name="Name79">
+                        <dgm:alg type="hierRoot">
+                          <dgm:param type="hierAlign" val="rCtrCh"/>
+                        </dgm:alg>
+                        <dgm:constrLst>
+                          <dgm:constr type="alignOff" val="0.65"/>
+                        </dgm:constrLst>
+                      </dgm:else>
+                    </dgm:choose>
+                  </dgm:if>
+                  <dgm:else name="Name80">
+                    <dgm:choose name="Name81">
+                      <dgm:if name="Name82" func="var" arg="dir" op="equ" val="norm">
+                        <dgm:alg type="hierRoot">
+                          <dgm:param type="hierAlign" val="lCtrCh"/>
+                        </dgm:alg>
+                        <dgm:constrLst>
+                          <dgm:constr type="alignOff"/>
+                          <dgm:constr type="bendDist" for="des" ptType="parTrans" refType="sp" fact="0.5"/>
+                        </dgm:constrLst>
+                      </dgm:if>
+                      <dgm:else name="Name83">
+                        <dgm:alg type="hierRoot">
+                          <dgm:param type="hierAlign" val="rCtrCh"/>
+                        </dgm:alg>
+                        <dgm:constrLst>
+                          <dgm:constr type="alignOff"/>
+                          <dgm:constr type="bendDist" for="des" ptType="parTrans" refType="sp" fact="0.5"/>
+                        </dgm:constrLst>
+                      </dgm:else>
+                    </dgm:choose>
+                  </dgm:else>
+                </dgm:choose>
+                <dgm:shape xmlns:r="http://schemas.openxmlformats.org/officeDocument/2006/relationships" r:blip="">
+                  <dgm:adjLst/>
+                </dgm:shape>
+                <dgm:presOf/>
+                <dgm:ruleLst/>
+                <dgm:layoutNode name="rootComposite">
+                  <dgm:alg type="composite"/>
+                  <dgm:shape xmlns:r="http://schemas.openxmlformats.org/officeDocument/2006/relationships" r:blip="">
+                    <dgm:adjLst/>
+                  </dgm:shape>
+                  <dgm:presOf axis="self" ptType="node" cnt="1"/>
+                  <dgm:choose name="Name84">
+                    <dgm:if name="Name85" func="var" arg="hierBranch" op="equ" val="init">
+                      <dgm:constrLst>
+                        <dgm:constr type="l" for="ch" forName="rootText"/>
+                        <dgm:constr type="t" for="ch" forName="rootText"/>
+                        <dgm:constr type="w" for="ch" forName="rootText" refType="w"/>
+                        <dgm:constr type="h" for="ch" forName="rootText" refType="h"/>
+                        <dgm:constr type="l" for="ch" forName="rootConnector"/>
+                        <dgm:constr type="t" for="ch" forName="rootConnector"/>
+                        <dgm:constr type="w" for="ch" forName="rootConnector" refType="w" refFor="ch" refForName="rootText" fact="0.2"/>
+                        <dgm:constr type="h" for="ch" forName="rootConnector" refType="h" refFor="ch" refForName="rootText"/>
+                      </dgm:constrLst>
+                    </dgm:if>
+                    <dgm:if name="Name86" func="var" arg="hierBranch" op="equ" val="l">
+                      <dgm:constrLst>
+                        <dgm:constr type="l" for="ch" forName="rootText"/>
+                        <dgm:constr type="t" for="ch" forName="rootText"/>
+                        <dgm:constr type="w" for="ch" forName="rootText" refType="w"/>
+                        <dgm:constr type="h" for="ch" forName="rootText" refType="h"/>
+                        <dgm:constr type="r" for="ch" forName="rootConnector" refType="w"/>
+                        <dgm:constr type="t" for="ch" forName="rootConnector"/>
+                        <dgm:constr type="w" for="ch" forName="rootConnector" refType="w" refFor="ch" refForName="rootText" fact="0.2"/>
+                        <dgm:constr type="h" for="ch" forName="rootConnector" refType="h" refFor="ch" refForName="rootText"/>
+                      </dgm:constrLst>
+                    </dgm:if>
+                    <dgm:if name="Name87" func="var" arg="hierBranch" op="equ" val="r">
+                      <dgm:constrLst>
+                        <dgm:constr type="l" for="ch" forName="rootText"/>
+                        <dgm:constr type="t" for="ch" forName="rootText"/>
+                        <dgm:constr type="w" for="ch" forName="rootText" refType="w"/>
+                        <dgm:constr type="h" for="ch" forName="rootText" refType="h"/>
+                        <dgm:constr type="l" for="ch" forName="rootConnector"/>
+                        <dgm:constr type="t" for="ch" forName="rootConnector"/>
+                        <dgm:constr type="w" for="ch" forName="rootConnector" refType="w" refFor="ch" refForName="rootText" fact="0.2"/>
+                        <dgm:constr type="h" for="ch" forName="rootConnector" refType="h" refFor="ch" refForName="rootText"/>
+                      </dgm:constrLst>
+                    </dgm:if>
+                    <dgm:else name="Name88">
+                      <dgm:constrLst>
+                        <dgm:constr type="l" for="ch" forName="rootText"/>
+                        <dgm:constr type="t" for="ch" forName="rootText"/>
+                        <dgm:constr type="w" for="ch" forName="rootText" refType="w"/>
+                        <dgm:constr type="h" for="ch" forName="rootText" refType="h"/>
+                        <dgm:constr type="r" for="ch" forName="rootConnector" refType="w"/>
+                        <dgm:constr type="t" for="ch" forName="rootConnector"/>
+                        <dgm:constr type="w" for="ch" forName="rootConnector" refType="w" refFor="ch" refForName="rootText" fact="0.2"/>
+                        <dgm:constr type="h" for="ch" forName="rootConnector" refType="h" refFor="ch" refForName="rootText"/>
+                      </dgm:constrLst>
+                    </dgm:else>
+                  </dgm:choose>
+                  <dgm:ruleLst/>
+                  <dgm:layoutNode name="rootText">
+                    <dgm:varLst>
+                      <dgm:chPref val="3"/>
+                    </dgm:varLst>
+                    <dgm:alg type="tx"/>
+                    <dgm:shape xmlns:r="http://schemas.openxmlformats.org/officeDocument/2006/relationships" type="rect" r:blip="">
+                      <dgm:adjLst/>
+                    </dgm:shape>
+                    <dgm:presOf axis="self" ptType="node" cnt="1"/>
+                    <dgm:constrLst>
+                      <dgm:constr type="primFontSz" val="65"/>
+                      <dgm:constr type="lMarg" refType="primFontSz" fact="0.05"/>
+                      <dgm:constr type="rMarg" refType="primFontSz" fact="0.05"/>
+                      <dgm:constr type="tMarg" refType="primFontSz" fact="0.05"/>
+                      <dgm:constr type="bMarg" refType="primFontSz" fact="0.05"/>
+                    </dgm:constrLst>
+                    <dgm:ruleLst>
+                      <dgm:rule type="primFontSz" val="5" fact="NaN" max="NaN"/>
+                    </dgm:ruleLst>
+                  </dgm:layoutNode>
+                  <dgm:layoutNode name="rootConnector" moveWith="rootText">
+                    <dgm:alg type="sp"/>
+                    <dgm:shape xmlns:r="http://schemas.openxmlformats.org/officeDocument/2006/relationships" type="rect" r:blip="" hideGeom="1">
+                      <dgm:adjLst/>
+                    </dgm:shape>
+                    <dgm:presOf axis="self" ptType="node" cnt="1"/>
+                    <dgm:constrLst/>
+                    <dgm:ruleLst/>
+                  </dgm:layoutNode>
+                </dgm:layoutNode>
+                <dgm:layoutNode name="hierChild4">
+                  <dgm:choose name="Name89">
+                    <dgm:if name="Name90" func="var" arg="hierBranch" op="equ" val="l">
+                      <dgm:choose name="Name91">
+                        <dgm:if name="Name92" func="var" arg="dir" op="equ" val="norm">
+                          <dgm:alg type="hierChild">
+                            <dgm:param type="chAlign" val="t"/>
+                            <dgm:param type="linDir" val="fromL"/>
+                          </dgm:alg>
+                        </dgm:if>
+                        <dgm:else name="Name93">
+                          <dgm:alg type="hierChild">
+                            <dgm:param type="chAlign" val="t"/>
+                            <dgm:param type="linDir" val="fromR"/>
+                          </dgm:alg>
+                        </dgm:else>
+                      </dgm:choose>
+                    </dgm:if>
+                    <dgm:if name="Name94" func="var" arg="hierBranch" op="equ" val="r">
+                      <dgm:choose name="Name95">
+                        <dgm:if name="Name96" func="var" arg="dir" op="equ" val="norm">
+                          <dgm:alg type="hierChild">
+                            <dgm:param type="chAlign" val="b"/>
+                            <dgm:param type="linDir" val="fromL"/>
+                          </dgm:alg>
+                        </dgm:if>
+                        <dgm:else name="Name97">
+                          <dgm:alg type="hierChild">
+                            <dgm:param type="chAlign" val="b"/>
+                            <dgm:param type="linDir" val="fromR"/>
+                          </dgm:alg>
+                        </dgm:else>
+                      </dgm:choose>
+                    </dgm:if>
+                    <dgm:if name="Name98" func="var" arg="hierBranch" op="equ" val="hang">
+                      <dgm:choose name="Name99">
+                        <dgm:if name="Name100" func="var" arg="dir" op="equ" val="norm">
+                          <dgm:alg type="hierChild">
+                            <dgm:param type="chAlign" val="l"/>
+                            <dgm:param type="linDir" val="fromT"/>
+                            <dgm:param type="secChAlign" val="t"/>
+                            <dgm:param type="secLinDir" val="fromL"/>
+                          </dgm:alg>
+                        </dgm:if>
+                        <dgm:else name="Name101">
+                          <dgm:alg type="hierChild">
+                            <dgm:param type="chAlign" val="r"/>
+                            <dgm:param type="linDir" val="fromT"/>
+                            <dgm:param type="secChAlign" val="t"/>
+                            <dgm:param type="secLinDir" val="fromR"/>
+                          </dgm:alg>
+                        </dgm:else>
+                      </dgm:choose>
+                    </dgm:if>
+                    <dgm:else name="Name102">
+                      <dgm:choose name="Name103">
+                        <dgm:if name="Name104" func="var" arg="dir" op="equ" val="norm">
+                          <dgm:alg type="hierChild">
+                            <dgm:param type="linDir" val="fromT"/>
+                            <dgm:param type="chAlign" val="l"/>
+                          </dgm:alg>
+                        </dgm:if>
+                        <dgm:else name="Name105">
+                          <dgm:alg type="hierChild">
+                            <dgm:param type="linDir" val="fromT"/>
+                            <dgm:param type="chAlign" val="r"/>
+                          </dgm:alg>
+                        </dgm:else>
+                      </dgm:choose>
+                    </dgm:else>
+                  </dgm:choose>
+                  <dgm:shape xmlns:r="http://schemas.openxmlformats.org/officeDocument/2006/relationships" r:blip="">
+                    <dgm:adjLst/>
+                  </dgm:shape>
+                  <dgm:presOf/>
+                  <dgm:constrLst/>
+                  <dgm:ruleLst/>
+                  <dgm:forEach name="Name106" ref="rep2a"/>
+                </dgm:layoutNode>
+                <dgm:layoutNode name="hierChild5">
+                  <dgm:choose name="Name107">
+                    <dgm:if name="Name108" func="var" arg="dir" op="equ" val="norm">
+                      <dgm:alg type="hierChild">
+                        <dgm:param type="chAlign" val="l"/>
+                        <dgm:param type="linDir" val="fromT"/>
+                        <dgm:param type="secChAlign" val="t"/>
+                        <dgm:param type="secLinDir" val="fromL"/>
+                      </dgm:alg>
+                    </dgm:if>
+                    <dgm:else name="Name109">
+                      <dgm:alg type="hierChild">
+                        <dgm:param type="chAlign" val="r"/>
+                        <dgm:param type="linDir" val="fromT"/>
+                        <dgm:param type="secChAlign" val="t"/>
+                        <dgm:param type="secLinDir" val="fromR"/>
+                      </dgm:alg>
+                    </dgm:else>
+                  </dgm:choose>
+                  <dgm:shape xmlns:r="http://schemas.openxmlformats.org/officeDocument/2006/relationships" r:blip="">
+                    <dgm:adjLst/>
+                  </dgm:shape>
+                  <dgm:presOf/>
+                  <dgm:constrLst/>
+                  <dgm:ruleLst/>
+                  <dgm:forEach name="Name110" ref="rep2b"/>
+                </dgm:layoutNode>
+              </dgm:layoutNode>
+            </dgm:forEach>
+          </dgm:layoutNode>
+          <dgm:layoutNode name="hierChild3">
+            <dgm:choose name="Name111">
+              <dgm:if name="Name112" func="var" arg="dir" op="equ" val="norm">
+                <dgm:alg type="hierChild">
+                  <dgm:param type="chAlign" val="l"/>
+                  <dgm:param type="linDir" val="fromT"/>
+                  <dgm:param type="secChAlign" val="t"/>
+                  <dgm:param type="secLinDir" val="fromL"/>
+                </dgm:alg>
+              </dgm:if>
+              <dgm:else name="Name113">
+                <dgm:alg type="hierChild">
+                  <dgm:param type="chAlign" val="r"/>
+                  <dgm:param type="linDir" val="fromT"/>
+                  <dgm:param type="secChAlign" val="t"/>
+                  <dgm:param type="secLinDir" val="fromR"/>
+                </dgm:alg>
+              </dgm:else>
+            </dgm:choose>
+            <dgm:shape xmlns:r="http://schemas.openxmlformats.org/officeDocument/2006/relationships" r:blip="">
+              <dgm:adjLst/>
+            </dgm:shape>
+            <dgm:presOf/>
+            <dgm:constrLst/>
+            <dgm:ruleLst/>
+            <dgm:forEach name="rep2b" axis="ch" ptType="asst">
+              <dgm:forEach name="Name114" axis="precedSib" ptType="parTrans" st="-1" cnt="1">
+                <dgm:layoutNode name="Name115">
+                  <dgm:choose name="Name116">
+                    <dgm:if name="Name117" func="var" arg="dir" op="equ" val="norm">
+                      <dgm:alg type="conn">
+                        <dgm:param type="connRout" val="bend"/>
+                        <dgm:param type="dim" val="1D"/>
+                        <dgm:param type="endSty" val="noArr"/>
+                        <dgm:param type="begPts" val="midR"/>
+                        <dgm:param type="endPts" val="bCtr tCtr"/>
+                      </dgm:alg>
+                    </dgm:if>
+                    <dgm:else name="Name118">
+                      <dgm:alg type="conn">
+                        <dgm:param type="connRout" val="bend"/>
+                        <dgm:param type="dim" val="1D"/>
+                        <dgm:param type="endSty" val="noArr"/>
+                        <dgm:param type="begPts" val="midL"/>
+                        <dgm:param type="endPts" val="bCtr tCtr"/>
+                      </dgm:alg>
+                    </dgm:else>
+                  </dgm:choose>
+                  <dgm:shape xmlns:r="http://schemas.openxmlformats.org/officeDocument/2006/relationships" type="conn" r:blip="" zOrderOff="-99999">
+                    <dgm:adjLst/>
+                  </dgm:shape>
+                  <dgm:presOf axis="self"/>
+                  <dgm:constrLst>
+                    <dgm:constr type="begPad"/>
+                    <dgm:constr type="endPad"/>
+                  </dgm:constrLst>
+                  <dgm:ruleLst/>
+                </dgm:layoutNode>
+              </dgm:forEach>
+              <dgm:layoutNode name="hierRoot3">
+                <dgm:varLst>
+                  <dgm:hierBranch val="init"/>
+                </dgm:varLst>
+                <dgm:choose name="Name119">
+                  <dgm:if name="Name120" func="var" arg="hierBranch" op="equ" val="l">
+                    <dgm:choose name="Name121">
+                      <dgm:if name="Name122" func="var" arg="dir" op="equ" val="norm">
+                        <dgm:alg type="hierRoot">
+                          <dgm:param type="hierAlign" val="lT"/>
+                        </dgm:alg>
+                        <dgm:constrLst>
+                          <dgm:constr type="alignOff" val="0.75"/>
+                        </dgm:constrLst>
+                      </dgm:if>
+                      <dgm:else name="Name123">
+                        <dgm:alg type="hierRoot">
+                          <dgm:param type="hierAlign" val="rT"/>
+                        </dgm:alg>
+                        <dgm:constrLst>
+                          <dgm:constr type="alignOff" val="0.75"/>
+                        </dgm:constrLst>
+                      </dgm:else>
+                    </dgm:choose>
+                  </dgm:if>
+                  <dgm:if name="Name124" func="var" arg="hierBranch" op="equ" val="r">
+                    <dgm:choose name="Name125">
+                      <dgm:if name="Name126" func="var" arg="dir" op="equ" val="norm">
+                        <dgm:alg type="hierRoot">
+                          <dgm:param type="hierAlign" val="lB"/>
+                        </dgm:alg>
+                        <dgm:constrLst>
+                          <dgm:constr type="alignOff" val="0.75"/>
+                        </dgm:constrLst>
+                      </dgm:if>
+                      <dgm:else name="Name127">
+                        <dgm:alg type="hierRoot">
+                          <dgm:param type="hierAlign" val="rB"/>
+                        </dgm:alg>
+                        <dgm:constrLst>
+                          <dgm:constr type="alignOff" val="0.75"/>
+                        </dgm:constrLst>
+                      </dgm:else>
+                    </dgm:choose>
+                  </dgm:if>
+                  <dgm:if name="Name128" func="var" arg="hierBranch" op="equ" val="hang">
+                    <dgm:choose name="Name129">
+                      <dgm:if name="Name130" func="var" arg="dir" op="equ" val="norm">
+                        <dgm:alg type="hierRoot">
+                          <dgm:param type="hierAlign" val="lCtrCh"/>
+                        </dgm:alg>
+                        <dgm:constrLst>
+                          <dgm:constr type="alignOff" val="0.65"/>
+                        </dgm:constrLst>
+                      </dgm:if>
+                      <dgm:else name="Name131">
+                        <dgm:alg type="hierRoot">
+                          <dgm:param type="hierAlign" val="rCtrCh"/>
+                        </dgm:alg>
+                        <dgm:constrLst>
+                          <dgm:constr type="alignOff" val="0.65"/>
+                        </dgm:constrLst>
+                      </dgm:else>
+                    </dgm:choose>
+                  </dgm:if>
+                  <dgm:else name="Name132">
+                    <dgm:choose name="Name133">
+                      <dgm:if name="Name134" func="var" arg="dir" op="equ" val="norm">
+                        <dgm:alg type="hierRoot">
+                          <dgm:param type="hierAlign" val="lCtrCh"/>
+                        </dgm:alg>
+                        <dgm:constrLst>
+                          <dgm:constr type="alignOff"/>
+                          <dgm:constr type="bendDist" for="des" ptType="parTrans" refType="sp" fact="0.5"/>
+                        </dgm:constrLst>
+                      </dgm:if>
+                      <dgm:else name="Name135">
+                        <dgm:alg type="hierRoot">
+                          <dgm:param type="hierAlign" val="rCtrCh"/>
+                        </dgm:alg>
+                        <dgm:constrLst>
+                          <dgm:constr type="alignOff"/>
+                          <dgm:constr type="bendDist" for="des" ptType="parTrans" refType="sp" fact="0.5"/>
+                        </dgm:constrLst>
+                      </dgm:else>
+                    </dgm:choose>
+                  </dgm:else>
+                </dgm:choose>
+                <dgm:shape xmlns:r="http://schemas.openxmlformats.org/officeDocument/2006/relationships" r:blip="">
+                  <dgm:adjLst/>
+                </dgm:shape>
+                <dgm:presOf/>
+                <dgm:ruleLst/>
+                <dgm:layoutNode name="rootComposite3">
+                  <dgm:alg type="composite"/>
+                  <dgm:shape xmlns:r="http://schemas.openxmlformats.org/officeDocument/2006/relationships" r:blip="">
+                    <dgm:adjLst/>
+                  </dgm:shape>
+                  <dgm:presOf axis="self" ptType="node" cnt="1"/>
+                  <dgm:choose name="Name136">
+                    <dgm:if name="Name137" func="var" arg="hierBranch" op="equ" val="init">
+                      <dgm:constrLst>
+                        <dgm:constr type="l" for="ch" forName="rootText3"/>
+                        <dgm:constr type="t" for="ch" forName="rootText3"/>
+                        <dgm:constr type="w" for="ch" forName="rootText3" refType="w"/>
+                        <dgm:constr type="h" for="ch" forName="rootText3" refType="h"/>
+                        <dgm:constr type="l" for="ch" forName="rootConnector3"/>
+                        <dgm:constr type="t" for="ch" forName="rootConnector3"/>
+                        <dgm:constr type="w" for="ch" forName="rootConnector3" refType="w" refFor="ch" refForName="rootText3" fact="0.2"/>
+                        <dgm:constr type="h" for="ch" forName="rootConnector3" refType="h" refFor="ch" refForName="rootText3"/>
+                      </dgm:constrLst>
+                    </dgm:if>
+                    <dgm:if name="Name138" func="var" arg="hierBranch" op="equ" val="l">
+                      <dgm:constrLst>
+                        <dgm:constr type="l" for="ch" forName="rootText3"/>
+                        <dgm:constr type="t" for="ch" forName="rootText3"/>
+                        <dgm:constr type="w" for="ch" forName="rootText3" refType="w"/>
+                        <dgm:constr type="h" for="ch" forName="rootText3" refType="h"/>
+                        <dgm:constr type="r" for="ch" forName="rootConnector3" refType="w"/>
+                        <dgm:constr type="t" for="ch" forName="rootConnector3"/>
+                        <dgm:constr type="w" for="ch" forName="rootConnector3" refType="w" refFor="ch" refForName="rootText3" fact="0.2"/>
+                        <dgm:constr type="h" for="ch" forName="rootConnector3" refType="h" refFor="ch" refForName="rootText3"/>
+                      </dgm:constrLst>
+                    </dgm:if>
+                    <dgm:if name="Name139" func="var" arg="hierBranch" op="equ" val="r">
+                      <dgm:constrLst>
+                        <dgm:constr type="l" for="ch" forName="rootText3"/>
+                        <dgm:constr type="t" for="ch" forName="rootText3"/>
+                        <dgm:constr type="w" for="ch" forName="rootText3" refType="w"/>
+                        <dgm:constr type="h" for="ch" forName="rootText3" refType="h"/>
+                        <dgm:constr type="l" for="ch" forName="rootConnector3"/>
+                        <dgm:constr type="t" for="ch" forName="rootConnector3"/>
+                        <dgm:constr type="w" for="ch" forName="rootConnector3" refType="w" refFor="ch" refForName="rootText3" fact="0.2"/>
+                        <dgm:constr type="h" for="ch" forName="rootConnector3" refType="h" refFor="ch" refForName="rootText3"/>
+                      </dgm:constrLst>
+                    </dgm:if>
+                    <dgm:else name="Name140">
+                      <dgm:constrLst>
+                        <dgm:constr type="l" for="ch" forName="rootText3"/>
+                        <dgm:constr type="t" for="ch" forName="rootText3"/>
+                        <dgm:constr type="w" for="ch" forName="rootText3" refType="w"/>
+                        <dgm:constr type="h" for="ch" forName="rootText3" refType="h"/>
+                        <dgm:constr type="r" for="ch" forName="rootConnector3" refType="w"/>
+                        <dgm:constr type="t" for="ch" forName="rootConnector3"/>
+                        <dgm:constr type="w" for="ch" forName="rootConnector3" refType="w" refFor="ch" refForName="rootText3" fact="0.2"/>
+                        <dgm:constr type="h" for="ch" forName="rootConnector3" refType="h" refFor="ch" refForName="rootText3"/>
+                      </dgm:constrLst>
+                    </dgm:else>
+                  </dgm:choose>
+                  <dgm:ruleLst/>
+                  <dgm:layoutNode name="rootText3">
+                    <dgm:varLst>
+                      <dgm:chPref val="3"/>
+                    </dgm:varLst>
+                    <dgm:alg type="tx"/>
+                    <dgm:shape xmlns:r="http://schemas.openxmlformats.org/officeDocument/2006/relationships" type="rect" r:blip="">
+                      <dgm:adjLst/>
+                    </dgm:shape>
+                    <dgm:presOf axis="self" ptType="node" cnt="1"/>
+                    <dgm:constrLst>
+                      <dgm:constr type="primFontSz" val="65"/>
+                      <dgm:constr type="lMarg" refType="primFontSz" fact="0.05"/>
+                      <dgm:constr type="rMarg" refType="primFontSz" fact="0.05"/>
+                      <dgm:constr type="tMarg" refType="primFontSz" fact="0.05"/>
+                      <dgm:constr type="bMarg" refType="primFontSz" fact="0.05"/>
+                    </dgm:constrLst>
+                    <dgm:ruleLst>
+                      <dgm:rule type="primFontSz" val="5" fact="NaN" max="NaN"/>
+                    </dgm:ruleLst>
+                  </dgm:layoutNode>
+                  <dgm:layoutNode name="rootConnector3" moveWith="rootText1">
+                    <dgm:alg type="sp"/>
+                    <dgm:shape xmlns:r="http://schemas.openxmlformats.org/officeDocument/2006/relationships" type="rect" r:blip="" hideGeom="1">
+                      <dgm:adjLst/>
+                    </dgm:shape>
+                    <dgm:presOf axis="self" ptType="node" cnt="1"/>
+                    <dgm:constrLst/>
+                    <dgm:ruleLst/>
+                  </dgm:layoutNode>
+                </dgm:layoutNode>
+                <dgm:layoutNode name="hierChild6">
+                  <dgm:choose name="Name141">
+                    <dgm:if name="Name142" func="var" arg="hierBranch" op="equ" val="l">
+                      <dgm:choose name="Name143">
+                        <dgm:if name="Name144" func="var" arg="dir" op="equ" val="norm">
+                          <dgm:alg type="hierChild">
+                            <dgm:param type="chAlign" val="t"/>
+                            <dgm:param type="linDir" val="fromL"/>
+                          </dgm:alg>
+                        </dgm:if>
+                        <dgm:else name="Name145">
+                          <dgm:alg type="hierChild">
+                            <dgm:param type="chAlign" val="t"/>
+                            <dgm:param type="linDir" val="fromR"/>
+                          </dgm:alg>
+                        </dgm:else>
+                      </dgm:choose>
+                    </dgm:if>
+                    <dgm:if name="Name146" func="var" arg="hierBranch" op="equ" val="r">
+                      <dgm:choose name="Name147">
+                        <dgm:if name="Name148" func="var" arg="dir" op="equ" val="norm">
+                          <dgm:alg type="hierChild">
+                            <dgm:param type="chAlign" val="b"/>
+                            <dgm:param type="linDir" val="fromL"/>
+                          </dgm:alg>
+                        </dgm:if>
+                        <dgm:else name="Name149">
+                          <dgm:alg type="hierChild">
+                            <dgm:param type="chAlign" val="b"/>
+                            <dgm:param type="linDir" val="fromR"/>
+                          </dgm:alg>
+                        </dgm:else>
+                      </dgm:choose>
+                    </dgm:if>
+                    <dgm:if name="Name150" func="var" arg="hierBranch" op="equ" val="hang">
+                      <dgm:choose name="Name151">
+                        <dgm:if name="Name152" func="var" arg="dir" op="equ" val="norm">
+                          <dgm:alg type="hierChild">
+                            <dgm:param type="chAlign" val="l"/>
+                            <dgm:param type="linDir" val="fromT"/>
+                            <dgm:param type="secChAlign" val="t"/>
+                            <dgm:param type="secLinDir" val="fromL"/>
+                          </dgm:alg>
+                        </dgm:if>
+                        <dgm:else name="Name153">
+                          <dgm:alg type="hierChild">
+                            <dgm:param type="chAlign" val="r"/>
+                            <dgm:param type="linDir" val="fromT"/>
+                            <dgm:param type="secChAlign" val="t"/>
+                            <dgm:param type="secLinDir" val="fromR"/>
+                          </dgm:alg>
+                        </dgm:else>
+                      </dgm:choose>
+                    </dgm:if>
+                    <dgm:else name="Name154">
+                      <dgm:choose name="Name155">
+                        <dgm:if name="Name156" func="var" arg="dir" op="equ" val="norm">
+                          <dgm:alg type="hierChild">
+                            <dgm:param type="linDir" val="fromT"/>
+                            <dgm:param type="chAlign" val="l"/>
+                          </dgm:alg>
+                        </dgm:if>
+                        <dgm:else name="Name157">
+                          <dgm:alg type="hierChild">
+                            <dgm:param type="linDir" val="fromT"/>
+                            <dgm:param type="chAlign" val="r"/>
+                          </dgm:alg>
+                        </dgm:else>
+                      </dgm:choose>
+                    </dgm:else>
+                  </dgm:choose>
+                  <dgm:shape xmlns:r="http://schemas.openxmlformats.org/officeDocument/2006/relationships" r:blip="">
+                    <dgm:adjLst/>
+                  </dgm:shape>
+                  <dgm:presOf/>
+                  <dgm:constrLst/>
+                  <dgm:ruleLst/>
+                  <dgm:forEach name="Name158" ref="rep2a"/>
+                </dgm:layoutNode>
+                <dgm:layoutNode name="hierChild7">
+                  <dgm:choose name="Name159">
+                    <dgm:if name="Name160" func="var" arg="dir" op="equ" val="norm">
+                      <dgm:alg type="hierChild">
+                        <dgm:param type="chAlign" val="l"/>
+                        <dgm:param type="linDir" val="fromT"/>
+                        <dgm:param type="secChAlign" val="t"/>
+                        <dgm:param type="secLinDir" val="fromL"/>
+                      </dgm:alg>
+                    </dgm:if>
+                    <dgm:else name="Name161">
+                      <dgm:alg type="hierChild">
+                        <dgm:param type="chAlign" val="r"/>
+                        <dgm:param type="linDir" val="fromT"/>
+                        <dgm:param type="secChAlign" val="t"/>
+                        <dgm:param type="secLinDir" val="fromR"/>
+                      </dgm:alg>
+                    </dgm:else>
+                  </dgm:choose>
+                  <dgm:shape xmlns:r="http://schemas.openxmlformats.org/officeDocument/2006/relationships" r:blip="">
+                    <dgm:adjLst/>
+                  </dgm:shape>
+                  <dgm:presOf/>
+                  <dgm:constrLst/>
+                  <dgm:ruleLst/>
+                  <dgm:forEach name="Name162" ref="rep2b"/>
+                </dgm:layoutNode>
+              </dgm:layoutNode>
+            </dgm:forEach>
+          </dgm:layoutNode>
+        </dgm:layoutNode>
+      </dgm:forEach>
+    </dgm:forEach>
+  </dgm:layoutNode>
+</dgm:layoutDef>
+</file>
+
 <file path=ppt/diagrams/quickStyle1.xml><?xml version="1.0" encoding="utf-8"?>
 <dgm:styleDef xmlns:dgm="http://schemas.openxmlformats.org/drawingml/2006/diagram" xmlns:a="http://schemas.openxmlformats.org/drawingml/2006/main" uniqueId="urn:microsoft.com/office/officeart/2005/8/quickstyle/simple2">
   <dgm:title val=""/>
@@ -5711,6 +8251,1040 @@
         <a:scrgbClr r="0" g="0" b="0"/>
       </a:fillRef>
       <a:effectRef idx="3">
+        <a:scrgbClr r="0" g="0" b="0"/>
+      </a:effectRef>
+      <a:fontRef idx="minor"/>
+    </dgm:style>
+  </dgm:styleLbl>
+  <dgm:styleLbl name="revTx">
+    <dgm:scene3d>
+      <a:camera prst="orthographicFront"/>
+      <a:lightRig rig="threePt" dir="t"/>
+    </dgm:scene3d>
+    <dgm:sp3d/>
+    <dgm:txPr/>
+    <dgm:style>
+      <a:lnRef idx="0">
+        <a:scrgbClr r="0" g="0" b="0"/>
+      </a:lnRef>
+      <a:fillRef idx="0">
+        <a:scrgbClr r="0" g="0" b="0"/>
+      </a:fillRef>
+      <a:effectRef idx="0">
+        <a:scrgbClr r="0" g="0" b="0"/>
+      </a:effectRef>
+      <a:fontRef idx="minor"/>
+    </dgm:style>
+  </dgm:styleLbl>
+</dgm:styleDef>
+</file>
+
+<file path=ppt/diagrams/quickStyle3.xml><?xml version="1.0" encoding="utf-8"?>
+<dgm:styleDef xmlns:dgm="http://schemas.openxmlformats.org/drawingml/2006/diagram" xmlns:a="http://schemas.openxmlformats.org/drawingml/2006/main" uniqueId="urn:microsoft.com/office/officeart/2005/8/quickstyle/simple1">
+  <dgm:title val=""/>
+  <dgm:desc val=""/>
+  <dgm:catLst>
+    <dgm:cat type="simple" pri="10100"/>
+  </dgm:catLst>
+  <dgm:scene3d>
+    <a:camera prst="orthographicFront"/>
+    <a:lightRig rig="threePt" dir="t"/>
+  </dgm:scene3d>
+  <dgm:styleLbl name="node0">
+    <dgm:scene3d>
+      <a:camera prst="orthographicFront"/>
+      <a:lightRig rig="threePt" dir="t"/>
+    </dgm:scene3d>
+    <dgm:sp3d/>
+    <dgm:txPr/>
+    <dgm:style>
+      <a:lnRef idx="2">
+        <a:scrgbClr r="0" g="0" b="0"/>
+      </a:lnRef>
+      <a:fillRef idx="1">
+        <a:scrgbClr r="0" g="0" b="0"/>
+      </a:fillRef>
+      <a:effectRef idx="0">
+        <a:scrgbClr r="0" g="0" b="0"/>
+      </a:effectRef>
+      <a:fontRef idx="minor">
+        <a:schemeClr val="lt1"/>
+      </a:fontRef>
+    </dgm:style>
+  </dgm:styleLbl>
+  <dgm:styleLbl name="lnNode1">
+    <dgm:scene3d>
+      <a:camera prst="orthographicFront"/>
+      <a:lightRig rig="threePt" dir="t"/>
+    </dgm:scene3d>
+    <dgm:sp3d/>
+    <dgm:txPr/>
+    <dgm:style>
+      <a:lnRef idx="2">
+        <a:scrgbClr r="0" g="0" b="0"/>
+      </a:lnRef>
+      <a:fillRef idx="1">
+        <a:scrgbClr r="0" g="0" b="0"/>
+      </a:fillRef>
+      <a:effectRef idx="0">
+        <a:scrgbClr r="0" g="0" b="0"/>
+      </a:effectRef>
+      <a:fontRef idx="minor">
+        <a:schemeClr val="lt1"/>
+      </a:fontRef>
+    </dgm:style>
+  </dgm:styleLbl>
+  <dgm:styleLbl name="vennNode1">
+    <dgm:scene3d>
+      <a:camera prst="orthographicFront"/>
+      <a:lightRig rig="threePt" dir="t"/>
+    </dgm:scene3d>
+    <dgm:sp3d/>
+    <dgm:txPr/>
+    <dgm:style>
+      <a:lnRef idx="2">
+        <a:scrgbClr r="0" g="0" b="0"/>
+      </a:lnRef>
+      <a:fillRef idx="1">
+        <a:scrgbClr r="0" g="0" b="0"/>
+      </a:fillRef>
+      <a:effectRef idx="0">
+        <a:scrgbClr r="0" g="0" b="0"/>
+      </a:effectRef>
+      <a:fontRef idx="minor">
+        <a:schemeClr val="tx1"/>
+      </a:fontRef>
+    </dgm:style>
+  </dgm:styleLbl>
+  <dgm:styleLbl name="alignNode1">
+    <dgm:scene3d>
+      <a:camera prst="orthographicFront"/>
+      <a:lightRig rig="threePt" dir="t"/>
+    </dgm:scene3d>
+    <dgm:sp3d/>
+    <dgm:txPr/>
+    <dgm:style>
+      <a:lnRef idx="2">
+        <a:scrgbClr r="0" g="0" b="0"/>
+      </a:lnRef>
+      <a:fillRef idx="1">
+        <a:scrgbClr r="0" g="0" b="0"/>
+      </a:fillRef>
+      <a:effectRef idx="0">
+        <a:scrgbClr r="0" g="0" b="0"/>
+      </a:effectRef>
+      <a:fontRef idx="minor">
+        <a:schemeClr val="lt1"/>
+      </a:fontRef>
+    </dgm:style>
+  </dgm:styleLbl>
+  <dgm:styleLbl name="node1">
+    <dgm:scene3d>
+      <a:camera prst="orthographicFront"/>
+      <a:lightRig rig="threePt" dir="t"/>
+    </dgm:scene3d>
+    <dgm:sp3d/>
+    <dgm:txPr/>
+    <dgm:style>
+      <a:lnRef idx="2">
+        <a:scrgbClr r="0" g="0" b="0"/>
+      </a:lnRef>
+      <a:fillRef idx="1">
+        <a:scrgbClr r="0" g="0" b="0"/>
+      </a:fillRef>
+      <a:effectRef idx="0">
+        <a:scrgbClr r="0" g="0" b="0"/>
+      </a:effectRef>
+      <a:fontRef idx="minor">
+        <a:schemeClr val="lt1"/>
+      </a:fontRef>
+    </dgm:style>
+  </dgm:styleLbl>
+  <dgm:styleLbl name="node2">
+    <dgm:scene3d>
+      <a:camera prst="orthographicFront"/>
+      <a:lightRig rig="threePt" dir="t"/>
+    </dgm:scene3d>
+    <dgm:sp3d/>
+    <dgm:txPr/>
+    <dgm:style>
+      <a:lnRef idx="2">
+        <a:scrgbClr r="0" g="0" b="0"/>
+      </a:lnRef>
+      <a:fillRef idx="1">
+        <a:scrgbClr r="0" g="0" b="0"/>
+      </a:fillRef>
+      <a:effectRef idx="0">
+        <a:scrgbClr r="0" g="0" b="0"/>
+      </a:effectRef>
+      <a:fontRef idx="minor">
+        <a:schemeClr val="lt1"/>
+      </a:fontRef>
+    </dgm:style>
+  </dgm:styleLbl>
+  <dgm:styleLbl name="node3">
+    <dgm:scene3d>
+      <a:camera prst="orthographicFront"/>
+      <a:lightRig rig="threePt" dir="t"/>
+    </dgm:scene3d>
+    <dgm:sp3d/>
+    <dgm:txPr/>
+    <dgm:style>
+      <a:lnRef idx="2">
+        <a:scrgbClr r="0" g="0" b="0"/>
+      </a:lnRef>
+      <a:fillRef idx="1">
+        <a:scrgbClr r="0" g="0" b="0"/>
+      </a:fillRef>
+      <a:effectRef idx="0">
+        <a:scrgbClr r="0" g="0" b="0"/>
+      </a:effectRef>
+      <a:fontRef idx="minor">
+        <a:schemeClr val="lt1"/>
+      </a:fontRef>
+    </dgm:style>
+  </dgm:styleLbl>
+  <dgm:styleLbl name="node4">
+    <dgm:scene3d>
+      <a:camera prst="orthographicFront"/>
+      <a:lightRig rig="threePt" dir="t"/>
+    </dgm:scene3d>
+    <dgm:sp3d/>
+    <dgm:txPr/>
+    <dgm:style>
+      <a:lnRef idx="2">
+        <a:scrgbClr r="0" g="0" b="0"/>
+      </a:lnRef>
+      <a:fillRef idx="1">
+        <a:scrgbClr r="0" g="0" b="0"/>
+      </a:fillRef>
+      <a:effectRef idx="0">
+        <a:scrgbClr r="0" g="0" b="0"/>
+      </a:effectRef>
+      <a:fontRef idx="minor">
+        <a:schemeClr val="lt1"/>
+      </a:fontRef>
+    </dgm:style>
+  </dgm:styleLbl>
+  <dgm:styleLbl name="fgImgPlace1">
+    <dgm:scene3d>
+      <a:camera prst="orthographicFront"/>
+      <a:lightRig rig="threePt" dir="t"/>
+    </dgm:scene3d>
+    <dgm:sp3d/>
+    <dgm:txPr/>
+    <dgm:style>
+      <a:lnRef idx="2">
+        <a:scrgbClr r="0" g="0" b="0"/>
+      </a:lnRef>
+      <a:fillRef idx="1">
+        <a:scrgbClr r="0" g="0" b="0"/>
+      </a:fillRef>
+      <a:effectRef idx="0">
+        <a:scrgbClr r="0" g="0" b="0"/>
+      </a:effectRef>
+      <a:fontRef idx="minor"/>
+    </dgm:style>
+  </dgm:styleLbl>
+  <dgm:styleLbl name="alignImgPlace1">
+    <dgm:scene3d>
+      <a:camera prst="orthographicFront"/>
+      <a:lightRig rig="threePt" dir="t"/>
+    </dgm:scene3d>
+    <dgm:sp3d/>
+    <dgm:txPr/>
+    <dgm:style>
+      <a:lnRef idx="2">
+        <a:scrgbClr r="0" g="0" b="0"/>
+      </a:lnRef>
+      <a:fillRef idx="1">
+        <a:scrgbClr r="0" g="0" b="0"/>
+      </a:fillRef>
+      <a:effectRef idx="0">
+        <a:scrgbClr r="0" g="0" b="0"/>
+      </a:effectRef>
+      <a:fontRef idx="minor"/>
+    </dgm:style>
+  </dgm:styleLbl>
+  <dgm:styleLbl name="bgImgPlace1">
+    <dgm:scene3d>
+      <a:camera prst="orthographicFront"/>
+      <a:lightRig rig="threePt" dir="t"/>
+    </dgm:scene3d>
+    <dgm:sp3d/>
+    <dgm:txPr/>
+    <dgm:style>
+      <a:lnRef idx="2">
+        <a:scrgbClr r="0" g="0" b="0"/>
+      </a:lnRef>
+      <a:fillRef idx="1">
+        <a:scrgbClr r="0" g="0" b="0"/>
+      </a:fillRef>
+      <a:effectRef idx="0">
+        <a:scrgbClr r="0" g="0" b="0"/>
+      </a:effectRef>
+      <a:fontRef idx="minor"/>
+    </dgm:style>
+  </dgm:styleLbl>
+  <dgm:styleLbl name="sibTrans2D1">
+    <dgm:scene3d>
+      <a:camera prst="orthographicFront"/>
+      <a:lightRig rig="threePt" dir="t"/>
+    </dgm:scene3d>
+    <dgm:sp3d/>
+    <dgm:txPr/>
+    <dgm:style>
+      <a:lnRef idx="0">
+        <a:scrgbClr r="0" g="0" b="0"/>
+      </a:lnRef>
+      <a:fillRef idx="1">
+        <a:scrgbClr r="0" g="0" b="0"/>
+      </a:fillRef>
+      <a:effectRef idx="0">
+        <a:scrgbClr r="0" g="0" b="0"/>
+      </a:effectRef>
+      <a:fontRef idx="minor">
+        <a:schemeClr val="lt1"/>
+      </a:fontRef>
+    </dgm:style>
+  </dgm:styleLbl>
+  <dgm:styleLbl name="fgSibTrans2D1">
+    <dgm:scene3d>
+      <a:camera prst="orthographicFront"/>
+      <a:lightRig rig="threePt" dir="t"/>
+    </dgm:scene3d>
+    <dgm:sp3d/>
+    <dgm:txPr/>
+    <dgm:style>
+      <a:lnRef idx="0">
+        <a:scrgbClr r="0" g="0" b="0"/>
+      </a:lnRef>
+      <a:fillRef idx="1">
+        <a:scrgbClr r="0" g="0" b="0"/>
+      </a:fillRef>
+      <a:effectRef idx="0">
+        <a:scrgbClr r="0" g="0" b="0"/>
+      </a:effectRef>
+      <a:fontRef idx="minor">
+        <a:schemeClr val="lt1"/>
+      </a:fontRef>
+    </dgm:style>
+  </dgm:styleLbl>
+  <dgm:styleLbl name="bgSibTrans2D1">
+    <dgm:scene3d>
+      <a:camera prst="orthographicFront"/>
+      <a:lightRig rig="threePt" dir="t"/>
+    </dgm:scene3d>
+    <dgm:sp3d/>
+    <dgm:txPr/>
+    <dgm:style>
+      <a:lnRef idx="0">
+        <a:scrgbClr r="0" g="0" b="0"/>
+      </a:lnRef>
+      <a:fillRef idx="1">
+        <a:scrgbClr r="0" g="0" b="0"/>
+      </a:fillRef>
+      <a:effectRef idx="0">
+        <a:scrgbClr r="0" g="0" b="0"/>
+      </a:effectRef>
+      <a:fontRef idx="minor">
+        <a:schemeClr val="lt1"/>
+      </a:fontRef>
+    </dgm:style>
+  </dgm:styleLbl>
+  <dgm:styleLbl name="sibTrans1D1">
+    <dgm:scene3d>
+      <a:camera prst="orthographicFront"/>
+      <a:lightRig rig="threePt" dir="t"/>
+    </dgm:scene3d>
+    <dgm:sp3d/>
+    <dgm:txPr/>
+    <dgm:style>
+      <a:lnRef idx="1">
+        <a:scrgbClr r="0" g="0" b="0"/>
+      </a:lnRef>
+      <a:fillRef idx="0">
+        <a:scrgbClr r="0" g="0" b="0"/>
+      </a:fillRef>
+      <a:effectRef idx="0">
+        <a:scrgbClr r="0" g="0" b="0"/>
+      </a:effectRef>
+      <a:fontRef idx="minor"/>
+    </dgm:style>
+  </dgm:styleLbl>
+  <dgm:styleLbl name="callout">
+    <dgm:scene3d>
+      <a:camera prst="orthographicFront"/>
+      <a:lightRig rig="threePt" dir="t"/>
+    </dgm:scene3d>
+    <dgm:sp3d/>
+    <dgm:txPr/>
+    <dgm:style>
+      <a:lnRef idx="2">
+        <a:scrgbClr r="0" g="0" b="0"/>
+      </a:lnRef>
+      <a:fillRef idx="1">
+        <a:scrgbClr r="0" g="0" b="0"/>
+      </a:fillRef>
+      <a:effectRef idx="0">
+        <a:scrgbClr r="0" g="0" b="0"/>
+      </a:effectRef>
+      <a:fontRef idx="minor"/>
+    </dgm:style>
+  </dgm:styleLbl>
+  <dgm:styleLbl name="asst0">
+    <dgm:scene3d>
+      <a:camera prst="orthographicFront"/>
+      <a:lightRig rig="threePt" dir="t"/>
+    </dgm:scene3d>
+    <dgm:sp3d/>
+    <dgm:txPr/>
+    <dgm:style>
+      <a:lnRef idx="2">
+        <a:scrgbClr r="0" g="0" b="0"/>
+      </a:lnRef>
+      <a:fillRef idx="1">
+        <a:scrgbClr r="0" g="0" b="0"/>
+      </a:fillRef>
+      <a:effectRef idx="0">
+        <a:scrgbClr r="0" g="0" b="0"/>
+      </a:effectRef>
+      <a:fontRef idx="minor">
+        <a:schemeClr val="lt1"/>
+      </a:fontRef>
+    </dgm:style>
+  </dgm:styleLbl>
+  <dgm:styleLbl name="asst1">
+    <dgm:scene3d>
+      <a:camera prst="orthographicFront"/>
+      <a:lightRig rig="threePt" dir="t"/>
+    </dgm:scene3d>
+    <dgm:sp3d/>
+    <dgm:txPr/>
+    <dgm:style>
+      <a:lnRef idx="2">
+        <a:scrgbClr r="0" g="0" b="0"/>
+      </a:lnRef>
+      <a:fillRef idx="1">
+        <a:scrgbClr r="0" g="0" b="0"/>
+      </a:fillRef>
+      <a:effectRef idx="0">
+        <a:scrgbClr r="0" g="0" b="0"/>
+      </a:effectRef>
+      <a:fontRef idx="minor">
+        <a:schemeClr val="lt1"/>
+      </a:fontRef>
+    </dgm:style>
+  </dgm:styleLbl>
+  <dgm:styleLbl name="asst2">
+    <dgm:scene3d>
+      <a:camera prst="orthographicFront"/>
+      <a:lightRig rig="threePt" dir="t"/>
+    </dgm:scene3d>
+    <dgm:sp3d/>
+    <dgm:txPr/>
+    <dgm:style>
+      <a:lnRef idx="2">
+        <a:scrgbClr r="0" g="0" b="0"/>
+      </a:lnRef>
+      <a:fillRef idx="1">
+        <a:scrgbClr r="0" g="0" b="0"/>
+      </a:fillRef>
+      <a:effectRef idx="0">
+        <a:scrgbClr r="0" g="0" b="0"/>
+      </a:effectRef>
+      <a:fontRef idx="minor">
+        <a:schemeClr val="lt1"/>
+      </a:fontRef>
+    </dgm:style>
+  </dgm:styleLbl>
+  <dgm:styleLbl name="asst3">
+    <dgm:scene3d>
+      <a:camera prst="orthographicFront"/>
+      <a:lightRig rig="threePt" dir="t"/>
+    </dgm:scene3d>
+    <dgm:sp3d/>
+    <dgm:txPr/>
+    <dgm:style>
+      <a:lnRef idx="2">
+        <a:scrgbClr r="0" g="0" b="0"/>
+      </a:lnRef>
+      <a:fillRef idx="1">
+        <a:scrgbClr r="0" g="0" b="0"/>
+      </a:fillRef>
+      <a:effectRef idx="0">
+        <a:scrgbClr r="0" g="0" b="0"/>
+      </a:effectRef>
+      <a:fontRef idx="minor">
+        <a:schemeClr val="lt1"/>
+      </a:fontRef>
+    </dgm:style>
+  </dgm:styleLbl>
+  <dgm:styleLbl name="asst4">
+    <dgm:scene3d>
+      <a:camera prst="orthographicFront"/>
+      <a:lightRig rig="threePt" dir="t"/>
+    </dgm:scene3d>
+    <dgm:sp3d/>
+    <dgm:txPr/>
+    <dgm:style>
+      <a:lnRef idx="2">
+        <a:scrgbClr r="0" g="0" b="0"/>
+      </a:lnRef>
+      <a:fillRef idx="1">
+        <a:scrgbClr r="0" g="0" b="0"/>
+      </a:fillRef>
+      <a:effectRef idx="0">
+        <a:scrgbClr r="0" g="0" b="0"/>
+      </a:effectRef>
+      <a:fontRef idx="minor">
+        <a:schemeClr val="lt1"/>
+      </a:fontRef>
+    </dgm:style>
+  </dgm:styleLbl>
+  <dgm:styleLbl name="parChTrans2D1">
+    <dgm:scene3d>
+      <a:camera prst="orthographicFront"/>
+      <a:lightRig rig="threePt" dir="t"/>
+    </dgm:scene3d>
+    <dgm:sp3d/>
+    <dgm:txPr/>
+    <dgm:style>
+      <a:lnRef idx="2">
+        <a:scrgbClr r="0" g="0" b="0"/>
+      </a:lnRef>
+      <a:fillRef idx="1">
+        <a:scrgbClr r="0" g="0" b="0"/>
+      </a:fillRef>
+      <a:effectRef idx="0">
+        <a:scrgbClr r="0" g="0" b="0"/>
+      </a:effectRef>
+      <a:fontRef idx="minor">
+        <a:schemeClr val="lt1"/>
+      </a:fontRef>
+    </dgm:style>
+  </dgm:styleLbl>
+  <dgm:styleLbl name="parChTrans2D2">
+    <dgm:scene3d>
+      <a:camera prst="orthographicFront"/>
+      <a:lightRig rig="threePt" dir="t"/>
+    </dgm:scene3d>
+    <dgm:sp3d/>
+    <dgm:txPr/>
+    <dgm:style>
+      <a:lnRef idx="2">
+        <a:scrgbClr r="0" g="0" b="0"/>
+      </a:lnRef>
+      <a:fillRef idx="1">
+        <a:scrgbClr r="0" g="0" b="0"/>
+      </a:fillRef>
+      <a:effectRef idx="0">
+        <a:scrgbClr r="0" g="0" b="0"/>
+      </a:effectRef>
+      <a:fontRef idx="minor">
+        <a:schemeClr val="lt1"/>
+      </a:fontRef>
+    </dgm:style>
+  </dgm:styleLbl>
+  <dgm:styleLbl name="parChTrans2D3">
+    <dgm:scene3d>
+      <a:camera prst="orthographicFront"/>
+      <a:lightRig rig="threePt" dir="t"/>
+    </dgm:scene3d>
+    <dgm:sp3d/>
+    <dgm:txPr/>
+    <dgm:style>
+      <a:lnRef idx="2">
+        <a:scrgbClr r="0" g="0" b="0"/>
+      </a:lnRef>
+      <a:fillRef idx="1">
+        <a:scrgbClr r="0" g="0" b="0"/>
+      </a:fillRef>
+      <a:effectRef idx="0">
+        <a:scrgbClr r="0" g="0" b="0"/>
+      </a:effectRef>
+      <a:fontRef idx="minor">
+        <a:schemeClr val="lt1"/>
+      </a:fontRef>
+    </dgm:style>
+  </dgm:styleLbl>
+  <dgm:styleLbl name="parChTrans2D4">
+    <dgm:scene3d>
+      <a:camera prst="orthographicFront"/>
+      <a:lightRig rig="threePt" dir="t"/>
+    </dgm:scene3d>
+    <dgm:sp3d/>
+    <dgm:txPr/>
+    <dgm:style>
+      <a:lnRef idx="2">
+        <a:scrgbClr r="0" g="0" b="0"/>
+      </a:lnRef>
+      <a:fillRef idx="1">
+        <a:scrgbClr r="0" g="0" b="0"/>
+      </a:fillRef>
+      <a:effectRef idx="0">
+        <a:scrgbClr r="0" g="0" b="0"/>
+      </a:effectRef>
+      <a:fontRef idx="minor">
+        <a:schemeClr val="lt1"/>
+      </a:fontRef>
+    </dgm:style>
+  </dgm:styleLbl>
+  <dgm:styleLbl name="parChTrans1D1">
+    <dgm:scene3d>
+      <a:camera prst="orthographicFront"/>
+      <a:lightRig rig="threePt" dir="t"/>
+    </dgm:scene3d>
+    <dgm:sp3d/>
+    <dgm:txPr/>
+    <dgm:style>
+      <a:lnRef idx="2">
+        <a:scrgbClr r="0" g="0" b="0"/>
+      </a:lnRef>
+      <a:fillRef idx="0">
+        <a:scrgbClr r="0" g="0" b="0"/>
+      </a:fillRef>
+      <a:effectRef idx="0">
+        <a:scrgbClr r="0" g="0" b="0"/>
+      </a:effectRef>
+      <a:fontRef idx="minor"/>
+    </dgm:style>
+  </dgm:styleLbl>
+  <dgm:styleLbl name="parChTrans1D2">
+    <dgm:scene3d>
+      <a:camera prst="orthographicFront"/>
+      <a:lightRig rig="threePt" dir="t"/>
+    </dgm:scene3d>
+    <dgm:sp3d/>
+    <dgm:txPr/>
+    <dgm:style>
+      <a:lnRef idx="2">
+        <a:scrgbClr r="0" g="0" b="0"/>
+      </a:lnRef>
+      <a:fillRef idx="0">
+        <a:scrgbClr r="0" g="0" b="0"/>
+      </a:fillRef>
+      <a:effectRef idx="0">
+        <a:scrgbClr r="0" g="0" b="0"/>
+      </a:effectRef>
+      <a:fontRef idx="minor"/>
+    </dgm:style>
+  </dgm:styleLbl>
+  <dgm:styleLbl name="parChTrans1D3">
+    <dgm:scene3d>
+      <a:camera prst="orthographicFront"/>
+      <a:lightRig rig="threePt" dir="t"/>
+    </dgm:scene3d>
+    <dgm:sp3d/>
+    <dgm:txPr/>
+    <dgm:style>
+      <a:lnRef idx="2">
+        <a:scrgbClr r="0" g="0" b="0"/>
+      </a:lnRef>
+      <a:fillRef idx="0">
+        <a:scrgbClr r="0" g="0" b="0"/>
+      </a:fillRef>
+      <a:effectRef idx="0">
+        <a:scrgbClr r="0" g="0" b="0"/>
+      </a:effectRef>
+      <a:fontRef idx="minor"/>
+    </dgm:style>
+  </dgm:styleLbl>
+  <dgm:styleLbl name="parChTrans1D4">
+    <dgm:scene3d>
+      <a:camera prst="orthographicFront"/>
+      <a:lightRig rig="threePt" dir="t"/>
+    </dgm:scene3d>
+    <dgm:sp3d/>
+    <dgm:txPr/>
+    <dgm:style>
+      <a:lnRef idx="2">
+        <a:scrgbClr r="0" g="0" b="0"/>
+      </a:lnRef>
+      <a:fillRef idx="0">
+        <a:scrgbClr r="0" g="0" b="0"/>
+      </a:fillRef>
+      <a:effectRef idx="0">
+        <a:scrgbClr r="0" g="0" b="0"/>
+      </a:effectRef>
+      <a:fontRef idx="minor"/>
+    </dgm:style>
+  </dgm:styleLbl>
+  <dgm:styleLbl name="fgAcc1">
+    <dgm:scene3d>
+      <a:camera prst="orthographicFront"/>
+      <a:lightRig rig="threePt" dir="t"/>
+    </dgm:scene3d>
+    <dgm:sp3d/>
+    <dgm:txPr/>
+    <dgm:style>
+      <a:lnRef idx="2">
+        <a:scrgbClr r="0" g="0" b="0"/>
+      </a:lnRef>
+      <a:fillRef idx="1">
+        <a:scrgbClr r="0" g="0" b="0"/>
+      </a:fillRef>
+      <a:effectRef idx="0">
+        <a:scrgbClr r="0" g="0" b="0"/>
+      </a:effectRef>
+      <a:fontRef idx="minor"/>
+    </dgm:style>
+  </dgm:styleLbl>
+  <dgm:styleLbl name="conFgAcc1">
+    <dgm:scene3d>
+      <a:camera prst="orthographicFront"/>
+      <a:lightRig rig="threePt" dir="t"/>
+    </dgm:scene3d>
+    <dgm:sp3d/>
+    <dgm:txPr/>
+    <dgm:style>
+      <a:lnRef idx="2">
+        <a:scrgbClr r="0" g="0" b="0"/>
+      </a:lnRef>
+      <a:fillRef idx="1">
+        <a:scrgbClr r="0" g="0" b="0"/>
+      </a:fillRef>
+      <a:effectRef idx="0">
+        <a:scrgbClr r="0" g="0" b="0"/>
+      </a:effectRef>
+      <a:fontRef idx="minor"/>
+    </dgm:style>
+  </dgm:styleLbl>
+  <dgm:styleLbl name="alignAcc1">
+    <dgm:scene3d>
+      <a:camera prst="orthographicFront"/>
+      <a:lightRig rig="threePt" dir="t"/>
+    </dgm:scene3d>
+    <dgm:sp3d/>
+    <dgm:txPr/>
+    <dgm:style>
+      <a:lnRef idx="2">
+        <a:scrgbClr r="0" g="0" b="0"/>
+      </a:lnRef>
+      <a:fillRef idx="1">
+        <a:scrgbClr r="0" g="0" b="0"/>
+      </a:fillRef>
+      <a:effectRef idx="0">
+        <a:scrgbClr r="0" g="0" b="0"/>
+      </a:effectRef>
+      <a:fontRef idx="minor"/>
+    </dgm:style>
+  </dgm:styleLbl>
+  <dgm:styleLbl name="trAlignAcc1">
+    <dgm:scene3d>
+      <a:camera prst="orthographicFront"/>
+      <a:lightRig rig="threePt" dir="t"/>
+    </dgm:scene3d>
+    <dgm:sp3d/>
+    <dgm:txPr/>
+    <dgm:style>
+      <a:lnRef idx="1">
+        <a:scrgbClr r="0" g="0" b="0"/>
+      </a:lnRef>
+      <a:fillRef idx="1">
+        <a:scrgbClr r="0" g="0" b="0"/>
+      </a:fillRef>
+      <a:effectRef idx="0">
+        <a:scrgbClr r="0" g="0" b="0"/>
+      </a:effectRef>
+      <a:fontRef idx="minor"/>
+    </dgm:style>
+  </dgm:styleLbl>
+  <dgm:styleLbl name="bgAcc1">
+    <dgm:scene3d>
+      <a:camera prst="orthographicFront"/>
+      <a:lightRig rig="threePt" dir="t"/>
+    </dgm:scene3d>
+    <dgm:sp3d/>
+    <dgm:txPr/>
+    <dgm:style>
+      <a:lnRef idx="2">
+        <a:scrgbClr r="0" g="0" b="0"/>
+      </a:lnRef>
+      <a:fillRef idx="1">
+        <a:scrgbClr r="0" g="0" b="0"/>
+      </a:fillRef>
+      <a:effectRef idx="0">
+        <a:scrgbClr r="0" g="0" b="0"/>
+      </a:effectRef>
+      <a:fontRef idx="minor"/>
+    </dgm:style>
+  </dgm:styleLbl>
+  <dgm:styleLbl name="solidFgAcc1">
+    <dgm:scene3d>
+      <a:camera prst="orthographicFront"/>
+      <a:lightRig rig="threePt" dir="t"/>
+    </dgm:scene3d>
+    <dgm:sp3d/>
+    <dgm:txPr/>
+    <dgm:style>
+      <a:lnRef idx="2">
+        <a:scrgbClr r="0" g="0" b="0"/>
+      </a:lnRef>
+      <a:fillRef idx="1">
+        <a:scrgbClr r="0" g="0" b="0"/>
+      </a:fillRef>
+      <a:effectRef idx="0">
+        <a:scrgbClr r="0" g="0" b="0"/>
+      </a:effectRef>
+      <a:fontRef idx="minor"/>
+    </dgm:style>
+  </dgm:styleLbl>
+  <dgm:styleLbl name="solidAlignAcc1">
+    <dgm:scene3d>
+      <a:camera prst="orthographicFront"/>
+      <a:lightRig rig="threePt" dir="t"/>
+    </dgm:scene3d>
+    <dgm:sp3d/>
+    <dgm:txPr/>
+    <dgm:style>
+      <a:lnRef idx="2">
+        <a:scrgbClr r="0" g="0" b="0"/>
+      </a:lnRef>
+      <a:fillRef idx="1">
+        <a:scrgbClr r="0" g="0" b="0"/>
+      </a:fillRef>
+      <a:effectRef idx="0">
+        <a:scrgbClr r="0" g="0" b="0"/>
+      </a:effectRef>
+      <a:fontRef idx="minor"/>
+    </dgm:style>
+  </dgm:styleLbl>
+  <dgm:styleLbl name="solidBgAcc1">
+    <dgm:scene3d>
+      <a:camera prst="orthographicFront"/>
+      <a:lightRig rig="threePt" dir="t"/>
+    </dgm:scene3d>
+    <dgm:sp3d/>
+    <dgm:txPr/>
+    <dgm:style>
+      <a:lnRef idx="2">
+        <a:scrgbClr r="0" g="0" b="0"/>
+      </a:lnRef>
+      <a:fillRef idx="1">
+        <a:scrgbClr r="0" g="0" b="0"/>
+      </a:fillRef>
+      <a:effectRef idx="0">
+        <a:scrgbClr r="0" g="0" b="0"/>
+      </a:effectRef>
+      <a:fontRef idx="minor"/>
+    </dgm:style>
+  </dgm:styleLbl>
+  <dgm:styleLbl name="fgAccFollowNode1">
+    <dgm:scene3d>
+      <a:camera prst="orthographicFront"/>
+      <a:lightRig rig="threePt" dir="t"/>
+    </dgm:scene3d>
+    <dgm:sp3d/>
+    <dgm:txPr/>
+    <dgm:style>
+      <a:lnRef idx="2">
+        <a:scrgbClr r="0" g="0" b="0"/>
+      </a:lnRef>
+      <a:fillRef idx="1">
+        <a:scrgbClr r="0" g="0" b="0"/>
+      </a:fillRef>
+      <a:effectRef idx="0">
+        <a:scrgbClr r="0" g="0" b="0"/>
+      </a:effectRef>
+      <a:fontRef idx="minor"/>
+    </dgm:style>
+  </dgm:styleLbl>
+  <dgm:styleLbl name="alignAccFollowNode1">
+    <dgm:scene3d>
+      <a:camera prst="orthographicFront"/>
+      <a:lightRig rig="threePt" dir="t"/>
+    </dgm:scene3d>
+    <dgm:sp3d/>
+    <dgm:txPr/>
+    <dgm:style>
+      <a:lnRef idx="2">
+        <a:scrgbClr r="0" g="0" b="0"/>
+      </a:lnRef>
+      <a:fillRef idx="1">
+        <a:scrgbClr r="0" g="0" b="0"/>
+      </a:fillRef>
+      <a:effectRef idx="0">
+        <a:scrgbClr r="0" g="0" b="0"/>
+      </a:effectRef>
+      <a:fontRef idx="minor"/>
+    </dgm:style>
+  </dgm:styleLbl>
+  <dgm:styleLbl name="bgAccFollowNode1">
+    <dgm:scene3d>
+      <a:camera prst="orthographicFront"/>
+      <a:lightRig rig="threePt" dir="t"/>
+    </dgm:scene3d>
+    <dgm:sp3d/>
+    <dgm:txPr/>
+    <dgm:style>
+      <a:lnRef idx="2">
+        <a:scrgbClr r="0" g="0" b="0"/>
+      </a:lnRef>
+      <a:fillRef idx="1">
+        <a:scrgbClr r="0" g="0" b="0"/>
+      </a:fillRef>
+      <a:effectRef idx="0">
+        <a:scrgbClr r="0" g="0" b="0"/>
+      </a:effectRef>
+      <a:fontRef idx="minor"/>
+    </dgm:style>
+  </dgm:styleLbl>
+  <dgm:styleLbl name="fgAcc0">
+    <dgm:scene3d>
+      <a:camera prst="orthographicFront"/>
+      <a:lightRig rig="threePt" dir="t"/>
+    </dgm:scene3d>
+    <dgm:sp3d/>
+    <dgm:txPr/>
+    <dgm:style>
+      <a:lnRef idx="2">
+        <a:scrgbClr r="0" g="0" b="0"/>
+      </a:lnRef>
+      <a:fillRef idx="1">
+        <a:scrgbClr r="0" g="0" b="0"/>
+      </a:fillRef>
+      <a:effectRef idx="0">
+        <a:scrgbClr r="0" g="0" b="0"/>
+      </a:effectRef>
+      <a:fontRef idx="minor"/>
+    </dgm:style>
+  </dgm:styleLbl>
+  <dgm:styleLbl name="fgAcc2">
+    <dgm:scene3d>
+      <a:camera prst="orthographicFront"/>
+      <a:lightRig rig="threePt" dir="t"/>
+    </dgm:scene3d>
+    <dgm:sp3d/>
+    <dgm:txPr/>
+    <dgm:style>
+      <a:lnRef idx="2">
+        <a:scrgbClr r="0" g="0" b="0"/>
+      </a:lnRef>
+      <a:fillRef idx="1">
+        <a:scrgbClr r="0" g="0" b="0"/>
+      </a:fillRef>
+      <a:effectRef idx="0">
+        <a:scrgbClr r="0" g="0" b="0"/>
+      </a:effectRef>
+      <a:fontRef idx="minor"/>
+    </dgm:style>
+  </dgm:styleLbl>
+  <dgm:styleLbl name="fgAcc3">
+    <dgm:scene3d>
+      <a:camera prst="orthographicFront"/>
+      <a:lightRig rig="threePt" dir="t"/>
+    </dgm:scene3d>
+    <dgm:sp3d/>
+    <dgm:txPr/>
+    <dgm:style>
+      <a:lnRef idx="2">
+        <a:scrgbClr r="0" g="0" b="0"/>
+      </a:lnRef>
+      <a:fillRef idx="1">
+        <a:scrgbClr r="0" g="0" b="0"/>
+      </a:fillRef>
+      <a:effectRef idx="0">
+        <a:scrgbClr r="0" g="0" b="0"/>
+      </a:effectRef>
+      <a:fontRef idx="minor"/>
+    </dgm:style>
+  </dgm:styleLbl>
+  <dgm:styleLbl name="fgAcc4">
+    <dgm:scene3d>
+      <a:camera prst="orthographicFront"/>
+      <a:lightRig rig="threePt" dir="t"/>
+    </dgm:scene3d>
+    <dgm:sp3d/>
+    <dgm:txPr/>
+    <dgm:style>
+      <a:lnRef idx="2">
+        <a:scrgbClr r="0" g="0" b="0"/>
+      </a:lnRef>
+      <a:fillRef idx="1">
+        <a:scrgbClr r="0" g="0" b="0"/>
+      </a:fillRef>
+      <a:effectRef idx="0">
+        <a:scrgbClr r="0" g="0" b="0"/>
+      </a:effectRef>
+      <a:fontRef idx="minor"/>
+    </dgm:style>
+  </dgm:styleLbl>
+  <dgm:styleLbl name="bgShp">
+    <dgm:scene3d>
+      <a:camera prst="orthographicFront"/>
+      <a:lightRig rig="threePt" dir="t"/>
+    </dgm:scene3d>
+    <dgm:sp3d/>
+    <dgm:txPr/>
+    <dgm:style>
+      <a:lnRef idx="0">
+        <a:scrgbClr r="0" g="0" b="0"/>
+      </a:lnRef>
+      <a:fillRef idx="1">
+        <a:scrgbClr r="0" g="0" b="0"/>
+      </a:fillRef>
+      <a:effectRef idx="0">
+        <a:scrgbClr r="0" g="0" b="0"/>
+      </a:effectRef>
+      <a:fontRef idx="minor"/>
+    </dgm:style>
+  </dgm:styleLbl>
+  <dgm:styleLbl name="dkBgShp">
+    <dgm:scene3d>
+      <a:camera prst="orthographicFront"/>
+      <a:lightRig rig="threePt" dir="t"/>
+    </dgm:scene3d>
+    <dgm:sp3d/>
+    <dgm:txPr/>
+    <dgm:style>
+      <a:lnRef idx="0">
+        <a:scrgbClr r="0" g="0" b="0"/>
+      </a:lnRef>
+      <a:fillRef idx="1">
+        <a:scrgbClr r="0" g="0" b="0"/>
+      </a:fillRef>
+      <a:effectRef idx="0">
+        <a:scrgbClr r="0" g="0" b="0"/>
+      </a:effectRef>
+      <a:fontRef idx="minor"/>
+    </dgm:style>
+  </dgm:styleLbl>
+  <dgm:styleLbl name="trBgShp">
+    <dgm:scene3d>
+      <a:camera prst="orthographicFront"/>
+      <a:lightRig rig="threePt" dir="t"/>
+    </dgm:scene3d>
+    <dgm:sp3d/>
+    <dgm:txPr/>
+    <dgm:style>
+      <a:lnRef idx="0">
+        <a:scrgbClr r="0" g="0" b="0"/>
+      </a:lnRef>
+      <a:fillRef idx="1">
+        <a:scrgbClr r="0" g="0" b="0"/>
+      </a:fillRef>
+      <a:effectRef idx="0">
+        <a:scrgbClr r="0" g="0" b="0"/>
+      </a:effectRef>
+      <a:fontRef idx="minor"/>
+    </dgm:style>
+  </dgm:styleLbl>
+  <dgm:styleLbl name="fgShp">
+    <dgm:scene3d>
+      <a:camera prst="orthographicFront"/>
+      <a:lightRig rig="threePt" dir="t"/>
+    </dgm:scene3d>
+    <dgm:sp3d/>
+    <dgm:txPr/>
+    <dgm:style>
+      <a:lnRef idx="2">
+        <a:scrgbClr r="0" g="0" b="0"/>
+      </a:lnRef>
+      <a:fillRef idx="1">
+        <a:scrgbClr r="0" g="0" b="0"/>
+      </a:fillRef>
+      <a:effectRef idx="0">
         <a:scrgbClr r="0" g="0" b="0"/>
       </a:effectRef>
       <a:fontRef idx="minor"/>
@@ -16398,6 +19972,9 @@
               <a:t>来完成，实现类的划分、属性和方法则是按照类图来实现</a:t>
             </a:r>
           </a:p>
+          <a:p>
+            <a:endParaRPr lang="zh-CN" altLang="en-US" dirty="0"/>
+          </a:p>
         </p:txBody>
       </p:sp>
       <p:sp>
@@ -16415,78 +19992,18 @@
           <a:bodyPr/>
           <a:lstStyle/>
           <a:p>
-            <a:pPr marL="0" marR="0" lvl="0" indent="0" algn="r" defTabSz="914400" rtl="0" eaLnBrk="1" fontAlgn="auto" latinLnBrk="0" hangingPunct="1">
-              <a:lnSpc>
-                <a:spcPct val="100000"/>
-              </a:lnSpc>
-              <a:spcBef>
-                <a:spcPts val="0"/>
-              </a:spcBef>
-              <a:spcAft>
-                <a:spcPts val="0"/>
-              </a:spcAft>
-              <a:buClrTx/>
-              <a:buSzTx/>
-              <a:buFontTx/>
-              <a:buNone/>
-              <a:tabLst/>
-              <a:defRPr/>
-            </a:pPr>
             <a:fld id="{2E092500-0250-4E6B-8B96-4CFFB342C220}" type="slidenum">
-              <a:rPr kumimoji="0" lang="zh-CN" altLang="en-US" sz="1200" b="0" i="0" u="none" strike="noStrike" kern="1200" cap="none" spc="0" normalizeH="0" baseline="0" noProof="0" smtClean="0">
-                <a:ln>
-                  <a:noFill/>
-                </a:ln>
-                <a:solidFill>
-                  <a:prstClr val="black"/>
-                </a:solidFill>
-                <a:effectLst/>
-                <a:uLnTx/>
-                <a:uFillTx/>
-                <a:latin typeface="等线" panose="020F0502020204030204"/>
-                <a:ea typeface="等线" panose="02010600030101010101" pitchFamily="2" charset="-122"/>
-                <a:cs typeface="+mn-cs"/>
-              </a:rPr>
-              <a:pPr marL="0" marR="0" lvl="0" indent="0" algn="r" defTabSz="914400" rtl="0" eaLnBrk="1" fontAlgn="auto" latinLnBrk="0" hangingPunct="1">
-                <a:lnSpc>
-                  <a:spcPct val="100000"/>
-                </a:lnSpc>
-                <a:spcBef>
-                  <a:spcPts val="0"/>
-                </a:spcBef>
-                <a:spcAft>
-                  <a:spcPts val="0"/>
-                </a:spcAft>
-                <a:buClrTx/>
-                <a:buSzTx/>
-                <a:buFontTx/>
-                <a:buNone/>
-                <a:tabLst/>
-                <a:defRPr/>
-              </a:pPr>
+              <a:rPr lang="zh-CN" altLang="en-US" smtClean="0"/>
               <a:t>22</a:t>
             </a:fld>
-            <a:endParaRPr kumimoji="0" lang="zh-CN" altLang="en-US" sz="1200" b="0" i="0" u="none" strike="noStrike" kern="1200" cap="none" spc="0" normalizeH="0" baseline="0" noProof="0">
-              <a:ln>
-                <a:noFill/>
-              </a:ln>
-              <a:solidFill>
-                <a:prstClr val="black"/>
-              </a:solidFill>
-              <a:effectLst/>
-              <a:uLnTx/>
-              <a:uFillTx/>
-              <a:latin typeface="等线" panose="020F0502020204030204"/>
-              <a:ea typeface="等线" panose="02010600030101010101" pitchFamily="2" charset="-122"/>
-              <a:cs typeface="+mn-cs"/>
-            </a:endParaRPr>
+            <a:endParaRPr lang="zh-CN" altLang="en-US"/>
           </a:p>
         </p:txBody>
       </p:sp>
     </p:spTree>
     <p:extLst>
       <p:ext uri="{BB962C8B-B14F-4D97-AF65-F5344CB8AC3E}">
-        <p14:creationId xmlns:p14="http://schemas.microsoft.com/office/powerpoint/2010/main" val="3124031316"/>
+        <p14:creationId xmlns:p14="http://schemas.microsoft.com/office/powerpoint/2010/main" val="2018499390"/>
       </p:ext>
     </p:extLst>
   </p:cSld>
@@ -21944,292 +25461,10 @@
       </p:grpSpPr>
       <p:sp>
         <p:nvSpPr>
-          <p:cNvPr id="8" name="Rectangle 7">
+          <p:cNvPr id="17" name="Freeform: Shape 16">
             <a:extLst>
               <a:ext uri="{FF2B5EF4-FFF2-40B4-BE49-F238E27FC236}">
-                <a16:creationId xmlns:a16="http://schemas.microsoft.com/office/drawing/2014/main" id="{8D70B121-56F4-4848-B38B-182089D909FA}"/>
-              </a:ext>
-              <a:ext uri="{C183D7F6-B498-43B3-948B-1728B52AA6E4}">
-                <adec:decorative xmlns:adec="http://schemas.microsoft.com/office/drawing/2017/decorative" val="1"/>
-              </a:ext>
-            </a:extLst>
-          </p:cNvPr>
-          <p:cNvSpPr>
-            <a:spLocks noGrp="1" noRot="1" noChangeAspect="1" noMove="1" noResize="1" noEditPoints="1" noAdjustHandles="1" noChangeArrowheads="1" noChangeShapeType="1" noTextEdit="1"/>
-          </p:cNvSpPr>
-          <p:nvPr>
-            <p:extLst>
-              <p:ext uri="{386F3935-93C4-4BCD-93E2-E3B085C9AB24}">
-                <p16:designElem xmlns:p16="http://schemas.microsoft.com/office/powerpoint/2015/main" val="1"/>
-              </p:ext>
-            </p:extLst>
-          </p:nvPr>
-        </p:nvSpPr>
-        <p:spPr bwMode="ltGray">
-          <a:xfrm>
-            <a:off x="241173" y="320040"/>
-            <a:ext cx="8661654" cy="6217920"/>
-          </a:xfrm>
-          <a:prstGeom prst="rect">
-            <a:avLst/>
-          </a:prstGeom>
-          <a:solidFill>
-            <a:schemeClr val="tx1">
-              <a:alpha val="8000"/>
-            </a:schemeClr>
-          </a:solidFill>
-          <a:ln w="127000" cap="sq" cmpd="thinThick">
-            <a:noFill/>
-          </a:ln>
-        </p:spPr>
-        <p:style>
-          <a:lnRef idx="2">
-            <a:schemeClr val="accent1">
-              <a:shade val="50000"/>
-            </a:schemeClr>
-          </a:lnRef>
-          <a:fillRef idx="1">
-            <a:schemeClr val="accent1"/>
-          </a:fillRef>
-          <a:effectRef idx="0">
-            <a:schemeClr val="accent1"/>
-          </a:effectRef>
-          <a:fontRef idx="minor">
-            <a:schemeClr val="lt1"/>
-          </a:fontRef>
-        </p:style>
-        <p:txBody>
-          <a:bodyPr rtlCol="0" anchor="ctr"/>
-          <a:lstStyle/>
-          <a:p>
-            <a:pPr algn="ctr"/>
-            <a:endParaRPr lang="en-US"/>
-          </a:p>
-        </p:txBody>
-      </p:sp>
-      <p:sp>
-        <p:nvSpPr>
-          <p:cNvPr id="2" name="标题 1">
-            <a:extLst>
-              <a:ext uri="{FF2B5EF4-FFF2-40B4-BE49-F238E27FC236}">
-                <a16:creationId xmlns:a16="http://schemas.microsoft.com/office/drawing/2014/main" id="{9665FAFD-1843-4ED3-8CAF-09E3957E9ADA}"/>
-              </a:ext>
-            </a:extLst>
-          </p:cNvPr>
-          <p:cNvSpPr>
-            <a:spLocks noGrp="1"/>
-          </p:cNvSpPr>
-          <p:nvPr>
-            <p:ph type="title"/>
-          </p:nvPr>
-        </p:nvSpPr>
-        <p:spPr>
-          <a:xfrm>
-            <a:off x="628650" y="963877"/>
-            <a:ext cx="2620771" cy="4930246"/>
-          </a:xfrm>
-        </p:spPr>
-        <p:txBody>
-          <a:bodyPr>
-            <a:normAutofit/>
-          </a:bodyPr>
-          <a:lstStyle/>
-          <a:p>
-            <a:pPr algn="r"/>
-            <a:r>
-              <a:rPr lang="zh-CN" altLang="en-US">
-                <a:solidFill>
-                  <a:schemeClr val="accent1"/>
-                </a:solidFill>
-              </a:rPr>
-              <a:t>转化规则</a:t>
-            </a:r>
-          </a:p>
-        </p:txBody>
-      </p:sp>
-      <p:cxnSp>
-        <p:nvCxnSpPr>
-          <p:cNvPr id="10" name="Straight Connector 9">
-            <a:extLst>
-              <a:ext uri="{FF2B5EF4-FFF2-40B4-BE49-F238E27FC236}">
-                <a16:creationId xmlns:a16="http://schemas.microsoft.com/office/drawing/2014/main" id="{2D72A2C9-F3CA-4216-8BAD-FA4C970C3C4E}"/>
-              </a:ext>
-              <a:ext uri="{C183D7F6-B498-43B3-948B-1728B52AA6E4}">
-                <adec:decorative xmlns:adec="http://schemas.microsoft.com/office/drawing/2017/decorative" val="1"/>
-              </a:ext>
-            </a:extLst>
-          </p:cNvPr>
-          <p:cNvCxnSpPr>
-            <a:cxnSpLocks noGrp="1" noRot="1" noChangeAspect="1" noMove="1" noResize="1" noEditPoints="1" noAdjustHandles="1" noChangeArrowheads="1" noChangeShapeType="1"/>
-          </p:cNvCxnSpPr>
-          <p:nvPr>
-            <p:extLst>
-              <p:ext uri="{386F3935-93C4-4BCD-93E2-E3B085C9AB24}">
-                <p16:designElem xmlns:p16="http://schemas.microsoft.com/office/powerpoint/2015/main" val="1"/>
-              </p:ext>
-            </p:extLst>
-          </p:nvPr>
-        </p:nvCxnSpPr>
-        <p:spPr>
-          <a:xfrm>
-            <a:off x="3490722" y="2057400"/>
-            <a:ext cx="0" cy="2743200"/>
-          </a:xfrm>
-          <a:prstGeom prst="line">
-            <a:avLst/>
-          </a:prstGeom>
-          <a:ln w="19050">
-            <a:solidFill>
-              <a:schemeClr val="tx1">
-                <a:lumMod val="85000"/>
-                <a:lumOff val="15000"/>
-              </a:schemeClr>
-            </a:solidFill>
-          </a:ln>
-        </p:spPr>
-        <p:style>
-          <a:lnRef idx="1">
-            <a:schemeClr val="accent1"/>
-          </a:lnRef>
-          <a:fillRef idx="0">
-            <a:schemeClr val="accent1"/>
-          </a:fillRef>
-          <a:effectRef idx="0">
-            <a:schemeClr val="accent1"/>
-          </a:effectRef>
-          <a:fontRef idx="minor">
-            <a:schemeClr val="tx1"/>
-          </a:fontRef>
-        </p:style>
-      </p:cxnSp>
-      <p:sp>
-        <p:nvSpPr>
-          <p:cNvPr id="3" name="内容占位符 2">
-            <a:extLst>
-              <a:ext uri="{FF2B5EF4-FFF2-40B4-BE49-F238E27FC236}">
-                <a16:creationId xmlns:a16="http://schemas.microsoft.com/office/drawing/2014/main" id="{0AA4FE1A-47A4-456D-8C40-B053B693ADD6}"/>
-              </a:ext>
-            </a:extLst>
-          </p:cNvPr>
-          <p:cNvSpPr>
-            <a:spLocks noGrp="1"/>
-          </p:cNvSpPr>
-          <p:nvPr>
-            <p:ph idx="1"/>
-          </p:nvPr>
-        </p:nvSpPr>
-        <p:spPr>
-          <a:xfrm>
-            <a:off x="3732023" y="963877"/>
-            <a:ext cx="4783327" cy="4930246"/>
-          </a:xfrm>
-        </p:spPr>
-        <p:txBody>
-          <a:bodyPr anchor="ctr">
-            <a:normAutofit/>
-          </a:bodyPr>
-          <a:lstStyle/>
-          <a:p>
-            <a:r>
-              <a:rPr lang="zh-CN" altLang="en-US" dirty="0"/>
-              <a:t>从文本到</a:t>
-            </a:r>
-            <a:r>
-              <a:rPr lang="en-US" altLang="zh-CN" dirty="0"/>
-              <a:t>GWT</a:t>
-            </a:r>
-          </a:p>
-          <a:p>
-            <a:r>
-              <a:rPr lang="zh-CN" altLang="en-US" dirty="0"/>
-              <a:t>从</a:t>
-            </a:r>
-            <a:r>
-              <a:rPr lang="en-US" altLang="zh-CN" dirty="0"/>
-              <a:t>GWT</a:t>
-            </a:r>
-            <a:r>
-              <a:rPr lang="zh-CN" altLang="en-US" dirty="0"/>
-              <a:t>到</a:t>
-            </a:r>
-            <a:r>
-              <a:rPr lang="en-US" altLang="zh-CN"/>
-              <a:t>TaggedGWT</a:t>
-            </a:r>
-            <a:endParaRPr lang="en-US" altLang="zh-CN" dirty="0"/>
-          </a:p>
-          <a:p>
-            <a:r>
-              <a:rPr lang="zh-CN" altLang="en-US" dirty="0"/>
-              <a:t>从</a:t>
-            </a:r>
-            <a:r>
-              <a:rPr lang="en-US" altLang="zh-CN"/>
-              <a:t>TaggedGWT</a:t>
-            </a:r>
-            <a:r>
-              <a:rPr lang="zh-CN" altLang="en-US" dirty="0"/>
-              <a:t>到</a:t>
-            </a:r>
-            <a:r>
-              <a:rPr lang="en-US" altLang="zh-CN" dirty="0"/>
-              <a:t>RUCM</a:t>
-            </a:r>
-          </a:p>
-          <a:p>
-            <a:endParaRPr lang="en-US" altLang="zh-CN" dirty="0"/>
-          </a:p>
-          <a:p>
-            <a:endParaRPr lang="zh-CN" altLang="en-US" dirty="0"/>
-          </a:p>
-        </p:txBody>
-      </p:sp>
-    </p:spTree>
-    <p:extLst>
-      <p:ext uri="{BB962C8B-B14F-4D97-AF65-F5344CB8AC3E}">
-        <p14:creationId xmlns:p14="http://schemas.microsoft.com/office/powerpoint/2010/main" val="3862111901"/>
-      </p:ext>
-    </p:extLst>
-  </p:cSld>
-  <p:clrMapOvr>
-    <a:masterClrMapping/>
-  </p:clrMapOvr>
-</p:sld>
-</file>
-
-<file path=ppt/slides/slide13.xml><?xml version="1.0" encoding="utf-8"?>
-<p:sld xmlns:a="http://schemas.openxmlformats.org/drawingml/2006/main" xmlns:r="http://schemas.openxmlformats.org/officeDocument/2006/relationships" xmlns:p="http://schemas.openxmlformats.org/presentationml/2006/main">
-  <p:cSld>
-    <p:bg>
-      <p:bgPr>
-        <a:solidFill>
-          <a:schemeClr val="accent5">
-            <a:lumMod val="50000"/>
-          </a:schemeClr>
-        </a:solidFill>
-        <a:effectLst/>
-      </p:bgPr>
-    </p:bg>
-    <p:spTree>
-      <p:nvGrpSpPr>
-        <p:cNvPr id="1" name=""/>
-        <p:cNvGrpSpPr/>
-        <p:nvPr/>
-      </p:nvGrpSpPr>
-      <p:grpSpPr>
-        <a:xfrm>
-          <a:off x="0" y="0"/>
-          <a:ext cx="0" cy="0"/>
-          <a:chOff x="0" y="0"/>
-          <a:chExt cx="0" cy="0"/>
-        </a:xfrm>
-      </p:grpSpPr>
-      <p:sp>
-        <p:nvSpPr>
-          <p:cNvPr id="8" name="Rectangle 7">
-            <a:extLst>
-              <a:ext uri="{FF2B5EF4-FFF2-40B4-BE49-F238E27FC236}">
-                <a16:creationId xmlns:a16="http://schemas.microsoft.com/office/drawing/2014/main" id="{A2ED9029-64A6-4BAE-BA25-DC2A13D43EDE}"/>
+                <a16:creationId xmlns:a16="http://schemas.microsoft.com/office/drawing/2014/main" id="{46C2E80F-49A6-4372-B103-219D417A55ED}"/>
               </a:ext>
               <a:ext uri="{C183D7F6-B498-43B3-948B-1728B52AA6E4}">
                 <adec:decorative xmlns:adec="http://schemas.microsoft.com/office/drawing/2017/decorative" val="1"/>
@@ -22249,16 +25484,401 @@
         </p:nvSpPr>
         <p:spPr>
           <a:xfrm>
-            <a:off x="13375" y="0"/>
-            <a:ext cx="9144000" cy="6858000"/>
+            <a:off x="363072" y="470925"/>
+            <a:ext cx="3285756" cy="5892104"/>
           </a:xfrm>
-          <a:prstGeom prst="rect">
+          <a:custGeom>
             <a:avLst/>
-          </a:prstGeom>
+            <a:gdLst>
+              <a:gd name="connsiteX0" fmla="*/ 0 w 4381009"/>
+              <a:gd name="connsiteY0" fmla="*/ 0 h 5892104"/>
+              <a:gd name="connsiteX1" fmla="*/ 4157628 w 4381009"/>
+              <a:gd name="connsiteY1" fmla="*/ 0 h 5892104"/>
+              <a:gd name="connsiteX2" fmla="*/ 4169302 w 4381009"/>
+              <a:gd name="connsiteY2" fmla="*/ 68659 h 5892104"/>
+              <a:gd name="connsiteX3" fmla="*/ 4191571 w 4381009"/>
+              <a:gd name="connsiteY3" fmla="*/ 205472 h 5892104"/>
+              <a:gd name="connsiteX4" fmla="*/ 4213368 w 4381009"/>
+              <a:gd name="connsiteY4" fmla="*/ 342890 h 5892104"/>
+              <a:gd name="connsiteX5" fmla="*/ 4232030 w 4381009"/>
+              <a:gd name="connsiteY5" fmla="*/ 480913 h 5892104"/>
+              <a:gd name="connsiteX6" fmla="*/ 4250848 w 4381009"/>
+              <a:gd name="connsiteY6" fmla="*/ 618332 h 5892104"/>
+              <a:gd name="connsiteX7" fmla="*/ 4268412 w 4381009"/>
+              <a:gd name="connsiteY7" fmla="*/ 756355 h 5892104"/>
+              <a:gd name="connsiteX8" fmla="*/ 4283467 w 4381009"/>
+              <a:gd name="connsiteY8" fmla="*/ 892563 h 5892104"/>
+              <a:gd name="connsiteX9" fmla="*/ 4297737 w 4381009"/>
+              <a:gd name="connsiteY9" fmla="*/ 1030587 h 5892104"/>
+              <a:gd name="connsiteX10" fmla="*/ 4310754 w 4381009"/>
+              <a:gd name="connsiteY10" fmla="*/ 1168005 h 5892104"/>
+              <a:gd name="connsiteX11" fmla="*/ 4322045 w 4381009"/>
+              <a:gd name="connsiteY11" fmla="*/ 1303002 h 5892104"/>
+              <a:gd name="connsiteX12" fmla="*/ 4333336 w 4381009"/>
+              <a:gd name="connsiteY12" fmla="*/ 1439815 h 5892104"/>
+              <a:gd name="connsiteX13" fmla="*/ 4342745 w 4381009"/>
+              <a:gd name="connsiteY13" fmla="*/ 1574812 h 5892104"/>
+              <a:gd name="connsiteX14" fmla="*/ 4350115 w 4381009"/>
+              <a:gd name="connsiteY14" fmla="*/ 1709808 h 5892104"/>
+              <a:gd name="connsiteX15" fmla="*/ 4357799 w 4381009"/>
+              <a:gd name="connsiteY15" fmla="*/ 1844200 h 5892104"/>
+              <a:gd name="connsiteX16" fmla="*/ 4364229 w 4381009"/>
+              <a:gd name="connsiteY16" fmla="*/ 1977381 h 5892104"/>
+              <a:gd name="connsiteX17" fmla="*/ 4368777 w 4381009"/>
+              <a:gd name="connsiteY17" fmla="*/ 2109351 h 5892104"/>
+              <a:gd name="connsiteX18" fmla="*/ 4372697 w 4381009"/>
+              <a:gd name="connsiteY18" fmla="*/ 2241321 h 5892104"/>
+              <a:gd name="connsiteX19" fmla="*/ 4376461 w 4381009"/>
+              <a:gd name="connsiteY19" fmla="*/ 2372080 h 5892104"/>
+              <a:gd name="connsiteX20" fmla="*/ 4378186 w 4381009"/>
+              <a:gd name="connsiteY20" fmla="*/ 2501023 h 5892104"/>
+              <a:gd name="connsiteX21" fmla="*/ 4380068 w 4381009"/>
+              <a:gd name="connsiteY21" fmla="*/ 2629966 h 5892104"/>
+              <a:gd name="connsiteX22" fmla="*/ 4381009 w 4381009"/>
+              <a:gd name="connsiteY22" fmla="*/ 2757093 h 5892104"/>
+              <a:gd name="connsiteX23" fmla="*/ 4380068 w 4381009"/>
+              <a:gd name="connsiteY23" fmla="*/ 2883010 h 5892104"/>
+              <a:gd name="connsiteX24" fmla="*/ 4380068 w 4381009"/>
+              <a:gd name="connsiteY24" fmla="*/ 3007715 h 5892104"/>
+              <a:gd name="connsiteX25" fmla="*/ 4378186 w 4381009"/>
+              <a:gd name="connsiteY25" fmla="*/ 3131210 h 5892104"/>
+              <a:gd name="connsiteX26" fmla="*/ 4375363 w 4381009"/>
+              <a:gd name="connsiteY26" fmla="*/ 3252283 h 5892104"/>
+              <a:gd name="connsiteX27" fmla="*/ 4372697 w 4381009"/>
+              <a:gd name="connsiteY27" fmla="*/ 3372146 h 5892104"/>
+              <a:gd name="connsiteX28" fmla="*/ 4369718 w 4381009"/>
+              <a:gd name="connsiteY28" fmla="*/ 3489587 h 5892104"/>
+              <a:gd name="connsiteX29" fmla="*/ 4365170 w 4381009"/>
+              <a:gd name="connsiteY29" fmla="*/ 3606423 h 5892104"/>
+              <a:gd name="connsiteX30" fmla="*/ 4360309 w 4381009"/>
+              <a:gd name="connsiteY30" fmla="*/ 3721443 h 5892104"/>
+              <a:gd name="connsiteX31" fmla="*/ 4355918 w 4381009"/>
+              <a:gd name="connsiteY31" fmla="*/ 3834041 h 5892104"/>
+              <a:gd name="connsiteX32" fmla="*/ 4343529 w 4381009"/>
+              <a:gd name="connsiteY32" fmla="*/ 4053789 h 5892104"/>
+              <a:gd name="connsiteX33" fmla="*/ 4330356 w 4381009"/>
+              <a:gd name="connsiteY33" fmla="*/ 4264457 h 5892104"/>
+              <a:gd name="connsiteX34" fmla="*/ 4316556 w 4381009"/>
+              <a:gd name="connsiteY34" fmla="*/ 4466650 h 5892104"/>
+              <a:gd name="connsiteX35" fmla="*/ 4301344 w 4381009"/>
+              <a:gd name="connsiteY35" fmla="*/ 4657946 h 5892104"/>
+              <a:gd name="connsiteX36" fmla="*/ 4285506 w 4381009"/>
+              <a:gd name="connsiteY36" fmla="*/ 4840767 h 5892104"/>
+              <a:gd name="connsiteX37" fmla="*/ 4268412 w 4381009"/>
+              <a:gd name="connsiteY37" fmla="*/ 5010269 h 5892104"/>
+              <a:gd name="connsiteX38" fmla="*/ 4251633 w 4381009"/>
+              <a:gd name="connsiteY38" fmla="*/ 5169481 h 5892104"/>
+              <a:gd name="connsiteX39" fmla="*/ 4234853 w 4381009"/>
+              <a:gd name="connsiteY39" fmla="*/ 5315980 h 5892104"/>
+              <a:gd name="connsiteX40" fmla="*/ 4219014 w 4381009"/>
+              <a:gd name="connsiteY40" fmla="*/ 5450371 h 5892104"/>
+              <a:gd name="connsiteX41" fmla="*/ 4203959 w 4381009"/>
+              <a:gd name="connsiteY41" fmla="*/ 5569628 h 5892104"/>
+              <a:gd name="connsiteX42" fmla="*/ 4189689 w 4381009"/>
+              <a:gd name="connsiteY42" fmla="*/ 5677384 h 5892104"/>
+              <a:gd name="connsiteX43" fmla="*/ 4177770 w 4381009"/>
+              <a:gd name="connsiteY43" fmla="*/ 5768189 h 5892104"/>
+              <a:gd name="connsiteX44" fmla="*/ 4166479 w 4381009"/>
+              <a:gd name="connsiteY44" fmla="*/ 5844465 h 5892104"/>
+              <a:gd name="connsiteX45" fmla="*/ 4159132 w 4381009"/>
+              <a:gd name="connsiteY45" fmla="*/ 5892104 h 5892104"/>
+              <a:gd name="connsiteX46" fmla="*/ 0 w 4381009"/>
+              <a:gd name="connsiteY46" fmla="*/ 5892104 h 5892104"/>
+            </a:gdLst>
+            <a:ahLst/>
+            <a:cxnLst>
+              <a:cxn ang="0">
+                <a:pos x="connsiteX0" y="connsiteY0"/>
+              </a:cxn>
+              <a:cxn ang="0">
+                <a:pos x="connsiteX1" y="connsiteY1"/>
+              </a:cxn>
+              <a:cxn ang="0">
+                <a:pos x="connsiteX2" y="connsiteY2"/>
+              </a:cxn>
+              <a:cxn ang="0">
+                <a:pos x="connsiteX3" y="connsiteY3"/>
+              </a:cxn>
+              <a:cxn ang="0">
+                <a:pos x="connsiteX4" y="connsiteY4"/>
+              </a:cxn>
+              <a:cxn ang="0">
+                <a:pos x="connsiteX5" y="connsiteY5"/>
+              </a:cxn>
+              <a:cxn ang="0">
+                <a:pos x="connsiteX6" y="connsiteY6"/>
+              </a:cxn>
+              <a:cxn ang="0">
+                <a:pos x="connsiteX7" y="connsiteY7"/>
+              </a:cxn>
+              <a:cxn ang="0">
+                <a:pos x="connsiteX8" y="connsiteY8"/>
+              </a:cxn>
+              <a:cxn ang="0">
+                <a:pos x="connsiteX9" y="connsiteY9"/>
+              </a:cxn>
+              <a:cxn ang="0">
+                <a:pos x="connsiteX10" y="connsiteY10"/>
+              </a:cxn>
+              <a:cxn ang="0">
+                <a:pos x="connsiteX11" y="connsiteY11"/>
+              </a:cxn>
+              <a:cxn ang="0">
+                <a:pos x="connsiteX12" y="connsiteY12"/>
+              </a:cxn>
+              <a:cxn ang="0">
+                <a:pos x="connsiteX13" y="connsiteY13"/>
+              </a:cxn>
+              <a:cxn ang="0">
+                <a:pos x="connsiteX14" y="connsiteY14"/>
+              </a:cxn>
+              <a:cxn ang="0">
+                <a:pos x="connsiteX15" y="connsiteY15"/>
+              </a:cxn>
+              <a:cxn ang="0">
+                <a:pos x="connsiteX16" y="connsiteY16"/>
+              </a:cxn>
+              <a:cxn ang="0">
+                <a:pos x="connsiteX17" y="connsiteY17"/>
+              </a:cxn>
+              <a:cxn ang="0">
+                <a:pos x="connsiteX18" y="connsiteY18"/>
+              </a:cxn>
+              <a:cxn ang="0">
+                <a:pos x="connsiteX19" y="connsiteY19"/>
+              </a:cxn>
+              <a:cxn ang="0">
+                <a:pos x="connsiteX20" y="connsiteY20"/>
+              </a:cxn>
+              <a:cxn ang="0">
+                <a:pos x="connsiteX21" y="connsiteY21"/>
+              </a:cxn>
+              <a:cxn ang="0">
+                <a:pos x="connsiteX22" y="connsiteY22"/>
+              </a:cxn>
+              <a:cxn ang="0">
+                <a:pos x="connsiteX23" y="connsiteY23"/>
+              </a:cxn>
+              <a:cxn ang="0">
+                <a:pos x="connsiteX24" y="connsiteY24"/>
+              </a:cxn>
+              <a:cxn ang="0">
+                <a:pos x="connsiteX25" y="connsiteY25"/>
+              </a:cxn>
+              <a:cxn ang="0">
+                <a:pos x="connsiteX26" y="connsiteY26"/>
+              </a:cxn>
+              <a:cxn ang="0">
+                <a:pos x="connsiteX27" y="connsiteY27"/>
+              </a:cxn>
+              <a:cxn ang="0">
+                <a:pos x="connsiteX28" y="connsiteY28"/>
+              </a:cxn>
+              <a:cxn ang="0">
+                <a:pos x="connsiteX29" y="connsiteY29"/>
+              </a:cxn>
+              <a:cxn ang="0">
+                <a:pos x="connsiteX30" y="connsiteY30"/>
+              </a:cxn>
+              <a:cxn ang="0">
+                <a:pos x="connsiteX31" y="connsiteY31"/>
+              </a:cxn>
+              <a:cxn ang="0">
+                <a:pos x="connsiteX32" y="connsiteY32"/>
+              </a:cxn>
+              <a:cxn ang="0">
+                <a:pos x="connsiteX33" y="connsiteY33"/>
+              </a:cxn>
+              <a:cxn ang="0">
+                <a:pos x="connsiteX34" y="connsiteY34"/>
+              </a:cxn>
+              <a:cxn ang="0">
+                <a:pos x="connsiteX35" y="connsiteY35"/>
+              </a:cxn>
+              <a:cxn ang="0">
+                <a:pos x="connsiteX36" y="connsiteY36"/>
+              </a:cxn>
+              <a:cxn ang="0">
+                <a:pos x="connsiteX37" y="connsiteY37"/>
+              </a:cxn>
+              <a:cxn ang="0">
+                <a:pos x="connsiteX38" y="connsiteY38"/>
+              </a:cxn>
+              <a:cxn ang="0">
+                <a:pos x="connsiteX39" y="connsiteY39"/>
+              </a:cxn>
+              <a:cxn ang="0">
+                <a:pos x="connsiteX40" y="connsiteY40"/>
+              </a:cxn>
+              <a:cxn ang="0">
+                <a:pos x="connsiteX41" y="connsiteY41"/>
+              </a:cxn>
+              <a:cxn ang="0">
+                <a:pos x="connsiteX42" y="connsiteY42"/>
+              </a:cxn>
+              <a:cxn ang="0">
+                <a:pos x="connsiteX43" y="connsiteY43"/>
+              </a:cxn>
+              <a:cxn ang="0">
+                <a:pos x="connsiteX44" y="connsiteY44"/>
+              </a:cxn>
+              <a:cxn ang="0">
+                <a:pos x="connsiteX45" y="connsiteY45"/>
+              </a:cxn>
+              <a:cxn ang="0">
+                <a:pos x="connsiteX46" y="connsiteY46"/>
+              </a:cxn>
+            </a:cxnLst>
+            <a:rect l="l" t="t" r="r" b="b"/>
+            <a:pathLst>
+              <a:path w="4381009" h="5892104">
+                <a:moveTo>
+                  <a:pt x="0" y="0"/>
+                </a:moveTo>
+                <a:lnTo>
+                  <a:pt x="4157628" y="0"/>
+                </a:lnTo>
+                <a:lnTo>
+                  <a:pt x="4169302" y="68659"/>
+                </a:lnTo>
+                <a:lnTo>
+                  <a:pt x="4191571" y="205472"/>
+                </a:lnTo>
+                <a:lnTo>
+                  <a:pt x="4213368" y="342890"/>
+                </a:lnTo>
+                <a:lnTo>
+                  <a:pt x="4232030" y="480913"/>
+                </a:lnTo>
+                <a:lnTo>
+                  <a:pt x="4250848" y="618332"/>
+                </a:lnTo>
+                <a:lnTo>
+                  <a:pt x="4268412" y="756355"/>
+                </a:lnTo>
+                <a:lnTo>
+                  <a:pt x="4283467" y="892563"/>
+                </a:lnTo>
+                <a:lnTo>
+                  <a:pt x="4297737" y="1030587"/>
+                </a:lnTo>
+                <a:lnTo>
+                  <a:pt x="4310754" y="1168005"/>
+                </a:lnTo>
+                <a:lnTo>
+                  <a:pt x="4322045" y="1303002"/>
+                </a:lnTo>
+                <a:lnTo>
+                  <a:pt x="4333336" y="1439815"/>
+                </a:lnTo>
+                <a:lnTo>
+                  <a:pt x="4342745" y="1574812"/>
+                </a:lnTo>
+                <a:lnTo>
+                  <a:pt x="4350115" y="1709808"/>
+                </a:lnTo>
+                <a:lnTo>
+                  <a:pt x="4357799" y="1844200"/>
+                </a:lnTo>
+                <a:lnTo>
+                  <a:pt x="4364229" y="1977381"/>
+                </a:lnTo>
+                <a:lnTo>
+                  <a:pt x="4368777" y="2109351"/>
+                </a:lnTo>
+                <a:lnTo>
+                  <a:pt x="4372697" y="2241321"/>
+                </a:lnTo>
+                <a:lnTo>
+                  <a:pt x="4376461" y="2372080"/>
+                </a:lnTo>
+                <a:lnTo>
+                  <a:pt x="4378186" y="2501023"/>
+                </a:lnTo>
+                <a:lnTo>
+                  <a:pt x="4380068" y="2629966"/>
+                </a:lnTo>
+                <a:lnTo>
+                  <a:pt x="4381009" y="2757093"/>
+                </a:lnTo>
+                <a:lnTo>
+                  <a:pt x="4380068" y="2883010"/>
+                </a:lnTo>
+                <a:lnTo>
+                  <a:pt x="4380068" y="3007715"/>
+                </a:lnTo>
+                <a:lnTo>
+                  <a:pt x="4378186" y="3131210"/>
+                </a:lnTo>
+                <a:lnTo>
+                  <a:pt x="4375363" y="3252283"/>
+                </a:lnTo>
+                <a:lnTo>
+                  <a:pt x="4372697" y="3372146"/>
+                </a:lnTo>
+                <a:lnTo>
+                  <a:pt x="4369718" y="3489587"/>
+                </a:lnTo>
+                <a:lnTo>
+                  <a:pt x="4365170" y="3606423"/>
+                </a:lnTo>
+                <a:lnTo>
+                  <a:pt x="4360309" y="3721443"/>
+                </a:lnTo>
+                <a:lnTo>
+                  <a:pt x="4355918" y="3834041"/>
+                </a:lnTo>
+                <a:lnTo>
+                  <a:pt x="4343529" y="4053789"/>
+                </a:lnTo>
+                <a:lnTo>
+                  <a:pt x="4330356" y="4264457"/>
+                </a:lnTo>
+                <a:lnTo>
+                  <a:pt x="4316556" y="4466650"/>
+                </a:lnTo>
+                <a:lnTo>
+                  <a:pt x="4301344" y="4657946"/>
+                </a:lnTo>
+                <a:lnTo>
+                  <a:pt x="4285506" y="4840767"/>
+                </a:lnTo>
+                <a:lnTo>
+                  <a:pt x="4268412" y="5010269"/>
+                </a:lnTo>
+                <a:lnTo>
+                  <a:pt x="4251633" y="5169481"/>
+                </a:lnTo>
+                <a:lnTo>
+                  <a:pt x="4234853" y="5315980"/>
+                </a:lnTo>
+                <a:lnTo>
+                  <a:pt x="4219014" y="5450371"/>
+                </a:lnTo>
+                <a:lnTo>
+                  <a:pt x="4203959" y="5569628"/>
+                </a:lnTo>
+                <a:lnTo>
+                  <a:pt x="4189689" y="5677384"/>
+                </a:lnTo>
+                <a:lnTo>
+                  <a:pt x="4177770" y="5768189"/>
+                </a:lnTo>
+                <a:lnTo>
+                  <a:pt x="4166479" y="5844465"/>
+                </a:lnTo>
+                <a:lnTo>
+                  <a:pt x="4159132" y="5892104"/>
+                </a:lnTo>
+                <a:lnTo>
+                  <a:pt x="0" y="5892104"/>
+                </a:lnTo>
+                <a:close/>
+              </a:path>
+            </a:pathLst>
+          </a:custGeom>
           <a:solidFill>
-            <a:schemeClr val="accent5">
-              <a:lumMod val="50000"/>
-            </a:schemeClr>
+            <a:srgbClr val="404040"/>
           </a:solidFill>
           <a:ln>
             <a:noFill/>
@@ -22281,10 +25901,12 @@
           </a:fontRef>
         </p:style>
         <p:txBody>
-          <a:bodyPr rtlCol="0" anchor="ctr"/>
+          <a:bodyPr wrap="square" rtlCol="0" anchor="ctr">
+            <a:noAutofit/>
+          </a:bodyPr>
           <a:lstStyle/>
           <a:p>
-            <a:pPr marL="0" marR="0" lvl="0" indent="0" algn="ctr" defTabSz="914400" rtl="0" eaLnBrk="1" fontAlgn="auto" latinLnBrk="0" hangingPunct="1">
+            <a:pPr marL="0" marR="0" lvl="0" indent="0" algn="ctr" defTabSz="457200" rtl="0" eaLnBrk="1" fontAlgn="auto" latinLnBrk="0" hangingPunct="1">
               <a:lnSpc>
                 <a:spcPct val="100000"/>
               </a:lnSpc>
@@ -22311,7 +25933,7 @@
               <a:effectLst/>
               <a:uLnTx/>
               <a:uFillTx/>
-              <a:latin typeface="等线" panose="020F0502020204030204"/>
+              <a:latin typeface="Calibri" panose="020F0502020204030204"/>
               <a:ea typeface="+mn-ea"/>
               <a:cs typeface="+mn-cs"/>
             </a:endParaRPr>
@@ -22320,10 +25942,118 @@
       </p:sp>
       <p:sp>
         <p:nvSpPr>
-          <p:cNvPr id="10" name="Rectangle 9">
+          <p:cNvPr id="2" name="标题 1">
             <a:extLst>
               <a:ext uri="{FF2B5EF4-FFF2-40B4-BE49-F238E27FC236}">
-                <a16:creationId xmlns:a16="http://schemas.microsoft.com/office/drawing/2014/main" id="{DAFABACF-DDBE-415C-8EE1-F7DD68C632C6}"/>
+                <a16:creationId xmlns:a16="http://schemas.microsoft.com/office/drawing/2014/main" id="{9665FAFD-1843-4ED3-8CAF-09E3957E9ADA}"/>
+              </a:ext>
+            </a:extLst>
+          </p:cNvPr>
+          <p:cNvSpPr>
+            <a:spLocks noGrp="1"/>
+          </p:cNvSpPr>
+          <p:nvPr>
+            <p:ph type="title"/>
+          </p:nvPr>
+        </p:nvSpPr>
+        <p:spPr>
+          <a:xfrm>
+            <a:off x="647271" y="1012004"/>
+            <a:ext cx="2562119" cy="4795408"/>
+          </a:xfrm>
+        </p:spPr>
+        <p:txBody>
+          <a:bodyPr>
+            <a:normAutofit/>
+          </a:bodyPr>
+          <a:lstStyle/>
+          <a:p>
+            <a:r>
+              <a:rPr lang="zh-CN" altLang="en-US">
+                <a:solidFill>
+                  <a:srgbClr val="FFFFFF"/>
+                </a:solidFill>
+              </a:rPr>
+              <a:t>转化规则</a:t>
+            </a:r>
+          </a:p>
+        </p:txBody>
+      </p:sp>
+      <p:graphicFrame>
+        <p:nvGraphicFramePr>
+          <p:cNvPr id="12" name="内容占位符 2">
+            <a:extLst>
+              <a:ext uri="{FF2B5EF4-FFF2-40B4-BE49-F238E27FC236}">
+                <a16:creationId xmlns:a16="http://schemas.microsoft.com/office/drawing/2014/main" id="{AACFB4BE-870C-4735-94DB-66825F1FBB6B}"/>
+              </a:ext>
+            </a:extLst>
+          </p:cNvPr>
+          <p:cNvGraphicFramePr>
+            <a:graphicFrameLocks noGrp="1"/>
+          </p:cNvGraphicFramePr>
+          <p:nvPr>
+            <p:ph idx="1"/>
+            <p:extLst>
+              <p:ext uri="{D42A27DB-BD31-4B8C-83A1-F6EECF244321}">
+                <p14:modId xmlns:p14="http://schemas.microsoft.com/office/powerpoint/2010/main" val="968207394"/>
+              </p:ext>
+            </p:extLst>
+          </p:nvPr>
+        </p:nvGraphicFramePr>
+        <p:xfrm>
+          <a:off x="3895725" y="470924"/>
+          <a:ext cx="4885203" cy="5885426"/>
+        </p:xfrm>
+        <a:graphic>
+          <a:graphicData uri="http://schemas.openxmlformats.org/drawingml/2006/diagram">
+            <dgm:relIds xmlns:dgm="http://schemas.openxmlformats.org/drawingml/2006/diagram" xmlns:r="http://schemas.openxmlformats.org/officeDocument/2006/relationships" r:dm="rId3" r:lo="rId4" r:qs="rId5" r:cs="rId6"/>
+          </a:graphicData>
+        </a:graphic>
+      </p:graphicFrame>
+    </p:spTree>
+    <p:extLst>
+      <p:ext uri="{BB962C8B-B14F-4D97-AF65-F5344CB8AC3E}">
+        <p14:creationId xmlns:p14="http://schemas.microsoft.com/office/powerpoint/2010/main" val="3862111901"/>
+      </p:ext>
+    </p:extLst>
+  </p:cSld>
+  <p:clrMapOvr>
+    <a:masterClrMapping/>
+  </p:clrMapOvr>
+</p:sld>
+</file>
+
+<file path=ppt/slides/slide13.xml><?xml version="1.0" encoding="utf-8"?>
+<p:sld xmlns:a="http://schemas.openxmlformats.org/drawingml/2006/main" xmlns:r="http://schemas.openxmlformats.org/officeDocument/2006/relationships" xmlns:p="http://schemas.openxmlformats.org/presentationml/2006/main">
+  <p:cSld>
+    <p:bg>
+      <p:bgPr>
+        <a:solidFill>
+          <a:schemeClr val="bg1"/>
+        </a:solidFill>
+        <a:effectLst/>
+      </p:bgPr>
+    </p:bg>
+    <p:spTree>
+      <p:nvGrpSpPr>
+        <p:cNvPr id="1" name=""/>
+        <p:cNvGrpSpPr/>
+        <p:nvPr/>
+      </p:nvGrpSpPr>
+      <p:grpSpPr>
+        <a:xfrm>
+          <a:off x="0" y="0"/>
+          <a:ext cx="0" cy="0"/>
+          <a:chOff x="0" y="0"/>
+          <a:chExt cx="0" cy="0"/>
+        </a:xfrm>
+      </p:grpSpPr>
+      <p:sp useBgFill="1">
+        <p:nvSpPr>
+          <p:cNvPr id="17" name="Rectangle 16">
+            <a:extLst>
+              <a:ext uri="{FF2B5EF4-FFF2-40B4-BE49-F238E27FC236}">
+                <a16:creationId xmlns:a16="http://schemas.microsoft.com/office/drawing/2014/main" id="{3B854194-185D-494D-905C-7C7CB2E30F6E}"/>
               </a:ext>
               <a:ext uri="{C183D7F6-B498-43B3-948B-1728B52AA6E4}">
                 <adec:decorative xmlns:adec="http://schemas.microsoft.com/office/drawing/2017/decorative" val="1"/>
@@ -22344,16 +26074,11 @@
         <p:spPr>
           <a:xfrm>
             <a:off x="0" y="0"/>
-            <a:ext cx="1078992" cy="6858000"/>
+            <a:ext cx="4561583" cy="6858000"/>
           </a:xfrm>
           <a:prstGeom prst="rect">
             <a:avLst/>
           </a:prstGeom>
-          <a:solidFill>
-            <a:schemeClr val="accent5">
-              <a:alpha val="70000"/>
-            </a:schemeClr>
-          </a:solidFill>
           <a:ln>
             <a:noFill/>
           </a:ln>
@@ -22364,8 +26089,8 @@
               <a:shade val="50000"/>
             </a:schemeClr>
           </a:lnRef>
-          <a:fillRef idx="1003">
-            <a:schemeClr val="lt1"/>
+          <a:fillRef idx="1">
+            <a:schemeClr val="accent1"/>
           </a:fillRef>
           <a:effectRef idx="0">
             <a:schemeClr val="accent1"/>
@@ -22378,46 +26103,17 @@
           <a:bodyPr rtlCol="0" anchor="ctr"/>
           <a:lstStyle/>
           <a:p>
-            <a:pPr marL="0" marR="0" lvl="0" indent="0" algn="ctr" defTabSz="914400" rtl="0" eaLnBrk="1" fontAlgn="auto" latinLnBrk="0" hangingPunct="1">
-              <a:lnSpc>
-                <a:spcPct val="100000"/>
-              </a:lnSpc>
-              <a:spcBef>
-                <a:spcPts val="0"/>
-              </a:spcBef>
-              <a:spcAft>
-                <a:spcPts val="0"/>
-              </a:spcAft>
-              <a:buClrTx/>
-              <a:buSzTx/>
-              <a:buFontTx/>
-              <a:buNone/>
-              <a:tabLst/>
-              <a:defRPr/>
-            </a:pPr>
-            <a:endParaRPr kumimoji="0" lang="en-US" sz="1800" b="0" i="0" u="none" strike="noStrike" kern="1200" cap="none" spc="0" normalizeH="0" baseline="0" noProof="0">
-              <a:ln>
-                <a:noFill/>
-              </a:ln>
-              <a:solidFill>
-                <a:srgbClr val="ED7D31"/>
-              </a:solidFill>
-              <a:effectLst/>
-              <a:uLnTx/>
-              <a:uFillTx/>
-              <a:latin typeface="等线" panose="020F0502020204030204"/>
-              <a:ea typeface="+mn-ea"/>
-              <a:cs typeface="+mn-cs"/>
-            </a:endParaRPr>
+            <a:pPr algn="ctr"/>
+            <a:endParaRPr lang="en-US"/>
           </a:p>
         </p:txBody>
       </p:sp>
       <p:sp>
         <p:nvSpPr>
-          <p:cNvPr id="12" name="Rectangle 11">
+          <p:cNvPr id="19" name="Rectangle 18">
             <a:extLst>
               <a:ext uri="{FF2B5EF4-FFF2-40B4-BE49-F238E27FC236}">
-                <a16:creationId xmlns:a16="http://schemas.microsoft.com/office/drawing/2014/main" id="{41E17A99-1553-4633-ADFB-5CCDCF801D13}"/>
+                <a16:creationId xmlns:a16="http://schemas.microsoft.com/office/drawing/2014/main" id="{B4F5FA0D-0104-4987-8241-EFF7C85B88DE}"/>
               </a:ext>
               <a:ext uri="{C183D7F6-B498-43B3-948B-1728B52AA6E4}">
                 <adec:decorative xmlns:adec="http://schemas.microsoft.com/office/drawing/2017/decorative" val="1"/>
@@ -22437,17 +26133,378 @@
         </p:nvSpPr>
         <p:spPr>
           <a:xfrm>
-            <a:off x="1078992" y="0"/>
-            <a:ext cx="2411730" cy="6858000"/>
+            <a:off x="0" y="0"/>
+            <a:ext cx="9143999" cy="6858000"/>
           </a:xfrm>
           <a:prstGeom prst="rect">
             <a:avLst/>
           </a:prstGeom>
+          <a:gradFill>
+            <a:gsLst>
+              <a:gs pos="0">
+                <a:schemeClr val="accent1">
+                  <a:lumMod val="90000"/>
+                </a:schemeClr>
+              </a:gs>
+              <a:gs pos="25000">
+                <a:schemeClr val="accent1">
+                  <a:lumMod val="90000"/>
+                </a:schemeClr>
+              </a:gs>
+              <a:gs pos="94000">
+                <a:schemeClr val="bg2">
+                  <a:lumMod val="25000"/>
+                </a:schemeClr>
+              </a:gs>
+              <a:gs pos="100000">
+                <a:schemeClr val="bg2">
+                  <a:lumMod val="25000"/>
+                </a:schemeClr>
+              </a:gs>
+            </a:gsLst>
+            <a:lin ang="4200000" scaled="0"/>
+          </a:gradFill>
+          <a:ln>
+            <a:noFill/>
+          </a:ln>
+        </p:spPr>
+        <p:style>
+          <a:lnRef idx="2">
+            <a:schemeClr val="accent1">
+              <a:shade val="50000"/>
+            </a:schemeClr>
+          </a:lnRef>
+          <a:fillRef idx="1">
+            <a:schemeClr val="accent1"/>
+          </a:fillRef>
+          <a:effectRef idx="0">
+            <a:schemeClr val="accent1"/>
+          </a:effectRef>
+          <a:fontRef idx="minor">
+            <a:schemeClr val="lt1"/>
+          </a:fontRef>
+        </p:style>
+        <p:txBody>
+          <a:bodyPr rtlCol="0" anchor="ctr"/>
+          <a:lstStyle/>
+          <a:p>
+            <a:pPr algn="ctr"/>
+            <a:endParaRPr lang="en-US"/>
+          </a:p>
+        </p:txBody>
+      </p:sp>
+      <p:pic>
+        <p:nvPicPr>
+          <p:cNvPr id="21" name="Picture 20">
+            <a:extLst>
+              <a:ext uri="{FF2B5EF4-FFF2-40B4-BE49-F238E27FC236}">
+                <a16:creationId xmlns:a16="http://schemas.microsoft.com/office/drawing/2014/main" id="{2897127E-6CEF-446C-BE87-93B7C46E49D1}"/>
+              </a:ext>
+              <a:ext uri="{C183D7F6-B498-43B3-948B-1728B52AA6E4}">
+                <adec:decorative xmlns:adec="http://schemas.microsoft.com/office/drawing/2017/decorative" val="1"/>
+              </a:ext>
+            </a:extLst>
+          </p:cNvPr>
+          <p:cNvPicPr>
+            <a:picLocks noGrp="1" noRot="1" noChangeAspect="1" noMove="1" noResize="1" noEditPoints="1" noAdjustHandles="1" noChangeArrowheads="1" noChangeShapeType="1" noCrop="1"/>
+          </p:cNvPicPr>
+          <p:nvPr>
+            <p:extLst>
+              <p:ext uri="{386F3935-93C4-4BCD-93E2-E3B085C9AB24}">
+                <p16:designElem xmlns:p16="http://schemas.microsoft.com/office/powerpoint/2015/main" val="1"/>
+              </p:ext>
+            </p:extLst>
+          </p:nvPr>
+        </p:nvPicPr>
+        <p:blipFill>
+          <a:blip r:embed="rId3">
+            <a:extLst>
+              <a:ext uri="{28A0092B-C50C-407E-A947-70E740481C1C}">
+                <a14:useLocalDpi xmlns:a14="http://schemas.microsoft.com/office/drawing/2010/main" val="0"/>
+              </a:ext>
+            </a:extLst>
+          </a:blip>
+          <a:stretch>
+            <a:fillRect/>
+          </a:stretch>
+        </p:blipFill>
+        <p:spPr>
+          <a:xfrm>
+            <a:off x="0" y="0"/>
+            <a:ext cx="9144000" cy="6858000"/>
+          </a:xfrm>
+          <a:prstGeom prst="rect">
+            <a:avLst/>
+          </a:prstGeom>
+        </p:spPr>
+      </p:pic>
+      <p:sp>
+        <p:nvSpPr>
+          <p:cNvPr id="2" name="标题 1">
+            <a:extLst>
+              <a:ext uri="{FF2B5EF4-FFF2-40B4-BE49-F238E27FC236}">
+                <a16:creationId xmlns:a16="http://schemas.microsoft.com/office/drawing/2014/main" id="{15391E9A-3050-41DB-85C7-8A4A18552CFF}"/>
+              </a:ext>
+            </a:extLst>
+          </p:cNvPr>
+          <p:cNvSpPr>
+            <a:spLocks noGrp="1"/>
+          </p:cNvSpPr>
+          <p:nvPr>
+            <p:ph type="title"/>
+          </p:nvPr>
+        </p:nvSpPr>
+        <p:spPr>
+          <a:xfrm>
+            <a:off x="-6347" y="2048951"/>
+            <a:ext cx="3837941" cy="2760098"/>
+          </a:xfrm>
+        </p:spPr>
+        <p:txBody>
+          <a:bodyPr>
+            <a:normAutofit/>
+          </a:bodyPr>
+          <a:lstStyle/>
+          <a:p>
+            <a:r>
+              <a:rPr lang="zh-CN" altLang="en-US" dirty="0">
+                <a:solidFill>
+                  <a:srgbClr val="FFFFFF"/>
+                </a:solidFill>
+              </a:rPr>
+              <a:t>系统部分模型展示</a:t>
+            </a:r>
+            <a:r>
+              <a:rPr lang="en-US" altLang="zh-CN" dirty="0">
+                <a:solidFill>
+                  <a:srgbClr val="FFFFFF"/>
+                </a:solidFill>
+              </a:rPr>
+              <a:t> </a:t>
+            </a:r>
+            <a:endParaRPr lang="zh-CN" altLang="en-US" dirty="0">
+              <a:solidFill>
+                <a:srgbClr val="FFFFFF"/>
+              </a:solidFill>
+            </a:endParaRPr>
+          </a:p>
+        </p:txBody>
+      </p:sp>
+      <p:sp>
+        <p:nvSpPr>
+          <p:cNvPr id="3" name="内容占位符 2">
+            <a:extLst>
+              <a:ext uri="{FF2B5EF4-FFF2-40B4-BE49-F238E27FC236}">
+                <a16:creationId xmlns:a16="http://schemas.microsoft.com/office/drawing/2014/main" id="{2635C032-192E-4B6A-9FDB-946FC597B650}"/>
+              </a:ext>
+            </a:extLst>
+          </p:cNvPr>
+          <p:cNvSpPr>
+            <a:spLocks noGrp="1"/>
+          </p:cNvSpPr>
+          <p:nvPr>
+            <p:ph idx="1"/>
+          </p:nvPr>
+        </p:nvSpPr>
+        <p:spPr>
+          <a:xfrm>
+            <a:off x="4567930" y="801866"/>
+            <a:ext cx="3979563" cy="5230634"/>
+          </a:xfrm>
+        </p:spPr>
+        <p:txBody>
+          <a:bodyPr anchor="ctr">
+            <a:normAutofit/>
+          </a:bodyPr>
+          <a:lstStyle/>
+          <a:p>
+            <a:r>
+              <a:rPr lang="zh-CN" altLang="en-US">
+                <a:solidFill>
+                  <a:srgbClr val="000000"/>
+                </a:solidFill>
+              </a:rPr>
+              <a:t>架构图 </a:t>
+            </a:r>
+            <a:endParaRPr lang="en-US" altLang="zh-CN">
+              <a:solidFill>
+                <a:srgbClr val="000000"/>
+              </a:solidFill>
+            </a:endParaRPr>
+          </a:p>
+          <a:p>
+            <a:r>
+              <a:rPr lang="zh-CN" altLang="en-US">
+                <a:solidFill>
+                  <a:srgbClr val="000000"/>
+                </a:solidFill>
+              </a:rPr>
+              <a:t>组件图</a:t>
+            </a:r>
+            <a:endParaRPr lang="en-US" altLang="zh-CN">
+              <a:solidFill>
+                <a:srgbClr val="000000"/>
+              </a:solidFill>
+            </a:endParaRPr>
+          </a:p>
+          <a:p>
+            <a:r>
+              <a:rPr lang="zh-CN" altLang="en-US">
+                <a:solidFill>
+                  <a:srgbClr val="000000"/>
+                </a:solidFill>
+              </a:rPr>
+              <a:t>类图 </a:t>
+            </a:r>
+            <a:endParaRPr lang="en-US" altLang="zh-CN">
+              <a:solidFill>
+                <a:srgbClr val="000000"/>
+              </a:solidFill>
+            </a:endParaRPr>
+          </a:p>
+          <a:p>
+            <a:r>
+              <a:rPr lang="zh-CN" altLang="en-US">
+                <a:solidFill>
+                  <a:srgbClr val="000000"/>
+                </a:solidFill>
+              </a:rPr>
+              <a:t>状态图 </a:t>
+            </a:r>
+            <a:endParaRPr lang="en-US" altLang="zh-CN">
+              <a:solidFill>
+                <a:srgbClr val="000000"/>
+              </a:solidFill>
+            </a:endParaRPr>
+          </a:p>
+          <a:p>
+            <a:r>
+              <a:rPr lang="zh-CN" altLang="en-US">
+                <a:solidFill>
+                  <a:srgbClr val="000000"/>
+                </a:solidFill>
+              </a:rPr>
+              <a:t>时序图 </a:t>
+            </a:r>
+            <a:endParaRPr lang="en-US" altLang="zh-CN">
+              <a:solidFill>
+                <a:srgbClr val="000000"/>
+              </a:solidFill>
+            </a:endParaRPr>
+          </a:p>
+          <a:p>
+            <a:r>
+              <a:rPr lang="zh-CN" altLang="en-US">
+                <a:solidFill>
+                  <a:srgbClr val="000000"/>
+                </a:solidFill>
+              </a:rPr>
+              <a:t>活动图 </a:t>
+            </a:r>
+            <a:endParaRPr lang="en-US" altLang="zh-CN">
+              <a:solidFill>
+                <a:srgbClr val="000000"/>
+              </a:solidFill>
+            </a:endParaRPr>
+          </a:p>
+          <a:p>
+            <a:r>
+              <a:rPr lang="en-US" altLang="zh-CN">
+                <a:solidFill>
+                  <a:srgbClr val="000000"/>
+                </a:solidFill>
+              </a:rPr>
+              <a:t>RUCM</a:t>
+            </a:r>
+          </a:p>
+          <a:p>
+            <a:r>
+              <a:rPr lang="en-US" altLang="zh-CN">
+                <a:solidFill>
+                  <a:srgbClr val="000000"/>
+                </a:solidFill>
+              </a:rPr>
+              <a:t>OCL</a:t>
+            </a:r>
+            <a:endParaRPr lang="zh-CN" altLang="en-US">
+              <a:solidFill>
+                <a:srgbClr val="000000"/>
+              </a:solidFill>
+            </a:endParaRPr>
+          </a:p>
+        </p:txBody>
+      </p:sp>
+    </p:spTree>
+    <p:extLst>
+      <p:ext uri="{BB962C8B-B14F-4D97-AF65-F5344CB8AC3E}">
+        <p14:creationId xmlns:p14="http://schemas.microsoft.com/office/powerpoint/2010/main" val="2648192192"/>
+      </p:ext>
+    </p:extLst>
+  </p:cSld>
+  <p:clrMapOvr>
+    <a:masterClrMapping/>
+  </p:clrMapOvr>
+</p:sld>
+</file>
+
+<file path=ppt/slides/slide14.xml><?xml version="1.0" encoding="utf-8"?>
+<p:sld xmlns:a="http://schemas.openxmlformats.org/drawingml/2006/main" xmlns:r="http://schemas.openxmlformats.org/officeDocument/2006/relationships" xmlns:p="http://schemas.openxmlformats.org/presentationml/2006/main">
+  <p:cSld>
+    <p:bg>
+      <p:bgPr>
+        <a:solidFill>
+          <a:schemeClr val="bg1"/>
+        </a:solidFill>
+        <a:effectLst/>
+      </p:bgPr>
+    </p:bg>
+    <p:spTree>
+      <p:nvGrpSpPr>
+        <p:cNvPr id="1" name=""/>
+        <p:cNvGrpSpPr/>
+        <p:nvPr/>
+      </p:nvGrpSpPr>
+      <p:grpSpPr>
+        <a:xfrm>
+          <a:off x="0" y="0"/>
+          <a:ext cx="0" cy="0"/>
+          <a:chOff x="0" y="0"/>
+          <a:chExt cx="0" cy="0"/>
+        </a:xfrm>
+      </p:grpSpPr>
+      <p:sp>
+        <p:nvSpPr>
+          <p:cNvPr id="17" name="Flowchart: Document 16">
+            <a:extLst>
+              <a:ext uri="{FF2B5EF4-FFF2-40B4-BE49-F238E27FC236}">
+                <a16:creationId xmlns:a16="http://schemas.microsoft.com/office/drawing/2014/main" id="{D12DDE76-C203-4047-9998-63900085B5E8}"/>
+              </a:ext>
+              <a:ext uri="{C183D7F6-B498-43B3-948B-1728B52AA6E4}">
+                <adec:decorative xmlns:adec="http://schemas.microsoft.com/office/drawing/2017/decorative" val="1"/>
+              </a:ext>
+            </a:extLst>
+          </p:cNvPr>
+          <p:cNvSpPr>
+            <a:spLocks noGrp="1" noRot="1" noChangeAspect="1" noMove="1" noResize="1" noEditPoints="1" noAdjustHandles="1" noChangeArrowheads="1" noChangeShapeType="1" noTextEdit="1"/>
+          </p:cNvSpPr>
+          <p:nvPr>
+            <p:extLst>
+              <p:ext uri="{386F3935-93C4-4BCD-93E2-E3B085C9AB24}">
+                <p16:designElem xmlns:p16="http://schemas.microsoft.com/office/powerpoint/2015/main" val="1"/>
+              </p:ext>
+            </p:extLst>
+          </p:nvPr>
+        </p:nvSpPr>
+        <p:spPr>
+          <a:xfrm>
+            <a:off x="478631" y="0"/>
+            <a:ext cx="2436019" cy="3400426"/>
+          </a:xfrm>
+          <a:prstGeom prst="flowChartDocument">
+            <a:avLst/>
+          </a:prstGeom>
           <a:solidFill>
-            <a:schemeClr val="accent5">
-              <a:lumMod val="75000"/>
-              <a:alpha val="80000"/>
-            </a:schemeClr>
+            <a:schemeClr val="accent1"/>
           </a:solidFill>
           <a:ln>
             <a:noFill/>
@@ -22473,259 +26530,125 @@
           <a:bodyPr rtlCol="0" anchor="ctr"/>
           <a:lstStyle/>
           <a:p>
-            <a:pPr marL="0" marR="0" lvl="0" indent="0" algn="ctr" defTabSz="914400" rtl="0" eaLnBrk="1" fontAlgn="auto" latinLnBrk="0" hangingPunct="1">
+            <a:pPr algn="ctr"/>
+            <a:endParaRPr lang="en-US"/>
+          </a:p>
+        </p:txBody>
+      </p:sp>
+      <p:sp>
+        <p:nvSpPr>
+          <p:cNvPr id="7" name="文本框 6"/>
+          <p:cNvSpPr txBox="1"/>
+          <p:nvPr/>
+        </p:nvSpPr>
+        <p:spPr>
+          <a:xfrm>
+            <a:off x="628650" y="171162"/>
+            <a:ext cx="2130136" cy="2371148"/>
+          </a:xfrm>
+          <a:prstGeom prst="rect">
+            <a:avLst/>
+          </a:prstGeom>
+        </p:spPr>
+        <p:txBody>
+          <a:bodyPr vert="horz" lIns="91440" tIns="45720" rIns="91440" bIns="45720" rtlCol="0" anchor="ctr">
+            <a:normAutofit/>
+          </a:bodyPr>
+          <a:lstStyle/>
+          <a:p>
+            <a:pPr marL="0" marR="0" lvl="0" indent="0" fontAlgn="auto">
               <a:lnSpc>
-                <a:spcPct val="100000"/>
+                <a:spcPct val="90000"/>
               </a:lnSpc>
               <a:spcBef>
-                <a:spcPts val="0"/>
+                <a:spcPct val="0"/>
               </a:spcBef>
               <a:spcAft>
-                <a:spcPts val="0"/>
+                <a:spcPts val="600"/>
               </a:spcAft>
               <a:buClrTx/>
               <a:buSzTx/>
-              <a:buFontTx/>
-              <a:buNone/>
               <a:tabLst/>
               <a:defRPr/>
             </a:pPr>
-            <a:endParaRPr kumimoji="0" lang="en-US" sz="1800" b="0" i="0" u="none" strike="noStrike" kern="1200" cap="none" spc="0" normalizeH="0" baseline="0" noProof="0">
+            <a:r>
+              <a:rPr kumimoji="0" lang="zh-CN" altLang="en-US" sz="2800" b="0" i="0" u="none" strike="noStrike" kern="1200" cap="none" spc="0" normalizeH="0" baseline="0" noProof="0">
+                <a:ln>
+                  <a:noFill/>
+                </a:ln>
+                <a:solidFill>
+                  <a:srgbClr val="FFFFFF"/>
+                </a:solidFill>
+                <a:effectLst/>
+                <a:uLnTx/>
+                <a:uFillTx/>
+                <a:latin typeface="+mj-lt"/>
+                <a:ea typeface="+mj-ea"/>
+                <a:cs typeface="+mj-cs"/>
+              </a:rPr>
+              <a:t>架构图</a:t>
+            </a:r>
+            <a:endParaRPr kumimoji="0" lang="en-US" altLang="zh-CN" sz="2800" b="0" i="0" u="none" strike="noStrike" kern="1200" cap="none" spc="0" normalizeH="0" baseline="0" noProof="0">
               <a:ln>
                 <a:noFill/>
               </a:ln>
               <a:solidFill>
-                <a:prstClr val="white"/>
+                <a:srgbClr val="FFFFFF"/>
               </a:solidFill>
               <a:effectLst/>
               <a:uLnTx/>
               <a:uFillTx/>
-              <a:latin typeface="等线" panose="020F0502020204030204"/>
-              <a:ea typeface="+mn-ea"/>
-              <a:cs typeface="+mn-cs"/>
+              <a:latin typeface="+mj-lt"/>
+              <a:ea typeface="+mj-ea"/>
+              <a:cs typeface="+mj-cs"/>
             </a:endParaRPr>
           </a:p>
         </p:txBody>
       </p:sp>
-      <p:sp>
-        <p:nvSpPr>
-          <p:cNvPr id="2" name="标题 1">
-            <a:extLst>
-              <a:ext uri="{FF2B5EF4-FFF2-40B4-BE49-F238E27FC236}">
-                <a16:creationId xmlns:a16="http://schemas.microsoft.com/office/drawing/2014/main" id="{15391E9A-3050-41DB-85C7-8A4A18552CFF}"/>
-              </a:ext>
-            </a:extLst>
-          </p:cNvPr>
-          <p:cNvSpPr>
-            <a:spLocks noGrp="1"/>
-          </p:cNvSpPr>
-          <p:nvPr>
-            <p:ph type="title"/>
-          </p:nvPr>
-        </p:nvSpPr>
+      <p:pic>
+        <p:nvPicPr>
+          <p:cNvPr id="2" name="图片 1"/>
+          <p:cNvPicPr>
+            <a:picLocks noChangeAspect="1"/>
+          </p:cNvPicPr>
+          <p:nvPr/>
+        </p:nvPicPr>
+        <p:blipFill>
+          <a:blip r:embed="rId3"/>
+          <a:stretch>
+            <a:fillRect/>
+          </a:stretch>
+        </p:blipFill>
         <p:spPr>
           <a:xfrm>
-            <a:off x="1332129" y="1608667"/>
-            <a:ext cx="1917293" cy="4491015"/>
+            <a:off x="3596067" y="640080"/>
+            <a:ext cx="4630416" cy="5578816"/>
           </a:xfrm>
+          <a:prstGeom prst="rect">
+            <a:avLst/>
+          </a:prstGeom>
         </p:spPr>
-        <p:txBody>
-          <a:bodyPr anchor="t">
-            <a:normAutofit/>
-          </a:bodyPr>
-          <a:lstStyle/>
-          <a:p>
-            <a:pPr algn="r"/>
-            <a:r>
-              <a:rPr lang="zh-CN" altLang="en-US" sz="2800" dirty="0">
-                <a:solidFill>
-                  <a:srgbClr val="FFFFFF"/>
-                </a:solidFill>
-              </a:rPr>
-              <a:t>系统部分模型展示</a:t>
-            </a:r>
-            <a:r>
-              <a:rPr lang="en-US" altLang="zh-CN" sz="2800" dirty="0">
-                <a:solidFill>
-                  <a:srgbClr val="FFFFFF"/>
-                </a:solidFill>
-              </a:rPr>
-              <a:t> </a:t>
-            </a:r>
-            <a:endParaRPr lang="zh-CN" altLang="en-US" sz="2800" dirty="0">
-              <a:solidFill>
-                <a:srgbClr val="FFFFFF"/>
-              </a:solidFill>
-            </a:endParaRPr>
-          </a:p>
-        </p:txBody>
-      </p:sp>
-      <p:sp>
-        <p:nvSpPr>
-          <p:cNvPr id="3" name="内容占位符 2">
-            <a:extLst>
-              <a:ext uri="{FF2B5EF4-FFF2-40B4-BE49-F238E27FC236}">
-                <a16:creationId xmlns:a16="http://schemas.microsoft.com/office/drawing/2014/main" id="{2635C032-192E-4B6A-9FDB-946FC597B650}"/>
-              </a:ext>
-            </a:extLst>
-          </p:cNvPr>
-          <p:cNvSpPr>
-            <a:spLocks noGrp="1"/>
-          </p:cNvSpPr>
-          <p:nvPr>
-            <p:ph idx="1"/>
-          </p:nvPr>
-        </p:nvSpPr>
-        <p:spPr>
-          <a:xfrm>
-            <a:off x="3732021" y="1608667"/>
-            <a:ext cx="4718431" cy="4491015"/>
-          </a:xfrm>
-        </p:spPr>
-        <p:txBody>
-          <a:bodyPr>
-            <a:normAutofit/>
-          </a:bodyPr>
-          <a:lstStyle/>
-          <a:p>
-            <a:r>
-              <a:rPr lang="zh-CN" altLang="en-US" sz="1700" dirty="0">
-                <a:solidFill>
-                  <a:srgbClr val="FFFFFF"/>
-                </a:solidFill>
-              </a:rPr>
-              <a:t>架构图 </a:t>
-            </a:r>
-            <a:endParaRPr lang="en-US" altLang="zh-CN" sz="1700" dirty="0">
-              <a:solidFill>
-                <a:srgbClr val="FFFFFF"/>
-              </a:solidFill>
-            </a:endParaRPr>
-          </a:p>
-          <a:p>
-            <a:r>
-              <a:rPr lang="zh-CN" altLang="en-US" sz="1700" dirty="0">
-                <a:solidFill>
-                  <a:srgbClr val="FFFFFF"/>
-                </a:solidFill>
-              </a:rPr>
-              <a:t>组件图</a:t>
-            </a:r>
-            <a:endParaRPr lang="en-US" altLang="zh-CN" sz="1700" dirty="0">
-              <a:solidFill>
-                <a:srgbClr val="FFFFFF"/>
-              </a:solidFill>
-            </a:endParaRPr>
-          </a:p>
-          <a:p>
-            <a:r>
-              <a:rPr lang="zh-CN" altLang="en-US" sz="1700" dirty="0">
-                <a:solidFill>
-                  <a:srgbClr val="FFFFFF"/>
-                </a:solidFill>
-              </a:rPr>
-              <a:t>类图 </a:t>
-            </a:r>
-            <a:endParaRPr lang="en-US" altLang="zh-CN" sz="1700" dirty="0">
-              <a:solidFill>
-                <a:srgbClr val="FFFFFF"/>
-              </a:solidFill>
-            </a:endParaRPr>
-          </a:p>
-          <a:p>
-            <a:r>
-              <a:rPr lang="zh-CN" altLang="en-US" sz="1700" dirty="0">
-                <a:solidFill>
-                  <a:srgbClr val="FFFFFF"/>
-                </a:solidFill>
-              </a:rPr>
-              <a:t>状态图 </a:t>
-            </a:r>
-            <a:endParaRPr lang="en-US" altLang="zh-CN" sz="1700" dirty="0">
-              <a:solidFill>
-                <a:srgbClr val="FFFFFF"/>
-              </a:solidFill>
-            </a:endParaRPr>
-          </a:p>
-          <a:p>
-            <a:r>
-              <a:rPr lang="zh-CN" altLang="en-US" sz="1700" dirty="0">
-                <a:solidFill>
-                  <a:srgbClr val="FFFFFF"/>
-                </a:solidFill>
-              </a:rPr>
-              <a:t>时序图 </a:t>
-            </a:r>
-            <a:endParaRPr lang="en-US" altLang="zh-CN" sz="1700" dirty="0">
-              <a:solidFill>
-                <a:srgbClr val="FFFFFF"/>
-              </a:solidFill>
-            </a:endParaRPr>
-          </a:p>
-          <a:p>
-            <a:r>
-              <a:rPr lang="zh-CN" altLang="en-US" sz="1700" dirty="0">
-                <a:solidFill>
-                  <a:srgbClr val="FFFFFF"/>
-                </a:solidFill>
-              </a:rPr>
-              <a:t>活动图 </a:t>
-            </a:r>
-            <a:endParaRPr lang="en-US" altLang="zh-CN" sz="1700" dirty="0">
-              <a:solidFill>
-                <a:srgbClr val="FFFFFF"/>
-              </a:solidFill>
-            </a:endParaRPr>
-          </a:p>
-          <a:p>
-            <a:r>
-              <a:rPr lang="en-US" altLang="zh-CN" sz="1700" dirty="0">
-                <a:solidFill>
-                  <a:srgbClr val="FFFFFF"/>
-                </a:solidFill>
-              </a:rPr>
-              <a:t>RUCM</a:t>
-            </a:r>
-          </a:p>
-          <a:p>
-            <a:r>
-              <a:rPr lang="en-US" altLang="zh-CN" sz="1700" dirty="0">
-                <a:solidFill>
-                  <a:srgbClr val="FFFFFF"/>
-                </a:solidFill>
-              </a:rPr>
-              <a:t>OCL</a:t>
-            </a:r>
-            <a:endParaRPr lang="zh-CN" altLang="en-US" sz="1700" dirty="0">
-              <a:solidFill>
-                <a:srgbClr val="FFFFFF"/>
-              </a:solidFill>
-            </a:endParaRPr>
-          </a:p>
-        </p:txBody>
-      </p:sp>
+      </p:pic>
     </p:spTree>
     <p:extLst>
       <p:ext uri="{BB962C8B-B14F-4D97-AF65-F5344CB8AC3E}">
-        <p14:creationId xmlns:p14="http://schemas.microsoft.com/office/powerpoint/2010/main" val="2648192192"/>
+        <p14:creationId xmlns:p14="http://schemas.microsoft.com/office/powerpoint/2010/main" val="3342696757"/>
       </p:ext>
     </p:extLst>
   </p:cSld>
   <p:clrMapOvr>
-    <a:overrideClrMapping bg1="dk1" tx1="lt1" bg2="dk2" tx2="lt2" accent1="accent1" accent2="accent2" accent3="accent3" accent4="accent4" accent5="accent5" accent6="accent6" hlink="hlink" folHlink="folHlink"/>
+    <a:masterClrMapping/>
   </p:clrMapOvr>
 </p:sld>
 </file>
 
-<file path=ppt/slides/slide14.xml><?xml version="1.0" encoding="utf-8"?>
+<file path=ppt/slides/slide15.xml><?xml version="1.0" encoding="utf-8"?>
 <p:sld xmlns:a="http://schemas.openxmlformats.org/drawingml/2006/main" xmlns:r="http://schemas.openxmlformats.org/officeDocument/2006/relationships" xmlns:p="http://schemas.openxmlformats.org/presentationml/2006/main">
   <p:cSld>
     <p:bg>
       <p:bgPr>
         <a:solidFill>
-          <a:schemeClr val="accent5">
-            <a:lumMod val="50000"/>
-          </a:schemeClr>
+          <a:schemeClr val="bg1"/>
         </a:solidFill>
         <a:effectLst/>
       </p:bgPr>
@@ -22746,10 +26669,10 @@
       </p:grpSpPr>
       <p:sp>
         <p:nvSpPr>
-          <p:cNvPr id="8" name="Rectangle 7">
+          <p:cNvPr id="17" name="Flowchart: Document 16">
             <a:extLst>
               <a:ext uri="{FF2B5EF4-FFF2-40B4-BE49-F238E27FC236}">
-                <a16:creationId xmlns:a16="http://schemas.microsoft.com/office/drawing/2014/main" id="{A2ED9029-64A6-4BAE-BA25-DC2A13D43EDE}"/>
+                <a16:creationId xmlns:a16="http://schemas.microsoft.com/office/drawing/2014/main" id="{D12DDE76-C203-4047-9998-63900085B5E8}"/>
               </a:ext>
               <a:ext uri="{C183D7F6-B498-43B3-948B-1728B52AA6E4}">
                 <adec:decorative xmlns:adec="http://schemas.microsoft.com/office/drawing/2017/decorative" val="1"/>
@@ -22769,16 +26692,14 @@
         </p:nvSpPr>
         <p:spPr>
           <a:xfrm>
-            <a:off x="13375" y="0"/>
-            <a:ext cx="9144000" cy="6858000"/>
+            <a:off x="478631" y="0"/>
+            <a:ext cx="2436019" cy="3400426"/>
           </a:xfrm>
-          <a:prstGeom prst="rect">
+          <a:prstGeom prst="flowChartDocument">
             <a:avLst/>
           </a:prstGeom>
           <a:solidFill>
-            <a:schemeClr val="accent5">
-              <a:lumMod val="50000"/>
-            </a:schemeClr>
+            <a:schemeClr val="accent1"/>
           </a:solidFill>
           <a:ln>
             <a:noFill/>
@@ -22804,46 +26725,133 @@
           <a:bodyPr rtlCol="0" anchor="ctr"/>
           <a:lstStyle/>
           <a:p>
-            <a:pPr marL="0" marR="0" lvl="0" indent="0" algn="ctr" defTabSz="914400" rtl="0" eaLnBrk="1" fontAlgn="auto" latinLnBrk="0" hangingPunct="1">
-              <a:lnSpc>
-                <a:spcPct val="100000"/>
-              </a:lnSpc>
-              <a:spcBef>
-                <a:spcPts val="0"/>
-              </a:spcBef>
-              <a:spcAft>
-                <a:spcPts val="0"/>
-              </a:spcAft>
-              <a:buClrTx/>
-              <a:buSzTx/>
-              <a:buFontTx/>
-              <a:buNone/>
-              <a:tabLst/>
-              <a:defRPr/>
-            </a:pPr>
-            <a:endParaRPr kumimoji="0" lang="en-US" sz="1800" b="0" i="0" u="none" strike="noStrike" kern="1200" cap="none" spc="0" normalizeH="0" baseline="0" noProof="0">
-              <a:ln>
-                <a:noFill/>
-              </a:ln>
-              <a:solidFill>
-                <a:prstClr val="white"/>
-              </a:solidFill>
-              <a:effectLst/>
-              <a:uLnTx/>
-              <a:uFillTx/>
-              <a:latin typeface="等线" panose="020F0502020204030204"/>
-              <a:ea typeface="+mn-ea"/>
-              <a:cs typeface="+mn-cs"/>
-            </a:endParaRPr>
+            <a:pPr algn="ctr"/>
+            <a:endParaRPr lang="en-US"/>
           </a:p>
         </p:txBody>
       </p:sp>
       <p:sp>
         <p:nvSpPr>
-          <p:cNvPr id="10" name="Rectangle 9">
+          <p:cNvPr id="7" name="文本框 6"/>
+          <p:cNvSpPr txBox="1"/>
+          <p:nvPr/>
+        </p:nvSpPr>
+        <p:spPr>
+          <a:xfrm>
+            <a:off x="628650" y="171162"/>
+            <a:ext cx="2130136" cy="2371148"/>
+          </a:xfrm>
+          <a:prstGeom prst="rect">
+            <a:avLst/>
+          </a:prstGeom>
+        </p:spPr>
+        <p:txBody>
+          <a:bodyPr vert="horz" lIns="91440" tIns="45720" rIns="91440" bIns="45720" rtlCol="0" anchor="ctr">
+            <a:normAutofit/>
+          </a:bodyPr>
+          <a:lstStyle/>
+          <a:p>
+            <a:pPr marL="0" marR="0" lvl="0" indent="0" fontAlgn="auto">
+              <a:lnSpc>
+                <a:spcPct val="90000"/>
+              </a:lnSpc>
+              <a:spcBef>
+                <a:spcPct val="0"/>
+              </a:spcBef>
+              <a:spcAft>
+                <a:spcPts val="600"/>
+              </a:spcAft>
+              <a:buClrTx/>
+              <a:buSzTx/>
+              <a:tabLst/>
+              <a:defRPr/>
+            </a:pPr>
+            <a:r>
+              <a:rPr kumimoji="0" lang="zh-CN" altLang="en-US" sz="2800" b="0" i="0" u="none" strike="noStrike" kern="1200" cap="none" spc="0" normalizeH="0" baseline="0" noProof="0">
+                <a:ln>
+                  <a:noFill/>
+                </a:ln>
+                <a:solidFill>
+                  <a:srgbClr val="FFFFFF"/>
+                </a:solidFill>
+                <a:effectLst/>
+                <a:uLnTx/>
+                <a:uFillTx/>
+                <a:latin typeface="+mj-lt"/>
+                <a:ea typeface="+mj-ea"/>
+                <a:cs typeface="+mj-cs"/>
+              </a:rPr>
+              <a:t>组件图</a:t>
+            </a:r>
+          </a:p>
+        </p:txBody>
+      </p:sp>
+      <p:pic>
+        <p:nvPicPr>
+          <p:cNvPr id="6" name="图片 5"/>
+          <p:cNvPicPr/>
+          <p:nvPr/>
+        </p:nvPicPr>
+        <p:blipFill>
+          <a:blip r:embed="rId3"/>
+          <a:stretch>
+            <a:fillRect/>
+          </a:stretch>
+        </p:blipFill>
+        <p:spPr>
+          <a:xfrm>
+            <a:off x="3155949" y="1783180"/>
+            <a:ext cx="5510653" cy="3292615"/>
+          </a:xfrm>
+          <a:prstGeom prst="rect">
+            <a:avLst/>
+          </a:prstGeom>
+        </p:spPr>
+      </p:pic>
+    </p:spTree>
+    <p:extLst>
+      <p:ext uri="{BB962C8B-B14F-4D97-AF65-F5344CB8AC3E}">
+        <p14:creationId xmlns:p14="http://schemas.microsoft.com/office/powerpoint/2010/main" val="2531204275"/>
+      </p:ext>
+    </p:extLst>
+  </p:cSld>
+  <p:clrMapOvr>
+    <a:masterClrMapping/>
+  </p:clrMapOvr>
+</p:sld>
+</file>
+
+<file path=ppt/slides/slide16.xml><?xml version="1.0" encoding="utf-8"?>
+<p:sld xmlns:a="http://schemas.openxmlformats.org/drawingml/2006/main" xmlns:r="http://schemas.openxmlformats.org/officeDocument/2006/relationships" xmlns:p="http://schemas.openxmlformats.org/presentationml/2006/main">
+  <p:cSld>
+    <p:bg>
+      <p:bgPr>
+        <a:solidFill>
+          <a:schemeClr val="bg1"/>
+        </a:solidFill>
+        <a:effectLst/>
+      </p:bgPr>
+    </p:bg>
+    <p:spTree>
+      <p:nvGrpSpPr>
+        <p:cNvPr id="1" name=""/>
+        <p:cNvGrpSpPr/>
+        <p:nvPr/>
+      </p:nvGrpSpPr>
+      <p:grpSpPr>
+        <a:xfrm>
+          <a:off x="0" y="0"/>
+          <a:ext cx="0" cy="0"/>
+          <a:chOff x="0" y="0"/>
+          <a:chExt cx="0" cy="0"/>
+        </a:xfrm>
+      </p:grpSpPr>
+      <p:sp>
+        <p:nvSpPr>
+          <p:cNvPr id="17" name="Flowchart: Document 16">
             <a:extLst>
               <a:ext uri="{FF2B5EF4-FFF2-40B4-BE49-F238E27FC236}">
-                <a16:creationId xmlns:a16="http://schemas.microsoft.com/office/drawing/2014/main" id="{DAFABACF-DDBE-415C-8EE1-F7DD68C632C6}"/>
+                <a16:creationId xmlns:a16="http://schemas.microsoft.com/office/drawing/2014/main" id="{D12DDE76-C203-4047-9998-63900085B5E8}"/>
               </a:ext>
               <a:ext uri="{C183D7F6-B498-43B3-948B-1728B52AA6E4}">
                 <adec:decorative xmlns:adec="http://schemas.microsoft.com/office/drawing/2017/decorative" val="1"/>
@@ -22863,111 +26871,14 @@
         </p:nvSpPr>
         <p:spPr>
           <a:xfrm>
-            <a:off x="0" y="0"/>
-            <a:ext cx="1078992" cy="6858000"/>
+            <a:off x="478631" y="0"/>
+            <a:ext cx="2436019" cy="3400426"/>
           </a:xfrm>
-          <a:prstGeom prst="rect">
+          <a:prstGeom prst="flowChartDocument">
             <a:avLst/>
           </a:prstGeom>
           <a:solidFill>
-            <a:schemeClr val="accent5">
-              <a:alpha val="70000"/>
-            </a:schemeClr>
-          </a:solidFill>
-          <a:ln>
-            <a:noFill/>
-          </a:ln>
-        </p:spPr>
-        <p:style>
-          <a:lnRef idx="2">
-            <a:schemeClr val="accent1">
-              <a:shade val="50000"/>
-            </a:schemeClr>
-          </a:lnRef>
-          <a:fillRef idx="1003">
-            <a:schemeClr val="lt1"/>
-          </a:fillRef>
-          <a:effectRef idx="0">
             <a:schemeClr val="accent1"/>
-          </a:effectRef>
-          <a:fontRef idx="minor">
-            <a:schemeClr val="lt1"/>
-          </a:fontRef>
-        </p:style>
-        <p:txBody>
-          <a:bodyPr rtlCol="0" anchor="ctr"/>
-          <a:lstStyle/>
-          <a:p>
-            <a:pPr marL="0" marR="0" lvl="0" indent="0" algn="ctr" defTabSz="914400" rtl="0" eaLnBrk="1" fontAlgn="auto" latinLnBrk="0" hangingPunct="1">
-              <a:lnSpc>
-                <a:spcPct val="100000"/>
-              </a:lnSpc>
-              <a:spcBef>
-                <a:spcPts val="0"/>
-              </a:spcBef>
-              <a:spcAft>
-                <a:spcPts val="0"/>
-              </a:spcAft>
-              <a:buClrTx/>
-              <a:buSzTx/>
-              <a:buFontTx/>
-              <a:buNone/>
-              <a:tabLst/>
-              <a:defRPr/>
-            </a:pPr>
-            <a:endParaRPr kumimoji="0" lang="en-US" sz="1800" b="0" i="0" u="none" strike="noStrike" kern="1200" cap="none" spc="0" normalizeH="0" baseline="0" noProof="0">
-              <a:ln>
-                <a:noFill/>
-              </a:ln>
-              <a:solidFill>
-                <a:srgbClr val="ED7D31"/>
-              </a:solidFill>
-              <a:effectLst/>
-              <a:uLnTx/>
-              <a:uFillTx/>
-              <a:latin typeface="等线" panose="020F0502020204030204"/>
-              <a:ea typeface="+mn-ea"/>
-              <a:cs typeface="+mn-cs"/>
-            </a:endParaRPr>
-          </a:p>
-        </p:txBody>
-      </p:sp>
-      <p:sp>
-        <p:nvSpPr>
-          <p:cNvPr id="12" name="Rectangle 11">
-            <a:extLst>
-              <a:ext uri="{FF2B5EF4-FFF2-40B4-BE49-F238E27FC236}">
-                <a16:creationId xmlns:a16="http://schemas.microsoft.com/office/drawing/2014/main" id="{41E17A99-1553-4633-ADFB-5CCDCF801D13}"/>
-              </a:ext>
-              <a:ext uri="{C183D7F6-B498-43B3-948B-1728B52AA6E4}">
-                <adec:decorative xmlns:adec="http://schemas.microsoft.com/office/drawing/2017/decorative" val="1"/>
-              </a:ext>
-            </a:extLst>
-          </p:cNvPr>
-          <p:cNvSpPr>
-            <a:spLocks noGrp="1" noRot="1" noChangeAspect="1" noMove="1" noResize="1" noEditPoints="1" noAdjustHandles="1" noChangeArrowheads="1" noChangeShapeType="1" noTextEdit="1"/>
-          </p:cNvSpPr>
-          <p:nvPr>
-            <p:extLst>
-              <p:ext uri="{386F3935-93C4-4BCD-93E2-E3B085C9AB24}">
-                <p16:designElem xmlns:p16="http://schemas.microsoft.com/office/powerpoint/2015/main" val="1"/>
-              </p:ext>
-            </p:extLst>
-          </p:nvPr>
-        </p:nvSpPr>
-        <p:spPr>
-          <a:xfrm>
-            <a:off x="1078992" y="0"/>
-            <a:ext cx="2411730" cy="6858000"/>
-          </a:xfrm>
-          <a:prstGeom prst="rect">
-            <a:avLst/>
-          </a:prstGeom>
-          <a:solidFill>
-            <a:schemeClr val="accent5">
-              <a:lumMod val="75000"/>
-              <a:alpha val="80000"/>
-            </a:schemeClr>
           </a:solidFill>
           <a:ln>
             <a:noFill/>
@@ -22993,37 +26904,8 @@
           <a:bodyPr rtlCol="0" anchor="ctr"/>
           <a:lstStyle/>
           <a:p>
-            <a:pPr marL="0" marR="0" lvl="0" indent="0" algn="ctr" defTabSz="914400" rtl="0" eaLnBrk="1" fontAlgn="auto" latinLnBrk="0" hangingPunct="1">
-              <a:lnSpc>
-                <a:spcPct val="100000"/>
-              </a:lnSpc>
-              <a:spcBef>
-                <a:spcPts val="0"/>
-              </a:spcBef>
-              <a:spcAft>
-                <a:spcPts val="0"/>
-              </a:spcAft>
-              <a:buClrTx/>
-              <a:buSzTx/>
-              <a:buFontTx/>
-              <a:buNone/>
-              <a:tabLst/>
-              <a:defRPr/>
-            </a:pPr>
-            <a:endParaRPr kumimoji="0" lang="en-US" sz="1800" b="0" i="0" u="none" strike="noStrike" kern="1200" cap="none" spc="0" normalizeH="0" baseline="0" noProof="0">
-              <a:ln>
-                <a:noFill/>
-              </a:ln>
-              <a:solidFill>
-                <a:prstClr val="white"/>
-              </a:solidFill>
-              <a:effectLst/>
-              <a:uLnTx/>
-              <a:uFillTx/>
-              <a:latin typeface="等线" panose="020F0502020204030204"/>
-              <a:ea typeface="+mn-ea"/>
-              <a:cs typeface="+mn-cs"/>
-            </a:endParaRPr>
+            <a:pPr algn="ctr"/>
+            <a:endParaRPr lang="en-US"/>
           </a:p>
         </p:txBody>
       </p:sp>
@@ -23035,89 +26917,78 @@
         </p:nvSpPr>
         <p:spPr>
           <a:xfrm>
-            <a:off x="13375" y="103909"/>
-            <a:ext cx="1426880" cy="584775"/>
+            <a:off x="628650" y="171162"/>
+            <a:ext cx="2130136" cy="2371148"/>
           </a:xfrm>
           <a:prstGeom prst="rect">
             <a:avLst/>
           </a:prstGeom>
-          <a:noFill/>
         </p:spPr>
         <p:txBody>
-          <a:bodyPr wrap="square" rtlCol="0">
-            <a:spAutoFit/>
+          <a:bodyPr vert="horz" lIns="91440" tIns="45720" rIns="91440" bIns="45720" rtlCol="0" anchor="ctr">
+            <a:normAutofit/>
           </a:bodyPr>
           <a:lstStyle/>
           <a:p>
-            <a:pPr marL="0" marR="0" lvl="0" indent="0" algn="l" defTabSz="914400" rtl="0" eaLnBrk="1" fontAlgn="auto" latinLnBrk="0" hangingPunct="1">
+            <a:pPr marL="0" marR="0" lvl="0" indent="0" fontAlgn="auto">
               <a:lnSpc>
-                <a:spcPct val="100000"/>
+                <a:spcPct val="90000"/>
               </a:lnSpc>
               <a:spcBef>
-                <a:spcPts val="0"/>
+                <a:spcPct val="0"/>
               </a:spcBef>
               <a:spcAft>
-                <a:spcPts val="0"/>
+                <a:spcPts val="600"/>
               </a:spcAft>
               <a:buClrTx/>
               <a:buSzTx/>
-              <a:buFontTx/>
-              <a:buNone/>
               <a:tabLst/>
               <a:defRPr/>
             </a:pPr>
             <a:r>
-              <a:rPr kumimoji="0" lang="zh-CN" altLang="en-US" sz="3200" b="0" i="0" u="none" strike="noStrike" kern="1200" cap="none" spc="0" normalizeH="0" baseline="0" noProof="0" dirty="0">
+              <a:rPr kumimoji="0" lang="zh-CN" altLang="en-US" sz="2800" b="0" i="0" u="none" strike="noStrike" kern="1200" cap="none" spc="0" normalizeH="0" baseline="0" noProof="0">
                 <a:ln>
                   <a:noFill/>
                 </a:ln>
                 <a:solidFill>
-                  <a:prstClr val="white"/>
+                  <a:srgbClr val="FFFFFF"/>
                 </a:solidFill>
                 <a:effectLst/>
                 <a:uLnTx/>
                 <a:uFillTx/>
-                <a:latin typeface="等线" panose="020F0502020204030204"/>
-                <a:ea typeface="等线" panose="02010600030101010101" pitchFamily="2" charset="-122"/>
-                <a:cs typeface="+mn-cs"/>
-              </a:rPr>
-              <a:t>架构图</a:t>
-            </a:r>
-            <a:endParaRPr kumimoji="0" lang="en-US" altLang="zh-CN" sz="3200" b="0" i="0" u="none" strike="noStrike" kern="1200" cap="none" spc="0" normalizeH="0" baseline="0" noProof="0" dirty="0">
-              <a:ln>
-                <a:noFill/>
-              </a:ln>
-              <a:solidFill>
-                <a:prstClr val="white"/>
-              </a:solidFill>
-              <a:effectLst/>
-              <a:uLnTx/>
-              <a:uFillTx/>
-              <a:latin typeface="等线" panose="020F0502020204030204"/>
-              <a:ea typeface="等线" panose="02010600030101010101" pitchFamily="2" charset="-122"/>
-              <a:cs typeface="+mn-cs"/>
-            </a:endParaRPr>
+                <a:latin typeface="+mj-lt"/>
+                <a:ea typeface="+mj-ea"/>
+                <a:cs typeface="+mj-cs"/>
+              </a:rPr>
+              <a:t>类图</a:t>
+            </a:r>
           </a:p>
         </p:txBody>
       </p:sp>
       <p:pic>
         <p:nvPicPr>
-          <p:cNvPr id="2" name="图片 1"/>
+          <p:cNvPr id="9" name="图片 8"/>
           <p:cNvPicPr>
             <a:picLocks noChangeAspect="1"/>
           </p:cNvPicPr>
           <p:nvPr/>
         </p:nvPicPr>
         <p:blipFill>
-          <a:blip r:embed="rId3"/>
+          <a:blip r:embed="rId3">
+            <a:extLst>
+              <a:ext uri="{28A0092B-C50C-407E-A947-70E740481C1C}">
+                <a14:useLocalDpi xmlns:a14="http://schemas.microsoft.com/office/drawing/2010/main" val="0"/>
+              </a:ext>
+            </a:extLst>
+          </a:blip>
           <a:stretch>
             <a:fillRect/>
           </a:stretch>
         </p:blipFill>
         <p:spPr>
           <a:xfrm>
-            <a:off x="2287043" y="688684"/>
-            <a:ext cx="4596663" cy="5534758"/>
+            <a:off x="3155949" y="1645414"/>
+            <a:ext cx="5510653" cy="3568147"/>
           </a:xfrm>
           <a:prstGeom prst="rect">
             <a:avLst/>
@@ -23127,25 +26998,23 @@
     </p:spTree>
     <p:extLst>
       <p:ext uri="{BB962C8B-B14F-4D97-AF65-F5344CB8AC3E}">
-        <p14:creationId xmlns:p14="http://schemas.microsoft.com/office/powerpoint/2010/main" val="3342696757"/>
+        <p14:creationId xmlns:p14="http://schemas.microsoft.com/office/powerpoint/2010/main" val="1587014024"/>
       </p:ext>
     </p:extLst>
   </p:cSld>
   <p:clrMapOvr>
-    <a:overrideClrMapping bg1="dk1" tx1="lt1" bg2="dk2" tx2="lt2" accent1="accent1" accent2="accent2" accent3="accent3" accent4="accent4" accent5="accent5" accent6="accent6" hlink="hlink" folHlink="folHlink"/>
+    <a:masterClrMapping/>
   </p:clrMapOvr>
 </p:sld>
 </file>
 
-<file path=ppt/slides/slide15.xml><?xml version="1.0" encoding="utf-8"?>
+<file path=ppt/slides/slide17.xml><?xml version="1.0" encoding="utf-8"?>
 <p:sld xmlns:a="http://schemas.openxmlformats.org/drawingml/2006/main" xmlns:r="http://schemas.openxmlformats.org/officeDocument/2006/relationships" xmlns:p="http://schemas.openxmlformats.org/presentationml/2006/main">
   <p:cSld>
     <p:bg>
       <p:bgPr>
         <a:solidFill>
-          <a:schemeClr val="accent5">
-            <a:lumMod val="50000"/>
-          </a:schemeClr>
+          <a:schemeClr val="bg1"/>
         </a:solidFill>
         <a:effectLst/>
       </p:bgPr>
@@ -23166,10 +27035,10 @@
       </p:grpSpPr>
       <p:sp>
         <p:nvSpPr>
-          <p:cNvPr id="8" name="Rectangle 7">
+          <p:cNvPr id="17" name="Flowchart: Document 16">
             <a:extLst>
               <a:ext uri="{FF2B5EF4-FFF2-40B4-BE49-F238E27FC236}">
-                <a16:creationId xmlns:a16="http://schemas.microsoft.com/office/drawing/2014/main" id="{A2ED9029-64A6-4BAE-BA25-DC2A13D43EDE}"/>
+                <a16:creationId xmlns:a16="http://schemas.microsoft.com/office/drawing/2014/main" id="{D12DDE76-C203-4047-9998-63900085B5E8}"/>
               </a:ext>
               <a:ext uri="{C183D7F6-B498-43B3-948B-1728B52AA6E4}">
                 <adec:decorative xmlns:adec="http://schemas.microsoft.com/office/drawing/2017/decorative" val="1"/>
@@ -23189,16 +27058,14 @@
         </p:nvSpPr>
         <p:spPr>
           <a:xfrm>
-            <a:off x="13375" y="0"/>
-            <a:ext cx="9144000" cy="6858000"/>
+            <a:off x="478631" y="0"/>
+            <a:ext cx="2436019" cy="3400426"/>
           </a:xfrm>
-          <a:prstGeom prst="rect">
+          <a:prstGeom prst="flowChartDocument">
             <a:avLst/>
           </a:prstGeom>
           <a:solidFill>
-            <a:schemeClr val="accent5">
-              <a:lumMod val="50000"/>
-            </a:schemeClr>
+            <a:schemeClr val="accent1"/>
           </a:solidFill>
           <a:ln>
             <a:noFill/>
@@ -23224,46 +27091,141 @@
           <a:bodyPr rtlCol="0" anchor="ctr"/>
           <a:lstStyle/>
           <a:p>
-            <a:pPr marL="0" marR="0" lvl="0" indent="0" algn="ctr" defTabSz="914400" rtl="0" eaLnBrk="1" fontAlgn="auto" latinLnBrk="0" hangingPunct="1">
-              <a:lnSpc>
-                <a:spcPct val="100000"/>
-              </a:lnSpc>
-              <a:spcBef>
-                <a:spcPts val="0"/>
-              </a:spcBef>
-              <a:spcAft>
-                <a:spcPts val="0"/>
-              </a:spcAft>
-              <a:buClrTx/>
-              <a:buSzTx/>
-              <a:buFontTx/>
-              <a:buNone/>
-              <a:tabLst/>
-              <a:defRPr/>
-            </a:pPr>
-            <a:endParaRPr kumimoji="0" lang="en-US" sz="1800" b="0" i="0" u="none" strike="noStrike" kern="1200" cap="none" spc="0" normalizeH="0" baseline="0" noProof="0">
-              <a:ln>
-                <a:noFill/>
-              </a:ln>
-              <a:solidFill>
-                <a:prstClr val="white"/>
-              </a:solidFill>
-              <a:effectLst/>
-              <a:uLnTx/>
-              <a:uFillTx/>
-              <a:latin typeface="等线" panose="020F0502020204030204"/>
-              <a:ea typeface="+mn-ea"/>
-              <a:cs typeface="+mn-cs"/>
-            </a:endParaRPr>
+            <a:pPr algn="ctr"/>
+            <a:endParaRPr lang="en-US"/>
           </a:p>
         </p:txBody>
       </p:sp>
       <p:sp>
         <p:nvSpPr>
-          <p:cNvPr id="10" name="Rectangle 9">
+          <p:cNvPr id="7" name="文本框 6"/>
+          <p:cNvSpPr txBox="1"/>
+          <p:nvPr/>
+        </p:nvSpPr>
+        <p:spPr>
+          <a:xfrm>
+            <a:off x="628650" y="171162"/>
+            <a:ext cx="2130136" cy="2371148"/>
+          </a:xfrm>
+          <a:prstGeom prst="rect">
+            <a:avLst/>
+          </a:prstGeom>
+        </p:spPr>
+        <p:txBody>
+          <a:bodyPr vert="horz" lIns="91440" tIns="45720" rIns="91440" bIns="45720" rtlCol="0" anchor="ctr">
+            <a:normAutofit/>
+          </a:bodyPr>
+          <a:lstStyle/>
+          <a:p>
+            <a:pPr marL="0" marR="0" lvl="0" indent="0" fontAlgn="auto">
+              <a:lnSpc>
+                <a:spcPct val="90000"/>
+              </a:lnSpc>
+              <a:spcBef>
+                <a:spcPct val="0"/>
+              </a:spcBef>
+              <a:spcAft>
+                <a:spcPts val="600"/>
+              </a:spcAft>
+              <a:buClrTx/>
+              <a:buSzTx/>
+              <a:tabLst/>
+              <a:defRPr/>
+            </a:pPr>
+            <a:r>
+              <a:rPr kumimoji="0" lang="zh-CN" altLang="en-US" sz="2800" b="0" i="0" u="none" strike="noStrike" kern="1200" cap="none" spc="0" normalizeH="0" baseline="0" noProof="0">
+                <a:ln>
+                  <a:noFill/>
+                </a:ln>
+                <a:solidFill>
+                  <a:srgbClr val="FFFFFF"/>
+                </a:solidFill>
+                <a:effectLst/>
+                <a:uLnTx/>
+                <a:uFillTx/>
+                <a:latin typeface="+mj-lt"/>
+                <a:ea typeface="+mj-ea"/>
+                <a:cs typeface="+mj-cs"/>
+              </a:rPr>
+              <a:t>状态图</a:t>
+            </a:r>
+          </a:p>
+        </p:txBody>
+      </p:sp>
+      <p:pic>
+        <p:nvPicPr>
+          <p:cNvPr id="6" name="图片 5" descr="C:\Users\liuliang\AppData\Local\Temp\1546232756(1).png"/>
+          <p:cNvPicPr/>
+          <p:nvPr/>
+        </p:nvPicPr>
+        <p:blipFill>
+          <a:blip r:embed="rId3">
+            <a:extLst>
+              <a:ext uri="{28A0092B-C50C-407E-A947-70E740481C1C}">
+                <a14:useLocalDpi xmlns:a14="http://schemas.microsoft.com/office/drawing/2010/main" val="0"/>
+              </a:ext>
+            </a:extLst>
+          </a:blip>
+          <a:srcRect/>
+          <a:stretch>
+            <a:fillRect/>
+          </a:stretch>
+        </p:blipFill>
+        <p:spPr bwMode="auto">
+          <a:xfrm>
+            <a:off x="3819219" y="640080"/>
+            <a:ext cx="4184112" cy="5578816"/>
+          </a:xfrm>
+          <a:prstGeom prst="rect">
+            <a:avLst/>
+          </a:prstGeom>
+          <a:noFill/>
+        </p:spPr>
+      </p:pic>
+    </p:spTree>
+    <p:extLst>
+      <p:ext uri="{BB962C8B-B14F-4D97-AF65-F5344CB8AC3E}">
+        <p14:creationId xmlns:p14="http://schemas.microsoft.com/office/powerpoint/2010/main" val="1247784146"/>
+      </p:ext>
+    </p:extLst>
+  </p:cSld>
+  <p:clrMapOvr>
+    <a:masterClrMapping/>
+  </p:clrMapOvr>
+</p:sld>
+</file>
+
+<file path=ppt/slides/slide18.xml><?xml version="1.0" encoding="utf-8"?>
+<p:sld xmlns:a="http://schemas.openxmlformats.org/drawingml/2006/main" xmlns:r="http://schemas.openxmlformats.org/officeDocument/2006/relationships" xmlns:p="http://schemas.openxmlformats.org/presentationml/2006/main">
+  <p:cSld>
+    <p:bg>
+      <p:bgPr>
+        <a:solidFill>
+          <a:schemeClr val="bg1"/>
+        </a:solidFill>
+        <a:effectLst/>
+      </p:bgPr>
+    </p:bg>
+    <p:spTree>
+      <p:nvGrpSpPr>
+        <p:cNvPr id="1" name=""/>
+        <p:cNvGrpSpPr/>
+        <p:nvPr/>
+      </p:nvGrpSpPr>
+      <p:grpSpPr>
+        <a:xfrm>
+          <a:off x="0" y="0"/>
+          <a:ext cx="0" cy="0"/>
+          <a:chOff x="0" y="0"/>
+          <a:chExt cx="0" cy="0"/>
+        </a:xfrm>
+      </p:grpSpPr>
+      <p:sp>
+        <p:nvSpPr>
+          <p:cNvPr id="17" name="Flowchart: Document 16">
             <a:extLst>
               <a:ext uri="{FF2B5EF4-FFF2-40B4-BE49-F238E27FC236}">
-                <a16:creationId xmlns:a16="http://schemas.microsoft.com/office/drawing/2014/main" id="{DAFABACF-DDBE-415C-8EE1-F7DD68C632C6}"/>
+                <a16:creationId xmlns:a16="http://schemas.microsoft.com/office/drawing/2014/main" id="{D12DDE76-C203-4047-9998-63900085B5E8}"/>
               </a:ext>
               <a:ext uri="{C183D7F6-B498-43B3-948B-1728B52AA6E4}">
                 <adec:decorative xmlns:adec="http://schemas.microsoft.com/office/drawing/2017/decorative" val="1"/>
@@ -23283,111 +27245,14 @@
         </p:nvSpPr>
         <p:spPr>
           <a:xfrm>
-            <a:off x="0" y="0"/>
-            <a:ext cx="1078992" cy="6858000"/>
+            <a:off x="478631" y="0"/>
+            <a:ext cx="2436019" cy="3400426"/>
           </a:xfrm>
-          <a:prstGeom prst="rect">
+          <a:prstGeom prst="flowChartDocument">
             <a:avLst/>
           </a:prstGeom>
           <a:solidFill>
-            <a:schemeClr val="accent5">
-              <a:alpha val="70000"/>
-            </a:schemeClr>
-          </a:solidFill>
-          <a:ln>
-            <a:noFill/>
-          </a:ln>
-        </p:spPr>
-        <p:style>
-          <a:lnRef idx="2">
-            <a:schemeClr val="accent1">
-              <a:shade val="50000"/>
-            </a:schemeClr>
-          </a:lnRef>
-          <a:fillRef idx="1003">
-            <a:schemeClr val="lt1"/>
-          </a:fillRef>
-          <a:effectRef idx="0">
             <a:schemeClr val="accent1"/>
-          </a:effectRef>
-          <a:fontRef idx="minor">
-            <a:schemeClr val="lt1"/>
-          </a:fontRef>
-        </p:style>
-        <p:txBody>
-          <a:bodyPr rtlCol="0" anchor="ctr"/>
-          <a:lstStyle/>
-          <a:p>
-            <a:pPr marL="0" marR="0" lvl="0" indent="0" algn="ctr" defTabSz="914400" rtl="0" eaLnBrk="1" fontAlgn="auto" latinLnBrk="0" hangingPunct="1">
-              <a:lnSpc>
-                <a:spcPct val="100000"/>
-              </a:lnSpc>
-              <a:spcBef>
-                <a:spcPts val="0"/>
-              </a:spcBef>
-              <a:spcAft>
-                <a:spcPts val="0"/>
-              </a:spcAft>
-              <a:buClrTx/>
-              <a:buSzTx/>
-              <a:buFontTx/>
-              <a:buNone/>
-              <a:tabLst/>
-              <a:defRPr/>
-            </a:pPr>
-            <a:endParaRPr kumimoji="0" lang="en-US" sz="1800" b="0" i="0" u="none" strike="noStrike" kern="1200" cap="none" spc="0" normalizeH="0" baseline="0" noProof="0">
-              <a:ln>
-                <a:noFill/>
-              </a:ln>
-              <a:solidFill>
-                <a:srgbClr val="ED7D31"/>
-              </a:solidFill>
-              <a:effectLst/>
-              <a:uLnTx/>
-              <a:uFillTx/>
-              <a:latin typeface="等线" panose="020F0502020204030204"/>
-              <a:ea typeface="+mn-ea"/>
-              <a:cs typeface="+mn-cs"/>
-            </a:endParaRPr>
-          </a:p>
-        </p:txBody>
-      </p:sp>
-      <p:sp>
-        <p:nvSpPr>
-          <p:cNvPr id="12" name="Rectangle 11">
-            <a:extLst>
-              <a:ext uri="{FF2B5EF4-FFF2-40B4-BE49-F238E27FC236}">
-                <a16:creationId xmlns:a16="http://schemas.microsoft.com/office/drawing/2014/main" id="{41E17A99-1553-4633-ADFB-5CCDCF801D13}"/>
-              </a:ext>
-              <a:ext uri="{C183D7F6-B498-43B3-948B-1728B52AA6E4}">
-                <adec:decorative xmlns:adec="http://schemas.microsoft.com/office/drawing/2017/decorative" val="1"/>
-              </a:ext>
-            </a:extLst>
-          </p:cNvPr>
-          <p:cNvSpPr>
-            <a:spLocks noGrp="1" noRot="1" noChangeAspect="1" noMove="1" noResize="1" noEditPoints="1" noAdjustHandles="1" noChangeArrowheads="1" noChangeShapeType="1" noTextEdit="1"/>
-          </p:cNvSpPr>
-          <p:nvPr>
-            <p:extLst>
-              <p:ext uri="{386F3935-93C4-4BCD-93E2-E3B085C9AB24}">
-                <p16:designElem xmlns:p16="http://schemas.microsoft.com/office/powerpoint/2015/main" val="1"/>
-              </p:ext>
-            </p:extLst>
-          </p:nvPr>
-        </p:nvSpPr>
-        <p:spPr>
-          <a:xfrm>
-            <a:off x="1078992" y="0"/>
-            <a:ext cx="2411730" cy="6858000"/>
-          </a:xfrm>
-          <a:prstGeom prst="rect">
-            <a:avLst/>
-          </a:prstGeom>
-          <a:solidFill>
-            <a:schemeClr val="accent5">
-              <a:lumMod val="75000"/>
-              <a:alpha val="80000"/>
-            </a:schemeClr>
           </a:solidFill>
           <a:ln>
             <a:noFill/>
@@ -23413,37 +27278,8 @@
           <a:bodyPr rtlCol="0" anchor="ctr"/>
           <a:lstStyle/>
           <a:p>
-            <a:pPr marL="0" marR="0" lvl="0" indent="0" algn="ctr" defTabSz="914400" rtl="0" eaLnBrk="1" fontAlgn="auto" latinLnBrk="0" hangingPunct="1">
-              <a:lnSpc>
-                <a:spcPct val="100000"/>
-              </a:lnSpc>
-              <a:spcBef>
-                <a:spcPts val="0"/>
-              </a:spcBef>
-              <a:spcAft>
-                <a:spcPts val="0"/>
-              </a:spcAft>
-              <a:buClrTx/>
-              <a:buSzTx/>
-              <a:buFontTx/>
-              <a:buNone/>
-              <a:tabLst/>
-              <a:defRPr/>
-            </a:pPr>
-            <a:endParaRPr kumimoji="0" lang="en-US" sz="1800" b="0" i="0" u="none" strike="noStrike" kern="1200" cap="none" spc="0" normalizeH="0" baseline="0" noProof="0">
-              <a:ln>
-                <a:noFill/>
-              </a:ln>
-              <a:solidFill>
-                <a:prstClr val="white"/>
-              </a:solidFill>
-              <a:effectLst/>
-              <a:uLnTx/>
-              <a:uFillTx/>
-              <a:latin typeface="等线" panose="020F0502020204030204"/>
-              <a:ea typeface="+mn-ea"/>
-              <a:cs typeface="+mn-cs"/>
-            </a:endParaRPr>
+            <a:pPr algn="ctr"/>
+            <a:endParaRPr lang="en-US"/>
           </a:p>
         </p:txBody>
       </p:sp>
@@ -23455,73 +27291,78 @@
         </p:nvSpPr>
         <p:spPr>
           <a:xfrm>
-            <a:off x="13375" y="103909"/>
-            <a:ext cx="1426880" cy="584775"/>
+            <a:off x="628650" y="171162"/>
+            <a:ext cx="2130136" cy="2371148"/>
           </a:xfrm>
           <a:prstGeom prst="rect">
             <a:avLst/>
           </a:prstGeom>
-          <a:noFill/>
         </p:spPr>
         <p:txBody>
-          <a:bodyPr wrap="square" rtlCol="0">
-            <a:spAutoFit/>
+          <a:bodyPr vert="horz" lIns="91440" tIns="45720" rIns="91440" bIns="45720" rtlCol="0" anchor="ctr">
+            <a:normAutofit/>
           </a:bodyPr>
           <a:lstStyle/>
           <a:p>
-            <a:pPr marL="0" marR="0" lvl="0" indent="0" algn="l" defTabSz="914400" rtl="0" eaLnBrk="1" fontAlgn="auto" latinLnBrk="0" hangingPunct="1">
+            <a:pPr marL="0" marR="0" lvl="0" indent="0" fontAlgn="auto">
               <a:lnSpc>
-                <a:spcPct val="100000"/>
+                <a:spcPct val="90000"/>
               </a:lnSpc>
               <a:spcBef>
-                <a:spcPts val="0"/>
+                <a:spcPct val="0"/>
               </a:spcBef>
               <a:spcAft>
-                <a:spcPts val="0"/>
+                <a:spcPts val="600"/>
               </a:spcAft>
               <a:buClrTx/>
               <a:buSzTx/>
-              <a:buFontTx/>
-              <a:buNone/>
               <a:tabLst/>
               <a:defRPr/>
             </a:pPr>
             <a:r>
-              <a:rPr kumimoji="0" lang="zh-CN" altLang="en-US" sz="3200" b="0" i="0" u="none" strike="noStrike" kern="1200" cap="none" spc="0" normalizeH="0" baseline="0" noProof="0" dirty="0">
+              <a:rPr kumimoji="0" lang="zh-CN" altLang="en-US" sz="2800" b="0" i="0" u="none" strike="noStrike" kern="1200" cap="none" spc="0" normalizeH="0" baseline="0" noProof="0">
                 <a:ln>
                   <a:noFill/>
                 </a:ln>
                 <a:solidFill>
-                  <a:prstClr val="white"/>
+                  <a:srgbClr val="FFFFFF"/>
                 </a:solidFill>
                 <a:effectLst/>
                 <a:uLnTx/>
                 <a:uFillTx/>
-                <a:latin typeface="等线" panose="020F0502020204030204"/>
-                <a:ea typeface="等线" panose="02010600030101010101" pitchFamily="2" charset="-122"/>
-                <a:cs typeface="+mn-cs"/>
-              </a:rPr>
-              <a:t>组件图</a:t>
+                <a:latin typeface="+mj-lt"/>
+                <a:ea typeface="+mj-ea"/>
+                <a:cs typeface="+mj-cs"/>
+              </a:rPr>
+              <a:t>时序图</a:t>
             </a:r>
           </a:p>
         </p:txBody>
       </p:sp>
       <p:pic>
         <p:nvPicPr>
-          <p:cNvPr id="6" name="图片 5"/>
-          <p:cNvPicPr/>
+          <p:cNvPr id="2" name="图片 1"/>
+          <p:cNvPicPr>
+            <a:picLocks noChangeAspect="1"/>
+          </p:cNvPicPr>
           <p:nvPr/>
         </p:nvPicPr>
         <p:blipFill>
-          <a:blip r:embed="rId3"/>
+          <a:blip r:embed="rId3">
+            <a:extLst>
+              <a:ext uri="{28A0092B-C50C-407E-A947-70E740481C1C}">
+                <a14:useLocalDpi xmlns:a14="http://schemas.microsoft.com/office/drawing/2010/main" val="0"/>
+              </a:ext>
+            </a:extLst>
+          </a:blip>
           <a:stretch>
             <a:fillRect/>
           </a:stretch>
         </p:blipFill>
         <p:spPr>
           <a:xfrm>
-            <a:off x="894304" y="1175657"/>
-            <a:ext cx="7596554" cy="5024175"/>
+            <a:off x="3155949" y="1783180"/>
+            <a:ext cx="5510653" cy="3292615"/>
           </a:xfrm>
           <a:prstGeom prst="rect">
             <a:avLst/>
@@ -23531,25 +27372,23 @@
     </p:spTree>
     <p:extLst>
       <p:ext uri="{BB962C8B-B14F-4D97-AF65-F5344CB8AC3E}">
-        <p14:creationId xmlns:p14="http://schemas.microsoft.com/office/powerpoint/2010/main" val="2531204275"/>
+        <p14:creationId xmlns:p14="http://schemas.microsoft.com/office/powerpoint/2010/main" val="982058642"/>
       </p:ext>
     </p:extLst>
   </p:cSld>
   <p:clrMapOvr>
-    <a:overrideClrMapping bg1="dk1" tx1="lt1" bg2="dk2" tx2="lt2" accent1="accent1" accent2="accent2" accent3="accent3" accent4="accent4" accent5="accent5" accent6="accent6" hlink="hlink" folHlink="folHlink"/>
+    <a:masterClrMapping/>
   </p:clrMapOvr>
 </p:sld>
 </file>
 
-<file path=ppt/slides/slide16.xml><?xml version="1.0" encoding="utf-8"?>
+<file path=ppt/slides/slide19.xml><?xml version="1.0" encoding="utf-8"?>
 <p:sld xmlns:a="http://schemas.openxmlformats.org/drawingml/2006/main" xmlns:r="http://schemas.openxmlformats.org/officeDocument/2006/relationships" xmlns:p="http://schemas.openxmlformats.org/presentationml/2006/main">
   <p:cSld>
     <p:bg>
       <p:bgPr>
         <a:solidFill>
-          <a:schemeClr val="accent5">
-            <a:lumMod val="50000"/>
-          </a:schemeClr>
+          <a:schemeClr val="bg1"/>
         </a:solidFill>
         <a:effectLst/>
       </p:bgPr>
@@ -23570,10 +27409,10 @@
       </p:grpSpPr>
       <p:sp>
         <p:nvSpPr>
-          <p:cNvPr id="8" name="Rectangle 7">
+          <p:cNvPr id="17" name="Flowchart: Document 16">
             <a:extLst>
               <a:ext uri="{FF2B5EF4-FFF2-40B4-BE49-F238E27FC236}">
-                <a16:creationId xmlns:a16="http://schemas.microsoft.com/office/drawing/2014/main" id="{A2ED9029-64A6-4BAE-BA25-DC2A13D43EDE}"/>
+                <a16:creationId xmlns:a16="http://schemas.microsoft.com/office/drawing/2014/main" id="{D12DDE76-C203-4047-9998-63900085B5E8}"/>
               </a:ext>
               <a:ext uri="{C183D7F6-B498-43B3-948B-1728B52AA6E4}">
                 <adec:decorative xmlns:adec="http://schemas.microsoft.com/office/drawing/2017/decorative" val="1"/>
@@ -23593,16 +27432,14 @@
         </p:nvSpPr>
         <p:spPr>
           <a:xfrm>
-            <a:off x="13375" y="0"/>
-            <a:ext cx="9144000" cy="6858000"/>
+            <a:off x="478631" y="0"/>
+            <a:ext cx="2436019" cy="3400426"/>
           </a:xfrm>
-          <a:prstGeom prst="rect">
+          <a:prstGeom prst="flowChartDocument">
             <a:avLst/>
           </a:prstGeom>
           <a:solidFill>
-            <a:schemeClr val="accent5">
-              <a:lumMod val="50000"/>
-            </a:schemeClr>
+            <a:schemeClr val="accent1"/>
           </a:solidFill>
           <a:ln>
             <a:noFill/>
@@ -23628,226 +27465,8 @@
           <a:bodyPr rtlCol="0" anchor="ctr"/>
           <a:lstStyle/>
           <a:p>
-            <a:pPr marL="0" marR="0" lvl="0" indent="0" algn="ctr" defTabSz="914400" rtl="0" eaLnBrk="1" fontAlgn="auto" latinLnBrk="0" hangingPunct="1">
-              <a:lnSpc>
-                <a:spcPct val="100000"/>
-              </a:lnSpc>
-              <a:spcBef>
-                <a:spcPts val="0"/>
-              </a:spcBef>
-              <a:spcAft>
-                <a:spcPts val="0"/>
-              </a:spcAft>
-              <a:buClrTx/>
-              <a:buSzTx/>
-              <a:buFontTx/>
-              <a:buNone/>
-              <a:tabLst/>
-              <a:defRPr/>
-            </a:pPr>
-            <a:endParaRPr kumimoji="0" lang="en-US" sz="1800" b="0" i="0" u="none" strike="noStrike" kern="1200" cap="none" spc="0" normalizeH="0" baseline="0" noProof="0">
-              <a:ln>
-                <a:noFill/>
-              </a:ln>
-              <a:solidFill>
-                <a:prstClr val="white"/>
-              </a:solidFill>
-              <a:effectLst/>
-              <a:uLnTx/>
-              <a:uFillTx/>
-              <a:latin typeface="等线" panose="020F0502020204030204"/>
-              <a:ea typeface="+mn-ea"/>
-              <a:cs typeface="+mn-cs"/>
-            </a:endParaRPr>
-          </a:p>
-        </p:txBody>
-      </p:sp>
-      <p:sp>
-        <p:nvSpPr>
-          <p:cNvPr id="10" name="Rectangle 9">
-            <a:extLst>
-              <a:ext uri="{FF2B5EF4-FFF2-40B4-BE49-F238E27FC236}">
-                <a16:creationId xmlns:a16="http://schemas.microsoft.com/office/drawing/2014/main" id="{DAFABACF-DDBE-415C-8EE1-F7DD68C632C6}"/>
-              </a:ext>
-              <a:ext uri="{C183D7F6-B498-43B3-948B-1728B52AA6E4}">
-                <adec:decorative xmlns:adec="http://schemas.microsoft.com/office/drawing/2017/decorative" val="1"/>
-              </a:ext>
-            </a:extLst>
-          </p:cNvPr>
-          <p:cNvSpPr>
-            <a:spLocks noGrp="1" noRot="1" noChangeAspect="1" noMove="1" noResize="1" noEditPoints="1" noAdjustHandles="1" noChangeArrowheads="1" noChangeShapeType="1" noTextEdit="1"/>
-          </p:cNvSpPr>
-          <p:nvPr>
-            <p:extLst>
-              <p:ext uri="{386F3935-93C4-4BCD-93E2-E3B085C9AB24}">
-                <p16:designElem xmlns:p16="http://schemas.microsoft.com/office/powerpoint/2015/main" val="1"/>
-              </p:ext>
-            </p:extLst>
-          </p:nvPr>
-        </p:nvSpPr>
-        <p:spPr>
-          <a:xfrm>
-            <a:off x="0" y="0"/>
-            <a:ext cx="1078992" cy="6858000"/>
-          </a:xfrm>
-          <a:prstGeom prst="rect">
-            <a:avLst/>
-          </a:prstGeom>
-          <a:solidFill>
-            <a:schemeClr val="accent5">
-              <a:alpha val="70000"/>
-            </a:schemeClr>
-          </a:solidFill>
-          <a:ln>
-            <a:noFill/>
-          </a:ln>
-        </p:spPr>
-        <p:style>
-          <a:lnRef idx="2">
-            <a:schemeClr val="accent1">
-              <a:shade val="50000"/>
-            </a:schemeClr>
-          </a:lnRef>
-          <a:fillRef idx="1003">
-            <a:schemeClr val="lt1"/>
-          </a:fillRef>
-          <a:effectRef idx="0">
-            <a:schemeClr val="accent1"/>
-          </a:effectRef>
-          <a:fontRef idx="minor">
-            <a:schemeClr val="lt1"/>
-          </a:fontRef>
-        </p:style>
-        <p:txBody>
-          <a:bodyPr rtlCol="0" anchor="ctr"/>
-          <a:lstStyle/>
-          <a:p>
-            <a:pPr marL="0" marR="0" lvl="0" indent="0" algn="ctr" defTabSz="914400" rtl="0" eaLnBrk="1" fontAlgn="auto" latinLnBrk="0" hangingPunct="1">
-              <a:lnSpc>
-                <a:spcPct val="100000"/>
-              </a:lnSpc>
-              <a:spcBef>
-                <a:spcPts val="0"/>
-              </a:spcBef>
-              <a:spcAft>
-                <a:spcPts val="0"/>
-              </a:spcAft>
-              <a:buClrTx/>
-              <a:buSzTx/>
-              <a:buFontTx/>
-              <a:buNone/>
-              <a:tabLst/>
-              <a:defRPr/>
-            </a:pPr>
-            <a:endParaRPr kumimoji="0" lang="en-US" sz="1800" b="0" i="0" u="none" strike="noStrike" kern="1200" cap="none" spc="0" normalizeH="0" baseline="0" noProof="0">
-              <a:ln>
-                <a:noFill/>
-              </a:ln>
-              <a:solidFill>
-                <a:srgbClr val="ED7D31"/>
-              </a:solidFill>
-              <a:effectLst/>
-              <a:uLnTx/>
-              <a:uFillTx/>
-              <a:latin typeface="等线" panose="020F0502020204030204"/>
-              <a:ea typeface="+mn-ea"/>
-              <a:cs typeface="+mn-cs"/>
-            </a:endParaRPr>
-          </a:p>
-        </p:txBody>
-      </p:sp>
-      <p:sp>
-        <p:nvSpPr>
-          <p:cNvPr id="12" name="Rectangle 11">
-            <a:extLst>
-              <a:ext uri="{FF2B5EF4-FFF2-40B4-BE49-F238E27FC236}">
-                <a16:creationId xmlns:a16="http://schemas.microsoft.com/office/drawing/2014/main" id="{41E17A99-1553-4633-ADFB-5CCDCF801D13}"/>
-              </a:ext>
-              <a:ext uri="{C183D7F6-B498-43B3-948B-1728B52AA6E4}">
-                <adec:decorative xmlns:adec="http://schemas.microsoft.com/office/drawing/2017/decorative" val="1"/>
-              </a:ext>
-            </a:extLst>
-          </p:cNvPr>
-          <p:cNvSpPr>
-            <a:spLocks noGrp="1" noRot="1" noChangeAspect="1" noMove="1" noResize="1" noEditPoints="1" noAdjustHandles="1" noChangeArrowheads="1" noChangeShapeType="1" noTextEdit="1"/>
-          </p:cNvSpPr>
-          <p:nvPr>
-            <p:extLst>
-              <p:ext uri="{386F3935-93C4-4BCD-93E2-E3B085C9AB24}">
-                <p16:designElem xmlns:p16="http://schemas.microsoft.com/office/powerpoint/2015/main" val="1"/>
-              </p:ext>
-            </p:extLst>
-          </p:nvPr>
-        </p:nvSpPr>
-        <p:spPr>
-          <a:xfrm>
-            <a:off x="1078992" y="0"/>
-            <a:ext cx="2411730" cy="6858000"/>
-          </a:xfrm>
-          <a:prstGeom prst="rect">
-            <a:avLst/>
-          </a:prstGeom>
-          <a:solidFill>
-            <a:schemeClr val="accent5">
-              <a:lumMod val="75000"/>
-              <a:alpha val="80000"/>
-            </a:schemeClr>
-          </a:solidFill>
-          <a:ln>
-            <a:noFill/>
-          </a:ln>
-        </p:spPr>
-        <p:style>
-          <a:lnRef idx="2">
-            <a:schemeClr val="accent1">
-              <a:shade val="50000"/>
-            </a:schemeClr>
-          </a:lnRef>
-          <a:fillRef idx="1">
-            <a:schemeClr val="accent1"/>
-          </a:fillRef>
-          <a:effectRef idx="0">
-            <a:schemeClr val="accent1"/>
-          </a:effectRef>
-          <a:fontRef idx="minor">
-            <a:schemeClr val="lt1"/>
-          </a:fontRef>
-        </p:style>
-        <p:txBody>
-          <a:bodyPr rtlCol="0" anchor="ctr"/>
-          <a:lstStyle/>
-          <a:p>
-            <a:pPr marL="0" marR="0" lvl="0" indent="0" algn="ctr" defTabSz="914400" rtl="0" eaLnBrk="1" fontAlgn="auto" latinLnBrk="0" hangingPunct="1">
-              <a:lnSpc>
-                <a:spcPct val="100000"/>
-              </a:lnSpc>
-              <a:spcBef>
-                <a:spcPts val="0"/>
-              </a:spcBef>
-              <a:spcAft>
-                <a:spcPts val="0"/>
-              </a:spcAft>
-              <a:buClrTx/>
-              <a:buSzTx/>
-              <a:buFontTx/>
-              <a:buNone/>
-              <a:tabLst/>
-              <a:defRPr/>
-            </a:pPr>
-            <a:endParaRPr kumimoji="0" lang="en-US" sz="1800" b="0" i="0" u="none" strike="noStrike" kern="1200" cap="none" spc="0" normalizeH="0" baseline="0" noProof="0">
-              <a:ln>
-                <a:noFill/>
-              </a:ln>
-              <a:solidFill>
-                <a:prstClr val="white"/>
-              </a:solidFill>
-              <a:effectLst/>
-              <a:uLnTx/>
-              <a:uFillTx/>
-              <a:latin typeface="等线" panose="020F0502020204030204"/>
-              <a:ea typeface="+mn-ea"/>
-              <a:cs typeface="+mn-cs"/>
-            </a:endParaRPr>
+            <a:pPr algn="ctr"/>
+            <a:endParaRPr lang="en-US"/>
           </a:p>
         </p:txBody>
       </p:sp>
@@ -23859,1290 +27478,48 @@
         </p:nvSpPr>
         <p:spPr>
           <a:xfrm>
-            <a:off x="100584" y="238991"/>
-            <a:ext cx="1028700" cy="584775"/>
-          </a:xfrm>
-          <a:prstGeom prst="rect">
-            <a:avLst/>
-          </a:prstGeom>
-          <a:noFill/>
-        </p:spPr>
-        <p:txBody>
-          <a:bodyPr wrap="square" rtlCol="0">
-            <a:spAutoFit/>
-          </a:bodyPr>
-          <a:lstStyle/>
-          <a:p>
-            <a:pPr marL="0" marR="0" lvl="0" indent="0" algn="l" defTabSz="914400" rtl="0" eaLnBrk="1" fontAlgn="auto" latinLnBrk="0" hangingPunct="1">
-              <a:lnSpc>
-                <a:spcPct val="100000"/>
-              </a:lnSpc>
-              <a:spcBef>
-                <a:spcPts val="0"/>
-              </a:spcBef>
-              <a:spcAft>
-                <a:spcPts val="0"/>
-              </a:spcAft>
-              <a:buClrTx/>
-              <a:buSzTx/>
-              <a:buFontTx/>
-              <a:buNone/>
-              <a:tabLst/>
-              <a:defRPr/>
-            </a:pPr>
-            <a:r>
-              <a:rPr kumimoji="0" lang="zh-CN" altLang="en-US" sz="3200" b="0" i="0" u="none" strike="noStrike" kern="1200" cap="none" spc="0" normalizeH="0" baseline="0" noProof="0" dirty="0">
-                <a:ln>
-                  <a:noFill/>
-                </a:ln>
-                <a:solidFill>
-                  <a:prstClr val="white"/>
-                </a:solidFill>
-                <a:effectLst/>
-                <a:uLnTx/>
-                <a:uFillTx/>
-                <a:latin typeface="等线" panose="020F0502020204030204"/>
-                <a:ea typeface="等线" panose="02010600030101010101" pitchFamily="2" charset="-122"/>
-                <a:cs typeface="+mn-cs"/>
-              </a:rPr>
-              <a:t>类图</a:t>
-            </a:r>
-          </a:p>
-        </p:txBody>
-      </p:sp>
-      <p:pic>
-        <p:nvPicPr>
-          <p:cNvPr id="9" name="图片 8"/>
-          <p:cNvPicPr>
-            <a:picLocks noChangeAspect="1"/>
-          </p:cNvPicPr>
-          <p:nvPr/>
-        </p:nvPicPr>
-        <p:blipFill>
-          <a:blip r:embed="rId3">
-            <a:extLst>
-              <a:ext uri="{28A0092B-C50C-407E-A947-70E740481C1C}">
-                <a14:useLocalDpi xmlns:a14="http://schemas.microsoft.com/office/drawing/2010/main" val="0"/>
-              </a:ext>
-            </a:extLst>
-          </a:blip>
-          <a:stretch>
-            <a:fillRect/>
-          </a:stretch>
-        </p:blipFill>
-        <p:spPr>
-          <a:xfrm>
-            <a:off x="696664" y="1062757"/>
-            <a:ext cx="8306660" cy="5387927"/>
+            <a:off x="628650" y="171162"/>
+            <a:ext cx="2130136" cy="2371148"/>
           </a:xfrm>
           <a:prstGeom prst="rect">
             <a:avLst/>
           </a:prstGeom>
         </p:spPr>
-      </p:pic>
-    </p:spTree>
-    <p:extLst>
-      <p:ext uri="{BB962C8B-B14F-4D97-AF65-F5344CB8AC3E}">
-        <p14:creationId xmlns:p14="http://schemas.microsoft.com/office/powerpoint/2010/main" val="1587014024"/>
-      </p:ext>
-    </p:extLst>
-  </p:cSld>
-  <p:clrMapOvr>
-    <a:overrideClrMapping bg1="dk1" tx1="lt1" bg2="dk2" tx2="lt2" accent1="accent1" accent2="accent2" accent3="accent3" accent4="accent4" accent5="accent5" accent6="accent6" hlink="hlink" folHlink="folHlink"/>
-  </p:clrMapOvr>
-</p:sld>
-</file>
-
-<file path=ppt/slides/slide17.xml><?xml version="1.0" encoding="utf-8"?>
-<p:sld xmlns:a="http://schemas.openxmlformats.org/drawingml/2006/main" xmlns:r="http://schemas.openxmlformats.org/officeDocument/2006/relationships" xmlns:p="http://schemas.openxmlformats.org/presentationml/2006/main">
-  <p:cSld>
-    <p:bg>
-      <p:bgPr>
-        <a:solidFill>
-          <a:schemeClr val="accent5">
-            <a:lumMod val="50000"/>
-          </a:schemeClr>
-        </a:solidFill>
-        <a:effectLst/>
-      </p:bgPr>
-    </p:bg>
-    <p:spTree>
-      <p:nvGrpSpPr>
-        <p:cNvPr id="1" name=""/>
-        <p:cNvGrpSpPr/>
-        <p:nvPr/>
-      </p:nvGrpSpPr>
-      <p:grpSpPr>
-        <a:xfrm>
-          <a:off x="0" y="0"/>
-          <a:ext cx="0" cy="0"/>
-          <a:chOff x="0" y="0"/>
-          <a:chExt cx="0" cy="0"/>
-        </a:xfrm>
-      </p:grpSpPr>
-      <p:sp>
-        <p:nvSpPr>
-          <p:cNvPr id="8" name="Rectangle 7">
-            <a:extLst>
-              <a:ext uri="{FF2B5EF4-FFF2-40B4-BE49-F238E27FC236}">
-                <a16:creationId xmlns:a16="http://schemas.microsoft.com/office/drawing/2014/main" id="{A2ED9029-64A6-4BAE-BA25-DC2A13D43EDE}"/>
-              </a:ext>
-              <a:ext uri="{C183D7F6-B498-43B3-948B-1728B52AA6E4}">
-                <adec:decorative xmlns:adec="http://schemas.microsoft.com/office/drawing/2017/decorative" val="1"/>
-              </a:ext>
-            </a:extLst>
-          </p:cNvPr>
-          <p:cNvSpPr>
-            <a:spLocks noGrp="1" noRot="1" noChangeAspect="1" noMove="1" noResize="1" noEditPoints="1" noAdjustHandles="1" noChangeArrowheads="1" noChangeShapeType="1" noTextEdit="1"/>
-          </p:cNvSpPr>
-          <p:nvPr>
-            <p:extLst>
-              <p:ext uri="{386F3935-93C4-4BCD-93E2-E3B085C9AB24}">
-                <p16:designElem xmlns:p16="http://schemas.microsoft.com/office/powerpoint/2015/main" val="1"/>
-              </p:ext>
-            </p:extLst>
-          </p:nvPr>
-        </p:nvSpPr>
-        <p:spPr>
-          <a:xfrm>
-            <a:off x="13375" y="0"/>
-            <a:ext cx="9144000" cy="6858000"/>
-          </a:xfrm>
-          <a:prstGeom prst="rect">
-            <a:avLst/>
-          </a:prstGeom>
-          <a:solidFill>
-            <a:schemeClr val="accent5">
-              <a:lumMod val="50000"/>
-            </a:schemeClr>
-          </a:solidFill>
-          <a:ln>
-            <a:noFill/>
-          </a:ln>
-        </p:spPr>
-        <p:style>
-          <a:lnRef idx="2">
-            <a:schemeClr val="accent1">
-              <a:shade val="50000"/>
-            </a:schemeClr>
-          </a:lnRef>
-          <a:fillRef idx="1">
-            <a:schemeClr val="accent1"/>
-          </a:fillRef>
-          <a:effectRef idx="0">
-            <a:schemeClr val="accent1"/>
-          </a:effectRef>
-          <a:fontRef idx="minor">
-            <a:schemeClr val="lt1"/>
-          </a:fontRef>
-        </p:style>
         <p:txBody>
-          <a:bodyPr rtlCol="0" anchor="ctr"/>
+          <a:bodyPr vert="horz" lIns="91440" tIns="45720" rIns="91440" bIns="45720" rtlCol="0" anchor="ctr">
+            <a:normAutofit/>
+          </a:bodyPr>
           <a:lstStyle/>
           <a:p>
-            <a:pPr marL="0" marR="0" lvl="0" indent="0" algn="ctr" defTabSz="914400" rtl="0" eaLnBrk="1" fontAlgn="auto" latinLnBrk="0" hangingPunct="1">
+            <a:pPr marL="0" marR="0" lvl="0" indent="0" fontAlgn="auto">
               <a:lnSpc>
-                <a:spcPct val="100000"/>
+                <a:spcPct val="90000"/>
               </a:lnSpc>
               <a:spcBef>
-                <a:spcPts val="0"/>
+                <a:spcPct val="0"/>
               </a:spcBef>
               <a:spcAft>
-                <a:spcPts val="0"/>
+                <a:spcPts val="600"/>
               </a:spcAft>
               <a:buClrTx/>
               <a:buSzTx/>
-              <a:buFontTx/>
-              <a:buNone/>
               <a:tabLst/>
               <a:defRPr/>
             </a:pPr>
-            <a:endParaRPr kumimoji="0" lang="en-US" sz="1800" b="0" i="0" u="none" strike="noStrike" kern="1200" cap="none" spc="0" normalizeH="0" baseline="0" noProof="0">
-              <a:ln>
-                <a:noFill/>
-              </a:ln>
-              <a:solidFill>
-                <a:prstClr val="white"/>
-              </a:solidFill>
-              <a:effectLst/>
-              <a:uLnTx/>
-              <a:uFillTx/>
-              <a:latin typeface="等线" panose="020F0502020204030204"/>
-              <a:ea typeface="+mn-ea"/>
-              <a:cs typeface="+mn-cs"/>
-            </a:endParaRPr>
-          </a:p>
-        </p:txBody>
-      </p:sp>
-      <p:sp>
-        <p:nvSpPr>
-          <p:cNvPr id="10" name="Rectangle 9">
-            <a:extLst>
-              <a:ext uri="{FF2B5EF4-FFF2-40B4-BE49-F238E27FC236}">
-                <a16:creationId xmlns:a16="http://schemas.microsoft.com/office/drawing/2014/main" id="{DAFABACF-DDBE-415C-8EE1-F7DD68C632C6}"/>
-              </a:ext>
-              <a:ext uri="{C183D7F6-B498-43B3-948B-1728B52AA6E4}">
-                <adec:decorative xmlns:adec="http://schemas.microsoft.com/office/drawing/2017/decorative" val="1"/>
-              </a:ext>
-            </a:extLst>
-          </p:cNvPr>
-          <p:cNvSpPr>
-            <a:spLocks noGrp="1" noRot="1" noChangeAspect="1" noMove="1" noResize="1" noEditPoints="1" noAdjustHandles="1" noChangeArrowheads="1" noChangeShapeType="1" noTextEdit="1"/>
-          </p:cNvSpPr>
-          <p:nvPr>
-            <p:extLst>
-              <p:ext uri="{386F3935-93C4-4BCD-93E2-E3B085C9AB24}">
-                <p16:designElem xmlns:p16="http://schemas.microsoft.com/office/powerpoint/2015/main" val="1"/>
-              </p:ext>
-            </p:extLst>
-          </p:nvPr>
-        </p:nvSpPr>
-        <p:spPr>
-          <a:xfrm>
-            <a:off x="0" y="0"/>
-            <a:ext cx="1078992" cy="6858000"/>
-          </a:xfrm>
-          <a:prstGeom prst="rect">
-            <a:avLst/>
-          </a:prstGeom>
-          <a:solidFill>
-            <a:schemeClr val="accent5">
-              <a:alpha val="70000"/>
-            </a:schemeClr>
-          </a:solidFill>
-          <a:ln>
-            <a:noFill/>
-          </a:ln>
-        </p:spPr>
-        <p:style>
-          <a:lnRef idx="2">
-            <a:schemeClr val="accent1">
-              <a:shade val="50000"/>
-            </a:schemeClr>
-          </a:lnRef>
-          <a:fillRef idx="1003">
-            <a:schemeClr val="lt1"/>
-          </a:fillRef>
-          <a:effectRef idx="0">
-            <a:schemeClr val="accent1"/>
-          </a:effectRef>
-          <a:fontRef idx="minor">
-            <a:schemeClr val="lt1"/>
-          </a:fontRef>
-        </p:style>
-        <p:txBody>
-          <a:bodyPr rtlCol="0" anchor="ctr"/>
-          <a:lstStyle/>
-          <a:p>
-            <a:pPr marL="0" marR="0" lvl="0" indent="0" algn="ctr" defTabSz="914400" rtl="0" eaLnBrk="1" fontAlgn="auto" latinLnBrk="0" hangingPunct="1">
-              <a:lnSpc>
-                <a:spcPct val="100000"/>
-              </a:lnSpc>
-              <a:spcBef>
-                <a:spcPts val="0"/>
-              </a:spcBef>
-              <a:spcAft>
-                <a:spcPts val="0"/>
-              </a:spcAft>
-              <a:buClrTx/>
-              <a:buSzTx/>
-              <a:buFontTx/>
-              <a:buNone/>
-              <a:tabLst/>
-              <a:defRPr/>
-            </a:pPr>
-            <a:endParaRPr kumimoji="0" lang="en-US" sz="1800" b="0" i="0" u="none" strike="noStrike" kern="1200" cap="none" spc="0" normalizeH="0" baseline="0" noProof="0">
-              <a:ln>
-                <a:noFill/>
-              </a:ln>
-              <a:solidFill>
-                <a:srgbClr val="ED7D31"/>
-              </a:solidFill>
-              <a:effectLst/>
-              <a:uLnTx/>
-              <a:uFillTx/>
-              <a:latin typeface="等线" panose="020F0502020204030204"/>
-              <a:ea typeface="+mn-ea"/>
-              <a:cs typeface="+mn-cs"/>
-            </a:endParaRPr>
-          </a:p>
-        </p:txBody>
-      </p:sp>
-      <p:sp>
-        <p:nvSpPr>
-          <p:cNvPr id="12" name="Rectangle 11">
-            <a:extLst>
-              <a:ext uri="{FF2B5EF4-FFF2-40B4-BE49-F238E27FC236}">
-                <a16:creationId xmlns:a16="http://schemas.microsoft.com/office/drawing/2014/main" id="{41E17A99-1553-4633-ADFB-5CCDCF801D13}"/>
-              </a:ext>
-              <a:ext uri="{C183D7F6-B498-43B3-948B-1728B52AA6E4}">
-                <adec:decorative xmlns:adec="http://schemas.microsoft.com/office/drawing/2017/decorative" val="1"/>
-              </a:ext>
-            </a:extLst>
-          </p:cNvPr>
-          <p:cNvSpPr>
-            <a:spLocks noGrp="1" noRot="1" noChangeAspect="1" noMove="1" noResize="1" noEditPoints="1" noAdjustHandles="1" noChangeArrowheads="1" noChangeShapeType="1" noTextEdit="1"/>
-          </p:cNvSpPr>
-          <p:nvPr>
-            <p:extLst>
-              <p:ext uri="{386F3935-93C4-4BCD-93E2-E3B085C9AB24}">
-                <p16:designElem xmlns:p16="http://schemas.microsoft.com/office/powerpoint/2015/main" val="1"/>
-              </p:ext>
-            </p:extLst>
-          </p:nvPr>
-        </p:nvSpPr>
-        <p:spPr>
-          <a:xfrm>
-            <a:off x="1078992" y="0"/>
-            <a:ext cx="2411730" cy="6858000"/>
-          </a:xfrm>
-          <a:prstGeom prst="rect">
-            <a:avLst/>
-          </a:prstGeom>
-          <a:solidFill>
-            <a:schemeClr val="accent5">
-              <a:lumMod val="75000"/>
-              <a:alpha val="80000"/>
-            </a:schemeClr>
-          </a:solidFill>
-          <a:ln>
-            <a:noFill/>
-          </a:ln>
-        </p:spPr>
-        <p:style>
-          <a:lnRef idx="2">
-            <a:schemeClr val="accent1">
-              <a:shade val="50000"/>
-            </a:schemeClr>
-          </a:lnRef>
-          <a:fillRef idx="1">
-            <a:schemeClr val="accent1"/>
-          </a:fillRef>
-          <a:effectRef idx="0">
-            <a:schemeClr val="accent1"/>
-          </a:effectRef>
-          <a:fontRef idx="minor">
-            <a:schemeClr val="lt1"/>
-          </a:fontRef>
-        </p:style>
-        <p:txBody>
-          <a:bodyPr rtlCol="0" anchor="ctr"/>
-          <a:lstStyle/>
-          <a:p>
-            <a:pPr marL="0" marR="0" lvl="0" indent="0" algn="ctr" defTabSz="914400" rtl="0" eaLnBrk="1" fontAlgn="auto" latinLnBrk="0" hangingPunct="1">
-              <a:lnSpc>
-                <a:spcPct val="100000"/>
-              </a:lnSpc>
-              <a:spcBef>
-                <a:spcPts val="0"/>
-              </a:spcBef>
-              <a:spcAft>
-                <a:spcPts val="0"/>
-              </a:spcAft>
-              <a:buClrTx/>
-              <a:buSzTx/>
-              <a:buFontTx/>
-              <a:buNone/>
-              <a:tabLst/>
-              <a:defRPr/>
-            </a:pPr>
-            <a:endParaRPr kumimoji="0" lang="en-US" sz="1800" b="0" i="0" u="none" strike="noStrike" kern="1200" cap="none" spc="0" normalizeH="0" baseline="0" noProof="0">
-              <a:ln>
-                <a:noFill/>
-              </a:ln>
-              <a:solidFill>
-                <a:prstClr val="white"/>
-              </a:solidFill>
-              <a:effectLst/>
-              <a:uLnTx/>
-              <a:uFillTx/>
-              <a:latin typeface="等线" panose="020F0502020204030204"/>
-              <a:ea typeface="+mn-ea"/>
-              <a:cs typeface="+mn-cs"/>
-            </a:endParaRPr>
-          </a:p>
-        </p:txBody>
-      </p:sp>
-      <p:sp>
-        <p:nvSpPr>
-          <p:cNvPr id="7" name="文本框 6"/>
-          <p:cNvSpPr txBox="1"/>
-          <p:nvPr/>
-        </p:nvSpPr>
-        <p:spPr>
-          <a:xfrm>
-            <a:off x="13375" y="103909"/>
-            <a:ext cx="1426880" cy="584775"/>
-          </a:xfrm>
-          <a:prstGeom prst="rect">
-            <a:avLst/>
-          </a:prstGeom>
-          <a:noFill/>
-        </p:spPr>
-        <p:txBody>
-          <a:bodyPr wrap="square" rtlCol="0">
-            <a:spAutoFit/>
-          </a:bodyPr>
-          <a:lstStyle/>
-          <a:p>
-            <a:pPr marL="0" marR="0" lvl="0" indent="0" algn="l" defTabSz="914400" rtl="0" eaLnBrk="1" fontAlgn="auto" latinLnBrk="0" hangingPunct="1">
-              <a:lnSpc>
-                <a:spcPct val="100000"/>
-              </a:lnSpc>
-              <a:spcBef>
-                <a:spcPts val="0"/>
-              </a:spcBef>
-              <a:spcAft>
-                <a:spcPts val="0"/>
-              </a:spcAft>
-              <a:buClrTx/>
-              <a:buSzTx/>
-              <a:buFontTx/>
-              <a:buNone/>
-              <a:tabLst/>
-              <a:defRPr/>
-            </a:pPr>
-            <a:r>
-              <a:rPr kumimoji="0" lang="zh-CN" altLang="en-US" sz="3200" b="0" i="0" u="none" strike="noStrike" kern="1200" cap="none" spc="0" normalizeH="0" baseline="0" noProof="0" dirty="0">
+            <a:r>
+              <a:rPr kumimoji="0" lang="zh-CN" altLang="en-US" sz="2800" b="0" i="0" u="none" strike="noStrike" kern="1200" cap="none" spc="0" normalizeH="0" baseline="0" noProof="0">
                 <a:ln>
                   <a:noFill/>
                 </a:ln>
                 <a:solidFill>
-                  <a:prstClr val="white"/>
+                  <a:srgbClr val="FFFFFF"/>
                 </a:solidFill>
                 <a:effectLst/>
                 <a:uLnTx/>
                 <a:uFillTx/>
-                <a:latin typeface="等线" panose="020F0502020204030204"/>
-                <a:ea typeface="等线" panose="02010600030101010101" pitchFamily="2" charset="-122"/>
-                <a:cs typeface="+mn-cs"/>
-              </a:rPr>
-              <a:t>状态图</a:t>
-            </a:r>
-          </a:p>
-        </p:txBody>
-      </p:sp>
-      <p:pic>
-        <p:nvPicPr>
-          <p:cNvPr id="6" name="图片 5" descr="C:\Users\liuliang\AppData\Local\Temp\1546232756(1).png"/>
-          <p:cNvPicPr/>
-          <p:nvPr/>
-        </p:nvPicPr>
-        <p:blipFill>
-          <a:blip r:embed="rId3">
-            <a:extLst>
-              <a:ext uri="{28A0092B-C50C-407E-A947-70E740481C1C}">
-                <a14:useLocalDpi xmlns:a14="http://schemas.microsoft.com/office/drawing/2010/main" val="0"/>
-              </a:ext>
-            </a:extLst>
-          </a:blip>
-          <a:srcRect/>
-          <a:stretch>
-            <a:fillRect/>
-          </a:stretch>
-        </p:blipFill>
-        <p:spPr bwMode="auto">
-          <a:xfrm>
-            <a:off x="2144609" y="1133474"/>
-            <a:ext cx="4567918" cy="5288108"/>
-          </a:xfrm>
-          <a:prstGeom prst="rect">
-            <a:avLst/>
-          </a:prstGeom>
-          <a:noFill/>
-          <a:ln>
-            <a:noFill/>
-          </a:ln>
-        </p:spPr>
-      </p:pic>
-    </p:spTree>
-    <p:extLst>
-      <p:ext uri="{BB962C8B-B14F-4D97-AF65-F5344CB8AC3E}">
-        <p14:creationId xmlns:p14="http://schemas.microsoft.com/office/powerpoint/2010/main" val="1247784146"/>
-      </p:ext>
-    </p:extLst>
-  </p:cSld>
-  <p:clrMapOvr>
-    <a:overrideClrMapping bg1="dk1" tx1="lt1" bg2="dk2" tx2="lt2" accent1="accent1" accent2="accent2" accent3="accent3" accent4="accent4" accent5="accent5" accent6="accent6" hlink="hlink" folHlink="folHlink"/>
-  </p:clrMapOvr>
-</p:sld>
-</file>
-
-<file path=ppt/slides/slide18.xml><?xml version="1.0" encoding="utf-8"?>
-<p:sld xmlns:a="http://schemas.openxmlformats.org/drawingml/2006/main" xmlns:r="http://schemas.openxmlformats.org/officeDocument/2006/relationships" xmlns:p="http://schemas.openxmlformats.org/presentationml/2006/main">
-  <p:cSld>
-    <p:bg>
-      <p:bgPr>
-        <a:solidFill>
-          <a:schemeClr val="accent5">
-            <a:lumMod val="50000"/>
-          </a:schemeClr>
-        </a:solidFill>
-        <a:effectLst/>
-      </p:bgPr>
-    </p:bg>
-    <p:spTree>
-      <p:nvGrpSpPr>
-        <p:cNvPr id="1" name=""/>
-        <p:cNvGrpSpPr/>
-        <p:nvPr/>
-      </p:nvGrpSpPr>
-      <p:grpSpPr>
-        <a:xfrm>
-          <a:off x="0" y="0"/>
-          <a:ext cx="0" cy="0"/>
-          <a:chOff x="0" y="0"/>
-          <a:chExt cx="0" cy="0"/>
-        </a:xfrm>
-      </p:grpSpPr>
-      <p:sp>
-        <p:nvSpPr>
-          <p:cNvPr id="8" name="Rectangle 7">
-            <a:extLst>
-              <a:ext uri="{FF2B5EF4-FFF2-40B4-BE49-F238E27FC236}">
-                <a16:creationId xmlns:a16="http://schemas.microsoft.com/office/drawing/2014/main" id="{A2ED9029-64A6-4BAE-BA25-DC2A13D43EDE}"/>
-              </a:ext>
-              <a:ext uri="{C183D7F6-B498-43B3-948B-1728B52AA6E4}">
-                <adec:decorative xmlns:adec="http://schemas.microsoft.com/office/drawing/2017/decorative" val="1"/>
-              </a:ext>
-            </a:extLst>
-          </p:cNvPr>
-          <p:cNvSpPr>
-            <a:spLocks noGrp="1" noRot="1" noChangeAspect="1" noMove="1" noResize="1" noEditPoints="1" noAdjustHandles="1" noChangeArrowheads="1" noChangeShapeType="1" noTextEdit="1"/>
-          </p:cNvSpPr>
-          <p:nvPr>
-            <p:extLst>
-              <p:ext uri="{386F3935-93C4-4BCD-93E2-E3B085C9AB24}">
-                <p16:designElem xmlns:p16="http://schemas.microsoft.com/office/powerpoint/2015/main" val="1"/>
-              </p:ext>
-            </p:extLst>
-          </p:nvPr>
-        </p:nvSpPr>
-        <p:spPr>
-          <a:xfrm>
-            <a:off x="13375" y="0"/>
-            <a:ext cx="9144000" cy="6858000"/>
-          </a:xfrm>
-          <a:prstGeom prst="rect">
-            <a:avLst/>
-          </a:prstGeom>
-          <a:solidFill>
-            <a:schemeClr val="accent5">
-              <a:lumMod val="50000"/>
-            </a:schemeClr>
-          </a:solidFill>
-          <a:ln>
-            <a:noFill/>
-          </a:ln>
-        </p:spPr>
-        <p:style>
-          <a:lnRef idx="2">
-            <a:schemeClr val="accent1">
-              <a:shade val="50000"/>
-            </a:schemeClr>
-          </a:lnRef>
-          <a:fillRef idx="1">
-            <a:schemeClr val="accent1"/>
-          </a:fillRef>
-          <a:effectRef idx="0">
-            <a:schemeClr val="accent1"/>
-          </a:effectRef>
-          <a:fontRef idx="minor">
-            <a:schemeClr val="lt1"/>
-          </a:fontRef>
-        </p:style>
-        <p:txBody>
-          <a:bodyPr rtlCol="0" anchor="ctr"/>
-          <a:lstStyle/>
-          <a:p>
-            <a:pPr marL="0" marR="0" lvl="0" indent="0" algn="ctr" defTabSz="914400" rtl="0" eaLnBrk="1" fontAlgn="auto" latinLnBrk="0" hangingPunct="1">
-              <a:lnSpc>
-                <a:spcPct val="100000"/>
-              </a:lnSpc>
-              <a:spcBef>
-                <a:spcPts val="0"/>
-              </a:spcBef>
-              <a:spcAft>
-                <a:spcPts val="0"/>
-              </a:spcAft>
-              <a:buClrTx/>
-              <a:buSzTx/>
-              <a:buFontTx/>
-              <a:buNone/>
-              <a:tabLst/>
-              <a:defRPr/>
-            </a:pPr>
-            <a:endParaRPr kumimoji="0" lang="en-US" sz="1800" b="0" i="0" u="none" strike="noStrike" kern="1200" cap="none" spc="0" normalizeH="0" baseline="0" noProof="0">
-              <a:ln>
-                <a:noFill/>
-              </a:ln>
-              <a:solidFill>
-                <a:prstClr val="white"/>
-              </a:solidFill>
-              <a:effectLst/>
-              <a:uLnTx/>
-              <a:uFillTx/>
-              <a:latin typeface="等线" panose="020F0502020204030204"/>
-              <a:ea typeface="+mn-ea"/>
-              <a:cs typeface="+mn-cs"/>
-            </a:endParaRPr>
-          </a:p>
-        </p:txBody>
-      </p:sp>
-      <p:sp>
-        <p:nvSpPr>
-          <p:cNvPr id="10" name="Rectangle 9">
-            <a:extLst>
-              <a:ext uri="{FF2B5EF4-FFF2-40B4-BE49-F238E27FC236}">
-                <a16:creationId xmlns:a16="http://schemas.microsoft.com/office/drawing/2014/main" id="{DAFABACF-DDBE-415C-8EE1-F7DD68C632C6}"/>
-              </a:ext>
-              <a:ext uri="{C183D7F6-B498-43B3-948B-1728B52AA6E4}">
-                <adec:decorative xmlns:adec="http://schemas.microsoft.com/office/drawing/2017/decorative" val="1"/>
-              </a:ext>
-            </a:extLst>
-          </p:cNvPr>
-          <p:cNvSpPr>
-            <a:spLocks noGrp="1" noRot="1" noChangeAspect="1" noMove="1" noResize="1" noEditPoints="1" noAdjustHandles="1" noChangeArrowheads="1" noChangeShapeType="1" noTextEdit="1"/>
-          </p:cNvSpPr>
-          <p:nvPr>
-            <p:extLst>
-              <p:ext uri="{386F3935-93C4-4BCD-93E2-E3B085C9AB24}">
-                <p16:designElem xmlns:p16="http://schemas.microsoft.com/office/powerpoint/2015/main" val="1"/>
-              </p:ext>
-            </p:extLst>
-          </p:nvPr>
-        </p:nvSpPr>
-        <p:spPr>
-          <a:xfrm>
-            <a:off x="0" y="0"/>
-            <a:ext cx="1078992" cy="6858000"/>
-          </a:xfrm>
-          <a:prstGeom prst="rect">
-            <a:avLst/>
-          </a:prstGeom>
-          <a:solidFill>
-            <a:schemeClr val="accent5">
-              <a:alpha val="70000"/>
-            </a:schemeClr>
-          </a:solidFill>
-          <a:ln>
-            <a:noFill/>
-          </a:ln>
-        </p:spPr>
-        <p:style>
-          <a:lnRef idx="2">
-            <a:schemeClr val="accent1">
-              <a:shade val="50000"/>
-            </a:schemeClr>
-          </a:lnRef>
-          <a:fillRef idx="1003">
-            <a:schemeClr val="lt1"/>
-          </a:fillRef>
-          <a:effectRef idx="0">
-            <a:schemeClr val="accent1"/>
-          </a:effectRef>
-          <a:fontRef idx="minor">
-            <a:schemeClr val="lt1"/>
-          </a:fontRef>
-        </p:style>
-        <p:txBody>
-          <a:bodyPr rtlCol="0" anchor="ctr"/>
-          <a:lstStyle/>
-          <a:p>
-            <a:pPr marL="0" marR="0" lvl="0" indent="0" algn="ctr" defTabSz="914400" rtl="0" eaLnBrk="1" fontAlgn="auto" latinLnBrk="0" hangingPunct="1">
-              <a:lnSpc>
-                <a:spcPct val="100000"/>
-              </a:lnSpc>
-              <a:spcBef>
-                <a:spcPts val="0"/>
-              </a:spcBef>
-              <a:spcAft>
-                <a:spcPts val="0"/>
-              </a:spcAft>
-              <a:buClrTx/>
-              <a:buSzTx/>
-              <a:buFontTx/>
-              <a:buNone/>
-              <a:tabLst/>
-              <a:defRPr/>
-            </a:pPr>
-            <a:endParaRPr kumimoji="0" lang="en-US" sz="1800" b="0" i="0" u="none" strike="noStrike" kern="1200" cap="none" spc="0" normalizeH="0" baseline="0" noProof="0">
-              <a:ln>
-                <a:noFill/>
-              </a:ln>
-              <a:solidFill>
-                <a:srgbClr val="ED7D31"/>
-              </a:solidFill>
-              <a:effectLst/>
-              <a:uLnTx/>
-              <a:uFillTx/>
-              <a:latin typeface="等线" panose="020F0502020204030204"/>
-              <a:ea typeface="+mn-ea"/>
-              <a:cs typeface="+mn-cs"/>
-            </a:endParaRPr>
-          </a:p>
-        </p:txBody>
-      </p:sp>
-      <p:sp>
-        <p:nvSpPr>
-          <p:cNvPr id="12" name="Rectangle 11">
-            <a:extLst>
-              <a:ext uri="{FF2B5EF4-FFF2-40B4-BE49-F238E27FC236}">
-                <a16:creationId xmlns:a16="http://schemas.microsoft.com/office/drawing/2014/main" id="{41E17A99-1553-4633-ADFB-5CCDCF801D13}"/>
-              </a:ext>
-              <a:ext uri="{C183D7F6-B498-43B3-948B-1728B52AA6E4}">
-                <adec:decorative xmlns:adec="http://schemas.microsoft.com/office/drawing/2017/decorative" val="1"/>
-              </a:ext>
-            </a:extLst>
-          </p:cNvPr>
-          <p:cNvSpPr>
-            <a:spLocks noGrp="1" noRot="1" noChangeAspect="1" noMove="1" noResize="1" noEditPoints="1" noAdjustHandles="1" noChangeArrowheads="1" noChangeShapeType="1" noTextEdit="1"/>
-          </p:cNvSpPr>
-          <p:nvPr>
-            <p:extLst>
-              <p:ext uri="{386F3935-93C4-4BCD-93E2-E3B085C9AB24}">
-                <p16:designElem xmlns:p16="http://schemas.microsoft.com/office/powerpoint/2015/main" val="1"/>
-              </p:ext>
-            </p:extLst>
-          </p:nvPr>
-        </p:nvSpPr>
-        <p:spPr>
-          <a:xfrm>
-            <a:off x="1078992" y="0"/>
-            <a:ext cx="2411730" cy="6858000"/>
-          </a:xfrm>
-          <a:prstGeom prst="rect">
-            <a:avLst/>
-          </a:prstGeom>
-          <a:solidFill>
-            <a:schemeClr val="accent5">
-              <a:lumMod val="75000"/>
-              <a:alpha val="80000"/>
-            </a:schemeClr>
-          </a:solidFill>
-          <a:ln>
-            <a:noFill/>
-          </a:ln>
-        </p:spPr>
-        <p:style>
-          <a:lnRef idx="2">
-            <a:schemeClr val="accent1">
-              <a:shade val="50000"/>
-            </a:schemeClr>
-          </a:lnRef>
-          <a:fillRef idx="1">
-            <a:schemeClr val="accent1"/>
-          </a:fillRef>
-          <a:effectRef idx="0">
-            <a:schemeClr val="accent1"/>
-          </a:effectRef>
-          <a:fontRef idx="minor">
-            <a:schemeClr val="lt1"/>
-          </a:fontRef>
-        </p:style>
-        <p:txBody>
-          <a:bodyPr rtlCol="0" anchor="ctr"/>
-          <a:lstStyle/>
-          <a:p>
-            <a:pPr marL="0" marR="0" lvl="0" indent="0" algn="ctr" defTabSz="914400" rtl="0" eaLnBrk="1" fontAlgn="auto" latinLnBrk="0" hangingPunct="1">
-              <a:lnSpc>
-                <a:spcPct val="100000"/>
-              </a:lnSpc>
-              <a:spcBef>
-                <a:spcPts val="0"/>
-              </a:spcBef>
-              <a:spcAft>
-                <a:spcPts val="0"/>
-              </a:spcAft>
-              <a:buClrTx/>
-              <a:buSzTx/>
-              <a:buFontTx/>
-              <a:buNone/>
-              <a:tabLst/>
-              <a:defRPr/>
-            </a:pPr>
-            <a:endParaRPr kumimoji="0" lang="en-US" sz="1800" b="0" i="0" u="none" strike="noStrike" kern="1200" cap="none" spc="0" normalizeH="0" baseline="0" noProof="0">
-              <a:ln>
-                <a:noFill/>
-              </a:ln>
-              <a:solidFill>
-                <a:prstClr val="white"/>
-              </a:solidFill>
-              <a:effectLst/>
-              <a:uLnTx/>
-              <a:uFillTx/>
-              <a:latin typeface="等线" panose="020F0502020204030204"/>
-              <a:ea typeface="+mn-ea"/>
-              <a:cs typeface="+mn-cs"/>
-            </a:endParaRPr>
-          </a:p>
-        </p:txBody>
-      </p:sp>
-      <p:sp>
-        <p:nvSpPr>
-          <p:cNvPr id="7" name="文本框 6"/>
-          <p:cNvSpPr txBox="1"/>
-          <p:nvPr/>
-        </p:nvSpPr>
-        <p:spPr>
-          <a:xfrm>
-            <a:off x="13375" y="103909"/>
-            <a:ext cx="1426880" cy="584775"/>
-          </a:xfrm>
-          <a:prstGeom prst="rect">
-            <a:avLst/>
-          </a:prstGeom>
-          <a:noFill/>
-        </p:spPr>
-        <p:txBody>
-          <a:bodyPr wrap="square" rtlCol="0">
-            <a:spAutoFit/>
-          </a:bodyPr>
-          <a:lstStyle/>
-          <a:p>
-            <a:pPr marL="0" marR="0" lvl="0" indent="0" algn="l" defTabSz="914400" rtl="0" eaLnBrk="1" fontAlgn="auto" latinLnBrk="0" hangingPunct="1">
-              <a:lnSpc>
-                <a:spcPct val="100000"/>
-              </a:lnSpc>
-              <a:spcBef>
-                <a:spcPts val="0"/>
-              </a:spcBef>
-              <a:spcAft>
-                <a:spcPts val="0"/>
-              </a:spcAft>
-              <a:buClrTx/>
-              <a:buSzTx/>
-              <a:buFontTx/>
-              <a:buNone/>
-              <a:tabLst/>
-              <a:defRPr/>
-            </a:pPr>
-            <a:r>
-              <a:rPr kumimoji="0" lang="zh-CN" altLang="en-US" sz="3200" b="0" i="0" u="none" strike="noStrike" kern="1200" cap="none" spc="0" normalizeH="0" baseline="0" noProof="0" dirty="0">
-                <a:ln>
-                  <a:noFill/>
-                </a:ln>
-                <a:solidFill>
-                  <a:prstClr val="white"/>
-                </a:solidFill>
-                <a:effectLst/>
-                <a:uLnTx/>
-                <a:uFillTx/>
-                <a:latin typeface="等线" panose="020F0502020204030204"/>
-                <a:ea typeface="等线" panose="02010600030101010101" pitchFamily="2" charset="-122"/>
-                <a:cs typeface="+mn-cs"/>
-              </a:rPr>
-              <a:t>时序图</a:t>
-            </a:r>
-          </a:p>
-        </p:txBody>
-      </p:sp>
-      <p:pic>
-        <p:nvPicPr>
-          <p:cNvPr id="2" name="图片 1"/>
-          <p:cNvPicPr>
-            <a:picLocks noChangeAspect="1"/>
-          </p:cNvPicPr>
-          <p:nvPr/>
-        </p:nvPicPr>
-        <p:blipFill>
-          <a:blip r:embed="rId3">
-            <a:extLst>
-              <a:ext uri="{28A0092B-C50C-407E-A947-70E740481C1C}">
-                <a14:useLocalDpi xmlns:a14="http://schemas.microsoft.com/office/drawing/2010/main" val="0"/>
-              </a:ext>
-            </a:extLst>
-          </a:blip>
-          <a:stretch>
-            <a:fillRect/>
-          </a:stretch>
-        </p:blipFill>
-        <p:spPr>
-          <a:xfrm>
-            <a:off x="1028205" y="1309391"/>
-            <a:ext cx="7643745" cy="4571864"/>
-          </a:xfrm>
-          <a:prstGeom prst="rect">
-            <a:avLst/>
-          </a:prstGeom>
-        </p:spPr>
-      </p:pic>
-    </p:spTree>
-    <p:extLst>
-      <p:ext uri="{BB962C8B-B14F-4D97-AF65-F5344CB8AC3E}">
-        <p14:creationId xmlns:p14="http://schemas.microsoft.com/office/powerpoint/2010/main" val="982058642"/>
-      </p:ext>
-    </p:extLst>
-  </p:cSld>
-  <p:clrMapOvr>
-    <a:overrideClrMapping bg1="dk1" tx1="lt1" bg2="dk2" tx2="lt2" accent1="accent1" accent2="accent2" accent3="accent3" accent4="accent4" accent5="accent5" accent6="accent6" hlink="hlink" folHlink="folHlink"/>
-  </p:clrMapOvr>
-</p:sld>
-</file>
-
-<file path=ppt/slides/slide19.xml><?xml version="1.0" encoding="utf-8"?>
-<p:sld xmlns:a="http://schemas.openxmlformats.org/drawingml/2006/main" xmlns:r="http://schemas.openxmlformats.org/officeDocument/2006/relationships" xmlns:p="http://schemas.openxmlformats.org/presentationml/2006/main">
-  <p:cSld>
-    <p:bg>
-      <p:bgPr>
-        <a:solidFill>
-          <a:schemeClr val="accent5">
-            <a:lumMod val="50000"/>
-          </a:schemeClr>
-        </a:solidFill>
-        <a:effectLst/>
-      </p:bgPr>
-    </p:bg>
-    <p:spTree>
-      <p:nvGrpSpPr>
-        <p:cNvPr id="1" name=""/>
-        <p:cNvGrpSpPr/>
-        <p:nvPr/>
-      </p:nvGrpSpPr>
-      <p:grpSpPr>
-        <a:xfrm>
-          <a:off x="0" y="0"/>
-          <a:ext cx="0" cy="0"/>
-          <a:chOff x="0" y="0"/>
-          <a:chExt cx="0" cy="0"/>
-        </a:xfrm>
-      </p:grpSpPr>
-      <p:sp>
-        <p:nvSpPr>
-          <p:cNvPr id="8" name="Rectangle 7">
-            <a:extLst>
-              <a:ext uri="{FF2B5EF4-FFF2-40B4-BE49-F238E27FC236}">
-                <a16:creationId xmlns:a16="http://schemas.microsoft.com/office/drawing/2014/main" id="{A2ED9029-64A6-4BAE-BA25-DC2A13D43EDE}"/>
-              </a:ext>
-              <a:ext uri="{C183D7F6-B498-43B3-948B-1728B52AA6E4}">
-                <adec:decorative xmlns:adec="http://schemas.microsoft.com/office/drawing/2017/decorative" val="1"/>
-              </a:ext>
-            </a:extLst>
-          </p:cNvPr>
-          <p:cNvSpPr>
-            <a:spLocks noGrp="1" noRot="1" noChangeAspect="1" noMove="1" noResize="1" noEditPoints="1" noAdjustHandles="1" noChangeArrowheads="1" noChangeShapeType="1" noTextEdit="1"/>
-          </p:cNvSpPr>
-          <p:nvPr>
-            <p:extLst>
-              <p:ext uri="{386F3935-93C4-4BCD-93E2-E3B085C9AB24}">
-                <p16:designElem xmlns:p16="http://schemas.microsoft.com/office/powerpoint/2015/main" val="1"/>
-              </p:ext>
-            </p:extLst>
-          </p:nvPr>
-        </p:nvSpPr>
-        <p:spPr>
-          <a:xfrm>
-            <a:off x="13375" y="0"/>
-            <a:ext cx="9144000" cy="6858000"/>
-          </a:xfrm>
-          <a:prstGeom prst="rect">
-            <a:avLst/>
-          </a:prstGeom>
-          <a:solidFill>
-            <a:schemeClr val="accent5">
-              <a:lumMod val="50000"/>
-            </a:schemeClr>
-          </a:solidFill>
-          <a:ln>
-            <a:noFill/>
-          </a:ln>
-        </p:spPr>
-        <p:style>
-          <a:lnRef idx="2">
-            <a:schemeClr val="accent1">
-              <a:shade val="50000"/>
-            </a:schemeClr>
-          </a:lnRef>
-          <a:fillRef idx="1">
-            <a:schemeClr val="accent1"/>
-          </a:fillRef>
-          <a:effectRef idx="0">
-            <a:schemeClr val="accent1"/>
-          </a:effectRef>
-          <a:fontRef idx="minor">
-            <a:schemeClr val="lt1"/>
-          </a:fontRef>
-        </p:style>
-        <p:txBody>
-          <a:bodyPr rtlCol="0" anchor="ctr"/>
-          <a:lstStyle/>
-          <a:p>
-            <a:pPr marL="0" marR="0" lvl="0" indent="0" algn="ctr" defTabSz="914400" rtl="0" eaLnBrk="1" fontAlgn="auto" latinLnBrk="0" hangingPunct="1">
-              <a:lnSpc>
-                <a:spcPct val="100000"/>
-              </a:lnSpc>
-              <a:spcBef>
-                <a:spcPts val="0"/>
-              </a:spcBef>
-              <a:spcAft>
-                <a:spcPts val="0"/>
-              </a:spcAft>
-              <a:buClrTx/>
-              <a:buSzTx/>
-              <a:buFontTx/>
-              <a:buNone/>
-              <a:tabLst/>
-              <a:defRPr/>
-            </a:pPr>
-            <a:endParaRPr kumimoji="0" lang="en-US" sz="1800" b="0" i="0" u="none" strike="noStrike" kern="1200" cap="none" spc="0" normalizeH="0" baseline="0" noProof="0">
-              <a:ln>
-                <a:noFill/>
-              </a:ln>
-              <a:solidFill>
-                <a:prstClr val="white"/>
-              </a:solidFill>
-              <a:effectLst/>
-              <a:uLnTx/>
-              <a:uFillTx/>
-              <a:latin typeface="等线" panose="020F0502020204030204"/>
-              <a:ea typeface="+mn-ea"/>
-              <a:cs typeface="+mn-cs"/>
-            </a:endParaRPr>
-          </a:p>
-        </p:txBody>
-      </p:sp>
-      <p:sp>
-        <p:nvSpPr>
-          <p:cNvPr id="10" name="Rectangle 9">
-            <a:extLst>
-              <a:ext uri="{FF2B5EF4-FFF2-40B4-BE49-F238E27FC236}">
-                <a16:creationId xmlns:a16="http://schemas.microsoft.com/office/drawing/2014/main" id="{DAFABACF-DDBE-415C-8EE1-F7DD68C632C6}"/>
-              </a:ext>
-              <a:ext uri="{C183D7F6-B498-43B3-948B-1728B52AA6E4}">
-                <adec:decorative xmlns:adec="http://schemas.microsoft.com/office/drawing/2017/decorative" val="1"/>
-              </a:ext>
-            </a:extLst>
-          </p:cNvPr>
-          <p:cNvSpPr>
-            <a:spLocks noGrp="1" noRot="1" noChangeAspect="1" noMove="1" noResize="1" noEditPoints="1" noAdjustHandles="1" noChangeArrowheads="1" noChangeShapeType="1" noTextEdit="1"/>
-          </p:cNvSpPr>
-          <p:nvPr>
-            <p:extLst>
-              <p:ext uri="{386F3935-93C4-4BCD-93E2-E3B085C9AB24}">
-                <p16:designElem xmlns:p16="http://schemas.microsoft.com/office/powerpoint/2015/main" val="1"/>
-              </p:ext>
-            </p:extLst>
-          </p:nvPr>
-        </p:nvSpPr>
-        <p:spPr>
-          <a:xfrm>
-            <a:off x="0" y="0"/>
-            <a:ext cx="1078992" cy="6858000"/>
-          </a:xfrm>
-          <a:prstGeom prst="rect">
-            <a:avLst/>
-          </a:prstGeom>
-          <a:solidFill>
-            <a:schemeClr val="accent5">
-              <a:alpha val="70000"/>
-            </a:schemeClr>
-          </a:solidFill>
-          <a:ln>
-            <a:noFill/>
-          </a:ln>
-        </p:spPr>
-        <p:style>
-          <a:lnRef idx="2">
-            <a:schemeClr val="accent1">
-              <a:shade val="50000"/>
-            </a:schemeClr>
-          </a:lnRef>
-          <a:fillRef idx="1003">
-            <a:schemeClr val="lt1"/>
-          </a:fillRef>
-          <a:effectRef idx="0">
-            <a:schemeClr val="accent1"/>
-          </a:effectRef>
-          <a:fontRef idx="minor">
-            <a:schemeClr val="lt1"/>
-          </a:fontRef>
-        </p:style>
-        <p:txBody>
-          <a:bodyPr rtlCol="0" anchor="ctr"/>
-          <a:lstStyle/>
-          <a:p>
-            <a:pPr marL="0" marR="0" lvl="0" indent="0" algn="ctr" defTabSz="914400" rtl="0" eaLnBrk="1" fontAlgn="auto" latinLnBrk="0" hangingPunct="1">
-              <a:lnSpc>
-                <a:spcPct val="100000"/>
-              </a:lnSpc>
-              <a:spcBef>
-                <a:spcPts val="0"/>
-              </a:spcBef>
-              <a:spcAft>
-                <a:spcPts val="0"/>
-              </a:spcAft>
-              <a:buClrTx/>
-              <a:buSzTx/>
-              <a:buFontTx/>
-              <a:buNone/>
-              <a:tabLst/>
-              <a:defRPr/>
-            </a:pPr>
-            <a:endParaRPr kumimoji="0" lang="en-US" sz="1800" b="0" i="0" u="none" strike="noStrike" kern="1200" cap="none" spc="0" normalizeH="0" baseline="0" noProof="0">
-              <a:ln>
-                <a:noFill/>
-              </a:ln>
-              <a:solidFill>
-                <a:srgbClr val="ED7D31"/>
-              </a:solidFill>
-              <a:effectLst/>
-              <a:uLnTx/>
-              <a:uFillTx/>
-              <a:latin typeface="等线" panose="020F0502020204030204"/>
-              <a:ea typeface="+mn-ea"/>
-              <a:cs typeface="+mn-cs"/>
-            </a:endParaRPr>
-          </a:p>
-        </p:txBody>
-      </p:sp>
-      <p:sp>
-        <p:nvSpPr>
-          <p:cNvPr id="12" name="Rectangle 11">
-            <a:extLst>
-              <a:ext uri="{FF2B5EF4-FFF2-40B4-BE49-F238E27FC236}">
-                <a16:creationId xmlns:a16="http://schemas.microsoft.com/office/drawing/2014/main" id="{41E17A99-1553-4633-ADFB-5CCDCF801D13}"/>
-              </a:ext>
-              <a:ext uri="{C183D7F6-B498-43B3-948B-1728B52AA6E4}">
-                <adec:decorative xmlns:adec="http://schemas.microsoft.com/office/drawing/2017/decorative" val="1"/>
-              </a:ext>
-            </a:extLst>
-          </p:cNvPr>
-          <p:cNvSpPr>
-            <a:spLocks noGrp="1" noRot="1" noChangeAspect="1" noMove="1" noResize="1" noEditPoints="1" noAdjustHandles="1" noChangeArrowheads="1" noChangeShapeType="1" noTextEdit="1"/>
-          </p:cNvSpPr>
-          <p:nvPr>
-            <p:extLst>
-              <p:ext uri="{386F3935-93C4-4BCD-93E2-E3B085C9AB24}">
-                <p16:designElem xmlns:p16="http://schemas.microsoft.com/office/powerpoint/2015/main" val="1"/>
-              </p:ext>
-            </p:extLst>
-          </p:nvPr>
-        </p:nvSpPr>
-        <p:spPr>
-          <a:xfrm>
-            <a:off x="1078992" y="0"/>
-            <a:ext cx="2411730" cy="6858000"/>
-          </a:xfrm>
-          <a:prstGeom prst="rect">
-            <a:avLst/>
-          </a:prstGeom>
-          <a:solidFill>
-            <a:schemeClr val="accent5">
-              <a:lumMod val="75000"/>
-              <a:alpha val="80000"/>
-            </a:schemeClr>
-          </a:solidFill>
-          <a:ln>
-            <a:noFill/>
-          </a:ln>
-        </p:spPr>
-        <p:style>
-          <a:lnRef idx="2">
-            <a:schemeClr val="accent1">
-              <a:shade val="50000"/>
-            </a:schemeClr>
-          </a:lnRef>
-          <a:fillRef idx="1">
-            <a:schemeClr val="accent1"/>
-          </a:fillRef>
-          <a:effectRef idx="0">
-            <a:schemeClr val="accent1"/>
-          </a:effectRef>
-          <a:fontRef idx="minor">
-            <a:schemeClr val="lt1"/>
-          </a:fontRef>
-        </p:style>
-        <p:txBody>
-          <a:bodyPr rtlCol="0" anchor="ctr"/>
-          <a:lstStyle/>
-          <a:p>
-            <a:pPr marL="0" marR="0" lvl="0" indent="0" algn="ctr" defTabSz="914400" rtl="0" eaLnBrk="1" fontAlgn="auto" latinLnBrk="0" hangingPunct="1">
-              <a:lnSpc>
-                <a:spcPct val="100000"/>
-              </a:lnSpc>
-              <a:spcBef>
-                <a:spcPts val="0"/>
-              </a:spcBef>
-              <a:spcAft>
-                <a:spcPts val="0"/>
-              </a:spcAft>
-              <a:buClrTx/>
-              <a:buSzTx/>
-              <a:buFontTx/>
-              <a:buNone/>
-              <a:tabLst/>
-              <a:defRPr/>
-            </a:pPr>
-            <a:endParaRPr kumimoji="0" lang="en-US" sz="1800" b="0" i="0" u="none" strike="noStrike" kern="1200" cap="none" spc="0" normalizeH="0" baseline="0" noProof="0">
-              <a:ln>
-                <a:noFill/>
-              </a:ln>
-              <a:solidFill>
-                <a:prstClr val="white"/>
-              </a:solidFill>
-              <a:effectLst/>
-              <a:uLnTx/>
-              <a:uFillTx/>
-              <a:latin typeface="等线" panose="020F0502020204030204"/>
-              <a:ea typeface="+mn-ea"/>
-              <a:cs typeface="+mn-cs"/>
-            </a:endParaRPr>
-          </a:p>
-        </p:txBody>
-      </p:sp>
-      <p:sp>
-        <p:nvSpPr>
-          <p:cNvPr id="7" name="文本框 6"/>
-          <p:cNvSpPr txBox="1"/>
-          <p:nvPr/>
-        </p:nvSpPr>
-        <p:spPr>
-          <a:xfrm>
-            <a:off x="13375" y="103909"/>
-            <a:ext cx="1426880" cy="584775"/>
-          </a:xfrm>
-          <a:prstGeom prst="rect">
-            <a:avLst/>
-          </a:prstGeom>
-          <a:noFill/>
-        </p:spPr>
-        <p:txBody>
-          <a:bodyPr wrap="square" rtlCol="0">
-            <a:spAutoFit/>
-          </a:bodyPr>
-          <a:lstStyle/>
-          <a:p>
-            <a:pPr marL="0" marR="0" lvl="0" indent="0" algn="l" defTabSz="914400" rtl="0" eaLnBrk="1" fontAlgn="auto" latinLnBrk="0" hangingPunct="1">
-              <a:lnSpc>
-                <a:spcPct val="100000"/>
-              </a:lnSpc>
-              <a:spcBef>
-                <a:spcPts val="0"/>
-              </a:spcBef>
-              <a:spcAft>
-                <a:spcPts val="0"/>
-              </a:spcAft>
-              <a:buClrTx/>
-              <a:buSzTx/>
-              <a:buFontTx/>
-              <a:buNone/>
-              <a:tabLst/>
-              <a:defRPr/>
-            </a:pPr>
-            <a:r>
-              <a:rPr kumimoji="0" lang="zh-CN" altLang="en-US" sz="3200" b="0" i="0" u="none" strike="noStrike" kern="1200" cap="none" spc="0" normalizeH="0" baseline="0" noProof="0" dirty="0">
-                <a:ln>
-                  <a:noFill/>
-                </a:ln>
-                <a:solidFill>
-                  <a:prstClr val="white"/>
-                </a:solidFill>
-                <a:effectLst/>
-                <a:uLnTx/>
-                <a:uFillTx/>
-                <a:latin typeface="等线" panose="020F0502020204030204"/>
-                <a:ea typeface="等线" panose="02010600030101010101" pitchFamily="2" charset="-122"/>
-                <a:cs typeface="+mn-cs"/>
+                <a:latin typeface="+mj-lt"/>
+                <a:ea typeface="+mj-ea"/>
+                <a:cs typeface="+mj-cs"/>
               </a:rPr>
               <a:t>活动图</a:t>
             </a:r>
@@ -25170,16 +27547,13 @@
         </p:blipFill>
         <p:spPr bwMode="auto">
           <a:xfrm>
-            <a:off x="997527" y="1122218"/>
-            <a:ext cx="7180118" cy="4810991"/>
+            <a:off x="3155949" y="1542090"/>
+            <a:ext cx="5510653" cy="3774796"/>
           </a:xfrm>
           <a:prstGeom prst="rect">
             <a:avLst/>
           </a:prstGeom>
           <a:noFill/>
-          <a:ln>
-            <a:noFill/>
-          </a:ln>
         </p:spPr>
       </p:pic>
     </p:spTree>
@@ -25190,7 +27564,7 @@
     </p:extLst>
   </p:cSld>
   <p:clrMapOvr>
-    <a:overrideClrMapping bg1="dk1" tx1="lt1" bg2="dk2" tx2="lt2" accent1="accent1" accent2="accent2" accent3="accent3" accent4="accent4" accent5="accent5" accent6="accent6" hlink="hlink" folHlink="folHlink"/>
+    <a:masterClrMapping/>
   </p:clrMapOvr>
 </p:sld>
 </file>
@@ -25604,9 +27978,7 @@
     <p:bg>
       <p:bgPr>
         <a:solidFill>
-          <a:schemeClr val="accent5">
-            <a:lumMod val="50000"/>
-          </a:schemeClr>
+          <a:schemeClr val="bg1"/>
         </a:solidFill>
         <a:effectLst/>
       </p:bgPr>
@@ -25627,10 +27999,10 @@
       </p:grpSpPr>
       <p:sp>
         <p:nvSpPr>
-          <p:cNvPr id="8" name="Rectangle 7">
+          <p:cNvPr id="17" name="Flowchart: Document 16">
             <a:extLst>
               <a:ext uri="{FF2B5EF4-FFF2-40B4-BE49-F238E27FC236}">
-                <a16:creationId xmlns:a16="http://schemas.microsoft.com/office/drawing/2014/main" id="{A2ED9029-64A6-4BAE-BA25-DC2A13D43EDE}"/>
+                <a16:creationId xmlns:a16="http://schemas.microsoft.com/office/drawing/2014/main" id="{D12DDE76-C203-4047-9998-63900085B5E8}"/>
               </a:ext>
               <a:ext uri="{C183D7F6-B498-43B3-948B-1728B52AA6E4}">
                 <adec:decorative xmlns:adec="http://schemas.microsoft.com/office/drawing/2017/decorative" val="1"/>
@@ -25650,16 +28022,14 @@
         </p:nvSpPr>
         <p:spPr>
           <a:xfrm>
-            <a:off x="13375" y="0"/>
-            <a:ext cx="9144000" cy="6858000"/>
+            <a:off x="478631" y="0"/>
+            <a:ext cx="2436019" cy="3400426"/>
           </a:xfrm>
-          <a:prstGeom prst="rect">
+          <a:prstGeom prst="flowChartDocument">
             <a:avLst/>
           </a:prstGeom>
           <a:solidFill>
-            <a:schemeClr val="accent5">
-              <a:lumMod val="50000"/>
-            </a:schemeClr>
+            <a:schemeClr val="accent1"/>
           </a:solidFill>
           <a:ln>
             <a:noFill/>
@@ -25685,46 +28055,135 @@
           <a:bodyPr rtlCol="0" anchor="ctr"/>
           <a:lstStyle/>
           <a:p>
-            <a:pPr marL="0" marR="0" lvl="0" indent="0" algn="ctr" defTabSz="914400" rtl="0" eaLnBrk="1" fontAlgn="auto" latinLnBrk="0" hangingPunct="1">
-              <a:lnSpc>
-                <a:spcPct val="100000"/>
-              </a:lnSpc>
-              <a:spcBef>
-                <a:spcPts val="0"/>
-              </a:spcBef>
-              <a:spcAft>
-                <a:spcPts val="0"/>
-              </a:spcAft>
-              <a:buClrTx/>
-              <a:buSzTx/>
-              <a:buFontTx/>
-              <a:buNone/>
-              <a:tabLst/>
-              <a:defRPr/>
-            </a:pPr>
-            <a:endParaRPr kumimoji="0" lang="en-US" sz="1800" b="0" i="0" u="none" strike="noStrike" kern="1200" cap="none" spc="0" normalizeH="0" baseline="0" noProof="0">
-              <a:ln>
-                <a:noFill/>
-              </a:ln>
-              <a:solidFill>
-                <a:prstClr val="white"/>
-              </a:solidFill>
-              <a:effectLst/>
-              <a:uLnTx/>
-              <a:uFillTx/>
-              <a:latin typeface="等线" panose="020F0502020204030204"/>
-              <a:ea typeface="+mn-ea"/>
-              <a:cs typeface="+mn-cs"/>
-            </a:endParaRPr>
+            <a:pPr algn="ctr"/>
+            <a:endParaRPr lang="en-US"/>
           </a:p>
         </p:txBody>
       </p:sp>
       <p:sp>
         <p:nvSpPr>
-          <p:cNvPr id="10" name="Rectangle 9">
+          <p:cNvPr id="7" name="文本框 6"/>
+          <p:cNvSpPr txBox="1"/>
+          <p:nvPr/>
+        </p:nvSpPr>
+        <p:spPr>
+          <a:xfrm>
+            <a:off x="628650" y="171162"/>
+            <a:ext cx="2130136" cy="2371148"/>
+          </a:xfrm>
+          <a:prstGeom prst="rect">
+            <a:avLst/>
+          </a:prstGeom>
+        </p:spPr>
+        <p:txBody>
+          <a:bodyPr vert="horz" lIns="91440" tIns="45720" rIns="91440" bIns="45720" rtlCol="0" anchor="ctr">
+            <a:normAutofit/>
+          </a:bodyPr>
+          <a:lstStyle/>
+          <a:p>
+            <a:pPr marL="0" marR="0" lvl="0" indent="0" fontAlgn="auto">
+              <a:lnSpc>
+                <a:spcPct val="90000"/>
+              </a:lnSpc>
+              <a:spcBef>
+                <a:spcPct val="0"/>
+              </a:spcBef>
+              <a:spcAft>
+                <a:spcPts val="600"/>
+              </a:spcAft>
+              <a:buClrTx/>
+              <a:buSzTx/>
+              <a:tabLst/>
+              <a:defRPr/>
+            </a:pPr>
+            <a:r>
+              <a:rPr kumimoji="0" lang="en-US" altLang="zh-CN" sz="2800" b="0" i="0" u="none" strike="noStrike" kern="1200" cap="none" spc="0" normalizeH="0" baseline="0" noProof="0" dirty="0">
+                <a:ln>
+                  <a:noFill/>
+                </a:ln>
+                <a:solidFill>
+                  <a:srgbClr val="FFFFFF"/>
+                </a:solidFill>
+                <a:effectLst/>
+                <a:uLnTx/>
+                <a:uFillTx/>
+                <a:latin typeface="+mj-lt"/>
+                <a:ea typeface="+mj-ea"/>
+                <a:cs typeface="+mj-cs"/>
+              </a:rPr>
+              <a:t>RUCM </a:t>
+            </a:r>
+          </a:p>
+        </p:txBody>
+      </p:sp>
+      <p:pic>
+        <p:nvPicPr>
+          <p:cNvPr id="3" name="图片 2"/>
+          <p:cNvPicPr>
+            <a:picLocks noChangeAspect="1"/>
+          </p:cNvPicPr>
+          <p:nvPr/>
+        </p:nvPicPr>
+        <p:blipFill>
+          <a:blip r:embed="rId3"/>
+          <a:stretch>
+            <a:fillRect/>
+          </a:stretch>
+        </p:blipFill>
+        <p:spPr>
+          <a:xfrm>
+            <a:off x="3155949" y="1156344"/>
+            <a:ext cx="5510653" cy="4546288"/>
+          </a:xfrm>
+          <a:prstGeom prst="rect">
+            <a:avLst/>
+          </a:prstGeom>
+        </p:spPr>
+      </p:pic>
+    </p:spTree>
+    <p:extLst>
+      <p:ext uri="{BB962C8B-B14F-4D97-AF65-F5344CB8AC3E}">
+        <p14:creationId xmlns:p14="http://schemas.microsoft.com/office/powerpoint/2010/main" val="1613684439"/>
+      </p:ext>
+    </p:extLst>
+  </p:cSld>
+  <p:clrMapOvr>
+    <a:masterClrMapping/>
+  </p:clrMapOvr>
+</p:sld>
+</file>
+
+<file path=ppt/slides/slide21.xml><?xml version="1.0" encoding="utf-8"?>
+<p:sld xmlns:a="http://schemas.openxmlformats.org/drawingml/2006/main" xmlns:r="http://schemas.openxmlformats.org/officeDocument/2006/relationships" xmlns:p="http://schemas.openxmlformats.org/presentationml/2006/main">
+  <p:cSld>
+    <p:bg>
+      <p:bgPr>
+        <a:solidFill>
+          <a:schemeClr val="bg1"/>
+        </a:solidFill>
+        <a:effectLst/>
+      </p:bgPr>
+    </p:bg>
+    <p:spTree>
+      <p:nvGrpSpPr>
+        <p:cNvPr id="1" name=""/>
+        <p:cNvGrpSpPr/>
+        <p:nvPr/>
+      </p:nvGrpSpPr>
+      <p:grpSpPr>
+        <a:xfrm>
+          <a:off x="0" y="0"/>
+          <a:ext cx="0" cy="0"/>
+          <a:chOff x="0" y="0"/>
+          <a:chExt cx="0" cy="0"/>
+        </a:xfrm>
+      </p:grpSpPr>
+      <p:sp>
+        <p:nvSpPr>
+          <p:cNvPr id="17" name="Flowchart: Document 16">
             <a:extLst>
               <a:ext uri="{FF2B5EF4-FFF2-40B4-BE49-F238E27FC236}">
-                <a16:creationId xmlns:a16="http://schemas.microsoft.com/office/drawing/2014/main" id="{DAFABACF-DDBE-415C-8EE1-F7DD68C632C6}"/>
+                <a16:creationId xmlns:a16="http://schemas.microsoft.com/office/drawing/2014/main" id="{D12DDE76-C203-4047-9998-63900085B5E8}"/>
               </a:ext>
               <a:ext uri="{C183D7F6-B498-43B3-948B-1728B52AA6E4}">
                 <adec:decorative xmlns:adec="http://schemas.microsoft.com/office/drawing/2017/decorative" val="1"/>
@@ -25744,111 +28203,14 @@
         </p:nvSpPr>
         <p:spPr>
           <a:xfrm>
-            <a:off x="0" y="0"/>
-            <a:ext cx="1078992" cy="6858000"/>
+            <a:off x="478631" y="0"/>
+            <a:ext cx="2436019" cy="3400426"/>
           </a:xfrm>
-          <a:prstGeom prst="rect">
+          <a:prstGeom prst="flowChartDocument">
             <a:avLst/>
           </a:prstGeom>
           <a:solidFill>
-            <a:schemeClr val="accent5">
-              <a:alpha val="70000"/>
-            </a:schemeClr>
-          </a:solidFill>
-          <a:ln>
-            <a:noFill/>
-          </a:ln>
-        </p:spPr>
-        <p:style>
-          <a:lnRef idx="2">
-            <a:schemeClr val="accent1">
-              <a:shade val="50000"/>
-            </a:schemeClr>
-          </a:lnRef>
-          <a:fillRef idx="1003">
-            <a:schemeClr val="lt1"/>
-          </a:fillRef>
-          <a:effectRef idx="0">
             <a:schemeClr val="accent1"/>
-          </a:effectRef>
-          <a:fontRef idx="minor">
-            <a:schemeClr val="lt1"/>
-          </a:fontRef>
-        </p:style>
-        <p:txBody>
-          <a:bodyPr rtlCol="0" anchor="ctr"/>
-          <a:lstStyle/>
-          <a:p>
-            <a:pPr marL="0" marR="0" lvl="0" indent="0" algn="ctr" defTabSz="914400" rtl="0" eaLnBrk="1" fontAlgn="auto" latinLnBrk="0" hangingPunct="1">
-              <a:lnSpc>
-                <a:spcPct val="100000"/>
-              </a:lnSpc>
-              <a:spcBef>
-                <a:spcPts val="0"/>
-              </a:spcBef>
-              <a:spcAft>
-                <a:spcPts val="0"/>
-              </a:spcAft>
-              <a:buClrTx/>
-              <a:buSzTx/>
-              <a:buFontTx/>
-              <a:buNone/>
-              <a:tabLst/>
-              <a:defRPr/>
-            </a:pPr>
-            <a:endParaRPr kumimoji="0" lang="en-US" sz="1800" b="0" i="0" u="none" strike="noStrike" kern="1200" cap="none" spc="0" normalizeH="0" baseline="0" noProof="0">
-              <a:ln>
-                <a:noFill/>
-              </a:ln>
-              <a:solidFill>
-                <a:srgbClr val="ED7D31"/>
-              </a:solidFill>
-              <a:effectLst/>
-              <a:uLnTx/>
-              <a:uFillTx/>
-              <a:latin typeface="等线" panose="020F0502020204030204"/>
-              <a:ea typeface="+mn-ea"/>
-              <a:cs typeface="+mn-cs"/>
-            </a:endParaRPr>
-          </a:p>
-        </p:txBody>
-      </p:sp>
-      <p:sp>
-        <p:nvSpPr>
-          <p:cNvPr id="12" name="Rectangle 11">
-            <a:extLst>
-              <a:ext uri="{FF2B5EF4-FFF2-40B4-BE49-F238E27FC236}">
-                <a16:creationId xmlns:a16="http://schemas.microsoft.com/office/drawing/2014/main" id="{41E17A99-1553-4633-ADFB-5CCDCF801D13}"/>
-              </a:ext>
-              <a:ext uri="{C183D7F6-B498-43B3-948B-1728B52AA6E4}">
-                <adec:decorative xmlns:adec="http://schemas.microsoft.com/office/drawing/2017/decorative" val="1"/>
-              </a:ext>
-            </a:extLst>
-          </p:cNvPr>
-          <p:cNvSpPr>
-            <a:spLocks noGrp="1" noRot="1" noChangeAspect="1" noMove="1" noResize="1" noEditPoints="1" noAdjustHandles="1" noChangeArrowheads="1" noChangeShapeType="1" noTextEdit="1"/>
-          </p:cNvSpPr>
-          <p:nvPr>
-            <p:extLst>
-              <p:ext uri="{386F3935-93C4-4BCD-93E2-E3B085C9AB24}">
-                <p16:designElem xmlns:p16="http://schemas.microsoft.com/office/powerpoint/2015/main" val="1"/>
-              </p:ext>
-            </p:extLst>
-          </p:nvPr>
-        </p:nvSpPr>
-        <p:spPr>
-          <a:xfrm>
-            <a:off x="1078992" y="0"/>
-            <a:ext cx="2411730" cy="6858000"/>
-          </a:xfrm>
-          <a:prstGeom prst="rect">
-            <a:avLst/>
-          </a:prstGeom>
-          <a:solidFill>
-            <a:schemeClr val="accent5">
-              <a:lumMod val="75000"/>
-              <a:alpha val="80000"/>
-            </a:schemeClr>
           </a:solidFill>
           <a:ln>
             <a:noFill/>
@@ -25874,37 +28236,8 @@
           <a:bodyPr rtlCol="0" anchor="ctr"/>
           <a:lstStyle/>
           <a:p>
-            <a:pPr marL="0" marR="0" lvl="0" indent="0" algn="ctr" defTabSz="914400" rtl="0" eaLnBrk="1" fontAlgn="auto" latinLnBrk="0" hangingPunct="1">
-              <a:lnSpc>
-                <a:spcPct val="100000"/>
-              </a:lnSpc>
-              <a:spcBef>
-                <a:spcPts val="0"/>
-              </a:spcBef>
-              <a:spcAft>
-                <a:spcPts val="0"/>
-              </a:spcAft>
-              <a:buClrTx/>
-              <a:buSzTx/>
-              <a:buFontTx/>
-              <a:buNone/>
-              <a:tabLst/>
-              <a:defRPr/>
-            </a:pPr>
-            <a:endParaRPr kumimoji="0" lang="en-US" sz="1800" b="0" i="0" u="none" strike="noStrike" kern="1200" cap="none" spc="0" normalizeH="0" baseline="0" noProof="0">
-              <a:ln>
-                <a:noFill/>
-              </a:ln>
-              <a:solidFill>
-                <a:prstClr val="white"/>
-              </a:solidFill>
-              <a:effectLst/>
-              <a:uLnTx/>
-              <a:uFillTx/>
-              <a:latin typeface="等线" panose="020F0502020204030204"/>
-              <a:ea typeface="+mn-ea"/>
-              <a:cs typeface="+mn-cs"/>
-            </a:endParaRPr>
+            <a:pPr algn="ctr"/>
+            <a:endParaRPr lang="en-US"/>
           </a:p>
         </p:txBody>
       </p:sp>
@@ -25916,522 +28249,51 @@
         </p:nvSpPr>
         <p:spPr>
           <a:xfrm>
-            <a:off x="13374" y="103909"/>
-            <a:ext cx="2587586" cy="584775"/>
-          </a:xfrm>
-          <a:prstGeom prst="rect">
-            <a:avLst/>
-          </a:prstGeom>
-          <a:noFill/>
-        </p:spPr>
-        <p:txBody>
-          <a:bodyPr wrap="square" rtlCol="0">
-            <a:spAutoFit/>
-          </a:bodyPr>
-          <a:lstStyle/>
-          <a:p>
-            <a:pPr marL="0" marR="0" lvl="0" indent="0" algn="l" defTabSz="914400" rtl="0" eaLnBrk="1" fontAlgn="auto" latinLnBrk="0" hangingPunct="1">
-              <a:lnSpc>
-                <a:spcPct val="100000"/>
-              </a:lnSpc>
-              <a:spcBef>
-                <a:spcPts val="0"/>
-              </a:spcBef>
-              <a:spcAft>
-                <a:spcPts val="0"/>
-              </a:spcAft>
-              <a:buClrTx/>
-              <a:buSzTx/>
-              <a:buFontTx/>
-              <a:buNone/>
-              <a:tabLst/>
-              <a:defRPr/>
-            </a:pPr>
-            <a:r>
-              <a:rPr kumimoji="0" lang="en-US" altLang="zh-CN" sz="3200" b="0" i="0" u="none" strike="noStrike" kern="1200" cap="none" spc="0" normalizeH="0" baseline="0" noProof="0" dirty="0">
-                <a:ln>
-                  <a:noFill/>
-                </a:ln>
-                <a:solidFill>
-                  <a:prstClr val="white"/>
-                </a:solidFill>
-                <a:effectLst/>
-                <a:uLnTx/>
-                <a:uFillTx/>
-                <a:latin typeface="等线" panose="020F0502020204030204"/>
-                <a:ea typeface="等线" panose="02010600030101010101" pitchFamily="2" charset="-122"/>
-                <a:cs typeface="+mn-cs"/>
-              </a:rPr>
-              <a:t>RUCM – </a:t>
-            </a:r>
-            <a:r>
-              <a:rPr kumimoji="0" lang="zh-CN" altLang="en-US" sz="3200" b="0" i="0" u="none" strike="noStrike" kern="1200" cap="none" spc="0" normalizeH="0" baseline="0" noProof="0" dirty="0">
-                <a:ln>
-                  <a:noFill/>
-                </a:ln>
-                <a:solidFill>
-                  <a:prstClr val="white"/>
-                </a:solidFill>
-                <a:effectLst/>
-                <a:uLnTx/>
-                <a:uFillTx/>
-                <a:latin typeface="等线" panose="020F0502020204030204"/>
-                <a:ea typeface="等线" panose="02010600030101010101" pitchFamily="2" charset="-122"/>
-                <a:cs typeface="+mn-cs"/>
-              </a:rPr>
-              <a:t>部分</a:t>
-            </a:r>
-            <a:endParaRPr kumimoji="0" lang="en-US" altLang="zh-CN" sz="3200" b="0" i="0" u="none" strike="noStrike" kern="1200" cap="none" spc="0" normalizeH="0" baseline="0" noProof="0" dirty="0">
-              <a:ln>
-                <a:noFill/>
-              </a:ln>
-              <a:solidFill>
-                <a:prstClr val="white"/>
-              </a:solidFill>
-              <a:effectLst/>
-              <a:uLnTx/>
-              <a:uFillTx/>
-              <a:latin typeface="等线" panose="020F0502020204030204"/>
-              <a:ea typeface="等线" panose="02010600030101010101" pitchFamily="2" charset="-122"/>
-              <a:cs typeface="+mn-cs"/>
-            </a:endParaRPr>
-          </a:p>
-        </p:txBody>
-      </p:sp>
-      <p:pic>
-        <p:nvPicPr>
-          <p:cNvPr id="3" name="图片 2"/>
-          <p:cNvPicPr>
-            <a:picLocks noChangeAspect="1"/>
-          </p:cNvPicPr>
-          <p:nvPr/>
-        </p:nvPicPr>
-        <p:blipFill>
-          <a:blip r:embed="rId3"/>
-          <a:stretch>
-            <a:fillRect/>
-          </a:stretch>
-        </p:blipFill>
-        <p:spPr>
-          <a:xfrm>
-            <a:off x="1595437" y="971549"/>
-            <a:ext cx="6192036" cy="5112145"/>
+            <a:off x="628650" y="171162"/>
+            <a:ext cx="2130136" cy="2371148"/>
           </a:xfrm>
           <a:prstGeom prst="rect">
             <a:avLst/>
           </a:prstGeom>
         </p:spPr>
-      </p:pic>
-    </p:spTree>
-    <p:extLst>
-      <p:ext uri="{BB962C8B-B14F-4D97-AF65-F5344CB8AC3E}">
-        <p14:creationId xmlns:p14="http://schemas.microsoft.com/office/powerpoint/2010/main" val="1613684439"/>
-      </p:ext>
-    </p:extLst>
-  </p:cSld>
-  <p:clrMapOvr>
-    <a:overrideClrMapping bg1="dk1" tx1="lt1" bg2="dk2" tx2="lt2" accent1="accent1" accent2="accent2" accent3="accent3" accent4="accent4" accent5="accent5" accent6="accent6" hlink="hlink" folHlink="folHlink"/>
-  </p:clrMapOvr>
-</p:sld>
-</file>
-
-<file path=ppt/slides/slide21.xml><?xml version="1.0" encoding="utf-8"?>
-<p:sld xmlns:a="http://schemas.openxmlformats.org/drawingml/2006/main" xmlns:r="http://schemas.openxmlformats.org/officeDocument/2006/relationships" xmlns:p="http://schemas.openxmlformats.org/presentationml/2006/main">
-  <p:cSld>
-    <p:bg>
-      <p:bgPr>
-        <a:solidFill>
-          <a:schemeClr val="accent5">
-            <a:lumMod val="50000"/>
-          </a:schemeClr>
-        </a:solidFill>
-        <a:effectLst/>
-      </p:bgPr>
-    </p:bg>
-    <p:spTree>
-      <p:nvGrpSpPr>
-        <p:cNvPr id="1" name=""/>
-        <p:cNvGrpSpPr/>
-        <p:nvPr/>
-      </p:nvGrpSpPr>
-      <p:grpSpPr>
-        <a:xfrm>
-          <a:off x="0" y="0"/>
-          <a:ext cx="0" cy="0"/>
-          <a:chOff x="0" y="0"/>
-          <a:chExt cx="0" cy="0"/>
-        </a:xfrm>
-      </p:grpSpPr>
-      <p:sp>
-        <p:nvSpPr>
-          <p:cNvPr id="8" name="Rectangle 7">
-            <a:extLst>
-              <a:ext uri="{FF2B5EF4-FFF2-40B4-BE49-F238E27FC236}">
-                <a16:creationId xmlns:a16="http://schemas.microsoft.com/office/drawing/2014/main" id="{A2ED9029-64A6-4BAE-BA25-DC2A13D43EDE}"/>
-              </a:ext>
-              <a:ext uri="{C183D7F6-B498-43B3-948B-1728B52AA6E4}">
-                <adec:decorative xmlns:adec="http://schemas.microsoft.com/office/drawing/2017/decorative" val="1"/>
-              </a:ext>
-            </a:extLst>
-          </p:cNvPr>
-          <p:cNvSpPr>
-            <a:spLocks noGrp="1" noRot="1" noChangeAspect="1" noMove="1" noResize="1" noEditPoints="1" noAdjustHandles="1" noChangeArrowheads="1" noChangeShapeType="1" noTextEdit="1"/>
-          </p:cNvSpPr>
-          <p:nvPr>
-            <p:extLst>
-              <p:ext uri="{386F3935-93C4-4BCD-93E2-E3B085C9AB24}">
-                <p16:designElem xmlns:p16="http://schemas.microsoft.com/office/powerpoint/2015/main" val="1"/>
-              </p:ext>
-            </p:extLst>
-          </p:nvPr>
-        </p:nvSpPr>
-        <p:spPr>
-          <a:xfrm>
-            <a:off x="13375" y="0"/>
-            <a:ext cx="9144000" cy="6858000"/>
-          </a:xfrm>
-          <a:prstGeom prst="rect">
-            <a:avLst/>
-          </a:prstGeom>
-          <a:solidFill>
-            <a:schemeClr val="accent5">
-              <a:lumMod val="50000"/>
-            </a:schemeClr>
-          </a:solidFill>
-          <a:ln>
-            <a:noFill/>
-          </a:ln>
-        </p:spPr>
-        <p:style>
-          <a:lnRef idx="2">
-            <a:schemeClr val="accent1">
-              <a:shade val="50000"/>
-            </a:schemeClr>
-          </a:lnRef>
-          <a:fillRef idx="1">
-            <a:schemeClr val="accent1"/>
-          </a:fillRef>
-          <a:effectRef idx="0">
-            <a:schemeClr val="accent1"/>
-          </a:effectRef>
-          <a:fontRef idx="minor">
-            <a:schemeClr val="lt1"/>
-          </a:fontRef>
-        </p:style>
         <p:txBody>
-          <a:bodyPr rtlCol="0" anchor="ctr"/>
+          <a:bodyPr vert="horz" lIns="91440" tIns="45720" rIns="91440" bIns="45720" rtlCol="0" anchor="ctr">
+            <a:normAutofit/>
+          </a:bodyPr>
           <a:lstStyle/>
           <a:p>
-            <a:pPr marL="0" marR="0" lvl="0" indent="0" algn="ctr" defTabSz="914400" rtl="0" eaLnBrk="1" fontAlgn="auto" latinLnBrk="0" hangingPunct="1">
+            <a:pPr marL="0" marR="0" lvl="0" indent="0" fontAlgn="auto">
               <a:lnSpc>
-                <a:spcPct val="100000"/>
+                <a:spcPct val="90000"/>
               </a:lnSpc>
               <a:spcBef>
-                <a:spcPts val="0"/>
+                <a:spcPct val="0"/>
               </a:spcBef>
               <a:spcAft>
-                <a:spcPts val="0"/>
+                <a:spcPts val="600"/>
               </a:spcAft>
               <a:buClrTx/>
               <a:buSzTx/>
-              <a:buFontTx/>
-              <a:buNone/>
               <a:tabLst/>
               <a:defRPr/>
             </a:pPr>
-            <a:endParaRPr kumimoji="0" lang="en-US" sz="1800" b="0" i="0" u="none" strike="noStrike" kern="1200" cap="none" spc="0" normalizeH="0" baseline="0" noProof="0">
-              <a:ln>
-                <a:noFill/>
-              </a:ln>
-              <a:solidFill>
-                <a:prstClr val="white"/>
-              </a:solidFill>
-              <a:effectLst/>
-              <a:uLnTx/>
-              <a:uFillTx/>
-              <a:latin typeface="等线" panose="020F0502020204030204"/>
-              <a:ea typeface="+mn-ea"/>
-              <a:cs typeface="+mn-cs"/>
-            </a:endParaRPr>
-          </a:p>
-        </p:txBody>
-      </p:sp>
-      <p:sp>
-        <p:nvSpPr>
-          <p:cNvPr id="10" name="Rectangle 9">
-            <a:extLst>
-              <a:ext uri="{FF2B5EF4-FFF2-40B4-BE49-F238E27FC236}">
-                <a16:creationId xmlns:a16="http://schemas.microsoft.com/office/drawing/2014/main" id="{DAFABACF-DDBE-415C-8EE1-F7DD68C632C6}"/>
-              </a:ext>
-              <a:ext uri="{C183D7F6-B498-43B3-948B-1728B52AA6E4}">
-                <adec:decorative xmlns:adec="http://schemas.microsoft.com/office/drawing/2017/decorative" val="1"/>
-              </a:ext>
-            </a:extLst>
-          </p:cNvPr>
-          <p:cNvSpPr>
-            <a:spLocks noGrp="1" noRot="1" noChangeAspect="1" noMove="1" noResize="1" noEditPoints="1" noAdjustHandles="1" noChangeArrowheads="1" noChangeShapeType="1" noTextEdit="1"/>
-          </p:cNvSpPr>
-          <p:nvPr>
-            <p:extLst>
-              <p:ext uri="{386F3935-93C4-4BCD-93E2-E3B085C9AB24}">
-                <p16:designElem xmlns:p16="http://schemas.microsoft.com/office/powerpoint/2015/main" val="1"/>
-              </p:ext>
-            </p:extLst>
-          </p:nvPr>
-        </p:nvSpPr>
-        <p:spPr>
-          <a:xfrm>
-            <a:off x="0" y="0"/>
-            <a:ext cx="1078992" cy="6858000"/>
-          </a:xfrm>
-          <a:prstGeom prst="rect">
-            <a:avLst/>
-          </a:prstGeom>
-          <a:solidFill>
-            <a:schemeClr val="accent5">
-              <a:alpha val="70000"/>
-            </a:schemeClr>
-          </a:solidFill>
-          <a:ln>
-            <a:noFill/>
-          </a:ln>
-        </p:spPr>
-        <p:style>
-          <a:lnRef idx="2">
-            <a:schemeClr val="accent1">
-              <a:shade val="50000"/>
-            </a:schemeClr>
-          </a:lnRef>
-          <a:fillRef idx="1003">
-            <a:schemeClr val="lt1"/>
-          </a:fillRef>
-          <a:effectRef idx="0">
-            <a:schemeClr val="accent1"/>
-          </a:effectRef>
-          <a:fontRef idx="minor">
-            <a:schemeClr val="lt1"/>
-          </a:fontRef>
-        </p:style>
-        <p:txBody>
-          <a:bodyPr rtlCol="0" anchor="ctr"/>
-          <a:lstStyle/>
-          <a:p>
-            <a:pPr marL="0" marR="0" lvl="0" indent="0" algn="ctr" defTabSz="914400" rtl="0" eaLnBrk="1" fontAlgn="auto" latinLnBrk="0" hangingPunct="1">
-              <a:lnSpc>
-                <a:spcPct val="100000"/>
-              </a:lnSpc>
-              <a:spcBef>
-                <a:spcPts val="0"/>
-              </a:spcBef>
-              <a:spcAft>
-                <a:spcPts val="0"/>
-              </a:spcAft>
-              <a:buClrTx/>
-              <a:buSzTx/>
-              <a:buFontTx/>
-              <a:buNone/>
-              <a:tabLst/>
-              <a:defRPr/>
-            </a:pPr>
-            <a:endParaRPr kumimoji="0" lang="en-US" sz="1800" b="0" i="0" u="none" strike="noStrike" kern="1200" cap="none" spc="0" normalizeH="0" baseline="0" noProof="0">
-              <a:ln>
-                <a:noFill/>
-              </a:ln>
-              <a:solidFill>
-                <a:srgbClr val="ED7D31"/>
-              </a:solidFill>
-              <a:effectLst/>
-              <a:uLnTx/>
-              <a:uFillTx/>
-              <a:latin typeface="等线" panose="020F0502020204030204"/>
-              <a:ea typeface="+mn-ea"/>
-              <a:cs typeface="+mn-cs"/>
-            </a:endParaRPr>
-          </a:p>
-        </p:txBody>
-      </p:sp>
-      <p:sp>
-        <p:nvSpPr>
-          <p:cNvPr id="12" name="Rectangle 11">
-            <a:extLst>
-              <a:ext uri="{FF2B5EF4-FFF2-40B4-BE49-F238E27FC236}">
-                <a16:creationId xmlns:a16="http://schemas.microsoft.com/office/drawing/2014/main" id="{41E17A99-1553-4633-ADFB-5CCDCF801D13}"/>
-              </a:ext>
-              <a:ext uri="{C183D7F6-B498-43B3-948B-1728B52AA6E4}">
-                <adec:decorative xmlns:adec="http://schemas.microsoft.com/office/drawing/2017/decorative" val="1"/>
-              </a:ext>
-            </a:extLst>
-          </p:cNvPr>
-          <p:cNvSpPr>
-            <a:spLocks noGrp="1" noRot="1" noChangeAspect="1" noMove="1" noResize="1" noEditPoints="1" noAdjustHandles="1" noChangeArrowheads="1" noChangeShapeType="1" noTextEdit="1"/>
-          </p:cNvSpPr>
-          <p:nvPr>
-            <p:extLst>
-              <p:ext uri="{386F3935-93C4-4BCD-93E2-E3B085C9AB24}">
-                <p16:designElem xmlns:p16="http://schemas.microsoft.com/office/powerpoint/2015/main" val="1"/>
-              </p:ext>
-            </p:extLst>
-          </p:nvPr>
-        </p:nvSpPr>
-        <p:spPr>
-          <a:xfrm>
-            <a:off x="1078992" y="0"/>
-            <a:ext cx="2411730" cy="6858000"/>
-          </a:xfrm>
-          <a:prstGeom prst="rect">
-            <a:avLst/>
-          </a:prstGeom>
-          <a:solidFill>
-            <a:schemeClr val="accent5">
-              <a:lumMod val="75000"/>
-              <a:alpha val="80000"/>
-            </a:schemeClr>
-          </a:solidFill>
-          <a:ln>
-            <a:noFill/>
-          </a:ln>
-        </p:spPr>
-        <p:style>
-          <a:lnRef idx="2">
-            <a:schemeClr val="accent1">
-              <a:shade val="50000"/>
-            </a:schemeClr>
-          </a:lnRef>
-          <a:fillRef idx="1">
-            <a:schemeClr val="accent1"/>
-          </a:fillRef>
-          <a:effectRef idx="0">
-            <a:schemeClr val="accent1"/>
-          </a:effectRef>
-          <a:fontRef idx="minor">
-            <a:schemeClr val="lt1"/>
-          </a:fontRef>
-        </p:style>
-        <p:txBody>
-          <a:bodyPr rtlCol="0" anchor="ctr"/>
-          <a:lstStyle/>
-          <a:p>
-            <a:pPr marL="0" marR="0" lvl="0" indent="0" algn="ctr" defTabSz="914400" rtl="0" eaLnBrk="1" fontAlgn="auto" latinLnBrk="0" hangingPunct="1">
-              <a:lnSpc>
-                <a:spcPct val="100000"/>
-              </a:lnSpc>
-              <a:spcBef>
-                <a:spcPts val="0"/>
-              </a:spcBef>
-              <a:spcAft>
-                <a:spcPts val="0"/>
-              </a:spcAft>
-              <a:buClrTx/>
-              <a:buSzTx/>
-              <a:buFontTx/>
-              <a:buNone/>
-              <a:tabLst/>
-              <a:defRPr/>
-            </a:pPr>
-            <a:endParaRPr kumimoji="0" lang="en-US" sz="1800" b="0" i="0" u="none" strike="noStrike" kern="1200" cap="none" spc="0" normalizeH="0" baseline="0" noProof="0">
-              <a:ln>
-                <a:noFill/>
-              </a:ln>
-              <a:solidFill>
-                <a:prstClr val="white"/>
-              </a:solidFill>
-              <a:effectLst/>
-              <a:uLnTx/>
-              <a:uFillTx/>
-              <a:latin typeface="等线" panose="020F0502020204030204"/>
-              <a:ea typeface="+mn-ea"/>
-              <a:cs typeface="+mn-cs"/>
-            </a:endParaRPr>
-          </a:p>
-        </p:txBody>
-      </p:sp>
-      <p:sp>
-        <p:nvSpPr>
-          <p:cNvPr id="7" name="文本框 6"/>
-          <p:cNvSpPr txBox="1"/>
-          <p:nvPr/>
-        </p:nvSpPr>
-        <p:spPr>
-          <a:xfrm>
-            <a:off x="13375" y="-1"/>
-            <a:ext cx="2567265" cy="584775"/>
-          </a:xfrm>
-          <a:prstGeom prst="rect">
-            <a:avLst/>
-          </a:prstGeom>
-          <a:noFill/>
-        </p:spPr>
-        <p:txBody>
-          <a:bodyPr wrap="square" rtlCol="0">
-            <a:spAutoFit/>
-          </a:bodyPr>
-          <a:lstStyle/>
-          <a:p>
-            <a:pPr marL="0" marR="0" lvl="0" indent="0" algn="l" defTabSz="914400" rtl="0" eaLnBrk="1" fontAlgn="auto" latinLnBrk="0" hangingPunct="1">
-              <a:lnSpc>
-                <a:spcPct val="100000"/>
-              </a:lnSpc>
-              <a:spcBef>
-                <a:spcPts val="0"/>
-              </a:spcBef>
-              <a:spcAft>
-                <a:spcPts val="0"/>
-              </a:spcAft>
-              <a:buClrTx/>
-              <a:buSzTx/>
-              <a:buFontTx/>
-              <a:buNone/>
-              <a:tabLst/>
-              <a:defRPr/>
-            </a:pPr>
-            <a:r>
-              <a:rPr kumimoji="0" lang="en-US" altLang="zh-CN" sz="3200" b="0" i="0" u="none" strike="noStrike" kern="1200" cap="none" spc="0" normalizeH="0" baseline="0" noProof="0" dirty="0">
+            <a:r>
+              <a:rPr kumimoji="0" lang="en-US" altLang="zh-CN" sz="2800" b="0" i="0" u="none" strike="noStrike" kern="1200" cap="none" spc="0" normalizeH="0" baseline="0" noProof="0" dirty="0">
                 <a:ln>
                   <a:noFill/>
                 </a:ln>
                 <a:solidFill>
-                  <a:prstClr val="white"/>
+                  <a:srgbClr val="FFFFFF"/>
                 </a:solidFill>
                 <a:effectLst/>
                 <a:uLnTx/>
                 <a:uFillTx/>
-                <a:latin typeface="等线" panose="020F0502020204030204"/>
-                <a:ea typeface="等线" panose="02010600030101010101" pitchFamily="2" charset="-122"/>
-                <a:cs typeface="+mn-cs"/>
-              </a:rPr>
-              <a:t>OCL – </a:t>
-            </a:r>
-            <a:r>
-              <a:rPr kumimoji="0" lang="zh-CN" altLang="en-US" sz="3200" b="0" i="0" u="none" strike="noStrike" kern="1200" cap="none" spc="0" normalizeH="0" baseline="0" noProof="0" dirty="0">
-                <a:ln>
-                  <a:noFill/>
-                </a:ln>
-                <a:solidFill>
-                  <a:prstClr val="white"/>
-                </a:solidFill>
-                <a:effectLst/>
-                <a:uLnTx/>
-                <a:uFillTx/>
-                <a:latin typeface="等线" panose="020F0502020204030204"/>
-                <a:ea typeface="等线" panose="02010600030101010101" pitchFamily="2" charset="-122"/>
-                <a:cs typeface="+mn-cs"/>
-              </a:rPr>
-              <a:t>部分</a:t>
-            </a:r>
-            <a:endParaRPr kumimoji="0" lang="en-US" altLang="zh-CN" sz="3200" b="0" i="0" u="none" strike="noStrike" kern="1200" cap="none" spc="0" normalizeH="0" baseline="0" noProof="0" dirty="0">
-              <a:ln>
-                <a:noFill/>
-              </a:ln>
-              <a:solidFill>
-                <a:prstClr val="white"/>
-              </a:solidFill>
-              <a:effectLst/>
-              <a:uLnTx/>
-              <a:uFillTx/>
-              <a:latin typeface="等线" panose="020F0502020204030204"/>
-              <a:ea typeface="等线" panose="02010600030101010101" pitchFamily="2" charset="-122"/>
-              <a:cs typeface="+mn-cs"/>
-            </a:endParaRPr>
+                <a:latin typeface="+mj-lt"/>
+                <a:ea typeface="+mj-ea"/>
+                <a:cs typeface="+mj-cs"/>
+              </a:rPr>
+              <a:t>OCL </a:t>
+            </a:r>
           </a:p>
         </p:txBody>
       </p:sp>
@@ -26457,8 +28319,8 @@
         </p:blipFill>
         <p:spPr>
           <a:xfrm>
-            <a:off x="1533101" y="604443"/>
-            <a:ext cx="6077798" cy="5649113"/>
+            <a:off x="3155949" y="867034"/>
+            <a:ext cx="5510653" cy="5124907"/>
           </a:xfrm>
           <a:prstGeom prst="rect">
             <a:avLst/>
@@ -26473,7 +28335,7 @@
     </p:extLst>
   </p:cSld>
   <p:clrMapOvr>
-    <a:overrideClrMapping bg1="dk1" tx1="lt1" bg2="dk2" tx2="lt2" accent1="accent1" accent2="accent2" accent3="accent3" accent4="accent4" accent5="accent5" accent6="accent6" hlink="hlink" folHlink="folHlink"/>
+    <a:masterClrMapping/>
   </p:clrMapOvr>
 </p:sld>
 </file>
@@ -26484,9 +28346,7 @@
     <p:bg>
       <p:bgPr>
         <a:solidFill>
-          <a:schemeClr val="accent5">
-            <a:lumMod val="50000"/>
-          </a:schemeClr>
+          <a:schemeClr val="bg1"/>
         </a:solidFill>
         <a:effectLst/>
       </p:bgPr>
@@ -26505,12 +28365,12 @@
           <a:chExt cx="0" cy="0"/>
         </a:xfrm>
       </p:grpSpPr>
-      <p:sp>
+      <p:sp useBgFill="1">
         <p:nvSpPr>
           <p:cNvPr id="8" name="Rectangle 7">
             <a:extLst>
               <a:ext uri="{FF2B5EF4-FFF2-40B4-BE49-F238E27FC236}">
-                <a16:creationId xmlns:a16="http://schemas.microsoft.com/office/drawing/2014/main" id="{A2ED9029-64A6-4BAE-BA25-DC2A13D43EDE}"/>
+                <a16:creationId xmlns:a16="http://schemas.microsoft.com/office/drawing/2014/main" id="{3B854194-185D-494D-905C-7C7CB2E30F6E}"/>
               </a:ext>
               <a:ext uri="{C183D7F6-B498-43B3-948B-1728B52AA6E4}">
                 <adec:decorative xmlns:adec="http://schemas.microsoft.com/office/drawing/2017/decorative" val="1"/>
@@ -26530,17 +28390,12 @@
         </p:nvSpPr>
         <p:spPr>
           <a:xfrm>
-            <a:off x="13375" y="0"/>
-            <a:ext cx="9144000" cy="6858000"/>
+            <a:off x="0" y="0"/>
+            <a:ext cx="4561583" cy="6858000"/>
           </a:xfrm>
           <a:prstGeom prst="rect">
             <a:avLst/>
           </a:prstGeom>
-          <a:solidFill>
-            <a:schemeClr val="accent5">
-              <a:lumMod val="50000"/>
-            </a:schemeClr>
-          </a:solidFill>
           <a:ln>
             <a:noFill/>
           </a:ln>
@@ -26565,37 +28420,8 @@
           <a:bodyPr rtlCol="0" anchor="ctr"/>
           <a:lstStyle/>
           <a:p>
-            <a:pPr marL="0" marR="0" lvl="0" indent="0" algn="ctr" defTabSz="914400" rtl="0" eaLnBrk="1" fontAlgn="auto" latinLnBrk="0" hangingPunct="1">
-              <a:lnSpc>
-                <a:spcPct val="100000"/>
-              </a:lnSpc>
-              <a:spcBef>
-                <a:spcPts val="0"/>
-              </a:spcBef>
-              <a:spcAft>
-                <a:spcPts val="0"/>
-              </a:spcAft>
-              <a:buClrTx/>
-              <a:buSzTx/>
-              <a:buFontTx/>
-              <a:buNone/>
-              <a:tabLst/>
-              <a:defRPr/>
-            </a:pPr>
-            <a:endParaRPr kumimoji="0" lang="en-US" sz="1800" b="0" i="0" u="none" strike="noStrike" kern="1200" cap="none" spc="0" normalizeH="0" baseline="0" noProof="0">
-              <a:ln>
-                <a:noFill/>
-              </a:ln>
-              <a:solidFill>
-                <a:prstClr val="white"/>
-              </a:solidFill>
-              <a:effectLst/>
-              <a:uLnTx/>
-              <a:uFillTx/>
-              <a:latin typeface="等线" panose="020F0502020204030204"/>
-              <a:ea typeface="+mn-ea"/>
-              <a:cs typeface="+mn-cs"/>
-            </a:endParaRPr>
+            <a:pPr algn="ctr"/>
+            <a:endParaRPr lang="en-US"/>
           </a:p>
         </p:txBody>
       </p:sp>
@@ -26604,7 +28430,7 @@
           <p:cNvPr id="10" name="Rectangle 9">
             <a:extLst>
               <a:ext uri="{FF2B5EF4-FFF2-40B4-BE49-F238E27FC236}">
-                <a16:creationId xmlns:a16="http://schemas.microsoft.com/office/drawing/2014/main" id="{DAFABACF-DDBE-415C-8EE1-F7DD68C632C6}"/>
+                <a16:creationId xmlns:a16="http://schemas.microsoft.com/office/drawing/2014/main" id="{B4F5FA0D-0104-4987-8241-EFF7C85B88DE}"/>
               </a:ext>
               <a:ext uri="{C183D7F6-B498-43B3-948B-1728B52AA6E4}">
                 <adec:decorative xmlns:adec="http://schemas.microsoft.com/office/drawing/2017/decorative" val="1"/>
@@ -26625,111 +28451,36 @@
         <p:spPr>
           <a:xfrm>
             <a:off x="0" y="0"/>
-            <a:ext cx="1078992" cy="6858000"/>
+            <a:ext cx="9143999" cy="6858000"/>
           </a:xfrm>
           <a:prstGeom prst="rect">
             <a:avLst/>
           </a:prstGeom>
-          <a:solidFill>
-            <a:schemeClr val="accent5">
-              <a:alpha val="70000"/>
-            </a:schemeClr>
-          </a:solidFill>
-          <a:ln>
-            <a:noFill/>
-          </a:ln>
-        </p:spPr>
-        <p:style>
-          <a:lnRef idx="2">
-            <a:schemeClr val="accent1">
-              <a:shade val="50000"/>
-            </a:schemeClr>
-          </a:lnRef>
-          <a:fillRef idx="1003">
-            <a:schemeClr val="lt1"/>
-          </a:fillRef>
-          <a:effectRef idx="0">
-            <a:schemeClr val="accent1"/>
-          </a:effectRef>
-          <a:fontRef idx="minor">
-            <a:schemeClr val="lt1"/>
-          </a:fontRef>
-        </p:style>
-        <p:txBody>
-          <a:bodyPr rtlCol="0" anchor="ctr"/>
-          <a:lstStyle/>
-          <a:p>
-            <a:pPr marL="0" marR="0" lvl="0" indent="0" algn="ctr" defTabSz="914400" rtl="0" eaLnBrk="1" fontAlgn="auto" latinLnBrk="0" hangingPunct="1">
-              <a:lnSpc>
-                <a:spcPct val="100000"/>
-              </a:lnSpc>
-              <a:spcBef>
-                <a:spcPts val="0"/>
-              </a:spcBef>
-              <a:spcAft>
-                <a:spcPts val="0"/>
-              </a:spcAft>
-              <a:buClrTx/>
-              <a:buSzTx/>
-              <a:buFontTx/>
-              <a:buNone/>
-              <a:tabLst/>
-              <a:defRPr/>
-            </a:pPr>
-            <a:endParaRPr kumimoji="0" lang="en-US" sz="1800" b="0" i="0" u="none" strike="noStrike" kern="1200" cap="none" spc="0" normalizeH="0" baseline="0" noProof="0">
-              <a:ln>
-                <a:noFill/>
-              </a:ln>
-              <a:solidFill>
-                <a:srgbClr val="ED7D31"/>
-              </a:solidFill>
-              <a:effectLst/>
-              <a:uLnTx/>
-              <a:uFillTx/>
-              <a:latin typeface="等线" panose="020F0502020204030204"/>
-              <a:ea typeface="+mn-ea"/>
-              <a:cs typeface="+mn-cs"/>
-            </a:endParaRPr>
-          </a:p>
-        </p:txBody>
-      </p:sp>
-      <p:sp>
-        <p:nvSpPr>
-          <p:cNvPr id="12" name="Rectangle 11">
-            <a:extLst>
-              <a:ext uri="{FF2B5EF4-FFF2-40B4-BE49-F238E27FC236}">
-                <a16:creationId xmlns:a16="http://schemas.microsoft.com/office/drawing/2014/main" id="{41E17A99-1553-4633-ADFB-5CCDCF801D13}"/>
-              </a:ext>
-              <a:ext uri="{C183D7F6-B498-43B3-948B-1728B52AA6E4}">
-                <adec:decorative xmlns:adec="http://schemas.microsoft.com/office/drawing/2017/decorative" val="1"/>
-              </a:ext>
-            </a:extLst>
-          </p:cNvPr>
-          <p:cNvSpPr>
-            <a:spLocks noGrp="1" noRot="1" noChangeAspect="1" noMove="1" noResize="1" noEditPoints="1" noAdjustHandles="1" noChangeArrowheads="1" noChangeShapeType="1" noTextEdit="1"/>
-          </p:cNvSpPr>
-          <p:nvPr>
-            <p:extLst>
-              <p:ext uri="{386F3935-93C4-4BCD-93E2-E3B085C9AB24}">
-                <p16:designElem xmlns:p16="http://schemas.microsoft.com/office/powerpoint/2015/main" val="1"/>
-              </p:ext>
-            </p:extLst>
-          </p:nvPr>
-        </p:nvSpPr>
-        <p:spPr>
-          <a:xfrm>
-            <a:off x="1078992" y="0"/>
-            <a:ext cx="2411730" cy="6858000"/>
-          </a:xfrm>
-          <a:prstGeom prst="rect">
-            <a:avLst/>
-          </a:prstGeom>
-          <a:solidFill>
-            <a:schemeClr val="accent5">
-              <a:lumMod val="75000"/>
-              <a:alpha val="80000"/>
-            </a:schemeClr>
-          </a:solidFill>
+          <a:gradFill>
+            <a:gsLst>
+              <a:gs pos="0">
+                <a:schemeClr val="accent1">
+                  <a:lumMod val="90000"/>
+                </a:schemeClr>
+              </a:gs>
+              <a:gs pos="25000">
+                <a:schemeClr val="accent1">
+                  <a:lumMod val="90000"/>
+                </a:schemeClr>
+              </a:gs>
+              <a:gs pos="94000">
+                <a:schemeClr val="bg2">
+                  <a:lumMod val="25000"/>
+                </a:schemeClr>
+              </a:gs>
+              <a:gs pos="100000">
+                <a:schemeClr val="bg2">
+                  <a:lumMod val="25000"/>
+                </a:schemeClr>
+              </a:gs>
+            </a:gsLst>
+            <a:lin ang="4200000" scaled="0"/>
+          </a:gradFill>
           <a:ln>
             <a:noFill/>
           </a:ln>
@@ -26754,240 +28505,160 @@
           <a:bodyPr rtlCol="0" anchor="ctr"/>
           <a:lstStyle/>
           <a:p>
-            <a:pPr marL="0" marR="0" lvl="0" indent="0" algn="ctr" defTabSz="914400" rtl="0" eaLnBrk="1" fontAlgn="auto" latinLnBrk="0" hangingPunct="1">
-              <a:lnSpc>
-                <a:spcPct val="100000"/>
-              </a:lnSpc>
-              <a:spcBef>
-                <a:spcPts val="0"/>
-              </a:spcBef>
-              <a:spcAft>
-                <a:spcPts val="0"/>
-              </a:spcAft>
-              <a:buClrTx/>
-              <a:buSzTx/>
-              <a:buFontTx/>
-              <a:buNone/>
-              <a:tabLst/>
-              <a:defRPr/>
-            </a:pPr>
-            <a:endParaRPr kumimoji="0" lang="en-US" sz="1800" b="0" i="0" u="none" strike="noStrike" kern="1200" cap="none" spc="0" normalizeH="0" baseline="0" noProof="0">
-              <a:ln>
-                <a:noFill/>
-              </a:ln>
-              <a:solidFill>
-                <a:prstClr val="white"/>
-              </a:solidFill>
-              <a:effectLst/>
-              <a:uLnTx/>
-              <a:uFillTx/>
-              <a:latin typeface="等线" panose="020F0502020204030204"/>
-              <a:ea typeface="+mn-ea"/>
-              <a:cs typeface="+mn-cs"/>
-            </a:endParaRPr>
+            <a:pPr algn="ctr"/>
+            <a:endParaRPr lang="en-US"/>
+          </a:p>
+        </p:txBody>
+      </p:sp>
+      <p:pic>
+        <p:nvPicPr>
+          <p:cNvPr id="12" name="Picture 11">
+            <a:extLst>
+              <a:ext uri="{FF2B5EF4-FFF2-40B4-BE49-F238E27FC236}">
+                <a16:creationId xmlns:a16="http://schemas.microsoft.com/office/drawing/2014/main" id="{2897127E-6CEF-446C-BE87-93B7C46E49D1}"/>
+              </a:ext>
+              <a:ext uri="{C183D7F6-B498-43B3-948B-1728B52AA6E4}">
+                <adec:decorative xmlns:adec="http://schemas.microsoft.com/office/drawing/2017/decorative" val="1"/>
+              </a:ext>
+            </a:extLst>
+          </p:cNvPr>
+          <p:cNvPicPr>
+            <a:picLocks noGrp="1" noRot="1" noChangeAspect="1" noMove="1" noResize="1" noEditPoints="1" noAdjustHandles="1" noChangeArrowheads="1" noChangeShapeType="1" noCrop="1"/>
+          </p:cNvPicPr>
+          <p:nvPr>
+            <p:extLst>
+              <p:ext uri="{386F3935-93C4-4BCD-93E2-E3B085C9AB24}">
+                <p16:designElem xmlns:p16="http://schemas.microsoft.com/office/powerpoint/2015/main" val="1"/>
+              </p:ext>
+            </p:extLst>
+          </p:nvPr>
+        </p:nvPicPr>
+        <p:blipFill>
+          <a:blip r:embed="rId3">
+            <a:extLst>
+              <a:ext uri="{28A0092B-C50C-407E-A947-70E740481C1C}">
+                <a14:useLocalDpi xmlns:a14="http://schemas.microsoft.com/office/drawing/2010/main" val="0"/>
+              </a:ext>
+            </a:extLst>
+          </a:blip>
+          <a:stretch>
+            <a:fillRect/>
+          </a:stretch>
+        </p:blipFill>
+        <p:spPr>
+          <a:xfrm>
+            <a:off x="0" y="0"/>
+            <a:ext cx="9144000" cy="6858000"/>
+          </a:xfrm>
+          <a:prstGeom prst="rect">
+            <a:avLst/>
+          </a:prstGeom>
+        </p:spPr>
+      </p:pic>
+      <p:sp>
+        <p:nvSpPr>
+          <p:cNvPr id="2" name="标题 1">
+            <a:extLst>
+              <a:ext uri="{FF2B5EF4-FFF2-40B4-BE49-F238E27FC236}">
+                <a16:creationId xmlns:a16="http://schemas.microsoft.com/office/drawing/2014/main" id="{EC931072-EAAB-4087-A712-5C30F61A34F9}"/>
+              </a:ext>
+            </a:extLst>
+          </p:cNvPr>
+          <p:cNvSpPr>
+            <a:spLocks noGrp="1"/>
+          </p:cNvSpPr>
+          <p:nvPr>
+            <p:ph type="title"/>
+          </p:nvPr>
+        </p:nvSpPr>
+        <p:spPr>
+          <a:xfrm>
+            <a:off x="480059" y="2053641"/>
+            <a:ext cx="2751871" cy="2760098"/>
+          </a:xfrm>
+        </p:spPr>
+        <p:txBody>
+          <a:bodyPr>
+            <a:normAutofit/>
+          </a:bodyPr>
+          <a:lstStyle/>
+          <a:p>
+            <a:r>
+              <a:rPr lang="zh-CN" altLang="en-US">
+                <a:solidFill>
+                  <a:srgbClr val="FFFFFF"/>
+                </a:solidFill>
+              </a:rPr>
+              <a:t>一致性</a:t>
+            </a:r>
           </a:p>
         </p:txBody>
       </p:sp>
       <p:sp>
         <p:nvSpPr>
-          <p:cNvPr id="7" name="文本框 6"/>
-          <p:cNvSpPr txBox="1"/>
-          <p:nvPr/>
+          <p:cNvPr id="3" name="内容占位符 2">
+            <a:extLst>
+              <a:ext uri="{FF2B5EF4-FFF2-40B4-BE49-F238E27FC236}">
+                <a16:creationId xmlns:a16="http://schemas.microsoft.com/office/drawing/2014/main" id="{101EC3C7-F86F-4CE3-98E9-F5AF7A19C5B9}"/>
+              </a:ext>
+            </a:extLst>
+          </p:cNvPr>
+          <p:cNvSpPr>
+            <a:spLocks noGrp="1"/>
+          </p:cNvSpPr>
+          <p:nvPr>
+            <p:ph idx="1"/>
+          </p:nvPr>
         </p:nvSpPr>
         <p:spPr>
           <a:xfrm>
-            <a:off x="13375" y="103909"/>
-            <a:ext cx="1426880" cy="584775"/>
+            <a:off x="4567930" y="801866"/>
+            <a:ext cx="3979563" cy="5230634"/>
           </a:xfrm>
-          <a:prstGeom prst="rect">
-            <a:avLst/>
-          </a:prstGeom>
-          <a:noFill/>
         </p:spPr>
         <p:txBody>
-          <a:bodyPr wrap="square" rtlCol="0">
-            <a:spAutoFit/>
+          <a:bodyPr anchor="ctr">
+            <a:normAutofit/>
           </a:bodyPr>
           <a:lstStyle/>
           <a:p>
-            <a:pPr marL="0" marR="0" lvl="0" indent="0" algn="l" defTabSz="914400" rtl="0" eaLnBrk="1" fontAlgn="auto" latinLnBrk="0" hangingPunct="1">
-              <a:lnSpc>
-                <a:spcPct val="100000"/>
-              </a:lnSpc>
-              <a:spcBef>
-                <a:spcPts val="0"/>
-              </a:spcBef>
-              <a:spcAft>
-                <a:spcPts val="0"/>
-              </a:spcAft>
-              <a:buClrTx/>
-              <a:buSzTx/>
-              <a:buFontTx/>
-              <a:buNone/>
-              <a:tabLst/>
-              <a:defRPr/>
-            </a:pPr>
-            <a:r>
-              <a:rPr kumimoji="0" lang="zh-CN" altLang="en-US" sz="3200" b="0" i="0" u="none" strike="noStrike" kern="1200" cap="none" spc="0" normalizeH="0" baseline="0" noProof="0" dirty="0">
-                <a:ln>
-                  <a:noFill/>
-                </a:ln>
-                <a:solidFill>
-                  <a:prstClr val="white"/>
-                </a:solidFill>
-                <a:effectLst/>
-                <a:uLnTx/>
-                <a:uFillTx/>
-                <a:latin typeface="等线" panose="020F0502020204030204"/>
-                <a:ea typeface="等线" panose="02010600030101010101" pitchFamily="2" charset="-122"/>
-                <a:cs typeface="+mn-cs"/>
-              </a:rPr>
-              <a:t>一致性</a:t>
-            </a:r>
-            <a:endParaRPr kumimoji="0" lang="en-US" altLang="zh-CN" sz="3200" b="0" i="0" u="none" strike="noStrike" kern="1200" cap="none" spc="0" normalizeH="0" baseline="0" noProof="0" dirty="0">
-              <a:ln>
-                <a:noFill/>
-              </a:ln>
+            <a:r>
+              <a:rPr lang="zh-CN" altLang="en-US">
+                <a:solidFill>
+                  <a:srgbClr val="000000"/>
+                </a:solidFill>
+              </a:rPr>
+              <a:t>系统各个模型间的一致性</a:t>
+            </a:r>
+          </a:p>
+          <a:p>
+            <a:r>
+              <a:rPr lang="zh-CN" altLang="en-US">
+                <a:solidFill>
+                  <a:srgbClr val="000000"/>
+                </a:solidFill>
+              </a:rPr>
+              <a:t>各个模型与代码的一致性</a:t>
+            </a:r>
+          </a:p>
+          <a:p>
+            <a:endParaRPr lang="zh-CN" altLang="en-US">
               <a:solidFill>
-                <a:prstClr val="white"/>
+                <a:srgbClr val="000000"/>
               </a:solidFill>
-              <a:effectLst/>
-              <a:uLnTx/>
-              <a:uFillTx/>
-              <a:latin typeface="等线" panose="020F0502020204030204"/>
-              <a:ea typeface="等线" panose="02010600030101010101" pitchFamily="2" charset="-122"/>
-              <a:cs typeface="+mn-cs"/>
             </a:endParaRPr>
-          </a:p>
-        </p:txBody>
-      </p:sp>
-      <p:sp>
-        <p:nvSpPr>
-          <p:cNvPr id="2" name="文本框 1"/>
-          <p:cNvSpPr txBox="1"/>
-          <p:nvPr/>
-        </p:nvSpPr>
-        <p:spPr>
-          <a:xfrm>
-            <a:off x="1868993" y="1798655"/>
-            <a:ext cx="3476730" cy="369332"/>
-          </a:xfrm>
-          <a:prstGeom prst="rect">
-            <a:avLst/>
-          </a:prstGeom>
-          <a:noFill/>
-        </p:spPr>
-        <p:txBody>
-          <a:bodyPr wrap="square" rtlCol="0">
-            <a:spAutoFit/>
-          </a:bodyPr>
-          <a:lstStyle/>
-          <a:p>
-            <a:pPr marL="0" marR="0" lvl="0" indent="0" algn="l" defTabSz="914400" rtl="0" eaLnBrk="1" fontAlgn="auto" latinLnBrk="0" hangingPunct="1">
-              <a:lnSpc>
-                <a:spcPct val="100000"/>
-              </a:lnSpc>
-              <a:spcBef>
-                <a:spcPts val="0"/>
-              </a:spcBef>
-              <a:spcAft>
-                <a:spcPts val="0"/>
-              </a:spcAft>
-              <a:buClrTx/>
-              <a:buSzTx/>
-              <a:buFontTx/>
-              <a:buNone/>
-              <a:tabLst/>
-              <a:defRPr/>
-            </a:pPr>
-            <a:r>
-              <a:rPr kumimoji="0" lang="zh-CN" altLang="en-US" sz="1800" b="0" i="0" u="none" strike="noStrike" kern="1200" cap="none" spc="0" normalizeH="0" baseline="0" noProof="0" dirty="0">
-                <a:ln>
-                  <a:noFill/>
-                </a:ln>
-                <a:solidFill>
-                  <a:prstClr val="white"/>
-                </a:solidFill>
-                <a:effectLst/>
-                <a:uLnTx/>
-                <a:uFillTx/>
-                <a:latin typeface="等线" panose="020F0502020204030204"/>
-                <a:ea typeface="等线" panose="02010600030101010101" pitchFamily="2" charset="-122"/>
-                <a:cs typeface="+mn-cs"/>
-              </a:rPr>
-              <a:t>系统各个模型间的一致性</a:t>
-            </a:r>
-          </a:p>
-        </p:txBody>
-      </p:sp>
-      <p:sp>
-        <p:nvSpPr>
-          <p:cNvPr id="3" name="文本框 2"/>
-          <p:cNvSpPr txBox="1"/>
-          <p:nvPr/>
-        </p:nvSpPr>
-        <p:spPr>
-          <a:xfrm>
-            <a:off x="1868993" y="3059668"/>
-            <a:ext cx="3346102" cy="369332"/>
-          </a:xfrm>
-          <a:prstGeom prst="rect">
-            <a:avLst/>
-          </a:prstGeom>
-          <a:noFill/>
-        </p:spPr>
-        <p:txBody>
-          <a:bodyPr wrap="square" rtlCol="0">
-            <a:spAutoFit/>
-          </a:bodyPr>
-          <a:lstStyle/>
-          <a:p>
-            <a:pPr marL="0" marR="0" lvl="0" indent="0" algn="l" defTabSz="914400" rtl="0" eaLnBrk="1" fontAlgn="auto" latinLnBrk="0" hangingPunct="1">
-              <a:lnSpc>
-                <a:spcPct val="100000"/>
-              </a:lnSpc>
-              <a:spcBef>
-                <a:spcPts val="0"/>
-              </a:spcBef>
-              <a:spcAft>
-                <a:spcPts val="0"/>
-              </a:spcAft>
-              <a:buClrTx/>
-              <a:buSzTx/>
-              <a:buFontTx/>
-              <a:buNone/>
-              <a:tabLst/>
-              <a:defRPr/>
-            </a:pPr>
-            <a:r>
-              <a:rPr kumimoji="0" lang="zh-CN" altLang="en-US" sz="1800" b="0" i="0" u="none" strike="noStrike" kern="1200" cap="none" spc="0" normalizeH="0" baseline="0" noProof="0" dirty="0">
-                <a:ln>
-                  <a:noFill/>
-                </a:ln>
-                <a:solidFill>
-                  <a:prstClr val="white"/>
-                </a:solidFill>
-                <a:effectLst/>
-                <a:uLnTx/>
-                <a:uFillTx/>
-                <a:latin typeface="等线" panose="020F0502020204030204"/>
-                <a:ea typeface="等线" panose="02010600030101010101" pitchFamily="2" charset="-122"/>
-                <a:cs typeface="+mn-cs"/>
-              </a:rPr>
-              <a:t>各个模型与代码的一致性</a:t>
-            </a:r>
           </a:p>
         </p:txBody>
       </p:sp>
     </p:spTree>
     <p:extLst>
       <p:ext uri="{BB962C8B-B14F-4D97-AF65-F5344CB8AC3E}">
-        <p14:creationId xmlns:p14="http://schemas.microsoft.com/office/powerpoint/2010/main" val="2275007560"/>
+        <p14:creationId xmlns:p14="http://schemas.microsoft.com/office/powerpoint/2010/main" val="466991591"/>
       </p:ext>
     </p:extLst>
   </p:cSld>
   <p:clrMapOvr>
-    <a:overrideClrMapping bg1="dk1" tx1="lt1" bg2="dk2" tx2="lt2" accent1="accent1" accent2="accent2" accent3="accent3" accent4="accent4" accent5="accent5" accent6="accent6" hlink="hlink" folHlink="folHlink"/>
+    <a:masterClrMapping/>
   </p:clrMapOvr>
 </p:sld>
 </file>

--- a/TEAM演示.pptx
+++ b/TEAM演示.pptx
@@ -11851,7 +11851,7 @@
                 <a:ea typeface="+mn-ea"/>
                 <a:cs typeface="+mn-cs"/>
               </a:rPr>
-              <a:t>normaContent</a:t>
+              <a:t>normalContent</a:t>
             </a:r>
             <a:endParaRPr lang="zh-CN" altLang="zh-CN" sz="1200" b="1" kern="1200" dirty="0">
               <a:solidFill>
@@ -12588,7 +12588,19 @@
                 <a:ea typeface="+mn-ea"/>
                 <a:cs typeface="+mn-cs"/>
               </a:rPr>
-              <a:t>文本，从</a:t>
+              <a:t>文本，</a:t>
+            </a:r>
+            <a:r>
+              <a:rPr lang="zh-CN" altLang="en-US" sz="1200" kern="1200" dirty="0">
+                <a:solidFill>
+                  <a:schemeClr val="tx1"/>
+                </a:solidFill>
+                <a:effectLst/>
+                <a:latin typeface="+mn-lt"/>
+                <a:ea typeface="+mn-ea"/>
+                <a:cs typeface="+mn-cs"/>
+              </a:rPr>
+              <a:t>以</a:t>
             </a:r>
             <a:r>
               <a:rPr lang="en-US" altLang="zh-CN" sz="1200" kern="1200" dirty="0">
@@ -12600,19 +12612,19 @@
                 <a:ea typeface="+mn-ea"/>
                 <a:cs typeface="+mn-cs"/>
               </a:rPr>
-              <a:t>Feature</a:t>
-            </a:r>
-            <a:r>
-              <a:rPr lang="zh-CN" altLang="zh-CN" sz="1200" kern="1200" dirty="0">
-                <a:solidFill>
-                  <a:schemeClr val="tx1"/>
-                </a:solidFill>
-                <a:effectLst/>
-                <a:latin typeface="+mn-lt"/>
-                <a:ea typeface="+mn-ea"/>
-                <a:cs typeface="+mn-cs"/>
-              </a:rPr>
-              <a:t>关键字处切分文本，划分出每个</a:t>
+              <a:t>GWT</a:t>
+            </a:r>
+            <a:r>
+              <a:rPr lang="zh-CN" altLang="en-US" sz="1200" kern="1200" dirty="0">
+                <a:solidFill>
+                  <a:schemeClr val="tx1"/>
+                </a:solidFill>
+                <a:effectLst/>
+                <a:latin typeface="+mn-lt"/>
+                <a:ea typeface="+mn-ea"/>
+                <a:cs typeface="+mn-cs"/>
+              </a:rPr>
+              <a:t>为单位切分后提取各部分内容并作分句保存到一个个</a:t>
             </a:r>
             <a:r>
               <a:rPr lang="en-US" altLang="zh-CN" sz="1200" kern="1200" dirty="0">
@@ -12627,246 +12639,16 @@
               <a:t>GWT</a:t>
             </a:r>
             <a:r>
-              <a:rPr lang="zh-CN" altLang="zh-CN" sz="1200" kern="1200" dirty="0">
-                <a:solidFill>
-                  <a:schemeClr val="tx1"/>
-                </a:solidFill>
-                <a:effectLst/>
-                <a:latin typeface="+mn-lt"/>
-                <a:ea typeface="+mn-ea"/>
-                <a:cs typeface="+mn-cs"/>
-              </a:rPr>
-              <a:t>的文本， 使用正则表达式提取出</a:t>
-            </a:r>
-            <a:r>
-              <a:rPr lang="en-US" altLang="zh-CN" sz="1200" kern="1200" dirty="0">
-                <a:solidFill>
-                  <a:schemeClr val="tx1"/>
-                </a:solidFill>
-                <a:effectLst/>
-                <a:latin typeface="+mn-lt"/>
-                <a:ea typeface="+mn-ea"/>
-                <a:cs typeface="+mn-cs"/>
-              </a:rPr>
-              <a:t>GWT</a:t>
-            </a:r>
-            <a:r>
-              <a:rPr lang="zh-CN" altLang="zh-CN" sz="1200" kern="1200" dirty="0">
-                <a:solidFill>
-                  <a:schemeClr val="tx1"/>
-                </a:solidFill>
-                <a:effectLst/>
-                <a:latin typeface="+mn-lt"/>
-                <a:ea typeface="+mn-ea"/>
-                <a:cs typeface="+mn-cs"/>
-              </a:rPr>
-              <a:t>每个字段下的文本，将</a:t>
-            </a:r>
-            <a:r>
-              <a:rPr lang="en-US" altLang="zh-CN" sz="1200" kern="1200" dirty="0">
-                <a:solidFill>
-                  <a:schemeClr val="tx1"/>
-                </a:solidFill>
-                <a:effectLst/>
-                <a:latin typeface="+mn-lt"/>
-                <a:ea typeface="+mn-ea"/>
-                <a:cs typeface="+mn-cs"/>
-              </a:rPr>
-              <a:t>Feature</a:t>
-            </a:r>
-            <a:r>
-              <a:rPr lang="zh-CN" altLang="zh-CN" sz="1200" kern="1200" dirty="0">
-                <a:solidFill>
-                  <a:schemeClr val="tx1"/>
-                </a:solidFill>
-                <a:effectLst/>
-                <a:latin typeface="+mn-lt"/>
-                <a:ea typeface="+mn-ea"/>
-                <a:cs typeface="+mn-cs"/>
-              </a:rPr>
-              <a:t>文本记录到</a:t>
-            </a:r>
-            <a:r>
-              <a:rPr lang="en-US" altLang="zh-CN" sz="1200" kern="1200" dirty="0">
-                <a:solidFill>
-                  <a:schemeClr val="tx1"/>
-                </a:solidFill>
-                <a:effectLst/>
-                <a:latin typeface="+mn-lt"/>
-                <a:ea typeface="+mn-ea"/>
-                <a:cs typeface="+mn-cs"/>
-              </a:rPr>
-              <a:t>GWT</a:t>
-            </a:r>
-            <a:r>
-              <a:rPr lang="zh-CN" altLang="zh-CN" sz="1200" kern="1200" dirty="0">
-                <a:solidFill>
-                  <a:schemeClr val="tx1"/>
-                </a:solidFill>
-                <a:effectLst/>
-                <a:latin typeface="+mn-lt"/>
-                <a:ea typeface="+mn-ea"/>
-                <a:cs typeface="+mn-cs"/>
-              </a:rPr>
-              <a:t>对象的</a:t>
-            </a:r>
-            <a:r>
-              <a:rPr lang="en-US" altLang="zh-CN" sz="1200" kern="1200" dirty="0">
-                <a:solidFill>
-                  <a:schemeClr val="tx1"/>
-                </a:solidFill>
-                <a:effectLst/>
-                <a:latin typeface="+mn-lt"/>
-                <a:ea typeface="+mn-ea"/>
-                <a:cs typeface="+mn-cs"/>
-              </a:rPr>
-              <a:t>Feature</a:t>
-            </a:r>
-            <a:r>
-              <a:rPr lang="zh-CN" altLang="zh-CN" sz="1200" kern="1200" dirty="0">
-                <a:solidFill>
-                  <a:schemeClr val="tx1"/>
-                </a:solidFill>
-                <a:effectLst/>
-                <a:latin typeface="+mn-lt"/>
-                <a:ea typeface="+mn-ea"/>
-                <a:cs typeface="+mn-cs"/>
-              </a:rPr>
-              <a:t>属性，对其他字段文本，首先执行分句操作，获取每一句的原始文本，生成对应的</a:t>
-            </a:r>
-            <a:r>
-              <a:rPr lang="en-US" altLang="zh-CN" sz="1200" kern="1200" dirty="0">
-                <a:solidFill>
-                  <a:schemeClr val="tx1"/>
-                </a:solidFill>
-                <a:effectLst/>
-                <a:latin typeface="+mn-lt"/>
-                <a:ea typeface="+mn-ea"/>
-                <a:cs typeface="+mn-cs"/>
-              </a:rPr>
-              <a:t>Sentence</a:t>
-            </a:r>
-            <a:r>
-              <a:rPr lang="zh-CN" altLang="zh-CN" sz="1200" kern="1200" dirty="0">
-                <a:solidFill>
-                  <a:schemeClr val="tx1"/>
-                </a:solidFill>
-                <a:effectLst/>
-                <a:latin typeface="+mn-lt"/>
-                <a:ea typeface="+mn-ea"/>
-                <a:cs typeface="+mn-cs"/>
-              </a:rPr>
-              <a:t>对象，将每个</a:t>
-            </a:r>
-            <a:r>
-              <a:rPr lang="en-US" altLang="zh-CN" sz="1200" kern="1200" dirty="0">
-                <a:solidFill>
-                  <a:schemeClr val="tx1"/>
-                </a:solidFill>
-                <a:effectLst/>
-                <a:latin typeface="+mn-lt"/>
-                <a:ea typeface="+mn-ea"/>
-                <a:cs typeface="+mn-cs"/>
-              </a:rPr>
-              <a:t>Sentence</a:t>
-            </a:r>
-            <a:r>
-              <a:rPr lang="zh-CN" altLang="zh-CN" sz="1200" kern="1200" dirty="0">
-                <a:solidFill>
-                  <a:schemeClr val="tx1"/>
-                </a:solidFill>
-                <a:effectLst/>
-                <a:latin typeface="+mn-lt"/>
-                <a:ea typeface="+mn-ea"/>
-                <a:cs typeface="+mn-cs"/>
-              </a:rPr>
-              <a:t>对象保存到其归属的</a:t>
-            </a:r>
-            <a:r>
-              <a:rPr lang="en-US" altLang="zh-CN" sz="1200" kern="1200" dirty="0">
-                <a:solidFill>
-                  <a:schemeClr val="tx1"/>
-                </a:solidFill>
-                <a:effectLst/>
-                <a:latin typeface="+mn-lt"/>
-                <a:ea typeface="+mn-ea"/>
-                <a:cs typeface="+mn-cs"/>
-              </a:rPr>
-              <a:t>GWT</a:t>
-            </a:r>
-            <a:r>
-              <a:rPr lang="zh-CN" altLang="zh-CN" sz="1200" kern="1200" dirty="0">
-                <a:solidFill>
-                  <a:schemeClr val="tx1"/>
-                </a:solidFill>
-                <a:effectLst/>
-                <a:latin typeface="+mn-lt"/>
-                <a:ea typeface="+mn-ea"/>
-                <a:cs typeface="+mn-cs"/>
-              </a:rPr>
-              <a:t>属性中。</a:t>
-            </a:r>
-          </a:p>
-          <a:p>
-            <a:r>
-              <a:rPr lang="en-US" altLang="zh-CN" sz="1200" kern="1200" dirty="0">
-                <a:solidFill>
-                  <a:schemeClr val="tx1"/>
-                </a:solidFill>
-                <a:effectLst/>
-                <a:latin typeface="+mn-lt"/>
-                <a:ea typeface="+mn-ea"/>
-                <a:cs typeface="+mn-cs"/>
-              </a:rPr>
-              <a:t>2</a:t>
-            </a:r>
-            <a:r>
-              <a:rPr lang="zh-CN" altLang="zh-CN" sz="1200" kern="1200" dirty="0">
-                <a:solidFill>
-                  <a:schemeClr val="tx1"/>
-                </a:solidFill>
-                <a:effectLst/>
-                <a:latin typeface="+mn-lt"/>
-                <a:ea typeface="+mn-ea"/>
-                <a:cs typeface="+mn-cs"/>
-              </a:rPr>
-              <a:t>、从</a:t>
-            </a:r>
-            <a:r>
-              <a:rPr lang="en-US" altLang="zh-CN" sz="1200" kern="1200" dirty="0">
-                <a:solidFill>
-                  <a:schemeClr val="tx1"/>
-                </a:solidFill>
-                <a:effectLst/>
-                <a:latin typeface="+mn-lt"/>
-                <a:ea typeface="+mn-ea"/>
-                <a:cs typeface="+mn-cs"/>
-              </a:rPr>
-              <a:t>GWT</a:t>
-            </a:r>
-            <a:r>
-              <a:rPr lang="zh-CN" altLang="zh-CN" sz="1200" kern="1200" dirty="0">
-                <a:solidFill>
-                  <a:schemeClr val="tx1"/>
-                </a:solidFill>
-                <a:effectLst/>
-                <a:latin typeface="+mn-lt"/>
-                <a:ea typeface="+mn-ea"/>
-                <a:cs typeface="+mn-cs"/>
-              </a:rPr>
-              <a:t>到</a:t>
-            </a:r>
-            <a:r>
-              <a:rPr lang="en-US" altLang="zh-CN" sz="1200" kern="1200" dirty="0" err="1">
-                <a:solidFill>
-                  <a:schemeClr val="tx1"/>
-                </a:solidFill>
-                <a:effectLst/>
-                <a:latin typeface="+mn-lt"/>
-                <a:ea typeface="+mn-ea"/>
-                <a:cs typeface="+mn-cs"/>
-              </a:rPr>
-              <a:t>TaggedGWT</a:t>
+              <a:rPr lang="zh-CN" altLang="en-US" sz="1200" kern="1200" dirty="0">
+                <a:solidFill>
+                  <a:schemeClr val="tx1"/>
+                </a:solidFill>
+                <a:effectLst/>
+                <a:latin typeface="+mn-lt"/>
+                <a:ea typeface="+mn-ea"/>
+                <a:cs typeface="+mn-cs"/>
+              </a:rPr>
+              <a:t>对象中。</a:t>
             </a:r>
             <a:endParaRPr lang="zh-CN" altLang="zh-CN" sz="1200" kern="1200" dirty="0">
               <a:solidFill>
@@ -12889,7 +12671,7 @@
                 <a:ea typeface="+mn-ea"/>
                 <a:cs typeface="+mn-cs"/>
               </a:rPr>
-              <a:t>	</a:t>
+              <a:t>2</a:t>
             </a:r>
             <a:r>
               <a:rPr lang="zh-CN" altLang="zh-CN" sz="1200" kern="1200" dirty="0">
@@ -12901,7 +12683,7 @@
                 <a:ea typeface="+mn-ea"/>
                 <a:cs typeface="+mn-cs"/>
               </a:rPr>
-              <a:t>对一组具有相同</a:t>
+              <a:t>、从</a:t>
             </a:r>
             <a:r>
               <a:rPr lang="en-US" altLang="zh-CN" sz="1200" kern="1200" dirty="0">
@@ -12913,7 +12695,7 @@
                 <a:ea typeface="+mn-ea"/>
                 <a:cs typeface="+mn-cs"/>
               </a:rPr>
-              <a:t>Feature</a:t>
+              <a:t>GWT</a:t>
             </a:r>
             <a:r>
               <a:rPr lang="zh-CN" altLang="zh-CN" sz="1200" kern="1200" dirty="0">
@@ -12925,8 +12707,31 @@
                 <a:ea typeface="+mn-ea"/>
                 <a:cs typeface="+mn-cs"/>
               </a:rPr>
-              <a:t>值的</a:t>
-            </a:r>
+              <a:t>到</a:t>
+            </a:r>
+            <a:r>
+              <a:rPr lang="en-US" altLang="zh-CN" sz="1200" kern="1200" dirty="0" err="1">
+                <a:solidFill>
+                  <a:schemeClr val="tx1"/>
+                </a:solidFill>
+                <a:effectLst/>
+                <a:latin typeface="+mn-lt"/>
+                <a:ea typeface="+mn-ea"/>
+                <a:cs typeface="+mn-cs"/>
+              </a:rPr>
+              <a:t>TaggedGWT</a:t>
+            </a:r>
+            <a:endParaRPr lang="en-US" altLang="zh-CN" sz="1200" kern="1200" dirty="0">
+              <a:solidFill>
+                <a:schemeClr val="tx1"/>
+              </a:solidFill>
+              <a:effectLst/>
+              <a:latin typeface="+mn-lt"/>
+              <a:ea typeface="+mn-ea"/>
+              <a:cs typeface="+mn-cs"/>
+            </a:endParaRPr>
+          </a:p>
+          <a:p>
             <a:r>
               <a:rPr lang="en-US" altLang="zh-CN" sz="1200" kern="1200" dirty="0">
                 <a:solidFill>
@@ -12937,19 +12742,43 @@
                 <a:ea typeface="+mn-ea"/>
                 <a:cs typeface="+mn-cs"/>
               </a:rPr>
+              <a:t>    </a:t>
+            </a:r>
+            <a:r>
+              <a:rPr lang="zh-CN" altLang="en-US" sz="1200" kern="1200" dirty="0">
+                <a:solidFill>
+                  <a:schemeClr val="tx1"/>
+                </a:solidFill>
+                <a:effectLst/>
+                <a:latin typeface="+mn-lt"/>
+                <a:ea typeface="+mn-ea"/>
+                <a:cs typeface="+mn-cs"/>
+              </a:rPr>
+              <a:t>既要做</a:t>
+            </a:r>
+            <a:r>
+              <a:rPr lang="en-US" altLang="zh-CN" sz="1200" kern="1200" dirty="0">
+                <a:solidFill>
+                  <a:schemeClr val="tx1"/>
+                </a:solidFill>
+                <a:effectLst/>
+                <a:latin typeface="+mn-lt"/>
+                <a:ea typeface="+mn-ea"/>
+                <a:cs typeface="+mn-cs"/>
+              </a:rPr>
               <a:t>GWT</a:t>
             </a:r>
             <a:r>
-              <a:rPr lang="zh-CN" altLang="zh-CN" sz="1200" kern="1200" dirty="0">
-                <a:solidFill>
-                  <a:schemeClr val="tx1"/>
-                </a:solidFill>
-                <a:effectLst/>
-                <a:latin typeface="+mn-lt"/>
-                <a:ea typeface="+mn-ea"/>
-                <a:cs typeface="+mn-cs"/>
-              </a:rPr>
-              <a:t>对象，每一个</a:t>
+              <a:rPr lang="zh-CN" altLang="en-US" sz="1200" kern="1200" dirty="0">
+                <a:solidFill>
+                  <a:schemeClr val="tx1"/>
+                </a:solidFill>
+                <a:effectLst/>
+                <a:latin typeface="+mn-lt"/>
+                <a:ea typeface="+mn-ea"/>
+                <a:cs typeface="+mn-cs"/>
+              </a:rPr>
+              <a:t>级的分析获取</a:t>
             </a:r>
             <a:r>
               <a:rPr lang="en-US" altLang="zh-CN" sz="1200" kern="1200" dirty="0">
@@ -12964,16 +12793,293 @@
               <a:t>GWT</a:t>
             </a:r>
             <a:r>
-              <a:rPr lang="zh-CN" altLang="zh-CN" sz="1200" kern="1200" dirty="0">
-                <a:solidFill>
-                  <a:schemeClr val="tx1"/>
-                </a:solidFill>
-                <a:effectLst/>
-                <a:latin typeface="+mn-lt"/>
-                <a:ea typeface="+mn-ea"/>
-                <a:cs typeface="+mn-cs"/>
-              </a:rPr>
-              <a:t>对象创建一个对应的</a:t>
+              <a:rPr lang="zh-CN" altLang="en-US" sz="1200" kern="1200" dirty="0">
+                <a:solidFill>
+                  <a:schemeClr val="tx1"/>
+                </a:solidFill>
+                <a:effectLst/>
+                <a:latin typeface="+mn-lt"/>
+                <a:ea typeface="+mn-ea"/>
+                <a:cs typeface="+mn-cs"/>
+              </a:rPr>
+              <a:t>级标签的内容，又要做句子级的分析获取句子标签的内容。</a:t>
+            </a:r>
+            <a:endParaRPr lang="en-US" altLang="zh-CN" sz="1200" kern="1200" dirty="0">
+              <a:solidFill>
+                <a:schemeClr val="tx1"/>
+              </a:solidFill>
+              <a:effectLst/>
+              <a:latin typeface="+mn-lt"/>
+              <a:ea typeface="+mn-ea"/>
+              <a:cs typeface="+mn-cs"/>
+            </a:endParaRPr>
+          </a:p>
+          <a:p>
+            <a:r>
+              <a:rPr lang="zh-CN" altLang="en-US" sz="1200" kern="1200" dirty="0">
+                <a:solidFill>
+                  <a:schemeClr val="tx1"/>
+                </a:solidFill>
+                <a:effectLst/>
+                <a:latin typeface="+mn-lt"/>
+                <a:ea typeface="+mn-ea"/>
+                <a:cs typeface="+mn-cs"/>
+              </a:rPr>
+              <a:t>    有些标签可以直接提取如</a:t>
+            </a:r>
+            <a:r>
+              <a:rPr lang="en-US" altLang="zh-CN" sz="1200" kern="1200" dirty="0">
+                <a:solidFill>
+                  <a:schemeClr val="tx1"/>
+                </a:solidFill>
+                <a:effectLst/>
+                <a:latin typeface="+mn-lt"/>
+                <a:ea typeface="+mn-ea"/>
+                <a:cs typeface="+mn-cs"/>
+              </a:rPr>
+              <a:t>Use Case Name</a:t>
+            </a:r>
+            <a:r>
+              <a:rPr lang="zh-CN" altLang="en-US" sz="1200" kern="1200" dirty="0">
+                <a:solidFill>
+                  <a:schemeClr val="tx1"/>
+                </a:solidFill>
+                <a:effectLst/>
+                <a:latin typeface="+mn-lt"/>
+                <a:ea typeface="+mn-ea"/>
+                <a:cs typeface="+mn-cs"/>
+              </a:rPr>
+              <a:t>，有些标签可以基于原始的内容直接分析获取如</a:t>
+            </a:r>
+            <a:r>
+              <a:rPr lang="en-US" altLang="zh-CN" sz="1200" kern="1200" dirty="0">
+                <a:solidFill>
+                  <a:schemeClr val="tx1"/>
+                </a:solidFill>
+                <a:effectLst/>
+                <a:latin typeface="+mn-lt"/>
+                <a:ea typeface="+mn-ea"/>
+                <a:cs typeface="+mn-cs"/>
+              </a:rPr>
+              <a:t>Flow Type</a:t>
+            </a:r>
+            <a:r>
+              <a:rPr lang="zh-CN" altLang="en-US" sz="1200" kern="1200" dirty="0">
+                <a:solidFill>
+                  <a:schemeClr val="tx1"/>
+                </a:solidFill>
+                <a:effectLst/>
+                <a:latin typeface="+mn-lt"/>
+                <a:ea typeface="+mn-ea"/>
+                <a:cs typeface="+mn-cs"/>
+              </a:rPr>
+              <a:t>判定为</a:t>
+            </a:r>
+            <a:r>
+              <a:rPr lang="en-US" altLang="zh-CN" sz="1200" kern="1200" dirty="0">
+                <a:solidFill>
+                  <a:schemeClr val="tx1"/>
+                </a:solidFill>
+                <a:effectLst/>
+                <a:latin typeface="+mn-lt"/>
+                <a:ea typeface="+mn-ea"/>
+                <a:cs typeface="+mn-cs"/>
+              </a:rPr>
+              <a:t>basic</a:t>
+            </a:r>
+            <a:r>
+              <a:rPr lang="zh-CN" altLang="en-US" sz="1200" kern="1200" dirty="0">
+                <a:solidFill>
+                  <a:schemeClr val="tx1"/>
+                </a:solidFill>
+                <a:effectLst/>
+                <a:latin typeface="+mn-lt"/>
+                <a:ea typeface="+mn-ea"/>
+                <a:cs typeface="+mn-cs"/>
+              </a:rPr>
+              <a:t>或</a:t>
+            </a:r>
+            <a:r>
+              <a:rPr lang="en-US" altLang="zh-CN" sz="1200" kern="1200" dirty="0">
+                <a:solidFill>
+                  <a:schemeClr val="tx1"/>
+                </a:solidFill>
+                <a:effectLst/>
+                <a:latin typeface="+mn-lt"/>
+                <a:ea typeface="+mn-ea"/>
+                <a:cs typeface="+mn-cs"/>
+              </a:rPr>
+              <a:t>bounded</a:t>
+            </a:r>
+            <a:r>
+              <a:rPr lang="zh-CN" altLang="en-US" sz="1200" kern="1200" dirty="0">
+                <a:solidFill>
+                  <a:schemeClr val="tx1"/>
+                </a:solidFill>
+                <a:effectLst/>
+                <a:latin typeface="+mn-lt"/>
+                <a:ea typeface="+mn-ea"/>
+                <a:cs typeface="+mn-cs"/>
+              </a:rPr>
+              <a:t>通过</a:t>
+            </a:r>
+            <a:r>
+              <a:rPr lang="en-US" altLang="zh-CN" sz="1200" kern="1200" dirty="0">
+                <a:solidFill>
+                  <a:schemeClr val="tx1"/>
+                </a:solidFill>
+                <a:effectLst/>
+                <a:latin typeface="+mn-lt"/>
+                <a:ea typeface="+mn-ea"/>
+                <a:cs typeface="+mn-cs"/>
+              </a:rPr>
+              <a:t>given</a:t>
+            </a:r>
+            <a:r>
+              <a:rPr lang="zh-CN" altLang="en-US" sz="1200" kern="1200" dirty="0">
+                <a:solidFill>
+                  <a:schemeClr val="tx1"/>
+                </a:solidFill>
+                <a:effectLst/>
+                <a:latin typeface="+mn-lt"/>
+                <a:ea typeface="+mn-ea"/>
+                <a:cs typeface="+mn-cs"/>
+              </a:rPr>
+              <a:t>中句子的数量决定，句子级别的</a:t>
+            </a:r>
+            <a:r>
+              <a:rPr lang="en-US" altLang="zh-CN" sz="1200" kern="1200" dirty="0">
+                <a:solidFill>
+                  <a:schemeClr val="tx1"/>
+                </a:solidFill>
+                <a:effectLst/>
+                <a:latin typeface="+mn-lt"/>
+                <a:ea typeface="+mn-ea"/>
+                <a:cs typeface="+mn-cs"/>
+              </a:rPr>
+              <a:t>wordlist</a:t>
+            </a:r>
+            <a:r>
+              <a:rPr lang="zh-CN" altLang="en-US" sz="1200" kern="1200" dirty="0">
+                <a:solidFill>
+                  <a:schemeClr val="tx1"/>
+                </a:solidFill>
+                <a:effectLst/>
+                <a:latin typeface="+mn-lt"/>
+                <a:ea typeface="+mn-ea"/>
+                <a:cs typeface="+mn-cs"/>
+              </a:rPr>
+              <a:t>，</a:t>
+            </a:r>
+            <a:r>
+              <a:rPr lang="en-US" altLang="zh-CN" sz="1200" kern="1200" dirty="0">
+                <a:solidFill>
+                  <a:schemeClr val="tx1"/>
+                </a:solidFill>
+                <a:effectLst/>
+                <a:latin typeface="+mn-lt"/>
+                <a:ea typeface="+mn-ea"/>
+                <a:cs typeface="+mn-cs"/>
+              </a:rPr>
+              <a:t>actor</a:t>
+            </a:r>
+            <a:r>
+              <a:rPr lang="zh-CN" altLang="en-US" sz="1200" kern="1200" dirty="0">
+                <a:solidFill>
+                  <a:schemeClr val="tx1"/>
+                </a:solidFill>
+                <a:effectLst/>
+                <a:latin typeface="+mn-lt"/>
+                <a:ea typeface="+mn-ea"/>
+                <a:cs typeface="+mn-cs"/>
+              </a:rPr>
+              <a:t>和</a:t>
+            </a:r>
+            <a:r>
+              <a:rPr lang="en-US" altLang="zh-CN" sz="1200" kern="1200" dirty="0">
+                <a:solidFill>
+                  <a:schemeClr val="tx1"/>
+                </a:solidFill>
+                <a:effectLst/>
+                <a:latin typeface="+mn-lt"/>
+                <a:ea typeface="+mn-ea"/>
+                <a:cs typeface="+mn-cs"/>
+              </a:rPr>
+              <a:t>action</a:t>
+            </a:r>
+          </a:p>
+          <a:p>
+            <a:r>
+              <a:rPr lang="en-US" altLang="zh-CN" sz="1200" kern="1200" dirty="0">
+                <a:solidFill>
+                  <a:schemeClr val="tx1"/>
+                </a:solidFill>
+                <a:effectLst/>
+                <a:latin typeface="+mn-lt"/>
+                <a:ea typeface="+mn-ea"/>
+                <a:cs typeface="+mn-cs"/>
+              </a:rPr>
+              <a:t>    </a:t>
+            </a:r>
+            <a:r>
+              <a:rPr lang="zh-CN" altLang="en-US" sz="1200" kern="1200" dirty="0">
+                <a:solidFill>
+                  <a:schemeClr val="tx1"/>
+                </a:solidFill>
+                <a:effectLst/>
+                <a:latin typeface="+mn-lt"/>
+                <a:ea typeface="+mn-ea"/>
+                <a:cs typeface="+mn-cs"/>
+              </a:rPr>
+              <a:t>有些标签要在其他标签的基础上结合原始内容获取，如</a:t>
+            </a:r>
+            <a:r>
+              <a:rPr lang="en-US" altLang="zh-CN" sz="1200" kern="1200" dirty="0">
+                <a:solidFill>
+                  <a:schemeClr val="tx1"/>
+                </a:solidFill>
+                <a:effectLst/>
+                <a:latin typeface="+mn-lt"/>
+                <a:ea typeface="+mn-ea"/>
+                <a:cs typeface="+mn-cs"/>
+              </a:rPr>
+              <a:t>GWT</a:t>
+            </a:r>
+            <a:r>
+              <a:rPr lang="zh-CN" altLang="en-US" sz="1200" kern="1200" dirty="0">
+                <a:solidFill>
+                  <a:schemeClr val="tx1"/>
+                </a:solidFill>
+                <a:effectLst/>
+                <a:latin typeface="+mn-lt"/>
+                <a:ea typeface="+mn-ea"/>
+                <a:cs typeface="+mn-cs"/>
+              </a:rPr>
+              <a:t>级别判断</a:t>
+            </a:r>
+            <a:r>
+              <a:rPr lang="en-US" altLang="zh-CN" sz="1200" kern="1200" dirty="0">
+                <a:solidFill>
+                  <a:schemeClr val="tx1"/>
+                </a:solidFill>
+                <a:effectLst/>
+                <a:latin typeface="+mn-lt"/>
+                <a:ea typeface="+mn-ea"/>
+                <a:cs typeface="+mn-cs"/>
+              </a:rPr>
+              <a:t>Flow Type</a:t>
+            </a:r>
+            <a:r>
+              <a:rPr lang="zh-CN" altLang="en-US" sz="1200" kern="1200" dirty="0">
+                <a:solidFill>
+                  <a:schemeClr val="tx1"/>
+                </a:solidFill>
+                <a:effectLst/>
+                <a:latin typeface="+mn-lt"/>
+                <a:ea typeface="+mn-ea"/>
+                <a:cs typeface="+mn-cs"/>
+              </a:rPr>
+              <a:t>为</a:t>
             </a:r>
             <a:r>
               <a:rPr lang="en-US" altLang="zh-CN" sz="1200" kern="1200" dirty="0" err="1">
@@ -12985,19 +13091,19 @@
                 <a:ea typeface="+mn-ea"/>
                 <a:cs typeface="+mn-cs"/>
               </a:rPr>
-              <a:t>TaggedGWT</a:t>
-            </a:r>
-            <a:r>
-              <a:rPr lang="zh-CN" altLang="zh-CN" sz="1200" kern="1200" dirty="0">
-                <a:solidFill>
-                  <a:schemeClr val="tx1"/>
-                </a:solidFill>
-                <a:effectLst/>
-                <a:latin typeface="+mn-lt"/>
-                <a:ea typeface="+mn-ea"/>
-                <a:cs typeface="+mn-cs"/>
-              </a:rPr>
-              <a:t>对象，将</a:t>
+              <a:t>specfic</a:t>
+            </a:r>
+            <a:r>
+              <a:rPr lang="zh-CN" altLang="en-US" sz="1200" kern="1200" dirty="0">
+                <a:solidFill>
+                  <a:schemeClr val="tx1"/>
+                </a:solidFill>
+                <a:effectLst/>
+                <a:latin typeface="+mn-lt"/>
+                <a:ea typeface="+mn-ea"/>
+                <a:cs typeface="+mn-cs"/>
+              </a:rPr>
+              <a:t>或</a:t>
             </a:r>
             <a:r>
               <a:rPr lang="en-US" altLang="zh-CN" sz="1200" kern="1200" dirty="0">
@@ -13009,81 +13115,19 @@
                 <a:ea typeface="+mn-ea"/>
                 <a:cs typeface="+mn-cs"/>
               </a:rPr>
-              <a:t>GWT</a:t>
-            </a:r>
-            <a:r>
-              <a:rPr lang="zh-CN" altLang="zh-CN" sz="1200" kern="1200" dirty="0">
-                <a:solidFill>
-                  <a:schemeClr val="tx1"/>
-                </a:solidFill>
-                <a:effectLst/>
-                <a:latin typeface="+mn-lt"/>
-                <a:ea typeface="+mn-ea"/>
-                <a:cs typeface="+mn-cs"/>
-              </a:rPr>
-              <a:t>对象的属性值复制到</a:t>
-            </a:r>
-            <a:r>
-              <a:rPr lang="en-US" altLang="zh-CN" sz="1200" kern="1200" dirty="0" err="1">
-                <a:solidFill>
-                  <a:schemeClr val="tx1"/>
-                </a:solidFill>
-                <a:effectLst/>
-                <a:latin typeface="+mn-lt"/>
-                <a:ea typeface="+mn-ea"/>
-                <a:cs typeface="+mn-cs"/>
-              </a:rPr>
-              <a:t>TaggedGWT</a:t>
-            </a:r>
-            <a:r>
-              <a:rPr lang="zh-CN" altLang="zh-CN" sz="1200" kern="1200" dirty="0">
-                <a:solidFill>
-                  <a:schemeClr val="tx1"/>
-                </a:solidFill>
-                <a:effectLst/>
-                <a:latin typeface="+mn-lt"/>
-                <a:ea typeface="+mn-ea"/>
-                <a:cs typeface="+mn-cs"/>
-              </a:rPr>
-              <a:t>的对应属性中。</a:t>
-            </a:r>
-          </a:p>
-          <a:p>
-            <a:r>
-              <a:rPr lang="zh-CN" altLang="zh-CN" sz="1200" kern="1200" dirty="0">
-                <a:solidFill>
-                  <a:schemeClr val="tx1"/>
-                </a:solidFill>
-                <a:effectLst/>
-                <a:latin typeface="+mn-lt"/>
-                <a:ea typeface="+mn-ea"/>
-                <a:cs typeface="+mn-cs"/>
-              </a:rPr>
-              <a:t>对每一个</a:t>
-            </a:r>
-            <a:r>
-              <a:rPr lang="en-US" altLang="zh-CN" sz="1200" kern="1200" dirty="0" err="1">
-                <a:solidFill>
-                  <a:schemeClr val="tx1"/>
-                </a:solidFill>
-                <a:effectLst/>
-                <a:latin typeface="+mn-lt"/>
-                <a:ea typeface="+mn-ea"/>
-                <a:cs typeface="+mn-cs"/>
-              </a:rPr>
-              <a:t>TaggedGWT</a:t>
-            </a:r>
-            <a:r>
-              <a:rPr lang="zh-CN" altLang="zh-CN" sz="1200" kern="1200" dirty="0">
-                <a:solidFill>
-                  <a:schemeClr val="tx1"/>
-                </a:solidFill>
-                <a:effectLst/>
-                <a:latin typeface="+mn-lt"/>
-                <a:ea typeface="+mn-ea"/>
-                <a:cs typeface="+mn-cs"/>
-              </a:rPr>
-              <a:t>对象，首先标记基础标签，包括</a:t>
+              <a:t>global</a:t>
+            </a:r>
+            <a:r>
+              <a:rPr lang="zh-CN" altLang="en-US" sz="1200" kern="1200" dirty="0">
+                <a:solidFill>
+                  <a:schemeClr val="tx1"/>
+                </a:solidFill>
+                <a:effectLst/>
+                <a:latin typeface="+mn-lt"/>
+                <a:ea typeface="+mn-ea"/>
+                <a:cs typeface="+mn-cs"/>
+              </a:rPr>
+              <a:t>需要先通过句子相似度比较找出与</a:t>
             </a:r>
             <a:r>
               <a:rPr lang="en-US" altLang="zh-CN" sz="1200" kern="1200" dirty="0">
@@ -13095,34 +13139,178 @@
                 <a:ea typeface="+mn-ea"/>
                 <a:cs typeface="+mn-cs"/>
               </a:rPr>
-              <a:t>GWT</a:t>
-            </a:r>
-            <a:r>
-              <a:rPr lang="zh-CN" altLang="zh-CN" sz="1200" kern="1200" dirty="0">
-                <a:solidFill>
-                  <a:schemeClr val="tx1"/>
-                </a:solidFill>
-                <a:effectLst/>
-                <a:latin typeface="+mn-lt"/>
-                <a:ea typeface="+mn-ea"/>
-                <a:cs typeface="+mn-cs"/>
-              </a:rPr>
-              <a:t>级的</a:t>
-            </a:r>
-            <a:r>
-              <a:rPr lang="en-US" altLang="zh-CN" sz="1200" kern="1200" dirty="0" err="1">
-                <a:solidFill>
-                  <a:schemeClr val="tx1"/>
-                </a:solidFill>
-                <a:effectLst/>
-                <a:latin typeface="+mn-lt"/>
-                <a:ea typeface="+mn-ea"/>
-                <a:cs typeface="+mn-cs"/>
-              </a:rPr>
-              <a:t>UseCaseName</a:t>
-            </a:r>
-            <a:r>
-              <a:rPr lang="zh-CN" altLang="zh-CN" sz="1200" kern="1200" dirty="0">
+              <a:t>basic</a:t>
+            </a:r>
+            <a:r>
+              <a:rPr lang="zh-CN" altLang="en-US" sz="1200" kern="1200" dirty="0">
+                <a:solidFill>
+                  <a:schemeClr val="tx1"/>
+                </a:solidFill>
+                <a:effectLst/>
+                <a:latin typeface="+mn-lt"/>
+                <a:ea typeface="+mn-ea"/>
+                <a:cs typeface="+mn-cs"/>
+              </a:rPr>
+              <a:t>不相似的</a:t>
+            </a:r>
+            <a:r>
+              <a:rPr lang="en-US" altLang="zh-CN" sz="1200" kern="1200" dirty="0">
+                <a:solidFill>
+                  <a:schemeClr val="tx1"/>
+                </a:solidFill>
+                <a:effectLst/>
+                <a:latin typeface="+mn-lt"/>
+                <a:ea typeface="+mn-ea"/>
+                <a:cs typeface="+mn-cs"/>
+              </a:rPr>
+              <a:t>given</a:t>
+            </a:r>
+            <a:r>
+              <a:rPr lang="zh-CN" altLang="en-US" sz="1200" kern="1200" dirty="0">
+                <a:solidFill>
+                  <a:schemeClr val="tx1"/>
+                </a:solidFill>
+                <a:effectLst/>
+                <a:latin typeface="+mn-lt"/>
+                <a:ea typeface="+mn-ea"/>
+                <a:cs typeface="+mn-cs"/>
+              </a:rPr>
+              <a:t>句子，再将句子与标记为</a:t>
+            </a:r>
+            <a:r>
+              <a:rPr lang="en-US" altLang="zh-CN" sz="1200" kern="1200" dirty="0">
+                <a:solidFill>
+                  <a:schemeClr val="tx1"/>
+                </a:solidFill>
+                <a:effectLst/>
+                <a:latin typeface="+mn-lt"/>
+                <a:ea typeface="+mn-ea"/>
+                <a:cs typeface="+mn-cs"/>
+              </a:rPr>
+              <a:t>basic</a:t>
+            </a:r>
+            <a:r>
+              <a:rPr lang="zh-CN" altLang="en-US" sz="1200" kern="1200" dirty="0">
+                <a:solidFill>
+                  <a:schemeClr val="tx1"/>
+                </a:solidFill>
+                <a:effectLst/>
+                <a:latin typeface="+mn-lt"/>
+                <a:ea typeface="+mn-ea"/>
+                <a:cs typeface="+mn-cs"/>
+              </a:rPr>
+              <a:t>的</a:t>
+            </a:r>
+            <a:r>
+              <a:rPr lang="en-US" altLang="zh-CN" sz="1200" kern="1200" dirty="0">
+                <a:solidFill>
+                  <a:schemeClr val="tx1"/>
+                </a:solidFill>
+                <a:effectLst/>
+                <a:latin typeface="+mn-lt"/>
+                <a:ea typeface="+mn-ea"/>
+                <a:cs typeface="+mn-cs"/>
+              </a:rPr>
+              <a:t>when</a:t>
+            </a:r>
+            <a:r>
+              <a:rPr lang="zh-CN" altLang="en-US" sz="1200" kern="1200" dirty="0">
+                <a:solidFill>
+                  <a:schemeClr val="tx1"/>
+                </a:solidFill>
+                <a:effectLst/>
+                <a:latin typeface="+mn-lt"/>
+                <a:ea typeface="+mn-ea"/>
+                <a:cs typeface="+mn-cs"/>
+              </a:rPr>
+              <a:t>中的句子做相似度比较，若有相似的句子则为</a:t>
+            </a:r>
+            <a:r>
+              <a:rPr lang="en-US" altLang="zh-CN" sz="1200" kern="1200" dirty="0">
+                <a:solidFill>
+                  <a:schemeClr val="tx1"/>
+                </a:solidFill>
+                <a:effectLst/>
+                <a:latin typeface="+mn-lt"/>
+                <a:ea typeface="+mn-ea"/>
+                <a:cs typeface="+mn-cs"/>
+              </a:rPr>
+              <a:t>specific</a:t>
+            </a:r>
+            <a:r>
+              <a:rPr lang="zh-CN" altLang="en-US" sz="1200" kern="1200" dirty="0">
+                <a:solidFill>
+                  <a:schemeClr val="tx1"/>
+                </a:solidFill>
+                <a:effectLst/>
+                <a:latin typeface="+mn-lt"/>
+                <a:ea typeface="+mn-ea"/>
+                <a:cs typeface="+mn-cs"/>
+              </a:rPr>
+              <a:t>否则为</a:t>
+            </a:r>
+            <a:r>
+              <a:rPr lang="en-US" altLang="zh-CN" sz="1200" kern="1200" dirty="0">
+                <a:solidFill>
+                  <a:schemeClr val="tx1"/>
+                </a:solidFill>
+                <a:effectLst/>
+                <a:latin typeface="+mn-lt"/>
+                <a:ea typeface="+mn-ea"/>
+                <a:cs typeface="+mn-cs"/>
+              </a:rPr>
+              <a:t>global</a:t>
+            </a:r>
+            <a:r>
+              <a:rPr lang="zh-CN" altLang="en-US" sz="1200" kern="1200" dirty="0">
+                <a:solidFill>
+                  <a:schemeClr val="tx1"/>
+                </a:solidFill>
+                <a:effectLst/>
+                <a:latin typeface="+mn-lt"/>
+                <a:ea typeface="+mn-ea"/>
+                <a:cs typeface="+mn-cs"/>
+              </a:rPr>
+              <a:t>；在句子级别的</a:t>
+            </a:r>
+            <a:r>
+              <a:rPr lang="en-US" altLang="zh-CN" sz="1200" kern="1200" dirty="0">
+                <a:solidFill>
+                  <a:schemeClr val="tx1"/>
+                </a:solidFill>
+                <a:effectLst/>
+                <a:latin typeface="+mn-lt"/>
+                <a:ea typeface="+mn-ea"/>
+                <a:cs typeface="+mn-cs"/>
+              </a:rPr>
+              <a:t>associated</a:t>
+            </a:r>
+            <a:r>
+              <a:rPr lang="zh-CN" altLang="en-US" sz="1200" kern="1200" dirty="0">
+                <a:solidFill>
+                  <a:schemeClr val="tx1"/>
+                </a:solidFill>
+                <a:effectLst/>
+                <a:latin typeface="+mn-lt"/>
+                <a:ea typeface="+mn-ea"/>
+                <a:cs typeface="+mn-cs"/>
+              </a:rPr>
+              <a:t>同理，适用于判断</a:t>
+            </a:r>
+            <a:r>
+              <a:rPr lang="en-US" altLang="zh-CN" sz="1200" kern="1200" dirty="0">
+                <a:solidFill>
+                  <a:schemeClr val="tx1"/>
+                </a:solidFill>
+                <a:effectLst/>
+                <a:latin typeface="+mn-lt"/>
+                <a:ea typeface="+mn-ea"/>
+                <a:cs typeface="+mn-cs"/>
+              </a:rPr>
+              <a:t>specific</a:t>
+            </a:r>
+            <a:r>
+              <a:rPr lang="zh-CN" altLang="en-US" sz="1200" kern="1200" dirty="0">
                 <a:solidFill>
                   <a:schemeClr val="tx1"/>
                 </a:solidFill>
@@ -13134,30 +13322,6 @@
               <a:t>和</a:t>
             </a:r>
             <a:r>
-              <a:rPr lang="en-US" altLang="zh-CN" sz="1200" kern="1200" dirty="0" err="1">
-                <a:solidFill>
-                  <a:schemeClr val="tx1"/>
-                </a:solidFill>
-                <a:effectLst/>
-                <a:latin typeface="+mn-lt"/>
-                <a:ea typeface="+mn-ea"/>
-                <a:cs typeface="+mn-cs"/>
-              </a:rPr>
-              <a:t>FlowType</a:t>
-            </a:r>
-            <a:r>
-              <a:rPr lang="zh-CN" altLang="zh-CN" sz="1200" kern="1200" dirty="0">
-                <a:solidFill>
-                  <a:schemeClr val="tx1"/>
-                </a:solidFill>
-                <a:effectLst/>
-                <a:latin typeface="+mn-lt"/>
-                <a:ea typeface="+mn-ea"/>
-                <a:cs typeface="+mn-cs"/>
-              </a:rPr>
-              <a:t>的</a:t>
-            </a:r>
-            <a:r>
               <a:rPr lang="en-US" altLang="zh-CN" sz="1200" kern="1200" dirty="0">
                 <a:solidFill>
                   <a:schemeClr val="tx1"/>
@@ -13167,1334 +13331,31 @@
                 <a:ea typeface="+mn-ea"/>
                 <a:cs typeface="+mn-cs"/>
               </a:rPr>
-              <a:t>basic</a:t>
-            </a:r>
-            <a:r>
-              <a:rPr lang="zh-CN" altLang="zh-CN" sz="1200" kern="1200" dirty="0">
-                <a:solidFill>
-                  <a:schemeClr val="tx1"/>
-                </a:solidFill>
-                <a:effectLst/>
-                <a:latin typeface="+mn-lt"/>
-                <a:ea typeface="+mn-ea"/>
-                <a:cs typeface="+mn-cs"/>
-              </a:rPr>
-              <a:t>或</a:t>
-            </a:r>
-            <a:r>
-              <a:rPr lang="en-US" altLang="zh-CN" sz="1200" kern="1200" dirty="0">
-                <a:solidFill>
-                  <a:schemeClr val="tx1"/>
-                </a:solidFill>
-                <a:effectLst/>
-                <a:latin typeface="+mn-lt"/>
-                <a:ea typeface="+mn-ea"/>
-                <a:cs typeface="+mn-cs"/>
-              </a:rPr>
               <a:t>bounded</a:t>
             </a:r>
             <a:r>
-              <a:rPr lang="zh-CN" altLang="zh-CN" sz="1200" kern="1200" dirty="0">
-                <a:solidFill>
-                  <a:schemeClr val="tx1"/>
-                </a:solidFill>
-                <a:effectLst/>
-                <a:latin typeface="+mn-lt"/>
-                <a:ea typeface="+mn-ea"/>
-                <a:cs typeface="+mn-cs"/>
-              </a:rPr>
-              <a:t>标签，句子级的</a:t>
-            </a:r>
-            <a:r>
-              <a:rPr lang="en-US" altLang="zh-CN" sz="1200" kern="1200" dirty="0">
-                <a:solidFill>
-                  <a:schemeClr val="tx1"/>
-                </a:solidFill>
-                <a:effectLst/>
-                <a:latin typeface="+mn-lt"/>
-                <a:ea typeface="+mn-ea"/>
-                <a:cs typeface="+mn-cs"/>
-              </a:rPr>
-              <a:t>wordlist</a:t>
-            </a:r>
-            <a:r>
-              <a:rPr lang="zh-CN" altLang="zh-CN" sz="1200" kern="1200" dirty="0">
-                <a:solidFill>
-                  <a:schemeClr val="tx1"/>
-                </a:solidFill>
-                <a:effectLst/>
-                <a:latin typeface="+mn-lt"/>
-                <a:ea typeface="+mn-ea"/>
-                <a:cs typeface="+mn-cs"/>
-              </a:rPr>
-              <a:t>、</a:t>
-            </a:r>
-            <a:r>
-              <a:rPr lang="en-US" altLang="zh-CN" sz="1200" kern="1200" dirty="0">
-                <a:solidFill>
-                  <a:schemeClr val="tx1"/>
-                </a:solidFill>
-                <a:effectLst/>
-                <a:latin typeface="+mn-lt"/>
-                <a:ea typeface="+mn-ea"/>
-                <a:cs typeface="+mn-cs"/>
-              </a:rPr>
-              <a:t>actor</a:t>
-            </a:r>
-            <a:r>
-              <a:rPr lang="zh-CN" altLang="zh-CN" sz="1200" kern="1200" dirty="0">
-                <a:solidFill>
-                  <a:schemeClr val="tx1"/>
-                </a:solidFill>
-                <a:effectLst/>
-                <a:latin typeface="+mn-lt"/>
-                <a:ea typeface="+mn-ea"/>
-                <a:cs typeface="+mn-cs"/>
-              </a:rPr>
-              <a:t>和</a:t>
-            </a:r>
-            <a:r>
-              <a:rPr lang="en-US" altLang="zh-CN" sz="1200" kern="1200" dirty="0">
-                <a:solidFill>
-                  <a:schemeClr val="tx1"/>
-                </a:solidFill>
-                <a:effectLst/>
-                <a:latin typeface="+mn-lt"/>
-                <a:ea typeface="+mn-ea"/>
-                <a:cs typeface="+mn-cs"/>
-              </a:rPr>
-              <a:t>action</a:t>
-            </a:r>
-            <a:r>
-              <a:rPr lang="zh-CN" altLang="zh-CN" sz="1200" kern="1200" dirty="0">
-                <a:solidFill>
-                  <a:schemeClr val="tx1"/>
-                </a:solidFill>
-                <a:effectLst/>
-                <a:latin typeface="+mn-lt"/>
-                <a:ea typeface="+mn-ea"/>
-                <a:cs typeface="+mn-cs"/>
-              </a:rPr>
-              <a:t>标签。分析所有</a:t>
-            </a:r>
-            <a:r>
-              <a:rPr lang="en-US" altLang="zh-CN" sz="1200" kern="1200" dirty="0" err="1">
-                <a:solidFill>
-                  <a:schemeClr val="tx1"/>
-                </a:solidFill>
-                <a:effectLst/>
-                <a:latin typeface="+mn-lt"/>
-                <a:ea typeface="+mn-ea"/>
-                <a:cs typeface="+mn-cs"/>
-              </a:rPr>
-              <a:t>TaggedGWT</a:t>
-            </a:r>
-            <a:r>
-              <a:rPr lang="zh-CN" altLang="zh-CN" sz="1200" kern="1200" dirty="0">
-                <a:solidFill>
-                  <a:schemeClr val="tx1"/>
-                </a:solidFill>
-                <a:effectLst/>
-                <a:latin typeface="+mn-lt"/>
-                <a:ea typeface="+mn-ea"/>
-                <a:cs typeface="+mn-cs"/>
-              </a:rPr>
-              <a:t>的</a:t>
-            </a:r>
-            <a:r>
-              <a:rPr lang="en-US" altLang="zh-CN" sz="1200" kern="1200" dirty="0">
-                <a:solidFill>
-                  <a:schemeClr val="tx1"/>
-                </a:solidFill>
-                <a:effectLst/>
-                <a:latin typeface="+mn-lt"/>
-                <a:ea typeface="+mn-ea"/>
-                <a:cs typeface="+mn-cs"/>
-              </a:rPr>
-              <a:t>Given</a:t>
-            </a:r>
-            <a:r>
-              <a:rPr lang="zh-CN" altLang="zh-CN" sz="1200" kern="1200" dirty="0">
-                <a:solidFill>
-                  <a:schemeClr val="tx1"/>
-                </a:solidFill>
-                <a:effectLst/>
-                <a:latin typeface="+mn-lt"/>
-                <a:ea typeface="+mn-ea"/>
-                <a:cs typeface="+mn-cs"/>
-              </a:rPr>
-              <a:t>属性中句子的数量，将其中句子最少的</a:t>
-            </a:r>
-            <a:r>
-              <a:rPr lang="en-US" altLang="zh-CN" sz="1200" kern="1200" dirty="0" err="1">
-                <a:solidFill>
-                  <a:schemeClr val="tx1"/>
-                </a:solidFill>
-                <a:effectLst/>
-                <a:latin typeface="+mn-lt"/>
-                <a:ea typeface="+mn-ea"/>
-                <a:cs typeface="+mn-cs"/>
-              </a:rPr>
-              <a:t>TaggedGWT</a:t>
-            </a:r>
-            <a:r>
-              <a:rPr lang="zh-CN" altLang="zh-CN" sz="1200" kern="1200" dirty="0">
-                <a:solidFill>
-                  <a:schemeClr val="tx1"/>
-                </a:solidFill>
-                <a:effectLst/>
-                <a:latin typeface="+mn-lt"/>
-                <a:ea typeface="+mn-ea"/>
-                <a:cs typeface="+mn-cs"/>
-              </a:rPr>
-              <a:t>的</a:t>
-            </a:r>
-            <a:r>
-              <a:rPr lang="en-US" altLang="zh-CN" sz="1200" kern="1200" dirty="0" err="1">
-                <a:solidFill>
-                  <a:schemeClr val="tx1"/>
-                </a:solidFill>
-                <a:effectLst/>
-                <a:latin typeface="+mn-lt"/>
-                <a:ea typeface="+mn-ea"/>
-                <a:cs typeface="+mn-cs"/>
-              </a:rPr>
-              <a:t>FlowType</a:t>
-            </a:r>
-            <a:r>
-              <a:rPr lang="zh-CN" altLang="zh-CN" sz="1200" kern="1200" dirty="0">
-                <a:solidFill>
-                  <a:schemeClr val="tx1"/>
-                </a:solidFill>
-                <a:effectLst/>
-                <a:latin typeface="+mn-lt"/>
-                <a:ea typeface="+mn-ea"/>
-                <a:cs typeface="+mn-cs"/>
-              </a:rPr>
-              <a:t>标记为</a:t>
-            </a:r>
-            <a:r>
-              <a:rPr lang="en-US" altLang="zh-CN" sz="1200" kern="1200" dirty="0">
-                <a:solidFill>
-                  <a:schemeClr val="tx1"/>
-                </a:solidFill>
-                <a:effectLst/>
-                <a:latin typeface="+mn-lt"/>
-                <a:ea typeface="+mn-ea"/>
-                <a:cs typeface="+mn-cs"/>
-              </a:rPr>
-              <a:t>basic</a:t>
-            </a:r>
-            <a:r>
-              <a:rPr lang="zh-CN" altLang="zh-CN" sz="1200" kern="1200" dirty="0">
-                <a:solidFill>
-                  <a:schemeClr val="tx1"/>
-                </a:solidFill>
-                <a:effectLst/>
-                <a:latin typeface="+mn-lt"/>
-                <a:ea typeface="+mn-ea"/>
-                <a:cs typeface="+mn-cs"/>
-              </a:rPr>
-              <a:t>，句子数量超过标记为</a:t>
-            </a:r>
-            <a:r>
-              <a:rPr lang="en-US" altLang="zh-CN" sz="1200" kern="1200" dirty="0">
-                <a:solidFill>
-                  <a:schemeClr val="tx1"/>
-                </a:solidFill>
-                <a:effectLst/>
-                <a:latin typeface="+mn-lt"/>
-                <a:ea typeface="+mn-ea"/>
-                <a:cs typeface="+mn-cs"/>
-              </a:rPr>
-              <a:t>basic</a:t>
-            </a:r>
-            <a:r>
-              <a:rPr lang="zh-CN" altLang="zh-CN" sz="1200" kern="1200" dirty="0">
-                <a:solidFill>
-                  <a:schemeClr val="tx1"/>
-                </a:solidFill>
-                <a:effectLst/>
-                <a:latin typeface="+mn-lt"/>
-                <a:ea typeface="+mn-ea"/>
-                <a:cs typeface="+mn-cs"/>
-              </a:rPr>
-              <a:t>的</a:t>
-            </a:r>
-            <a:r>
-              <a:rPr lang="en-US" altLang="zh-CN" sz="1200" kern="1200" dirty="0">
-                <a:solidFill>
-                  <a:schemeClr val="tx1"/>
-                </a:solidFill>
-                <a:effectLst/>
-                <a:latin typeface="+mn-lt"/>
-                <a:ea typeface="+mn-ea"/>
-                <a:cs typeface="+mn-cs"/>
-              </a:rPr>
-              <a:t>GWT 2</a:t>
-            </a:r>
-            <a:r>
-              <a:rPr lang="zh-CN" altLang="zh-CN" sz="1200" kern="1200" dirty="0">
-                <a:solidFill>
-                  <a:schemeClr val="tx1"/>
-                </a:solidFill>
-                <a:effectLst/>
-                <a:latin typeface="+mn-lt"/>
-                <a:ea typeface="+mn-ea"/>
-                <a:cs typeface="+mn-cs"/>
-              </a:rPr>
-              <a:t>句或以上（如果有）的</a:t>
-            </a:r>
-            <a:r>
-              <a:rPr lang="en-US" altLang="zh-CN" sz="1200" kern="1200" dirty="0" err="1">
-                <a:solidFill>
-                  <a:schemeClr val="tx1"/>
-                </a:solidFill>
-                <a:effectLst/>
-                <a:latin typeface="+mn-lt"/>
-                <a:ea typeface="+mn-ea"/>
-                <a:cs typeface="+mn-cs"/>
-              </a:rPr>
-              <a:t>TaggedGWT</a:t>
-            </a:r>
-            <a:r>
-              <a:rPr lang="zh-CN" altLang="zh-CN" sz="1200" kern="1200" dirty="0">
-                <a:solidFill>
-                  <a:schemeClr val="tx1"/>
-                </a:solidFill>
-                <a:effectLst/>
-                <a:latin typeface="+mn-lt"/>
-                <a:ea typeface="+mn-ea"/>
-                <a:cs typeface="+mn-cs"/>
-              </a:rPr>
-              <a:t>的</a:t>
-            </a:r>
-            <a:r>
-              <a:rPr lang="en-US" altLang="zh-CN" sz="1200" kern="1200" dirty="0" err="1">
-                <a:solidFill>
-                  <a:schemeClr val="tx1"/>
-                </a:solidFill>
-                <a:effectLst/>
-                <a:latin typeface="+mn-lt"/>
-                <a:ea typeface="+mn-ea"/>
-                <a:cs typeface="+mn-cs"/>
-              </a:rPr>
-              <a:t>FlowType</a:t>
-            </a:r>
-            <a:r>
-              <a:rPr lang="zh-CN" altLang="zh-CN" sz="1200" kern="1200" dirty="0">
-                <a:solidFill>
-                  <a:schemeClr val="tx1"/>
-                </a:solidFill>
-                <a:effectLst/>
-                <a:latin typeface="+mn-lt"/>
-                <a:ea typeface="+mn-ea"/>
-                <a:cs typeface="+mn-cs"/>
-              </a:rPr>
-              <a:t>标记为</a:t>
-            </a:r>
-            <a:r>
-              <a:rPr lang="en-US" altLang="zh-CN" sz="1200" kern="1200" dirty="0">
-                <a:solidFill>
-                  <a:schemeClr val="tx1"/>
-                </a:solidFill>
-                <a:effectLst/>
-                <a:latin typeface="+mn-lt"/>
-                <a:ea typeface="+mn-ea"/>
-                <a:cs typeface="+mn-cs"/>
-              </a:rPr>
-              <a:t>bounded</a:t>
-            </a:r>
-            <a:r>
-              <a:rPr lang="zh-CN" altLang="zh-CN" sz="1200" kern="1200" dirty="0">
-                <a:solidFill>
-                  <a:schemeClr val="tx1"/>
-                </a:solidFill>
-                <a:effectLst/>
-                <a:latin typeface="+mn-lt"/>
-                <a:ea typeface="+mn-ea"/>
-                <a:cs typeface="+mn-cs"/>
-              </a:rPr>
-              <a:t>。对一组中的每一个</a:t>
-            </a:r>
-            <a:r>
-              <a:rPr lang="en-US" altLang="zh-CN" sz="1200" kern="1200" dirty="0" err="1">
-                <a:solidFill>
-                  <a:schemeClr val="tx1"/>
-                </a:solidFill>
-                <a:effectLst/>
-                <a:latin typeface="+mn-lt"/>
-                <a:ea typeface="+mn-ea"/>
-                <a:cs typeface="+mn-cs"/>
-              </a:rPr>
-              <a:t>TaggedGWT</a:t>
-            </a:r>
-            <a:r>
-              <a:rPr lang="zh-CN" altLang="zh-CN" sz="1200" kern="1200" dirty="0">
-                <a:solidFill>
-                  <a:schemeClr val="tx1"/>
-                </a:solidFill>
-                <a:effectLst/>
-                <a:latin typeface="+mn-lt"/>
-                <a:ea typeface="+mn-ea"/>
-                <a:cs typeface="+mn-cs"/>
-              </a:rPr>
-              <a:t>，从</a:t>
-            </a:r>
-            <a:r>
-              <a:rPr lang="en-US" altLang="zh-CN" sz="1200" kern="1200" dirty="0" err="1">
-                <a:solidFill>
-                  <a:schemeClr val="tx1"/>
-                </a:solidFill>
-                <a:effectLst/>
-                <a:latin typeface="+mn-lt"/>
-                <a:ea typeface="+mn-ea"/>
-                <a:cs typeface="+mn-cs"/>
-              </a:rPr>
-              <a:t>TaggedGWT</a:t>
-            </a:r>
-            <a:r>
-              <a:rPr lang="zh-CN" altLang="zh-CN" sz="1200" kern="1200" dirty="0">
-                <a:solidFill>
-                  <a:schemeClr val="tx1"/>
-                </a:solidFill>
-                <a:effectLst/>
-                <a:latin typeface="+mn-lt"/>
-                <a:ea typeface="+mn-ea"/>
-                <a:cs typeface="+mn-cs"/>
-              </a:rPr>
-              <a:t>的</a:t>
-            </a:r>
-            <a:r>
-              <a:rPr lang="en-US" altLang="zh-CN" sz="1200" kern="1200" dirty="0">
-                <a:solidFill>
-                  <a:schemeClr val="tx1"/>
-                </a:solidFill>
-                <a:effectLst/>
-                <a:latin typeface="+mn-lt"/>
-                <a:ea typeface="+mn-ea"/>
-                <a:cs typeface="+mn-cs"/>
-              </a:rPr>
-              <a:t>Feature</a:t>
-            </a:r>
-            <a:r>
-              <a:rPr lang="zh-CN" altLang="zh-CN" sz="1200" kern="1200" dirty="0">
-                <a:solidFill>
-                  <a:schemeClr val="tx1"/>
-                </a:solidFill>
-                <a:effectLst/>
-                <a:latin typeface="+mn-lt"/>
-                <a:ea typeface="+mn-ea"/>
-                <a:cs typeface="+mn-cs"/>
-              </a:rPr>
-              <a:t>字段读出用例名记录到</a:t>
-            </a:r>
-            <a:r>
-              <a:rPr lang="en-US" altLang="zh-CN" sz="1200" kern="1200" dirty="0" err="1">
-                <a:solidFill>
-                  <a:schemeClr val="tx1"/>
-                </a:solidFill>
-                <a:effectLst/>
-                <a:latin typeface="+mn-lt"/>
-                <a:ea typeface="+mn-ea"/>
-                <a:cs typeface="+mn-cs"/>
-              </a:rPr>
-              <a:t>UseCaseName</a:t>
-            </a:r>
-            <a:r>
-              <a:rPr lang="zh-CN" altLang="zh-CN" sz="1200" kern="1200" dirty="0">
-                <a:solidFill>
-                  <a:schemeClr val="tx1"/>
-                </a:solidFill>
-                <a:effectLst/>
-                <a:latin typeface="+mn-lt"/>
-                <a:ea typeface="+mn-ea"/>
-                <a:cs typeface="+mn-cs"/>
-              </a:rPr>
-              <a:t>属性中，对</a:t>
-            </a:r>
-            <a:r>
-              <a:rPr lang="en-US" altLang="zh-CN" sz="1200" kern="1200" dirty="0">
-                <a:solidFill>
-                  <a:schemeClr val="tx1"/>
-                </a:solidFill>
-                <a:effectLst/>
-                <a:latin typeface="+mn-lt"/>
-                <a:ea typeface="+mn-ea"/>
-                <a:cs typeface="+mn-cs"/>
-              </a:rPr>
-              <a:t>When</a:t>
-            </a:r>
-            <a:r>
-              <a:rPr lang="zh-CN" altLang="zh-CN" sz="1200" kern="1200" dirty="0">
-                <a:solidFill>
-                  <a:schemeClr val="tx1"/>
-                </a:solidFill>
-                <a:effectLst/>
-                <a:latin typeface="+mn-lt"/>
-                <a:ea typeface="+mn-ea"/>
-                <a:cs typeface="+mn-cs"/>
-              </a:rPr>
-              <a:t>属性中的每一个</a:t>
-            </a:r>
-            <a:r>
-              <a:rPr lang="en-US" altLang="zh-CN" sz="1200" kern="1200" dirty="0">
-                <a:solidFill>
-                  <a:schemeClr val="tx1"/>
-                </a:solidFill>
-                <a:effectLst/>
-                <a:latin typeface="+mn-lt"/>
-                <a:ea typeface="+mn-ea"/>
-                <a:cs typeface="+mn-cs"/>
-              </a:rPr>
-              <a:t>Sentence</a:t>
-            </a:r>
-            <a:r>
-              <a:rPr lang="zh-CN" altLang="zh-CN" sz="1200" kern="1200" dirty="0">
-                <a:solidFill>
-                  <a:schemeClr val="tx1"/>
-                </a:solidFill>
-                <a:effectLst/>
-                <a:latin typeface="+mn-lt"/>
-                <a:ea typeface="+mn-ea"/>
-                <a:cs typeface="+mn-cs"/>
-              </a:rPr>
-              <a:t>对象，首先执行分词操作，将分词结果保存到句子的</a:t>
-            </a:r>
-            <a:r>
-              <a:rPr lang="en-US" altLang="zh-CN" sz="1200" kern="1200" dirty="0">
-                <a:solidFill>
-                  <a:schemeClr val="tx1"/>
-                </a:solidFill>
-                <a:effectLst/>
-                <a:latin typeface="+mn-lt"/>
-                <a:ea typeface="+mn-ea"/>
-                <a:cs typeface="+mn-cs"/>
-              </a:rPr>
-              <a:t>wordlist</a:t>
-            </a:r>
-            <a:r>
-              <a:rPr lang="zh-CN" altLang="zh-CN" sz="1200" kern="1200" dirty="0">
-                <a:solidFill>
-                  <a:schemeClr val="tx1"/>
-                </a:solidFill>
-                <a:effectLst/>
-                <a:latin typeface="+mn-lt"/>
-                <a:ea typeface="+mn-ea"/>
-                <a:cs typeface="+mn-cs"/>
-              </a:rPr>
-              <a:t>属性，使用句子的分词结果对句子做依存句法分析，根据依存句法分析的结果搜索句法树，将依存关系为主谓关系的词记录到</a:t>
-            </a:r>
-            <a:r>
-              <a:rPr lang="en-US" altLang="zh-CN" sz="1200" kern="1200" dirty="0">
-                <a:solidFill>
-                  <a:schemeClr val="tx1"/>
-                </a:solidFill>
-                <a:effectLst/>
-                <a:latin typeface="+mn-lt"/>
-                <a:ea typeface="+mn-ea"/>
-                <a:cs typeface="+mn-cs"/>
-              </a:rPr>
-              <a:t>Sentence</a:t>
-            </a:r>
-            <a:r>
-              <a:rPr lang="zh-CN" altLang="zh-CN" sz="1200" kern="1200" dirty="0">
-                <a:solidFill>
-                  <a:schemeClr val="tx1"/>
-                </a:solidFill>
-                <a:effectLst/>
-                <a:latin typeface="+mn-lt"/>
-                <a:ea typeface="+mn-ea"/>
-                <a:cs typeface="+mn-cs"/>
-              </a:rPr>
-              <a:t>对象的</a:t>
-            </a:r>
-            <a:r>
-              <a:rPr lang="en-US" altLang="zh-CN" sz="1200" kern="1200" dirty="0">
-                <a:solidFill>
-                  <a:schemeClr val="tx1"/>
-                </a:solidFill>
-                <a:effectLst/>
-                <a:latin typeface="+mn-lt"/>
-                <a:ea typeface="+mn-ea"/>
-                <a:cs typeface="+mn-cs"/>
-              </a:rPr>
-              <a:t>actor</a:t>
-            </a:r>
-            <a:r>
-              <a:rPr lang="zh-CN" altLang="zh-CN" sz="1200" kern="1200" dirty="0">
-                <a:solidFill>
-                  <a:schemeClr val="tx1"/>
-                </a:solidFill>
-                <a:effectLst/>
-                <a:latin typeface="+mn-lt"/>
-                <a:ea typeface="+mn-ea"/>
-                <a:cs typeface="+mn-cs"/>
-              </a:rPr>
-              <a:t>属性，将依存关系的核心词记录到</a:t>
-            </a:r>
-            <a:r>
-              <a:rPr lang="en-US" altLang="zh-CN" sz="1200" kern="1200" dirty="0">
-                <a:solidFill>
-                  <a:schemeClr val="tx1"/>
-                </a:solidFill>
-                <a:effectLst/>
-                <a:latin typeface="+mn-lt"/>
-                <a:ea typeface="+mn-ea"/>
-                <a:cs typeface="+mn-cs"/>
-              </a:rPr>
-              <a:t>Sentence</a:t>
-            </a:r>
-            <a:r>
-              <a:rPr lang="zh-CN" altLang="zh-CN" sz="1200" kern="1200" dirty="0">
-                <a:solidFill>
-                  <a:schemeClr val="tx1"/>
-                </a:solidFill>
-                <a:effectLst/>
-                <a:latin typeface="+mn-lt"/>
-                <a:ea typeface="+mn-ea"/>
-                <a:cs typeface="+mn-cs"/>
-              </a:rPr>
-              <a:t>对象的</a:t>
-            </a:r>
-            <a:r>
-              <a:rPr lang="en-US" altLang="zh-CN" sz="1200" kern="1200" dirty="0">
-                <a:solidFill>
-                  <a:schemeClr val="tx1"/>
-                </a:solidFill>
-                <a:effectLst/>
-                <a:latin typeface="+mn-lt"/>
-                <a:ea typeface="+mn-ea"/>
-                <a:cs typeface="+mn-cs"/>
-              </a:rPr>
-              <a:t>action</a:t>
-            </a:r>
-            <a:r>
-              <a:rPr lang="zh-CN" altLang="zh-CN" sz="1200" kern="1200" dirty="0">
-                <a:solidFill>
-                  <a:schemeClr val="tx1"/>
-                </a:solidFill>
-                <a:effectLst/>
-                <a:latin typeface="+mn-lt"/>
-                <a:ea typeface="+mn-ea"/>
-                <a:cs typeface="+mn-cs"/>
-              </a:rPr>
-              <a:t>属性。</a:t>
-            </a:r>
-          </a:p>
-          <a:p>
-            <a:r>
-              <a:rPr lang="zh-CN" altLang="zh-CN" sz="1200" kern="1200" dirty="0">
-                <a:solidFill>
-                  <a:schemeClr val="tx1"/>
-                </a:solidFill>
-                <a:effectLst/>
-                <a:latin typeface="+mn-lt"/>
-                <a:ea typeface="+mn-ea"/>
-                <a:cs typeface="+mn-cs"/>
-              </a:rPr>
-              <a:t>完成基础标签标记后，进一步标记</a:t>
-            </a:r>
-            <a:r>
-              <a:rPr lang="en-US" altLang="zh-CN" sz="1200" kern="1200" dirty="0">
-                <a:solidFill>
-                  <a:schemeClr val="tx1"/>
-                </a:solidFill>
-                <a:effectLst/>
-                <a:latin typeface="+mn-lt"/>
-                <a:ea typeface="+mn-ea"/>
-                <a:cs typeface="+mn-cs"/>
-              </a:rPr>
-              <a:t>GWT</a:t>
-            </a:r>
-            <a:r>
-              <a:rPr lang="zh-CN" altLang="zh-CN" sz="1200" kern="1200" dirty="0">
-                <a:solidFill>
-                  <a:schemeClr val="tx1"/>
-                </a:solidFill>
-                <a:effectLst/>
-                <a:latin typeface="+mn-lt"/>
-                <a:ea typeface="+mn-ea"/>
-                <a:cs typeface="+mn-cs"/>
-              </a:rPr>
-              <a:t>级</a:t>
-            </a:r>
-            <a:r>
-              <a:rPr lang="en-US" altLang="zh-CN" sz="1200" kern="1200" dirty="0" err="1">
-                <a:solidFill>
-                  <a:schemeClr val="tx1"/>
-                </a:solidFill>
-                <a:effectLst/>
-                <a:latin typeface="+mn-lt"/>
-                <a:ea typeface="+mn-ea"/>
-                <a:cs typeface="+mn-cs"/>
-              </a:rPr>
-              <a:t>FlowType</a:t>
-            </a:r>
-            <a:r>
-              <a:rPr lang="zh-CN" altLang="zh-CN" sz="1200" kern="1200" dirty="0">
-                <a:solidFill>
-                  <a:schemeClr val="tx1"/>
-                </a:solidFill>
-                <a:effectLst/>
-                <a:latin typeface="+mn-lt"/>
-                <a:ea typeface="+mn-ea"/>
-                <a:cs typeface="+mn-cs"/>
-              </a:rPr>
-              <a:t>中的</a:t>
-            </a:r>
-            <a:r>
-              <a:rPr lang="en-US" altLang="zh-CN" sz="1200" kern="1200" dirty="0">
-                <a:solidFill>
-                  <a:schemeClr val="tx1"/>
-                </a:solidFill>
-                <a:effectLst/>
-                <a:latin typeface="+mn-lt"/>
-                <a:ea typeface="+mn-ea"/>
-                <a:cs typeface="+mn-cs"/>
-              </a:rPr>
-              <a:t>specific</a:t>
-            </a:r>
-            <a:r>
-              <a:rPr lang="zh-CN" altLang="zh-CN" sz="1200" kern="1200" dirty="0">
-                <a:solidFill>
-                  <a:schemeClr val="tx1"/>
-                </a:solidFill>
-                <a:effectLst/>
-                <a:latin typeface="+mn-lt"/>
-                <a:ea typeface="+mn-ea"/>
-                <a:cs typeface="+mn-cs"/>
-              </a:rPr>
-              <a:t>和</a:t>
-            </a:r>
-            <a:r>
-              <a:rPr lang="en-US" altLang="zh-CN" sz="1200" kern="1200" dirty="0">
-                <a:solidFill>
-                  <a:schemeClr val="tx1"/>
-                </a:solidFill>
-                <a:effectLst/>
-                <a:latin typeface="+mn-lt"/>
-                <a:ea typeface="+mn-ea"/>
-                <a:cs typeface="+mn-cs"/>
-              </a:rPr>
-              <a:t>global</a:t>
-            </a:r>
-            <a:r>
-              <a:rPr lang="zh-CN" altLang="zh-CN" sz="1200" kern="1200" dirty="0">
-                <a:solidFill>
-                  <a:schemeClr val="tx1"/>
-                </a:solidFill>
-                <a:effectLst/>
-                <a:latin typeface="+mn-lt"/>
-                <a:ea typeface="+mn-ea"/>
-                <a:cs typeface="+mn-cs"/>
-              </a:rPr>
-              <a:t>，</a:t>
-            </a:r>
-            <a:r>
-              <a:rPr lang="en-US" altLang="zh-CN" sz="1200" kern="1200" dirty="0">
-                <a:solidFill>
-                  <a:schemeClr val="tx1"/>
-                </a:solidFill>
-                <a:effectLst/>
-                <a:latin typeface="+mn-lt"/>
-                <a:ea typeface="+mn-ea"/>
-                <a:cs typeface="+mn-cs"/>
-              </a:rPr>
-              <a:t>refer</a:t>
-            </a:r>
-            <a:r>
-              <a:rPr lang="zh-CN" altLang="zh-CN" sz="1200" kern="1200" dirty="0">
-                <a:solidFill>
-                  <a:schemeClr val="tx1"/>
-                </a:solidFill>
-                <a:effectLst/>
-                <a:latin typeface="+mn-lt"/>
-                <a:ea typeface="+mn-ea"/>
-                <a:cs typeface="+mn-cs"/>
-              </a:rPr>
-              <a:t>标签，</a:t>
-            </a:r>
-            <a:r>
-              <a:rPr lang="en-US" altLang="zh-CN" sz="1200" kern="1200" dirty="0">
-                <a:solidFill>
-                  <a:schemeClr val="tx1"/>
-                </a:solidFill>
-                <a:effectLst/>
-                <a:latin typeface="+mn-lt"/>
-                <a:ea typeface="+mn-ea"/>
-                <a:cs typeface="+mn-cs"/>
-              </a:rPr>
-              <a:t>condition</a:t>
-            </a:r>
-            <a:r>
-              <a:rPr lang="zh-CN" altLang="zh-CN" sz="1200" kern="1200" dirty="0">
-                <a:solidFill>
-                  <a:schemeClr val="tx1"/>
-                </a:solidFill>
-                <a:effectLst/>
-                <a:latin typeface="+mn-lt"/>
-                <a:ea typeface="+mn-ea"/>
-                <a:cs typeface="+mn-cs"/>
-              </a:rPr>
-              <a:t>标签；句子级的</a:t>
-            </a:r>
-            <a:r>
-              <a:rPr lang="en-US" altLang="zh-CN" sz="1200" kern="1200" dirty="0" err="1">
-                <a:solidFill>
-                  <a:schemeClr val="tx1"/>
-                </a:solidFill>
-                <a:effectLst/>
-                <a:latin typeface="+mn-lt"/>
-                <a:ea typeface="+mn-ea"/>
-                <a:cs typeface="+mn-cs"/>
-              </a:rPr>
-              <a:t>normalContent</a:t>
-            </a:r>
-            <a:r>
-              <a:rPr lang="zh-CN" altLang="zh-CN" sz="1200" kern="1200" dirty="0">
-                <a:solidFill>
-                  <a:schemeClr val="tx1"/>
-                </a:solidFill>
-                <a:effectLst/>
-                <a:latin typeface="+mn-lt"/>
-                <a:ea typeface="+mn-ea"/>
-                <a:cs typeface="+mn-cs"/>
-              </a:rPr>
-              <a:t>，</a:t>
-            </a:r>
-            <a:r>
-              <a:rPr lang="en-US" altLang="zh-CN" sz="1200" kern="1200" dirty="0">
-                <a:solidFill>
-                  <a:schemeClr val="tx1"/>
-                </a:solidFill>
-                <a:effectLst/>
-                <a:latin typeface="+mn-lt"/>
-                <a:ea typeface="+mn-ea"/>
-                <a:cs typeface="+mn-cs"/>
-              </a:rPr>
-              <a:t>type</a:t>
-            </a:r>
-            <a:r>
-              <a:rPr lang="zh-CN" altLang="zh-CN" sz="1200" kern="1200" dirty="0">
-                <a:solidFill>
-                  <a:schemeClr val="tx1"/>
-                </a:solidFill>
-                <a:effectLst/>
-                <a:latin typeface="+mn-lt"/>
-                <a:ea typeface="+mn-ea"/>
-                <a:cs typeface="+mn-cs"/>
-              </a:rPr>
-              <a:t>和</a:t>
-            </a:r>
-            <a:r>
-              <a:rPr lang="en-US" altLang="zh-CN" sz="1200" kern="1200" dirty="0">
-                <a:solidFill>
-                  <a:schemeClr val="tx1"/>
-                </a:solidFill>
-                <a:effectLst/>
-                <a:latin typeface="+mn-lt"/>
-                <a:ea typeface="+mn-ea"/>
-                <a:cs typeface="+mn-cs"/>
-              </a:rPr>
-              <a:t>associated</a:t>
-            </a:r>
-            <a:r>
-              <a:rPr lang="zh-CN" altLang="zh-CN" sz="1200" kern="1200" dirty="0">
-                <a:solidFill>
-                  <a:schemeClr val="tx1"/>
-                </a:solidFill>
-                <a:effectLst/>
-                <a:latin typeface="+mn-lt"/>
-                <a:ea typeface="+mn-ea"/>
-                <a:cs typeface="+mn-cs"/>
-              </a:rPr>
-              <a:t>标签。</a:t>
-            </a:r>
-          </a:p>
-          <a:p>
-            <a:r>
-              <a:rPr lang="zh-CN" altLang="zh-CN" sz="1200" kern="1200" dirty="0">
-                <a:solidFill>
-                  <a:schemeClr val="tx1"/>
-                </a:solidFill>
-                <a:effectLst/>
-                <a:latin typeface="+mn-lt"/>
-                <a:ea typeface="+mn-ea"/>
-                <a:cs typeface="+mn-cs"/>
-              </a:rPr>
-              <a:t>对</a:t>
-            </a:r>
-            <a:r>
-              <a:rPr lang="en-US" altLang="zh-CN" sz="1200" kern="1200" dirty="0" err="1">
-                <a:solidFill>
-                  <a:schemeClr val="tx1"/>
-                </a:solidFill>
-                <a:effectLst/>
-                <a:latin typeface="+mn-lt"/>
-                <a:ea typeface="+mn-ea"/>
-                <a:cs typeface="+mn-cs"/>
-              </a:rPr>
-              <a:t>TaggedGWT</a:t>
-            </a:r>
-            <a:r>
-              <a:rPr lang="zh-CN" altLang="zh-CN" sz="1200" kern="1200" dirty="0">
-                <a:solidFill>
-                  <a:schemeClr val="tx1"/>
-                </a:solidFill>
-                <a:effectLst/>
-                <a:latin typeface="+mn-lt"/>
-                <a:ea typeface="+mn-ea"/>
-                <a:cs typeface="+mn-cs"/>
-              </a:rPr>
-              <a:t>的</a:t>
-            </a:r>
-            <a:r>
-              <a:rPr lang="en-US" altLang="zh-CN" sz="1200" kern="1200" dirty="0">
-                <a:solidFill>
-                  <a:schemeClr val="tx1"/>
-                </a:solidFill>
-                <a:effectLst/>
-                <a:latin typeface="+mn-lt"/>
-                <a:ea typeface="+mn-ea"/>
-                <a:cs typeface="+mn-cs"/>
-              </a:rPr>
-              <a:t>When</a:t>
-            </a:r>
-            <a:r>
-              <a:rPr lang="zh-CN" altLang="zh-CN" sz="1200" kern="1200" dirty="0">
-                <a:solidFill>
-                  <a:schemeClr val="tx1"/>
-                </a:solidFill>
-                <a:effectLst/>
-                <a:latin typeface="+mn-lt"/>
-                <a:ea typeface="+mn-ea"/>
-                <a:cs typeface="+mn-cs"/>
-              </a:rPr>
-              <a:t>中记录的句子，根据其句法分析结果判断是否为简单句，若为简单句，将其</a:t>
-            </a:r>
-            <a:r>
-              <a:rPr lang="en-US" altLang="zh-CN" sz="1200" kern="1200" dirty="0">
-                <a:solidFill>
-                  <a:schemeClr val="tx1"/>
-                </a:solidFill>
-                <a:effectLst/>
-                <a:latin typeface="+mn-lt"/>
-                <a:ea typeface="+mn-ea"/>
-                <a:cs typeface="+mn-cs"/>
-              </a:rPr>
-              <a:t>type</a:t>
-            </a:r>
-            <a:r>
-              <a:rPr lang="zh-CN" altLang="zh-CN" sz="1200" kern="1200" dirty="0">
-                <a:solidFill>
-                  <a:schemeClr val="tx1"/>
-                </a:solidFill>
-                <a:effectLst/>
-                <a:latin typeface="+mn-lt"/>
-                <a:ea typeface="+mn-ea"/>
-                <a:cs typeface="+mn-cs"/>
-              </a:rPr>
-              <a:t>标记为</a:t>
-            </a:r>
-            <a:r>
-              <a:rPr lang="en-US" altLang="zh-CN" sz="1200" kern="1200" dirty="0">
-                <a:solidFill>
-                  <a:schemeClr val="tx1"/>
-                </a:solidFill>
-                <a:effectLst/>
-                <a:latin typeface="+mn-lt"/>
-                <a:ea typeface="+mn-ea"/>
-                <a:cs typeface="+mn-cs"/>
-              </a:rPr>
-              <a:t>normal</a:t>
-            </a:r>
-            <a:r>
-              <a:rPr lang="zh-CN" altLang="zh-CN" sz="1200" kern="1200" dirty="0">
-                <a:solidFill>
-                  <a:schemeClr val="tx1"/>
-                </a:solidFill>
-                <a:effectLst/>
-                <a:latin typeface="+mn-lt"/>
-                <a:ea typeface="+mn-ea"/>
-                <a:cs typeface="+mn-cs"/>
-              </a:rPr>
-              <a:t>，否则分析其</a:t>
-            </a:r>
-            <a:r>
-              <a:rPr lang="en-US" altLang="zh-CN" sz="1200" kern="1200" dirty="0">
-                <a:solidFill>
-                  <a:schemeClr val="tx1"/>
-                </a:solidFill>
-                <a:effectLst/>
-                <a:latin typeface="+mn-lt"/>
-                <a:ea typeface="+mn-ea"/>
-                <a:cs typeface="+mn-cs"/>
-              </a:rPr>
-              <a:t>wordlist</a:t>
-            </a:r>
-            <a:r>
-              <a:rPr lang="zh-CN" altLang="zh-CN" sz="1200" kern="1200" dirty="0">
-                <a:solidFill>
-                  <a:schemeClr val="tx1"/>
-                </a:solidFill>
-                <a:effectLst/>
-                <a:latin typeface="+mn-lt"/>
-                <a:ea typeface="+mn-ea"/>
-                <a:cs typeface="+mn-cs"/>
-              </a:rPr>
-              <a:t>中的关键词，若含有表示条件的关键词则标记</a:t>
-            </a:r>
-            <a:r>
-              <a:rPr lang="en-US" altLang="zh-CN" sz="1200" kern="1200" dirty="0">
-                <a:solidFill>
-                  <a:schemeClr val="tx1"/>
-                </a:solidFill>
-                <a:effectLst/>
-                <a:latin typeface="+mn-lt"/>
-                <a:ea typeface="+mn-ea"/>
-                <a:cs typeface="+mn-cs"/>
-              </a:rPr>
-              <a:t>type</a:t>
-            </a:r>
-            <a:r>
-              <a:rPr lang="zh-CN" altLang="zh-CN" sz="1200" kern="1200" dirty="0">
-                <a:solidFill>
-                  <a:schemeClr val="tx1"/>
-                </a:solidFill>
-                <a:effectLst/>
-                <a:latin typeface="+mn-lt"/>
-                <a:ea typeface="+mn-ea"/>
-                <a:cs typeface="+mn-cs"/>
-              </a:rPr>
-              <a:t>为</a:t>
-            </a:r>
-            <a:r>
-              <a:rPr lang="en-US" altLang="zh-CN" sz="1200" kern="1200" dirty="0">
-                <a:solidFill>
-                  <a:schemeClr val="tx1"/>
-                </a:solidFill>
-                <a:effectLst/>
-                <a:latin typeface="+mn-lt"/>
-                <a:ea typeface="+mn-ea"/>
-                <a:cs typeface="+mn-cs"/>
-              </a:rPr>
-              <a:t>conditional</a:t>
-            </a:r>
-            <a:r>
-              <a:rPr lang="zh-CN" altLang="zh-CN" sz="1200" kern="1200" dirty="0">
-                <a:solidFill>
-                  <a:schemeClr val="tx1"/>
-                </a:solidFill>
-                <a:effectLst/>
-                <a:latin typeface="+mn-lt"/>
-                <a:ea typeface="+mn-ea"/>
-                <a:cs typeface="+mn-cs"/>
-              </a:rPr>
-              <a:t>，若含有表示循环的关键词则标记</a:t>
-            </a:r>
-            <a:r>
-              <a:rPr lang="en-US" altLang="zh-CN" sz="1200" kern="1200" dirty="0">
-                <a:solidFill>
-                  <a:schemeClr val="tx1"/>
-                </a:solidFill>
-                <a:effectLst/>
-                <a:latin typeface="+mn-lt"/>
-                <a:ea typeface="+mn-ea"/>
-                <a:cs typeface="+mn-cs"/>
-              </a:rPr>
-              <a:t>type</a:t>
-            </a:r>
-            <a:r>
-              <a:rPr lang="zh-CN" altLang="zh-CN" sz="1200" kern="1200" dirty="0">
-                <a:solidFill>
-                  <a:schemeClr val="tx1"/>
-                </a:solidFill>
-                <a:effectLst/>
-                <a:latin typeface="+mn-lt"/>
-                <a:ea typeface="+mn-ea"/>
-                <a:cs typeface="+mn-cs"/>
-              </a:rPr>
-              <a:t>为</a:t>
-            </a:r>
-            <a:r>
-              <a:rPr lang="en-US" altLang="zh-CN" sz="1200" kern="1200" dirty="0">
-                <a:solidFill>
-                  <a:schemeClr val="tx1"/>
-                </a:solidFill>
-                <a:effectLst/>
-                <a:latin typeface="+mn-lt"/>
-                <a:ea typeface="+mn-ea"/>
-                <a:cs typeface="+mn-cs"/>
-              </a:rPr>
-              <a:t>circular</a:t>
-            </a:r>
-            <a:r>
-              <a:rPr lang="zh-CN" altLang="zh-CN" sz="1200" kern="1200" dirty="0">
-                <a:solidFill>
-                  <a:schemeClr val="tx1"/>
-                </a:solidFill>
-                <a:effectLst/>
-                <a:latin typeface="+mn-lt"/>
-                <a:ea typeface="+mn-ea"/>
-                <a:cs typeface="+mn-cs"/>
-              </a:rPr>
-              <a:t>，在此基础上将这些句子的文本规范化，对</a:t>
-            </a:r>
-            <a:r>
-              <a:rPr lang="en-US" altLang="zh-CN" sz="1200" kern="1200" dirty="0">
-                <a:solidFill>
-                  <a:schemeClr val="tx1"/>
-                </a:solidFill>
-                <a:effectLst/>
-                <a:latin typeface="+mn-lt"/>
-                <a:ea typeface="+mn-ea"/>
-                <a:cs typeface="+mn-cs"/>
-              </a:rPr>
-              <a:t>normal</a:t>
-            </a:r>
-            <a:r>
-              <a:rPr lang="zh-CN" altLang="zh-CN" sz="1200" kern="1200" dirty="0">
-                <a:solidFill>
-                  <a:schemeClr val="tx1"/>
-                </a:solidFill>
-                <a:effectLst/>
-                <a:latin typeface="+mn-lt"/>
-                <a:ea typeface="+mn-ea"/>
-                <a:cs typeface="+mn-cs"/>
-              </a:rPr>
-              <a:t>类型的句子去掉表示具体数据的宾语的定语，生成规范化句子内容</a:t>
-            </a:r>
-            <a:r>
-              <a:rPr lang="en-US" altLang="zh-CN" sz="1200" kern="1200" dirty="0" err="1">
-                <a:solidFill>
-                  <a:schemeClr val="tx1"/>
-                </a:solidFill>
-                <a:effectLst/>
-                <a:latin typeface="+mn-lt"/>
-                <a:ea typeface="+mn-ea"/>
-                <a:cs typeface="+mn-cs"/>
-              </a:rPr>
-              <a:t>normalContent</a:t>
-            </a:r>
-            <a:r>
-              <a:rPr lang="zh-CN" altLang="zh-CN" sz="1200" kern="1200" dirty="0">
-                <a:solidFill>
-                  <a:schemeClr val="tx1"/>
-                </a:solidFill>
-                <a:effectLst/>
-                <a:latin typeface="+mn-lt"/>
-                <a:ea typeface="+mn-ea"/>
-                <a:cs typeface="+mn-cs"/>
-              </a:rPr>
-              <a:t>，对类型为</a:t>
-            </a:r>
-            <a:r>
-              <a:rPr lang="en-US" altLang="zh-CN" sz="1200" kern="1200" dirty="0">
-                <a:solidFill>
-                  <a:schemeClr val="tx1"/>
-                </a:solidFill>
-                <a:effectLst/>
-                <a:latin typeface="+mn-lt"/>
-                <a:ea typeface="+mn-ea"/>
-                <a:cs typeface="+mn-cs"/>
-              </a:rPr>
-              <a:t>conditional</a:t>
-            </a:r>
-            <a:r>
-              <a:rPr lang="zh-CN" altLang="zh-CN" sz="1200" kern="1200" dirty="0">
-                <a:solidFill>
-                  <a:schemeClr val="tx1"/>
-                </a:solidFill>
-                <a:effectLst/>
-                <a:latin typeface="+mn-lt"/>
-                <a:ea typeface="+mn-ea"/>
-                <a:cs typeface="+mn-cs"/>
-              </a:rPr>
-              <a:t>和</a:t>
-            </a:r>
-            <a:r>
-              <a:rPr lang="en-US" altLang="zh-CN" sz="1200" kern="1200" dirty="0">
-                <a:solidFill>
-                  <a:schemeClr val="tx1"/>
-                </a:solidFill>
-                <a:effectLst/>
-                <a:latin typeface="+mn-lt"/>
-                <a:ea typeface="+mn-ea"/>
-                <a:cs typeface="+mn-cs"/>
-              </a:rPr>
-              <a:t>circular</a:t>
-            </a:r>
-            <a:r>
-              <a:rPr lang="zh-CN" altLang="zh-CN" sz="1200" kern="1200" dirty="0">
-                <a:solidFill>
-                  <a:schemeClr val="tx1"/>
-                </a:solidFill>
-                <a:effectLst/>
-                <a:latin typeface="+mn-lt"/>
-                <a:ea typeface="+mn-ea"/>
-                <a:cs typeface="+mn-cs"/>
-              </a:rPr>
-              <a:t>的句子将其关键词替换为</a:t>
-            </a:r>
-            <a:r>
-              <a:rPr lang="en-US" altLang="zh-CN" sz="1200" kern="1200" dirty="0">
-                <a:solidFill>
-                  <a:schemeClr val="tx1"/>
-                </a:solidFill>
-                <a:effectLst/>
-                <a:latin typeface="+mn-lt"/>
-                <a:ea typeface="+mn-ea"/>
-                <a:cs typeface="+mn-cs"/>
-              </a:rPr>
-              <a:t>RUCM</a:t>
-            </a:r>
-            <a:r>
-              <a:rPr lang="zh-CN" altLang="zh-CN" sz="1200" kern="1200" dirty="0">
-                <a:solidFill>
-                  <a:schemeClr val="tx1"/>
-                </a:solidFill>
-                <a:effectLst/>
-                <a:latin typeface="+mn-lt"/>
-                <a:ea typeface="+mn-ea"/>
-                <a:cs typeface="+mn-cs"/>
-              </a:rPr>
-              <a:t>关键字，生成规范化的句子内容</a:t>
-            </a:r>
-            <a:r>
-              <a:rPr lang="en-US" altLang="zh-CN" sz="1200" kern="1200" dirty="0" err="1">
-                <a:solidFill>
-                  <a:schemeClr val="tx1"/>
-                </a:solidFill>
-                <a:effectLst/>
-                <a:latin typeface="+mn-lt"/>
-                <a:ea typeface="+mn-ea"/>
-                <a:cs typeface="+mn-cs"/>
-              </a:rPr>
-              <a:t>normalContent</a:t>
-            </a:r>
-            <a:r>
-              <a:rPr lang="zh-CN" altLang="zh-CN" sz="1200" kern="1200" dirty="0">
-                <a:solidFill>
-                  <a:schemeClr val="tx1"/>
-                </a:solidFill>
-                <a:effectLst/>
-                <a:latin typeface="+mn-lt"/>
-                <a:ea typeface="+mn-ea"/>
-                <a:cs typeface="+mn-cs"/>
-              </a:rPr>
-              <a:t>。</a:t>
-            </a:r>
-          </a:p>
-          <a:p>
-            <a:r>
-              <a:rPr lang="zh-CN" altLang="zh-CN" sz="1200" kern="1200" dirty="0">
-                <a:solidFill>
-                  <a:schemeClr val="tx1"/>
-                </a:solidFill>
-                <a:effectLst/>
-                <a:latin typeface="+mn-lt"/>
-                <a:ea typeface="+mn-ea"/>
-                <a:cs typeface="+mn-cs"/>
-              </a:rPr>
-              <a:t>对</a:t>
-            </a:r>
-            <a:r>
-              <a:rPr lang="en-US" altLang="zh-CN" sz="1200" kern="1200" dirty="0" err="1">
-                <a:solidFill>
-                  <a:schemeClr val="tx1"/>
-                </a:solidFill>
-                <a:effectLst/>
-                <a:latin typeface="+mn-lt"/>
-                <a:ea typeface="+mn-ea"/>
-                <a:cs typeface="+mn-cs"/>
-              </a:rPr>
-              <a:t>TaggedGWT</a:t>
-            </a:r>
-            <a:r>
-              <a:rPr lang="zh-CN" altLang="zh-CN" sz="1200" kern="1200" dirty="0">
-                <a:solidFill>
-                  <a:schemeClr val="tx1"/>
-                </a:solidFill>
-                <a:effectLst/>
-                <a:latin typeface="+mn-lt"/>
-                <a:ea typeface="+mn-ea"/>
-                <a:cs typeface="+mn-cs"/>
-              </a:rPr>
-              <a:t>的</a:t>
-            </a:r>
-            <a:r>
-              <a:rPr lang="en-US" altLang="zh-CN" sz="1200" kern="1200" dirty="0">
-                <a:solidFill>
-                  <a:schemeClr val="tx1"/>
-                </a:solidFill>
-                <a:effectLst/>
-                <a:latin typeface="+mn-lt"/>
-                <a:ea typeface="+mn-ea"/>
-                <a:cs typeface="+mn-cs"/>
-              </a:rPr>
-              <a:t>Then</a:t>
-            </a:r>
-            <a:r>
-              <a:rPr lang="zh-CN" altLang="zh-CN" sz="1200" kern="1200" dirty="0">
-                <a:solidFill>
-                  <a:schemeClr val="tx1"/>
-                </a:solidFill>
-                <a:effectLst/>
-                <a:latin typeface="+mn-lt"/>
-                <a:ea typeface="+mn-ea"/>
-                <a:cs typeface="+mn-cs"/>
-              </a:rPr>
-              <a:t>中记录的句子，分别进行分词和依存句法分析，填充标签</a:t>
-            </a:r>
-            <a:r>
-              <a:rPr lang="en-US" altLang="zh-CN" sz="1200" kern="1200" dirty="0">
-                <a:solidFill>
-                  <a:schemeClr val="tx1"/>
-                </a:solidFill>
-                <a:effectLst/>
-                <a:latin typeface="+mn-lt"/>
-                <a:ea typeface="+mn-ea"/>
-                <a:cs typeface="+mn-cs"/>
-              </a:rPr>
-              <a:t>wordlist</a:t>
-            </a:r>
-            <a:r>
-              <a:rPr lang="zh-CN" altLang="zh-CN" sz="1200" kern="1200" dirty="0">
-                <a:solidFill>
-                  <a:schemeClr val="tx1"/>
-                </a:solidFill>
-                <a:effectLst/>
-                <a:latin typeface="+mn-lt"/>
-                <a:ea typeface="+mn-ea"/>
-                <a:cs typeface="+mn-cs"/>
-              </a:rPr>
-              <a:t>，对句子的表述做规范化，填充标签</a:t>
-            </a:r>
-            <a:r>
-              <a:rPr lang="en-US" altLang="zh-CN" sz="1200" kern="1200" dirty="0" err="1">
-                <a:solidFill>
-                  <a:schemeClr val="tx1"/>
-                </a:solidFill>
-                <a:effectLst/>
-                <a:latin typeface="+mn-lt"/>
-                <a:ea typeface="+mn-ea"/>
-                <a:cs typeface="+mn-cs"/>
-              </a:rPr>
-              <a:t>normalContent</a:t>
-            </a:r>
-            <a:r>
-              <a:rPr lang="en-US" altLang="zh-CN" sz="1200" kern="1200" dirty="0">
-                <a:solidFill>
-                  <a:schemeClr val="tx1"/>
-                </a:solidFill>
-                <a:effectLst/>
-                <a:latin typeface="+mn-lt"/>
-                <a:ea typeface="+mn-ea"/>
-                <a:cs typeface="+mn-cs"/>
-              </a:rPr>
-              <a:t>.</a:t>
-            </a:r>
+              <a:rPr lang="zh-CN" altLang="en-US" sz="1200" kern="1200" dirty="0">
+                <a:solidFill>
+                  <a:schemeClr val="tx1"/>
+                </a:solidFill>
+                <a:effectLst/>
+                <a:latin typeface="+mn-lt"/>
+                <a:ea typeface="+mn-ea"/>
+                <a:cs typeface="+mn-cs"/>
+              </a:rPr>
+              <a:t>由那些操作引发。</a:t>
+            </a:r>
+            <a:endParaRPr lang="en-US" altLang="zh-CN" sz="1200" kern="1200" dirty="0">
+              <a:solidFill>
+                <a:schemeClr val="tx1"/>
+              </a:solidFill>
+              <a:effectLst/>
+              <a:latin typeface="+mn-lt"/>
+              <a:ea typeface="+mn-ea"/>
+              <a:cs typeface="+mn-cs"/>
+            </a:endParaRPr>
+          </a:p>
+          <a:p>
             <a:endParaRPr lang="zh-CN" altLang="zh-CN" sz="1200" kern="1200" dirty="0">
               <a:solidFill>
                 <a:schemeClr val="tx1"/>
@@ -14507,1282 +13368,6 @@
           </a:p>
           <a:p>
             <a:r>
-              <a:rPr lang="zh-CN" altLang="zh-CN" sz="1200" kern="1200" dirty="0">
-                <a:solidFill>
-                  <a:schemeClr val="tx1"/>
-                </a:solidFill>
-                <a:effectLst/>
-                <a:latin typeface="+mn-lt"/>
-                <a:ea typeface="+mn-ea"/>
-                <a:cs typeface="+mn-cs"/>
-              </a:rPr>
-              <a:t>对</a:t>
-            </a:r>
-            <a:r>
-              <a:rPr lang="en-US" altLang="zh-CN" sz="1200" kern="1200" dirty="0" err="1">
-                <a:solidFill>
-                  <a:schemeClr val="tx1"/>
-                </a:solidFill>
-                <a:effectLst/>
-                <a:latin typeface="+mn-lt"/>
-                <a:ea typeface="+mn-ea"/>
-                <a:cs typeface="+mn-cs"/>
-              </a:rPr>
-              <a:t>FlowType</a:t>
-            </a:r>
-            <a:r>
-              <a:rPr lang="zh-CN" altLang="zh-CN" sz="1200" kern="1200" dirty="0">
-                <a:solidFill>
-                  <a:schemeClr val="tx1"/>
-                </a:solidFill>
-                <a:effectLst/>
-                <a:latin typeface="+mn-lt"/>
-                <a:ea typeface="+mn-ea"/>
-                <a:cs typeface="+mn-cs"/>
-              </a:rPr>
-              <a:t>标记为</a:t>
-            </a:r>
-            <a:r>
-              <a:rPr lang="en-US" altLang="zh-CN" sz="1200" kern="1200" dirty="0">
-                <a:solidFill>
-                  <a:schemeClr val="tx1"/>
-                </a:solidFill>
-                <a:effectLst/>
-                <a:latin typeface="+mn-lt"/>
-                <a:ea typeface="+mn-ea"/>
-                <a:cs typeface="+mn-cs"/>
-              </a:rPr>
-              <a:t>basic</a:t>
-            </a:r>
-            <a:r>
-              <a:rPr lang="zh-CN" altLang="zh-CN" sz="1200" kern="1200" dirty="0">
-                <a:solidFill>
-                  <a:schemeClr val="tx1"/>
-                </a:solidFill>
-                <a:effectLst/>
-                <a:latin typeface="+mn-lt"/>
-                <a:ea typeface="+mn-ea"/>
-                <a:cs typeface="+mn-cs"/>
-              </a:rPr>
-              <a:t>的</a:t>
-            </a:r>
-            <a:r>
-              <a:rPr lang="en-US" altLang="zh-CN" sz="1200" kern="1200" dirty="0" err="1">
-                <a:solidFill>
-                  <a:schemeClr val="tx1"/>
-                </a:solidFill>
-                <a:effectLst/>
-                <a:latin typeface="+mn-lt"/>
-                <a:ea typeface="+mn-ea"/>
-                <a:cs typeface="+mn-cs"/>
-              </a:rPr>
-              <a:t>TaggeGWT</a:t>
-            </a:r>
-            <a:r>
-              <a:rPr lang="zh-CN" altLang="zh-CN" sz="1200" kern="1200" dirty="0">
-                <a:solidFill>
-                  <a:schemeClr val="tx1"/>
-                </a:solidFill>
-                <a:effectLst/>
-                <a:latin typeface="+mn-lt"/>
-                <a:ea typeface="+mn-ea"/>
-                <a:cs typeface="+mn-cs"/>
-              </a:rPr>
-              <a:t>，将其</a:t>
-            </a:r>
-            <a:r>
-              <a:rPr lang="en-US" altLang="zh-CN" sz="1200" kern="1200" dirty="0">
-                <a:solidFill>
-                  <a:schemeClr val="tx1"/>
-                </a:solidFill>
-                <a:effectLst/>
-                <a:latin typeface="+mn-lt"/>
-                <a:ea typeface="+mn-ea"/>
-                <a:cs typeface="+mn-cs"/>
-              </a:rPr>
-              <a:t>Given</a:t>
-            </a:r>
-            <a:r>
-              <a:rPr lang="zh-CN" altLang="zh-CN" sz="1200" kern="1200" dirty="0">
-                <a:solidFill>
-                  <a:schemeClr val="tx1"/>
-                </a:solidFill>
-                <a:effectLst/>
-                <a:latin typeface="+mn-lt"/>
-                <a:ea typeface="+mn-ea"/>
-                <a:cs typeface="+mn-cs"/>
-              </a:rPr>
-              <a:t>中句子的</a:t>
-            </a:r>
-            <a:r>
-              <a:rPr lang="en-US" altLang="zh-CN" sz="1200" kern="1200" dirty="0">
-                <a:solidFill>
-                  <a:schemeClr val="tx1"/>
-                </a:solidFill>
-                <a:effectLst/>
-                <a:latin typeface="+mn-lt"/>
-                <a:ea typeface="+mn-ea"/>
-                <a:cs typeface="+mn-cs"/>
-              </a:rPr>
-              <a:t>type</a:t>
-            </a:r>
-            <a:r>
-              <a:rPr lang="zh-CN" altLang="zh-CN" sz="1200" kern="1200" dirty="0">
-                <a:solidFill>
-                  <a:schemeClr val="tx1"/>
-                </a:solidFill>
-                <a:effectLst/>
-                <a:latin typeface="+mn-lt"/>
-                <a:ea typeface="+mn-ea"/>
-                <a:cs typeface="+mn-cs"/>
-              </a:rPr>
-              <a:t>标签标记为</a:t>
-            </a:r>
-            <a:r>
-              <a:rPr lang="en-US" altLang="zh-CN" sz="1200" kern="1200" dirty="0">
-                <a:solidFill>
-                  <a:schemeClr val="tx1"/>
-                </a:solidFill>
-                <a:effectLst/>
-                <a:latin typeface="+mn-lt"/>
-                <a:ea typeface="+mn-ea"/>
-                <a:cs typeface="+mn-cs"/>
-              </a:rPr>
-              <a:t>common</a:t>
-            </a:r>
-            <a:r>
-              <a:rPr lang="zh-CN" altLang="zh-CN" sz="1200" kern="1200" dirty="0">
-                <a:solidFill>
-                  <a:schemeClr val="tx1"/>
-                </a:solidFill>
-                <a:effectLst/>
-                <a:latin typeface="+mn-lt"/>
-                <a:ea typeface="+mn-ea"/>
-                <a:cs typeface="+mn-cs"/>
-              </a:rPr>
-              <a:t>，对</a:t>
-            </a:r>
-            <a:r>
-              <a:rPr lang="en-US" altLang="zh-CN" sz="1200" kern="1200" dirty="0" err="1">
-                <a:solidFill>
-                  <a:schemeClr val="tx1"/>
-                </a:solidFill>
-                <a:effectLst/>
-                <a:latin typeface="+mn-lt"/>
-                <a:ea typeface="+mn-ea"/>
-                <a:cs typeface="+mn-cs"/>
-              </a:rPr>
-              <a:t>FlowType</a:t>
-            </a:r>
-            <a:r>
-              <a:rPr lang="zh-CN" altLang="zh-CN" sz="1200" kern="1200" dirty="0">
-                <a:solidFill>
-                  <a:schemeClr val="tx1"/>
-                </a:solidFill>
-                <a:effectLst/>
-                <a:latin typeface="+mn-lt"/>
-                <a:ea typeface="+mn-ea"/>
-                <a:cs typeface="+mn-cs"/>
-              </a:rPr>
-              <a:t>标记为</a:t>
-            </a:r>
-            <a:r>
-              <a:rPr lang="en-US" altLang="zh-CN" sz="1200" kern="1200" dirty="0">
-                <a:solidFill>
-                  <a:schemeClr val="tx1"/>
-                </a:solidFill>
-                <a:effectLst/>
-                <a:latin typeface="+mn-lt"/>
-                <a:ea typeface="+mn-ea"/>
-                <a:cs typeface="+mn-cs"/>
-              </a:rPr>
-              <a:t>bounded</a:t>
-            </a:r>
-            <a:r>
-              <a:rPr lang="zh-CN" altLang="zh-CN" sz="1200" kern="1200" dirty="0">
-                <a:solidFill>
-                  <a:schemeClr val="tx1"/>
-                </a:solidFill>
-                <a:effectLst/>
-                <a:latin typeface="+mn-lt"/>
-                <a:ea typeface="+mn-ea"/>
-                <a:cs typeface="+mn-cs"/>
-              </a:rPr>
-              <a:t>的</a:t>
-            </a:r>
-            <a:r>
-              <a:rPr lang="en-US" altLang="zh-CN" sz="1200" kern="1200" dirty="0" err="1">
-                <a:solidFill>
-                  <a:schemeClr val="tx1"/>
-                </a:solidFill>
-                <a:effectLst/>
-                <a:latin typeface="+mn-lt"/>
-                <a:ea typeface="+mn-ea"/>
-                <a:cs typeface="+mn-cs"/>
-              </a:rPr>
-              <a:t>TaggedGWT</a:t>
-            </a:r>
-            <a:r>
-              <a:rPr lang="zh-CN" altLang="zh-CN" sz="1200" kern="1200" dirty="0">
-                <a:solidFill>
-                  <a:schemeClr val="tx1"/>
-                </a:solidFill>
-                <a:effectLst/>
-                <a:latin typeface="+mn-lt"/>
-                <a:ea typeface="+mn-ea"/>
-                <a:cs typeface="+mn-cs"/>
-              </a:rPr>
-              <a:t>，将其</a:t>
-            </a:r>
-            <a:r>
-              <a:rPr lang="en-US" altLang="zh-CN" sz="1200" kern="1200" dirty="0">
-                <a:solidFill>
-                  <a:schemeClr val="tx1"/>
-                </a:solidFill>
-                <a:effectLst/>
-                <a:latin typeface="+mn-lt"/>
-                <a:ea typeface="+mn-ea"/>
-                <a:cs typeface="+mn-cs"/>
-              </a:rPr>
-              <a:t>Given</a:t>
-            </a:r>
-            <a:r>
-              <a:rPr lang="zh-CN" altLang="zh-CN" sz="1200" kern="1200" dirty="0">
-                <a:solidFill>
-                  <a:schemeClr val="tx1"/>
-                </a:solidFill>
-                <a:effectLst/>
-                <a:latin typeface="+mn-lt"/>
-                <a:ea typeface="+mn-ea"/>
-                <a:cs typeface="+mn-cs"/>
-              </a:rPr>
-              <a:t>中的句子与</a:t>
-            </a:r>
-            <a:r>
-              <a:rPr lang="en-US" altLang="zh-CN" sz="1200" kern="1200" dirty="0">
-                <a:solidFill>
-                  <a:schemeClr val="tx1"/>
-                </a:solidFill>
-                <a:effectLst/>
-                <a:latin typeface="+mn-lt"/>
-                <a:ea typeface="+mn-ea"/>
-                <a:cs typeface="+mn-cs"/>
-              </a:rPr>
-              <a:t>basic </a:t>
-            </a:r>
-            <a:r>
-              <a:rPr lang="en-US" altLang="zh-CN" sz="1200" kern="1200" dirty="0" err="1">
-                <a:solidFill>
-                  <a:schemeClr val="tx1"/>
-                </a:solidFill>
-                <a:effectLst/>
-                <a:latin typeface="+mn-lt"/>
-                <a:ea typeface="+mn-ea"/>
-                <a:cs typeface="+mn-cs"/>
-              </a:rPr>
-              <a:t>TaggedGWT</a:t>
-            </a:r>
-            <a:r>
-              <a:rPr lang="zh-CN" altLang="zh-CN" sz="1200" kern="1200" dirty="0">
-                <a:solidFill>
-                  <a:schemeClr val="tx1"/>
-                </a:solidFill>
-                <a:effectLst/>
-                <a:latin typeface="+mn-lt"/>
-                <a:ea typeface="+mn-ea"/>
-                <a:cs typeface="+mn-cs"/>
-              </a:rPr>
-              <a:t>的</a:t>
-            </a:r>
-            <a:r>
-              <a:rPr lang="en-US" altLang="zh-CN" sz="1200" kern="1200" dirty="0">
-                <a:solidFill>
-                  <a:schemeClr val="tx1"/>
-                </a:solidFill>
-                <a:effectLst/>
-                <a:latin typeface="+mn-lt"/>
-                <a:ea typeface="+mn-ea"/>
-                <a:cs typeface="+mn-cs"/>
-              </a:rPr>
-              <a:t>Given</a:t>
-            </a:r>
-            <a:r>
-              <a:rPr lang="zh-CN" altLang="zh-CN" sz="1200" kern="1200" dirty="0">
-                <a:solidFill>
-                  <a:schemeClr val="tx1"/>
-                </a:solidFill>
-                <a:effectLst/>
-                <a:latin typeface="+mn-lt"/>
-                <a:ea typeface="+mn-ea"/>
-                <a:cs typeface="+mn-cs"/>
-              </a:rPr>
-              <a:t>中的句子做相似性比较，找到其中相近的句子标记</a:t>
-            </a:r>
-            <a:r>
-              <a:rPr lang="en-US" altLang="zh-CN" sz="1200" kern="1200" dirty="0">
-                <a:solidFill>
-                  <a:schemeClr val="tx1"/>
-                </a:solidFill>
-                <a:effectLst/>
-                <a:latin typeface="+mn-lt"/>
-                <a:ea typeface="+mn-ea"/>
-                <a:cs typeface="+mn-cs"/>
-              </a:rPr>
-              <a:t>type</a:t>
-            </a:r>
-            <a:r>
-              <a:rPr lang="zh-CN" altLang="zh-CN" sz="1200" kern="1200" dirty="0">
-                <a:solidFill>
-                  <a:schemeClr val="tx1"/>
-                </a:solidFill>
-                <a:effectLst/>
-                <a:latin typeface="+mn-lt"/>
-                <a:ea typeface="+mn-ea"/>
-                <a:cs typeface="+mn-cs"/>
-              </a:rPr>
-              <a:t>为</a:t>
-            </a:r>
-            <a:r>
-              <a:rPr lang="en-US" altLang="zh-CN" sz="1200" kern="1200" dirty="0">
-                <a:solidFill>
-                  <a:schemeClr val="tx1"/>
-                </a:solidFill>
-                <a:effectLst/>
-                <a:latin typeface="+mn-lt"/>
-                <a:ea typeface="+mn-ea"/>
-                <a:cs typeface="+mn-cs"/>
-              </a:rPr>
-              <a:t>common</a:t>
-            </a:r>
-            <a:r>
-              <a:rPr lang="zh-CN" altLang="zh-CN" sz="1200" kern="1200" dirty="0">
-                <a:solidFill>
-                  <a:schemeClr val="tx1"/>
-                </a:solidFill>
-                <a:effectLst/>
-                <a:latin typeface="+mn-lt"/>
-                <a:ea typeface="+mn-ea"/>
-                <a:cs typeface="+mn-cs"/>
-              </a:rPr>
-              <a:t>，其他句子的</a:t>
-            </a:r>
-            <a:r>
-              <a:rPr lang="en-US" altLang="zh-CN" sz="1200" kern="1200" dirty="0">
-                <a:solidFill>
-                  <a:schemeClr val="tx1"/>
-                </a:solidFill>
-                <a:effectLst/>
-                <a:latin typeface="+mn-lt"/>
-                <a:ea typeface="+mn-ea"/>
-                <a:cs typeface="+mn-cs"/>
-              </a:rPr>
-              <a:t>type</a:t>
-            </a:r>
-            <a:r>
-              <a:rPr lang="zh-CN" altLang="zh-CN" sz="1200" kern="1200" dirty="0">
-                <a:solidFill>
-                  <a:schemeClr val="tx1"/>
-                </a:solidFill>
-                <a:effectLst/>
-                <a:latin typeface="+mn-lt"/>
-                <a:ea typeface="+mn-ea"/>
-                <a:cs typeface="+mn-cs"/>
-              </a:rPr>
-              <a:t>标记为</a:t>
-            </a:r>
-            <a:r>
-              <a:rPr lang="en-US" altLang="zh-CN" sz="1200" kern="1200" dirty="0">
-                <a:solidFill>
-                  <a:schemeClr val="tx1"/>
-                </a:solidFill>
-                <a:effectLst/>
-                <a:latin typeface="+mn-lt"/>
-                <a:ea typeface="+mn-ea"/>
-                <a:cs typeface="+mn-cs"/>
-              </a:rPr>
-              <a:t>unique.</a:t>
-            </a:r>
-            <a:r>
-              <a:rPr lang="zh-CN" altLang="zh-CN" sz="1200" kern="1200" dirty="0">
-                <a:solidFill>
-                  <a:schemeClr val="tx1"/>
-                </a:solidFill>
-                <a:effectLst/>
-                <a:latin typeface="+mn-lt"/>
-                <a:ea typeface="+mn-ea"/>
-                <a:cs typeface="+mn-cs"/>
-              </a:rPr>
-              <a:t>将标记为</a:t>
-            </a:r>
-            <a:r>
-              <a:rPr lang="en-US" altLang="zh-CN" sz="1200" kern="1200" dirty="0">
-                <a:solidFill>
-                  <a:schemeClr val="tx1"/>
-                </a:solidFill>
-                <a:effectLst/>
-                <a:latin typeface="+mn-lt"/>
-                <a:ea typeface="+mn-ea"/>
-                <a:cs typeface="+mn-cs"/>
-              </a:rPr>
-              <a:t>unique</a:t>
-            </a:r>
-            <a:r>
-              <a:rPr lang="zh-CN" altLang="zh-CN" sz="1200" kern="1200" dirty="0">
-                <a:solidFill>
-                  <a:schemeClr val="tx1"/>
-                </a:solidFill>
-                <a:effectLst/>
-                <a:latin typeface="+mn-lt"/>
-                <a:ea typeface="+mn-ea"/>
-                <a:cs typeface="+mn-cs"/>
-              </a:rPr>
-              <a:t>的句子与</a:t>
-            </a:r>
-            <a:r>
-              <a:rPr lang="en-US" altLang="zh-CN" sz="1200" kern="1200" dirty="0">
-                <a:solidFill>
-                  <a:schemeClr val="tx1"/>
-                </a:solidFill>
-                <a:effectLst/>
-                <a:latin typeface="+mn-lt"/>
-                <a:ea typeface="+mn-ea"/>
-                <a:cs typeface="+mn-cs"/>
-              </a:rPr>
-              <a:t>basic </a:t>
-            </a:r>
-            <a:r>
-              <a:rPr lang="en-US" altLang="zh-CN" sz="1200" kern="1200" dirty="0" err="1">
-                <a:solidFill>
-                  <a:schemeClr val="tx1"/>
-                </a:solidFill>
-                <a:effectLst/>
-                <a:latin typeface="+mn-lt"/>
-                <a:ea typeface="+mn-ea"/>
-                <a:cs typeface="+mn-cs"/>
-              </a:rPr>
-              <a:t>TaggedGWT</a:t>
-            </a:r>
-            <a:r>
-              <a:rPr lang="zh-CN" altLang="zh-CN" sz="1200" kern="1200" dirty="0">
-                <a:solidFill>
-                  <a:schemeClr val="tx1"/>
-                </a:solidFill>
-                <a:effectLst/>
-                <a:latin typeface="+mn-lt"/>
-                <a:ea typeface="+mn-ea"/>
-                <a:cs typeface="+mn-cs"/>
-              </a:rPr>
-              <a:t>中</a:t>
-            </a:r>
-            <a:r>
-              <a:rPr lang="en-US" altLang="zh-CN" sz="1200" kern="1200" dirty="0">
-                <a:solidFill>
-                  <a:schemeClr val="tx1"/>
-                </a:solidFill>
-                <a:effectLst/>
-                <a:latin typeface="+mn-lt"/>
-                <a:ea typeface="+mn-ea"/>
-                <a:cs typeface="+mn-cs"/>
-              </a:rPr>
-              <a:t>When</a:t>
-            </a:r>
-            <a:r>
-              <a:rPr lang="zh-CN" altLang="zh-CN" sz="1200" kern="1200" dirty="0">
-                <a:solidFill>
-                  <a:schemeClr val="tx1"/>
-                </a:solidFill>
-                <a:effectLst/>
-                <a:latin typeface="+mn-lt"/>
-                <a:ea typeface="+mn-ea"/>
-                <a:cs typeface="+mn-cs"/>
-              </a:rPr>
-              <a:t>记录的句子相似性进行比较，对其中相似的句子，将</a:t>
-            </a:r>
-            <a:r>
-              <a:rPr lang="en-US" altLang="zh-CN" sz="1200" kern="1200" dirty="0">
-                <a:solidFill>
-                  <a:schemeClr val="tx1"/>
-                </a:solidFill>
-                <a:effectLst/>
-                <a:latin typeface="+mn-lt"/>
-                <a:ea typeface="+mn-ea"/>
-                <a:cs typeface="+mn-cs"/>
-              </a:rPr>
-              <a:t>unique</a:t>
-            </a:r>
-            <a:r>
-              <a:rPr lang="zh-CN" altLang="zh-CN" sz="1200" kern="1200" dirty="0">
-                <a:solidFill>
-                  <a:schemeClr val="tx1"/>
-                </a:solidFill>
-                <a:effectLst/>
-                <a:latin typeface="+mn-lt"/>
-                <a:ea typeface="+mn-ea"/>
-                <a:cs typeface="+mn-cs"/>
-              </a:rPr>
-              <a:t>句子的</a:t>
-            </a:r>
-            <a:r>
-              <a:rPr lang="en-US" altLang="zh-CN" sz="1200" kern="1200" dirty="0">
-                <a:solidFill>
-                  <a:schemeClr val="tx1"/>
-                </a:solidFill>
-                <a:effectLst/>
-                <a:latin typeface="+mn-lt"/>
-                <a:ea typeface="+mn-ea"/>
-                <a:cs typeface="+mn-cs"/>
-              </a:rPr>
-              <a:t>associated</a:t>
-            </a:r>
-            <a:r>
-              <a:rPr lang="zh-CN" altLang="zh-CN" sz="1200" kern="1200" dirty="0">
-                <a:solidFill>
-                  <a:schemeClr val="tx1"/>
-                </a:solidFill>
-                <a:effectLst/>
-                <a:latin typeface="+mn-lt"/>
-                <a:ea typeface="+mn-ea"/>
-                <a:cs typeface="+mn-cs"/>
-              </a:rPr>
-              <a:t>标记为该</a:t>
-            </a:r>
-            <a:r>
-              <a:rPr lang="en-US" altLang="zh-CN" sz="1200" kern="1200" dirty="0">
-                <a:solidFill>
-                  <a:schemeClr val="tx1"/>
-                </a:solidFill>
-                <a:effectLst/>
-                <a:latin typeface="+mn-lt"/>
-                <a:ea typeface="+mn-ea"/>
-                <a:cs typeface="+mn-cs"/>
-              </a:rPr>
-              <a:t>When</a:t>
-            </a:r>
-            <a:r>
-              <a:rPr lang="zh-CN" altLang="zh-CN" sz="1200" kern="1200" dirty="0">
-                <a:solidFill>
-                  <a:schemeClr val="tx1"/>
-                </a:solidFill>
-                <a:effectLst/>
-                <a:latin typeface="+mn-lt"/>
-                <a:ea typeface="+mn-ea"/>
-                <a:cs typeface="+mn-cs"/>
-              </a:rPr>
-              <a:t>中句子的索引。</a:t>
-            </a:r>
-          </a:p>
-          <a:p>
-            <a:r>
-              <a:rPr lang="zh-CN" altLang="zh-CN" sz="1200" kern="1200" dirty="0">
-                <a:solidFill>
-                  <a:schemeClr val="tx1"/>
-                </a:solidFill>
-                <a:effectLst/>
-                <a:latin typeface="+mn-lt"/>
-                <a:ea typeface="+mn-ea"/>
-                <a:cs typeface="+mn-cs"/>
-              </a:rPr>
-              <a:t>对未标记</a:t>
-            </a:r>
-            <a:r>
-              <a:rPr lang="en-US" altLang="zh-CN" sz="1200" kern="1200" dirty="0" err="1">
-                <a:solidFill>
-                  <a:schemeClr val="tx1"/>
-                </a:solidFill>
-                <a:effectLst/>
-                <a:latin typeface="+mn-lt"/>
-                <a:ea typeface="+mn-ea"/>
-                <a:cs typeface="+mn-cs"/>
-              </a:rPr>
-              <a:t>FlowType</a:t>
-            </a:r>
-            <a:r>
-              <a:rPr lang="zh-CN" altLang="zh-CN" sz="1200" kern="1200" dirty="0">
-                <a:solidFill>
-                  <a:schemeClr val="tx1"/>
-                </a:solidFill>
-                <a:effectLst/>
-                <a:latin typeface="+mn-lt"/>
-                <a:ea typeface="+mn-ea"/>
-                <a:cs typeface="+mn-cs"/>
-              </a:rPr>
-              <a:t>的</a:t>
-            </a:r>
-            <a:r>
-              <a:rPr lang="en-US" altLang="zh-CN" sz="1200" kern="1200" dirty="0" err="1">
-                <a:solidFill>
-                  <a:schemeClr val="tx1"/>
-                </a:solidFill>
-                <a:effectLst/>
-                <a:latin typeface="+mn-lt"/>
-                <a:ea typeface="+mn-ea"/>
-                <a:cs typeface="+mn-cs"/>
-              </a:rPr>
-              <a:t>TaggedGWT</a:t>
-            </a:r>
-            <a:r>
-              <a:rPr lang="zh-CN" altLang="zh-CN" sz="1200" kern="1200" dirty="0">
-                <a:solidFill>
-                  <a:schemeClr val="tx1"/>
-                </a:solidFill>
-                <a:effectLst/>
-                <a:latin typeface="+mn-lt"/>
-                <a:ea typeface="+mn-ea"/>
-                <a:cs typeface="+mn-cs"/>
-              </a:rPr>
-              <a:t>，将其</a:t>
-            </a:r>
-            <a:r>
-              <a:rPr lang="en-US" altLang="zh-CN" sz="1200" kern="1200" dirty="0">
-                <a:solidFill>
-                  <a:schemeClr val="tx1"/>
-                </a:solidFill>
-                <a:effectLst/>
-                <a:latin typeface="+mn-lt"/>
-                <a:ea typeface="+mn-ea"/>
-                <a:cs typeface="+mn-cs"/>
-              </a:rPr>
-              <a:t>Given</a:t>
-            </a:r>
-            <a:r>
-              <a:rPr lang="zh-CN" altLang="zh-CN" sz="1200" kern="1200" dirty="0">
-                <a:solidFill>
-                  <a:schemeClr val="tx1"/>
-                </a:solidFill>
-                <a:effectLst/>
-                <a:latin typeface="+mn-lt"/>
-                <a:ea typeface="+mn-ea"/>
-                <a:cs typeface="+mn-cs"/>
-              </a:rPr>
-              <a:t>中的句子与</a:t>
-            </a:r>
-            <a:r>
-              <a:rPr lang="en-US" altLang="zh-CN" sz="1200" kern="1200" dirty="0">
-                <a:solidFill>
-                  <a:schemeClr val="tx1"/>
-                </a:solidFill>
-                <a:effectLst/>
-                <a:latin typeface="+mn-lt"/>
-                <a:ea typeface="+mn-ea"/>
-                <a:cs typeface="+mn-cs"/>
-              </a:rPr>
-              <a:t>basic </a:t>
-            </a:r>
-            <a:r>
-              <a:rPr lang="en-US" altLang="zh-CN" sz="1200" kern="1200" dirty="0" err="1">
-                <a:solidFill>
-                  <a:schemeClr val="tx1"/>
-                </a:solidFill>
-                <a:effectLst/>
-                <a:latin typeface="+mn-lt"/>
-                <a:ea typeface="+mn-ea"/>
-                <a:cs typeface="+mn-cs"/>
-              </a:rPr>
-              <a:t>TaggedGWT</a:t>
-            </a:r>
-            <a:r>
-              <a:rPr lang="zh-CN" altLang="zh-CN" sz="1200" kern="1200" dirty="0">
-                <a:solidFill>
-                  <a:schemeClr val="tx1"/>
-                </a:solidFill>
-                <a:effectLst/>
-                <a:latin typeface="+mn-lt"/>
-                <a:ea typeface="+mn-ea"/>
-                <a:cs typeface="+mn-cs"/>
-              </a:rPr>
-              <a:t>的</a:t>
-            </a:r>
-            <a:r>
-              <a:rPr lang="en-US" altLang="zh-CN" sz="1200" kern="1200" dirty="0">
-                <a:solidFill>
-                  <a:schemeClr val="tx1"/>
-                </a:solidFill>
-                <a:effectLst/>
-                <a:latin typeface="+mn-lt"/>
-                <a:ea typeface="+mn-ea"/>
-                <a:cs typeface="+mn-cs"/>
-              </a:rPr>
-              <a:t>Given</a:t>
-            </a:r>
-            <a:r>
-              <a:rPr lang="zh-CN" altLang="zh-CN" sz="1200" kern="1200" dirty="0">
-                <a:solidFill>
-                  <a:schemeClr val="tx1"/>
-                </a:solidFill>
-                <a:effectLst/>
-                <a:latin typeface="+mn-lt"/>
-                <a:ea typeface="+mn-ea"/>
-                <a:cs typeface="+mn-cs"/>
-              </a:rPr>
-              <a:t>属性记录的句子进行相似性比较，与</a:t>
-            </a:r>
-            <a:r>
-              <a:rPr lang="en-US" altLang="zh-CN" sz="1200" kern="1200" dirty="0">
-                <a:solidFill>
-                  <a:schemeClr val="tx1"/>
-                </a:solidFill>
-                <a:effectLst/>
-                <a:latin typeface="+mn-lt"/>
-                <a:ea typeface="+mn-ea"/>
-                <a:cs typeface="+mn-cs"/>
-              </a:rPr>
-              <a:t>type</a:t>
-            </a:r>
-            <a:r>
-              <a:rPr lang="zh-CN" altLang="zh-CN" sz="1200" kern="1200" dirty="0">
-                <a:solidFill>
-                  <a:schemeClr val="tx1"/>
-                </a:solidFill>
-                <a:effectLst/>
-                <a:latin typeface="+mn-lt"/>
-                <a:ea typeface="+mn-ea"/>
-                <a:cs typeface="+mn-cs"/>
-              </a:rPr>
-              <a:t>为</a:t>
-            </a:r>
-            <a:r>
-              <a:rPr lang="en-US" altLang="zh-CN" sz="1200" kern="1200" dirty="0">
-                <a:solidFill>
-                  <a:schemeClr val="tx1"/>
-                </a:solidFill>
-                <a:effectLst/>
-                <a:latin typeface="+mn-lt"/>
-                <a:ea typeface="+mn-ea"/>
-                <a:cs typeface="+mn-cs"/>
-              </a:rPr>
-              <a:t>common</a:t>
-            </a:r>
-            <a:r>
-              <a:rPr lang="zh-CN" altLang="zh-CN" sz="1200" kern="1200" dirty="0">
-                <a:solidFill>
-                  <a:schemeClr val="tx1"/>
-                </a:solidFill>
-                <a:effectLst/>
-                <a:latin typeface="+mn-lt"/>
-                <a:ea typeface="+mn-ea"/>
-                <a:cs typeface="+mn-cs"/>
-              </a:rPr>
-              <a:t>的句子相似的句子</a:t>
-            </a:r>
-            <a:r>
-              <a:rPr lang="en-US" altLang="zh-CN" sz="1200" kern="1200" dirty="0">
-                <a:solidFill>
-                  <a:schemeClr val="tx1"/>
-                </a:solidFill>
-                <a:effectLst/>
-                <a:latin typeface="+mn-lt"/>
-                <a:ea typeface="+mn-ea"/>
-                <a:cs typeface="+mn-cs"/>
-              </a:rPr>
-              <a:t>type</a:t>
-            </a:r>
-            <a:r>
-              <a:rPr lang="zh-CN" altLang="zh-CN" sz="1200" kern="1200" dirty="0">
-                <a:solidFill>
-                  <a:schemeClr val="tx1"/>
-                </a:solidFill>
-                <a:effectLst/>
-                <a:latin typeface="+mn-lt"/>
-                <a:ea typeface="+mn-ea"/>
-                <a:cs typeface="+mn-cs"/>
-              </a:rPr>
-              <a:t>标记为</a:t>
-            </a:r>
-            <a:r>
-              <a:rPr lang="en-US" altLang="zh-CN" sz="1200" kern="1200" dirty="0">
-                <a:solidFill>
-                  <a:schemeClr val="tx1"/>
-                </a:solidFill>
-                <a:effectLst/>
-                <a:latin typeface="+mn-lt"/>
-                <a:ea typeface="+mn-ea"/>
-                <a:cs typeface="+mn-cs"/>
-              </a:rPr>
-              <a:t>common</a:t>
-            </a:r>
-            <a:r>
-              <a:rPr lang="zh-CN" altLang="zh-CN" sz="1200" kern="1200" dirty="0">
-                <a:solidFill>
-                  <a:schemeClr val="tx1"/>
-                </a:solidFill>
-                <a:effectLst/>
-                <a:latin typeface="+mn-lt"/>
-                <a:ea typeface="+mn-ea"/>
-                <a:cs typeface="+mn-cs"/>
-              </a:rPr>
-              <a:t>，其他的句子</a:t>
-            </a:r>
-            <a:r>
-              <a:rPr lang="en-US" altLang="zh-CN" sz="1200" kern="1200" dirty="0">
-                <a:solidFill>
-                  <a:schemeClr val="tx1"/>
-                </a:solidFill>
-                <a:effectLst/>
-                <a:latin typeface="+mn-lt"/>
-                <a:ea typeface="+mn-ea"/>
-                <a:cs typeface="+mn-cs"/>
-              </a:rPr>
-              <a:t>type</a:t>
-            </a:r>
-            <a:r>
-              <a:rPr lang="zh-CN" altLang="zh-CN" sz="1200" kern="1200" dirty="0">
-                <a:solidFill>
-                  <a:schemeClr val="tx1"/>
-                </a:solidFill>
-                <a:effectLst/>
-                <a:latin typeface="+mn-lt"/>
-                <a:ea typeface="+mn-ea"/>
-                <a:cs typeface="+mn-cs"/>
-              </a:rPr>
-              <a:t>标记为</a:t>
-            </a:r>
-            <a:r>
-              <a:rPr lang="en-US" altLang="zh-CN" sz="1200" kern="1200" dirty="0">
-                <a:solidFill>
-                  <a:schemeClr val="tx1"/>
-                </a:solidFill>
-                <a:effectLst/>
-                <a:latin typeface="+mn-lt"/>
-                <a:ea typeface="+mn-ea"/>
-                <a:cs typeface="+mn-cs"/>
-              </a:rPr>
-              <a:t>unique</a:t>
-            </a:r>
-            <a:r>
-              <a:rPr lang="zh-CN" altLang="zh-CN" sz="1200" kern="1200" dirty="0">
-                <a:solidFill>
-                  <a:schemeClr val="tx1"/>
-                </a:solidFill>
-                <a:effectLst/>
-                <a:latin typeface="+mn-lt"/>
-                <a:ea typeface="+mn-ea"/>
-                <a:cs typeface="+mn-cs"/>
-              </a:rPr>
-              <a:t>，将</a:t>
-            </a:r>
-            <a:r>
-              <a:rPr lang="en-US" altLang="zh-CN" sz="1200" kern="1200" dirty="0">
-                <a:solidFill>
-                  <a:schemeClr val="tx1"/>
-                </a:solidFill>
-                <a:effectLst/>
-                <a:latin typeface="+mn-lt"/>
-                <a:ea typeface="+mn-ea"/>
-                <a:cs typeface="+mn-cs"/>
-              </a:rPr>
-              <a:t>unique</a:t>
-            </a:r>
-            <a:r>
-              <a:rPr lang="zh-CN" altLang="zh-CN" sz="1200" kern="1200" dirty="0">
-                <a:solidFill>
-                  <a:schemeClr val="tx1"/>
-                </a:solidFill>
-                <a:effectLst/>
-                <a:latin typeface="+mn-lt"/>
-                <a:ea typeface="+mn-ea"/>
-                <a:cs typeface="+mn-cs"/>
-              </a:rPr>
-              <a:t>的句子添加到</a:t>
-            </a:r>
-            <a:r>
-              <a:rPr lang="en-US" altLang="zh-CN" sz="1200" kern="1200" dirty="0" err="1">
-                <a:solidFill>
-                  <a:schemeClr val="tx1"/>
-                </a:solidFill>
-                <a:effectLst/>
-                <a:latin typeface="+mn-lt"/>
-                <a:ea typeface="+mn-ea"/>
-                <a:cs typeface="+mn-cs"/>
-              </a:rPr>
-              <a:t>TaggeGWT</a:t>
-            </a:r>
-            <a:r>
-              <a:rPr lang="zh-CN" altLang="zh-CN" sz="1200" kern="1200" dirty="0">
-                <a:solidFill>
-                  <a:schemeClr val="tx1"/>
-                </a:solidFill>
-                <a:effectLst/>
-                <a:latin typeface="+mn-lt"/>
-                <a:ea typeface="+mn-ea"/>
-                <a:cs typeface="+mn-cs"/>
-              </a:rPr>
-              <a:t>的</a:t>
-            </a:r>
-            <a:r>
-              <a:rPr lang="en-US" altLang="zh-CN" sz="1200" kern="1200" dirty="0">
-                <a:solidFill>
-                  <a:schemeClr val="tx1"/>
-                </a:solidFill>
-                <a:effectLst/>
-                <a:latin typeface="+mn-lt"/>
-                <a:ea typeface="+mn-ea"/>
-                <a:cs typeface="+mn-cs"/>
-              </a:rPr>
-              <a:t>condition</a:t>
-            </a:r>
-            <a:r>
-              <a:rPr lang="zh-CN" altLang="zh-CN" sz="1200" kern="1200" dirty="0">
-                <a:solidFill>
-                  <a:schemeClr val="tx1"/>
-                </a:solidFill>
-                <a:effectLst/>
-                <a:latin typeface="+mn-lt"/>
-                <a:ea typeface="+mn-ea"/>
-                <a:cs typeface="+mn-cs"/>
-              </a:rPr>
-              <a:t>属性中。在此基础上，找出</a:t>
-            </a:r>
-            <a:r>
-              <a:rPr lang="en-US" altLang="zh-CN" sz="1200" kern="1200" dirty="0">
-                <a:solidFill>
-                  <a:schemeClr val="tx1"/>
-                </a:solidFill>
-                <a:effectLst/>
-                <a:latin typeface="+mn-lt"/>
-                <a:ea typeface="+mn-ea"/>
-                <a:cs typeface="+mn-cs"/>
-              </a:rPr>
-              <a:t>basic </a:t>
-            </a:r>
-            <a:r>
-              <a:rPr lang="en-US" altLang="zh-CN" sz="1200" kern="1200" dirty="0" err="1">
-                <a:solidFill>
-                  <a:schemeClr val="tx1"/>
-                </a:solidFill>
-                <a:effectLst/>
-                <a:latin typeface="+mn-lt"/>
-                <a:ea typeface="+mn-ea"/>
-                <a:cs typeface="+mn-cs"/>
-              </a:rPr>
-              <a:t>TaggedGWT</a:t>
-            </a:r>
-            <a:r>
-              <a:rPr lang="zh-CN" altLang="zh-CN" sz="1200" kern="1200" dirty="0">
-                <a:solidFill>
-                  <a:schemeClr val="tx1"/>
-                </a:solidFill>
-                <a:effectLst/>
-                <a:latin typeface="+mn-lt"/>
-                <a:ea typeface="+mn-ea"/>
-                <a:cs typeface="+mn-cs"/>
-              </a:rPr>
-              <a:t>的</a:t>
-            </a:r>
-            <a:r>
-              <a:rPr lang="en-US" altLang="zh-CN" sz="1200" kern="1200" dirty="0">
-                <a:solidFill>
-                  <a:schemeClr val="tx1"/>
-                </a:solidFill>
-                <a:effectLst/>
-                <a:latin typeface="+mn-lt"/>
-                <a:ea typeface="+mn-ea"/>
-                <a:cs typeface="+mn-cs"/>
-              </a:rPr>
-              <a:t>When</a:t>
-            </a:r>
-            <a:r>
-              <a:rPr lang="zh-CN" altLang="zh-CN" sz="1200" kern="1200" dirty="0">
-                <a:solidFill>
-                  <a:schemeClr val="tx1"/>
-                </a:solidFill>
-                <a:effectLst/>
-                <a:latin typeface="+mn-lt"/>
-                <a:ea typeface="+mn-ea"/>
-                <a:cs typeface="+mn-cs"/>
-              </a:rPr>
-              <a:t>属性中与</a:t>
-            </a:r>
-            <a:r>
-              <a:rPr lang="en-US" altLang="zh-CN" sz="1200" kern="1200" dirty="0">
-                <a:solidFill>
-                  <a:schemeClr val="tx1"/>
-                </a:solidFill>
-                <a:effectLst/>
-                <a:latin typeface="+mn-lt"/>
-                <a:ea typeface="+mn-ea"/>
-                <a:cs typeface="+mn-cs"/>
-              </a:rPr>
-              <a:t>unique</a:t>
-            </a:r>
-            <a:r>
-              <a:rPr lang="zh-CN" altLang="zh-CN" sz="1200" kern="1200" dirty="0">
-                <a:solidFill>
-                  <a:schemeClr val="tx1"/>
-                </a:solidFill>
-                <a:effectLst/>
-                <a:latin typeface="+mn-lt"/>
-                <a:ea typeface="+mn-ea"/>
-                <a:cs typeface="+mn-cs"/>
-              </a:rPr>
-              <a:t>句子相似度最高的句子，若两个句子是相近的，则将此</a:t>
-            </a:r>
-            <a:r>
-              <a:rPr lang="en-US" altLang="zh-CN" sz="1200" kern="1200" dirty="0" err="1">
-                <a:solidFill>
-                  <a:schemeClr val="tx1"/>
-                </a:solidFill>
-                <a:effectLst/>
-                <a:latin typeface="+mn-lt"/>
-                <a:ea typeface="+mn-ea"/>
-                <a:cs typeface="+mn-cs"/>
-              </a:rPr>
-              <a:t>TaggedGWT</a:t>
-            </a:r>
-            <a:r>
-              <a:rPr lang="zh-CN" altLang="zh-CN" sz="1200" kern="1200" dirty="0">
-                <a:solidFill>
-                  <a:schemeClr val="tx1"/>
-                </a:solidFill>
-                <a:effectLst/>
-                <a:latin typeface="+mn-lt"/>
-                <a:ea typeface="+mn-ea"/>
-                <a:cs typeface="+mn-cs"/>
-              </a:rPr>
-              <a:t>的</a:t>
-            </a:r>
-            <a:r>
-              <a:rPr lang="en-US" altLang="zh-CN" sz="1200" kern="1200" dirty="0" err="1">
-                <a:solidFill>
-                  <a:schemeClr val="tx1"/>
-                </a:solidFill>
-                <a:effectLst/>
-                <a:latin typeface="+mn-lt"/>
-                <a:ea typeface="+mn-ea"/>
-                <a:cs typeface="+mn-cs"/>
-              </a:rPr>
-              <a:t>FlowType</a:t>
-            </a:r>
-            <a:r>
-              <a:rPr lang="zh-CN" altLang="zh-CN" sz="1200" kern="1200" dirty="0">
-                <a:solidFill>
-                  <a:schemeClr val="tx1"/>
-                </a:solidFill>
-                <a:effectLst/>
-                <a:latin typeface="+mn-lt"/>
-                <a:ea typeface="+mn-ea"/>
-                <a:cs typeface="+mn-cs"/>
-              </a:rPr>
-              <a:t>标记为</a:t>
-            </a:r>
-            <a:r>
-              <a:rPr lang="en-US" altLang="zh-CN" sz="1200" kern="1200" dirty="0">
-                <a:solidFill>
-                  <a:schemeClr val="tx1"/>
-                </a:solidFill>
-                <a:effectLst/>
-                <a:latin typeface="+mn-lt"/>
-                <a:ea typeface="+mn-ea"/>
-                <a:cs typeface="+mn-cs"/>
-              </a:rPr>
-              <a:t>specific</a:t>
-            </a:r>
-            <a:r>
-              <a:rPr lang="zh-CN" altLang="zh-CN" sz="1200" kern="1200" dirty="0">
-                <a:solidFill>
-                  <a:schemeClr val="tx1"/>
-                </a:solidFill>
-                <a:effectLst/>
-                <a:latin typeface="+mn-lt"/>
-                <a:ea typeface="+mn-ea"/>
-                <a:cs typeface="+mn-cs"/>
-              </a:rPr>
-              <a:t>、</a:t>
-            </a:r>
-            <a:r>
-              <a:rPr lang="en-US" altLang="zh-CN" sz="1200" kern="1200" dirty="0">
-                <a:solidFill>
-                  <a:schemeClr val="tx1"/>
-                </a:solidFill>
-                <a:effectLst/>
-                <a:latin typeface="+mn-lt"/>
-                <a:ea typeface="+mn-ea"/>
-                <a:cs typeface="+mn-cs"/>
-              </a:rPr>
-              <a:t>refer</a:t>
-            </a:r>
-            <a:r>
-              <a:rPr lang="zh-CN" altLang="zh-CN" sz="1200" kern="1200" dirty="0">
-                <a:solidFill>
-                  <a:schemeClr val="tx1"/>
-                </a:solidFill>
-                <a:effectLst/>
-                <a:latin typeface="+mn-lt"/>
-                <a:ea typeface="+mn-ea"/>
-                <a:cs typeface="+mn-cs"/>
-              </a:rPr>
-              <a:t>标记为相近句子的序号，并将句子的</a:t>
-            </a:r>
-            <a:r>
-              <a:rPr lang="en-US" altLang="zh-CN" sz="1200" kern="1200" dirty="0">
-                <a:solidFill>
-                  <a:schemeClr val="tx1"/>
-                </a:solidFill>
-                <a:effectLst/>
-                <a:latin typeface="+mn-lt"/>
-                <a:ea typeface="+mn-ea"/>
-                <a:cs typeface="+mn-cs"/>
-              </a:rPr>
-              <a:t>associated</a:t>
-            </a:r>
-            <a:r>
-              <a:rPr lang="zh-CN" altLang="zh-CN" sz="1200" kern="1200" dirty="0">
-                <a:solidFill>
-                  <a:schemeClr val="tx1"/>
-                </a:solidFill>
-                <a:effectLst/>
-                <a:latin typeface="+mn-lt"/>
-                <a:ea typeface="+mn-ea"/>
-                <a:cs typeface="+mn-cs"/>
-              </a:rPr>
-              <a:t>标签标记为预期相近的句子的序号；若两个句子不相近，则将此</a:t>
-            </a:r>
-            <a:r>
-              <a:rPr lang="en-US" altLang="zh-CN" sz="1200" kern="1200" dirty="0" err="1">
-                <a:solidFill>
-                  <a:schemeClr val="tx1"/>
-                </a:solidFill>
-                <a:effectLst/>
-                <a:latin typeface="+mn-lt"/>
-                <a:ea typeface="+mn-ea"/>
-                <a:cs typeface="+mn-cs"/>
-              </a:rPr>
-              <a:t>TaggedGWT</a:t>
-            </a:r>
-            <a:r>
-              <a:rPr lang="zh-CN" altLang="zh-CN" sz="1200" kern="1200" dirty="0">
-                <a:solidFill>
-                  <a:schemeClr val="tx1"/>
-                </a:solidFill>
-                <a:effectLst/>
-                <a:latin typeface="+mn-lt"/>
-                <a:ea typeface="+mn-ea"/>
-                <a:cs typeface="+mn-cs"/>
-              </a:rPr>
-              <a:t>的</a:t>
-            </a:r>
-            <a:r>
-              <a:rPr lang="en-US" altLang="zh-CN" sz="1200" kern="1200" dirty="0" err="1">
-                <a:solidFill>
-                  <a:schemeClr val="tx1"/>
-                </a:solidFill>
-                <a:effectLst/>
-                <a:latin typeface="+mn-lt"/>
-                <a:ea typeface="+mn-ea"/>
-                <a:cs typeface="+mn-cs"/>
-              </a:rPr>
-              <a:t>FlowType</a:t>
-            </a:r>
-            <a:r>
-              <a:rPr lang="zh-CN" altLang="zh-CN" sz="1200" kern="1200" dirty="0">
-                <a:solidFill>
-                  <a:schemeClr val="tx1"/>
-                </a:solidFill>
-                <a:effectLst/>
-                <a:latin typeface="+mn-lt"/>
-                <a:ea typeface="+mn-ea"/>
-                <a:cs typeface="+mn-cs"/>
-              </a:rPr>
-              <a:t>标记为</a:t>
-            </a:r>
-            <a:r>
-              <a:rPr lang="en-US" altLang="zh-CN" sz="1200" kern="1200" dirty="0">
-                <a:solidFill>
-                  <a:schemeClr val="tx1"/>
-                </a:solidFill>
-                <a:effectLst/>
-                <a:latin typeface="+mn-lt"/>
-                <a:ea typeface="+mn-ea"/>
-                <a:cs typeface="+mn-cs"/>
-              </a:rPr>
-              <a:t>global</a:t>
-            </a:r>
-            <a:r>
-              <a:rPr lang="zh-CN" altLang="zh-CN" sz="1200" kern="1200" dirty="0">
-                <a:solidFill>
-                  <a:schemeClr val="tx1"/>
-                </a:solidFill>
-                <a:effectLst/>
-                <a:latin typeface="+mn-lt"/>
-                <a:ea typeface="+mn-ea"/>
-                <a:cs typeface="+mn-cs"/>
-              </a:rPr>
-              <a:t>，将</a:t>
-            </a:r>
-            <a:r>
-              <a:rPr lang="en-US" altLang="zh-CN" sz="1200" kern="1200" dirty="0">
-                <a:solidFill>
-                  <a:schemeClr val="tx1"/>
-                </a:solidFill>
-                <a:effectLst/>
-                <a:latin typeface="+mn-lt"/>
-                <a:ea typeface="+mn-ea"/>
-                <a:cs typeface="+mn-cs"/>
-              </a:rPr>
-              <a:t>unique</a:t>
-            </a:r>
-            <a:r>
-              <a:rPr lang="zh-CN" altLang="zh-CN" sz="1200" kern="1200" dirty="0">
-                <a:solidFill>
-                  <a:schemeClr val="tx1"/>
-                </a:solidFill>
-                <a:effectLst/>
-                <a:latin typeface="+mn-lt"/>
-                <a:ea typeface="+mn-ea"/>
-                <a:cs typeface="+mn-cs"/>
-              </a:rPr>
-              <a:t>的句子记录到此</a:t>
-            </a:r>
-            <a:r>
-              <a:rPr lang="en-US" altLang="zh-CN" sz="1200" kern="1200" dirty="0" err="1">
-                <a:solidFill>
-                  <a:schemeClr val="tx1"/>
-                </a:solidFill>
-                <a:effectLst/>
-                <a:latin typeface="+mn-lt"/>
-                <a:ea typeface="+mn-ea"/>
-                <a:cs typeface="+mn-cs"/>
-              </a:rPr>
-              <a:t>TaggedGWT</a:t>
-            </a:r>
-            <a:r>
-              <a:rPr lang="zh-CN" altLang="zh-CN" sz="1200" kern="1200" dirty="0">
-                <a:solidFill>
-                  <a:schemeClr val="tx1"/>
-                </a:solidFill>
-                <a:effectLst/>
-                <a:latin typeface="+mn-lt"/>
-                <a:ea typeface="+mn-ea"/>
-                <a:cs typeface="+mn-cs"/>
-              </a:rPr>
-              <a:t>的</a:t>
-            </a:r>
-            <a:r>
-              <a:rPr lang="en-US" altLang="zh-CN" sz="1200" kern="1200" dirty="0">
-                <a:solidFill>
-                  <a:schemeClr val="tx1"/>
-                </a:solidFill>
-                <a:effectLst/>
-                <a:latin typeface="+mn-lt"/>
-                <a:ea typeface="+mn-ea"/>
-                <a:cs typeface="+mn-cs"/>
-              </a:rPr>
-              <a:t>condition</a:t>
-            </a:r>
-            <a:r>
-              <a:rPr lang="zh-CN" altLang="zh-CN" sz="1200" kern="1200" dirty="0">
-                <a:solidFill>
-                  <a:schemeClr val="tx1"/>
-                </a:solidFill>
-                <a:effectLst/>
-                <a:latin typeface="+mn-lt"/>
-                <a:ea typeface="+mn-ea"/>
-                <a:cs typeface="+mn-cs"/>
-              </a:rPr>
-              <a:t>属性。</a:t>
-            </a:r>
-          </a:p>
-          <a:p>
-            <a:r>
               <a:rPr lang="en-US" altLang="zh-CN" sz="1200" kern="1200" dirty="0">
                 <a:solidFill>
                   <a:schemeClr val="tx1"/>
@@ -16044,7 +13629,7 @@
                 <a:ea typeface="+mn-ea"/>
                 <a:cs typeface="+mn-cs"/>
               </a:rPr>
-              <a:t>：遍历一组</a:t>
+              <a:t>：将所有</a:t>
             </a:r>
             <a:r>
               <a:rPr lang="en-US" altLang="zh-CN" sz="1200" kern="1200" dirty="0" err="1">
@@ -16068,7 +13653,31 @@
                 <a:ea typeface="+mn-ea"/>
                 <a:cs typeface="+mn-cs"/>
               </a:rPr>
-              <a:t>，将所有</a:t>
+              <a:t>的</a:t>
+            </a:r>
+            <a:r>
+              <a:rPr lang="en-US" altLang="zh-CN" sz="1200" kern="1200" dirty="0">
+                <a:solidFill>
+                  <a:schemeClr val="tx1"/>
+                </a:solidFill>
+                <a:effectLst/>
+                <a:latin typeface="+mn-lt"/>
+                <a:ea typeface="+mn-ea"/>
+                <a:cs typeface="+mn-cs"/>
+              </a:rPr>
+              <a:t>Scenario</a:t>
+            </a:r>
+            <a:r>
+              <a:rPr lang="zh-CN" altLang="zh-CN" sz="1200" kern="1200" dirty="0">
+                <a:solidFill>
+                  <a:schemeClr val="tx1"/>
+                </a:solidFill>
+                <a:effectLst/>
+                <a:latin typeface="+mn-lt"/>
+                <a:ea typeface="+mn-ea"/>
+                <a:cs typeface="+mn-cs"/>
+              </a:rPr>
+              <a:t>句子组合成一个文本，使用</a:t>
             </a:r>
             <a:r>
               <a:rPr lang="en-US" altLang="zh-CN" sz="1200" kern="1200" dirty="0" err="1">
@@ -16080,7 +13689,7 @@
                 <a:ea typeface="+mn-ea"/>
                 <a:cs typeface="+mn-cs"/>
               </a:rPr>
-              <a:t>TaggedGWT</a:t>
+              <a:t>TextRank</a:t>
             </a:r>
             <a:r>
               <a:rPr lang="zh-CN" altLang="zh-CN" sz="1200" kern="1200" dirty="0">
@@ -16092,79 +13701,7 @@
                 <a:ea typeface="+mn-ea"/>
                 <a:cs typeface="+mn-cs"/>
               </a:rPr>
-              <a:t>的</a:t>
-            </a:r>
-            <a:r>
-              <a:rPr lang="en-US" altLang="zh-CN" sz="1200" kern="1200" dirty="0">
-                <a:solidFill>
-                  <a:schemeClr val="tx1"/>
-                </a:solidFill>
-                <a:effectLst/>
-                <a:latin typeface="+mn-lt"/>
-                <a:ea typeface="+mn-ea"/>
-                <a:cs typeface="+mn-cs"/>
-              </a:rPr>
-              <a:t>Scenario</a:t>
-            </a:r>
-            <a:r>
-              <a:rPr lang="zh-CN" altLang="zh-CN" sz="1200" kern="1200" dirty="0">
-                <a:solidFill>
-                  <a:schemeClr val="tx1"/>
-                </a:solidFill>
-                <a:effectLst/>
-                <a:latin typeface="+mn-lt"/>
-                <a:ea typeface="+mn-ea"/>
-                <a:cs typeface="+mn-cs"/>
-              </a:rPr>
-              <a:t>句子中的</a:t>
-            </a:r>
-            <a:r>
-              <a:rPr lang="en-US" altLang="zh-CN" sz="1200" kern="1200" dirty="0" err="1">
-                <a:solidFill>
-                  <a:schemeClr val="tx1"/>
-                </a:solidFill>
-                <a:effectLst/>
-                <a:latin typeface="+mn-lt"/>
-                <a:ea typeface="+mn-ea"/>
-                <a:cs typeface="+mn-cs"/>
-              </a:rPr>
-              <a:t>originContent</a:t>
-            </a:r>
-            <a:r>
-              <a:rPr lang="zh-CN" altLang="zh-CN" sz="1200" kern="1200" dirty="0">
-                <a:solidFill>
-                  <a:schemeClr val="tx1"/>
-                </a:solidFill>
-                <a:effectLst/>
-                <a:latin typeface="+mn-lt"/>
-                <a:ea typeface="+mn-ea"/>
-                <a:cs typeface="+mn-cs"/>
-              </a:rPr>
-              <a:t>组合成一个文本，使用</a:t>
-            </a:r>
-            <a:r>
-              <a:rPr lang="en-US" altLang="zh-CN" sz="1200" kern="1200" dirty="0" err="1">
-                <a:solidFill>
-                  <a:schemeClr val="tx1"/>
-                </a:solidFill>
-                <a:effectLst/>
-                <a:latin typeface="+mn-lt"/>
-                <a:ea typeface="+mn-ea"/>
-                <a:cs typeface="+mn-cs"/>
-              </a:rPr>
-              <a:t>TextRank</a:t>
-            </a:r>
-            <a:r>
-              <a:rPr lang="zh-CN" altLang="zh-CN" sz="1200" kern="1200" dirty="0">
-                <a:solidFill>
-                  <a:schemeClr val="tx1"/>
-                </a:solidFill>
-                <a:effectLst/>
-                <a:latin typeface="+mn-lt"/>
-                <a:ea typeface="+mn-ea"/>
-                <a:cs typeface="+mn-cs"/>
-              </a:rPr>
-              <a:t>算法对文本进行摘要生成，将生成的摘要文本作为</a:t>
+              <a:t>算法对文本进行摘要生成作为</a:t>
             </a:r>
             <a:r>
               <a:rPr lang="en-US" altLang="zh-CN" sz="1200" kern="1200" dirty="0">
@@ -16799,6 +14336,29 @@
               </a:rPr>
               <a:t>TaggedGWT</a:t>
             </a:r>
+            <a:endParaRPr lang="en-US" altLang="zh-CN" sz="1200" kern="1200" dirty="0">
+              <a:solidFill>
+                <a:schemeClr val="tx1"/>
+              </a:solidFill>
+              <a:effectLst/>
+              <a:latin typeface="+mn-lt"/>
+              <a:ea typeface="+mn-ea"/>
+              <a:cs typeface="+mn-cs"/>
+            </a:endParaRPr>
+          </a:p>
+          <a:p>
+            <a:r>
+              <a:rPr lang="en-US" altLang="zh-CN" sz="1200" kern="1200" dirty="0">
+                <a:solidFill>
+                  <a:schemeClr val="tx1"/>
+                </a:solidFill>
+                <a:effectLst/>
+                <a:latin typeface="+mn-lt"/>
+                <a:ea typeface="+mn-ea"/>
+                <a:cs typeface="+mn-cs"/>
+              </a:rPr>
+              <a:t>Specific Alternative Flow</a:t>
+            </a:r>
             <a:r>
               <a:rPr lang="zh-CN" altLang="zh-CN" sz="1200" kern="1200" dirty="0">
                 <a:solidFill>
@@ -16809,7 +14369,7 @@
                 <a:ea typeface="+mn-ea"/>
                 <a:cs typeface="+mn-cs"/>
               </a:rPr>
-              <a:t>，将此</a:t>
+              <a:t>：使用</a:t>
             </a:r>
             <a:r>
               <a:rPr lang="en-US" altLang="zh-CN" sz="1200" kern="1200" dirty="0" err="1">
@@ -16821,6 +14381,54 @@
                 <a:ea typeface="+mn-ea"/>
                 <a:cs typeface="+mn-cs"/>
               </a:rPr>
+              <a:t>FlowType</a:t>
+            </a:r>
+            <a:r>
+              <a:rPr lang="zh-CN" altLang="zh-CN" sz="1200" kern="1200" dirty="0">
+                <a:solidFill>
+                  <a:schemeClr val="tx1"/>
+                </a:solidFill>
+                <a:effectLst/>
+                <a:latin typeface="+mn-lt"/>
+                <a:ea typeface="+mn-ea"/>
+                <a:cs typeface="+mn-cs"/>
+              </a:rPr>
+              <a:t>标记为</a:t>
+            </a:r>
+            <a:r>
+              <a:rPr lang="en-US" altLang="zh-CN" sz="1200" kern="1200" dirty="0">
+                <a:solidFill>
+                  <a:schemeClr val="tx1"/>
+                </a:solidFill>
+                <a:effectLst/>
+                <a:latin typeface="+mn-lt"/>
+                <a:ea typeface="+mn-ea"/>
+                <a:cs typeface="+mn-cs"/>
+              </a:rPr>
+              <a:t>specific</a:t>
+            </a:r>
+            <a:r>
+              <a:rPr lang="zh-CN" altLang="zh-CN" sz="1200" kern="1200" dirty="0">
+                <a:solidFill>
+                  <a:schemeClr val="tx1"/>
+                </a:solidFill>
+                <a:effectLst/>
+                <a:latin typeface="+mn-lt"/>
+                <a:ea typeface="+mn-ea"/>
+                <a:cs typeface="+mn-cs"/>
+              </a:rPr>
+              <a:t>的</a:t>
+            </a:r>
+            <a:r>
+              <a:rPr lang="en-US" altLang="zh-CN" sz="1200" kern="1200" dirty="0" err="1">
+                <a:solidFill>
+                  <a:schemeClr val="tx1"/>
+                </a:solidFill>
+                <a:effectLst/>
+                <a:latin typeface="+mn-lt"/>
+                <a:ea typeface="+mn-ea"/>
+                <a:cs typeface="+mn-cs"/>
+              </a:rPr>
               <a:t>TaggedGWT</a:t>
             </a:r>
             <a:r>
@@ -16833,9 +14441,128 @@
                 <a:ea typeface="+mn-ea"/>
                 <a:cs typeface="+mn-cs"/>
               </a:rPr>
+              <a:t>（如果有</a:t>
+            </a:r>
+            <a:r>
+              <a:rPr lang="zh-CN" altLang="en-US" sz="1200" kern="1200" dirty="0">
+                <a:solidFill>
+                  <a:schemeClr val="tx1"/>
+                </a:solidFill>
+                <a:effectLst/>
+                <a:latin typeface="+mn-lt"/>
+                <a:ea typeface="+mn-ea"/>
+                <a:cs typeface="+mn-cs"/>
+              </a:rPr>
+              <a:t>）</a:t>
+            </a:r>
+            <a:endParaRPr lang="en-US" altLang="zh-CN" sz="1200" kern="1200" dirty="0">
+              <a:solidFill>
+                <a:schemeClr val="tx1"/>
+              </a:solidFill>
+              <a:effectLst/>
+              <a:latin typeface="+mn-lt"/>
+              <a:ea typeface="+mn-ea"/>
+              <a:cs typeface="+mn-cs"/>
+            </a:endParaRPr>
+          </a:p>
+          <a:p>
+            <a:r>
+              <a:rPr lang="en-US" altLang="zh-CN" sz="1200" kern="1200" dirty="0">
+                <a:solidFill>
+                  <a:schemeClr val="tx1"/>
+                </a:solidFill>
+                <a:effectLst/>
+                <a:latin typeface="+mn-lt"/>
+                <a:ea typeface="+mn-ea"/>
+                <a:cs typeface="+mn-cs"/>
+              </a:rPr>
+              <a:t>Bounded Alternative Flow</a:t>
+            </a:r>
+            <a:r>
+              <a:rPr lang="zh-CN" altLang="zh-CN" sz="1200" kern="1200" dirty="0">
+                <a:solidFill>
+                  <a:schemeClr val="tx1"/>
+                </a:solidFill>
+                <a:effectLst/>
+                <a:latin typeface="+mn-lt"/>
+                <a:ea typeface="+mn-ea"/>
+                <a:cs typeface="+mn-cs"/>
+              </a:rPr>
+              <a:t>：使用</a:t>
+            </a:r>
+            <a:r>
+              <a:rPr lang="en-US" altLang="zh-CN" sz="1200" kern="1200" dirty="0" err="1">
+                <a:solidFill>
+                  <a:schemeClr val="tx1"/>
+                </a:solidFill>
+                <a:effectLst/>
+                <a:latin typeface="+mn-lt"/>
+                <a:ea typeface="+mn-ea"/>
+                <a:cs typeface="+mn-cs"/>
+              </a:rPr>
+              <a:t>FlowType</a:t>
+            </a:r>
+            <a:r>
+              <a:rPr lang="zh-CN" altLang="zh-CN" sz="1200" kern="1200" dirty="0">
+                <a:solidFill>
+                  <a:schemeClr val="tx1"/>
+                </a:solidFill>
+                <a:effectLst/>
+                <a:latin typeface="+mn-lt"/>
+                <a:ea typeface="+mn-ea"/>
+                <a:cs typeface="+mn-cs"/>
+              </a:rPr>
+              <a:t>标记为</a:t>
+            </a:r>
+            <a:r>
+              <a:rPr lang="en-US" altLang="zh-CN" sz="1200" kern="1200" dirty="0">
+                <a:solidFill>
+                  <a:schemeClr val="tx1"/>
+                </a:solidFill>
+                <a:effectLst/>
+                <a:latin typeface="+mn-lt"/>
+                <a:ea typeface="+mn-ea"/>
+                <a:cs typeface="+mn-cs"/>
+              </a:rPr>
+              <a:t>bounded</a:t>
+            </a:r>
+            <a:r>
+              <a:rPr lang="zh-CN" altLang="zh-CN" sz="1200" kern="1200" dirty="0">
+                <a:solidFill>
+                  <a:schemeClr val="tx1"/>
+                </a:solidFill>
+                <a:effectLst/>
+                <a:latin typeface="+mn-lt"/>
+                <a:ea typeface="+mn-ea"/>
+                <a:cs typeface="+mn-cs"/>
+              </a:rPr>
               <a:t>的</a:t>
             </a:r>
             <a:r>
+              <a:rPr lang="en-US" altLang="zh-CN" sz="1200" kern="1200" dirty="0" err="1">
+                <a:solidFill>
+                  <a:schemeClr val="tx1"/>
+                </a:solidFill>
+                <a:effectLst/>
+                <a:latin typeface="+mn-lt"/>
+                <a:ea typeface="+mn-ea"/>
+                <a:cs typeface="+mn-cs"/>
+              </a:rPr>
+              <a:t>TaggedGWT</a:t>
+            </a:r>
+            <a:r>
+              <a:rPr lang="zh-CN" altLang="zh-CN" sz="1200" kern="1200" dirty="0">
+                <a:solidFill>
+                  <a:schemeClr val="tx1"/>
+                </a:solidFill>
+                <a:effectLst/>
+                <a:latin typeface="+mn-lt"/>
+                <a:ea typeface="+mn-ea"/>
+                <a:cs typeface="+mn-cs"/>
+              </a:rPr>
+              <a:t>（如果有</a:t>
+            </a:r>
+            <a:r>
               <a:rPr lang="en-US" altLang="zh-CN" sz="1200" kern="1200" dirty="0">
                 <a:solidFill>
                   <a:schemeClr val="tx1"/>
@@ -16845,7 +14572,21 @@
                 <a:ea typeface="+mn-ea"/>
                 <a:cs typeface="+mn-cs"/>
               </a:rPr>
-              <a:t>When</a:t>
+              <a:t>)</a:t>
+            </a:r>
+          </a:p>
+          <a:p>
+            <a:r>
+              <a:rPr lang="en-US" altLang="zh-CN" sz="1200" kern="1200" dirty="0">
+                <a:solidFill>
+                  <a:schemeClr val="tx1"/>
+                </a:solidFill>
+                <a:effectLst/>
+                <a:latin typeface="+mn-lt"/>
+                <a:ea typeface="+mn-ea"/>
+                <a:cs typeface="+mn-cs"/>
+              </a:rPr>
+              <a:t>Global Alternative Flow</a:t>
             </a:r>
             <a:r>
               <a:rPr lang="zh-CN" altLang="zh-CN" sz="1200" kern="1200" dirty="0">
@@ -16857,7 +14598,7 @@
                 <a:ea typeface="+mn-ea"/>
                 <a:cs typeface="+mn-cs"/>
               </a:rPr>
-              <a:t>属性中句子的</a:t>
+              <a:t>：使用</a:t>
             </a:r>
             <a:r>
               <a:rPr lang="en-US" altLang="zh-CN" sz="1200" kern="1200" dirty="0" err="1">
@@ -16869,7 +14610,7 @@
                 <a:ea typeface="+mn-ea"/>
                 <a:cs typeface="+mn-cs"/>
               </a:rPr>
-              <a:t>normalContent</a:t>
+              <a:t>FlowType</a:t>
             </a:r>
             <a:r>
               <a:rPr lang="zh-CN" altLang="zh-CN" sz="1200" kern="1200" dirty="0">
@@ -16881,7 +14622,7 @@
                 <a:ea typeface="+mn-ea"/>
                 <a:cs typeface="+mn-cs"/>
               </a:rPr>
-              <a:t>依次作为</a:t>
+              <a:t>标记为</a:t>
             </a:r>
             <a:r>
               <a:rPr lang="en-US" altLang="zh-CN" sz="1200" kern="1200" dirty="0">
@@ -16893,7 +14634,7 @@
                 <a:ea typeface="+mn-ea"/>
                 <a:cs typeface="+mn-cs"/>
               </a:rPr>
-              <a:t>Basic Flow</a:t>
+              <a:t>global</a:t>
             </a:r>
             <a:r>
               <a:rPr lang="zh-CN" altLang="zh-CN" sz="1200" kern="1200" dirty="0">
@@ -16905,19 +14646,19 @@
                 <a:ea typeface="+mn-ea"/>
                 <a:cs typeface="+mn-cs"/>
               </a:rPr>
-              <a:t>中的</a:t>
-            </a:r>
-            <a:r>
-              <a:rPr lang="en-US" altLang="zh-CN" sz="1200" kern="1200" dirty="0">
-                <a:solidFill>
-                  <a:schemeClr val="tx1"/>
-                </a:solidFill>
-                <a:effectLst/>
-                <a:latin typeface="+mn-lt"/>
-                <a:ea typeface="+mn-ea"/>
-                <a:cs typeface="+mn-cs"/>
-              </a:rPr>
-              <a:t>action</a:t>
+              <a:t>的</a:t>
+            </a:r>
+            <a:r>
+              <a:rPr lang="en-US" altLang="zh-CN" sz="1200" kern="1200" dirty="0" err="1">
+                <a:solidFill>
+                  <a:schemeClr val="tx1"/>
+                </a:solidFill>
+                <a:effectLst/>
+                <a:latin typeface="+mn-lt"/>
+                <a:ea typeface="+mn-ea"/>
+                <a:cs typeface="+mn-cs"/>
+              </a:rPr>
+              <a:t>TaggedGWT</a:t>
             </a:r>
             <a:r>
               <a:rPr lang="zh-CN" altLang="zh-CN" sz="1200" kern="1200" dirty="0">
@@ -16929,1408 +14670,8 @@
                 <a:ea typeface="+mn-ea"/>
                 <a:cs typeface="+mn-cs"/>
               </a:rPr>
-              <a:t>，将此</a:t>
-            </a:r>
-            <a:r>
-              <a:rPr lang="en-US" altLang="zh-CN" sz="1200" kern="1200" dirty="0" err="1">
-                <a:solidFill>
-                  <a:schemeClr val="tx1"/>
-                </a:solidFill>
-                <a:effectLst/>
-                <a:latin typeface="+mn-lt"/>
-                <a:ea typeface="+mn-ea"/>
-                <a:cs typeface="+mn-cs"/>
-              </a:rPr>
-              <a:t>TaggedGWT</a:t>
-            </a:r>
-            <a:r>
-              <a:rPr lang="zh-CN" altLang="zh-CN" sz="1200" kern="1200" dirty="0">
-                <a:solidFill>
-                  <a:schemeClr val="tx1"/>
-                </a:solidFill>
-                <a:effectLst/>
-                <a:latin typeface="+mn-lt"/>
-                <a:ea typeface="+mn-ea"/>
-                <a:cs typeface="+mn-cs"/>
-              </a:rPr>
-              <a:t>的</a:t>
-            </a:r>
-            <a:r>
-              <a:rPr lang="en-US" altLang="zh-CN" sz="1200" kern="1200" dirty="0">
-                <a:solidFill>
-                  <a:schemeClr val="tx1"/>
-                </a:solidFill>
-                <a:effectLst/>
-                <a:latin typeface="+mn-lt"/>
-                <a:ea typeface="+mn-ea"/>
-                <a:cs typeface="+mn-cs"/>
-              </a:rPr>
-              <a:t>Then</a:t>
-            </a:r>
-            <a:r>
-              <a:rPr lang="zh-CN" altLang="zh-CN" sz="1200" kern="1200" dirty="0">
-                <a:solidFill>
-                  <a:schemeClr val="tx1"/>
-                </a:solidFill>
-                <a:effectLst/>
-                <a:latin typeface="+mn-lt"/>
-                <a:ea typeface="+mn-ea"/>
-                <a:cs typeface="+mn-cs"/>
-              </a:rPr>
-              <a:t>属性中句子的</a:t>
-            </a:r>
-            <a:r>
-              <a:rPr lang="en-US" altLang="zh-CN" sz="1200" kern="1200" dirty="0" err="1">
-                <a:solidFill>
-                  <a:schemeClr val="tx1"/>
-                </a:solidFill>
-                <a:effectLst/>
-                <a:latin typeface="+mn-lt"/>
-                <a:ea typeface="+mn-ea"/>
-                <a:cs typeface="+mn-cs"/>
-              </a:rPr>
-              <a:t>normalContent</a:t>
-            </a:r>
-            <a:r>
-              <a:rPr lang="zh-CN" altLang="zh-CN" sz="1200" kern="1200" dirty="0">
-                <a:solidFill>
-                  <a:schemeClr val="tx1"/>
-                </a:solidFill>
-                <a:effectLst/>
-                <a:latin typeface="+mn-lt"/>
-                <a:ea typeface="+mn-ea"/>
-                <a:cs typeface="+mn-cs"/>
-              </a:rPr>
-              <a:t>连接成</a:t>
-            </a:r>
-            <a:r>
-              <a:rPr lang="en-US" altLang="zh-CN" sz="1200" kern="1200" dirty="0">
-                <a:solidFill>
-                  <a:schemeClr val="tx1"/>
-                </a:solidFill>
-                <a:effectLst/>
-                <a:latin typeface="+mn-lt"/>
-                <a:ea typeface="+mn-ea"/>
-                <a:cs typeface="+mn-cs"/>
-              </a:rPr>
-              <a:t>Basic Flow</a:t>
-            </a:r>
-            <a:r>
-              <a:rPr lang="zh-CN" altLang="zh-CN" sz="1200" kern="1200" dirty="0">
-                <a:solidFill>
-                  <a:schemeClr val="tx1"/>
-                </a:solidFill>
-                <a:effectLst/>
-                <a:latin typeface="+mn-lt"/>
-                <a:ea typeface="+mn-ea"/>
-                <a:cs typeface="+mn-cs"/>
-              </a:rPr>
-              <a:t>的</a:t>
-            </a:r>
-            <a:r>
-              <a:rPr lang="en-US" altLang="zh-CN" sz="1200" kern="1200" dirty="0">
-                <a:solidFill>
-                  <a:schemeClr val="tx1"/>
-                </a:solidFill>
-                <a:effectLst/>
-                <a:latin typeface="+mn-lt"/>
-                <a:ea typeface="+mn-ea"/>
-                <a:cs typeface="+mn-cs"/>
-              </a:rPr>
-              <a:t>postcondition</a:t>
-            </a:r>
-            <a:r>
-              <a:rPr lang="zh-CN" altLang="zh-CN" sz="1200" kern="1200" dirty="0">
-                <a:solidFill>
-                  <a:schemeClr val="tx1"/>
-                </a:solidFill>
-                <a:effectLst/>
-                <a:latin typeface="+mn-lt"/>
-                <a:ea typeface="+mn-ea"/>
-                <a:cs typeface="+mn-cs"/>
-              </a:rPr>
-              <a:t>。</a:t>
-            </a:r>
-          </a:p>
-          <a:p>
-            <a:r>
-              <a:rPr lang="en-US" altLang="zh-CN" sz="1200" kern="1200" dirty="0">
-                <a:solidFill>
-                  <a:schemeClr val="tx1"/>
-                </a:solidFill>
-                <a:effectLst/>
-                <a:latin typeface="+mn-lt"/>
-                <a:ea typeface="+mn-ea"/>
-                <a:cs typeface="+mn-cs"/>
-              </a:rPr>
-              <a:t>Specific Alternative Flow</a:t>
-            </a:r>
-            <a:r>
-              <a:rPr lang="zh-CN" altLang="zh-CN" sz="1200" kern="1200" dirty="0">
-                <a:solidFill>
-                  <a:schemeClr val="tx1"/>
-                </a:solidFill>
-                <a:effectLst/>
-                <a:latin typeface="+mn-lt"/>
-                <a:ea typeface="+mn-ea"/>
-                <a:cs typeface="+mn-cs"/>
-              </a:rPr>
-              <a:t>：使用</a:t>
-            </a:r>
-            <a:r>
-              <a:rPr lang="en-US" altLang="zh-CN" sz="1200" kern="1200" dirty="0" err="1">
-                <a:solidFill>
-                  <a:schemeClr val="tx1"/>
-                </a:solidFill>
-                <a:effectLst/>
-                <a:latin typeface="+mn-lt"/>
-                <a:ea typeface="+mn-ea"/>
-                <a:cs typeface="+mn-cs"/>
-              </a:rPr>
-              <a:t>FlowType</a:t>
-            </a:r>
-            <a:r>
-              <a:rPr lang="zh-CN" altLang="zh-CN" sz="1200" kern="1200" dirty="0">
-                <a:solidFill>
-                  <a:schemeClr val="tx1"/>
-                </a:solidFill>
-                <a:effectLst/>
-                <a:latin typeface="+mn-lt"/>
-                <a:ea typeface="+mn-ea"/>
-                <a:cs typeface="+mn-cs"/>
-              </a:rPr>
-              <a:t>标记为</a:t>
-            </a:r>
-            <a:r>
-              <a:rPr lang="en-US" altLang="zh-CN" sz="1200" kern="1200" dirty="0">
-                <a:solidFill>
-                  <a:schemeClr val="tx1"/>
-                </a:solidFill>
-                <a:effectLst/>
-                <a:latin typeface="+mn-lt"/>
-                <a:ea typeface="+mn-ea"/>
-                <a:cs typeface="+mn-cs"/>
-              </a:rPr>
-              <a:t>specific</a:t>
-            </a:r>
-            <a:r>
-              <a:rPr lang="zh-CN" altLang="zh-CN" sz="1200" kern="1200" dirty="0">
-                <a:solidFill>
-                  <a:schemeClr val="tx1"/>
-                </a:solidFill>
-                <a:effectLst/>
-                <a:latin typeface="+mn-lt"/>
-                <a:ea typeface="+mn-ea"/>
-                <a:cs typeface="+mn-cs"/>
-              </a:rPr>
-              <a:t>的</a:t>
-            </a:r>
-            <a:r>
-              <a:rPr lang="en-US" altLang="zh-CN" sz="1200" kern="1200" dirty="0" err="1">
-                <a:solidFill>
-                  <a:schemeClr val="tx1"/>
-                </a:solidFill>
-                <a:effectLst/>
-                <a:latin typeface="+mn-lt"/>
-                <a:ea typeface="+mn-ea"/>
-                <a:cs typeface="+mn-cs"/>
-              </a:rPr>
-              <a:t>TaggedGWT</a:t>
-            </a:r>
-            <a:r>
-              <a:rPr lang="zh-CN" altLang="zh-CN" sz="1200" kern="1200" dirty="0">
-                <a:solidFill>
-                  <a:schemeClr val="tx1"/>
-                </a:solidFill>
-                <a:effectLst/>
-                <a:latin typeface="+mn-lt"/>
-                <a:ea typeface="+mn-ea"/>
-                <a:cs typeface="+mn-cs"/>
-              </a:rPr>
-              <a:t>（如果有），将此</a:t>
-            </a:r>
-            <a:r>
-              <a:rPr lang="en-US" altLang="zh-CN" sz="1200" kern="1200" dirty="0" err="1">
-                <a:solidFill>
-                  <a:schemeClr val="tx1"/>
-                </a:solidFill>
-                <a:effectLst/>
-                <a:latin typeface="+mn-lt"/>
-                <a:ea typeface="+mn-ea"/>
-                <a:cs typeface="+mn-cs"/>
-              </a:rPr>
-              <a:t>TaggedGWT</a:t>
-            </a:r>
-            <a:r>
-              <a:rPr lang="zh-CN" altLang="zh-CN" sz="1200" kern="1200" dirty="0">
-                <a:solidFill>
-                  <a:schemeClr val="tx1"/>
-                </a:solidFill>
-                <a:effectLst/>
-                <a:latin typeface="+mn-lt"/>
-                <a:ea typeface="+mn-ea"/>
-                <a:cs typeface="+mn-cs"/>
-              </a:rPr>
-              <a:t>的</a:t>
-            </a:r>
-            <a:r>
-              <a:rPr lang="en-US" altLang="zh-CN" sz="1200" kern="1200" dirty="0">
-                <a:solidFill>
-                  <a:schemeClr val="tx1"/>
-                </a:solidFill>
-                <a:effectLst/>
-                <a:latin typeface="+mn-lt"/>
-                <a:ea typeface="+mn-ea"/>
-                <a:cs typeface="+mn-cs"/>
-              </a:rPr>
-              <a:t>Refer</a:t>
-            </a:r>
-            <a:r>
-              <a:rPr lang="zh-CN" altLang="zh-CN" sz="1200" kern="1200" dirty="0">
-                <a:solidFill>
-                  <a:schemeClr val="tx1"/>
-                </a:solidFill>
-                <a:effectLst/>
-                <a:latin typeface="+mn-lt"/>
-                <a:ea typeface="+mn-ea"/>
-                <a:cs typeface="+mn-cs"/>
-              </a:rPr>
-              <a:t>属性值作为</a:t>
-            </a:r>
-            <a:r>
-              <a:rPr lang="en-US" altLang="zh-CN" sz="1200" kern="1200" dirty="0">
-                <a:solidFill>
-                  <a:schemeClr val="tx1"/>
-                </a:solidFill>
-                <a:effectLst/>
-                <a:latin typeface="+mn-lt"/>
-                <a:ea typeface="+mn-ea"/>
-                <a:cs typeface="+mn-cs"/>
-              </a:rPr>
-              <a:t>Specific Alternative Flow</a:t>
-            </a:r>
-            <a:r>
-              <a:rPr lang="zh-CN" altLang="zh-CN" sz="1200" kern="1200" dirty="0">
-                <a:solidFill>
-                  <a:schemeClr val="tx1"/>
-                </a:solidFill>
-                <a:effectLst/>
-                <a:latin typeface="+mn-lt"/>
-                <a:ea typeface="+mn-ea"/>
-                <a:cs typeface="+mn-cs"/>
-              </a:rPr>
-              <a:t>的</a:t>
-            </a:r>
-            <a:r>
-              <a:rPr lang="en-US" altLang="zh-CN" sz="1200" kern="1200" dirty="0">
-                <a:solidFill>
-                  <a:schemeClr val="tx1"/>
-                </a:solidFill>
-                <a:effectLst/>
-                <a:latin typeface="+mn-lt"/>
-                <a:ea typeface="+mn-ea"/>
-                <a:cs typeface="+mn-cs"/>
-              </a:rPr>
-              <a:t>RFS</a:t>
-            </a:r>
-            <a:r>
-              <a:rPr lang="zh-CN" altLang="zh-CN" sz="1200" kern="1200" dirty="0">
-                <a:solidFill>
-                  <a:schemeClr val="tx1"/>
-                </a:solidFill>
-                <a:effectLst/>
-                <a:latin typeface="+mn-lt"/>
-                <a:ea typeface="+mn-ea"/>
-                <a:cs typeface="+mn-cs"/>
-              </a:rPr>
-              <a:t>，将此</a:t>
-            </a:r>
-            <a:r>
-              <a:rPr lang="en-US" altLang="zh-CN" sz="1200" kern="1200" dirty="0" err="1">
-                <a:solidFill>
-                  <a:schemeClr val="tx1"/>
-                </a:solidFill>
-                <a:effectLst/>
-                <a:latin typeface="+mn-lt"/>
-                <a:ea typeface="+mn-ea"/>
-                <a:cs typeface="+mn-cs"/>
-              </a:rPr>
-              <a:t>TaggedGWT</a:t>
-            </a:r>
-            <a:r>
-              <a:rPr lang="zh-CN" altLang="zh-CN" sz="1200" kern="1200" dirty="0">
-                <a:solidFill>
-                  <a:schemeClr val="tx1"/>
-                </a:solidFill>
-                <a:effectLst/>
-                <a:latin typeface="+mn-lt"/>
-                <a:ea typeface="+mn-ea"/>
-                <a:cs typeface="+mn-cs"/>
-              </a:rPr>
-              <a:t>的</a:t>
-            </a:r>
-            <a:r>
-              <a:rPr lang="en-US" altLang="zh-CN" sz="1200" kern="1200" dirty="0">
-                <a:solidFill>
-                  <a:schemeClr val="tx1"/>
-                </a:solidFill>
-                <a:effectLst/>
-                <a:latin typeface="+mn-lt"/>
-                <a:ea typeface="+mn-ea"/>
-                <a:cs typeface="+mn-cs"/>
-              </a:rPr>
-              <a:t>When</a:t>
-            </a:r>
-            <a:r>
-              <a:rPr lang="zh-CN" altLang="zh-CN" sz="1200" kern="1200" dirty="0">
-                <a:solidFill>
-                  <a:schemeClr val="tx1"/>
-                </a:solidFill>
-                <a:effectLst/>
-                <a:latin typeface="+mn-lt"/>
-                <a:ea typeface="+mn-ea"/>
-                <a:cs typeface="+mn-cs"/>
-              </a:rPr>
-              <a:t>属性中句子的</a:t>
-            </a:r>
-            <a:r>
-              <a:rPr lang="en-US" altLang="zh-CN" sz="1200" kern="1200" dirty="0" err="1">
-                <a:solidFill>
-                  <a:schemeClr val="tx1"/>
-                </a:solidFill>
-                <a:effectLst/>
-                <a:latin typeface="+mn-lt"/>
-                <a:ea typeface="+mn-ea"/>
-                <a:cs typeface="+mn-cs"/>
-              </a:rPr>
-              <a:t>normalContent</a:t>
-            </a:r>
-            <a:r>
-              <a:rPr lang="zh-CN" altLang="zh-CN" sz="1200" kern="1200" dirty="0">
-                <a:solidFill>
-                  <a:schemeClr val="tx1"/>
-                </a:solidFill>
-                <a:effectLst/>
-                <a:latin typeface="+mn-lt"/>
-                <a:ea typeface="+mn-ea"/>
-                <a:cs typeface="+mn-cs"/>
-              </a:rPr>
-              <a:t>依次作为</a:t>
-            </a:r>
-            <a:r>
-              <a:rPr lang="en-US" altLang="zh-CN" sz="1200" kern="1200" dirty="0">
-                <a:solidFill>
-                  <a:schemeClr val="tx1"/>
-                </a:solidFill>
-                <a:effectLst/>
-                <a:latin typeface="+mn-lt"/>
-                <a:ea typeface="+mn-ea"/>
-                <a:cs typeface="+mn-cs"/>
-              </a:rPr>
-              <a:t>Specific Alternative Flow</a:t>
-            </a:r>
-            <a:r>
-              <a:rPr lang="zh-CN" altLang="zh-CN" sz="1200" kern="1200" dirty="0">
-                <a:solidFill>
-                  <a:schemeClr val="tx1"/>
-                </a:solidFill>
-                <a:effectLst/>
-                <a:latin typeface="+mn-lt"/>
-                <a:ea typeface="+mn-ea"/>
-                <a:cs typeface="+mn-cs"/>
-              </a:rPr>
-              <a:t>中的</a:t>
-            </a:r>
-            <a:r>
-              <a:rPr lang="en-US" altLang="zh-CN" sz="1200" kern="1200" dirty="0">
-                <a:solidFill>
-                  <a:schemeClr val="tx1"/>
-                </a:solidFill>
-                <a:effectLst/>
-                <a:latin typeface="+mn-lt"/>
-                <a:ea typeface="+mn-ea"/>
-                <a:cs typeface="+mn-cs"/>
-              </a:rPr>
-              <a:t>action</a:t>
-            </a:r>
-            <a:r>
-              <a:rPr lang="zh-CN" altLang="zh-CN" sz="1200" kern="1200" dirty="0">
-                <a:solidFill>
-                  <a:schemeClr val="tx1"/>
-                </a:solidFill>
-                <a:effectLst/>
-                <a:latin typeface="+mn-lt"/>
-                <a:ea typeface="+mn-ea"/>
-                <a:cs typeface="+mn-cs"/>
-              </a:rPr>
-              <a:t>，将此</a:t>
-            </a:r>
-            <a:r>
-              <a:rPr lang="en-US" altLang="zh-CN" sz="1200" kern="1200" dirty="0" err="1">
-                <a:solidFill>
-                  <a:schemeClr val="tx1"/>
-                </a:solidFill>
-                <a:effectLst/>
-                <a:latin typeface="+mn-lt"/>
-                <a:ea typeface="+mn-ea"/>
-                <a:cs typeface="+mn-cs"/>
-              </a:rPr>
-              <a:t>TaggedGWT</a:t>
-            </a:r>
-            <a:r>
-              <a:rPr lang="zh-CN" altLang="zh-CN" sz="1200" kern="1200" dirty="0">
-                <a:solidFill>
-                  <a:schemeClr val="tx1"/>
-                </a:solidFill>
-                <a:effectLst/>
-                <a:latin typeface="+mn-lt"/>
-                <a:ea typeface="+mn-ea"/>
-                <a:cs typeface="+mn-cs"/>
-              </a:rPr>
-              <a:t>的</a:t>
-            </a:r>
-            <a:r>
-              <a:rPr lang="en-US" altLang="zh-CN" sz="1200" kern="1200" dirty="0">
-                <a:solidFill>
-                  <a:schemeClr val="tx1"/>
-                </a:solidFill>
-                <a:effectLst/>
-                <a:latin typeface="+mn-lt"/>
-                <a:ea typeface="+mn-ea"/>
-                <a:cs typeface="+mn-cs"/>
-              </a:rPr>
-              <a:t>Then</a:t>
-            </a:r>
-            <a:r>
-              <a:rPr lang="zh-CN" altLang="zh-CN" sz="1200" kern="1200" dirty="0">
-                <a:solidFill>
-                  <a:schemeClr val="tx1"/>
-                </a:solidFill>
-                <a:effectLst/>
-                <a:latin typeface="+mn-lt"/>
-                <a:ea typeface="+mn-ea"/>
-                <a:cs typeface="+mn-cs"/>
-              </a:rPr>
-              <a:t>属性中句子的</a:t>
-            </a:r>
-            <a:r>
-              <a:rPr lang="en-US" altLang="zh-CN" sz="1200" kern="1200" dirty="0" err="1">
-                <a:solidFill>
-                  <a:schemeClr val="tx1"/>
-                </a:solidFill>
-                <a:effectLst/>
-                <a:latin typeface="+mn-lt"/>
-                <a:ea typeface="+mn-ea"/>
-                <a:cs typeface="+mn-cs"/>
-              </a:rPr>
-              <a:t>normalContent</a:t>
-            </a:r>
-            <a:r>
-              <a:rPr lang="zh-CN" altLang="zh-CN" sz="1200" kern="1200" dirty="0">
-                <a:solidFill>
-                  <a:schemeClr val="tx1"/>
-                </a:solidFill>
-                <a:effectLst/>
-                <a:latin typeface="+mn-lt"/>
-                <a:ea typeface="+mn-ea"/>
-                <a:cs typeface="+mn-cs"/>
-              </a:rPr>
-              <a:t>连接成</a:t>
-            </a:r>
-            <a:r>
-              <a:rPr lang="en-US" altLang="zh-CN" sz="1200" kern="1200" dirty="0">
-                <a:solidFill>
-                  <a:schemeClr val="tx1"/>
-                </a:solidFill>
-                <a:effectLst/>
-                <a:latin typeface="+mn-lt"/>
-                <a:ea typeface="+mn-ea"/>
-                <a:cs typeface="+mn-cs"/>
-              </a:rPr>
-              <a:t>Specific Alternative Flow</a:t>
-            </a:r>
-            <a:r>
-              <a:rPr lang="zh-CN" altLang="zh-CN" sz="1200" kern="1200" dirty="0">
-                <a:solidFill>
-                  <a:schemeClr val="tx1"/>
-                </a:solidFill>
-                <a:effectLst/>
-                <a:latin typeface="+mn-lt"/>
-                <a:ea typeface="+mn-ea"/>
-                <a:cs typeface="+mn-cs"/>
-              </a:rPr>
-              <a:t>的</a:t>
-            </a:r>
-            <a:r>
-              <a:rPr lang="en-US" altLang="zh-CN" sz="1200" kern="1200" dirty="0">
-                <a:solidFill>
-                  <a:schemeClr val="tx1"/>
-                </a:solidFill>
-                <a:effectLst/>
-                <a:latin typeface="+mn-lt"/>
-                <a:ea typeface="+mn-ea"/>
-                <a:cs typeface="+mn-cs"/>
-              </a:rPr>
-              <a:t>postcondition</a:t>
-            </a:r>
-            <a:r>
-              <a:rPr lang="zh-CN" altLang="zh-CN" sz="1200" kern="1200" dirty="0">
-                <a:solidFill>
-                  <a:schemeClr val="tx1"/>
-                </a:solidFill>
-                <a:effectLst/>
-                <a:latin typeface="+mn-lt"/>
-                <a:ea typeface="+mn-ea"/>
-                <a:cs typeface="+mn-cs"/>
-              </a:rPr>
-              <a:t>。</a:t>
-            </a:r>
-          </a:p>
-          <a:p>
-            <a:r>
-              <a:rPr lang="en-US" altLang="zh-CN" sz="1200" kern="1200" dirty="0">
-                <a:solidFill>
-                  <a:schemeClr val="tx1"/>
-                </a:solidFill>
-                <a:effectLst/>
-                <a:latin typeface="+mn-lt"/>
-                <a:ea typeface="+mn-ea"/>
-                <a:cs typeface="+mn-cs"/>
-              </a:rPr>
-              <a:t>Bounded Alternative Flow</a:t>
-            </a:r>
-            <a:r>
-              <a:rPr lang="zh-CN" altLang="zh-CN" sz="1200" kern="1200" dirty="0">
-                <a:solidFill>
-                  <a:schemeClr val="tx1"/>
-                </a:solidFill>
-                <a:effectLst/>
-                <a:latin typeface="+mn-lt"/>
-                <a:ea typeface="+mn-ea"/>
-                <a:cs typeface="+mn-cs"/>
-              </a:rPr>
-              <a:t>：使用</a:t>
-            </a:r>
-            <a:r>
-              <a:rPr lang="en-US" altLang="zh-CN" sz="1200" kern="1200" dirty="0" err="1">
-                <a:solidFill>
-                  <a:schemeClr val="tx1"/>
-                </a:solidFill>
-                <a:effectLst/>
-                <a:latin typeface="+mn-lt"/>
-                <a:ea typeface="+mn-ea"/>
-                <a:cs typeface="+mn-cs"/>
-              </a:rPr>
-              <a:t>FlowType</a:t>
-            </a:r>
-            <a:r>
-              <a:rPr lang="zh-CN" altLang="zh-CN" sz="1200" kern="1200" dirty="0">
-                <a:solidFill>
-                  <a:schemeClr val="tx1"/>
-                </a:solidFill>
-                <a:effectLst/>
-                <a:latin typeface="+mn-lt"/>
-                <a:ea typeface="+mn-ea"/>
-                <a:cs typeface="+mn-cs"/>
-              </a:rPr>
-              <a:t>标记为</a:t>
-            </a:r>
-            <a:r>
-              <a:rPr lang="en-US" altLang="zh-CN" sz="1200" kern="1200" dirty="0">
-                <a:solidFill>
-                  <a:schemeClr val="tx1"/>
-                </a:solidFill>
-                <a:effectLst/>
-                <a:latin typeface="+mn-lt"/>
-                <a:ea typeface="+mn-ea"/>
-                <a:cs typeface="+mn-cs"/>
-              </a:rPr>
-              <a:t>bounded</a:t>
-            </a:r>
-            <a:r>
-              <a:rPr lang="zh-CN" altLang="zh-CN" sz="1200" kern="1200" dirty="0">
-                <a:solidFill>
-                  <a:schemeClr val="tx1"/>
-                </a:solidFill>
-                <a:effectLst/>
-                <a:latin typeface="+mn-lt"/>
-                <a:ea typeface="+mn-ea"/>
-                <a:cs typeface="+mn-cs"/>
-              </a:rPr>
-              <a:t>的</a:t>
-            </a:r>
-            <a:r>
-              <a:rPr lang="en-US" altLang="zh-CN" sz="1200" kern="1200" dirty="0" err="1">
-                <a:solidFill>
-                  <a:schemeClr val="tx1"/>
-                </a:solidFill>
-                <a:effectLst/>
-                <a:latin typeface="+mn-lt"/>
-                <a:ea typeface="+mn-ea"/>
-                <a:cs typeface="+mn-cs"/>
-              </a:rPr>
-              <a:t>TaggedGWT</a:t>
-            </a:r>
-            <a:r>
-              <a:rPr lang="zh-CN" altLang="zh-CN" sz="1200" kern="1200" dirty="0">
-                <a:solidFill>
-                  <a:schemeClr val="tx1"/>
-                </a:solidFill>
-                <a:effectLst/>
-                <a:latin typeface="+mn-lt"/>
-                <a:ea typeface="+mn-ea"/>
-                <a:cs typeface="+mn-cs"/>
-              </a:rPr>
-              <a:t>（如果有），将此</a:t>
-            </a:r>
-            <a:r>
-              <a:rPr lang="en-US" altLang="zh-CN" sz="1200" kern="1200" dirty="0" err="1">
-                <a:solidFill>
-                  <a:schemeClr val="tx1"/>
-                </a:solidFill>
-                <a:effectLst/>
-                <a:latin typeface="+mn-lt"/>
-                <a:ea typeface="+mn-ea"/>
-                <a:cs typeface="+mn-cs"/>
-              </a:rPr>
-              <a:t>TaggedGWT</a:t>
-            </a:r>
-            <a:r>
-              <a:rPr lang="zh-CN" altLang="zh-CN" sz="1200" kern="1200" dirty="0">
-                <a:solidFill>
-                  <a:schemeClr val="tx1"/>
-                </a:solidFill>
-                <a:effectLst/>
-                <a:latin typeface="+mn-lt"/>
-                <a:ea typeface="+mn-ea"/>
-                <a:cs typeface="+mn-cs"/>
-              </a:rPr>
-              <a:t>的</a:t>
-            </a:r>
-            <a:r>
-              <a:rPr lang="en-US" altLang="zh-CN" sz="1200" kern="1200" dirty="0">
-                <a:solidFill>
-                  <a:schemeClr val="tx1"/>
-                </a:solidFill>
-                <a:effectLst/>
-                <a:latin typeface="+mn-lt"/>
-                <a:ea typeface="+mn-ea"/>
-                <a:cs typeface="+mn-cs"/>
-              </a:rPr>
-              <a:t>Refer</a:t>
-            </a:r>
-            <a:r>
-              <a:rPr lang="zh-CN" altLang="zh-CN" sz="1200" kern="1200" dirty="0">
-                <a:solidFill>
-                  <a:schemeClr val="tx1"/>
-                </a:solidFill>
-                <a:effectLst/>
-                <a:latin typeface="+mn-lt"/>
-                <a:ea typeface="+mn-ea"/>
-                <a:cs typeface="+mn-cs"/>
-              </a:rPr>
-              <a:t>属性值作为</a:t>
-            </a:r>
-            <a:r>
-              <a:rPr lang="en-US" altLang="zh-CN" sz="1200" kern="1200" dirty="0">
-                <a:solidFill>
-                  <a:schemeClr val="tx1"/>
-                </a:solidFill>
-                <a:effectLst/>
-                <a:latin typeface="+mn-lt"/>
-                <a:ea typeface="+mn-ea"/>
-                <a:cs typeface="+mn-cs"/>
-              </a:rPr>
-              <a:t>Bounded Alternative Flow</a:t>
-            </a:r>
-            <a:r>
-              <a:rPr lang="zh-CN" altLang="zh-CN" sz="1200" kern="1200" dirty="0">
-                <a:solidFill>
-                  <a:schemeClr val="tx1"/>
-                </a:solidFill>
-                <a:effectLst/>
-                <a:latin typeface="+mn-lt"/>
-                <a:ea typeface="+mn-ea"/>
-                <a:cs typeface="+mn-cs"/>
-              </a:rPr>
-              <a:t>的</a:t>
-            </a:r>
-            <a:r>
-              <a:rPr lang="en-US" altLang="zh-CN" sz="1200" kern="1200" dirty="0">
-                <a:solidFill>
-                  <a:schemeClr val="tx1"/>
-                </a:solidFill>
-                <a:effectLst/>
-                <a:latin typeface="+mn-lt"/>
-                <a:ea typeface="+mn-ea"/>
-                <a:cs typeface="+mn-cs"/>
-              </a:rPr>
-              <a:t>RFS</a:t>
-            </a:r>
-            <a:r>
-              <a:rPr lang="zh-CN" altLang="zh-CN" sz="1200" kern="1200" dirty="0">
-                <a:solidFill>
-                  <a:schemeClr val="tx1"/>
-                </a:solidFill>
-                <a:effectLst/>
-                <a:latin typeface="+mn-lt"/>
-                <a:ea typeface="+mn-ea"/>
-                <a:cs typeface="+mn-cs"/>
-              </a:rPr>
-              <a:t>，将此</a:t>
-            </a:r>
-            <a:r>
-              <a:rPr lang="en-US" altLang="zh-CN" sz="1200" kern="1200" dirty="0" err="1">
-                <a:solidFill>
-                  <a:schemeClr val="tx1"/>
-                </a:solidFill>
-                <a:effectLst/>
-                <a:latin typeface="+mn-lt"/>
-                <a:ea typeface="+mn-ea"/>
-                <a:cs typeface="+mn-cs"/>
-              </a:rPr>
-              <a:t>TaggedGWT</a:t>
-            </a:r>
-            <a:r>
-              <a:rPr lang="zh-CN" altLang="zh-CN" sz="1200" kern="1200" dirty="0">
-                <a:solidFill>
-                  <a:schemeClr val="tx1"/>
-                </a:solidFill>
-                <a:effectLst/>
-                <a:latin typeface="+mn-lt"/>
-                <a:ea typeface="+mn-ea"/>
-                <a:cs typeface="+mn-cs"/>
-              </a:rPr>
-              <a:t>的</a:t>
-            </a:r>
-            <a:r>
-              <a:rPr lang="en-US" altLang="zh-CN" sz="1200" kern="1200" dirty="0">
-                <a:solidFill>
-                  <a:schemeClr val="tx1"/>
-                </a:solidFill>
-                <a:effectLst/>
-                <a:latin typeface="+mn-lt"/>
-                <a:ea typeface="+mn-ea"/>
-                <a:cs typeface="+mn-cs"/>
-              </a:rPr>
-              <a:t>When</a:t>
-            </a:r>
-            <a:r>
-              <a:rPr lang="zh-CN" altLang="zh-CN" sz="1200" kern="1200" dirty="0">
-                <a:solidFill>
-                  <a:schemeClr val="tx1"/>
-                </a:solidFill>
-                <a:effectLst/>
-                <a:latin typeface="+mn-lt"/>
-                <a:ea typeface="+mn-ea"/>
-                <a:cs typeface="+mn-cs"/>
-              </a:rPr>
-              <a:t>属性中句子的</a:t>
-            </a:r>
-            <a:r>
-              <a:rPr lang="en-US" altLang="zh-CN" sz="1200" kern="1200" dirty="0" err="1">
-                <a:solidFill>
-                  <a:schemeClr val="tx1"/>
-                </a:solidFill>
-                <a:effectLst/>
-                <a:latin typeface="+mn-lt"/>
-                <a:ea typeface="+mn-ea"/>
-                <a:cs typeface="+mn-cs"/>
-              </a:rPr>
-              <a:t>normalContent</a:t>
-            </a:r>
-            <a:r>
-              <a:rPr lang="zh-CN" altLang="zh-CN" sz="1200" kern="1200" dirty="0">
-                <a:solidFill>
-                  <a:schemeClr val="tx1"/>
-                </a:solidFill>
-                <a:effectLst/>
-                <a:latin typeface="+mn-lt"/>
-                <a:ea typeface="+mn-ea"/>
-                <a:cs typeface="+mn-cs"/>
-              </a:rPr>
-              <a:t>依次作为</a:t>
-            </a:r>
-            <a:r>
-              <a:rPr lang="en-US" altLang="zh-CN" sz="1200" kern="1200" dirty="0">
-                <a:solidFill>
-                  <a:schemeClr val="tx1"/>
-                </a:solidFill>
-                <a:effectLst/>
-                <a:latin typeface="+mn-lt"/>
-                <a:ea typeface="+mn-ea"/>
-                <a:cs typeface="+mn-cs"/>
-              </a:rPr>
-              <a:t>Bounded Alternative Flow</a:t>
-            </a:r>
-            <a:r>
-              <a:rPr lang="zh-CN" altLang="zh-CN" sz="1200" kern="1200" dirty="0">
-                <a:solidFill>
-                  <a:schemeClr val="tx1"/>
-                </a:solidFill>
-                <a:effectLst/>
-                <a:latin typeface="+mn-lt"/>
-                <a:ea typeface="+mn-ea"/>
-                <a:cs typeface="+mn-cs"/>
-              </a:rPr>
-              <a:t>中的</a:t>
-            </a:r>
-            <a:r>
-              <a:rPr lang="en-US" altLang="zh-CN" sz="1200" kern="1200" dirty="0">
-                <a:solidFill>
-                  <a:schemeClr val="tx1"/>
-                </a:solidFill>
-                <a:effectLst/>
-                <a:latin typeface="+mn-lt"/>
-                <a:ea typeface="+mn-ea"/>
-                <a:cs typeface="+mn-cs"/>
-              </a:rPr>
-              <a:t>action</a:t>
-            </a:r>
-            <a:r>
-              <a:rPr lang="zh-CN" altLang="zh-CN" sz="1200" kern="1200" dirty="0">
-                <a:solidFill>
-                  <a:schemeClr val="tx1"/>
-                </a:solidFill>
-                <a:effectLst/>
-                <a:latin typeface="+mn-lt"/>
-                <a:ea typeface="+mn-ea"/>
-                <a:cs typeface="+mn-cs"/>
-              </a:rPr>
-              <a:t>，将此</a:t>
-            </a:r>
-            <a:r>
-              <a:rPr lang="en-US" altLang="zh-CN" sz="1200" kern="1200" dirty="0" err="1">
-                <a:solidFill>
-                  <a:schemeClr val="tx1"/>
-                </a:solidFill>
-                <a:effectLst/>
-                <a:latin typeface="+mn-lt"/>
-                <a:ea typeface="+mn-ea"/>
-                <a:cs typeface="+mn-cs"/>
-              </a:rPr>
-              <a:t>TaggedGWT</a:t>
-            </a:r>
-            <a:r>
-              <a:rPr lang="zh-CN" altLang="zh-CN" sz="1200" kern="1200" dirty="0">
-                <a:solidFill>
-                  <a:schemeClr val="tx1"/>
-                </a:solidFill>
-                <a:effectLst/>
-                <a:latin typeface="+mn-lt"/>
-                <a:ea typeface="+mn-ea"/>
-                <a:cs typeface="+mn-cs"/>
-              </a:rPr>
-              <a:t>的</a:t>
-            </a:r>
-            <a:r>
-              <a:rPr lang="en-US" altLang="zh-CN" sz="1200" kern="1200" dirty="0">
-                <a:solidFill>
-                  <a:schemeClr val="tx1"/>
-                </a:solidFill>
-                <a:effectLst/>
-                <a:latin typeface="+mn-lt"/>
-                <a:ea typeface="+mn-ea"/>
-                <a:cs typeface="+mn-cs"/>
-              </a:rPr>
-              <a:t>Then</a:t>
-            </a:r>
-            <a:r>
-              <a:rPr lang="zh-CN" altLang="zh-CN" sz="1200" kern="1200" dirty="0">
-                <a:solidFill>
-                  <a:schemeClr val="tx1"/>
-                </a:solidFill>
-                <a:effectLst/>
-                <a:latin typeface="+mn-lt"/>
-                <a:ea typeface="+mn-ea"/>
-                <a:cs typeface="+mn-cs"/>
-              </a:rPr>
-              <a:t>属性中句子的</a:t>
-            </a:r>
-            <a:r>
-              <a:rPr lang="en-US" altLang="zh-CN" sz="1200" kern="1200" dirty="0" err="1">
-                <a:solidFill>
-                  <a:schemeClr val="tx1"/>
-                </a:solidFill>
-                <a:effectLst/>
-                <a:latin typeface="+mn-lt"/>
-                <a:ea typeface="+mn-ea"/>
-                <a:cs typeface="+mn-cs"/>
-              </a:rPr>
-              <a:t>normalContent</a:t>
-            </a:r>
-            <a:r>
-              <a:rPr lang="zh-CN" altLang="zh-CN" sz="1200" kern="1200" dirty="0">
-                <a:solidFill>
-                  <a:schemeClr val="tx1"/>
-                </a:solidFill>
-                <a:effectLst/>
-                <a:latin typeface="+mn-lt"/>
-                <a:ea typeface="+mn-ea"/>
-                <a:cs typeface="+mn-cs"/>
-              </a:rPr>
-              <a:t>连接成</a:t>
-            </a:r>
-            <a:r>
-              <a:rPr lang="en-US" altLang="zh-CN" sz="1200" kern="1200" dirty="0">
-                <a:solidFill>
-                  <a:schemeClr val="tx1"/>
-                </a:solidFill>
-                <a:effectLst/>
-                <a:latin typeface="+mn-lt"/>
-                <a:ea typeface="+mn-ea"/>
-                <a:cs typeface="+mn-cs"/>
-              </a:rPr>
-              <a:t>Bounded Alternative Flow</a:t>
-            </a:r>
-            <a:r>
-              <a:rPr lang="zh-CN" altLang="zh-CN" sz="1200" kern="1200" dirty="0">
-                <a:solidFill>
-                  <a:schemeClr val="tx1"/>
-                </a:solidFill>
-                <a:effectLst/>
-                <a:latin typeface="+mn-lt"/>
-                <a:ea typeface="+mn-ea"/>
-                <a:cs typeface="+mn-cs"/>
-              </a:rPr>
-              <a:t>的</a:t>
-            </a:r>
-            <a:r>
-              <a:rPr lang="en-US" altLang="zh-CN" sz="1200" kern="1200" dirty="0">
-                <a:solidFill>
-                  <a:schemeClr val="tx1"/>
-                </a:solidFill>
-                <a:effectLst/>
-                <a:latin typeface="+mn-lt"/>
-                <a:ea typeface="+mn-ea"/>
-                <a:cs typeface="+mn-cs"/>
-              </a:rPr>
-              <a:t>postcondition</a:t>
-            </a:r>
-            <a:r>
-              <a:rPr lang="zh-CN" altLang="zh-CN" sz="1200" kern="1200" dirty="0">
-                <a:solidFill>
-                  <a:schemeClr val="tx1"/>
-                </a:solidFill>
-                <a:effectLst/>
-                <a:latin typeface="+mn-lt"/>
-                <a:ea typeface="+mn-ea"/>
-                <a:cs typeface="+mn-cs"/>
-              </a:rPr>
-              <a:t>。</a:t>
-            </a:r>
-          </a:p>
-          <a:p>
-            <a:r>
-              <a:rPr lang="en-US" altLang="zh-CN" sz="1200" kern="1200" dirty="0">
-                <a:solidFill>
-                  <a:schemeClr val="tx1"/>
-                </a:solidFill>
-                <a:effectLst/>
-                <a:latin typeface="+mn-lt"/>
-                <a:ea typeface="+mn-ea"/>
-                <a:cs typeface="+mn-cs"/>
-              </a:rPr>
-              <a:t>Global Alternative Flow</a:t>
-            </a:r>
-            <a:r>
-              <a:rPr lang="zh-CN" altLang="zh-CN" sz="1200" kern="1200" dirty="0">
-                <a:solidFill>
-                  <a:schemeClr val="tx1"/>
-                </a:solidFill>
-                <a:effectLst/>
-                <a:latin typeface="+mn-lt"/>
-                <a:ea typeface="+mn-ea"/>
-                <a:cs typeface="+mn-cs"/>
-              </a:rPr>
-              <a:t>：使用</a:t>
-            </a:r>
-            <a:r>
-              <a:rPr lang="en-US" altLang="zh-CN" sz="1200" kern="1200" dirty="0" err="1">
-                <a:solidFill>
-                  <a:schemeClr val="tx1"/>
-                </a:solidFill>
-                <a:effectLst/>
-                <a:latin typeface="+mn-lt"/>
-                <a:ea typeface="+mn-ea"/>
-                <a:cs typeface="+mn-cs"/>
-              </a:rPr>
-              <a:t>FlowType</a:t>
-            </a:r>
-            <a:r>
-              <a:rPr lang="zh-CN" altLang="zh-CN" sz="1200" kern="1200" dirty="0">
-                <a:solidFill>
-                  <a:schemeClr val="tx1"/>
-                </a:solidFill>
-                <a:effectLst/>
-                <a:latin typeface="+mn-lt"/>
-                <a:ea typeface="+mn-ea"/>
-                <a:cs typeface="+mn-cs"/>
-              </a:rPr>
-              <a:t>标记为</a:t>
-            </a:r>
-            <a:r>
-              <a:rPr lang="en-US" altLang="zh-CN" sz="1200" kern="1200" dirty="0">
-                <a:solidFill>
-                  <a:schemeClr val="tx1"/>
-                </a:solidFill>
-                <a:effectLst/>
-                <a:latin typeface="+mn-lt"/>
-                <a:ea typeface="+mn-ea"/>
-                <a:cs typeface="+mn-cs"/>
-              </a:rPr>
-              <a:t>global</a:t>
-            </a:r>
-            <a:r>
-              <a:rPr lang="zh-CN" altLang="zh-CN" sz="1200" kern="1200" dirty="0">
-                <a:solidFill>
-                  <a:schemeClr val="tx1"/>
-                </a:solidFill>
-                <a:effectLst/>
-                <a:latin typeface="+mn-lt"/>
-                <a:ea typeface="+mn-ea"/>
-                <a:cs typeface="+mn-cs"/>
-              </a:rPr>
-              <a:t>的</a:t>
-            </a:r>
-            <a:r>
-              <a:rPr lang="en-US" altLang="zh-CN" sz="1200" kern="1200" dirty="0" err="1">
-                <a:solidFill>
-                  <a:schemeClr val="tx1"/>
-                </a:solidFill>
-                <a:effectLst/>
-                <a:latin typeface="+mn-lt"/>
-                <a:ea typeface="+mn-ea"/>
-                <a:cs typeface="+mn-cs"/>
-              </a:rPr>
-              <a:t>TaggedGWT</a:t>
-            </a:r>
-            <a:r>
-              <a:rPr lang="zh-CN" altLang="zh-CN" sz="1200" kern="1200" dirty="0">
-                <a:solidFill>
-                  <a:schemeClr val="tx1"/>
-                </a:solidFill>
-                <a:effectLst/>
-                <a:latin typeface="+mn-lt"/>
-                <a:ea typeface="+mn-ea"/>
-                <a:cs typeface="+mn-cs"/>
-              </a:rPr>
-              <a:t>（如果有），将此</a:t>
-            </a:r>
-            <a:r>
-              <a:rPr lang="en-US" altLang="zh-CN" sz="1200" kern="1200" dirty="0" err="1">
-                <a:solidFill>
-                  <a:schemeClr val="tx1"/>
-                </a:solidFill>
-                <a:effectLst/>
-                <a:latin typeface="+mn-lt"/>
-                <a:ea typeface="+mn-ea"/>
-                <a:cs typeface="+mn-cs"/>
-              </a:rPr>
-              <a:t>TaggedGWT</a:t>
-            </a:r>
-            <a:r>
-              <a:rPr lang="zh-CN" altLang="zh-CN" sz="1200" kern="1200" dirty="0">
-                <a:solidFill>
-                  <a:schemeClr val="tx1"/>
-                </a:solidFill>
-                <a:effectLst/>
-                <a:latin typeface="+mn-lt"/>
-                <a:ea typeface="+mn-ea"/>
-                <a:cs typeface="+mn-cs"/>
-              </a:rPr>
-              <a:t>的</a:t>
-            </a:r>
-            <a:r>
-              <a:rPr lang="en-US" altLang="zh-CN" sz="1200" kern="1200" dirty="0">
-                <a:solidFill>
-                  <a:schemeClr val="tx1"/>
-                </a:solidFill>
-                <a:effectLst/>
-                <a:latin typeface="+mn-lt"/>
-                <a:ea typeface="+mn-ea"/>
-                <a:cs typeface="+mn-cs"/>
-              </a:rPr>
-              <a:t>condition</a:t>
-            </a:r>
-            <a:r>
-              <a:rPr lang="zh-CN" altLang="zh-CN" sz="1200" kern="1200" dirty="0">
-                <a:solidFill>
-                  <a:schemeClr val="tx1"/>
-                </a:solidFill>
-                <a:effectLst/>
-                <a:latin typeface="+mn-lt"/>
-                <a:ea typeface="+mn-ea"/>
-                <a:cs typeface="+mn-cs"/>
-              </a:rPr>
-              <a:t>属性值作为</a:t>
-            </a:r>
-            <a:r>
-              <a:rPr lang="en-US" altLang="zh-CN" sz="1200" kern="1200" dirty="0">
-                <a:solidFill>
-                  <a:schemeClr val="tx1"/>
-                </a:solidFill>
-                <a:effectLst/>
-                <a:latin typeface="+mn-lt"/>
-                <a:ea typeface="+mn-ea"/>
-                <a:cs typeface="+mn-cs"/>
-              </a:rPr>
-              <a:t>Global Alternative Flow</a:t>
-            </a:r>
-            <a:r>
-              <a:rPr lang="zh-CN" altLang="zh-CN" sz="1200" kern="1200" dirty="0">
-                <a:solidFill>
-                  <a:schemeClr val="tx1"/>
-                </a:solidFill>
-                <a:effectLst/>
-                <a:latin typeface="+mn-lt"/>
-                <a:ea typeface="+mn-ea"/>
-                <a:cs typeface="+mn-cs"/>
-              </a:rPr>
-              <a:t>的发生条件，将此</a:t>
-            </a:r>
-            <a:r>
-              <a:rPr lang="en-US" altLang="zh-CN" sz="1200" kern="1200" dirty="0" err="1">
-                <a:solidFill>
-                  <a:schemeClr val="tx1"/>
-                </a:solidFill>
-                <a:effectLst/>
-                <a:latin typeface="+mn-lt"/>
-                <a:ea typeface="+mn-ea"/>
-                <a:cs typeface="+mn-cs"/>
-              </a:rPr>
-              <a:t>TaggedGWT</a:t>
-            </a:r>
-            <a:r>
-              <a:rPr lang="zh-CN" altLang="zh-CN" sz="1200" kern="1200" dirty="0">
-                <a:solidFill>
-                  <a:schemeClr val="tx1"/>
-                </a:solidFill>
-                <a:effectLst/>
-                <a:latin typeface="+mn-lt"/>
-                <a:ea typeface="+mn-ea"/>
-                <a:cs typeface="+mn-cs"/>
-              </a:rPr>
-              <a:t>的</a:t>
-            </a:r>
-            <a:r>
-              <a:rPr lang="en-US" altLang="zh-CN" sz="1200" kern="1200" dirty="0">
-                <a:solidFill>
-                  <a:schemeClr val="tx1"/>
-                </a:solidFill>
-                <a:effectLst/>
-                <a:latin typeface="+mn-lt"/>
-                <a:ea typeface="+mn-ea"/>
-                <a:cs typeface="+mn-cs"/>
-              </a:rPr>
-              <a:t>When</a:t>
-            </a:r>
-            <a:r>
-              <a:rPr lang="zh-CN" altLang="zh-CN" sz="1200" kern="1200" dirty="0">
-                <a:solidFill>
-                  <a:schemeClr val="tx1"/>
-                </a:solidFill>
-                <a:effectLst/>
-                <a:latin typeface="+mn-lt"/>
-                <a:ea typeface="+mn-ea"/>
-                <a:cs typeface="+mn-cs"/>
-              </a:rPr>
-              <a:t>属性中句子的</a:t>
-            </a:r>
-            <a:r>
-              <a:rPr lang="en-US" altLang="zh-CN" sz="1200" kern="1200" dirty="0" err="1">
-                <a:solidFill>
-                  <a:schemeClr val="tx1"/>
-                </a:solidFill>
-                <a:effectLst/>
-                <a:latin typeface="+mn-lt"/>
-                <a:ea typeface="+mn-ea"/>
-                <a:cs typeface="+mn-cs"/>
-              </a:rPr>
-              <a:t>normalContent</a:t>
-            </a:r>
-            <a:r>
-              <a:rPr lang="zh-CN" altLang="zh-CN" sz="1200" kern="1200" dirty="0">
-                <a:solidFill>
-                  <a:schemeClr val="tx1"/>
-                </a:solidFill>
-                <a:effectLst/>
-                <a:latin typeface="+mn-lt"/>
-                <a:ea typeface="+mn-ea"/>
-                <a:cs typeface="+mn-cs"/>
-              </a:rPr>
-              <a:t>依次作为</a:t>
-            </a:r>
-            <a:r>
-              <a:rPr lang="en-US" altLang="zh-CN" sz="1200" kern="1200" dirty="0">
-                <a:solidFill>
-                  <a:schemeClr val="tx1"/>
-                </a:solidFill>
-                <a:effectLst/>
-                <a:latin typeface="+mn-lt"/>
-                <a:ea typeface="+mn-ea"/>
-                <a:cs typeface="+mn-cs"/>
-              </a:rPr>
-              <a:t>Global Alternative Flow</a:t>
-            </a:r>
-            <a:r>
-              <a:rPr lang="zh-CN" altLang="zh-CN" sz="1200" kern="1200" dirty="0">
-                <a:solidFill>
-                  <a:schemeClr val="tx1"/>
-                </a:solidFill>
-                <a:effectLst/>
-                <a:latin typeface="+mn-lt"/>
-                <a:ea typeface="+mn-ea"/>
-                <a:cs typeface="+mn-cs"/>
-              </a:rPr>
-              <a:t>中的</a:t>
-            </a:r>
-            <a:r>
-              <a:rPr lang="en-US" altLang="zh-CN" sz="1200" kern="1200" dirty="0">
-                <a:solidFill>
-                  <a:schemeClr val="tx1"/>
-                </a:solidFill>
-                <a:effectLst/>
-                <a:latin typeface="+mn-lt"/>
-                <a:ea typeface="+mn-ea"/>
-                <a:cs typeface="+mn-cs"/>
-              </a:rPr>
-              <a:t>action</a:t>
-            </a:r>
-            <a:r>
-              <a:rPr lang="zh-CN" altLang="zh-CN" sz="1200" kern="1200" dirty="0">
-                <a:solidFill>
-                  <a:schemeClr val="tx1"/>
-                </a:solidFill>
-                <a:effectLst/>
-                <a:latin typeface="+mn-lt"/>
-                <a:ea typeface="+mn-ea"/>
-                <a:cs typeface="+mn-cs"/>
-              </a:rPr>
-              <a:t>，将此</a:t>
-            </a:r>
-            <a:r>
-              <a:rPr lang="en-US" altLang="zh-CN" sz="1200" kern="1200" dirty="0" err="1">
-                <a:solidFill>
-                  <a:schemeClr val="tx1"/>
-                </a:solidFill>
-                <a:effectLst/>
-                <a:latin typeface="+mn-lt"/>
-                <a:ea typeface="+mn-ea"/>
-                <a:cs typeface="+mn-cs"/>
-              </a:rPr>
-              <a:t>TaggedGWT</a:t>
-            </a:r>
-            <a:r>
-              <a:rPr lang="zh-CN" altLang="zh-CN" sz="1200" kern="1200" dirty="0">
-                <a:solidFill>
-                  <a:schemeClr val="tx1"/>
-                </a:solidFill>
-                <a:effectLst/>
-                <a:latin typeface="+mn-lt"/>
-                <a:ea typeface="+mn-ea"/>
-                <a:cs typeface="+mn-cs"/>
-              </a:rPr>
-              <a:t>的</a:t>
-            </a:r>
-            <a:r>
-              <a:rPr lang="en-US" altLang="zh-CN" sz="1200" kern="1200" dirty="0">
-                <a:solidFill>
-                  <a:schemeClr val="tx1"/>
-                </a:solidFill>
-                <a:effectLst/>
-                <a:latin typeface="+mn-lt"/>
-                <a:ea typeface="+mn-ea"/>
-                <a:cs typeface="+mn-cs"/>
-              </a:rPr>
-              <a:t>Then</a:t>
-            </a:r>
-            <a:r>
-              <a:rPr lang="zh-CN" altLang="zh-CN" sz="1200" kern="1200" dirty="0">
-                <a:solidFill>
-                  <a:schemeClr val="tx1"/>
-                </a:solidFill>
-                <a:effectLst/>
-                <a:latin typeface="+mn-lt"/>
-                <a:ea typeface="+mn-ea"/>
-                <a:cs typeface="+mn-cs"/>
-              </a:rPr>
-              <a:t>属性中句子的</a:t>
-            </a:r>
-            <a:r>
-              <a:rPr lang="en-US" altLang="zh-CN" sz="1200" kern="1200" dirty="0" err="1">
-                <a:solidFill>
-                  <a:schemeClr val="tx1"/>
-                </a:solidFill>
-                <a:effectLst/>
-                <a:latin typeface="+mn-lt"/>
-                <a:ea typeface="+mn-ea"/>
-                <a:cs typeface="+mn-cs"/>
-              </a:rPr>
-              <a:t>normalContent</a:t>
-            </a:r>
-            <a:r>
-              <a:rPr lang="zh-CN" altLang="zh-CN" sz="1200" kern="1200" dirty="0">
-                <a:solidFill>
-                  <a:schemeClr val="tx1"/>
-                </a:solidFill>
-                <a:effectLst/>
-                <a:latin typeface="+mn-lt"/>
-                <a:ea typeface="+mn-ea"/>
-                <a:cs typeface="+mn-cs"/>
-              </a:rPr>
-              <a:t>连接成</a:t>
-            </a:r>
-            <a:r>
-              <a:rPr lang="en-US" altLang="zh-CN" sz="1200" kern="1200" dirty="0">
-                <a:solidFill>
-                  <a:schemeClr val="tx1"/>
-                </a:solidFill>
-                <a:effectLst/>
-                <a:latin typeface="+mn-lt"/>
-                <a:ea typeface="+mn-ea"/>
-                <a:cs typeface="+mn-cs"/>
-              </a:rPr>
-              <a:t>Global Alternative Flow</a:t>
-            </a:r>
-            <a:r>
-              <a:rPr lang="zh-CN" altLang="zh-CN" sz="1200" kern="1200" dirty="0">
-                <a:solidFill>
-                  <a:schemeClr val="tx1"/>
-                </a:solidFill>
-                <a:effectLst/>
-                <a:latin typeface="+mn-lt"/>
-                <a:ea typeface="+mn-ea"/>
-                <a:cs typeface="+mn-cs"/>
-              </a:rPr>
-              <a:t>的</a:t>
-            </a:r>
-            <a:r>
-              <a:rPr lang="en-US" altLang="zh-CN" sz="1200" kern="1200" dirty="0">
-                <a:solidFill>
-                  <a:schemeClr val="tx1"/>
-                </a:solidFill>
-                <a:effectLst/>
-                <a:latin typeface="+mn-lt"/>
-                <a:ea typeface="+mn-ea"/>
-                <a:cs typeface="+mn-cs"/>
-              </a:rPr>
-              <a:t>postcondition</a:t>
-            </a:r>
-            <a:r>
-              <a:rPr lang="zh-CN" altLang="zh-CN" sz="1200" kern="1200" dirty="0">
-                <a:solidFill>
-                  <a:schemeClr val="tx1"/>
-                </a:solidFill>
-                <a:effectLst/>
-                <a:latin typeface="+mn-lt"/>
-                <a:ea typeface="+mn-ea"/>
-                <a:cs typeface="+mn-cs"/>
-              </a:rPr>
-              <a:t>。</a:t>
-            </a:r>
-          </a:p>
-          <a:p>
+              <a:t>（如果有</a:t>
+            </a:r>
             <a:endParaRPr lang="zh-CN" altLang="en-US" dirty="0"/>
           </a:p>
         </p:txBody>
